--- a/presentations/defense.pptx
+++ b/presentations/defense.pptx
@@ -4,8 +4,15 @@
   <p:sldMasterIdLst>
     <p:sldMasterId id="2147483648" r:id="rId1"/>
   </p:sldMasterIdLst>
+  <p:notesMasterIdLst>
+    <p:notesMasterId r:id="rId7"/>
+  </p:notesMasterIdLst>
   <p:sldIdLst>
     <p:sldId id="256" r:id="rId2"/>
+    <p:sldId id="257" r:id="rId3"/>
+    <p:sldId id="258" r:id="rId4"/>
+    <p:sldId id="259" r:id="rId5"/>
+    <p:sldId id="260" r:id="rId6"/>
   </p:sldIdLst>
   <p:sldSz cx="12192000" cy="6858000"/>
   <p:notesSz cx="6858000" cy="9144000"/>
@@ -105,6 +112,521 @@
     </a:lvl9pPr>
   </p:defaultTextStyle>
 </p:presentation>
+</file>
+
+<file path=ppt/notesMasters/notesMaster1.xml><?xml version="1.0" encoding="utf-8"?>
+<p:notesMaster xmlns:a="http://schemas.openxmlformats.org/drawingml/2006/main" xmlns:r="http://schemas.openxmlformats.org/officeDocument/2006/relationships" xmlns:p="http://schemas.openxmlformats.org/presentationml/2006/main">
+  <p:cSld>
+    <p:bg>
+      <p:bgRef idx="1001">
+        <a:schemeClr val="bg1"/>
+      </p:bgRef>
+    </p:bg>
+    <p:spTree>
+      <p:nvGrpSpPr>
+        <p:cNvPr id="1" name=""/>
+        <p:cNvGrpSpPr/>
+        <p:nvPr/>
+      </p:nvGrpSpPr>
+      <p:grpSpPr>
+        <a:xfrm>
+          <a:off x="0" y="0"/>
+          <a:ext cx="0" cy="0"/>
+          <a:chOff x="0" y="0"/>
+          <a:chExt cx="0" cy="0"/>
+        </a:xfrm>
+      </p:grpSpPr>
+      <p:sp>
+        <p:nvSpPr>
+          <p:cNvPr id="2" name="Header Placeholder 1"/>
+          <p:cNvSpPr>
+            <a:spLocks noGrp="1"/>
+          </p:cNvSpPr>
+          <p:nvPr>
+            <p:ph type="hdr" sz="quarter"/>
+          </p:nvPr>
+        </p:nvSpPr>
+        <p:spPr>
+          <a:xfrm>
+            <a:off x="0" y="0"/>
+            <a:ext cx="2971800" cy="458788"/>
+          </a:xfrm>
+          <a:prstGeom prst="rect">
+            <a:avLst/>
+          </a:prstGeom>
+        </p:spPr>
+        <p:txBody>
+          <a:bodyPr vert="horz" lIns="91440" tIns="45720" rIns="91440" bIns="45720" rtlCol="0"/>
+          <a:lstStyle>
+            <a:lvl1pPr algn="l">
+              <a:defRPr sz="1200"/>
+            </a:lvl1pPr>
+          </a:lstStyle>
+          <a:p>
+            <a:endParaRPr lang="en-US"/>
+          </a:p>
+        </p:txBody>
+      </p:sp>
+      <p:sp>
+        <p:nvSpPr>
+          <p:cNvPr id="3" name="Date Placeholder 2"/>
+          <p:cNvSpPr>
+            <a:spLocks noGrp="1"/>
+          </p:cNvSpPr>
+          <p:nvPr>
+            <p:ph type="dt" idx="1"/>
+          </p:nvPr>
+        </p:nvSpPr>
+        <p:spPr>
+          <a:xfrm>
+            <a:off x="3884613" y="0"/>
+            <a:ext cx="2971800" cy="458788"/>
+          </a:xfrm>
+          <a:prstGeom prst="rect">
+            <a:avLst/>
+          </a:prstGeom>
+        </p:spPr>
+        <p:txBody>
+          <a:bodyPr vert="horz" lIns="91440" tIns="45720" rIns="91440" bIns="45720" rtlCol="0"/>
+          <a:lstStyle>
+            <a:lvl1pPr algn="r">
+              <a:defRPr sz="1200"/>
+            </a:lvl1pPr>
+          </a:lstStyle>
+          <a:p>
+            <a:fld id="{92A9D73B-3245-9D46-99F9-67329B58F33B}" type="datetimeFigureOut">
+              <a:rPr lang="en-US" smtClean="0"/>
+              <a:t>11/19/15</a:t>
+            </a:fld>
+            <a:endParaRPr lang="en-US"/>
+          </a:p>
+        </p:txBody>
+      </p:sp>
+      <p:sp>
+        <p:nvSpPr>
+          <p:cNvPr id="4" name="Slide Image Placeholder 3"/>
+          <p:cNvSpPr>
+            <a:spLocks noGrp="1" noRot="1" noChangeAspect="1"/>
+          </p:cNvSpPr>
+          <p:nvPr>
+            <p:ph type="sldImg" idx="2"/>
+          </p:nvPr>
+        </p:nvSpPr>
+        <p:spPr>
+          <a:xfrm>
+            <a:off x="685800" y="1143000"/>
+            <a:ext cx="5486400" cy="3086100"/>
+          </a:xfrm>
+          <a:prstGeom prst="rect">
+            <a:avLst/>
+          </a:prstGeom>
+          <a:noFill/>
+          <a:ln w="12700">
+            <a:solidFill>
+              <a:prstClr val="black"/>
+            </a:solidFill>
+          </a:ln>
+        </p:spPr>
+        <p:txBody>
+          <a:bodyPr vert="horz" lIns="91440" tIns="45720" rIns="91440" bIns="45720" rtlCol="0" anchor="ctr"/>
+          <a:lstStyle/>
+          <a:p>
+            <a:endParaRPr lang="en-US"/>
+          </a:p>
+        </p:txBody>
+      </p:sp>
+      <p:sp>
+        <p:nvSpPr>
+          <p:cNvPr id="5" name="Notes Placeholder 4"/>
+          <p:cNvSpPr>
+            <a:spLocks noGrp="1"/>
+          </p:cNvSpPr>
+          <p:nvPr>
+            <p:ph type="body" sz="quarter" idx="3"/>
+          </p:nvPr>
+        </p:nvSpPr>
+        <p:spPr>
+          <a:xfrm>
+            <a:off x="685800" y="4400550"/>
+            <a:ext cx="5486400" cy="3600450"/>
+          </a:xfrm>
+          <a:prstGeom prst="rect">
+            <a:avLst/>
+          </a:prstGeom>
+        </p:spPr>
+        <p:txBody>
+          <a:bodyPr vert="horz" lIns="91440" tIns="45720" rIns="91440" bIns="45720" rtlCol="0"/>
+          <a:lstStyle/>
+          <a:p>
+            <a:pPr lvl="0"/>
+            <a:r>
+              <a:rPr lang="en-US" smtClean="0"/>
+              <a:t>Click to edit Master text styles</a:t>
+            </a:r>
+          </a:p>
+          <a:p>
+            <a:pPr lvl="1"/>
+            <a:r>
+              <a:rPr lang="en-US" smtClean="0"/>
+              <a:t>Second level</a:t>
+            </a:r>
+          </a:p>
+          <a:p>
+            <a:pPr lvl="2"/>
+            <a:r>
+              <a:rPr lang="en-US" smtClean="0"/>
+              <a:t>Third level</a:t>
+            </a:r>
+          </a:p>
+          <a:p>
+            <a:pPr lvl="3"/>
+            <a:r>
+              <a:rPr lang="en-US" smtClean="0"/>
+              <a:t>Fourth level</a:t>
+            </a:r>
+          </a:p>
+          <a:p>
+            <a:pPr lvl="4"/>
+            <a:r>
+              <a:rPr lang="en-US" smtClean="0"/>
+              <a:t>Fifth level</a:t>
+            </a:r>
+            <a:endParaRPr lang="en-US"/>
+          </a:p>
+        </p:txBody>
+      </p:sp>
+      <p:sp>
+        <p:nvSpPr>
+          <p:cNvPr id="6" name="Footer Placeholder 5"/>
+          <p:cNvSpPr>
+            <a:spLocks noGrp="1"/>
+          </p:cNvSpPr>
+          <p:nvPr>
+            <p:ph type="ftr" sz="quarter" idx="4"/>
+          </p:nvPr>
+        </p:nvSpPr>
+        <p:spPr>
+          <a:xfrm>
+            <a:off x="0" y="8685213"/>
+            <a:ext cx="2971800" cy="458787"/>
+          </a:xfrm>
+          <a:prstGeom prst="rect">
+            <a:avLst/>
+          </a:prstGeom>
+        </p:spPr>
+        <p:txBody>
+          <a:bodyPr vert="horz" lIns="91440" tIns="45720" rIns="91440" bIns="45720" rtlCol="0" anchor="b"/>
+          <a:lstStyle>
+            <a:lvl1pPr algn="l">
+              <a:defRPr sz="1200"/>
+            </a:lvl1pPr>
+          </a:lstStyle>
+          <a:p>
+            <a:endParaRPr lang="en-US"/>
+          </a:p>
+        </p:txBody>
+      </p:sp>
+      <p:sp>
+        <p:nvSpPr>
+          <p:cNvPr id="7" name="Slide Number Placeholder 6"/>
+          <p:cNvSpPr>
+            <a:spLocks noGrp="1"/>
+          </p:cNvSpPr>
+          <p:nvPr>
+            <p:ph type="sldNum" sz="quarter" idx="5"/>
+          </p:nvPr>
+        </p:nvSpPr>
+        <p:spPr>
+          <a:xfrm>
+            <a:off x="3884613" y="8685213"/>
+            <a:ext cx="2971800" cy="458787"/>
+          </a:xfrm>
+          <a:prstGeom prst="rect">
+            <a:avLst/>
+          </a:prstGeom>
+        </p:spPr>
+        <p:txBody>
+          <a:bodyPr vert="horz" lIns="91440" tIns="45720" rIns="91440" bIns="45720" rtlCol="0" anchor="b"/>
+          <a:lstStyle>
+            <a:lvl1pPr algn="r">
+              <a:defRPr sz="1200"/>
+            </a:lvl1pPr>
+          </a:lstStyle>
+          <a:p>
+            <a:fld id="{72D62022-544B-4C4F-96A3-6045A2BA2447}" type="slidenum">
+              <a:rPr lang="en-US" smtClean="0"/>
+              <a:t>‹#›</a:t>
+            </a:fld>
+            <a:endParaRPr lang="en-US"/>
+          </a:p>
+        </p:txBody>
+      </p:sp>
+    </p:spTree>
+    <p:extLst>
+      <p:ext uri="{BB962C8B-B14F-4D97-AF65-F5344CB8AC3E}">
+        <p14:creationId xmlns:p14="http://schemas.microsoft.com/office/powerpoint/2010/main" val="298488906"/>
+      </p:ext>
+    </p:extLst>
+  </p:cSld>
+  <p:clrMap bg1="lt1" tx1="dk1" bg2="lt2" tx2="dk2" accent1="accent1" accent2="accent2" accent3="accent3" accent4="accent4" accent5="accent5" accent6="accent6" hlink="hlink" folHlink="folHlink"/>
+  <p:notesStyle>
+    <a:lvl1pPr marL="0" algn="l" defTabSz="914400" rtl="0" eaLnBrk="1" latinLnBrk="0" hangingPunct="1">
+      <a:defRPr sz="1200" kern="1200">
+        <a:solidFill>
+          <a:schemeClr val="tx1"/>
+        </a:solidFill>
+        <a:latin typeface="+mn-lt"/>
+        <a:ea typeface="+mn-ea"/>
+        <a:cs typeface="+mn-cs"/>
+      </a:defRPr>
+    </a:lvl1pPr>
+    <a:lvl2pPr marL="457200" algn="l" defTabSz="914400" rtl="0" eaLnBrk="1" latinLnBrk="0" hangingPunct="1">
+      <a:defRPr sz="1200" kern="1200">
+        <a:solidFill>
+          <a:schemeClr val="tx1"/>
+        </a:solidFill>
+        <a:latin typeface="+mn-lt"/>
+        <a:ea typeface="+mn-ea"/>
+        <a:cs typeface="+mn-cs"/>
+      </a:defRPr>
+    </a:lvl2pPr>
+    <a:lvl3pPr marL="914400" algn="l" defTabSz="914400" rtl="0" eaLnBrk="1" latinLnBrk="0" hangingPunct="1">
+      <a:defRPr sz="1200" kern="1200">
+        <a:solidFill>
+          <a:schemeClr val="tx1"/>
+        </a:solidFill>
+        <a:latin typeface="+mn-lt"/>
+        <a:ea typeface="+mn-ea"/>
+        <a:cs typeface="+mn-cs"/>
+      </a:defRPr>
+    </a:lvl3pPr>
+    <a:lvl4pPr marL="1371600" algn="l" defTabSz="914400" rtl="0" eaLnBrk="1" latinLnBrk="0" hangingPunct="1">
+      <a:defRPr sz="1200" kern="1200">
+        <a:solidFill>
+          <a:schemeClr val="tx1"/>
+        </a:solidFill>
+        <a:latin typeface="+mn-lt"/>
+        <a:ea typeface="+mn-ea"/>
+        <a:cs typeface="+mn-cs"/>
+      </a:defRPr>
+    </a:lvl4pPr>
+    <a:lvl5pPr marL="1828800" algn="l" defTabSz="914400" rtl="0" eaLnBrk="1" latinLnBrk="0" hangingPunct="1">
+      <a:defRPr sz="1200" kern="1200">
+        <a:solidFill>
+          <a:schemeClr val="tx1"/>
+        </a:solidFill>
+        <a:latin typeface="+mn-lt"/>
+        <a:ea typeface="+mn-ea"/>
+        <a:cs typeface="+mn-cs"/>
+      </a:defRPr>
+    </a:lvl5pPr>
+    <a:lvl6pPr marL="2286000" algn="l" defTabSz="914400" rtl="0" eaLnBrk="1" latinLnBrk="0" hangingPunct="1">
+      <a:defRPr sz="1200" kern="1200">
+        <a:solidFill>
+          <a:schemeClr val="tx1"/>
+        </a:solidFill>
+        <a:latin typeface="+mn-lt"/>
+        <a:ea typeface="+mn-ea"/>
+        <a:cs typeface="+mn-cs"/>
+      </a:defRPr>
+    </a:lvl6pPr>
+    <a:lvl7pPr marL="2743200" algn="l" defTabSz="914400" rtl="0" eaLnBrk="1" latinLnBrk="0" hangingPunct="1">
+      <a:defRPr sz="1200" kern="1200">
+        <a:solidFill>
+          <a:schemeClr val="tx1"/>
+        </a:solidFill>
+        <a:latin typeface="+mn-lt"/>
+        <a:ea typeface="+mn-ea"/>
+        <a:cs typeface="+mn-cs"/>
+      </a:defRPr>
+    </a:lvl7pPr>
+    <a:lvl8pPr marL="3200400" algn="l" defTabSz="914400" rtl="0" eaLnBrk="1" latinLnBrk="0" hangingPunct="1">
+      <a:defRPr sz="1200" kern="1200">
+        <a:solidFill>
+          <a:schemeClr val="tx1"/>
+        </a:solidFill>
+        <a:latin typeface="+mn-lt"/>
+        <a:ea typeface="+mn-ea"/>
+        <a:cs typeface="+mn-cs"/>
+      </a:defRPr>
+    </a:lvl8pPr>
+    <a:lvl9pPr marL="3657600" algn="l" defTabSz="914400" rtl="0" eaLnBrk="1" latinLnBrk="0" hangingPunct="1">
+      <a:defRPr sz="1200" kern="1200">
+        <a:solidFill>
+          <a:schemeClr val="tx1"/>
+        </a:solidFill>
+        <a:latin typeface="+mn-lt"/>
+        <a:ea typeface="+mn-ea"/>
+        <a:cs typeface="+mn-cs"/>
+      </a:defRPr>
+    </a:lvl9pPr>
+  </p:notesStyle>
+</p:notesMaster>
+</file>
+
+<file path=ppt/notesSlides/notesSlide1.xml><?xml version="1.0" encoding="utf-8"?>
+<p:notes xmlns:a="http://schemas.openxmlformats.org/drawingml/2006/main" xmlns:r="http://schemas.openxmlformats.org/officeDocument/2006/relationships" xmlns:p="http://schemas.openxmlformats.org/presentationml/2006/main">
+  <p:cSld>
+    <p:spTree>
+      <p:nvGrpSpPr>
+        <p:cNvPr id="1" name=""/>
+        <p:cNvGrpSpPr/>
+        <p:nvPr/>
+      </p:nvGrpSpPr>
+      <p:grpSpPr>
+        <a:xfrm>
+          <a:off x="0" y="0"/>
+          <a:ext cx="0" cy="0"/>
+          <a:chOff x="0" y="0"/>
+          <a:chExt cx="0" cy="0"/>
+        </a:xfrm>
+      </p:grpSpPr>
+      <p:sp>
+        <p:nvSpPr>
+          <p:cNvPr id="2" name="Slide Image Placeholder 1"/>
+          <p:cNvSpPr>
+            <a:spLocks noGrp="1" noRot="1" noChangeAspect="1"/>
+          </p:cNvSpPr>
+          <p:nvPr>
+            <p:ph type="sldImg"/>
+          </p:nvPr>
+        </p:nvSpPr>
+        <p:spPr/>
+      </p:sp>
+      <p:sp>
+        <p:nvSpPr>
+          <p:cNvPr id="3" name="Notes Placeholder 2"/>
+          <p:cNvSpPr>
+            <a:spLocks noGrp="1"/>
+          </p:cNvSpPr>
+          <p:nvPr>
+            <p:ph type="body" idx="1"/>
+          </p:nvPr>
+        </p:nvSpPr>
+        <p:spPr/>
+        <p:txBody>
+          <a:bodyPr/>
+          <a:lstStyle/>
+          <a:p>
+            <a:endParaRPr lang="en-US" dirty="0"/>
+          </a:p>
+          <a:p>
+            <a:r>
+              <a:rPr lang="en-US" dirty="0" smtClean="0"/>
+              <a:t>nascent-</a:t>
+            </a:r>
+            <a:r>
+              <a:rPr lang="en-US" dirty="0" err="1" smtClean="0"/>
+              <a:t>seq</a:t>
+            </a:r>
+            <a:r>
+              <a:rPr lang="en-US" dirty="0" smtClean="0"/>
+              <a:t>:</a:t>
+            </a:r>
+            <a:r>
+              <a:rPr lang="en-US" baseline="0" dirty="0" smtClean="0"/>
+              <a:t> </a:t>
+            </a:r>
+            <a:r>
+              <a:rPr lang="en-US" dirty="0" smtClean="0"/>
+              <a:t>Distribution</a:t>
+            </a:r>
+            <a:r>
+              <a:rPr lang="en-US" baseline="0" dirty="0" smtClean="0"/>
+              <a:t> of ternary elongation complexes </a:t>
+            </a:r>
+            <a:endParaRPr lang="en-US" dirty="0" smtClean="0"/>
+          </a:p>
+          <a:p>
+            <a:endParaRPr lang="en-US" dirty="0" smtClean="0"/>
+          </a:p>
+          <a:p>
+            <a:r>
+              <a:rPr lang="en-US" dirty="0" smtClean="0"/>
+              <a:t>----- </a:t>
+            </a:r>
+            <a:r>
+              <a:rPr lang="en-US" dirty="0"/>
+              <a:t>Meeting Notes (5/30/13 12:52) -----</a:t>
+            </a:r>
+          </a:p>
+          <a:p>
+            <a:r>
+              <a:rPr lang="en-US" dirty="0"/>
+              <a:t>Genome-wide instead of genomic scale</a:t>
+            </a:r>
+          </a:p>
+          <a:p>
+            <a:r>
+              <a:rPr lang="en-US" dirty="0"/>
+              <a:t>24 </a:t>
+            </a:r>
+            <a:r>
+              <a:rPr lang="en-US" dirty="0" err="1"/>
+              <a:t>hr</a:t>
+            </a:r>
+            <a:r>
+              <a:rPr lang="en-US" dirty="0"/>
+              <a:t> embryogenesis</a:t>
+            </a:r>
+          </a:p>
+          <a:p>
+            <a:r>
+              <a:rPr lang="en-US" dirty="0" err="1"/>
+              <a:t>Pupal</a:t>
+            </a:r>
+            <a:r>
+              <a:rPr lang="en-US" dirty="0"/>
+              <a:t> 5 days ?</a:t>
+            </a:r>
+          </a:p>
+          <a:p>
+            <a:r>
+              <a:rPr lang="en-US" dirty="0"/>
+              <a:t>Histone marks under chip-</a:t>
+            </a:r>
+            <a:r>
+              <a:rPr lang="en-US" dirty="0" err="1"/>
+              <a:t>seq</a:t>
+            </a:r>
+            <a:endParaRPr lang="en-US" dirty="0"/>
+          </a:p>
+        </p:txBody>
+      </p:sp>
+      <p:sp>
+        <p:nvSpPr>
+          <p:cNvPr id="4" name="Slide Number Placeholder 3"/>
+          <p:cNvSpPr>
+            <a:spLocks noGrp="1"/>
+          </p:cNvSpPr>
+          <p:nvPr>
+            <p:ph type="sldNum" sz="quarter" idx="10"/>
+          </p:nvPr>
+        </p:nvSpPr>
+        <p:spPr/>
+        <p:txBody>
+          <a:bodyPr/>
+          <a:lstStyle/>
+          <a:p>
+            <a:fld id="{D3026B94-C3B6-E643-B863-5E8F0FAD9FF9}" type="slidenum">
+              <a:rPr lang="en-US" smtClean="0"/>
+              <a:t>2</a:t>
+            </a:fld>
+            <a:endParaRPr lang="en-US"/>
+          </a:p>
+        </p:txBody>
+      </p:sp>
+    </p:spTree>
+    <p:extLst>
+      <p:ext uri="{BB962C8B-B14F-4D97-AF65-F5344CB8AC3E}">
+        <p14:creationId xmlns:p14="http://schemas.microsoft.com/office/powerpoint/2010/main" val="1031894804"/>
+      </p:ext>
+    </p:extLst>
+  </p:cSld>
+  <p:clrMapOvr>
+    <a:masterClrMapping/>
+  </p:clrMapOvr>
+</p:notes>
 </file>
 
 <file path=ppt/slideLayouts/slideLayout1.xml><?xml version="1.0" encoding="utf-8"?>
@@ -3013,10 +3535,10 @@
           <a:lstStyle/>
           <a:p>
             <a:r>
-              <a:rPr lang="en-US" smtClean="0"/>
+              <a:rPr lang="en-US" dirty="0" smtClean="0"/>
               <a:t>Michael Chambers</a:t>
             </a:r>
-            <a:endParaRPr lang="en-US"/>
+            <a:endParaRPr lang="en-US" dirty="0"/>
           </a:p>
         </p:txBody>
       </p:sp>
@@ -3024,6 +3546,3277 @@
     <p:extLst>
       <p:ext uri="{BB962C8B-B14F-4D97-AF65-F5344CB8AC3E}">
         <p14:creationId xmlns:p14="http://schemas.microsoft.com/office/powerpoint/2010/main" val="1600699653"/>
+      </p:ext>
+    </p:extLst>
+  </p:cSld>
+  <p:clrMapOvr>
+    <a:masterClrMapping/>
+  </p:clrMapOvr>
+</p:sld>
+</file>
+
+<file path=ppt/slides/slide2.xml><?xml version="1.0" encoding="utf-8"?>
+<p:sld xmlns:a="http://schemas.openxmlformats.org/drawingml/2006/main" xmlns:r="http://schemas.openxmlformats.org/officeDocument/2006/relationships" xmlns:p="http://schemas.openxmlformats.org/presentationml/2006/main">
+  <p:cSld>
+    <p:spTree>
+      <p:nvGrpSpPr>
+        <p:cNvPr id="1" name=""/>
+        <p:cNvGrpSpPr/>
+        <p:nvPr/>
+      </p:nvGrpSpPr>
+      <p:grpSpPr>
+        <a:xfrm>
+          <a:off x="0" y="0"/>
+          <a:ext cx="0" cy="0"/>
+          <a:chOff x="0" y="0"/>
+          <a:chExt cx="0" cy="0"/>
+        </a:xfrm>
+      </p:grpSpPr>
+      <p:sp>
+        <p:nvSpPr>
+          <p:cNvPr id="2" name="Title 1"/>
+          <p:cNvSpPr>
+            <a:spLocks noGrp="1"/>
+          </p:cNvSpPr>
+          <p:nvPr>
+            <p:ph type="title"/>
+          </p:nvPr>
+        </p:nvSpPr>
+        <p:spPr/>
+        <p:txBody>
+          <a:bodyPr>
+            <a:normAutofit/>
+          </a:bodyPr>
+          <a:lstStyle/>
+          <a:p>
+            <a:r>
+              <a:rPr lang="en-US" sz="3200" dirty="0"/>
+              <a:t>Genomic scale analysis will provide significant insight into Groucho’s functions in early fly development</a:t>
+            </a:r>
+            <a:endParaRPr lang="en-US" sz="3200" dirty="0"/>
+          </a:p>
+        </p:txBody>
+      </p:sp>
+      <p:cxnSp>
+        <p:nvCxnSpPr>
+          <p:cNvPr id="12" name="Straight Arrow Connector 11"/>
+          <p:cNvCxnSpPr/>
+          <p:nvPr/>
+        </p:nvCxnSpPr>
+        <p:spPr>
+          <a:xfrm>
+            <a:off x="2286001" y="3235641"/>
+            <a:ext cx="2662767" cy="0"/>
+          </a:xfrm>
+          <a:prstGeom prst="straightConnector1">
+            <a:avLst/>
+          </a:prstGeom>
+          <a:ln>
+            <a:tailEnd type="arrow"/>
+          </a:ln>
+        </p:spPr>
+        <p:style>
+          <a:lnRef idx="2">
+            <a:schemeClr val="accent1"/>
+          </a:lnRef>
+          <a:fillRef idx="0">
+            <a:schemeClr val="accent1"/>
+          </a:fillRef>
+          <a:effectRef idx="1">
+            <a:schemeClr val="accent1"/>
+          </a:effectRef>
+          <a:fontRef idx="minor">
+            <a:schemeClr val="tx1"/>
+          </a:fontRef>
+        </p:style>
+      </p:cxnSp>
+      <p:cxnSp>
+        <p:nvCxnSpPr>
+          <p:cNvPr id="19" name="Straight Connector 18"/>
+          <p:cNvCxnSpPr/>
+          <p:nvPr/>
+        </p:nvCxnSpPr>
+        <p:spPr>
+          <a:xfrm flipV="1">
+            <a:off x="3131104" y="3091179"/>
+            <a:ext cx="0" cy="292100"/>
+          </a:xfrm>
+          <a:prstGeom prst="line">
+            <a:avLst/>
+          </a:prstGeom>
+        </p:spPr>
+        <p:style>
+          <a:lnRef idx="2">
+            <a:schemeClr val="accent1"/>
+          </a:lnRef>
+          <a:fillRef idx="0">
+            <a:schemeClr val="accent1"/>
+          </a:fillRef>
+          <a:effectRef idx="1">
+            <a:schemeClr val="accent1"/>
+          </a:effectRef>
+          <a:fontRef idx="minor">
+            <a:schemeClr val="tx1"/>
+          </a:fontRef>
+        </p:style>
+      </p:cxnSp>
+      <p:cxnSp>
+        <p:nvCxnSpPr>
+          <p:cNvPr id="20" name="Straight Connector 19"/>
+          <p:cNvCxnSpPr/>
+          <p:nvPr/>
+        </p:nvCxnSpPr>
+        <p:spPr>
+          <a:xfrm flipV="1">
+            <a:off x="3845126" y="3091179"/>
+            <a:ext cx="0" cy="292100"/>
+          </a:xfrm>
+          <a:prstGeom prst="line">
+            <a:avLst/>
+          </a:prstGeom>
+        </p:spPr>
+        <p:style>
+          <a:lnRef idx="2">
+            <a:schemeClr val="accent1"/>
+          </a:lnRef>
+          <a:fillRef idx="0">
+            <a:schemeClr val="accent1"/>
+          </a:fillRef>
+          <a:effectRef idx="1">
+            <a:schemeClr val="accent1"/>
+          </a:effectRef>
+          <a:fontRef idx="minor">
+            <a:schemeClr val="tx1"/>
+          </a:fontRef>
+        </p:style>
+      </p:cxnSp>
+      <p:cxnSp>
+        <p:nvCxnSpPr>
+          <p:cNvPr id="21" name="Straight Connector 20"/>
+          <p:cNvCxnSpPr/>
+          <p:nvPr/>
+        </p:nvCxnSpPr>
+        <p:spPr>
+          <a:xfrm flipV="1">
+            <a:off x="4559148" y="3091179"/>
+            <a:ext cx="0" cy="292100"/>
+          </a:xfrm>
+          <a:prstGeom prst="line">
+            <a:avLst/>
+          </a:prstGeom>
+        </p:spPr>
+        <p:style>
+          <a:lnRef idx="2">
+            <a:schemeClr val="accent1"/>
+          </a:lnRef>
+          <a:fillRef idx="0">
+            <a:schemeClr val="accent1"/>
+          </a:fillRef>
+          <a:effectRef idx="1">
+            <a:schemeClr val="accent1"/>
+          </a:effectRef>
+          <a:fontRef idx="minor">
+            <a:schemeClr val="tx1"/>
+          </a:fontRef>
+        </p:style>
+      </p:cxnSp>
+      <p:cxnSp>
+        <p:nvCxnSpPr>
+          <p:cNvPr id="23" name="Straight Connector 22"/>
+          <p:cNvCxnSpPr/>
+          <p:nvPr/>
+        </p:nvCxnSpPr>
+        <p:spPr>
+          <a:xfrm>
+            <a:off x="2743200" y="3505200"/>
+            <a:ext cx="3479800" cy="1358900"/>
+          </a:xfrm>
+          <a:prstGeom prst="line">
+            <a:avLst/>
+          </a:prstGeom>
+        </p:spPr>
+        <p:style>
+          <a:lnRef idx="2">
+            <a:schemeClr val="accent1"/>
+          </a:lnRef>
+          <a:fillRef idx="0">
+            <a:schemeClr val="accent1"/>
+          </a:fillRef>
+          <a:effectRef idx="1">
+            <a:schemeClr val="accent1"/>
+          </a:effectRef>
+          <a:fontRef idx="minor">
+            <a:schemeClr val="tx1"/>
+          </a:fontRef>
+        </p:style>
+      </p:cxnSp>
+      <p:cxnSp>
+        <p:nvCxnSpPr>
+          <p:cNvPr id="25" name="Straight Connector 24"/>
+          <p:cNvCxnSpPr/>
+          <p:nvPr/>
+        </p:nvCxnSpPr>
+        <p:spPr>
+          <a:xfrm>
+            <a:off x="3429000" y="3505200"/>
+            <a:ext cx="2794000" cy="1358900"/>
+          </a:xfrm>
+          <a:prstGeom prst="line">
+            <a:avLst/>
+          </a:prstGeom>
+        </p:spPr>
+        <p:style>
+          <a:lnRef idx="2">
+            <a:schemeClr val="accent1"/>
+          </a:lnRef>
+          <a:fillRef idx="0">
+            <a:schemeClr val="accent1"/>
+          </a:fillRef>
+          <a:effectRef idx="1">
+            <a:schemeClr val="accent1"/>
+          </a:effectRef>
+          <a:fontRef idx="minor">
+            <a:schemeClr val="tx1"/>
+          </a:fontRef>
+        </p:style>
+      </p:cxnSp>
+      <p:cxnSp>
+        <p:nvCxnSpPr>
+          <p:cNvPr id="27" name="Straight Connector 26"/>
+          <p:cNvCxnSpPr/>
+          <p:nvPr/>
+        </p:nvCxnSpPr>
+        <p:spPr>
+          <a:xfrm>
+            <a:off x="4191000" y="3505200"/>
+            <a:ext cx="2032000" cy="1358900"/>
+          </a:xfrm>
+          <a:prstGeom prst="line">
+            <a:avLst/>
+          </a:prstGeom>
+        </p:spPr>
+        <p:style>
+          <a:lnRef idx="2">
+            <a:schemeClr val="accent1"/>
+          </a:lnRef>
+          <a:fillRef idx="0">
+            <a:schemeClr val="accent1"/>
+          </a:fillRef>
+          <a:effectRef idx="1">
+            <a:schemeClr val="accent1"/>
+          </a:effectRef>
+          <a:fontRef idx="minor">
+            <a:schemeClr val="tx1"/>
+          </a:fontRef>
+        </p:style>
+      </p:cxnSp>
+      <p:sp>
+        <p:nvSpPr>
+          <p:cNvPr id="28" name="Rectangle 27"/>
+          <p:cNvSpPr/>
+          <p:nvPr/>
+        </p:nvSpPr>
+        <p:spPr>
+          <a:xfrm>
+            <a:off x="4267201" y="4978400"/>
+            <a:ext cx="1202267" cy="304800"/>
+          </a:xfrm>
+          <a:prstGeom prst="rect">
+            <a:avLst/>
+          </a:prstGeom>
+        </p:spPr>
+        <p:style>
+          <a:lnRef idx="1">
+            <a:schemeClr val="accent1"/>
+          </a:lnRef>
+          <a:fillRef idx="3">
+            <a:schemeClr val="accent1"/>
+          </a:fillRef>
+          <a:effectRef idx="2">
+            <a:schemeClr val="accent1"/>
+          </a:effectRef>
+          <a:fontRef idx="minor">
+            <a:schemeClr val="lt1"/>
+          </a:fontRef>
+        </p:style>
+        <p:txBody>
+          <a:bodyPr rtlCol="0" anchor="ctr"/>
+          <a:lstStyle/>
+          <a:p>
+            <a:pPr algn="ctr"/>
+            <a:r>
+              <a:rPr lang="en-US" dirty="0"/>
+              <a:t>RNA-seq</a:t>
+            </a:r>
+            <a:endParaRPr lang="en-US" dirty="0"/>
+          </a:p>
+        </p:txBody>
+      </p:sp>
+      <p:sp>
+        <p:nvSpPr>
+          <p:cNvPr id="29" name="Rectangle 28"/>
+          <p:cNvSpPr/>
+          <p:nvPr/>
+        </p:nvSpPr>
+        <p:spPr>
+          <a:xfrm>
+            <a:off x="5520268" y="4978400"/>
+            <a:ext cx="1363133" cy="304800"/>
+          </a:xfrm>
+          <a:prstGeom prst="rect">
+            <a:avLst/>
+          </a:prstGeom>
+        </p:spPr>
+        <p:style>
+          <a:lnRef idx="1">
+            <a:schemeClr val="accent1"/>
+          </a:lnRef>
+          <a:fillRef idx="3">
+            <a:schemeClr val="accent1"/>
+          </a:fillRef>
+          <a:effectRef idx="2">
+            <a:schemeClr val="accent1"/>
+          </a:effectRef>
+          <a:fontRef idx="minor">
+            <a:schemeClr val="lt1"/>
+          </a:fontRef>
+        </p:style>
+        <p:txBody>
+          <a:bodyPr rtlCol="0" anchor="ctr"/>
+          <a:lstStyle/>
+          <a:p>
+            <a:pPr algn="ctr"/>
+            <a:r>
+              <a:rPr lang="en-US" dirty="0"/>
+              <a:t>Nascent-seq</a:t>
+            </a:r>
+            <a:endParaRPr lang="en-US" dirty="0"/>
+          </a:p>
+        </p:txBody>
+      </p:sp>
+      <p:sp>
+        <p:nvSpPr>
+          <p:cNvPr id="30" name="Rectangle 29"/>
+          <p:cNvSpPr/>
+          <p:nvPr/>
+        </p:nvSpPr>
+        <p:spPr>
+          <a:xfrm>
+            <a:off x="6929968" y="4978400"/>
+            <a:ext cx="1202267" cy="304800"/>
+          </a:xfrm>
+          <a:prstGeom prst="rect">
+            <a:avLst/>
+          </a:prstGeom>
+        </p:spPr>
+        <p:style>
+          <a:lnRef idx="1">
+            <a:schemeClr val="accent1"/>
+          </a:lnRef>
+          <a:fillRef idx="3">
+            <a:schemeClr val="accent1"/>
+          </a:fillRef>
+          <a:effectRef idx="2">
+            <a:schemeClr val="accent1"/>
+          </a:effectRef>
+          <a:fontRef idx="minor">
+            <a:schemeClr val="lt1"/>
+          </a:fontRef>
+        </p:style>
+        <p:txBody>
+          <a:bodyPr rtlCol="0" anchor="ctr"/>
+          <a:lstStyle/>
+          <a:p>
+            <a:pPr algn="ctr"/>
+            <a:r>
+              <a:rPr lang="en-US" dirty="0" err="1"/>
+              <a:t>ChIP-seq</a:t>
+            </a:r>
+            <a:endParaRPr lang="en-US" dirty="0"/>
+          </a:p>
+        </p:txBody>
+      </p:sp>
+      <p:sp>
+        <p:nvSpPr>
+          <p:cNvPr id="31" name="Rectangle 30"/>
+          <p:cNvSpPr/>
+          <p:nvPr/>
+        </p:nvSpPr>
+        <p:spPr>
+          <a:xfrm>
+            <a:off x="4267201" y="5283200"/>
+            <a:ext cx="1202267" cy="508000"/>
+          </a:xfrm>
+          <a:prstGeom prst="rect">
+            <a:avLst/>
+          </a:prstGeom>
+        </p:spPr>
+        <p:style>
+          <a:lnRef idx="1">
+            <a:schemeClr val="accent1"/>
+          </a:lnRef>
+          <a:fillRef idx="3">
+            <a:schemeClr val="accent1"/>
+          </a:fillRef>
+          <a:effectRef idx="2">
+            <a:schemeClr val="accent1"/>
+          </a:effectRef>
+          <a:fontRef idx="minor">
+            <a:schemeClr val="lt1"/>
+          </a:fontRef>
+        </p:style>
+        <p:txBody>
+          <a:bodyPr rtlCol="0" anchor="ctr"/>
+          <a:lstStyle/>
+          <a:p>
+            <a:pPr algn="ctr"/>
+            <a:r>
+              <a:rPr lang="en-US" sz="1400" dirty="0"/>
+              <a:t>mRNA accumulation</a:t>
+            </a:r>
+            <a:endParaRPr lang="en-US" sz="1400" dirty="0"/>
+          </a:p>
+        </p:txBody>
+      </p:sp>
+      <p:sp>
+        <p:nvSpPr>
+          <p:cNvPr id="32" name="Rectangle 31"/>
+          <p:cNvSpPr/>
+          <p:nvPr/>
+        </p:nvSpPr>
+        <p:spPr>
+          <a:xfrm>
+            <a:off x="5520268" y="5283200"/>
+            <a:ext cx="1363133" cy="508000"/>
+          </a:xfrm>
+          <a:prstGeom prst="rect">
+            <a:avLst/>
+          </a:prstGeom>
+        </p:spPr>
+        <p:style>
+          <a:lnRef idx="1">
+            <a:schemeClr val="accent1"/>
+          </a:lnRef>
+          <a:fillRef idx="3">
+            <a:schemeClr val="accent1"/>
+          </a:fillRef>
+          <a:effectRef idx="2">
+            <a:schemeClr val="accent1"/>
+          </a:effectRef>
+          <a:fontRef idx="minor">
+            <a:schemeClr val="lt1"/>
+          </a:fontRef>
+        </p:style>
+        <p:txBody>
+          <a:bodyPr rtlCol="0" anchor="ctr"/>
+          <a:lstStyle/>
+          <a:p>
+            <a:pPr algn="ctr"/>
+            <a:r>
+              <a:rPr lang="en-US" sz="1200" dirty="0"/>
+              <a:t>mRNA transcription rate</a:t>
+            </a:r>
+            <a:endParaRPr lang="en-US" sz="1200" dirty="0"/>
+          </a:p>
+        </p:txBody>
+      </p:sp>
+      <p:sp>
+        <p:nvSpPr>
+          <p:cNvPr id="33" name="Rectangle 32"/>
+          <p:cNvSpPr/>
+          <p:nvPr/>
+        </p:nvSpPr>
+        <p:spPr>
+          <a:xfrm>
+            <a:off x="6929968" y="5283200"/>
+            <a:ext cx="1202267" cy="508000"/>
+          </a:xfrm>
+          <a:prstGeom prst="rect">
+            <a:avLst/>
+          </a:prstGeom>
+        </p:spPr>
+        <p:style>
+          <a:lnRef idx="1">
+            <a:schemeClr val="accent1"/>
+          </a:lnRef>
+          <a:fillRef idx="3">
+            <a:schemeClr val="accent1"/>
+          </a:fillRef>
+          <a:effectRef idx="2">
+            <a:schemeClr val="accent1"/>
+          </a:effectRef>
+          <a:fontRef idx="minor">
+            <a:schemeClr val="lt1"/>
+          </a:fontRef>
+        </p:style>
+        <p:txBody>
+          <a:bodyPr rtlCol="0" anchor="ctr"/>
+          <a:lstStyle/>
+          <a:p>
+            <a:pPr algn="ctr"/>
+            <a:r>
+              <a:rPr lang="en-US" sz="1400" dirty="0"/>
+              <a:t>Groucho binding</a:t>
+            </a:r>
+            <a:endParaRPr lang="en-US" sz="1400" dirty="0"/>
+          </a:p>
+        </p:txBody>
+      </p:sp>
+      <p:sp>
+        <p:nvSpPr>
+          <p:cNvPr id="37" name="Freeform 36"/>
+          <p:cNvSpPr/>
+          <p:nvPr/>
+        </p:nvSpPr>
+        <p:spPr>
+          <a:xfrm>
+            <a:off x="3259289" y="1706017"/>
+            <a:ext cx="830112" cy="370195"/>
+          </a:xfrm>
+          <a:custGeom>
+            <a:avLst/>
+            <a:gdLst>
+              <a:gd name="connsiteX0" fmla="*/ 443484 w 3343759"/>
+              <a:gd name="connsiteY0" fmla="*/ 105577 h 919649"/>
+              <a:gd name="connsiteX1" fmla="*/ 3313684 w 3343759"/>
+              <a:gd name="connsiteY1" fmla="*/ 54777 h 919649"/>
+              <a:gd name="connsiteX2" fmla="*/ 1840484 w 3343759"/>
+              <a:gd name="connsiteY2" fmla="*/ 918377 h 919649"/>
+              <a:gd name="connsiteX3" fmla="*/ 151384 w 3343759"/>
+              <a:gd name="connsiteY3" fmla="*/ 245277 h 919649"/>
+              <a:gd name="connsiteX4" fmla="*/ 443484 w 3343759"/>
+              <a:gd name="connsiteY4" fmla="*/ 105577 h 919649"/>
+              <a:gd name="connsiteX0" fmla="*/ 299625 w 3199900"/>
+              <a:gd name="connsiteY0" fmla="*/ 121485 h 938774"/>
+              <a:gd name="connsiteX1" fmla="*/ 3169825 w 3199900"/>
+              <a:gd name="connsiteY1" fmla="*/ 70685 h 938774"/>
+              <a:gd name="connsiteX2" fmla="*/ 1696625 w 3199900"/>
+              <a:gd name="connsiteY2" fmla="*/ 934285 h 938774"/>
+              <a:gd name="connsiteX3" fmla="*/ 248825 w 3199900"/>
+              <a:gd name="connsiteY3" fmla="*/ 690230 h 938774"/>
+              <a:gd name="connsiteX4" fmla="*/ 299625 w 3199900"/>
+              <a:gd name="connsiteY4" fmla="*/ 121485 h 938774"/>
+              <a:gd name="connsiteX0" fmla="*/ 296177 w 3146808"/>
+              <a:gd name="connsiteY0" fmla="*/ 4048 h 821337"/>
+              <a:gd name="connsiteX1" fmla="*/ 3115577 w 3146808"/>
+              <a:gd name="connsiteY1" fmla="*/ 343288 h 821337"/>
+              <a:gd name="connsiteX2" fmla="*/ 1693177 w 3146808"/>
+              <a:gd name="connsiteY2" fmla="*/ 816848 h 821337"/>
+              <a:gd name="connsiteX3" fmla="*/ 245377 w 3146808"/>
+              <a:gd name="connsiteY3" fmla="*/ 572793 h 821337"/>
+              <a:gd name="connsiteX4" fmla="*/ 296177 w 3146808"/>
+              <a:gd name="connsiteY4" fmla="*/ 4048 h 821337"/>
+              <a:gd name="connsiteX0" fmla="*/ 290170 w 3054150"/>
+              <a:gd name="connsiteY0" fmla="*/ 22177 h 839466"/>
+              <a:gd name="connsiteX1" fmla="*/ 3020670 w 3054150"/>
+              <a:gd name="connsiteY1" fmla="*/ 185899 h 839466"/>
+              <a:gd name="connsiteX2" fmla="*/ 1687170 w 3054150"/>
+              <a:gd name="connsiteY2" fmla="*/ 834977 h 839466"/>
+              <a:gd name="connsiteX3" fmla="*/ 239370 w 3054150"/>
+              <a:gd name="connsiteY3" fmla="*/ 590922 h 839466"/>
+              <a:gd name="connsiteX4" fmla="*/ 290170 w 3054150"/>
+              <a:gd name="connsiteY4" fmla="*/ 22177 h 839466"/>
+              <a:gd name="connsiteX0" fmla="*/ 290170 w 3163476"/>
+              <a:gd name="connsiteY0" fmla="*/ 19117 h 831929"/>
+              <a:gd name="connsiteX1" fmla="*/ 3020670 w 3163476"/>
+              <a:gd name="connsiteY1" fmla="*/ 182839 h 831929"/>
+              <a:gd name="connsiteX2" fmla="*/ 2665069 w 3163476"/>
+              <a:gd name="connsiteY2" fmla="*/ 657671 h 831929"/>
+              <a:gd name="connsiteX3" fmla="*/ 1687170 w 3163476"/>
+              <a:gd name="connsiteY3" fmla="*/ 831917 h 831929"/>
+              <a:gd name="connsiteX4" fmla="*/ 239370 w 3163476"/>
+              <a:gd name="connsiteY4" fmla="*/ 587862 h 831929"/>
+              <a:gd name="connsiteX5" fmla="*/ 290170 w 3163476"/>
+              <a:gd name="connsiteY5" fmla="*/ 19117 h 831929"/>
+              <a:gd name="connsiteX0" fmla="*/ 269029 w 2903676"/>
+              <a:gd name="connsiteY0" fmla="*/ 51806 h 864618"/>
+              <a:gd name="connsiteX1" fmla="*/ 2682029 w 2903676"/>
+              <a:gd name="connsiteY1" fmla="*/ 98516 h 864618"/>
+              <a:gd name="connsiteX2" fmla="*/ 2643928 w 2903676"/>
+              <a:gd name="connsiteY2" fmla="*/ 690360 h 864618"/>
+              <a:gd name="connsiteX3" fmla="*/ 1666029 w 2903676"/>
+              <a:gd name="connsiteY3" fmla="*/ 864606 h 864618"/>
+              <a:gd name="connsiteX4" fmla="*/ 218229 w 2903676"/>
+              <a:gd name="connsiteY4" fmla="*/ 620551 h 864618"/>
+              <a:gd name="connsiteX5" fmla="*/ 269029 w 2903676"/>
+              <a:gd name="connsiteY5" fmla="*/ 51806 h 864618"/>
+              <a:gd name="connsiteX0" fmla="*/ 220509 w 2855156"/>
+              <a:gd name="connsiteY0" fmla="*/ 51806 h 864618"/>
+              <a:gd name="connsiteX1" fmla="*/ 2633509 w 2855156"/>
+              <a:gd name="connsiteY1" fmla="*/ 98516 h 864618"/>
+              <a:gd name="connsiteX2" fmla="*/ 2595408 w 2855156"/>
+              <a:gd name="connsiteY2" fmla="*/ 690360 h 864618"/>
+              <a:gd name="connsiteX3" fmla="*/ 1617509 w 2855156"/>
+              <a:gd name="connsiteY3" fmla="*/ 864606 h 864618"/>
+              <a:gd name="connsiteX4" fmla="*/ 271309 w 2855156"/>
+              <a:gd name="connsiteY4" fmla="*/ 620551 h 864618"/>
+              <a:gd name="connsiteX5" fmla="*/ 220509 w 2855156"/>
+              <a:gd name="connsiteY5" fmla="*/ 51806 h 864618"/>
+              <a:gd name="connsiteX0" fmla="*/ 220509 w 2829298"/>
+              <a:gd name="connsiteY0" fmla="*/ 50393 h 863205"/>
+              <a:gd name="connsiteX1" fmla="*/ 2633509 w 2829298"/>
+              <a:gd name="connsiteY1" fmla="*/ 97103 h 863205"/>
+              <a:gd name="connsiteX2" fmla="*/ 2531908 w 2829298"/>
+              <a:gd name="connsiteY2" fmla="*/ 659694 h 863205"/>
+              <a:gd name="connsiteX3" fmla="*/ 1617509 w 2829298"/>
+              <a:gd name="connsiteY3" fmla="*/ 863193 h 863205"/>
+              <a:gd name="connsiteX4" fmla="*/ 271309 w 2829298"/>
+              <a:gd name="connsiteY4" fmla="*/ 619138 h 863205"/>
+              <a:gd name="connsiteX5" fmla="*/ 220509 w 2829298"/>
+              <a:gd name="connsiteY5" fmla="*/ 50393 h 863205"/>
+              <a:gd name="connsiteX0" fmla="*/ 229621 w 2932164"/>
+              <a:gd name="connsiteY0" fmla="*/ 50393 h 863205"/>
+              <a:gd name="connsiteX1" fmla="*/ 2769621 w 2932164"/>
+              <a:gd name="connsiteY1" fmla="*/ 97103 h 863205"/>
+              <a:gd name="connsiteX2" fmla="*/ 2541020 w 2932164"/>
+              <a:gd name="connsiteY2" fmla="*/ 659694 h 863205"/>
+              <a:gd name="connsiteX3" fmla="*/ 1626621 w 2932164"/>
+              <a:gd name="connsiteY3" fmla="*/ 863193 h 863205"/>
+              <a:gd name="connsiteX4" fmla="*/ 280421 w 2932164"/>
+              <a:gd name="connsiteY4" fmla="*/ 619138 h 863205"/>
+              <a:gd name="connsiteX5" fmla="*/ 229621 w 2932164"/>
+              <a:gd name="connsiteY5" fmla="*/ 50393 h 863205"/>
+              <a:gd name="connsiteX0" fmla="*/ 208960 w 2911503"/>
+              <a:gd name="connsiteY0" fmla="*/ 48286 h 861095"/>
+              <a:gd name="connsiteX1" fmla="*/ 2748960 w 2911503"/>
+              <a:gd name="connsiteY1" fmla="*/ 94996 h 861095"/>
+              <a:gd name="connsiteX2" fmla="*/ 2520359 w 2911503"/>
+              <a:gd name="connsiteY2" fmla="*/ 657587 h 861095"/>
+              <a:gd name="connsiteX3" fmla="*/ 1605960 w 2911503"/>
+              <a:gd name="connsiteY3" fmla="*/ 861086 h 861095"/>
+              <a:gd name="connsiteX4" fmla="*/ 310560 w 2911503"/>
+              <a:gd name="connsiteY4" fmla="*/ 587778 h 861095"/>
+              <a:gd name="connsiteX5" fmla="*/ 208960 w 2911503"/>
+              <a:gd name="connsiteY5" fmla="*/ 48286 h 861095"/>
+              <a:gd name="connsiteX0" fmla="*/ 208960 w 2979708"/>
+              <a:gd name="connsiteY0" fmla="*/ 50197 h 863006"/>
+              <a:gd name="connsiteX1" fmla="*/ 2748960 w 2979708"/>
+              <a:gd name="connsiteY1" fmla="*/ 96907 h 863006"/>
+              <a:gd name="connsiteX2" fmla="*/ 2710859 w 2979708"/>
+              <a:gd name="connsiteY2" fmla="*/ 698502 h 863006"/>
+              <a:gd name="connsiteX3" fmla="*/ 1605960 w 2979708"/>
+              <a:gd name="connsiteY3" fmla="*/ 862997 h 863006"/>
+              <a:gd name="connsiteX4" fmla="*/ 310560 w 2979708"/>
+              <a:gd name="connsiteY4" fmla="*/ 589689 h 863006"/>
+              <a:gd name="connsiteX5" fmla="*/ 208960 w 2979708"/>
+              <a:gd name="connsiteY5" fmla="*/ 50197 h 863006"/>
+              <a:gd name="connsiteX0" fmla="*/ 185850 w 2956598"/>
+              <a:gd name="connsiteY0" fmla="*/ 50197 h 863006"/>
+              <a:gd name="connsiteX1" fmla="*/ 2725850 w 2956598"/>
+              <a:gd name="connsiteY1" fmla="*/ 96907 h 863006"/>
+              <a:gd name="connsiteX2" fmla="*/ 2687749 w 2956598"/>
+              <a:gd name="connsiteY2" fmla="*/ 698502 h 863006"/>
+              <a:gd name="connsiteX3" fmla="*/ 1582850 w 2956598"/>
+              <a:gd name="connsiteY3" fmla="*/ 862997 h 863006"/>
+              <a:gd name="connsiteX4" fmla="*/ 350950 w 2956598"/>
+              <a:gd name="connsiteY4" fmla="*/ 589689 h 863006"/>
+              <a:gd name="connsiteX5" fmla="*/ 185850 w 2956598"/>
+              <a:gd name="connsiteY5" fmla="*/ 50197 h 863006"/>
+              <a:gd name="connsiteX0" fmla="*/ 185850 w 2940843"/>
+              <a:gd name="connsiteY0" fmla="*/ 49234 h 862043"/>
+              <a:gd name="connsiteX1" fmla="*/ 2725850 w 2940843"/>
+              <a:gd name="connsiteY1" fmla="*/ 95944 h 862043"/>
+              <a:gd name="connsiteX2" fmla="*/ 2649649 w 2940843"/>
+              <a:gd name="connsiteY2" fmla="*/ 678037 h 862043"/>
+              <a:gd name="connsiteX3" fmla="*/ 1582850 w 2940843"/>
+              <a:gd name="connsiteY3" fmla="*/ 862034 h 862043"/>
+              <a:gd name="connsiteX4" fmla="*/ 350950 w 2940843"/>
+              <a:gd name="connsiteY4" fmla="*/ 588726 h 862043"/>
+              <a:gd name="connsiteX5" fmla="*/ 185850 w 2940843"/>
+              <a:gd name="connsiteY5" fmla="*/ 49234 h 862043"/>
+              <a:gd name="connsiteX0" fmla="*/ 208959 w 2963952"/>
+              <a:gd name="connsiteY0" fmla="*/ 56597 h 869431"/>
+              <a:gd name="connsiteX1" fmla="*/ 2748959 w 2963952"/>
+              <a:gd name="connsiteY1" fmla="*/ 103307 h 869431"/>
+              <a:gd name="connsiteX2" fmla="*/ 2672758 w 2963952"/>
+              <a:gd name="connsiteY2" fmla="*/ 685400 h 869431"/>
+              <a:gd name="connsiteX3" fmla="*/ 1605959 w 2963952"/>
+              <a:gd name="connsiteY3" fmla="*/ 869397 h 869431"/>
+              <a:gd name="connsiteX4" fmla="*/ 310559 w 2963952"/>
+              <a:gd name="connsiteY4" fmla="*/ 698475 h 869431"/>
+              <a:gd name="connsiteX5" fmla="*/ 208959 w 2963952"/>
+              <a:gd name="connsiteY5" fmla="*/ 56597 h 869431"/>
+              <a:gd name="connsiteX0" fmla="*/ 199011 w 2954004"/>
+              <a:gd name="connsiteY0" fmla="*/ 56597 h 913295"/>
+              <a:gd name="connsiteX1" fmla="*/ 2739011 w 2954004"/>
+              <a:gd name="connsiteY1" fmla="*/ 103307 h 913295"/>
+              <a:gd name="connsiteX2" fmla="*/ 2662810 w 2954004"/>
+              <a:gd name="connsiteY2" fmla="*/ 685400 h 913295"/>
+              <a:gd name="connsiteX3" fmla="*/ 1386461 w 2954004"/>
+              <a:gd name="connsiteY3" fmla="*/ 913277 h 913295"/>
+              <a:gd name="connsiteX4" fmla="*/ 300611 w 2954004"/>
+              <a:gd name="connsiteY4" fmla="*/ 698475 h 913295"/>
+              <a:gd name="connsiteX5" fmla="*/ 199011 w 2954004"/>
+              <a:gd name="connsiteY5" fmla="*/ 56597 h 913295"/>
+              <a:gd name="connsiteX0" fmla="*/ 276708 w 3031701"/>
+              <a:gd name="connsiteY0" fmla="*/ 39654 h 896343"/>
+              <a:gd name="connsiteX1" fmla="*/ 2816708 w 3031701"/>
+              <a:gd name="connsiteY1" fmla="*/ 86364 h 896343"/>
+              <a:gd name="connsiteX2" fmla="*/ 2740507 w 3031701"/>
+              <a:gd name="connsiteY2" fmla="*/ 668457 h 896343"/>
+              <a:gd name="connsiteX3" fmla="*/ 1464158 w 3031701"/>
+              <a:gd name="connsiteY3" fmla="*/ 896334 h 896343"/>
+              <a:gd name="connsiteX4" fmla="*/ 378308 w 3031701"/>
+              <a:gd name="connsiteY4" fmla="*/ 681532 h 896343"/>
+              <a:gd name="connsiteX5" fmla="*/ 78951 w 3031701"/>
+              <a:gd name="connsiteY5" fmla="*/ 444184 h 896343"/>
+              <a:gd name="connsiteX6" fmla="*/ 276708 w 3031701"/>
+              <a:gd name="connsiteY6" fmla="*/ 39654 h 896343"/>
+              <a:gd name="connsiteX0" fmla="*/ 398902 w 2949509"/>
+              <a:gd name="connsiteY0" fmla="*/ 39654 h 896343"/>
+              <a:gd name="connsiteX1" fmla="*/ 2748402 w 2949509"/>
+              <a:gd name="connsiteY1" fmla="*/ 86364 h 896343"/>
+              <a:gd name="connsiteX2" fmla="*/ 2672201 w 2949509"/>
+              <a:gd name="connsiteY2" fmla="*/ 668457 h 896343"/>
+              <a:gd name="connsiteX3" fmla="*/ 1395852 w 2949509"/>
+              <a:gd name="connsiteY3" fmla="*/ 896334 h 896343"/>
+              <a:gd name="connsiteX4" fmla="*/ 310002 w 2949509"/>
+              <a:gd name="connsiteY4" fmla="*/ 681532 h 896343"/>
+              <a:gd name="connsiteX5" fmla="*/ 10645 w 2949509"/>
+              <a:gd name="connsiteY5" fmla="*/ 444184 h 896343"/>
+              <a:gd name="connsiteX6" fmla="*/ 398902 w 2949509"/>
+              <a:gd name="connsiteY6" fmla="*/ 39654 h 896343"/>
+              <a:gd name="connsiteX0" fmla="*/ 444107 w 2940217"/>
+              <a:gd name="connsiteY0" fmla="*/ 39654 h 896343"/>
+              <a:gd name="connsiteX1" fmla="*/ 2742807 w 2940217"/>
+              <a:gd name="connsiteY1" fmla="*/ 86364 h 896343"/>
+              <a:gd name="connsiteX2" fmla="*/ 2666606 w 2940217"/>
+              <a:gd name="connsiteY2" fmla="*/ 668457 h 896343"/>
+              <a:gd name="connsiteX3" fmla="*/ 1390257 w 2940217"/>
+              <a:gd name="connsiteY3" fmla="*/ 896334 h 896343"/>
+              <a:gd name="connsiteX4" fmla="*/ 304407 w 2940217"/>
+              <a:gd name="connsiteY4" fmla="*/ 681532 h 896343"/>
+              <a:gd name="connsiteX5" fmla="*/ 5050 w 2940217"/>
+              <a:gd name="connsiteY5" fmla="*/ 444184 h 896343"/>
+              <a:gd name="connsiteX6" fmla="*/ 444107 w 2940217"/>
+              <a:gd name="connsiteY6" fmla="*/ 39654 h 896343"/>
+              <a:gd name="connsiteX0" fmla="*/ 444107 w 2940217"/>
+              <a:gd name="connsiteY0" fmla="*/ 32465 h 913531"/>
+              <a:gd name="connsiteX1" fmla="*/ 2742807 w 2940217"/>
+              <a:gd name="connsiteY1" fmla="*/ 103552 h 913531"/>
+              <a:gd name="connsiteX2" fmla="*/ 2666606 w 2940217"/>
+              <a:gd name="connsiteY2" fmla="*/ 685645 h 913531"/>
+              <a:gd name="connsiteX3" fmla="*/ 1390257 w 2940217"/>
+              <a:gd name="connsiteY3" fmla="*/ 913522 h 913531"/>
+              <a:gd name="connsiteX4" fmla="*/ 304407 w 2940217"/>
+              <a:gd name="connsiteY4" fmla="*/ 698720 h 913531"/>
+              <a:gd name="connsiteX5" fmla="*/ 5050 w 2940217"/>
+              <a:gd name="connsiteY5" fmla="*/ 461372 h 913531"/>
+              <a:gd name="connsiteX6" fmla="*/ 444107 w 2940217"/>
+              <a:gd name="connsiteY6" fmla="*/ 32465 h 913531"/>
+              <a:gd name="connsiteX0" fmla="*/ 441860 w 2664359"/>
+              <a:gd name="connsiteY0" fmla="*/ 11444 h 892510"/>
+              <a:gd name="connsiteX1" fmla="*/ 2442110 w 2664359"/>
+              <a:gd name="connsiteY1" fmla="*/ 170290 h 892510"/>
+              <a:gd name="connsiteX2" fmla="*/ 2664359 w 2664359"/>
+              <a:gd name="connsiteY2" fmla="*/ 664624 h 892510"/>
+              <a:gd name="connsiteX3" fmla="*/ 1388010 w 2664359"/>
+              <a:gd name="connsiteY3" fmla="*/ 892501 h 892510"/>
+              <a:gd name="connsiteX4" fmla="*/ 302160 w 2664359"/>
+              <a:gd name="connsiteY4" fmla="*/ 677699 h 892510"/>
+              <a:gd name="connsiteX5" fmla="*/ 2803 w 2664359"/>
+              <a:gd name="connsiteY5" fmla="*/ 440351 h 892510"/>
+              <a:gd name="connsiteX6" fmla="*/ 441860 w 2664359"/>
+              <a:gd name="connsiteY6" fmla="*/ 11444 h 892510"/>
+              <a:gd name="connsiteX0" fmla="*/ 441921 w 2793544"/>
+              <a:gd name="connsiteY0" fmla="*/ 32465 h 913531"/>
+              <a:gd name="connsiteX1" fmla="*/ 2454871 w 2793544"/>
+              <a:gd name="connsiteY1" fmla="*/ 103552 h 913531"/>
+              <a:gd name="connsiteX2" fmla="*/ 2664420 w 2793544"/>
+              <a:gd name="connsiteY2" fmla="*/ 685645 h 913531"/>
+              <a:gd name="connsiteX3" fmla="*/ 1388071 w 2793544"/>
+              <a:gd name="connsiteY3" fmla="*/ 913522 h 913531"/>
+              <a:gd name="connsiteX4" fmla="*/ 302221 w 2793544"/>
+              <a:gd name="connsiteY4" fmla="*/ 698720 h 913531"/>
+              <a:gd name="connsiteX5" fmla="*/ 2864 w 2793544"/>
+              <a:gd name="connsiteY5" fmla="*/ 461372 h 913531"/>
+              <a:gd name="connsiteX6" fmla="*/ 441921 w 2793544"/>
+              <a:gd name="connsiteY6" fmla="*/ 32465 h 913531"/>
+              <a:gd name="connsiteX0" fmla="*/ 441921 w 2639628"/>
+              <a:gd name="connsiteY0" fmla="*/ 29018 h 910084"/>
+              <a:gd name="connsiteX1" fmla="*/ 2454871 w 2639628"/>
+              <a:gd name="connsiteY1" fmla="*/ 100105 h 910084"/>
+              <a:gd name="connsiteX2" fmla="*/ 2397720 w 2639628"/>
+              <a:gd name="connsiteY2" fmla="*/ 594439 h 910084"/>
+              <a:gd name="connsiteX3" fmla="*/ 1388071 w 2639628"/>
+              <a:gd name="connsiteY3" fmla="*/ 910075 h 910084"/>
+              <a:gd name="connsiteX4" fmla="*/ 302221 w 2639628"/>
+              <a:gd name="connsiteY4" fmla="*/ 695273 h 910084"/>
+              <a:gd name="connsiteX5" fmla="*/ 2864 w 2639628"/>
+              <a:gd name="connsiteY5" fmla="*/ 457925 h 910084"/>
+              <a:gd name="connsiteX6" fmla="*/ 441921 w 2639628"/>
+              <a:gd name="connsiteY6" fmla="*/ 29018 h 910084"/>
+              <a:gd name="connsiteX0" fmla="*/ 441921 w 2675751"/>
+              <a:gd name="connsiteY0" fmla="*/ 31073 h 912139"/>
+              <a:gd name="connsiteX1" fmla="*/ 2454871 w 2675751"/>
+              <a:gd name="connsiteY1" fmla="*/ 102160 h 912139"/>
+              <a:gd name="connsiteX2" fmla="*/ 2473920 w 2675751"/>
+              <a:gd name="connsiteY2" fmla="*/ 650124 h 912139"/>
+              <a:gd name="connsiteX3" fmla="*/ 1388071 w 2675751"/>
+              <a:gd name="connsiteY3" fmla="*/ 912130 h 912139"/>
+              <a:gd name="connsiteX4" fmla="*/ 302221 w 2675751"/>
+              <a:gd name="connsiteY4" fmla="*/ 697328 h 912139"/>
+              <a:gd name="connsiteX5" fmla="*/ 2864 w 2675751"/>
+              <a:gd name="connsiteY5" fmla="*/ 459980 h 912139"/>
+              <a:gd name="connsiteX6" fmla="*/ 441921 w 2675751"/>
+              <a:gd name="connsiteY6" fmla="*/ 31073 h 912139"/>
+              <a:gd name="connsiteX0" fmla="*/ 441921 w 2675751"/>
+              <a:gd name="connsiteY0" fmla="*/ 31073 h 912153"/>
+              <a:gd name="connsiteX1" fmla="*/ 2454871 w 2675751"/>
+              <a:gd name="connsiteY1" fmla="*/ 102160 h 912153"/>
+              <a:gd name="connsiteX2" fmla="*/ 2473920 w 2675751"/>
+              <a:gd name="connsiteY2" fmla="*/ 650124 h 912153"/>
+              <a:gd name="connsiteX3" fmla="*/ 1388071 w 2675751"/>
+              <a:gd name="connsiteY3" fmla="*/ 912130 h 912153"/>
+              <a:gd name="connsiteX4" fmla="*/ 505421 w 2675751"/>
+              <a:gd name="connsiteY4" fmla="*/ 780212 h 912153"/>
+              <a:gd name="connsiteX5" fmla="*/ 2864 w 2675751"/>
+              <a:gd name="connsiteY5" fmla="*/ 459980 h 912153"/>
+              <a:gd name="connsiteX6" fmla="*/ 441921 w 2675751"/>
+              <a:gd name="connsiteY6" fmla="*/ 31073 h 912153"/>
+              <a:gd name="connsiteX0" fmla="*/ 441921 w 2675751"/>
+              <a:gd name="connsiteY0" fmla="*/ 31073 h 912187"/>
+              <a:gd name="connsiteX1" fmla="*/ 2454871 w 2675751"/>
+              <a:gd name="connsiteY1" fmla="*/ 102160 h 912187"/>
+              <a:gd name="connsiteX2" fmla="*/ 2473920 w 2675751"/>
+              <a:gd name="connsiteY2" fmla="*/ 650124 h 912187"/>
+              <a:gd name="connsiteX3" fmla="*/ 1388071 w 2675751"/>
+              <a:gd name="connsiteY3" fmla="*/ 912130 h 912187"/>
+              <a:gd name="connsiteX4" fmla="*/ 505421 w 2675751"/>
+              <a:gd name="connsiteY4" fmla="*/ 780212 h 912187"/>
+              <a:gd name="connsiteX5" fmla="*/ 2864 w 2675751"/>
+              <a:gd name="connsiteY5" fmla="*/ 459980 h 912187"/>
+              <a:gd name="connsiteX6" fmla="*/ 441921 w 2675751"/>
+              <a:gd name="connsiteY6" fmla="*/ 31073 h 912187"/>
+              <a:gd name="connsiteX0" fmla="*/ 417340 w 2651170"/>
+              <a:gd name="connsiteY0" fmla="*/ 31073 h 912187"/>
+              <a:gd name="connsiteX1" fmla="*/ 2430290 w 2651170"/>
+              <a:gd name="connsiteY1" fmla="*/ 102160 h 912187"/>
+              <a:gd name="connsiteX2" fmla="*/ 2449339 w 2651170"/>
+              <a:gd name="connsiteY2" fmla="*/ 650124 h 912187"/>
+              <a:gd name="connsiteX3" fmla="*/ 1363490 w 2651170"/>
+              <a:gd name="connsiteY3" fmla="*/ 912130 h 912187"/>
+              <a:gd name="connsiteX4" fmla="*/ 480840 w 2651170"/>
+              <a:gd name="connsiteY4" fmla="*/ 780212 h 912187"/>
+              <a:gd name="connsiteX5" fmla="*/ 3683 w 2651170"/>
+              <a:gd name="connsiteY5" fmla="*/ 459980 h 912187"/>
+              <a:gd name="connsiteX6" fmla="*/ 417340 w 2651170"/>
+              <a:gd name="connsiteY6" fmla="*/ 31073 h 912187"/>
+              <a:gd name="connsiteX0" fmla="*/ 417340 w 2651170"/>
+              <a:gd name="connsiteY0" fmla="*/ 31073 h 912187"/>
+              <a:gd name="connsiteX1" fmla="*/ 2430290 w 2651170"/>
+              <a:gd name="connsiteY1" fmla="*/ 102160 h 912187"/>
+              <a:gd name="connsiteX2" fmla="*/ 2449339 w 2651170"/>
+              <a:gd name="connsiteY2" fmla="*/ 650124 h 912187"/>
+              <a:gd name="connsiteX3" fmla="*/ 1363490 w 2651170"/>
+              <a:gd name="connsiteY3" fmla="*/ 912130 h 912187"/>
+              <a:gd name="connsiteX4" fmla="*/ 493540 w 2651170"/>
+              <a:gd name="connsiteY4" fmla="*/ 770461 h 912187"/>
+              <a:gd name="connsiteX5" fmla="*/ 3683 w 2651170"/>
+              <a:gd name="connsiteY5" fmla="*/ 459980 h 912187"/>
+              <a:gd name="connsiteX6" fmla="*/ 417340 w 2651170"/>
+              <a:gd name="connsiteY6" fmla="*/ 31073 h 912187"/>
+              <a:gd name="connsiteX0" fmla="*/ 375448 w 2609278"/>
+              <a:gd name="connsiteY0" fmla="*/ 33957 h 915071"/>
+              <a:gd name="connsiteX1" fmla="*/ 2388398 w 2609278"/>
+              <a:gd name="connsiteY1" fmla="*/ 105044 h 915071"/>
+              <a:gd name="connsiteX2" fmla="*/ 2407447 w 2609278"/>
+              <a:gd name="connsiteY2" fmla="*/ 653008 h 915071"/>
+              <a:gd name="connsiteX3" fmla="*/ 1321598 w 2609278"/>
+              <a:gd name="connsiteY3" fmla="*/ 915014 h 915071"/>
+              <a:gd name="connsiteX4" fmla="*/ 451648 w 2609278"/>
+              <a:gd name="connsiteY4" fmla="*/ 773345 h 915071"/>
+              <a:gd name="connsiteX5" fmla="*/ 6241 w 2609278"/>
+              <a:gd name="connsiteY5" fmla="*/ 501868 h 915071"/>
+              <a:gd name="connsiteX6" fmla="*/ 375448 w 2609278"/>
+              <a:gd name="connsiteY6" fmla="*/ 33957 h 915071"/>
+              <a:gd name="connsiteX0" fmla="*/ 431273 w 2665103"/>
+              <a:gd name="connsiteY0" fmla="*/ 33957 h 915071"/>
+              <a:gd name="connsiteX1" fmla="*/ 2444223 w 2665103"/>
+              <a:gd name="connsiteY1" fmla="*/ 105044 h 915071"/>
+              <a:gd name="connsiteX2" fmla="*/ 2463272 w 2665103"/>
+              <a:gd name="connsiteY2" fmla="*/ 653008 h 915071"/>
+              <a:gd name="connsiteX3" fmla="*/ 1377423 w 2665103"/>
+              <a:gd name="connsiteY3" fmla="*/ 915014 h 915071"/>
+              <a:gd name="connsiteX4" fmla="*/ 507473 w 2665103"/>
+              <a:gd name="connsiteY4" fmla="*/ 773345 h 915071"/>
+              <a:gd name="connsiteX5" fmla="*/ 62066 w 2665103"/>
+              <a:gd name="connsiteY5" fmla="*/ 501868 h 915071"/>
+              <a:gd name="connsiteX6" fmla="*/ 431273 w 2665103"/>
+              <a:gd name="connsiteY6" fmla="*/ 33957 h 915071"/>
+              <a:gd name="connsiteX0" fmla="*/ 409385 w 2643215"/>
+              <a:gd name="connsiteY0" fmla="*/ 33957 h 915071"/>
+              <a:gd name="connsiteX1" fmla="*/ 2422335 w 2643215"/>
+              <a:gd name="connsiteY1" fmla="*/ 105044 h 915071"/>
+              <a:gd name="connsiteX2" fmla="*/ 2441384 w 2643215"/>
+              <a:gd name="connsiteY2" fmla="*/ 653008 h 915071"/>
+              <a:gd name="connsiteX3" fmla="*/ 1355535 w 2643215"/>
+              <a:gd name="connsiteY3" fmla="*/ 915014 h 915071"/>
+              <a:gd name="connsiteX4" fmla="*/ 485585 w 2643215"/>
+              <a:gd name="connsiteY4" fmla="*/ 773345 h 915071"/>
+              <a:gd name="connsiteX5" fmla="*/ 40178 w 2643215"/>
+              <a:gd name="connsiteY5" fmla="*/ 501868 h 915071"/>
+              <a:gd name="connsiteX6" fmla="*/ 409385 w 2643215"/>
+              <a:gd name="connsiteY6" fmla="*/ 33957 h 915071"/>
+              <a:gd name="connsiteX0" fmla="*/ 409385 w 2643215"/>
+              <a:gd name="connsiteY0" fmla="*/ 33957 h 915071"/>
+              <a:gd name="connsiteX1" fmla="*/ 2422335 w 2643215"/>
+              <a:gd name="connsiteY1" fmla="*/ 105044 h 915071"/>
+              <a:gd name="connsiteX2" fmla="*/ 2441384 w 2643215"/>
+              <a:gd name="connsiteY2" fmla="*/ 653008 h 915071"/>
+              <a:gd name="connsiteX3" fmla="*/ 1355535 w 2643215"/>
+              <a:gd name="connsiteY3" fmla="*/ 915014 h 915071"/>
+              <a:gd name="connsiteX4" fmla="*/ 485585 w 2643215"/>
+              <a:gd name="connsiteY4" fmla="*/ 773345 h 915071"/>
+              <a:gd name="connsiteX5" fmla="*/ 40178 w 2643215"/>
+              <a:gd name="connsiteY5" fmla="*/ 501868 h 915071"/>
+              <a:gd name="connsiteX6" fmla="*/ 409385 w 2643215"/>
+              <a:gd name="connsiteY6" fmla="*/ 33957 h 915071"/>
+              <a:gd name="connsiteX0" fmla="*/ 392049 w 2565461"/>
+              <a:gd name="connsiteY0" fmla="*/ 41812 h 922926"/>
+              <a:gd name="connsiteX1" fmla="*/ 1369043 w 2565461"/>
+              <a:gd name="connsiteY1" fmla="*/ 30709 h 922926"/>
+              <a:gd name="connsiteX2" fmla="*/ 2404999 w 2565461"/>
+              <a:gd name="connsiteY2" fmla="*/ 112899 h 922926"/>
+              <a:gd name="connsiteX3" fmla="*/ 2424048 w 2565461"/>
+              <a:gd name="connsiteY3" fmla="*/ 660863 h 922926"/>
+              <a:gd name="connsiteX4" fmla="*/ 1338199 w 2565461"/>
+              <a:gd name="connsiteY4" fmla="*/ 922869 h 922926"/>
+              <a:gd name="connsiteX5" fmla="*/ 468249 w 2565461"/>
+              <a:gd name="connsiteY5" fmla="*/ 781200 h 922926"/>
+              <a:gd name="connsiteX6" fmla="*/ 22842 w 2565461"/>
+              <a:gd name="connsiteY6" fmla="*/ 509723 h 922926"/>
+              <a:gd name="connsiteX7" fmla="*/ 392049 w 2565461"/>
+              <a:gd name="connsiteY7" fmla="*/ 41812 h 922926"/>
+              <a:gd name="connsiteX0" fmla="*/ 392049 w 2622133"/>
+              <a:gd name="connsiteY0" fmla="*/ 41812 h 922915"/>
+              <a:gd name="connsiteX1" fmla="*/ 1369043 w 2622133"/>
+              <a:gd name="connsiteY1" fmla="*/ 30709 h 922915"/>
+              <a:gd name="connsiteX2" fmla="*/ 2404999 w 2622133"/>
+              <a:gd name="connsiteY2" fmla="*/ 112899 h 922915"/>
+              <a:gd name="connsiteX3" fmla="*/ 2506598 w 2622133"/>
+              <a:gd name="connsiteY3" fmla="*/ 621859 h 922915"/>
+              <a:gd name="connsiteX4" fmla="*/ 1338199 w 2622133"/>
+              <a:gd name="connsiteY4" fmla="*/ 922869 h 922915"/>
+              <a:gd name="connsiteX5" fmla="*/ 468249 w 2622133"/>
+              <a:gd name="connsiteY5" fmla="*/ 781200 h 922915"/>
+              <a:gd name="connsiteX6" fmla="*/ 22842 w 2622133"/>
+              <a:gd name="connsiteY6" fmla="*/ 509723 h 922915"/>
+              <a:gd name="connsiteX7" fmla="*/ 392049 w 2622133"/>
+              <a:gd name="connsiteY7" fmla="*/ 41812 h 922915"/>
+              <a:gd name="connsiteX0" fmla="*/ 392049 w 2652643"/>
+              <a:gd name="connsiteY0" fmla="*/ 41812 h 922915"/>
+              <a:gd name="connsiteX1" fmla="*/ 1369043 w 2652643"/>
+              <a:gd name="connsiteY1" fmla="*/ 30709 h 922915"/>
+              <a:gd name="connsiteX2" fmla="*/ 2487549 w 2652643"/>
+              <a:gd name="connsiteY2" fmla="*/ 112899 h 922915"/>
+              <a:gd name="connsiteX3" fmla="*/ 2506598 w 2652643"/>
+              <a:gd name="connsiteY3" fmla="*/ 621859 h 922915"/>
+              <a:gd name="connsiteX4" fmla="*/ 1338199 w 2652643"/>
+              <a:gd name="connsiteY4" fmla="*/ 922869 h 922915"/>
+              <a:gd name="connsiteX5" fmla="*/ 468249 w 2652643"/>
+              <a:gd name="connsiteY5" fmla="*/ 781200 h 922915"/>
+              <a:gd name="connsiteX6" fmla="*/ 22842 w 2652643"/>
+              <a:gd name="connsiteY6" fmla="*/ 509723 h 922915"/>
+              <a:gd name="connsiteX7" fmla="*/ 392049 w 2652643"/>
+              <a:gd name="connsiteY7" fmla="*/ 41812 h 922915"/>
+              <a:gd name="connsiteX0" fmla="*/ 392049 w 2652643"/>
+              <a:gd name="connsiteY0" fmla="*/ 50999 h 932102"/>
+              <a:gd name="connsiteX1" fmla="*/ 1369043 w 2652643"/>
+              <a:gd name="connsiteY1" fmla="*/ 20394 h 932102"/>
+              <a:gd name="connsiteX2" fmla="*/ 2487549 w 2652643"/>
+              <a:gd name="connsiteY2" fmla="*/ 122086 h 932102"/>
+              <a:gd name="connsiteX3" fmla="*/ 2506598 w 2652643"/>
+              <a:gd name="connsiteY3" fmla="*/ 631046 h 932102"/>
+              <a:gd name="connsiteX4" fmla="*/ 1338199 w 2652643"/>
+              <a:gd name="connsiteY4" fmla="*/ 932056 h 932102"/>
+              <a:gd name="connsiteX5" fmla="*/ 468249 w 2652643"/>
+              <a:gd name="connsiteY5" fmla="*/ 790387 h 932102"/>
+              <a:gd name="connsiteX6" fmla="*/ 22842 w 2652643"/>
+              <a:gd name="connsiteY6" fmla="*/ 518910 h 932102"/>
+              <a:gd name="connsiteX7" fmla="*/ 392049 w 2652643"/>
+              <a:gd name="connsiteY7" fmla="*/ 50999 h 932102"/>
+              <a:gd name="connsiteX0" fmla="*/ 470708 w 2731302"/>
+              <a:gd name="connsiteY0" fmla="*/ 44856 h 925959"/>
+              <a:gd name="connsiteX1" fmla="*/ 1447702 w 2731302"/>
+              <a:gd name="connsiteY1" fmla="*/ 14251 h 925959"/>
+              <a:gd name="connsiteX2" fmla="*/ 2566208 w 2731302"/>
+              <a:gd name="connsiteY2" fmla="*/ 115943 h 925959"/>
+              <a:gd name="connsiteX3" fmla="*/ 2585257 w 2731302"/>
+              <a:gd name="connsiteY3" fmla="*/ 624903 h 925959"/>
+              <a:gd name="connsiteX4" fmla="*/ 1416858 w 2731302"/>
+              <a:gd name="connsiteY4" fmla="*/ 925913 h 925959"/>
+              <a:gd name="connsiteX5" fmla="*/ 546908 w 2731302"/>
+              <a:gd name="connsiteY5" fmla="*/ 784244 h 925959"/>
+              <a:gd name="connsiteX6" fmla="*/ 18951 w 2731302"/>
+              <a:gd name="connsiteY6" fmla="*/ 415257 h 925959"/>
+              <a:gd name="connsiteX7" fmla="*/ 470708 w 2731302"/>
+              <a:gd name="connsiteY7" fmla="*/ 44856 h 925959"/>
+              <a:gd name="connsiteX0" fmla="*/ 451757 w 2712351"/>
+              <a:gd name="connsiteY0" fmla="*/ 44856 h 925959"/>
+              <a:gd name="connsiteX1" fmla="*/ 1428751 w 2712351"/>
+              <a:gd name="connsiteY1" fmla="*/ 14251 h 925959"/>
+              <a:gd name="connsiteX2" fmla="*/ 2547257 w 2712351"/>
+              <a:gd name="connsiteY2" fmla="*/ 115943 h 925959"/>
+              <a:gd name="connsiteX3" fmla="*/ 2566306 w 2712351"/>
+              <a:gd name="connsiteY3" fmla="*/ 624903 h 925959"/>
+              <a:gd name="connsiteX4" fmla="*/ 1397907 w 2712351"/>
+              <a:gd name="connsiteY4" fmla="*/ 925913 h 925959"/>
+              <a:gd name="connsiteX5" fmla="*/ 527957 w 2712351"/>
+              <a:gd name="connsiteY5" fmla="*/ 784244 h 925959"/>
+              <a:gd name="connsiteX6" fmla="*/ 0 w 2712351"/>
+              <a:gd name="connsiteY6" fmla="*/ 415257 h 925959"/>
+              <a:gd name="connsiteX7" fmla="*/ 451757 w 2712351"/>
+              <a:gd name="connsiteY7" fmla="*/ 44856 h 925959"/>
+              <a:gd name="connsiteX0" fmla="*/ 83527 w 2344121"/>
+              <a:gd name="connsiteY0" fmla="*/ 69697 h 950800"/>
+              <a:gd name="connsiteX1" fmla="*/ 1060521 w 2344121"/>
+              <a:gd name="connsiteY1" fmla="*/ 39092 h 950800"/>
+              <a:gd name="connsiteX2" fmla="*/ 2179027 w 2344121"/>
+              <a:gd name="connsiteY2" fmla="*/ 140784 h 950800"/>
+              <a:gd name="connsiteX3" fmla="*/ 2198076 w 2344121"/>
+              <a:gd name="connsiteY3" fmla="*/ 649744 h 950800"/>
+              <a:gd name="connsiteX4" fmla="*/ 1029677 w 2344121"/>
+              <a:gd name="connsiteY4" fmla="*/ 950754 h 950800"/>
+              <a:gd name="connsiteX5" fmla="*/ 159727 w 2344121"/>
+              <a:gd name="connsiteY5" fmla="*/ 809085 h 950800"/>
+              <a:gd name="connsiteX6" fmla="*/ 83527 w 2344121"/>
+              <a:gd name="connsiteY6" fmla="*/ 69697 h 950800"/>
+              <a:gd name="connsiteX0" fmla="*/ 433252 w 2693846"/>
+              <a:gd name="connsiteY0" fmla="*/ 44493 h 925596"/>
+              <a:gd name="connsiteX1" fmla="*/ 1410246 w 2693846"/>
+              <a:gd name="connsiteY1" fmla="*/ 13888 h 925596"/>
+              <a:gd name="connsiteX2" fmla="*/ 2528752 w 2693846"/>
+              <a:gd name="connsiteY2" fmla="*/ 115580 h 925596"/>
+              <a:gd name="connsiteX3" fmla="*/ 2547801 w 2693846"/>
+              <a:gd name="connsiteY3" fmla="*/ 624540 h 925596"/>
+              <a:gd name="connsiteX4" fmla="*/ 1379402 w 2693846"/>
+              <a:gd name="connsiteY4" fmla="*/ 925550 h 925596"/>
+              <a:gd name="connsiteX5" fmla="*/ 509452 w 2693846"/>
+              <a:gd name="connsiteY5" fmla="*/ 783881 h 925596"/>
+              <a:gd name="connsiteX6" fmla="*/ 546 w 2693846"/>
+              <a:gd name="connsiteY6" fmla="*/ 408805 h 925596"/>
+              <a:gd name="connsiteX7" fmla="*/ 433252 w 2693846"/>
+              <a:gd name="connsiteY7" fmla="*/ 44493 h 925596"/>
+              <a:gd name="connsiteX0" fmla="*/ 357332 w 2694126"/>
+              <a:gd name="connsiteY0" fmla="*/ 44493 h 925596"/>
+              <a:gd name="connsiteX1" fmla="*/ 1410526 w 2694126"/>
+              <a:gd name="connsiteY1" fmla="*/ 13888 h 925596"/>
+              <a:gd name="connsiteX2" fmla="*/ 2529032 w 2694126"/>
+              <a:gd name="connsiteY2" fmla="*/ 115580 h 925596"/>
+              <a:gd name="connsiteX3" fmla="*/ 2548081 w 2694126"/>
+              <a:gd name="connsiteY3" fmla="*/ 624540 h 925596"/>
+              <a:gd name="connsiteX4" fmla="*/ 1379682 w 2694126"/>
+              <a:gd name="connsiteY4" fmla="*/ 925550 h 925596"/>
+              <a:gd name="connsiteX5" fmla="*/ 509732 w 2694126"/>
+              <a:gd name="connsiteY5" fmla="*/ 783881 h 925596"/>
+              <a:gd name="connsiteX6" fmla="*/ 826 w 2694126"/>
+              <a:gd name="connsiteY6" fmla="*/ 408805 h 925596"/>
+              <a:gd name="connsiteX7" fmla="*/ 357332 w 2694126"/>
+              <a:gd name="connsiteY7" fmla="*/ 44493 h 925596"/>
+              <a:gd name="connsiteX0" fmla="*/ 357332 w 2639008"/>
+              <a:gd name="connsiteY0" fmla="*/ 44493 h 925611"/>
+              <a:gd name="connsiteX1" fmla="*/ 1410526 w 2639008"/>
+              <a:gd name="connsiteY1" fmla="*/ 13888 h 925611"/>
+              <a:gd name="connsiteX2" fmla="*/ 2529032 w 2639008"/>
+              <a:gd name="connsiteY2" fmla="*/ 115580 h 925611"/>
+              <a:gd name="connsiteX3" fmla="*/ 2446481 w 2639008"/>
+              <a:gd name="connsiteY3" fmla="*/ 673295 h 925611"/>
+              <a:gd name="connsiteX4" fmla="*/ 1379682 w 2639008"/>
+              <a:gd name="connsiteY4" fmla="*/ 925550 h 925611"/>
+              <a:gd name="connsiteX5" fmla="*/ 509732 w 2639008"/>
+              <a:gd name="connsiteY5" fmla="*/ 783881 h 925611"/>
+              <a:gd name="connsiteX6" fmla="*/ 826 w 2639008"/>
+              <a:gd name="connsiteY6" fmla="*/ 408805 h 925611"/>
+              <a:gd name="connsiteX7" fmla="*/ 357332 w 2639008"/>
+              <a:gd name="connsiteY7" fmla="*/ 44493 h 925611"/>
+              <a:gd name="connsiteX0" fmla="*/ 357332 w 2704311"/>
+              <a:gd name="connsiteY0" fmla="*/ 44493 h 925603"/>
+              <a:gd name="connsiteX1" fmla="*/ 1410526 w 2704311"/>
+              <a:gd name="connsiteY1" fmla="*/ 13888 h 925603"/>
+              <a:gd name="connsiteX2" fmla="*/ 2529032 w 2704311"/>
+              <a:gd name="connsiteY2" fmla="*/ 115580 h 925603"/>
+              <a:gd name="connsiteX3" fmla="*/ 2693226 w 2704311"/>
+              <a:gd name="connsiteY3" fmla="*/ 408805 h 925603"/>
+              <a:gd name="connsiteX4" fmla="*/ 2446481 w 2704311"/>
+              <a:gd name="connsiteY4" fmla="*/ 673295 h 925603"/>
+              <a:gd name="connsiteX5" fmla="*/ 1379682 w 2704311"/>
+              <a:gd name="connsiteY5" fmla="*/ 925550 h 925603"/>
+              <a:gd name="connsiteX6" fmla="*/ 509732 w 2704311"/>
+              <a:gd name="connsiteY6" fmla="*/ 783881 h 925603"/>
+              <a:gd name="connsiteX7" fmla="*/ 826 w 2704311"/>
+              <a:gd name="connsiteY7" fmla="*/ 408805 h 925603"/>
+              <a:gd name="connsiteX8" fmla="*/ 357332 w 2704311"/>
+              <a:gd name="connsiteY8" fmla="*/ 44493 h 925603"/>
+              <a:gd name="connsiteX0" fmla="*/ 357332 w 2694270"/>
+              <a:gd name="connsiteY0" fmla="*/ 44493 h 925603"/>
+              <a:gd name="connsiteX1" fmla="*/ 1410526 w 2694270"/>
+              <a:gd name="connsiteY1" fmla="*/ 13888 h 925603"/>
+              <a:gd name="connsiteX2" fmla="*/ 2370282 w 2694270"/>
+              <a:gd name="connsiteY2" fmla="*/ 66825 h 925603"/>
+              <a:gd name="connsiteX3" fmla="*/ 2693226 w 2694270"/>
+              <a:gd name="connsiteY3" fmla="*/ 408805 h 925603"/>
+              <a:gd name="connsiteX4" fmla="*/ 2446481 w 2694270"/>
+              <a:gd name="connsiteY4" fmla="*/ 673295 h 925603"/>
+              <a:gd name="connsiteX5" fmla="*/ 1379682 w 2694270"/>
+              <a:gd name="connsiteY5" fmla="*/ 925550 h 925603"/>
+              <a:gd name="connsiteX6" fmla="*/ 509732 w 2694270"/>
+              <a:gd name="connsiteY6" fmla="*/ 783881 h 925603"/>
+              <a:gd name="connsiteX7" fmla="*/ 826 w 2694270"/>
+              <a:gd name="connsiteY7" fmla="*/ 408805 h 925603"/>
+              <a:gd name="connsiteX8" fmla="*/ 357332 w 2694270"/>
+              <a:gd name="connsiteY8" fmla="*/ 44493 h 925603"/>
+              <a:gd name="connsiteX0" fmla="*/ 357332 w 2719532"/>
+              <a:gd name="connsiteY0" fmla="*/ 44493 h 925603"/>
+              <a:gd name="connsiteX1" fmla="*/ 1410526 w 2719532"/>
+              <a:gd name="connsiteY1" fmla="*/ 13888 h 925603"/>
+              <a:gd name="connsiteX2" fmla="*/ 2370282 w 2719532"/>
+              <a:gd name="connsiteY2" fmla="*/ 66825 h 925603"/>
+              <a:gd name="connsiteX3" fmla="*/ 2718626 w 2719532"/>
+              <a:gd name="connsiteY3" fmla="*/ 335673 h 925603"/>
+              <a:gd name="connsiteX4" fmla="*/ 2446481 w 2719532"/>
+              <a:gd name="connsiteY4" fmla="*/ 673295 h 925603"/>
+              <a:gd name="connsiteX5" fmla="*/ 1379682 w 2719532"/>
+              <a:gd name="connsiteY5" fmla="*/ 925550 h 925603"/>
+              <a:gd name="connsiteX6" fmla="*/ 509732 w 2719532"/>
+              <a:gd name="connsiteY6" fmla="*/ 783881 h 925603"/>
+              <a:gd name="connsiteX7" fmla="*/ 826 w 2719532"/>
+              <a:gd name="connsiteY7" fmla="*/ 408805 h 925603"/>
+              <a:gd name="connsiteX8" fmla="*/ 357332 w 2719532"/>
+              <a:gd name="connsiteY8" fmla="*/ 44493 h 925603"/>
+              <a:gd name="connsiteX0" fmla="*/ 356957 w 2719157"/>
+              <a:gd name="connsiteY0" fmla="*/ 50230 h 931340"/>
+              <a:gd name="connsiteX1" fmla="*/ 660851 w 2719157"/>
+              <a:gd name="connsiteY1" fmla="*/ 124 h 931340"/>
+              <a:gd name="connsiteX2" fmla="*/ 1410151 w 2719157"/>
+              <a:gd name="connsiteY2" fmla="*/ 19625 h 931340"/>
+              <a:gd name="connsiteX3" fmla="*/ 2369907 w 2719157"/>
+              <a:gd name="connsiteY3" fmla="*/ 72562 h 931340"/>
+              <a:gd name="connsiteX4" fmla="*/ 2718251 w 2719157"/>
+              <a:gd name="connsiteY4" fmla="*/ 341410 h 931340"/>
+              <a:gd name="connsiteX5" fmla="*/ 2446106 w 2719157"/>
+              <a:gd name="connsiteY5" fmla="*/ 679032 h 931340"/>
+              <a:gd name="connsiteX6" fmla="*/ 1379307 w 2719157"/>
+              <a:gd name="connsiteY6" fmla="*/ 931287 h 931340"/>
+              <a:gd name="connsiteX7" fmla="*/ 509357 w 2719157"/>
+              <a:gd name="connsiteY7" fmla="*/ 789618 h 931340"/>
+              <a:gd name="connsiteX8" fmla="*/ 451 w 2719157"/>
+              <a:gd name="connsiteY8" fmla="*/ 414542 h 931340"/>
+              <a:gd name="connsiteX9" fmla="*/ 356957 w 2719157"/>
+              <a:gd name="connsiteY9" fmla="*/ 50230 h 931340"/>
+              <a:gd name="connsiteX0" fmla="*/ 217737 w 2719637"/>
+              <a:gd name="connsiteY0" fmla="*/ 103736 h 931216"/>
+              <a:gd name="connsiteX1" fmla="*/ 661331 w 2719637"/>
+              <a:gd name="connsiteY1" fmla="*/ 0 h 931216"/>
+              <a:gd name="connsiteX2" fmla="*/ 1410631 w 2719637"/>
+              <a:gd name="connsiteY2" fmla="*/ 19501 h 931216"/>
+              <a:gd name="connsiteX3" fmla="*/ 2370387 w 2719637"/>
+              <a:gd name="connsiteY3" fmla="*/ 72438 h 931216"/>
+              <a:gd name="connsiteX4" fmla="*/ 2718731 w 2719637"/>
+              <a:gd name="connsiteY4" fmla="*/ 341286 h 931216"/>
+              <a:gd name="connsiteX5" fmla="*/ 2446586 w 2719637"/>
+              <a:gd name="connsiteY5" fmla="*/ 678908 h 931216"/>
+              <a:gd name="connsiteX6" fmla="*/ 1379787 w 2719637"/>
+              <a:gd name="connsiteY6" fmla="*/ 931163 h 931216"/>
+              <a:gd name="connsiteX7" fmla="*/ 509837 w 2719637"/>
+              <a:gd name="connsiteY7" fmla="*/ 789494 h 931216"/>
+              <a:gd name="connsiteX8" fmla="*/ 931 w 2719637"/>
+              <a:gd name="connsiteY8" fmla="*/ 414418 h 931216"/>
+              <a:gd name="connsiteX9" fmla="*/ 217737 w 2719637"/>
+              <a:gd name="connsiteY9" fmla="*/ 103736 h 931216"/>
+            </a:gdLst>
+            <a:ahLst/>
+            <a:cxnLst>
+              <a:cxn ang="0">
+                <a:pos x="connsiteX0" y="connsiteY0"/>
+              </a:cxn>
+              <a:cxn ang="0">
+                <a:pos x="connsiteX1" y="connsiteY1"/>
+              </a:cxn>
+              <a:cxn ang="0">
+                <a:pos x="connsiteX2" y="connsiteY2"/>
+              </a:cxn>
+              <a:cxn ang="0">
+                <a:pos x="connsiteX3" y="connsiteY3"/>
+              </a:cxn>
+              <a:cxn ang="0">
+                <a:pos x="connsiteX4" y="connsiteY4"/>
+              </a:cxn>
+              <a:cxn ang="0">
+                <a:pos x="connsiteX5" y="connsiteY5"/>
+              </a:cxn>
+              <a:cxn ang="0">
+                <a:pos x="connsiteX6" y="connsiteY6"/>
+              </a:cxn>
+              <a:cxn ang="0">
+                <a:pos x="connsiteX7" y="connsiteY7"/>
+              </a:cxn>
+              <a:cxn ang="0">
+                <a:pos x="connsiteX8" y="connsiteY8"/>
+              </a:cxn>
+              <a:cxn ang="0">
+                <a:pos x="connsiteX9" y="connsiteY9"/>
+              </a:cxn>
+            </a:cxnLst>
+            <a:rect l="l" t="t" r="r" b="b"/>
+            <a:pathLst>
+              <a:path w="2719637" h="931216">
+                <a:moveTo>
+                  <a:pt x="217737" y="103736"/>
+                </a:moveTo>
+                <a:cubicBezTo>
+                  <a:pt x="327803" y="34666"/>
+                  <a:pt x="485799" y="5101"/>
+                  <a:pt x="661331" y="0"/>
+                </a:cubicBezTo>
+                <a:lnTo>
+                  <a:pt x="1410631" y="19501"/>
+                </a:lnTo>
+                <a:cubicBezTo>
+                  <a:pt x="1696532" y="30761"/>
+                  <a:pt x="2152370" y="18807"/>
+                  <a:pt x="2370387" y="72438"/>
+                </a:cubicBezTo>
+                <a:cubicBezTo>
+                  <a:pt x="2588404" y="126069"/>
+                  <a:pt x="2732489" y="248334"/>
+                  <a:pt x="2718731" y="341286"/>
+                </a:cubicBezTo>
+                <a:cubicBezTo>
+                  <a:pt x="2704973" y="434238"/>
+                  <a:pt x="2653868" y="592784"/>
+                  <a:pt x="2446586" y="678908"/>
+                </a:cubicBezTo>
+                <a:cubicBezTo>
+                  <a:pt x="2239304" y="765032"/>
+                  <a:pt x="1832754" y="934673"/>
+                  <a:pt x="1379787" y="931163"/>
+                </a:cubicBezTo>
+                <a:cubicBezTo>
+                  <a:pt x="1003021" y="932530"/>
+                  <a:pt x="739646" y="875618"/>
+                  <a:pt x="509837" y="789494"/>
+                </a:cubicBezTo>
+                <a:cubicBezTo>
+                  <a:pt x="280028" y="703370"/>
+                  <a:pt x="13631" y="537649"/>
+                  <a:pt x="931" y="414418"/>
+                </a:cubicBezTo>
+                <a:cubicBezTo>
+                  <a:pt x="-11769" y="291187"/>
+                  <a:pt x="107671" y="172806"/>
+                  <a:pt x="217737" y="103736"/>
+                </a:cubicBezTo>
+                <a:close/>
+              </a:path>
+            </a:pathLst>
+          </a:custGeom>
+        </p:spPr>
+        <p:style>
+          <a:lnRef idx="1">
+            <a:schemeClr val="dk1"/>
+          </a:lnRef>
+          <a:fillRef idx="3">
+            <a:schemeClr val="dk1"/>
+          </a:fillRef>
+          <a:effectRef idx="2">
+            <a:schemeClr val="dk1"/>
+          </a:effectRef>
+          <a:fontRef idx="minor">
+            <a:schemeClr val="lt1"/>
+          </a:fontRef>
+        </p:style>
+        <p:txBody>
+          <a:bodyPr rtlCol="0" anchor="ctr"/>
+          <a:lstStyle/>
+          <a:p>
+            <a:pPr algn="ctr"/>
+            <a:endParaRPr lang="en-US"/>
+          </a:p>
+        </p:txBody>
+      </p:sp>
+      <p:pic>
+        <p:nvPicPr>
+          <p:cNvPr id="51" name="Picture 50" descr="outline_larva2.png"/>
+          <p:cNvPicPr>
+            <a:picLocks noChangeAspect="1"/>
+          </p:cNvPicPr>
+          <p:nvPr/>
+        </p:nvPicPr>
+        <p:blipFill>
+          <a:blip r:embed="rId3">
+            <a:extLst>
+              <a:ext uri="{28A0092B-C50C-407E-A947-70E740481C1C}">
+                <a14:useLocalDpi xmlns:a14="http://schemas.microsoft.com/office/drawing/2010/main" val="0"/>
+              </a:ext>
+            </a:extLst>
+          </a:blip>
+          <a:stretch>
+            <a:fillRect/>
+          </a:stretch>
+        </p:blipFill>
+        <p:spPr>
+          <a:xfrm rot="930271">
+            <a:off x="5279069" y="1695798"/>
+            <a:ext cx="1574160" cy="408359"/>
+          </a:xfrm>
+          <a:prstGeom prst="rect">
+            <a:avLst/>
+          </a:prstGeom>
+        </p:spPr>
+      </p:pic>
+      <p:cxnSp>
+        <p:nvCxnSpPr>
+          <p:cNvPr id="52" name="Straight Arrow Connector 51"/>
+          <p:cNvCxnSpPr/>
+          <p:nvPr/>
+        </p:nvCxnSpPr>
+        <p:spPr>
+          <a:xfrm>
+            <a:off x="5034095" y="3235641"/>
+            <a:ext cx="2269711" cy="0"/>
+          </a:xfrm>
+          <a:prstGeom prst="straightConnector1">
+            <a:avLst/>
+          </a:prstGeom>
+          <a:ln>
+            <a:tailEnd type="arrow"/>
+          </a:ln>
+        </p:spPr>
+        <p:style>
+          <a:lnRef idx="2">
+            <a:schemeClr val="accent2"/>
+          </a:lnRef>
+          <a:fillRef idx="0">
+            <a:schemeClr val="accent2"/>
+          </a:fillRef>
+          <a:effectRef idx="1">
+            <a:schemeClr val="accent2"/>
+          </a:effectRef>
+          <a:fontRef idx="minor">
+            <a:schemeClr val="tx1"/>
+          </a:fontRef>
+        </p:style>
+      </p:cxnSp>
+      <p:cxnSp>
+        <p:nvCxnSpPr>
+          <p:cNvPr id="59" name="Straight Connector 58"/>
+          <p:cNvCxnSpPr/>
+          <p:nvPr/>
+        </p:nvCxnSpPr>
+        <p:spPr>
+          <a:xfrm flipV="1">
+            <a:off x="2417082" y="3091179"/>
+            <a:ext cx="0" cy="292100"/>
+          </a:xfrm>
+          <a:prstGeom prst="line">
+            <a:avLst/>
+          </a:prstGeom>
+        </p:spPr>
+        <p:style>
+          <a:lnRef idx="2">
+            <a:schemeClr val="accent1"/>
+          </a:lnRef>
+          <a:fillRef idx="0">
+            <a:schemeClr val="accent1"/>
+          </a:fillRef>
+          <a:effectRef idx="1">
+            <a:schemeClr val="accent1"/>
+          </a:effectRef>
+          <a:fontRef idx="minor">
+            <a:schemeClr val="tx1"/>
+          </a:fontRef>
+        </p:style>
+      </p:cxnSp>
+      <p:sp>
+        <p:nvSpPr>
+          <p:cNvPr id="70" name="TextBox 69"/>
+          <p:cNvSpPr txBox="1"/>
+          <p:nvPr/>
+        </p:nvSpPr>
+        <p:spPr>
+          <a:xfrm>
+            <a:off x="3292362" y="2438401"/>
+            <a:ext cx="909737" cy="646331"/>
+          </a:xfrm>
+          <a:prstGeom prst="rect">
+            <a:avLst/>
+          </a:prstGeom>
+          <a:noFill/>
+        </p:spPr>
+        <p:txBody>
+          <a:bodyPr wrap="none" rtlCol="0">
+            <a:spAutoFit/>
+          </a:bodyPr>
+          <a:lstStyle/>
+          <a:p>
+            <a:pPr algn="ctr"/>
+            <a:r>
+              <a:rPr lang="en-US" dirty="0"/>
+              <a:t>Embryo</a:t>
+            </a:r>
+          </a:p>
+          <a:p>
+            <a:r>
+              <a:rPr lang="en-US" dirty="0"/>
+              <a:t>24 </a:t>
+            </a:r>
+            <a:r>
+              <a:rPr lang="en-US" dirty="0" err="1"/>
+              <a:t>hr</a:t>
+            </a:r>
+            <a:endParaRPr lang="en-US" dirty="0"/>
+          </a:p>
+        </p:txBody>
+      </p:sp>
+      <p:sp>
+        <p:nvSpPr>
+          <p:cNvPr id="71" name="TextBox 70"/>
+          <p:cNvSpPr txBox="1"/>
+          <p:nvPr/>
+        </p:nvSpPr>
+        <p:spPr>
+          <a:xfrm>
+            <a:off x="5791201" y="2438401"/>
+            <a:ext cx="780457" cy="646331"/>
+          </a:xfrm>
+          <a:prstGeom prst="rect">
+            <a:avLst/>
+          </a:prstGeom>
+          <a:noFill/>
+        </p:spPr>
+        <p:txBody>
+          <a:bodyPr wrap="none" rtlCol="0">
+            <a:spAutoFit/>
+          </a:bodyPr>
+          <a:lstStyle/>
+          <a:p>
+            <a:pPr algn="ctr"/>
+            <a:r>
+              <a:rPr lang="en-US" dirty="0"/>
+              <a:t>Larva</a:t>
+            </a:r>
+          </a:p>
+          <a:p>
+            <a:pPr algn="ctr"/>
+            <a:r>
+              <a:rPr lang="en-US" dirty="0"/>
+              <a:t>4 days</a:t>
+            </a:r>
+            <a:endParaRPr lang="en-US" dirty="0"/>
+          </a:p>
+        </p:txBody>
+      </p:sp>
+      <p:cxnSp>
+        <p:nvCxnSpPr>
+          <p:cNvPr id="56" name="Straight Arrow Connector 55"/>
+          <p:cNvCxnSpPr/>
+          <p:nvPr/>
+        </p:nvCxnSpPr>
+        <p:spPr>
+          <a:xfrm>
+            <a:off x="7418050" y="3235641"/>
+            <a:ext cx="2269711" cy="0"/>
+          </a:xfrm>
+          <a:prstGeom prst="straightConnector1">
+            <a:avLst/>
+          </a:prstGeom>
+          <a:ln>
+            <a:tailEnd type="arrow"/>
+          </a:ln>
+        </p:spPr>
+        <p:style>
+          <a:lnRef idx="2">
+            <a:schemeClr val="accent2"/>
+          </a:lnRef>
+          <a:fillRef idx="0">
+            <a:schemeClr val="accent2"/>
+          </a:fillRef>
+          <a:effectRef idx="1">
+            <a:schemeClr val="accent2"/>
+          </a:effectRef>
+          <a:fontRef idx="minor">
+            <a:schemeClr val="tx1"/>
+          </a:fontRef>
+        </p:style>
+      </p:cxnSp>
+      <p:pic>
+        <p:nvPicPr>
+          <p:cNvPr id="65" name="Picture 64" descr="outline_pupae.png"/>
+          <p:cNvPicPr>
+            <a:picLocks noChangeAspect="1"/>
+          </p:cNvPicPr>
+          <p:nvPr/>
+        </p:nvPicPr>
+        <p:blipFill>
+          <a:blip r:embed="rId4">
+            <a:extLst>
+              <a:ext uri="{28A0092B-C50C-407E-A947-70E740481C1C}">
+                <a14:useLocalDpi xmlns:a14="http://schemas.microsoft.com/office/drawing/2010/main" val="0"/>
+              </a:ext>
+            </a:extLst>
+          </a:blip>
+          <a:stretch>
+            <a:fillRect/>
+          </a:stretch>
+        </p:blipFill>
+        <p:spPr>
+          <a:xfrm rot="12784524">
+            <a:off x="7883932" y="1633958"/>
+            <a:ext cx="1561609" cy="560143"/>
+          </a:xfrm>
+          <a:prstGeom prst="rect">
+            <a:avLst/>
+          </a:prstGeom>
+        </p:spPr>
+      </p:pic>
+      <p:sp>
+        <p:nvSpPr>
+          <p:cNvPr id="72" name="TextBox 71"/>
+          <p:cNvSpPr txBox="1"/>
+          <p:nvPr/>
+        </p:nvSpPr>
+        <p:spPr>
+          <a:xfrm>
+            <a:off x="8229601" y="2438401"/>
+            <a:ext cx="780457" cy="646331"/>
+          </a:xfrm>
+          <a:prstGeom prst="rect">
+            <a:avLst/>
+          </a:prstGeom>
+          <a:noFill/>
+        </p:spPr>
+        <p:txBody>
+          <a:bodyPr wrap="none" rtlCol="0">
+            <a:spAutoFit/>
+          </a:bodyPr>
+          <a:lstStyle/>
+          <a:p>
+            <a:pPr algn="ctr"/>
+            <a:r>
+              <a:rPr lang="en-US" dirty="0"/>
+              <a:t>Pupae</a:t>
+            </a:r>
+          </a:p>
+          <a:p>
+            <a:r>
+              <a:rPr lang="en-US" dirty="0"/>
+              <a:t>5 days</a:t>
+            </a:r>
+            <a:endParaRPr lang="en-US" dirty="0"/>
+          </a:p>
+        </p:txBody>
+      </p:sp>
+      <p:sp>
+        <p:nvSpPr>
+          <p:cNvPr id="73" name="TextBox 72"/>
+          <p:cNvSpPr txBox="1"/>
+          <p:nvPr/>
+        </p:nvSpPr>
+        <p:spPr>
+          <a:xfrm rot="18922286">
+            <a:off x="9747251" y="3058951"/>
+            <a:ext cx="691077" cy="369332"/>
+          </a:xfrm>
+          <a:prstGeom prst="rect">
+            <a:avLst/>
+          </a:prstGeom>
+          <a:noFill/>
+        </p:spPr>
+        <p:txBody>
+          <a:bodyPr wrap="none" rtlCol="0">
+            <a:spAutoFit/>
+          </a:bodyPr>
+          <a:lstStyle/>
+          <a:p>
+            <a:r>
+              <a:rPr lang="en-US" dirty="0"/>
+              <a:t>Adult</a:t>
+            </a:r>
+            <a:endParaRPr lang="en-US" dirty="0"/>
+          </a:p>
+        </p:txBody>
+      </p:sp>
+      <p:sp>
+        <p:nvSpPr>
+          <p:cNvPr id="3" name="Slide Number Placeholder 2"/>
+          <p:cNvSpPr>
+            <a:spLocks noGrp="1"/>
+          </p:cNvSpPr>
+          <p:nvPr>
+            <p:ph type="sldNum" sz="quarter" idx="12"/>
+          </p:nvPr>
+        </p:nvSpPr>
+        <p:spPr/>
+        <p:txBody>
+          <a:bodyPr/>
+          <a:lstStyle/>
+          <a:p>
+            <a:fld id="{818D74A5-6B21-7D43-AA42-06463E0BF38B}" type="slidenum">
+              <a:rPr lang="en-US" smtClean="0"/>
+              <a:t>2</a:t>
+            </a:fld>
+            <a:endParaRPr lang="en-US"/>
+          </a:p>
+        </p:txBody>
+      </p:sp>
+    </p:spTree>
+    <p:extLst>
+      <p:ext uri="{BB962C8B-B14F-4D97-AF65-F5344CB8AC3E}">
+        <p14:creationId xmlns:p14="http://schemas.microsoft.com/office/powerpoint/2010/main" val="181243750"/>
+      </p:ext>
+    </p:extLst>
+  </p:cSld>
+  <p:clrMapOvr>
+    <a:masterClrMapping/>
+  </p:clrMapOvr>
+  <p:timing>
+    <p:tnLst>
+      <p:par>
+        <p:cTn id="1" dur="indefinite" restart="never" nodeType="tmRoot">
+          <p:childTnLst>
+            <p:seq concurrent="1" nextAc="seek">
+              <p:cTn id="2" dur="indefinite" nodeType="mainSeq">
+                <p:childTnLst>
+                  <p:par>
+                    <p:cTn id="3" fill="hold">
+                      <p:stCondLst>
+                        <p:cond delay="indefinite"/>
+                      </p:stCondLst>
+                      <p:childTnLst>
+                        <p:par>
+                          <p:cTn id="4" fill="hold">
+                            <p:stCondLst>
+                              <p:cond delay="0"/>
+                            </p:stCondLst>
+                            <p:childTnLst>
+                              <p:par>
+                                <p:cTn id="5" presetID="1" presetClass="entr" presetSubtype="0" fill="hold" nodeType="clickEffect">
+                                  <p:stCondLst>
+                                    <p:cond delay="0"/>
+                                  </p:stCondLst>
+                                  <p:childTnLst>
+                                    <p:set>
+                                      <p:cBhvr>
+                                        <p:cTn id="6" dur="1" fill="hold">
+                                          <p:stCondLst>
+                                            <p:cond delay="0"/>
+                                          </p:stCondLst>
+                                        </p:cTn>
+                                        <p:tgtEl>
+                                          <p:spTgt spid="12"/>
+                                        </p:tgtEl>
+                                        <p:attrNameLst>
+                                          <p:attrName>style.visibility</p:attrName>
+                                        </p:attrNameLst>
+                                      </p:cBhvr>
+                                      <p:to>
+                                        <p:strVal val="visible"/>
+                                      </p:to>
+                                    </p:set>
+                                  </p:childTnLst>
+                                </p:cTn>
+                              </p:par>
+                              <p:par>
+                                <p:cTn id="7" presetID="1" presetClass="entr" presetSubtype="0" fill="hold" grpId="0" nodeType="withEffect">
+                                  <p:stCondLst>
+                                    <p:cond delay="0"/>
+                                  </p:stCondLst>
+                                  <p:childTnLst>
+                                    <p:set>
+                                      <p:cBhvr>
+                                        <p:cTn id="8" dur="1" fill="hold">
+                                          <p:stCondLst>
+                                            <p:cond delay="0"/>
+                                          </p:stCondLst>
+                                        </p:cTn>
+                                        <p:tgtEl>
+                                          <p:spTgt spid="37"/>
+                                        </p:tgtEl>
+                                        <p:attrNameLst>
+                                          <p:attrName>style.visibility</p:attrName>
+                                        </p:attrNameLst>
+                                      </p:cBhvr>
+                                      <p:to>
+                                        <p:strVal val="visible"/>
+                                      </p:to>
+                                    </p:set>
+                                  </p:childTnLst>
+                                </p:cTn>
+                              </p:par>
+                              <p:par>
+                                <p:cTn id="9" presetID="1" presetClass="entr" presetSubtype="0" fill="hold" grpId="0" nodeType="withEffect">
+                                  <p:stCondLst>
+                                    <p:cond delay="0"/>
+                                  </p:stCondLst>
+                                  <p:childTnLst>
+                                    <p:set>
+                                      <p:cBhvr>
+                                        <p:cTn id="10" dur="1" fill="hold">
+                                          <p:stCondLst>
+                                            <p:cond delay="0"/>
+                                          </p:stCondLst>
+                                        </p:cTn>
+                                        <p:tgtEl>
+                                          <p:spTgt spid="70"/>
+                                        </p:tgtEl>
+                                        <p:attrNameLst>
+                                          <p:attrName>style.visibility</p:attrName>
+                                        </p:attrNameLst>
+                                      </p:cBhvr>
+                                      <p:to>
+                                        <p:strVal val="visible"/>
+                                      </p:to>
+                                    </p:set>
+                                  </p:childTnLst>
+                                </p:cTn>
+                              </p:par>
+                            </p:childTnLst>
+                          </p:cTn>
+                        </p:par>
+                      </p:childTnLst>
+                    </p:cTn>
+                  </p:par>
+                  <p:par>
+                    <p:cTn id="11" fill="hold">
+                      <p:stCondLst>
+                        <p:cond delay="indefinite"/>
+                      </p:stCondLst>
+                      <p:childTnLst>
+                        <p:par>
+                          <p:cTn id="12" fill="hold">
+                            <p:stCondLst>
+                              <p:cond delay="0"/>
+                            </p:stCondLst>
+                            <p:childTnLst>
+                              <p:par>
+                                <p:cTn id="13" presetID="1" presetClass="entr" presetSubtype="0" fill="hold" nodeType="clickEffect">
+                                  <p:stCondLst>
+                                    <p:cond delay="0"/>
+                                  </p:stCondLst>
+                                  <p:childTnLst>
+                                    <p:set>
+                                      <p:cBhvr>
+                                        <p:cTn id="14" dur="1" fill="hold">
+                                          <p:stCondLst>
+                                            <p:cond delay="0"/>
+                                          </p:stCondLst>
+                                        </p:cTn>
+                                        <p:tgtEl>
+                                          <p:spTgt spid="51"/>
+                                        </p:tgtEl>
+                                        <p:attrNameLst>
+                                          <p:attrName>style.visibility</p:attrName>
+                                        </p:attrNameLst>
+                                      </p:cBhvr>
+                                      <p:to>
+                                        <p:strVal val="visible"/>
+                                      </p:to>
+                                    </p:set>
+                                  </p:childTnLst>
+                                </p:cTn>
+                              </p:par>
+                              <p:par>
+                                <p:cTn id="15" presetID="1" presetClass="entr" presetSubtype="0" fill="hold" nodeType="withEffect">
+                                  <p:stCondLst>
+                                    <p:cond delay="0"/>
+                                  </p:stCondLst>
+                                  <p:childTnLst>
+                                    <p:set>
+                                      <p:cBhvr>
+                                        <p:cTn id="16" dur="1" fill="hold">
+                                          <p:stCondLst>
+                                            <p:cond delay="0"/>
+                                          </p:stCondLst>
+                                        </p:cTn>
+                                        <p:tgtEl>
+                                          <p:spTgt spid="52"/>
+                                        </p:tgtEl>
+                                        <p:attrNameLst>
+                                          <p:attrName>style.visibility</p:attrName>
+                                        </p:attrNameLst>
+                                      </p:cBhvr>
+                                      <p:to>
+                                        <p:strVal val="visible"/>
+                                      </p:to>
+                                    </p:set>
+                                  </p:childTnLst>
+                                </p:cTn>
+                              </p:par>
+                              <p:par>
+                                <p:cTn id="17" presetID="1" presetClass="entr" presetSubtype="0" fill="hold" grpId="0" nodeType="withEffect">
+                                  <p:stCondLst>
+                                    <p:cond delay="0"/>
+                                  </p:stCondLst>
+                                  <p:childTnLst>
+                                    <p:set>
+                                      <p:cBhvr>
+                                        <p:cTn id="18" dur="1" fill="hold">
+                                          <p:stCondLst>
+                                            <p:cond delay="0"/>
+                                          </p:stCondLst>
+                                        </p:cTn>
+                                        <p:tgtEl>
+                                          <p:spTgt spid="71"/>
+                                        </p:tgtEl>
+                                        <p:attrNameLst>
+                                          <p:attrName>style.visibility</p:attrName>
+                                        </p:attrNameLst>
+                                      </p:cBhvr>
+                                      <p:to>
+                                        <p:strVal val="visible"/>
+                                      </p:to>
+                                    </p:set>
+                                  </p:childTnLst>
+                                </p:cTn>
+                              </p:par>
+                            </p:childTnLst>
+                          </p:cTn>
+                        </p:par>
+                      </p:childTnLst>
+                    </p:cTn>
+                  </p:par>
+                  <p:par>
+                    <p:cTn id="19" fill="hold">
+                      <p:stCondLst>
+                        <p:cond delay="indefinite"/>
+                      </p:stCondLst>
+                      <p:childTnLst>
+                        <p:par>
+                          <p:cTn id="20" fill="hold">
+                            <p:stCondLst>
+                              <p:cond delay="0"/>
+                            </p:stCondLst>
+                            <p:childTnLst>
+                              <p:par>
+                                <p:cTn id="21" presetID="1" presetClass="entr" presetSubtype="0" fill="hold" nodeType="clickEffect">
+                                  <p:stCondLst>
+                                    <p:cond delay="0"/>
+                                  </p:stCondLst>
+                                  <p:childTnLst>
+                                    <p:set>
+                                      <p:cBhvr>
+                                        <p:cTn id="22" dur="1" fill="hold">
+                                          <p:stCondLst>
+                                            <p:cond delay="0"/>
+                                          </p:stCondLst>
+                                        </p:cTn>
+                                        <p:tgtEl>
+                                          <p:spTgt spid="65"/>
+                                        </p:tgtEl>
+                                        <p:attrNameLst>
+                                          <p:attrName>style.visibility</p:attrName>
+                                        </p:attrNameLst>
+                                      </p:cBhvr>
+                                      <p:to>
+                                        <p:strVal val="visible"/>
+                                      </p:to>
+                                    </p:set>
+                                  </p:childTnLst>
+                                </p:cTn>
+                              </p:par>
+                              <p:par>
+                                <p:cTn id="23" presetID="1" presetClass="entr" presetSubtype="0" fill="hold" grpId="0" nodeType="withEffect">
+                                  <p:stCondLst>
+                                    <p:cond delay="0"/>
+                                  </p:stCondLst>
+                                  <p:childTnLst>
+                                    <p:set>
+                                      <p:cBhvr>
+                                        <p:cTn id="24" dur="1" fill="hold">
+                                          <p:stCondLst>
+                                            <p:cond delay="0"/>
+                                          </p:stCondLst>
+                                        </p:cTn>
+                                        <p:tgtEl>
+                                          <p:spTgt spid="72"/>
+                                        </p:tgtEl>
+                                        <p:attrNameLst>
+                                          <p:attrName>style.visibility</p:attrName>
+                                        </p:attrNameLst>
+                                      </p:cBhvr>
+                                      <p:to>
+                                        <p:strVal val="visible"/>
+                                      </p:to>
+                                    </p:set>
+                                  </p:childTnLst>
+                                </p:cTn>
+                              </p:par>
+                              <p:par>
+                                <p:cTn id="25" presetID="1" presetClass="entr" presetSubtype="0" fill="hold" nodeType="withEffect">
+                                  <p:stCondLst>
+                                    <p:cond delay="0"/>
+                                  </p:stCondLst>
+                                  <p:childTnLst>
+                                    <p:set>
+                                      <p:cBhvr>
+                                        <p:cTn id="26" dur="1" fill="hold">
+                                          <p:stCondLst>
+                                            <p:cond delay="0"/>
+                                          </p:stCondLst>
+                                        </p:cTn>
+                                        <p:tgtEl>
+                                          <p:spTgt spid="56"/>
+                                        </p:tgtEl>
+                                        <p:attrNameLst>
+                                          <p:attrName>style.visibility</p:attrName>
+                                        </p:attrNameLst>
+                                      </p:cBhvr>
+                                      <p:to>
+                                        <p:strVal val="visible"/>
+                                      </p:to>
+                                    </p:set>
+                                  </p:childTnLst>
+                                </p:cTn>
+                              </p:par>
+                              <p:par>
+                                <p:cTn id="27" presetID="1" presetClass="entr" presetSubtype="0" fill="hold" grpId="0" nodeType="withEffect">
+                                  <p:stCondLst>
+                                    <p:cond delay="0"/>
+                                  </p:stCondLst>
+                                  <p:childTnLst>
+                                    <p:set>
+                                      <p:cBhvr>
+                                        <p:cTn id="28" dur="1" fill="hold">
+                                          <p:stCondLst>
+                                            <p:cond delay="0"/>
+                                          </p:stCondLst>
+                                        </p:cTn>
+                                        <p:tgtEl>
+                                          <p:spTgt spid="73"/>
+                                        </p:tgtEl>
+                                        <p:attrNameLst>
+                                          <p:attrName>style.visibility</p:attrName>
+                                        </p:attrNameLst>
+                                      </p:cBhvr>
+                                      <p:to>
+                                        <p:strVal val="visible"/>
+                                      </p:to>
+                                    </p:set>
+                                  </p:childTnLst>
+                                </p:cTn>
+                              </p:par>
+                            </p:childTnLst>
+                          </p:cTn>
+                        </p:par>
+                      </p:childTnLst>
+                    </p:cTn>
+                  </p:par>
+                  <p:par>
+                    <p:cTn id="29" fill="hold">
+                      <p:stCondLst>
+                        <p:cond delay="indefinite"/>
+                      </p:stCondLst>
+                      <p:childTnLst>
+                        <p:par>
+                          <p:cTn id="30" fill="hold">
+                            <p:stCondLst>
+                              <p:cond delay="0"/>
+                            </p:stCondLst>
+                            <p:childTnLst>
+                              <p:par>
+                                <p:cTn id="31" presetID="1" presetClass="entr" presetSubtype="0" fill="hold" nodeType="clickEffect">
+                                  <p:stCondLst>
+                                    <p:cond delay="0"/>
+                                  </p:stCondLst>
+                                  <p:childTnLst>
+                                    <p:set>
+                                      <p:cBhvr>
+                                        <p:cTn id="32" dur="1" fill="hold">
+                                          <p:stCondLst>
+                                            <p:cond delay="0"/>
+                                          </p:stCondLst>
+                                        </p:cTn>
+                                        <p:tgtEl>
+                                          <p:spTgt spid="23"/>
+                                        </p:tgtEl>
+                                        <p:attrNameLst>
+                                          <p:attrName>style.visibility</p:attrName>
+                                        </p:attrNameLst>
+                                      </p:cBhvr>
+                                      <p:to>
+                                        <p:strVal val="visible"/>
+                                      </p:to>
+                                    </p:set>
+                                  </p:childTnLst>
+                                </p:cTn>
+                              </p:par>
+                              <p:par>
+                                <p:cTn id="33" presetID="1" presetClass="entr" presetSubtype="0" fill="hold" nodeType="withEffect">
+                                  <p:stCondLst>
+                                    <p:cond delay="0"/>
+                                  </p:stCondLst>
+                                  <p:childTnLst>
+                                    <p:set>
+                                      <p:cBhvr>
+                                        <p:cTn id="34" dur="1" fill="hold">
+                                          <p:stCondLst>
+                                            <p:cond delay="0"/>
+                                          </p:stCondLst>
+                                        </p:cTn>
+                                        <p:tgtEl>
+                                          <p:spTgt spid="19"/>
+                                        </p:tgtEl>
+                                        <p:attrNameLst>
+                                          <p:attrName>style.visibility</p:attrName>
+                                        </p:attrNameLst>
+                                      </p:cBhvr>
+                                      <p:to>
+                                        <p:strVal val="visible"/>
+                                      </p:to>
+                                    </p:set>
+                                  </p:childTnLst>
+                                </p:cTn>
+                              </p:par>
+                              <p:par>
+                                <p:cTn id="35" presetID="1" presetClass="entr" presetSubtype="0" fill="hold" nodeType="withEffect">
+                                  <p:stCondLst>
+                                    <p:cond delay="0"/>
+                                  </p:stCondLst>
+                                  <p:childTnLst>
+                                    <p:set>
+                                      <p:cBhvr>
+                                        <p:cTn id="36" dur="1" fill="hold">
+                                          <p:stCondLst>
+                                            <p:cond delay="0"/>
+                                          </p:stCondLst>
+                                        </p:cTn>
+                                        <p:tgtEl>
+                                          <p:spTgt spid="20"/>
+                                        </p:tgtEl>
+                                        <p:attrNameLst>
+                                          <p:attrName>style.visibility</p:attrName>
+                                        </p:attrNameLst>
+                                      </p:cBhvr>
+                                      <p:to>
+                                        <p:strVal val="visible"/>
+                                      </p:to>
+                                    </p:set>
+                                  </p:childTnLst>
+                                </p:cTn>
+                              </p:par>
+                              <p:par>
+                                <p:cTn id="37" presetID="1" presetClass="entr" presetSubtype="0" fill="hold" nodeType="withEffect">
+                                  <p:stCondLst>
+                                    <p:cond delay="0"/>
+                                  </p:stCondLst>
+                                  <p:childTnLst>
+                                    <p:set>
+                                      <p:cBhvr>
+                                        <p:cTn id="38" dur="1" fill="hold">
+                                          <p:stCondLst>
+                                            <p:cond delay="0"/>
+                                          </p:stCondLst>
+                                        </p:cTn>
+                                        <p:tgtEl>
+                                          <p:spTgt spid="21"/>
+                                        </p:tgtEl>
+                                        <p:attrNameLst>
+                                          <p:attrName>style.visibility</p:attrName>
+                                        </p:attrNameLst>
+                                      </p:cBhvr>
+                                      <p:to>
+                                        <p:strVal val="visible"/>
+                                      </p:to>
+                                    </p:set>
+                                  </p:childTnLst>
+                                </p:cTn>
+                              </p:par>
+                              <p:par>
+                                <p:cTn id="39" presetID="1" presetClass="entr" presetSubtype="0" fill="hold" nodeType="withEffect">
+                                  <p:stCondLst>
+                                    <p:cond delay="0"/>
+                                  </p:stCondLst>
+                                  <p:childTnLst>
+                                    <p:set>
+                                      <p:cBhvr>
+                                        <p:cTn id="40" dur="1" fill="hold">
+                                          <p:stCondLst>
+                                            <p:cond delay="0"/>
+                                          </p:stCondLst>
+                                        </p:cTn>
+                                        <p:tgtEl>
+                                          <p:spTgt spid="59"/>
+                                        </p:tgtEl>
+                                        <p:attrNameLst>
+                                          <p:attrName>style.visibility</p:attrName>
+                                        </p:attrNameLst>
+                                      </p:cBhvr>
+                                      <p:to>
+                                        <p:strVal val="visible"/>
+                                      </p:to>
+                                    </p:set>
+                                  </p:childTnLst>
+                                </p:cTn>
+                              </p:par>
+                              <p:par>
+                                <p:cTn id="41" presetID="1" presetClass="entr" presetSubtype="0" fill="hold" nodeType="withEffect">
+                                  <p:stCondLst>
+                                    <p:cond delay="0"/>
+                                  </p:stCondLst>
+                                  <p:childTnLst>
+                                    <p:set>
+                                      <p:cBhvr>
+                                        <p:cTn id="42" dur="1" fill="hold">
+                                          <p:stCondLst>
+                                            <p:cond delay="0"/>
+                                          </p:stCondLst>
+                                        </p:cTn>
+                                        <p:tgtEl>
+                                          <p:spTgt spid="25"/>
+                                        </p:tgtEl>
+                                        <p:attrNameLst>
+                                          <p:attrName>style.visibility</p:attrName>
+                                        </p:attrNameLst>
+                                      </p:cBhvr>
+                                      <p:to>
+                                        <p:strVal val="visible"/>
+                                      </p:to>
+                                    </p:set>
+                                  </p:childTnLst>
+                                </p:cTn>
+                              </p:par>
+                              <p:par>
+                                <p:cTn id="43" presetID="1" presetClass="entr" presetSubtype="0" fill="hold" nodeType="withEffect">
+                                  <p:stCondLst>
+                                    <p:cond delay="0"/>
+                                  </p:stCondLst>
+                                  <p:childTnLst>
+                                    <p:set>
+                                      <p:cBhvr>
+                                        <p:cTn id="44" dur="1" fill="hold">
+                                          <p:stCondLst>
+                                            <p:cond delay="0"/>
+                                          </p:stCondLst>
+                                        </p:cTn>
+                                        <p:tgtEl>
+                                          <p:spTgt spid="27"/>
+                                        </p:tgtEl>
+                                        <p:attrNameLst>
+                                          <p:attrName>style.visibility</p:attrName>
+                                        </p:attrNameLst>
+                                      </p:cBhvr>
+                                      <p:to>
+                                        <p:strVal val="visible"/>
+                                      </p:to>
+                                    </p:set>
+                                  </p:childTnLst>
+                                </p:cTn>
+                              </p:par>
+                              <p:par>
+                                <p:cTn id="45" presetID="1" presetClass="entr" presetSubtype="0" fill="hold" grpId="0" nodeType="withEffect">
+                                  <p:stCondLst>
+                                    <p:cond delay="0"/>
+                                  </p:stCondLst>
+                                  <p:childTnLst>
+                                    <p:set>
+                                      <p:cBhvr>
+                                        <p:cTn id="46" dur="1" fill="hold">
+                                          <p:stCondLst>
+                                            <p:cond delay="0"/>
+                                          </p:stCondLst>
+                                        </p:cTn>
+                                        <p:tgtEl>
+                                          <p:spTgt spid="28"/>
+                                        </p:tgtEl>
+                                        <p:attrNameLst>
+                                          <p:attrName>style.visibility</p:attrName>
+                                        </p:attrNameLst>
+                                      </p:cBhvr>
+                                      <p:to>
+                                        <p:strVal val="visible"/>
+                                      </p:to>
+                                    </p:set>
+                                  </p:childTnLst>
+                                </p:cTn>
+                              </p:par>
+                              <p:par>
+                                <p:cTn id="47" presetID="1" presetClass="entr" presetSubtype="0" fill="hold" grpId="0" nodeType="withEffect">
+                                  <p:stCondLst>
+                                    <p:cond delay="0"/>
+                                  </p:stCondLst>
+                                  <p:childTnLst>
+                                    <p:set>
+                                      <p:cBhvr>
+                                        <p:cTn id="48" dur="1" fill="hold">
+                                          <p:stCondLst>
+                                            <p:cond delay="0"/>
+                                          </p:stCondLst>
+                                        </p:cTn>
+                                        <p:tgtEl>
+                                          <p:spTgt spid="29"/>
+                                        </p:tgtEl>
+                                        <p:attrNameLst>
+                                          <p:attrName>style.visibility</p:attrName>
+                                        </p:attrNameLst>
+                                      </p:cBhvr>
+                                      <p:to>
+                                        <p:strVal val="visible"/>
+                                      </p:to>
+                                    </p:set>
+                                  </p:childTnLst>
+                                </p:cTn>
+                              </p:par>
+                              <p:par>
+                                <p:cTn id="49" presetID="1" presetClass="entr" presetSubtype="0" fill="hold" grpId="0" nodeType="withEffect">
+                                  <p:stCondLst>
+                                    <p:cond delay="0"/>
+                                  </p:stCondLst>
+                                  <p:childTnLst>
+                                    <p:set>
+                                      <p:cBhvr>
+                                        <p:cTn id="50" dur="1" fill="hold">
+                                          <p:stCondLst>
+                                            <p:cond delay="0"/>
+                                          </p:stCondLst>
+                                        </p:cTn>
+                                        <p:tgtEl>
+                                          <p:spTgt spid="30"/>
+                                        </p:tgtEl>
+                                        <p:attrNameLst>
+                                          <p:attrName>style.visibility</p:attrName>
+                                        </p:attrNameLst>
+                                      </p:cBhvr>
+                                      <p:to>
+                                        <p:strVal val="visible"/>
+                                      </p:to>
+                                    </p:set>
+                                  </p:childTnLst>
+                                </p:cTn>
+                              </p:par>
+                              <p:par>
+                                <p:cTn id="51" presetID="1" presetClass="entr" presetSubtype="0" fill="hold" grpId="0" nodeType="withEffect">
+                                  <p:stCondLst>
+                                    <p:cond delay="0"/>
+                                  </p:stCondLst>
+                                  <p:childTnLst>
+                                    <p:set>
+                                      <p:cBhvr>
+                                        <p:cTn id="52" dur="1" fill="hold">
+                                          <p:stCondLst>
+                                            <p:cond delay="0"/>
+                                          </p:stCondLst>
+                                        </p:cTn>
+                                        <p:tgtEl>
+                                          <p:spTgt spid="31"/>
+                                        </p:tgtEl>
+                                        <p:attrNameLst>
+                                          <p:attrName>style.visibility</p:attrName>
+                                        </p:attrNameLst>
+                                      </p:cBhvr>
+                                      <p:to>
+                                        <p:strVal val="visible"/>
+                                      </p:to>
+                                    </p:set>
+                                  </p:childTnLst>
+                                </p:cTn>
+                              </p:par>
+                              <p:par>
+                                <p:cTn id="53" presetID="1" presetClass="entr" presetSubtype="0" fill="hold" grpId="0" nodeType="withEffect">
+                                  <p:stCondLst>
+                                    <p:cond delay="0"/>
+                                  </p:stCondLst>
+                                  <p:childTnLst>
+                                    <p:set>
+                                      <p:cBhvr>
+                                        <p:cTn id="54" dur="1" fill="hold">
+                                          <p:stCondLst>
+                                            <p:cond delay="0"/>
+                                          </p:stCondLst>
+                                        </p:cTn>
+                                        <p:tgtEl>
+                                          <p:spTgt spid="32"/>
+                                        </p:tgtEl>
+                                        <p:attrNameLst>
+                                          <p:attrName>style.visibility</p:attrName>
+                                        </p:attrNameLst>
+                                      </p:cBhvr>
+                                      <p:to>
+                                        <p:strVal val="visible"/>
+                                      </p:to>
+                                    </p:set>
+                                  </p:childTnLst>
+                                </p:cTn>
+                              </p:par>
+                              <p:par>
+                                <p:cTn id="55" presetID="1" presetClass="entr" presetSubtype="0" fill="hold" grpId="0" nodeType="withEffect">
+                                  <p:stCondLst>
+                                    <p:cond delay="0"/>
+                                  </p:stCondLst>
+                                  <p:childTnLst>
+                                    <p:set>
+                                      <p:cBhvr>
+                                        <p:cTn id="56" dur="1" fill="hold">
+                                          <p:stCondLst>
+                                            <p:cond delay="0"/>
+                                          </p:stCondLst>
+                                        </p:cTn>
+                                        <p:tgtEl>
+                                          <p:spTgt spid="33"/>
+                                        </p:tgtEl>
+                                        <p:attrNameLst>
+                                          <p:attrName>style.visibility</p:attrName>
+                                        </p:attrNameLst>
+                                      </p:cBhvr>
+                                      <p:to>
+                                        <p:strVal val="visible"/>
+                                      </p:to>
+                                    </p:set>
+                                  </p:childTnLst>
+                                </p:cTn>
+                              </p:par>
+                            </p:childTnLst>
+                          </p:cTn>
+                        </p:par>
+                      </p:childTnLst>
+                    </p:cTn>
+                  </p:par>
+                </p:childTnLst>
+              </p:cTn>
+              <p:prevCondLst>
+                <p:cond evt="onPrev" delay="0">
+                  <p:tgtEl>
+                    <p:sldTgt/>
+                  </p:tgtEl>
+                </p:cond>
+              </p:prevCondLst>
+              <p:nextCondLst>
+                <p:cond evt="onNext" delay="0">
+                  <p:tgtEl>
+                    <p:sldTgt/>
+                  </p:tgtEl>
+                </p:cond>
+              </p:nextCondLst>
+            </p:seq>
+          </p:childTnLst>
+        </p:cTn>
+      </p:par>
+    </p:tnLst>
+    <p:bldLst>
+      <p:bldP spid="28" grpId="0" animBg="1"/>
+      <p:bldP spid="29" grpId="0" animBg="1"/>
+      <p:bldP spid="30" grpId="0" animBg="1"/>
+      <p:bldP spid="31" grpId="0" animBg="1"/>
+      <p:bldP spid="32" grpId="0" animBg="1"/>
+      <p:bldP spid="33" grpId="0" animBg="1"/>
+      <p:bldP spid="37" grpId="0" animBg="1"/>
+      <p:bldP spid="70" grpId="0"/>
+      <p:bldP spid="71" grpId="0"/>
+      <p:bldP spid="72" grpId="0"/>
+      <p:bldP spid="73" grpId="0"/>
+    </p:bldLst>
+  </p:timing>
+</p:sld>
+</file>
+
+<file path=ppt/slides/slide3.xml><?xml version="1.0" encoding="utf-8"?>
+<p:sld xmlns:a="http://schemas.openxmlformats.org/drawingml/2006/main" xmlns:r="http://schemas.openxmlformats.org/officeDocument/2006/relationships" xmlns:p="http://schemas.openxmlformats.org/presentationml/2006/main">
+  <p:cSld>
+    <p:spTree>
+      <p:nvGrpSpPr>
+        <p:cNvPr id="1" name=""/>
+        <p:cNvGrpSpPr/>
+        <p:nvPr/>
+      </p:nvGrpSpPr>
+      <p:grpSpPr>
+        <a:xfrm>
+          <a:off x="0" y="0"/>
+          <a:ext cx="0" cy="0"/>
+          <a:chOff x="0" y="0"/>
+          <a:chExt cx="0" cy="0"/>
+        </a:xfrm>
+      </p:grpSpPr>
+      <p:pic>
+        <p:nvPicPr>
+          <p:cNvPr id="5" name="Picture 4"/>
+          <p:cNvPicPr>
+            <a:picLocks noChangeAspect="1"/>
+          </p:cNvPicPr>
+          <p:nvPr/>
+        </p:nvPicPr>
+        <p:blipFill>
+          <a:blip r:embed="rId2">
+            <a:extLst>
+              <a:ext uri="{28A0092B-C50C-407E-A947-70E740481C1C}">
+                <a14:useLocalDpi xmlns:a14="http://schemas.microsoft.com/office/drawing/2010/main" val="0"/>
+              </a:ext>
+            </a:extLst>
+          </a:blip>
+          <a:stretch>
+            <a:fillRect/>
+          </a:stretch>
+        </p:blipFill>
+        <p:spPr>
+          <a:xfrm>
+            <a:off x="2776436" y="1513138"/>
+            <a:ext cx="6023683" cy="4654664"/>
+          </a:xfrm>
+          <a:prstGeom prst="rect">
+            <a:avLst/>
+          </a:prstGeom>
+        </p:spPr>
+      </p:pic>
+    </p:spTree>
+    <p:extLst>
+      <p:ext uri="{BB962C8B-B14F-4D97-AF65-F5344CB8AC3E}">
+        <p14:creationId xmlns:p14="http://schemas.microsoft.com/office/powerpoint/2010/main" val="303582536"/>
+      </p:ext>
+    </p:extLst>
+  </p:cSld>
+  <p:clrMapOvr>
+    <a:masterClrMapping/>
+  </p:clrMapOvr>
+</p:sld>
+</file>
+
+<file path=ppt/slides/slide4.xml><?xml version="1.0" encoding="utf-8"?>
+<p:sld xmlns:a="http://schemas.openxmlformats.org/drawingml/2006/main" xmlns:r="http://schemas.openxmlformats.org/officeDocument/2006/relationships" xmlns:p="http://schemas.openxmlformats.org/presentationml/2006/main">
+  <p:cSld>
+    <p:spTree>
+      <p:nvGrpSpPr>
+        <p:cNvPr id="1" name=""/>
+        <p:cNvGrpSpPr/>
+        <p:nvPr/>
+      </p:nvGrpSpPr>
+      <p:grpSpPr>
+        <a:xfrm>
+          <a:off x="0" y="0"/>
+          <a:ext cx="0" cy="0"/>
+          <a:chOff x="0" y="0"/>
+          <a:chExt cx="0" cy="0"/>
+        </a:xfrm>
+      </p:grpSpPr>
+      <p:sp>
+        <p:nvSpPr>
+          <p:cNvPr id="2" name="Title 1"/>
+          <p:cNvSpPr>
+            <a:spLocks noGrp="1"/>
+          </p:cNvSpPr>
+          <p:nvPr>
+            <p:ph type="title"/>
+          </p:nvPr>
+        </p:nvSpPr>
+        <p:spPr/>
+        <p:txBody>
+          <a:bodyPr/>
+          <a:lstStyle/>
+          <a:p>
+            <a:endParaRPr lang="en-US"/>
+          </a:p>
+        </p:txBody>
+      </p:sp>
+      <p:sp>
+        <p:nvSpPr>
+          <p:cNvPr id="3" name="Content Placeholder 2"/>
+          <p:cNvSpPr>
+            <a:spLocks noGrp="1"/>
+          </p:cNvSpPr>
+          <p:nvPr>
+            <p:ph idx="1"/>
+          </p:nvPr>
+        </p:nvSpPr>
+        <p:spPr/>
+        <p:txBody>
+          <a:bodyPr/>
+          <a:lstStyle/>
+          <a:p>
+            <a:endParaRPr lang="en-US"/>
+          </a:p>
+        </p:txBody>
+      </p:sp>
+      <mc:AlternateContent xmlns:mc="http://schemas.openxmlformats.org/markup-compatibility/2006">
+        <mc:Choice xmlns:a14="http://schemas.microsoft.com/office/drawing/2010/main" Requires="a14">
+          <p:sp>
+            <p:nvSpPr>
+              <p:cNvPr id="4" name="TextBox 3"/>
+              <p:cNvSpPr txBox="1"/>
+              <p:nvPr/>
+            </p:nvSpPr>
+            <p:spPr>
+              <a:xfrm>
+                <a:off x="1546473" y="86020"/>
+                <a:ext cx="3449662" cy="740139"/>
+              </a:xfrm>
+              <a:prstGeom prst="rect">
+                <a:avLst/>
+              </a:prstGeom>
+              <a:noFill/>
+            </p:spPr>
+            <p:txBody>
+              <a:bodyPr wrap="none" lIns="0" tIns="0" rIns="0" bIns="0" rtlCol="0">
+                <a:spAutoFit/>
+              </a:bodyPr>
+              <a:lstStyle/>
+              <a:p>
+                <a14:m>
+                  <m:oMathPara xmlns:m="http://schemas.openxmlformats.org/officeDocument/2006/math">
+                    <m:oMathParaPr>
+                      <m:jc m:val="centerGroup"/>
+                    </m:oMathParaPr>
+                    <m:oMath xmlns:m="http://schemas.openxmlformats.org/officeDocument/2006/math">
+                      <m:f>
+                        <m:fPr>
+                          <m:ctrlPr>
+                            <a:rPr lang="en-US" i="1" smtClean="0">
+                              <a:latin typeface="Cambria Math" charset="0"/>
+                            </a:rPr>
+                          </m:ctrlPr>
+                        </m:fPr>
+                        <m:num>
+                          <m:nary>
+                            <m:naryPr>
+                              <m:chr m:val="∑"/>
+                              <m:supHide m:val="on"/>
+                              <m:ctrlPr>
+                                <a:rPr lang="en-US" i="1">
+                                  <a:latin typeface="Cambria Math" charset="0"/>
+                                </a:rPr>
+                              </m:ctrlPr>
+                            </m:naryPr>
+                            <m:sub>
+                              <m:r>
+                                <m:rPr>
+                                  <m:brk m:alnAt="7"/>
+                                </m:rPr>
+                                <a:rPr lang="en-US" i="1">
+                                  <a:latin typeface="Cambria Math" charset="0"/>
+                                </a:rPr>
+                                <m:t>𝑑</m:t>
+                              </m:r>
+                              <m:r>
+                                <a:rPr lang="en-US" i="1">
+                                  <a:latin typeface="Cambria Math" charset="0"/>
+                                </a:rPr>
+                                <m:t>&lt;0</m:t>
+                              </m:r>
+                            </m:sub>
+                            <m:sup/>
+                            <m:e>
+                              <m:r>
+                                <a:rPr lang="en-US" i="1">
+                                  <a:latin typeface="Cambria Math" charset="0"/>
+                                </a:rPr>
+                                <m:t>1</m:t>
+                              </m:r>
+                              <m:r>
+                                <a:rPr lang="en-US" i="1">
+                                  <a:latin typeface="Cambria Math" charset="0"/>
+                                </a:rPr>
+                                <m:t> </m:t>
+                              </m:r>
+                            </m:e>
+                          </m:nary>
+                          <m:r>
+                            <a:rPr lang="en-US" i="1">
+                              <a:latin typeface="Cambria Math" charset="0"/>
+                            </a:rPr>
+                            <m:t>+</m:t>
+                          </m:r>
+                          <m:nary>
+                            <m:naryPr>
+                              <m:chr m:val="∑"/>
+                              <m:supHide m:val="on"/>
+                              <m:ctrlPr>
+                                <a:rPr lang="en-US" i="1">
+                                  <a:latin typeface="Cambria Math" charset="0"/>
+                                </a:rPr>
+                              </m:ctrlPr>
+                            </m:naryPr>
+                            <m:sub>
+                              <m:r>
+                                <m:rPr>
+                                  <m:brk m:alnAt="7"/>
+                                </m:rPr>
+                                <a:rPr lang="en-US" i="1">
+                                  <a:latin typeface="Cambria Math" charset="0"/>
+                                </a:rPr>
+                                <m:t>𝑑</m:t>
+                              </m:r>
+                              <m:r>
+                                <a:rPr lang="en-US" i="1">
+                                  <a:latin typeface="Cambria Math" charset="0"/>
+                                </a:rPr>
+                                <m:t>&gt;0</m:t>
+                              </m:r>
+                            </m:sub>
+                            <m:sup/>
+                            <m:e>
+                              <m:f>
+                                <m:fPr>
+                                  <m:ctrlPr>
+                                    <a:rPr lang="en-US" i="1">
+                                      <a:latin typeface="Cambria Math" charset="0"/>
+                                    </a:rPr>
+                                  </m:ctrlPr>
+                                </m:fPr>
+                                <m:num>
+                                  <m:r>
+                                    <a:rPr lang="en-US" i="1">
+                                      <a:latin typeface="Cambria Math" charset="0"/>
+                                    </a:rPr>
+                                    <m:t>1</m:t>
+                                  </m:r>
+                                </m:num>
+                                <m:den>
+                                  <m:r>
+                                    <a:rPr lang="en-US" i="1">
+                                      <a:latin typeface="Cambria Math" charset="0"/>
+                                    </a:rPr>
+                                    <m:t>1+ </m:t>
+                                  </m:r>
+                                  <m:sSup>
+                                    <m:sSupPr>
+                                      <m:ctrlPr>
+                                        <a:rPr lang="el-GR" i="1">
+                                          <a:latin typeface="Cambria Math" charset="0"/>
+                                        </a:rPr>
+                                      </m:ctrlPr>
+                                    </m:sSupPr>
+                                    <m:e>
+                                      <m:r>
+                                        <a:rPr lang="el-GR" i="1">
+                                          <a:latin typeface="Cambria Math" charset="0"/>
+                                        </a:rPr>
+                                        <m:t>𝑒</m:t>
+                                      </m:r>
+                                    </m:e>
+                                    <m:sup>
+                                      <m:r>
+                                        <a:rPr lang="en-US" i="1">
+                                          <a:latin typeface="Cambria Math" charset="0"/>
+                                        </a:rPr>
+                                        <m:t>0.0005 </m:t>
+                                      </m:r>
+                                      <m:d>
+                                        <m:dPr>
+                                          <m:ctrlPr>
+                                            <a:rPr lang="en-US" i="1">
+                                              <a:latin typeface="Cambria Math" charset="0"/>
+                                            </a:rPr>
+                                          </m:ctrlPr>
+                                        </m:dPr>
+                                        <m:e>
+                                          <m:r>
+                                            <a:rPr lang="en-US" i="1">
+                                              <a:latin typeface="Cambria Math" charset="0"/>
+                                            </a:rPr>
+                                            <m:t> </m:t>
+                                          </m:r>
+                                          <m:r>
+                                            <a:rPr lang="en-US" i="1">
+                                              <a:latin typeface="Cambria Math" charset="0"/>
+                                            </a:rPr>
+                                            <m:t>𝑑</m:t>
+                                          </m:r>
+                                          <m:r>
+                                            <a:rPr lang="en-US" i="1">
+                                              <a:latin typeface="Cambria Math" charset="0"/>
+                                            </a:rPr>
+                                            <m:t> − 15 </m:t>
+                                          </m:r>
+                                        </m:e>
+                                      </m:d>
+                                    </m:sup>
+                                  </m:sSup>
+                                </m:den>
+                              </m:f>
+                            </m:e>
+                          </m:nary>
+                        </m:num>
+                        <m:den>
+                          <m:r>
+                            <a:rPr lang="en-US" b="0" i="1" smtClean="0">
+                              <a:latin typeface="Cambria Math" charset="0"/>
+                            </a:rPr>
+                            <m:t>𝐿</m:t>
+                          </m:r>
+                        </m:den>
+                      </m:f>
+                    </m:oMath>
+                  </m:oMathPara>
+                </a14:m>
+                <a:endParaRPr lang="en-US" dirty="0"/>
+              </a:p>
+            </p:txBody>
+          </p:sp>
+        </mc:Choice>
+        <mc:Fallback>
+          <p:sp>
+            <p:nvSpPr>
+              <p:cNvPr id="4" name="TextBox 3"/>
+              <p:cNvSpPr txBox="1">
+                <a:spLocks noRot="1" noChangeAspect="1" noMove="1" noResize="1" noEditPoints="1" noAdjustHandles="1" noChangeArrowheads="1" noChangeShapeType="1" noTextEdit="1"/>
+              </p:cNvSpPr>
+              <p:nvPr/>
+            </p:nvSpPr>
+            <p:spPr>
+              <a:xfrm>
+                <a:off x="1546473" y="86020"/>
+                <a:ext cx="3449662" cy="740139"/>
+              </a:xfrm>
+              <a:prstGeom prst="rect">
+                <a:avLst/>
+              </a:prstGeom>
+              <a:blipFill rotWithShape="0">
+                <a:blip r:embed="rId2"/>
+                <a:stretch>
+                  <a:fillRect/>
+                </a:stretch>
+              </a:blipFill>
+            </p:spPr>
+            <p:txBody>
+              <a:bodyPr/>
+              <a:lstStyle/>
+              <a:p>
+                <a:r>
+                  <a:rPr lang="en-US">
+                    <a:noFill/>
+                  </a:rPr>
+                  <a:t> </a:t>
+                </a:r>
+              </a:p>
+            </p:txBody>
+          </p:sp>
+        </mc:Fallback>
+      </mc:AlternateContent>
+    </p:spTree>
+    <p:extLst>
+      <p:ext uri="{BB962C8B-B14F-4D97-AF65-F5344CB8AC3E}">
+        <p14:creationId xmlns:p14="http://schemas.microsoft.com/office/powerpoint/2010/main" val="399550698"/>
+      </p:ext>
+    </p:extLst>
+  </p:cSld>
+  <p:clrMapOvr>
+    <a:masterClrMapping/>
+  </p:clrMapOvr>
+</p:sld>
+</file>
+
+<file path=ppt/slides/slide5.xml><?xml version="1.0" encoding="utf-8"?>
+<p:sld xmlns:a="http://schemas.openxmlformats.org/drawingml/2006/main" xmlns:r="http://schemas.openxmlformats.org/officeDocument/2006/relationships" xmlns:p="http://schemas.openxmlformats.org/presentationml/2006/main">
+  <p:cSld>
+    <p:spTree>
+      <p:nvGrpSpPr>
+        <p:cNvPr id="1" name=""/>
+        <p:cNvGrpSpPr/>
+        <p:nvPr/>
+      </p:nvGrpSpPr>
+      <p:grpSpPr>
+        <a:xfrm>
+          <a:off x="0" y="0"/>
+          <a:ext cx="0" cy="0"/>
+          <a:chOff x="0" y="0"/>
+          <a:chExt cx="0" cy="0"/>
+        </a:xfrm>
+      </p:grpSpPr>
+      <p:sp>
+        <p:nvSpPr>
+          <p:cNvPr id="4" name="Title 3"/>
+          <p:cNvSpPr>
+            <a:spLocks noGrp="1"/>
+          </p:cNvSpPr>
+          <p:nvPr>
+            <p:ph type="title"/>
+          </p:nvPr>
+        </p:nvSpPr>
+        <p:spPr/>
+        <p:txBody>
+          <a:bodyPr/>
+          <a:lstStyle/>
+          <a:p>
+            <a:endParaRPr lang="en-US" dirty="0"/>
+          </a:p>
+        </p:txBody>
+      </p:sp>
+      <p:grpSp>
+        <p:nvGrpSpPr>
+          <p:cNvPr id="13" name="Group 12"/>
+          <p:cNvGrpSpPr/>
+          <p:nvPr/>
+        </p:nvGrpSpPr>
+        <p:grpSpPr>
+          <a:xfrm>
+            <a:off x="4320988" y="2268911"/>
+            <a:ext cx="3177148" cy="3177148"/>
+            <a:chOff x="3732028" y="3657600"/>
+            <a:chExt cx="1828800" cy="1828800"/>
+          </a:xfrm>
+        </p:grpSpPr>
+        <p:sp>
+          <p:nvSpPr>
+            <p:cNvPr id="5" name="Oval 4"/>
+            <p:cNvSpPr/>
+            <p:nvPr/>
+          </p:nvSpPr>
+          <p:spPr>
+            <a:xfrm>
+              <a:off x="3732028" y="3657600"/>
+              <a:ext cx="1828800" cy="1828800"/>
+            </a:xfrm>
+            <a:prstGeom prst="ellipse">
+              <a:avLst/>
+            </a:prstGeom>
+            <a:gradFill flip="none" rotWithShape="1">
+              <a:gsLst>
+                <a:gs pos="15000">
+                  <a:schemeClr val="accent1">
+                    <a:lumMod val="0"/>
+                    <a:lumOff val="100000"/>
+                  </a:schemeClr>
+                </a:gs>
+                <a:gs pos="41000">
+                  <a:schemeClr val="accent1">
+                    <a:lumMod val="40000"/>
+                    <a:lumOff val="60000"/>
+                  </a:schemeClr>
+                </a:gs>
+                <a:gs pos="60000">
+                  <a:schemeClr val="accent1">
+                    <a:lumMod val="60000"/>
+                    <a:lumOff val="40000"/>
+                  </a:schemeClr>
+                </a:gs>
+                <a:gs pos="100000">
+                  <a:schemeClr val="accent1">
+                    <a:lumMod val="50000"/>
+                  </a:schemeClr>
+                </a:gs>
+              </a:gsLst>
+              <a:lin ang="5400000" scaled="1"/>
+              <a:tileRect/>
+            </a:gradFill>
+            <a:ln>
+              <a:solidFill>
+                <a:schemeClr val="accent1"/>
+              </a:solidFill>
+            </a:ln>
+          </p:spPr>
+          <p:style>
+            <a:lnRef idx="2">
+              <a:schemeClr val="accent1">
+                <a:shade val="50000"/>
+              </a:schemeClr>
+            </a:lnRef>
+            <a:fillRef idx="1">
+              <a:schemeClr val="accent1"/>
+            </a:fillRef>
+            <a:effectRef idx="0">
+              <a:schemeClr val="accent1"/>
+            </a:effectRef>
+            <a:fontRef idx="minor">
+              <a:schemeClr val="lt1"/>
+            </a:fontRef>
+          </p:style>
+          <p:txBody>
+            <a:bodyPr rtlCol="0" anchor="ctr"/>
+            <a:lstStyle/>
+            <a:p>
+              <a:pPr algn="ctr"/>
+              <a:endParaRPr lang="en-US"/>
+            </a:p>
+          </p:txBody>
+        </p:sp>
+        <p:sp>
+          <p:nvSpPr>
+            <p:cNvPr id="6" name="Oval 5"/>
+            <p:cNvSpPr/>
+            <p:nvPr/>
+          </p:nvSpPr>
+          <p:spPr>
+            <a:xfrm>
+              <a:off x="3914908" y="3840480"/>
+              <a:ext cx="1463040" cy="1463040"/>
+            </a:xfrm>
+            <a:prstGeom prst="ellipse">
+              <a:avLst/>
+            </a:prstGeom>
+            <a:solidFill>
+              <a:schemeClr val="bg1"/>
+            </a:solidFill>
+            <a:ln>
+              <a:solidFill>
+                <a:schemeClr val="accent1"/>
+              </a:solidFill>
+            </a:ln>
+          </p:spPr>
+          <p:style>
+            <a:lnRef idx="2">
+              <a:schemeClr val="accent1">
+                <a:shade val="50000"/>
+              </a:schemeClr>
+            </a:lnRef>
+            <a:fillRef idx="1">
+              <a:schemeClr val="accent1"/>
+            </a:fillRef>
+            <a:effectRef idx="0">
+              <a:schemeClr val="accent1"/>
+            </a:effectRef>
+            <a:fontRef idx="minor">
+              <a:schemeClr val="lt1"/>
+            </a:fontRef>
+          </p:style>
+          <p:txBody>
+            <a:bodyPr rtlCol="0" anchor="ctr"/>
+            <a:lstStyle/>
+            <a:p>
+              <a:pPr algn="ctr"/>
+              <a:endParaRPr lang="en-US"/>
+            </a:p>
+          </p:txBody>
+        </p:sp>
+      </p:grpSp>
+      <p:cxnSp>
+        <p:nvCxnSpPr>
+          <p:cNvPr id="15" name="Straight Arrow Connector 14"/>
+          <p:cNvCxnSpPr/>
+          <p:nvPr/>
+        </p:nvCxnSpPr>
+        <p:spPr>
+          <a:xfrm flipV="1">
+            <a:off x="4080762" y="2268911"/>
+            <a:ext cx="0" cy="2985247"/>
+          </a:xfrm>
+          <a:prstGeom prst="straightConnector1">
+            <a:avLst/>
+          </a:prstGeom>
+          <a:ln w="63500">
+            <a:solidFill>
+              <a:schemeClr val="tx1"/>
+            </a:solidFill>
+            <a:tailEnd type="triangle"/>
+          </a:ln>
+        </p:spPr>
+        <p:style>
+          <a:lnRef idx="1">
+            <a:schemeClr val="accent1"/>
+          </a:lnRef>
+          <a:fillRef idx="0">
+            <a:schemeClr val="accent1"/>
+          </a:fillRef>
+          <a:effectRef idx="0">
+            <a:schemeClr val="accent1"/>
+          </a:effectRef>
+          <a:fontRef idx="minor">
+            <a:schemeClr val="tx1"/>
+          </a:fontRef>
+        </p:style>
+      </p:cxnSp>
+      <p:sp>
+        <p:nvSpPr>
+          <p:cNvPr id="16" name="TextBox 15"/>
+          <p:cNvSpPr txBox="1"/>
+          <p:nvPr/>
+        </p:nvSpPr>
+        <p:spPr>
+          <a:xfrm>
+            <a:off x="1835557" y="5128344"/>
+            <a:ext cx="2040239" cy="369332"/>
+          </a:xfrm>
+          <a:prstGeom prst="rect">
+            <a:avLst/>
+          </a:prstGeom>
+          <a:noFill/>
+        </p:spPr>
+        <p:txBody>
+          <a:bodyPr wrap="none" rtlCol="0">
+            <a:spAutoFit/>
+          </a:bodyPr>
+          <a:lstStyle/>
+          <a:p>
+            <a:r>
+              <a:rPr lang="en-US" smtClean="0"/>
+              <a:t>High Nuclear Dorsal</a:t>
+            </a:r>
+            <a:endParaRPr lang="en-US"/>
+          </a:p>
+        </p:txBody>
+      </p:sp>
+      <p:sp>
+        <p:nvSpPr>
+          <p:cNvPr id="17" name="TextBox 16"/>
+          <p:cNvSpPr txBox="1"/>
+          <p:nvPr/>
+        </p:nvSpPr>
+        <p:spPr>
+          <a:xfrm>
+            <a:off x="1857550" y="2084245"/>
+            <a:ext cx="1996252" cy="369332"/>
+          </a:xfrm>
+          <a:prstGeom prst="rect">
+            <a:avLst/>
+          </a:prstGeom>
+          <a:noFill/>
+        </p:spPr>
+        <p:txBody>
+          <a:bodyPr wrap="none" rtlCol="0">
+            <a:spAutoFit/>
+          </a:bodyPr>
+          <a:lstStyle/>
+          <a:p>
+            <a:r>
+              <a:rPr lang="en-US" dirty="0" smtClean="0"/>
+              <a:t>Low Nuclear Dorsal</a:t>
+            </a:r>
+            <a:endParaRPr lang="en-US" dirty="0"/>
+          </a:p>
+        </p:txBody>
+      </p:sp>
+      <p:sp>
+        <p:nvSpPr>
+          <p:cNvPr id="21" name="Arc 20"/>
+          <p:cNvSpPr/>
+          <p:nvPr/>
+        </p:nvSpPr>
+        <p:spPr>
+          <a:xfrm>
+            <a:off x="4080762" y="2028684"/>
+            <a:ext cx="3657600" cy="3657600"/>
+          </a:xfrm>
+          <a:prstGeom prst="arc">
+            <a:avLst>
+              <a:gd name="adj1" fmla="val 16221812"/>
+              <a:gd name="adj2" fmla="val 19795885"/>
+            </a:avLst>
+          </a:prstGeom>
+          <a:ln w="50800">
+            <a:solidFill>
+              <a:schemeClr val="accent6"/>
+            </a:solidFill>
+          </a:ln>
+        </p:spPr>
+        <p:style>
+          <a:lnRef idx="1">
+            <a:schemeClr val="accent1"/>
+          </a:lnRef>
+          <a:fillRef idx="0">
+            <a:schemeClr val="accent1"/>
+          </a:fillRef>
+          <a:effectRef idx="0">
+            <a:schemeClr val="accent1"/>
+          </a:effectRef>
+          <a:fontRef idx="minor">
+            <a:schemeClr val="tx1"/>
+          </a:fontRef>
+        </p:style>
+        <p:txBody>
+          <a:bodyPr rtlCol="0" anchor="ctr"/>
+          <a:lstStyle/>
+          <a:p>
+            <a:pPr algn="ctr"/>
+            <a:endParaRPr lang="en-US"/>
+          </a:p>
+        </p:txBody>
+      </p:sp>
+      <p:sp>
+        <p:nvSpPr>
+          <p:cNvPr id="22" name="Arc 21"/>
+          <p:cNvSpPr/>
+          <p:nvPr/>
+        </p:nvSpPr>
+        <p:spPr>
+          <a:xfrm>
+            <a:off x="4080762" y="2028684"/>
+            <a:ext cx="3657600" cy="3657600"/>
+          </a:xfrm>
+          <a:prstGeom prst="arc">
+            <a:avLst>
+              <a:gd name="adj1" fmla="val 1834247"/>
+              <a:gd name="adj2" fmla="val 5380845"/>
+            </a:avLst>
+          </a:prstGeom>
+          <a:ln w="50800">
+            <a:solidFill>
+              <a:schemeClr val="accent2"/>
+            </a:solidFill>
+          </a:ln>
+        </p:spPr>
+        <p:style>
+          <a:lnRef idx="1">
+            <a:schemeClr val="accent1"/>
+          </a:lnRef>
+          <a:fillRef idx="0">
+            <a:schemeClr val="accent1"/>
+          </a:fillRef>
+          <a:effectRef idx="0">
+            <a:schemeClr val="accent1"/>
+          </a:effectRef>
+          <a:fontRef idx="minor">
+            <a:schemeClr val="tx1"/>
+          </a:fontRef>
+        </p:style>
+        <p:txBody>
+          <a:bodyPr rtlCol="0" anchor="ctr"/>
+          <a:lstStyle/>
+          <a:p>
+            <a:pPr algn="ctr"/>
+            <a:endParaRPr lang="en-US"/>
+          </a:p>
+        </p:txBody>
+      </p:sp>
+      <p:sp>
+        <p:nvSpPr>
+          <p:cNvPr id="23" name="Arc 22"/>
+          <p:cNvSpPr/>
+          <p:nvPr/>
+        </p:nvSpPr>
+        <p:spPr>
+          <a:xfrm>
+            <a:off x="4080762" y="2028684"/>
+            <a:ext cx="3657600" cy="3657600"/>
+          </a:xfrm>
+          <a:prstGeom prst="arc">
+            <a:avLst>
+              <a:gd name="adj1" fmla="val 19765346"/>
+              <a:gd name="adj2" fmla="val 1992023"/>
+            </a:avLst>
+          </a:prstGeom>
+          <a:ln w="50800">
+            <a:solidFill>
+              <a:schemeClr val="accent4"/>
+            </a:solidFill>
+          </a:ln>
+        </p:spPr>
+        <p:style>
+          <a:lnRef idx="1">
+            <a:schemeClr val="accent1"/>
+          </a:lnRef>
+          <a:fillRef idx="0">
+            <a:schemeClr val="accent1"/>
+          </a:fillRef>
+          <a:effectRef idx="0">
+            <a:schemeClr val="accent1"/>
+          </a:effectRef>
+          <a:fontRef idx="minor">
+            <a:schemeClr val="tx1"/>
+          </a:fontRef>
+        </p:style>
+        <p:txBody>
+          <a:bodyPr rtlCol="0" anchor="ctr"/>
+          <a:lstStyle/>
+          <a:p>
+            <a:pPr algn="ctr"/>
+            <a:endParaRPr lang="en-US"/>
+          </a:p>
+        </p:txBody>
+      </p:sp>
+      <p:sp>
+        <p:nvSpPr>
+          <p:cNvPr id="30" name="TextBox 29"/>
+          <p:cNvSpPr txBox="1"/>
+          <p:nvPr/>
+        </p:nvSpPr>
+        <p:spPr>
+          <a:xfrm>
+            <a:off x="7738361" y="5128344"/>
+            <a:ext cx="1210588" cy="369332"/>
+          </a:xfrm>
+          <a:prstGeom prst="rect">
+            <a:avLst/>
+          </a:prstGeom>
+          <a:noFill/>
+        </p:spPr>
+        <p:txBody>
+          <a:bodyPr wrap="none" rtlCol="0">
+            <a:spAutoFit/>
+          </a:bodyPr>
+          <a:lstStyle/>
+          <a:p>
+            <a:r>
+              <a:rPr lang="en-US" smtClean="0">
+                <a:solidFill>
+                  <a:schemeClr val="accent2"/>
+                </a:solidFill>
+              </a:rPr>
+              <a:t>Mesoderm</a:t>
+            </a:r>
+            <a:endParaRPr lang="en-US">
+              <a:solidFill>
+                <a:schemeClr val="accent2"/>
+              </a:solidFill>
+            </a:endParaRPr>
+          </a:p>
+        </p:txBody>
+      </p:sp>
+      <p:sp>
+        <p:nvSpPr>
+          <p:cNvPr id="31" name="TextBox 30"/>
+          <p:cNvSpPr txBox="1"/>
+          <p:nvPr/>
+        </p:nvSpPr>
+        <p:spPr>
+          <a:xfrm>
+            <a:off x="7738361" y="3672818"/>
+            <a:ext cx="1680909" cy="369332"/>
+          </a:xfrm>
+          <a:prstGeom prst="rect">
+            <a:avLst/>
+          </a:prstGeom>
+          <a:noFill/>
+        </p:spPr>
+        <p:txBody>
+          <a:bodyPr wrap="none" rtlCol="0">
+            <a:spAutoFit/>
+          </a:bodyPr>
+          <a:lstStyle/>
+          <a:p>
+            <a:r>
+              <a:rPr lang="en-US" dirty="0" err="1" smtClean="0">
+                <a:solidFill>
+                  <a:schemeClr val="accent4"/>
+                </a:solidFill>
+              </a:rPr>
+              <a:t>Neuroectoderm</a:t>
+            </a:r>
+            <a:endParaRPr lang="en-US" dirty="0">
+              <a:solidFill>
+                <a:schemeClr val="accent4"/>
+              </a:solidFill>
+            </a:endParaRPr>
+          </a:p>
+        </p:txBody>
+      </p:sp>
+      <p:sp>
+        <p:nvSpPr>
+          <p:cNvPr id="32" name="TextBox 31"/>
+          <p:cNvSpPr txBox="1"/>
+          <p:nvPr/>
+        </p:nvSpPr>
+        <p:spPr>
+          <a:xfrm>
+            <a:off x="7738361" y="2084245"/>
+            <a:ext cx="1743234" cy="369332"/>
+          </a:xfrm>
+          <a:prstGeom prst="rect">
+            <a:avLst/>
+          </a:prstGeom>
+          <a:noFill/>
+        </p:spPr>
+        <p:txBody>
+          <a:bodyPr wrap="none" rtlCol="0">
+            <a:spAutoFit/>
+          </a:bodyPr>
+          <a:lstStyle/>
+          <a:p>
+            <a:r>
+              <a:rPr lang="en-US" dirty="0" smtClean="0">
+                <a:solidFill>
+                  <a:schemeClr val="accent6"/>
+                </a:solidFill>
+              </a:rPr>
+              <a:t>Dorsal ectoderm</a:t>
+            </a:r>
+            <a:endParaRPr lang="en-US" dirty="0">
+              <a:solidFill>
+                <a:schemeClr val="accent6"/>
+              </a:solidFill>
+            </a:endParaRPr>
+          </a:p>
+        </p:txBody>
+      </p:sp>
+    </p:spTree>
+    <p:extLst>
+      <p:ext uri="{BB962C8B-B14F-4D97-AF65-F5344CB8AC3E}">
+        <p14:creationId xmlns:p14="http://schemas.microsoft.com/office/powerpoint/2010/main" val="1828356814"/>
       </p:ext>
     </p:extLst>
   </p:cSld>
@@ -3292,4 +7085,265 @@
     </a:ext>
   </a:extLst>
 </a:theme>
+</file>
+
+<file path=ppt/theme/theme2.xml><?xml version="1.0" encoding="utf-8"?>
+<a:theme xmlns:a="http://schemas.openxmlformats.org/drawingml/2006/main" name="Office Theme">
+  <a:themeElements>
+    <a:clrScheme name="Office">
+      <a:dk1>
+        <a:sysClr val="windowText" lastClr="000000"/>
+      </a:dk1>
+      <a:lt1>
+        <a:sysClr val="window" lastClr="FFFFFF"/>
+      </a:lt1>
+      <a:dk2>
+        <a:srgbClr val="44546A"/>
+      </a:dk2>
+      <a:lt2>
+        <a:srgbClr val="E7E6E6"/>
+      </a:lt2>
+      <a:accent1>
+        <a:srgbClr val="5B9BD5"/>
+      </a:accent1>
+      <a:accent2>
+        <a:srgbClr val="ED7D31"/>
+      </a:accent2>
+      <a:accent3>
+        <a:srgbClr val="A5A5A5"/>
+      </a:accent3>
+      <a:accent4>
+        <a:srgbClr val="FFC000"/>
+      </a:accent4>
+      <a:accent5>
+        <a:srgbClr val="4472C4"/>
+      </a:accent5>
+      <a:accent6>
+        <a:srgbClr val="70AD47"/>
+      </a:accent6>
+      <a:hlink>
+        <a:srgbClr val="0563C1"/>
+      </a:hlink>
+      <a:folHlink>
+        <a:srgbClr val="954F72"/>
+      </a:folHlink>
+    </a:clrScheme>
+    <a:fontScheme name="Office">
+      <a:majorFont>
+        <a:latin typeface="Calibri Light" panose="020F0302020204030204"/>
+        <a:ea typeface=""/>
+        <a:cs typeface=""/>
+        <a:font script="Jpan" typeface="Yu Gothic Light"/>
+        <a:font script="Hang" typeface="맑은 고딕"/>
+        <a:font script="Hans" typeface="DengXian Light"/>
+        <a:font script="Hant" typeface="新細明體"/>
+        <a:font script="Arab" typeface="Times New Roman"/>
+        <a:font script="Hebr" typeface="Times New Roman"/>
+        <a:font script="Thai" typeface="Angsana New"/>
+        <a:font script="Ethi" typeface="Nyala"/>
+        <a:font script="Beng" typeface="Vrinda"/>
+        <a:font script="Gujr" typeface="Shruti"/>
+        <a:font script="Khmr" typeface="MoolBoran"/>
+        <a:font script="Knda" typeface="Tunga"/>
+        <a:font script="Guru" typeface="Raavi"/>
+        <a:font script="Cans" typeface="Euphemia"/>
+        <a:font script="Cher" typeface="Plantagenet Cherokee"/>
+        <a:font script="Yiii" typeface="Microsoft Yi Baiti"/>
+        <a:font script="Tibt" typeface="Microsoft Himalaya"/>
+        <a:font script="Thaa" typeface="MV Boli"/>
+        <a:font script="Deva" typeface="Mangal"/>
+        <a:font script="Telu" typeface="Gautami"/>
+        <a:font script="Taml" typeface="Latha"/>
+        <a:font script="Syrc" typeface="Estrangelo Edessa"/>
+        <a:font script="Orya" typeface="Kalinga"/>
+        <a:font script="Mlym" typeface="Kartika"/>
+        <a:font script="Laoo" typeface="DokChampa"/>
+        <a:font script="Sinh" typeface="Iskoola Pota"/>
+        <a:font script="Mong" typeface="Mongolian Baiti"/>
+        <a:font script="Viet" typeface="Times New Roman"/>
+        <a:font script="Uigh" typeface="Microsoft Uighur"/>
+        <a:font script="Geor" typeface="Sylfaen"/>
+      </a:majorFont>
+      <a:minorFont>
+        <a:latin typeface="Calibri" panose="020F0502020204030204"/>
+        <a:ea typeface=""/>
+        <a:cs typeface=""/>
+        <a:font script="Jpan" typeface="Yu Gothic"/>
+        <a:font script="Hang" typeface="맑은 고딕"/>
+        <a:font script="Hans" typeface="DengXian"/>
+        <a:font script="Hant" typeface="新細明體"/>
+        <a:font script="Arab" typeface="Arial"/>
+        <a:font script="Hebr" typeface="Arial"/>
+        <a:font script="Thai" typeface="Cordia New"/>
+        <a:font script="Ethi" typeface="Nyala"/>
+        <a:font script="Beng" typeface="Vrinda"/>
+        <a:font script="Gujr" typeface="Shruti"/>
+        <a:font script="Khmr" typeface="DaunPenh"/>
+        <a:font script="Knda" typeface="Tunga"/>
+        <a:font script="Guru" typeface="Raavi"/>
+        <a:font script="Cans" typeface="Euphemia"/>
+        <a:font script="Cher" typeface="Plantagenet Cherokee"/>
+        <a:font script="Yiii" typeface="Microsoft Yi Baiti"/>
+        <a:font script="Tibt" typeface="Microsoft Himalaya"/>
+        <a:font script="Thaa" typeface="MV Boli"/>
+        <a:font script="Deva" typeface="Mangal"/>
+        <a:font script="Telu" typeface="Gautami"/>
+        <a:font script="Taml" typeface="Latha"/>
+        <a:font script="Syrc" typeface="Estrangelo Edessa"/>
+        <a:font script="Orya" typeface="Kalinga"/>
+        <a:font script="Mlym" typeface="Kartika"/>
+        <a:font script="Laoo" typeface="DokChampa"/>
+        <a:font script="Sinh" typeface="Iskoola Pota"/>
+        <a:font script="Mong" typeface="Mongolian Baiti"/>
+        <a:font script="Viet" typeface="Arial"/>
+        <a:font script="Uigh" typeface="Microsoft Uighur"/>
+        <a:font script="Geor" typeface="Sylfaen"/>
+      </a:minorFont>
+    </a:fontScheme>
+    <a:fmtScheme name="Office">
+      <a:fillStyleLst>
+        <a:solidFill>
+          <a:schemeClr val="phClr"/>
+        </a:solidFill>
+        <a:gradFill rotWithShape="1">
+          <a:gsLst>
+            <a:gs pos="0">
+              <a:schemeClr val="phClr">
+                <a:lumMod val="110000"/>
+                <a:satMod val="105000"/>
+                <a:tint val="67000"/>
+              </a:schemeClr>
+            </a:gs>
+            <a:gs pos="50000">
+              <a:schemeClr val="phClr">
+                <a:lumMod val="105000"/>
+                <a:satMod val="103000"/>
+                <a:tint val="73000"/>
+              </a:schemeClr>
+            </a:gs>
+            <a:gs pos="100000">
+              <a:schemeClr val="phClr">
+                <a:lumMod val="105000"/>
+                <a:satMod val="109000"/>
+                <a:tint val="81000"/>
+              </a:schemeClr>
+            </a:gs>
+          </a:gsLst>
+          <a:lin ang="5400000" scaled="0"/>
+        </a:gradFill>
+        <a:gradFill rotWithShape="1">
+          <a:gsLst>
+            <a:gs pos="0">
+              <a:schemeClr val="phClr">
+                <a:satMod val="103000"/>
+                <a:lumMod val="102000"/>
+                <a:tint val="94000"/>
+              </a:schemeClr>
+            </a:gs>
+            <a:gs pos="50000">
+              <a:schemeClr val="phClr">
+                <a:satMod val="110000"/>
+                <a:lumMod val="100000"/>
+                <a:shade val="100000"/>
+              </a:schemeClr>
+            </a:gs>
+            <a:gs pos="100000">
+              <a:schemeClr val="phClr">
+                <a:lumMod val="99000"/>
+                <a:satMod val="120000"/>
+                <a:shade val="78000"/>
+              </a:schemeClr>
+            </a:gs>
+          </a:gsLst>
+          <a:lin ang="5400000" scaled="0"/>
+        </a:gradFill>
+      </a:fillStyleLst>
+      <a:lnStyleLst>
+        <a:ln w="6350" cap="flat" cmpd="sng" algn="ctr">
+          <a:solidFill>
+            <a:schemeClr val="phClr"/>
+          </a:solidFill>
+          <a:prstDash val="solid"/>
+          <a:miter lim="800000"/>
+        </a:ln>
+        <a:ln w="12700" cap="flat" cmpd="sng" algn="ctr">
+          <a:solidFill>
+            <a:schemeClr val="phClr"/>
+          </a:solidFill>
+          <a:prstDash val="solid"/>
+          <a:miter lim="800000"/>
+        </a:ln>
+        <a:ln w="19050" cap="flat" cmpd="sng" algn="ctr">
+          <a:solidFill>
+            <a:schemeClr val="phClr"/>
+          </a:solidFill>
+          <a:prstDash val="solid"/>
+          <a:miter lim="800000"/>
+        </a:ln>
+      </a:lnStyleLst>
+      <a:effectStyleLst>
+        <a:effectStyle>
+          <a:effectLst/>
+        </a:effectStyle>
+        <a:effectStyle>
+          <a:effectLst/>
+        </a:effectStyle>
+        <a:effectStyle>
+          <a:effectLst>
+            <a:outerShdw blurRad="57150" dist="19050" dir="5400000" algn="ctr" rotWithShape="0">
+              <a:srgbClr val="000000">
+                <a:alpha val="63000"/>
+              </a:srgbClr>
+            </a:outerShdw>
+          </a:effectLst>
+        </a:effectStyle>
+      </a:effectStyleLst>
+      <a:bgFillStyleLst>
+        <a:solidFill>
+          <a:schemeClr val="phClr"/>
+        </a:solidFill>
+        <a:solidFill>
+          <a:schemeClr val="phClr">
+            <a:tint val="95000"/>
+            <a:satMod val="170000"/>
+          </a:schemeClr>
+        </a:solidFill>
+        <a:gradFill rotWithShape="1">
+          <a:gsLst>
+            <a:gs pos="0">
+              <a:schemeClr val="phClr">
+                <a:tint val="93000"/>
+                <a:satMod val="150000"/>
+                <a:shade val="98000"/>
+                <a:lumMod val="102000"/>
+              </a:schemeClr>
+            </a:gs>
+            <a:gs pos="50000">
+              <a:schemeClr val="phClr">
+                <a:tint val="98000"/>
+                <a:satMod val="130000"/>
+                <a:shade val="90000"/>
+                <a:lumMod val="103000"/>
+              </a:schemeClr>
+            </a:gs>
+            <a:gs pos="100000">
+              <a:schemeClr val="phClr">
+                <a:shade val="63000"/>
+                <a:satMod val="120000"/>
+              </a:schemeClr>
+            </a:gs>
+          </a:gsLst>
+          <a:lin ang="5400000" scaled="0"/>
+        </a:gradFill>
+      </a:bgFillStyleLst>
+    </a:fmtScheme>
+  </a:themeElements>
+  <a:objectDefaults/>
+  <a:extraClrSchemeLst/>
+  <a:extLst>
+    <a:ext uri="{05A4C25C-085E-4340-85A3-A5531E510DB2}">
+      <thm15:themeFamily xmlns:thm15="http://schemas.microsoft.com/office/thememl/2012/main" name="Office Theme" id="{62F939B6-93AF-4DB8-9C6B-D6C7DFDC589F}" vid="{4A3C46E8-61CC-4603-A589-7422A47A8E4A}"/>
+    </a:ext>
+  </a:extLst>
+</a:theme>
 </file>
--- a/presentations/defense.pptx
+++ b/presentations/defense.pptx
@@ -2,19 +2,20 @@
 <file path=ppt/presentation.xml><?xml version="1.0" encoding="utf-8"?>
 <p:presentation xmlns:a="http://schemas.openxmlformats.org/drawingml/2006/main" xmlns:r="http://schemas.openxmlformats.org/officeDocument/2006/relationships" xmlns:p="http://schemas.openxmlformats.org/presentationml/2006/main" saveSubsetFonts="1" autoCompressPictures="0">
   <p:sldMasterIdLst>
-    <p:sldMasterId id="2147483648" r:id="rId1"/>
+    <p:sldMasterId id="2147483660" r:id="rId1"/>
   </p:sldMasterIdLst>
   <p:notesMasterIdLst>
-    <p:notesMasterId r:id="rId7"/>
+    <p:notesMasterId r:id="rId8"/>
   </p:notesMasterIdLst>
   <p:sldIdLst>
     <p:sldId id="256" r:id="rId2"/>
-    <p:sldId id="257" r:id="rId3"/>
-    <p:sldId id="258" r:id="rId4"/>
-    <p:sldId id="259" r:id="rId5"/>
-    <p:sldId id="260" r:id="rId6"/>
+    <p:sldId id="260" r:id="rId3"/>
+    <p:sldId id="257" r:id="rId4"/>
+    <p:sldId id="262" r:id="rId5"/>
+    <p:sldId id="258" r:id="rId6"/>
+    <p:sldId id="259" r:id="rId7"/>
   </p:sldIdLst>
-  <p:sldSz cx="12192000" cy="6858000"/>
+  <p:sldSz cx="9144000" cy="6858000" type="screen4x3"/>
   <p:notesSz cx="6858000" cy="9144000"/>
   <p:defaultTextStyle>
     <a:defPPr>
@@ -214,8 +215,8 @@
         </p:nvSpPr>
         <p:spPr>
           <a:xfrm>
-            <a:off x="685800" y="1143000"/>
-            <a:ext cx="5486400" cy="3086100"/>
+            <a:off x="1371600" y="1143000"/>
+            <a:ext cx="4114800" cy="3086100"/>
           </a:xfrm>
           <a:prstGeom prst="rect">
             <a:avLst/>
@@ -491,7 +492,12 @@
             <p:ph type="sldImg"/>
           </p:nvPr>
         </p:nvSpPr>
-        <p:spPr/>
+        <p:spPr>
+          <a:xfrm>
+            <a:off x="1371600" y="1143000"/>
+            <a:ext cx="4114800" cy="3086100"/>
+          </a:xfrm>
+        </p:spPr>
       </p:sp>
       <p:sp>
         <p:nvSpPr>
@@ -610,7 +616,7 @@
           <a:p>
             <a:fld id="{D3026B94-C3B6-E643-B863-5E8F0FAD9FF9}" type="slidenum">
               <a:rPr lang="en-US" smtClean="0"/>
-              <a:t>2</a:t>
+              <a:t>3</a:t>
             </a:fld>
             <a:endParaRPr lang="en-US"/>
           </a:p>
@@ -658,8 +664,8 @@
         </p:nvSpPr>
         <p:spPr>
           <a:xfrm>
-            <a:off x="1524000" y="1122363"/>
-            <a:ext cx="9144000" cy="2387600"/>
+            <a:off x="685800" y="1122363"/>
+            <a:ext cx="7772400" cy="2387600"/>
           </a:xfrm>
         </p:spPr>
         <p:txBody>
@@ -674,7 +680,7 @@
               <a:rPr lang="en-US" smtClean="0"/>
               <a:t>Click to edit Master title style</a:t>
             </a:r>
-            <a:endParaRPr lang="en-US"/>
+            <a:endParaRPr lang="en-US" dirty="0"/>
           </a:p>
         </p:txBody>
       </p:sp>
@@ -690,8 +696,8 @@
         </p:nvSpPr>
         <p:spPr>
           <a:xfrm>
-            <a:off x="1524000" y="3602038"/>
-            <a:ext cx="9144000" cy="1655762"/>
+            <a:off x="1143000" y="3602038"/>
+            <a:ext cx="6858000" cy="1655762"/>
           </a:xfrm>
         </p:spPr>
         <p:txBody>
@@ -739,7 +745,7 @@
               <a:rPr lang="en-US" smtClean="0"/>
               <a:t>Click to edit Master subtitle style</a:t>
             </a:r>
-            <a:endParaRPr lang="en-US"/>
+            <a:endParaRPr lang="en-US" dirty="0"/>
           </a:p>
         </p:txBody>
       </p:sp>
@@ -811,7 +817,7 @@
     </p:spTree>
     <p:extLst>
       <p:ext uri="{BB962C8B-B14F-4D97-AF65-F5344CB8AC3E}">
-        <p14:creationId xmlns:p14="http://schemas.microsoft.com/office/powerpoint/2010/main" val="1722733101"/>
+        <p14:creationId xmlns:p14="http://schemas.microsoft.com/office/powerpoint/2010/main" val="166469673"/>
       </p:ext>
     </p:extLst>
   </p:cSld>
@@ -857,7 +863,7 @@
               <a:rPr lang="en-US" smtClean="0"/>
               <a:t>Click to edit Master title style</a:t>
             </a:r>
-            <a:endParaRPr lang="en-US"/>
+            <a:endParaRPr lang="en-US" dirty="0"/>
           </a:p>
         </p:txBody>
       </p:sp>
@@ -909,7 +915,7 @@
               <a:rPr lang="en-US" smtClean="0"/>
               <a:t>Fifth level</a:t>
             </a:r>
-            <a:endParaRPr lang="en-US"/>
+            <a:endParaRPr lang="en-US" dirty="0"/>
           </a:p>
         </p:txBody>
       </p:sp>
@@ -981,7 +987,7 @@
     </p:spTree>
     <p:extLst>
       <p:ext uri="{BB962C8B-B14F-4D97-AF65-F5344CB8AC3E}">
-        <p14:creationId xmlns:p14="http://schemas.microsoft.com/office/powerpoint/2010/main" val="2133004279"/>
+        <p14:creationId xmlns:p14="http://schemas.microsoft.com/office/powerpoint/2010/main" val="1180463429"/>
       </p:ext>
     </p:extLst>
   </p:cSld>
@@ -1020,8 +1026,8 @@
         </p:nvSpPr>
         <p:spPr>
           <a:xfrm>
-            <a:off x="8724900" y="365125"/>
-            <a:ext cx="2628900" cy="5811838"/>
+            <a:off x="6543675" y="365125"/>
+            <a:ext cx="1971675" cy="5811838"/>
           </a:xfrm>
         </p:spPr>
         <p:txBody>
@@ -1032,7 +1038,7 @@
               <a:rPr lang="en-US" smtClean="0"/>
               <a:t>Click to edit Master title style</a:t>
             </a:r>
-            <a:endParaRPr lang="en-US"/>
+            <a:endParaRPr lang="en-US" dirty="0"/>
           </a:p>
         </p:txBody>
       </p:sp>
@@ -1048,8 +1054,8 @@
         </p:nvSpPr>
         <p:spPr>
           <a:xfrm>
-            <a:off x="838200" y="365125"/>
-            <a:ext cx="7734300" cy="5811838"/>
+            <a:off x="628650" y="365125"/>
+            <a:ext cx="5800725" cy="5811838"/>
           </a:xfrm>
         </p:spPr>
         <p:txBody>
@@ -1089,7 +1095,7 @@
               <a:rPr lang="en-US" smtClean="0"/>
               <a:t>Fifth level</a:t>
             </a:r>
-            <a:endParaRPr lang="en-US"/>
+            <a:endParaRPr lang="en-US" dirty="0"/>
           </a:p>
         </p:txBody>
       </p:sp>
@@ -1161,7 +1167,7 @@
     </p:spTree>
     <p:extLst>
       <p:ext uri="{BB962C8B-B14F-4D97-AF65-F5344CB8AC3E}">
-        <p14:creationId xmlns:p14="http://schemas.microsoft.com/office/powerpoint/2010/main" val="1458397782"/>
+        <p14:creationId xmlns:p14="http://schemas.microsoft.com/office/powerpoint/2010/main" val="1594920217"/>
       </p:ext>
     </p:extLst>
   </p:cSld>
@@ -1207,7 +1213,7 @@
               <a:rPr lang="en-US" smtClean="0"/>
               <a:t>Click to edit Master title style</a:t>
             </a:r>
-            <a:endParaRPr lang="en-US"/>
+            <a:endParaRPr lang="en-US" dirty="0"/>
           </a:p>
         </p:txBody>
       </p:sp>
@@ -1259,7 +1265,7 @@
               <a:rPr lang="en-US" smtClean="0"/>
               <a:t>Fifth level</a:t>
             </a:r>
-            <a:endParaRPr lang="en-US"/>
+            <a:endParaRPr lang="en-US" dirty="0"/>
           </a:p>
         </p:txBody>
       </p:sp>
@@ -1331,7 +1337,7 @@
     </p:spTree>
     <p:extLst>
       <p:ext uri="{BB962C8B-B14F-4D97-AF65-F5344CB8AC3E}">
-        <p14:creationId xmlns:p14="http://schemas.microsoft.com/office/powerpoint/2010/main" val="2114301622"/>
+        <p14:creationId xmlns:p14="http://schemas.microsoft.com/office/powerpoint/2010/main" val="1832085717"/>
       </p:ext>
     </p:extLst>
   </p:cSld>
@@ -1370,8 +1376,8 @@
         </p:nvSpPr>
         <p:spPr>
           <a:xfrm>
-            <a:off x="831850" y="1709738"/>
-            <a:ext cx="10515600" cy="2852737"/>
+            <a:off x="623888" y="1709739"/>
+            <a:ext cx="7886700" cy="2852737"/>
           </a:xfrm>
         </p:spPr>
         <p:txBody>
@@ -1386,7 +1392,7 @@
               <a:rPr lang="en-US" smtClean="0"/>
               <a:t>Click to edit Master title style</a:t>
             </a:r>
-            <a:endParaRPr lang="en-US"/>
+            <a:endParaRPr lang="en-US" dirty="0"/>
           </a:p>
         </p:txBody>
       </p:sp>
@@ -1402,8 +1408,8 @@
         </p:nvSpPr>
         <p:spPr>
           <a:xfrm>
-            <a:off x="831850" y="4589463"/>
-            <a:ext cx="10515600" cy="1500187"/>
+            <a:off x="623888" y="4589464"/>
+            <a:ext cx="7886700" cy="1500187"/>
           </a:xfrm>
         </p:spPr>
         <p:txBody>
@@ -1413,9 +1419,7 @@
               <a:buNone/>
               <a:defRPr sz="2400">
                 <a:solidFill>
-                  <a:schemeClr val="tx1">
-                    <a:tint val="75000"/>
-                  </a:schemeClr>
+                  <a:schemeClr val="tx1"/>
                 </a:solidFill>
               </a:defRPr>
             </a:lvl1pPr>
@@ -1577,7 +1581,7 @@
     </p:spTree>
     <p:extLst>
       <p:ext uri="{BB962C8B-B14F-4D97-AF65-F5344CB8AC3E}">
-        <p14:creationId xmlns:p14="http://schemas.microsoft.com/office/powerpoint/2010/main" val="655454045"/>
+        <p14:creationId xmlns:p14="http://schemas.microsoft.com/office/powerpoint/2010/main" val="1244114933"/>
       </p:ext>
     </p:extLst>
   </p:cSld>
@@ -1623,7 +1627,7 @@
               <a:rPr lang="en-US" smtClean="0"/>
               <a:t>Click to edit Master title style</a:t>
             </a:r>
-            <a:endParaRPr lang="en-US"/>
+            <a:endParaRPr lang="en-US" dirty="0"/>
           </a:p>
         </p:txBody>
       </p:sp>
@@ -1639,8 +1643,8 @@
         </p:nvSpPr>
         <p:spPr>
           <a:xfrm>
-            <a:off x="838200" y="1825625"/>
-            <a:ext cx="5181600" cy="4351338"/>
+            <a:off x="628650" y="1825625"/>
+            <a:ext cx="3886200" cy="4351338"/>
           </a:xfrm>
         </p:spPr>
         <p:txBody>
@@ -1680,7 +1684,7 @@
               <a:rPr lang="en-US" smtClean="0"/>
               <a:t>Fifth level</a:t>
             </a:r>
-            <a:endParaRPr lang="en-US"/>
+            <a:endParaRPr lang="en-US" dirty="0"/>
           </a:p>
         </p:txBody>
       </p:sp>
@@ -1696,8 +1700,8 @@
         </p:nvSpPr>
         <p:spPr>
           <a:xfrm>
-            <a:off x="6172200" y="1825625"/>
-            <a:ext cx="5181600" cy="4351338"/>
+            <a:off x="4629150" y="1825625"/>
+            <a:ext cx="3886200" cy="4351338"/>
           </a:xfrm>
         </p:spPr>
         <p:txBody>
@@ -1737,7 +1741,7 @@
               <a:rPr lang="en-US" smtClean="0"/>
               <a:t>Fifth level</a:t>
             </a:r>
-            <a:endParaRPr lang="en-US"/>
+            <a:endParaRPr lang="en-US" dirty="0"/>
           </a:p>
         </p:txBody>
       </p:sp>
@@ -1809,7 +1813,7 @@
     </p:spTree>
     <p:extLst>
       <p:ext uri="{BB962C8B-B14F-4D97-AF65-F5344CB8AC3E}">
-        <p14:creationId xmlns:p14="http://schemas.microsoft.com/office/powerpoint/2010/main" val="1772508852"/>
+        <p14:creationId xmlns:p14="http://schemas.microsoft.com/office/powerpoint/2010/main" val="1938891739"/>
       </p:ext>
     </p:extLst>
   </p:cSld>
@@ -1848,8 +1852,8 @@
         </p:nvSpPr>
         <p:spPr>
           <a:xfrm>
-            <a:off x="839788" y="365125"/>
-            <a:ext cx="10515600" cy="1325563"/>
+            <a:off x="629841" y="365126"/>
+            <a:ext cx="7886700" cy="1325563"/>
           </a:xfrm>
         </p:spPr>
         <p:txBody>
@@ -1860,7 +1864,7 @@
               <a:rPr lang="en-US" smtClean="0"/>
               <a:t>Click to edit Master title style</a:t>
             </a:r>
-            <a:endParaRPr lang="en-US"/>
+            <a:endParaRPr lang="en-US" dirty="0"/>
           </a:p>
         </p:txBody>
       </p:sp>
@@ -1876,8 +1880,8 @@
         </p:nvSpPr>
         <p:spPr>
           <a:xfrm>
-            <a:off x="839788" y="1681163"/>
-            <a:ext cx="5157787" cy="823912"/>
+            <a:off x="629842" y="1681163"/>
+            <a:ext cx="3868340" cy="823912"/>
           </a:xfrm>
         </p:spPr>
         <p:txBody>
@@ -1941,8 +1945,8 @@
         </p:nvSpPr>
         <p:spPr>
           <a:xfrm>
-            <a:off x="839788" y="2505075"/>
-            <a:ext cx="5157787" cy="3684588"/>
+            <a:off x="629842" y="2505075"/>
+            <a:ext cx="3868340" cy="3684588"/>
           </a:xfrm>
         </p:spPr>
         <p:txBody>
@@ -1982,7 +1986,7 @@
               <a:rPr lang="en-US" smtClean="0"/>
               <a:t>Fifth level</a:t>
             </a:r>
-            <a:endParaRPr lang="en-US"/>
+            <a:endParaRPr lang="en-US" dirty="0"/>
           </a:p>
         </p:txBody>
       </p:sp>
@@ -1998,8 +2002,8 @@
         </p:nvSpPr>
         <p:spPr>
           <a:xfrm>
-            <a:off x="6172200" y="1681163"/>
-            <a:ext cx="5183188" cy="823912"/>
+            <a:off x="4629150" y="1681163"/>
+            <a:ext cx="3887391" cy="823912"/>
           </a:xfrm>
         </p:spPr>
         <p:txBody>
@@ -2063,8 +2067,8 @@
         </p:nvSpPr>
         <p:spPr>
           <a:xfrm>
-            <a:off x="6172200" y="2505075"/>
-            <a:ext cx="5183188" cy="3684588"/>
+            <a:off x="4629150" y="2505075"/>
+            <a:ext cx="3887391" cy="3684588"/>
           </a:xfrm>
         </p:spPr>
         <p:txBody>
@@ -2104,7 +2108,7 @@
               <a:rPr lang="en-US" smtClean="0"/>
               <a:t>Fifth level</a:t>
             </a:r>
-            <a:endParaRPr lang="en-US"/>
+            <a:endParaRPr lang="en-US" dirty="0"/>
           </a:p>
         </p:txBody>
       </p:sp>
@@ -2176,7 +2180,7 @@
     </p:spTree>
     <p:extLst>
       <p:ext uri="{BB962C8B-B14F-4D97-AF65-F5344CB8AC3E}">
-        <p14:creationId xmlns:p14="http://schemas.microsoft.com/office/powerpoint/2010/main" val="663124380"/>
+        <p14:creationId xmlns:p14="http://schemas.microsoft.com/office/powerpoint/2010/main" val="1036597795"/>
       </p:ext>
     </p:extLst>
   </p:cSld>
@@ -2222,7 +2226,7 @@
               <a:rPr lang="en-US" smtClean="0"/>
               <a:t>Click to edit Master title style</a:t>
             </a:r>
-            <a:endParaRPr lang="en-US"/>
+            <a:endParaRPr lang="en-US" dirty="0"/>
           </a:p>
         </p:txBody>
       </p:sp>
@@ -2294,7 +2298,7 @@
     </p:spTree>
     <p:extLst>
       <p:ext uri="{BB962C8B-B14F-4D97-AF65-F5344CB8AC3E}">
-        <p14:creationId xmlns:p14="http://schemas.microsoft.com/office/powerpoint/2010/main" val="1838810377"/>
+        <p14:creationId xmlns:p14="http://schemas.microsoft.com/office/powerpoint/2010/main" val="1711796101"/>
       </p:ext>
     </p:extLst>
   </p:cSld>
@@ -2389,7 +2393,7 @@
     </p:spTree>
     <p:extLst>
       <p:ext uri="{BB962C8B-B14F-4D97-AF65-F5344CB8AC3E}">
-        <p14:creationId xmlns:p14="http://schemas.microsoft.com/office/powerpoint/2010/main" val="448842262"/>
+        <p14:creationId xmlns:p14="http://schemas.microsoft.com/office/powerpoint/2010/main" val="318650648"/>
       </p:ext>
     </p:extLst>
   </p:cSld>
@@ -2428,8 +2432,8 @@
         </p:nvSpPr>
         <p:spPr>
           <a:xfrm>
-            <a:off x="839788" y="457200"/>
-            <a:ext cx="3932237" cy="1600200"/>
+            <a:off x="629841" y="457200"/>
+            <a:ext cx="2949178" cy="1600200"/>
           </a:xfrm>
         </p:spPr>
         <p:txBody>
@@ -2444,7 +2448,7 @@
               <a:rPr lang="en-US" smtClean="0"/>
               <a:t>Click to edit Master title style</a:t>
             </a:r>
-            <a:endParaRPr lang="en-US"/>
+            <a:endParaRPr lang="en-US" dirty="0"/>
           </a:p>
         </p:txBody>
       </p:sp>
@@ -2460,8 +2464,8 @@
         </p:nvSpPr>
         <p:spPr>
           <a:xfrm>
-            <a:off x="5183188" y="987425"/>
-            <a:ext cx="6172200" cy="4873625"/>
+            <a:off x="3887391" y="987426"/>
+            <a:ext cx="4629150" cy="4873625"/>
           </a:xfrm>
         </p:spPr>
         <p:txBody>
@@ -2529,7 +2533,7 @@
               <a:rPr lang="en-US" smtClean="0"/>
               <a:t>Fifth level</a:t>
             </a:r>
-            <a:endParaRPr lang="en-US"/>
+            <a:endParaRPr lang="en-US" dirty="0"/>
           </a:p>
         </p:txBody>
       </p:sp>
@@ -2545,8 +2549,8 @@
         </p:nvSpPr>
         <p:spPr>
           <a:xfrm>
-            <a:off x="839788" y="2057400"/>
-            <a:ext cx="3932237" cy="3811588"/>
+            <a:off x="629841" y="2057400"/>
+            <a:ext cx="2949178" cy="3811588"/>
           </a:xfrm>
         </p:spPr>
         <p:txBody>
@@ -2666,7 +2670,7 @@
     </p:spTree>
     <p:extLst>
       <p:ext uri="{BB962C8B-B14F-4D97-AF65-F5344CB8AC3E}">
-        <p14:creationId xmlns:p14="http://schemas.microsoft.com/office/powerpoint/2010/main" val="1729329170"/>
+        <p14:creationId xmlns:p14="http://schemas.microsoft.com/office/powerpoint/2010/main" val="1884708965"/>
       </p:ext>
     </p:extLst>
   </p:cSld>
@@ -2705,8 +2709,8 @@
         </p:nvSpPr>
         <p:spPr>
           <a:xfrm>
-            <a:off x="839788" y="457200"/>
-            <a:ext cx="3932237" cy="1600200"/>
+            <a:off x="629841" y="457200"/>
+            <a:ext cx="2949178" cy="1600200"/>
           </a:xfrm>
         </p:spPr>
         <p:txBody>
@@ -2721,7 +2725,7 @@
               <a:rPr lang="en-US" smtClean="0"/>
               <a:t>Click to edit Master title style</a:t>
             </a:r>
-            <a:endParaRPr lang="en-US"/>
+            <a:endParaRPr lang="en-US" dirty="0"/>
           </a:p>
         </p:txBody>
       </p:sp>
@@ -2729,7 +2733,7 @@
         <p:nvSpPr>
           <p:cNvPr id="3" name="Picture Placeholder 2"/>
           <p:cNvSpPr>
-            <a:spLocks noGrp="1"/>
+            <a:spLocks noGrp="1" noChangeAspect="1"/>
           </p:cNvSpPr>
           <p:nvPr>
             <p:ph type="pic" idx="1"/>
@@ -2737,12 +2741,12 @@
         </p:nvSpPr>
         <p:spPr>
           <a:xfrm>
-            <a:off x="5183188" y="987425"/>
-            <a:ext cx="6172200" cy="4873625"/>
-          </a:xfrm>
-        </p:spPr>
-        <p:txBody>
-          <a:bodyPr/>
+            <a:off x="3887391" y="987426"/>
+            <a:ext cx="4629150" cy="4873625"/>
+          </a:xfrm>
+        </p:spPr>
+        <p:txBody>
+          <a:bodyPr anchor="t"/>
           <a:lstStyle>
             <a:lvl1pPr marL="0" indent="0">
               <a:buNone/>
@@ -2782,7 +2786,11 @@
             </a:lvl9pPr>
           </a:lstStyle>
           <a:p>
-            <a:endParaRPr lang="en-US"/>
+            <a:r>
+              <a:rPr lang="en-US" smtClean="0"/>
+              <a:t>Drag picture to placeholder or click icon to add</a:t>
+            </a:r>
+            <a:endParaRPr lang="en-US" dirty="0"/>
           </a:p>
         </p:txBody>
       </p:sp>
@@ -2798,8 +2806,8 @@
         </p:nvSpPr>
         <p:spPr>
           <a:xfrm>
-            <a:off x="839788" y="2057400"/>
-            <a:ext cx="3932237" cy="3811588"/>
+            <a:off x="629841" y="2057400"/>
+            <a:ext cx="2949178" cy="3811588"/>
           </a:xfrm>
         </p:spPr>
         <p:txBody>
@@ -2919,7 +2927,7 @@
     </p:spTree>
     <p:extLst>
       <p:ext uri="{BB962C8B-B14F-4D97-AF65-F5344CB8AC3E}">
-        <p14:creationId xmlns:p14="http://schemas.microsoft.com/office/powerpoint/2010/main" val="791681692"/>
+        <p14:creationId xmlns:p14="http://schemas.microsoft.com/office/powerpoint/2010/main" val="919781505"/>
       </p:ext>
     </p:extLst>
   </p:cSld>
@@ -2963,8 +2971,8 @@
         </p:nvSpPr>
         <p:spPr>
           <a:xfrm>
-            <a:off x="838200" y="365125"/>
-            <a:ext cx="10515600" cy="1325563"/>
+            <a:off x="628650" y="365126"/>
+            <a:ext cx="7886700" cy="1325563"/>
           </a:xfrm>
           <a:prstGeom prst="rect">
             <a:avLst/>
@@ -2980,7 +2988,7 @@
               <a:rPr lang="en-US" smtClean="0"/>
               <a:t>Click to edit Master title style</a:t>
             </a:r>
-            <a:endParaRPr lang="en-US"/>
+            <a:endParaRPr lang="en-US" dirty="0"/>
           </a:p>
         </p:txBody>
       </p:sp>
@@ -2996,8 +3004,8 @@
         </p:nvSpPr>
         <p:spPr>
           <a:xfrm>
-            <a:off x="838200" y="1825625"/>
-            <a:ext cx="10515600" cy="4351338"/>
+            <a:off x="628650" y="1825625"/>
+            <a:ext cx="7886700" cy="4351338"/>
           </a:xfrm>
           <a:prstGeom prst="rect">
             <a:avLst/>
@@ -3042,7 +3050,7 @@
               <a:rPr lang="en-US" smtClean="0"/>
               <a:t>Fifth level</a:t>
             </a:r>
-            <a:endParaRPr lang="en-US"/>
+            <a:endParaRPr lang="en-US" dirty="0"/>
           </a:p>
         </p:txBody>
       </p:sp>
@@ -3058,8 +3066,8 @@
         </p:nvSpPr>
         <p:spPr>
           <a:xfrm>
-            <a:off x="838200" y="6356350"/>
-            <a:ext cx="2743200" cy="365125"/>
+            <a:off x="628650" y="6356351"/>
+            <a:ext cx="2057400" cy="365125"/>
           </a:xfrm>
           <a:prstGeom prst="rect">
             <a:avLst/>
@@ -3099,8 +3107,8 @@
         </p:nvSpPr>
         <p:spPr>
           <a:xfrm>
-            <a:off x="4038600" y="6356350"/>
-            <a:ext cx="4114800" cy="365125"/>
+            <a:off x="3028950" y="6356351"/>
+            <a:ext cx="3086100" cy="365125"/>
           </a:xfrm>
           <a:prstGeom prst="rect">
             <a:avLst/>
@@ -3136,8 +3144,8 @@
         </p:nvSpPr>
         <p:spPr>
           <a:xfrm>
-            <a:off x="8610600" y="6356350"/>
-            <a:ext cx="2743200" cy="365125"/>
+            <a:off x="6457950" y="6356351"/>
+            <a:ext cx="2057400" cy="365125"/>
           </a:xfrm>
           <a:prstGeom prst="rect">
             <a:avLst/>
@@ -3168,23 +3176,23 @@
     </p:spTree>
     <p:extLst>
       <p:ext uri="{BB962C8B-B14F-4D97-AF65-F5344CB8AC3E}">
-        <p14:creationId xmlns:p14="http://schemas.microsoft.com/office/powerpoint/2010/main" val="1001205278"/>
+        <p14:creationId xmlns:p14="http://schemas.microsoft.com/office/powerpoint/2010/main" val="1195072352"/>
       </p:ext>
     </p:extLst>
   </p:cSld>
   <p:clrMap bg1="lt1" tx1="dk1" bg2="lt2" tx2="dk2" accent1="accent1" accent2="accent2" accent3="accent3" accent4="accent4" accent5="accent5" accent6="accent6" hlink="hlink" folHlink="folHlink"/>
   <p:sldLayoutIdLst>
-    <p:sldLayoutId id="2147483649" r:id="rId1"/>
-    <p:sldLayoutId id="2147483650" r:id="rId2"/>
-    <p:sldLayoutId id="2147483651" r:id="rId3"/>
-    <p:sldLayoutId id="2147483652" r:id="rId4"/>
-    <p:sldLayoutId id="2147483653" r:id="rId5"/>
-    <p:sldLayoutId id="2147483654" r:id="rId6"/>
-    <p:sldLayoutId id="2147483655" r:id="rId7"/>
-    <p:sldLayoutId id="2147483656" r:id="rId8"/>
-    <p:sldLayoutId id="2147483657" r:id="rId9"/>
-    <p:sldLayoutId id="2147483658" r:id="rId10"/>
-    <p:sldLayoutId id="2147483659" r:id="rId11"/>
+    <p:sldLayoutId id="2147483661" r:id="rId1"/>
+    <p:sldLayoutId id="2147483662" r:id="rId2"/>
+    <p:sldLayoutId id="2147483663" r:id="rId3"/>
+    <p:sldLayoutId id="2147483664" r:id="rId4"/>
+    <p:sldLayoutId id="2147483665" r:id="rId5"/>
+    <p:sldLayoutId id="2147483666" r:id="rId6"/>
+    <p:sldLayoutId id="2147483667" r:id="rId7"/>
+    <p:sldLayoutId id="2147483668" r:id="rId8"/>
+    <p:sldLayoutId id="2147483669" r:id="rId9"/>
+    <p:sldLayoutId id="2147483670" r:id="rId10"/>
+    <p:sldLayoutId id="2147483671" r:id="rId11"/>
   </p:sldLayoutIdLst>
   <p:txStyles>
     <p:titleStyle>
@@ -3214,7 +3222,7 @@
         <a:spcBef>
           <a:spcPts val="1000"/>
         </a:spcBef>
-        <a:buFont typeface="Arial"/>
+        <a:buFont typeface="Arial" panose="020B0604020202020204" pitchFamily="34" charset="0"/>
         <a:buChar char="•"/>
         <a:defRPr sz="2800" kern="1200">
           <a:solidFill>
@@ -3232,7 +3240,7 @@
         <a:spcBef>
           <a:spcPts val="500"/>
         </a:spcBef>
-        <a:buFont typeface="Arial"/>
+        <a:buFont typeface="Arial" panose="020B0604020202020204" pitchFamily="34" charset="0"/>
         <a:buChar char="•"/>
         <a:defRPr sz="2400" kern="1200">
           <a:solidFill>
@@ -3250,7 +3258,7 @@
         <a:spcBef>
           <a:spcPts val="500"/>
         </a:spcBef>
-        <a:buFont typeface="Arial"/>
+        <a:buFont typeface="Arial" panose="020B0604020202020204" pitchFamily="34" charset="0"/>
         <a:buChar char="•"/>
         <a:defRPr sz="2000" kern="1200">
           <a:solidFill>
@@ -3268,7 +3276,7 @@
         <a:spcBef>
           <a:spcPts val="500"/>
         </a:spcBef>
-        <a:buFont typeface="Arial"/>
+        <a:buFont typeface="Arial" panose="020B0604020202020204" pitchFamily="34" charset="0"/>
         <a:buChar char="•"/>
         <a:defRPr sz="1800" kern="1200">
           <a:solidFill>
@@ -3286,7 +3294,7 @@
         <a:spcBef>
           <a:spcPts val="500"/>
         </a:spcBef>
-        <a:buFont typeface="Arial"/>
+        <a:buFont typeface="Arial" panose="020B0604020202020204" pitchFamily="34" charset="0"/>
         <a:buChar char="•"/>
         <a:defRPr sz="1800" kern="1200">
           <a:solidFill>
@@ -3304,7 +3312,7 @@
         <a:spcBef>
           <a:spcPts val="500"/>
         </a:spcBef>
-        <a:buFont typeface="Arial"/>
+        <a:buFont typeface="Arial" panose="020B0604020202020204" pitchFamily="34" charset="0"/>
         <a:buChar char="•"/>
         <a:defRPr sz="1800" kern="1200">
           <a:solidFill>
@@ -3322,7 +3330,7 @@
         <a:spcBef>
           <a:spcPts val="500"/>
         </a:spcBef>
-        <a:buFont typeface="Arial"/>
+        <a:buFont typeface="Arial" panose="020B0604020202020204" pitchFamily="34" charset="0"/>
         <a:buChar char="•"/>
         <a:defRPr sz="1800" kern="1200">
           <a:solidFill>
@@ -3340,7 +3348,7 @@
         <a:spcBef>
           <a:spcPts val="500"/>
         </a:spcBef>
-        <a:buFont typeface="Arial"/>
+        <a:buFont typeface="Arial" panose="020B0604020202020204" pitchFamily="34" charset="0"/>
         <a:buChar char="•"/>
         <a:defRPr sz="1800" kern="1200">
           <a:solidFill>
@@ -3358,7 +3366,7 @@
         <a:spcBef>
           <a:spcPts val="500"/>
         </a:spcBef>
-        <a:buFont typeface="Arial"/>
+        <a:buFont typeface="Arial" panose="020B0604020202020204" pitchFamily="34" charset="0"/>
         <a:buChar char="•"/>
         <a:defRPr sz="1800" kern="1200">
           <a:solidFill>
@@ -3504,18 +3512,17 @@
           <a:lstStyle/>
           <a:p>
             <a:r>
-              <a:rPr lang="en-US" sz="3600" dirty="0" smtClean="0"/>
+              <a:rPr lang="en-US" sz="3600" dirty="0"/>
               <a:t>Genome-wide Analysis of Groucho Function in </a:t>
             </a:r>
             <a:r>
-              <a:rPr lang="en-US" sz="3600" i="1" dirty="0" smtClean="0"/>
+              <a:rPr lang="en-US" sz="3600" i="1" dirty="0"/>
               <a:t>Drosophila </a:t>
             </a:r>
             <a:r>
-              <a:rPr lang="en-US" sz="3600" dirty="0" smtClean="0"/>
+              <a:rPr lang="en-US" sz="3600" dirty="0"/>
               <a:t>Embryogenesis</a:t>
             </a:r>
-            <a:endParaRPr lang="en-US" sz="3600" dirty="0"/>
           </a:p>
         </p:txBody>
       </p:sp>
@@ -3574,6 +3581,787 @@
       </p:grpSpPr>
       <p:sp>
         <p:nvSpPr>
+          <p:cNvPr id="4" name="Title 3"/>
+          <p:cNvSpPr>
+            <a:spLocks noGrp="1"/>
+          </p:cNvSpPr>
+          <p:nvPr>
+            <p:ph type="title"/>
+          </p:nvPr>
+        </p:nvSpPr>
+        <p:spPr/>
+        <p:txBody>
+          <a:bodyPr/>
+          <a:lstStyle/>
+          <a:p>
+            <a:endParaRPr lang="en-US" dirty="0"/>
+          </a:p>
+        </p:txBody>
+      </p:sp>
+      <p:grpSp>
+        <p:nvGrpSpPr>
+          <p:cNvPr id="13" name="Group 12"/>
+          <p:cNvGrpSpPr/>
+          <p:nvPr/>
+        </p:nvGrpSpPr>
+        <p:grpSpPr>
+          <a:xfrm>
+            <a:off x="3538725" y="3121196"/>
+            <a:ext cx="2166672" cy="2166672"/>
+            <a:chOff x="3732028" y="3657600"/>
+            <a:chExt cx="1828800" cy="1828800"/>
+          </a:xfrm>
+        </p:grpSpPr>
+        <p:sp>
+          <p:nvSpPr>
+            <p:cNvPr id="5" name="Oval 4"/>
+            <p:cNvSpPr/>
+            <p:nvPr/>
+          </p:nvSpPr>
+          <p:spPr>
+            <a:xfrm>
+              <a:off x="3732028" y="3657600"/>
+              <a:ext cx="1828800" cy="1828800"/>
+            </a:xfrm>
+            <a:prstGeom prst="ellipse">
+              <a:avLst/>
+            </a:prstGeom>
+            <a:gradFill flip="none" rotWithShape="1">
+              <a:gsLst>
+                <a:gs pos="15000">
+                  <a:schemeClr val="accent1">
+                    <a:lumMod val="0"/>
+                    <a:lumOff val="100000"/>
+                  </a:schemeClr>
+                </a:gs>
+                <a:gs pos="41000">
+                  <a:schemeClr val="accent1">
+                    <a:lumMod val="40000"/>
+                    <a:lumOff val="60000"/>
+                  </a:schemeClr>
+                </a:gs>
+                <a:gs pos="60000">
+                  <a:schemeClr val="accent1">
+                    <a:lumMod val="60000"/>
+                    <a:lumOff val="40000"/>
+                  </a:schemeClr>
+                </a:gs>
+                <a:gs pos="100000">
+                  <a:schemeClr val="accent1">
+                    <a:lumMod val="50000"/>
+                  </a:schemeClr>
+                </a:gs>
+              </a:gsLst>
+              <a:lin ang="5400000" scaled="1"/>
+              <a:tileRect/>
+            </a:gradFill>
+            <a:ln>
+              <a:solidFill>
+                <a:schemeClr val="accent1"/>
+              </a:solidFill>
+            </a:ln>
+          </p:spPr>
+          <p:style>
+            <a:lnRef idx="2">
+              <a:schemeClr val="accent1">
+                <a:shade val="50000"/>
+              </a:schemeClr>
+            </a:lnRef>
+            <a:fillRef idx="1">
+              <a:schemeClr val="accent1"/>
+            </a:fillRef>
+            <a:effectRef idx="0">
+              <a:schemeClr val="accent1"/>
+            </a:effectRef>
+            <a:fontRef idx="minor">
+              <a:schemeClr val="lt1"/>
+            </a:fontRef>
+          </p:style>
+          <p:txBody>
+            <a:bodyPr rot="0" spcFirstLastPara="0" vertOverflow="overflow" horzOverflow="overflow" vert="horz" wrap="square" lIns="91440" tIns="45720" rIns="91440" bIns="45720" numCol="1" spcCol="0" rtlCol="0" fromWordArt="0" anchor="ctr" anchorCtr="0" forceAA="0" compatLnSpc="1">
+              <a:prstTxWarp prst="textNoShape">
+                <a:avLst/>
+              </a:prstTxWarp>
+              <a:noAutofit/>
+            </a:bodyPr>
+            <a:lstStyle/>
+            <a:p>
+              <a:pPr algn="ctr"/>
+              <a:endParaRPr lang="en-US"/>
+            </a:p>
+          </p:txBody>
+        </p:sp>
+        <p:sp>
+          <p:nvSpPr>
+            <p:cNvPr id="6" name="Oval 5"/>
+            <p:cNvSpPr/>
+            <p:nvPr/>
+          </p:nvSpPr>
+          <p:spPr>
+            <a:xfrm>
+              <a:off x="3914908" y="3840480"/>
+              <a:ext cx="1463040" cy="1463040"/>
+            </a:xfrm>
+            <a:prstGeom prst="ellipse">
+              <a:avLst/>
+            </a:prstGeom>
+            <a:solidFill>
+              <a:schemeClr val="bg1"/>
+            </a:solidFill>
+            <a:ln>
+              <a:solidFill>
+                <a:schemeClr val="accent1"/>
+              </a:solidFill>
+            </a:ln>
+          </p:spPr>
+          <p:style>
+            <a:lnRef idx="2">
+              <a:schemeClr val="accent1">
+                <a:shade val="50000"/>
+              </a:schemeClr>
+            </a:lnRef>
+            <a:fillRef idx="1">
+              <a:schemeClr val="accent1"/>
+            </a:fillRef>
+            <a:effectRef idx="0">
+              <a:schemeClr val="accent1"/>
+            </a:effectRef>
+            <a:fontRef idx="minor">
+              <a:schemeClr val="lt1"/>
+            </a:fontRef>
+          </p:style>
+          <p:txBody>
+            <a:bodyPr rot="0" spcFirstLastPara="0" vertOverflow="overflow" horzOverflow="overflow" vert="horz" wrap="square" lIns="91440" tIns="45720" rIns="91440" bIns="45720" numCol="1" spcCol="0" rtlCol="0" fromWordArt="0" anchor="ctr" anchorCtr="0" forceAA="0" compatLnSpc="1">
+              <a:prstTxWarp prst="textNoShape">
+                <a:avLst/>
+              </a:prstTxWarp>
+              <a:noAutofit/>
+            </a:bodyPr>
+            <a:lstStyle/>
+            <a:p>
+              <a:pPr algn="ctr"/>
+              <a:endParaRPr lang="en-US"/>
+            </a:p>
+          </p:txBody>
+        </p:sp>
+      </p:grpSp>
+      <p:cxnSp>
+        <p:nvCxnSpPr>
+          <p:cNvPr id="15" name="Straight Arrow Connector 14"/>
+          <p:cNvCxnSpPr/>
+          <p:nvPr/>
+        </p:nvCxnSpPr>
+        <p:spPr>
+          <a:xfrm flipV="1">
+            <a:off x="3014685" y="3121197"/>
+            <a:ext cx="0" cy="2035804"/>
+          </a:xfrm>
+          <a:prstGeom prst="straightConnector1">
+            <a:avLst/>
+          </a:prstGeom>
+          <a:ln w="63500">
+            <a:solidFill>
+              <a:schemeClr val="tx1"/>
+            </a:solidFill>
+            <a:tailEnd type="triangle"/>
+          </a:ln>
+        </p:spPr>
+        <p:style>
+          <a:lnRef idx="1">
+            <a:schemeClr val="accent1"/>
+          </a:lnRef>
+          <a:fillRef idx="0">
+            <a:schemeClr val="accent1"/>
+          </a:fillRef>
+          <a:effectRef idx="0">
+            <a:schemeClr val="accent1"/>
+          </a:effectRef>
+          <a:fontRef idx="minor">
+            <a:schemeClr val="tx1"/>
+          </a:fontRef>
+        </p:style>
+      </p:cxnSp>
+      <p:sp>
+        <p:nvSpPr>
+          <p:cNvPr id="16" name="TextBox 15"/>
+          <p:cNvSpPr txBox="1"/>
+          <p:nvPr/>
+        </p:nvSpPr>
+        <p:spPr>
+          <a:xfrm>
+            <a:off x="2690723" y="5155459"/>
+            <a:ext cx="612668" cy="369332"/>
+          </a:xfrm>
+          <a:prstGeom prst="rect">
+            <a:avLst/>
+          </a:prstGeom>
+          <a:noFill/>
+        </p:spPr>
+        <p:txBody>
+          <a:bodyPr wrap="none" rtlCol="0">
+            <a:spAutoFit/>
+          </a:bodyPr>
+          <a:lstStyle/>
+          <a:p>
+            <a:r>
+              <a:rPr lang="en-US" dirty="0" smtClean="0"/>
+              <a:t>High</a:t>
+            </a:r>
+            <a:endParaRPr lang="en-US" dirty="0"/>
+          </a:p>
+        </p:txBody>
+      </p:sp>
+      <p:sp>
+        <p:nvSpPr>
+          <p:cNvPr id="17" name="TextBox 16"/>
+          <p:cNvSpPr txBox="1"/>
+          <p:nvPr/>
+        </p:nvSpPr>
+        <p:spPr>
+          <a:xfrm>
+            <a:off x="2734709" y="2753407"/>
+            <a:ext cx="568682" cy="369332"/>
+          </a:xfrm>
+          <a:prstGeom prst="rect">
+            <a:avLst/>
+          </a:prstGeom>
+          <a:noFill/>
+        </p:spPr>
+        <p:txBody>
+          <a:bodyPr wrap="none" rtlCol="0">
+            <a:spAutoFit/>
+          </a:bodyPr>
+          <a:lstStyle/>
+          <a:p>
+            <a:r>
+              <a:rPr lang="en-US" smtClean="0"/>
+              <a:t>Low</a:t>
+            </a:r>
+            <a:endParaRPr lang="en-US" dirty="0"/>
+          </a:p>
+        </p:txBody>
+      </p:sp>
+      <p:sp>
+        <p:nvSpPr>
+          <p:cNvPr id="30" name="TextBox 29"/>
+          <p:cNvSpPr txBox="1"/>
+          <p:nvPr/>
+        </p:nvSpPr>
+        <p:spPr>
+          <a:xfrm>
+            <a:off x="5869218" y="5280526"/>
+            <a:ext cx="825566" cy="251868"/>
+          </a:xfrm>
+          <a:prstGeom prst="rect">
+            <a:avLst/>
+          </a:prstGeom>
+          <a:noFill/>
+        </p:spPr>
+        <p:txBody>
+          <a:bodyPr wrap="none" rtlCol="0">
+            <a:spAutoFit/>
+          </a:bodyPr>
+          <a:lstStyle/>
+          <a:p>
+            <a:r>
+              <a:rPr lang="en-US" dirty="0">
+                <a:solidFill>
+                  <a:schemeClr val="accent2"/>
+                </a:solidFill>
+              </a:rPr>
+              <a:t>Mesoderm</a:t>
+            </a:r>
+          </a:p>
+        </p:txBody>
+      </p:sp>
+      <p:sp>
+        <p:nvSpPr>
+          <p:cNvPr id="31" name="TextBox 30"/>
+          <p:cNvSpPr txBox="1"/>
+          <p:nvPr/>
+        </p:nvSpPr>
+        <p:spPr>
+          <a:xfrm>
+            <a:off x="5869220" y="4078597"/>
+            <a:ext cx="1146304" cy="251868"/>
+          </a:xfrm>
+          <a:prstGeom prst="rect">
+            <a:avLst/>
+          </a:prstGeom>
+          <a:noFill/>
+        </p:spPr>
+        <p:txBody>
+          <a:bodyPr wrap="none" rtlCol="0">
+            <a:spAutoFit/>
+          </a:bodyPr>
+          <a:lstStyle/>
+          <a:p>
+            <a:r>
+              <a:rPr lang="en-US" dirty="0" err="1">
+                <a:solidFill>
+                  <a:schemeClr val="accent4"/>
+                </a:solidFill>
+              </a:rPr>
+              <a:t>Neuroectoderm</a:t>
+            </a:r>
+            <a:endParaRPr lang="en-US" dirty="0">
+              <a:solidFill>
+                <a:schemeClr val="accent4"/>
+              </a:solidFill>
+            </a:endParaRPr>
+          </a:p>
+        </p:txBody>
+      </p:sp>
+      <p:sp>
+        <p:nvSpPr>
+          <p:cNvPr id="32" name="TextBox 31"/>
+          <p:cNvSpPr txBox="1"/>
+          <p:nvPr/>
+        </p:nvSpPr>
+        <p:spPr>
+          <a:xfrm>
+            <a:off x="5869218" y="2995262"/>
+            <a:ext cx="1188807" cy="251868"/>
+          </a:xfrm>
+          <a:prstGeom prst="rect">
+            <a:avLst/>
+          </a:prstGeom>
+          <a:noFill/>
+        </p:spPr>
+        <p:txBody>
+          <a:bodyPr wrap="none" rtlCol="0">
+            <a:spAutoFit/>
+          </a:bodyPr>
+          <a:lstStyle/>
+          <a:p>
+            <a:r>
+              <a:rPr lang="en-US" dirty="0">
+                <a:solidFill>
+                  <a:schemeClr val="accent6"/>
+                </a:solidFill>
+              </a:rPr>
+              <a:t>Dorsal ectoderm</a:t>
+            </a:r>
+          </a:p>
+        </p:txBody>
+      </p:sp>
+      <p:cxnSp>
+        <p:nvCxnSpPr>
+          <p:cNvPr id="34" name="Straight Connector 33"/>
+          <p:cNvCxnSpPr/>
+          <p:nvPr/>
+        </p:nvCxnSpPr>
+        <p:spPr>
+          <a:xfrm>
+            <a:off x="4622061" y="2957372"/>
+            <a:ext cx="0" cy="2494318"/>
+          </a:xfrm>
+          <a:prstGeom prst="line">
+            <a:avLst/>
+          </a:prstGeom>
+          <a:ln>
+            <a:prstDash val="dash"/>
+          </a:ln>
+        </p:spPr>
+        <p:style>
+          <a:lnRef idx="1">
+            <a:schemeClr val="accent1"/>
+          </a:lnRef>
+          <a:fillRef idx="0">
+            <a:schemeClr val="accent1"/>
+          </a:fillRef>
+          <a:effectRef idx="0">
+            <a:schemeClr val="accent1"/>
+          </a:effectRef>
+          <a:fontRef idx="minor">
+            <a:schemeClr val="tx1"/>
+          </a:fontRef>
+        </p:style>
+      </p:cxnSp>
+      <p:grpSp>
+        <p:nvGrpSpPr>
+          <p:cNvPr id="43" name="Group 42"/>
+          <p:cNvGrpSpPr/>
+          <p:nvPr/>
+        </p:nvGrpSpPr>
+        <p:grpSpPr>
+          <a:xfrm>
+            <a:off x="3374901" y="2957372"/>
+            <a:ext cx="2494320" cy="2494318"/>
+            <a:chOff x="4080759" y="2028684"/>
+            <a:chExt cx="3657603" cy="3657600"/>
+          </a:xfrm>
+        </p:grpSpPr>
+        <p:sp>
+          <p:nvSpPr>
+            <p:cNvPr id="44" name="Arc 43"/>
+            <p:cNvSpPr/>
+            <p:nvPr/>
+          </p:nvSpPr>
+          <p:spPr>
+            <a:xfrm>
+              <a:off x="4080762" y="2028684"/>
+              <a:ext cx="3657600" cy="3657600"/>
+            </a:xfrm>
+            <a:prstGeom prst="arc">
+              <a:avLst>
+                <a:gd name="adj1" fmla="val 16776737"/>
+                <a:gd name="adj2" fmla="val 19795885"/>
+              </a:avLst>
+            </a:prstGeom>
+            <a:ln w="50800">
+              <a:solidFill>
+                <a:schemeClr val="accent6"/>
+              </a:solidFill>
+            </a:ln>
+          </p:spPr>
+          <p:style>
+            <a:lnRef idx="1">
+              <a:schemeClr val="accent1"/>
+            </a:lnRef>
+            <a:fillRef idx="0">
+              <a:schemeClr val="accent1"/>
+            </a:fillRef>
+            <a:effectRef idx="0">
+              <a:schemeClr val="accent1"/>
+            </a:effectRef>
+            <a:fontRef idx="minor">
+              <a:schemeClr val="tx1"/>
+            </a:fontRef>
+          </p:style>
+          <p:txBody>
+            <a:bodyPr rot="0" spcFirstLastPara="0" vertOverflow="overflow" horzOverflow="overflow" vert="horz" wrap="square" lIns="91440" tIns="45720" rIns="91440" bIns="45720" numCol="1" spcCol="0" rtlCol="0" fromWordArt="0" anchor="ctr" anchorCtr="0" forceAA="0" compatLnSpc="1">
+              <a:prstTxWarp prst="textNoShape">
+                <a:avLst/>
+              </a:prstTxWarp>
+              <a:noAutofit/>
+            </a:bodyPr>
+            <a:lstStyle/>
+            <a:p>
+              <a:pPr algn="ctr"/>
+              <a:endParaRPr lang="en-US"/>
+            </a:p>
+          </p:txBody>
+        </p:sp>
+        <p:sp>
+          <p:nvSpPr>
+            <p:cNvPr id="45" name="Arc 44"/>
+            <p:cNvSpPr/>
+            <p:nvPr/>
+          </p:nvSpPr>
+          <p:spPr>
+            <a:xfrm>
+              <a:off x="4080762" y="2028684"/>
+              <a:ext cx="3657600" cy="3657600"/>
+            </a:xfrm>
+            <a:prstGeom prst="arc">
+              <a:avLst>
+                <a:gd name="adj1" fmla="val 2989254"/>
+                <a:gd name="adj2" fmla="val 7678429"/>
+              </a:avLst>
+            </a:prstGeom>
+            <a:ln w="50800">
+              <a:solidFill>
+                <a:schemeClr val="accent2"/>
+              </a:solidFill>
+            </a:ln>
+          </p:spPr>
+          <p:style>
+            <a:lnRef idx="1">
+              <a:schemeClr val="accent1"/>
+            </a:lnRef>
+            <a:fillRef idx="0">
+              <a:schemeClr val="accent1"/>
+            </a:fillRef>
+            <a:effectRef idx="0">
+              <a:schemeClr val="accent1"/>
+            </a:effectRef>
+            <a:fontRef idx="minor">
+              <a:schemeClr val="tx1"/>
+            </a:fontRef>
+          </p:style>
+          <p:txBody>
+            <a:bodyPr rot="0" spcFirstLastPara="0" vertOverflow="overflow" horzOverflow="overflow" vert="horz" wrap="square" lIns="91440" tIns="45720" rIns="91440" bIns="45720" numCol="1" spcCol="0" rtlCol="0" fromWordArt="0" anchor="ctr" anchorCtr="0" forceAA="0" compatLnSpc="1">
+              <a:prstTxWarp prst="textNoShape">
+                <a:avLst/>
+              </a:prstTxWarp>
+              <a:noAutofit/>
+            </a:bodyPr>
+            <a:lstStyle/>
+            <a:p>
+              <a:pPr algn="ctr"/>
+              <a:endParaRPr lang="en-US"/>
+            </a:p>
+          </p:txBody>
+        </p:sp>
+        <p:sp>
+          <p:nvSpPr>
+            <p:cNvPr id="46" name="Arc 45"/>
+            <p:cNvSpPr/>
+            <p:nvPr/>
+          </p:nvSpPr>
+          <p:spPr>
+            <a:xfrm>
+              <a:off x="4080762" y="2028684"/>
+              <a:ext cx="3657600" cy="3657600"/>
+            </a:xfrm>
+            <a:prstGeom prst="arc">
+              <a:avLst>
+                <a:gd name="adj1" fmla="val 19765346"/>
+                <a:gd name="adj2" fmla="val 3019557"/>
+              </a:avLst>
+            </a:prstGeom>
+            <a:ln w="50800">
+              <a:solidFill>
+                <a:schemeClr val="accent4"/>
+              </a:solidFill>
+            </a:ln>
+          </p:spPr>
+          <p:style>
+            <a:lnRef idx="1">
+              <a:schemeClr val="accent1"/>
+            </a:lnRef>
+            <a:fillRef idx="0">
+              <a:schemeClr val="accent1"/>
+            </a:fillRef>
+            <a:effectRef idx="0">
+              <a:schemeClr val="accent1"/>
+            </a:effectRef>
+            <a:fontRef idx="minor">
+              <a:schemeClr val="tx1"/>
+            </a:fontRef>
+          </p:style>
+          <p:txBody>
+            <a:bodyPr rot="0" spcFirstLastPara="0" vertOverflow="overflow" horzOverflow="overflow" vert="horz" wrap="square" lIns="91440" tIns="45720" rIns="91440" bIns="45720" numCol="1" spcCol="0" rtlCol="0" fromWordArt="0" anchor="ctr" anchorCtr="0" forceAA="0" compatLnSpc="1">
+              <a:prstTxWarp prst="textNoShape">
+                <a:avLst/>
+              </a:prstTxWarp>
+              <a:noAutofit/>
+            </a:bodyPr>
+            <a:lstStyle/>
+            <a:p>
+              <a:pPr algn="ctr"/>
+              <a:endParaRPr lang="en-US"/>
+            </a:p>
+          </p:txBody>
+        </p:sp>
+        <p:sp>
+          <p:nvSpPr>
+            <p:cNvPr id="47" name="Arc 46"/>
+            <p:cNvSpPr/>
+            <p:nvPr/>
+          </p:nvSpPr>
+          <p:spPr>
+            <a:xfrm>
+              <a:off x="4080761" y="2028684"/>
+              <a:ext cx="3657600" cy="3657600"/>
+            </a:xfrm>
+            <a:prstGeom prst="arc">
+              <a:avLst>
+                <a:gd name="adj1" fmla="val 7682220"/>
+                <a:gd name="adj2" fmla="val 12527983"/>
+              </a:avLst>
+            </a:prstGeom>
+            <a:ln w="50800">
+              <a:solidFill>
+                <a:schemeClr val="accent4"/>
+              </a:solidFill>
+            </a:ln>
+          </p:spPr>
+          <p:style>
+            <a:lnRef idx="1">
+              <a:schemeClr val="accent1"/>
+            </a:lnRef>
+            <a:fillRef idx="0">
+              <a:schemeClr val="accent1"/>
+            </a:fillRef>
+            <a:effectRef idx="0">
+              <a:schemeClr val="accent1"/>
+            </a:effectRef>
+            <a:fontRef idx="minor">
+              <a:schemeClr val="tx1"/>
+            </a:fontRef>
+          </p:style>
+          <p:txBody>
+            <a:bodyPr rot="0" spcFirstLastPara="0" vertOverflow="overflow" horzOverflow="overflow" vert="horz" wrap="square" lIns="91440" tIns="45720" rIns="91440" bIns="45720" numCol="1" spcCol="0" rtlCol="0" fromWordArt="0" anchor="ctr" anchorCtr="0" forceAA="0" compatLnSpc="1">
+              <a:prstTxWarp prst="textNoShape">
+                <a:avLst/>
+              </a:prstTxWarp>
+              <a:noAutofit/>
+            </a:bodyPr>
+            <a:lstStyle/>
+            <a:p>
+              <a:pPr algn="ctr"/>
+              <a:endParaRPr lang="en-US"/>
+            </a:p>
+          </p:txBody>
+        </p:sp>
+        <p:sp>
+          <p:nvSpPr>
+            <p:cNvPr id="48" name="Arc 47"/>
+            <p:cNvSpPr/>
+            <p:nvPr/>
+          </p:nvSpPr>
+          <p:spPr>
+            <a:xfrm>
+              <a:off x="4080760" y="2028684"/>
+              <a:ext cx="3657600" cy="3657600"/>
+            </a:xfrm>
+            <a:prstGeom prst="arc">
+              <a:avLst>
+                <a:gd name="adj1" fmla="val 12535813"/>
+                <a:gd name="adj2" fmla="val 15559981"/>
+              </a:avLst>
+            </a:prstGeom>
+            <a:ln w="50800">
+              <a:solidFill>
+                <a:schemeClr val="accent6"/>
+              </a:solidFill>
+            </a:ln>
+          </p:spPr>
+          <p:style>
+            <a:lnRef idx="1">
+              <a:schemeClr val="accent1"/>
+            </a:lnRef>
+            <a:fillRef idx="0">
+              <a:schemeClr val="accent1"/>
+            </a:fillRef>
+            <a:effectRef idx="0">
+              <a:schemeClr val="accent1"/>
+            </a:effectRef>
+            <a:fontRef idx="minor">
+              <a:schemeClr val="tx1"/>
+            </a:fontRef>
+          </p:style>
+          <p:txBody>
+            <a:bodyPr rot="0" spcFirstLastPara="0" vertOverflow="overflow" horzOverflow="overflow" vert="horz" wrap="square" lIns="91440" tIns="45720" rIns="91440" bIns="45720" numCol="1" spcCol="0" rtlCol="0" fromWordArt="0" anchor="ctr" anchorCtr="0" forceAA="0" compatLnSpc="1">
+              <a:prstTxWarp prst="textNoShape">
+                <a:avLst/>
+              </a:prstTxWarp>
+              <a:noAutofit/>
+            </a:bodyPr>
+            <a:lstStyle/>
+            <a:p>
+              <a:pPr algn="ctr"/>
+              <a:endParaRPr lang="en-US"/>
+            </a:p>
+          </p:txBody>
+        </p:sp>
+        <p:sp>
+          <p:nvSpPr>
+            <p:cNvPr id="49" name="Arc 48"/>
+            <p:cNvSpPr/>
+            <p:nvPr/>
+          </p:nvSpPr>
+          <p:spPr>
+            <a:xfrm>
+              <a:off x="4080759" y="2028684"/>
+              <a:ext cx="3657600" cy="3657600"/>
+            </a:xfrm>
+            <a:prstGeom prst="arc">
+              <a:avLst>
+                <a:gd name="adj1" fmla="val 15540647"/>
+                <a:gd name="adj2" fmla="val 16810036"/>
+              </a:avLst>
+            </a:prstGeom>
+            <a:ln w="50800">
+              <a:solidFill>
+                <a:schemeClr val="bg1">
+                  <a:lumMod val="50000"/>
+                </a:schemeClr>
+              </a:solidFill>
+            </a:ln>
+          </p:spPr>
+          <p:style>
+            <a:lnRef idx="1">
+              <a:schemeClr val="accent1"/>
+            </a:lnRef>
+            <a:fillRef idx="0">
+              <a:schemeClr val="accent1"/>
+            </a:fillRef>
+            <a:effectRef idx="0">
+              <a:schemeClr val="accent1"/>
+            </a:effectRef>
+            <a:fontRef idx="minor">
+              <a:schemeClr val="tx1"/>
+            </a:fontRef>
+          </p:style>
+          <p:txBody>
+            <a:bodyPr rot="0" spcFirstLastPara="0" vertOverflow="overflow" horzOverflow="overflow" vert="horz" wrap="square" lIns="91440" tIns="45720" rIns="91440" bIns="45720" numCol="1" spcCol="0" rtlCol="0" fromWordArt="0" anchor="ctr" anchorCtr="0" forceAA="0" compatLnSpc="1">
+              <a:prstTxWarp prst="textNoShape">
+                <a:avLst/>
+              </a:prstTxWarp>
+              <a:noAutofit/>
+            </a:bodyPr>
+            <a:lstStyle/>
+            <a:p>
+              <a:pPr algn="ctr"/>
+              <a:endParaRPr lang="en-US"/>
+            </a:p>
+          </p:txBody>
+        </p:sp>
+      </p:grpSp>
+      <p:sp>
+        <p:nvSpPr>
+          <p:cNvPr id="51" name="Rectangle 50"/>
+          <p:cNvSpPr/>
+          <p:nvPr/>
+        </p:nvSpPr>
+        <p:spPr>
+          <a:xfrm>
+            <a:off x="1437719" y="3950887"/>
+            <a:ext cx="1559338" cy="369332"/>
+          </a:xfrm>
+          <a:prstGeom prst="rect">
+            <a:avLst/>
+          </a:prstGeom>
+        </p:spPr>
+        <p:txBody>
+          <a:bodyPr wrap="none">
+            <a:spAutoFit/>
+          </a:bodyPr>
+          <a:lstStyle/>
+          <a:p>
+            <a:r>
+              <a:rPr lang="en-US" dirty="0" smtClean="0"/>
+              <a:t>Nuclear Dorsal</a:t>
+            </a:r>
+            <a:endParaRPr lang="en-US" dirty="0"/>
+          </a:p>
+        </p:txBody>
+      </p:sp>
+    </p:spTree>
+    <p:extLst>
+      <p:ext uri="{BB962C8B-B14F-4D97-AF65-F5344CB8AC3E}">
+        <p14:creationId xmlns:p14="http://schemas.microsoft.com/office/powerpoint/2010/main" val="1828356814"/>
+      </p:ext>
+    </p:extLst>
+  </p:cSld>
+  <p:clrMapOvr>
+    <a:masterClrMapping/>
+  </p:clrMapOvr>
+</p:sld>
+</file>
+
+<file path=ppt/slides/slide3.xml><?xml version="1.0" encoding="utf-8"?>
+<p:sld xmlns:a="http://schemas.openxmlformats.org/drawingml/2006/main" xmlns:r="http://schemas.openxmlformats.org/officeDocument/2006/relationships" xmlns:p="http://schemas.openxmlformats.org/presentationml/2006/main">
+  <p:cSld>
+    <p:spTree>
+      <p:nvGrpSpPr>
+        <p:cNvPr id="1" name=""/>
+        <p:cNvGrpSpPr/>
+        <p:nvPr/>
+      </p:nvGrpSpPr>
+      <p:grpSpPr>
+        <a:xfrm>
+          <a:off x="0" y="0"/>
+          <a:ext cx="0" cy="0"/>
+          <a:chOff x="0" y="0"/>
+          <a:chExt cx="0" cy="0"/>
+        </a:xfrm>
+      </p:grpSpPr>
+      <p:sp>
+        <p:nvSpPr>
           <p:cNvPr id="2" name="Title 1"/>
           <p:cNvSpPr>
             <a:spLocks noGrp="1"/>
@@ -3585,7 +4373,7 @@
         <p:spPr/>
         <p:txBody>
           <a:bodyPr>
-            <a:normAutofit/>
+            <a:normAutofit fontScale="90000"/>
           </a:bodyPr>
           <a:lstStyle/>
           <a:p>
@@ -3594,6 +4382,29 @@
               <a:t>Genomic scale analysis will provide significant insight into Groucho’s functions in early fly development</a:t>
             </a:r>
             <a:endParaRPr lang="en-US" sz="3200" dirty="0"/>
+          </a:p>
+        </p:txBody>
+      </p:sp>
+      <p:sp>
+        <p:nvSpPr>
+          <p:cNvPr id="3" name="Slide Number Placeholder 2"/>
+          <p:cNvSpPr>
+            <a:spLocks noGrp="1"/>
+          </p:cNvSpPr>
+          <p:nvPr>
+            <p:ph type="sldNum" sz="quarter" idx="12"/>
+          </p:nvPr>
+        </p:nvSpPr>
+        <p:spPr/>
+        <p:txBody>
+          <a:bodyPr/>
+          <a:lstStyle/>
+          <a:p>
+            <a:fld id="{818D74A5-6B21-7D43-AA42-06463E0BF38B}" type="slidenum">
+              <a:rPr lang="en-US" smtClean="0"/>
+              <a:t>3</a:t>
+            </a:fld>
+            <a:endParaRPr lang="en-US"/>
           </a:p>
         </p:txBody>
       </p:sp>
@@ -3605,7 +4416,7 @@
         </p:nvCxnSpPr>
         <p:spPr>
           <a:xfrm>
-            <a:off x="2286001" y="3235641"/>
+            <a:off x="762002" y="3235641"/>
             <a:ext cx="2662767" cy="0"/>
           </a:xfrm>
           <a:prstGeom prst="straightConnector1">
@@ -3638,7 +4449,7 @@
         </p:nvCxnSpPr>
         <p:spPr>
           <a:xfrm flipV="1">
-            <a:off x="3131104" y="3091179"/>
+            <a:off x="1607104" y="3091179"/>
             <a:ext cx="0" cy="292100"/>
           </a:xfrm>
           <a:prstGeom prst="line">
@@ -3668,7 +4479,7 @@
         </p:nvCxnSpPr>
         <p:spPr>
           <a:xfrm flipV="1">
-            <a:off x="3845126" y="3091179"/>
+            <a:off x="2321126" y="3091179"/>
             <a:ext cx="0" cy="292100"/>
           </a:xfrm>
           <a:prstGeom prst="line">
@@ -3698,7 +4509,7 @@
         </p:nvCxnSpPr>
         <p:spPr>
           <a:xfrm flipV="1">
-            <a:off x="4559148" y="3091179"/>
+            <a:off x="3035148" y="3091179"/>
             <a:ext cx="0" cy="292100"/>
           </a:xfrm>
           <a:prstGeom prst="line">
@@ -3728,7 +4539,7 @@
         </p:nvCxnSpPr>
         <p:spPr>
           <a:xfrm>
-            <a:off x="2743200" y="3505200"/>
+            <a:off x="1219200" y="3505200"/>
             <a:ext cx="3479800" cy="1358900"/>
           </a:xfrm>
           <a:prstGeom prst="line">
@@ -3758,7 +4569,7 @@
         </p:nvCxnSpPr>
         <p:spPr>
           <a:xfrm>
-            <a:off x="3429000" y="3505200"/>
+            <a:off x="1905000" y="3505200"/>
             <a:ext cx="2794000" cy="1358900"/>
           </a:xfrm>
           <a:prstGeom prst="line">
@@ -3788,7 +4599,7 @@
         </p:nvCxnSpPr>
         <p:spPr>
           <a:xfrm>
-            <a:off x="4191000" y="3505200"/>
+            <a:off x="2667000" y="3505200"/>
             <a:ext cx="2032000" cy="1358900"/>
           </a:xfrm>
           <a:prstGeom prst="line">
@@ -3818,7 +4629,7 @@
         </p:nvSpPr>
         <p:spPr>
           <a:xfrm>
-            <a:off x="4267201" y="4978400"/>
+            <a:off x="2743202" y="4978400"/>
             <a:ext cx="1202267" cy="304800"/>
           </a:xfrm>
           <a:prstGeom prst="rect">
@@ -3860,7 +4671,7 @@
         </p:nvSpPr>
         <p:spPr>
           <a:xfrm>
-            <a:off x="5520268" y="4978400"/>
+            <a:off x="3996269" y="4978400"/>
             <a:ext cx="1363133" cy="304800"/>
           </a:xfrm>
           <a:prstGeom prst="rect">
@@ -3902,7 +4713,7 @@
         </p:nvSpPr>
         <p:spPr>
           <a:xfrm>
-            <a:off x="6929968" y="4978400"/>
+            <a:off x="5405969" y="4978400"/>
             <a:ext cx="1202267" cy="304800"/>
           </a:xfrm>
           <a:prstGeom prst="rect">
@@ -3944,7 +4755,7 @@
         </p:nvSpPr>
         <p:spPr>
           <a:xfrm>
-            <a:off x="4267201" y="5283200"/>
+            <a:off x="2743202" y="5283200"/>
             <a:ext cx="1202267" cy="508000"/>
           </a:xfrm>
           <a:prstGeom prst="rect">
@@ -3986,7 +4797,7 @@
         </p:nvSpPr>
         <p:spPr>
           <a:xfrm>
-            <a:off x="5520268" y="5283200"/>
+            <a:off x="3996269" y="5283200"/>
             <a:ext cx="1363133" cy="508000"/>
           </a:xfrm>
           <a:prstGeom prst="rect">
@@ -4028,7 +4839,7 @@
         </p:nvSpPr>
         <p:spPr>
           <a:xfrm>
-            <a:off x="6929968" y="5283200"/>
+            <a:off x="5405969" y="5283200"/>
             <a:ext cx="1202267" cy="508000"/>
           </a:xfrm>
           <a:prstGeom prst="rect">
@@ -4070,7 +4881,7 @@
         </p:nvSpPr>
         <p:spPr>
           <a:xfrm>
-            <a:off x="3259289" y="1706017"/>
+            <a:off x="1735289" y="1706018"/>
             <a:ext cx="830112" cy="370195"/>
           </a:xfrm>
           <a:custGeom>
@@ -4857,7 +5668,7 @@
         </p:blipFill>
         <p:spPr>
           <a:xfrm rot="930271">
-            <a:off x="5279069" y="1695798"/>
+            <a:off x="3755069" y="1695799"/>
             <a:ext cx="1574160" cy="408359"/>
           </a:xfrm>
           <a:prstGeom prst="rect">
@@ -4873,7 +5684,7 @@
         </p:nvCxnSpPr>
         <p:spPr>
           <a:xfrm>
-            <a:off x="5034095" y="3235641"/>
+            <a:off x="3510096" y="3235641"/>
             <a:ext cx="2269711" cy="0"/>
           </a:xfrm>
           <a:prstGeom prst="straightConnector1">
@@ -4906,7 +5717,7 @@
         </p:nvCxnSpPr>
         <p:spPr>
           <a:xfrm flipV="1">
-            <a:off x="2417082" y="3091179"/>
+            <a:off x="893082" y="3091179"/>
             <a:ext cx="0" cy="292100"/>
           </a:xfrm>
           <a:prstGeom prst="line">
@@ -4936,7 +5747,7 @@
         </p:nvSpPr>
         <p:spPr>
           <a:xfrm>
-            <a:off x="3292362" y="2438401"/>
+            <a:off x="1768363" y="2438402"/>
             <a:ext cx="909737" cy="646331"/>
           </a:xfrm>
           <a:prstGeom prst="rect">
@@ -4977,7 +5788,7 @@
         </p:nvSpPr>
         <p:spPr>
           <a:xfrm>
-            <a:off x="5791201" y="2438401"/>
+            <a:off x="4267202" y="2438402"/>
             <a:ext cx="780457" cy="646331"/>
           </a:xfrm>
           <a:prstGeom prst="rect">
@@ -5015,7 +5826,7 @@
         </p:nvCxnSpPr>
         <p:spPr>
           <a:xfrm>
-            <a:off x="7418050" y="3235641"/>
+            <a:off x="5894051" y="3235641"/>
             <a:ext cx="2269711" cy="0"/>
           </a:xfrm>
           <a:prstGeom prst="straightConnector1">
@@ -5062,7 +5873,7 @@
         </p:blipFill>
         <p:spPr>
           <a:xfrm rot="12784524">
-            <a:off x="7883932" y="1633958"/>
+            <a:off x="6359933" y="1633959"/>
             <a:ext cx="1561609" cy="560143"/>
           </a:xfrm>
           <a:prstGeom prst="rect">
@@ -5078,7 +5889,7 @@
         </p:nvSpPr>
         <p:spPr>
           <a:xfrm>
-            <a:off x="8229601" y="2438401"/>
+            <a:off x="6705602" y="2438402"/>
             <a:ext cx="780457" cy="646331"/>
           </a:xfrm>
           <a:prstGeom prst="rect">
@@ -5115,7 +5926,7 @@
         </p:nvSpPr>
         <p:spPr>
           <a:xfrm rot="18922286">
-            <a:off x="9747251" y="3058951"/>
+            <a:off x="8223252" y="3058951"/>
             <a:ext cx="691077" cy="369332"/>
           </a:xfrm>
           <a:prstGeom prst="rect">
@@ -5134,29 +5945,6 @@
               <a:t>Adult</a:t>
             </a:r>
             <a:endParaRPr lang="en-US" dirty="0"/>
-          </a:p>
-        </p:txBody>
-      </p:sp>
-      <p:sp>
-        <p:nvSpPr>
-          <p:cNvPr id="3" name="Slide Number Placeholder 2"/>
-          <p:cNvSpPr>
-            <a:spLocks noGrp="1"/>
-          </p:cNvSpPr>
-          <p:nvPr>
-            <p:ph type="sldNum" sz="quarter" idx="12"/>
-          </p:nvPr>
-        </p:nvSpPr>
-        <p:spPr/>
-        <p:txBody>
-          <a:bodyPr/>
-          <a:lstStyle/>
-          <a:p>
-            <a:fld id="{818D74A5-6B21-7D43-AA42-06463E0BF38B}" type="slidenum">
-              <a:rPr lang="en-US" smtClean="0"/>
-              <a:t>2</a:t>
-            </a:fld>
-            <a:endParaRPr lang="en-US"/>
           </a:p>
         </p:txBody>
       </p:sp>
@@ -5909,7 +6697,2554 @@
 </p:sld>
 </file>
 
-<file path=ppt/slides/slide3.xml><?xml version="1.0" encoding="utf-8"?>
+<file path=ppt/slides/slide4.xml><?xml version="1.0" encoding="utf-8"?>
+<p:sld xmlns:a="http://schemas.openxmlformats.org/drawingml/2006/main" xmlns:r="http://schemas.openxmlformats.org/officeDocument/2006/relationships" xmlns:p="http://schemas.openxmlformats.org/presentationml/2006/main">
+  <p:cSld>
+    <p:spTree>
+      <p:nvGrpSpPr>
+        <p:cNvPr id="1" name=""/>
+        <p:cNvGrpSpPr/>
+        <p:nvPr/>
+      </p:nvGrpSpPr>
+      <p:grpSpPr>
+        <a:xfrm>
+          <a:off x="0" y="0"/>
+          <a:ext cx="0" cy="0"/>
+          <a:chOff x="0" y="0"/>
+          <a:chExt cx="0" cy="0"/>
+        </a:xfrm>
+      </p:grpSpPr>
+      <p:sp>
+        <p:nvSpPr>
+          <p:cNvPr id="2" name="Title 1"/>
+          <p:cNvSpPr>
+            <a:spLocks noGrp="1"/>
+          </p:cNvSpPr>
+          <p:nvPr>
+            <p:ph type="title"/>
+          </p:nvPr>
+        </p:nvSpPr>
+        <p:spPr/>
+        <p:txBody>
+          <a:bodyPr/>
+          <a:lstStyle/>
+          <a:p>
+            <a:endParaRPr lang="en-US" dirty="0"/>
+          </a:p>
+        </p:txBody>
+      </p:sp>
+      <p:cxnSp>
+        <p:nvCxnSpPr>
+          <p:cNvPr id="17" name="Straight Connector 16"/>
+          <p:cNvCxnSpPr/>
+          <p:nvPr/>
+        </p:nvCxnSpPr>
+        <p:spPr>
+          <a:xfrm>
+            <a:off x="283817" y="2988013"/>
+            <a:ext cx="2278780" cy="1"/>
+          </a:xfrm>
+          <a:prstGeom prst="line">
+            <a:avLst/>
+          </a:prstGeom>
+          <a:ln w="63500">
+            <a:solidFill>
+              <a:schemeClr val="tx1"/>
+            </a:solidFill>
+          </a:ln>
+        </p:spPr>
+        <p:style>
+          <a:lnRef idx="1">
+            <a:schemeClr val="accent1"/>
+          </a:lnRef>
+          <a:fillRef idx="0">
+            <a:schemeClr val="accent1"/>
+          </a:fillRef>
+          <a:effectRef idx="0">
+            <a:schemeClr val="accent1"/>
+          </a:effectRef>
+          <a:fontRef idx="minor">
+            <a:schemeClr val="tx1"/>
+          </a:fontRef>
+        </p:style>
+      </p:cxnSp>
+      <p:cxnSp>
+        <p:nvCxnSpPr>
+          <p:cNvPr id="18" name="Straight Connector 17"/>
+          <p:cNvCxnSpPr/>
+          <p:nvPr/>
+        </p:nvCxnSpPr>
+        <p:spPr>
+          <a:xfrm>
+            <a:off x="3227586" y="2701413"/>
+            <a:ext cx="0" cy="308542"/>
+          </a:xfrm>
+          <a:prstGeom prst="line">
+            <a:avLst/>
+          </a:prstGeom>
+          <a:ln w="63500">
+            <a:solidFill>
+              <a:schemeClr val="tx1"/>
+            </a:solidFill>
+          </a:ln>
+        </p:spPr>
+        <p:style>
+          <a:lnRef idx="1">
+            <a:schemeClr val="accent1"/>
+          </a:lnRef>
+          <a:fillRef idx="0">
+            <a:schemeClr val="accent1"/>
+          </a:fillRef>
+          <a:effectRef idx="0">
+            <a:schemeClr val="accent1"/>
+          </a:effectRef>
+          <a:fontRef idx="minor">
+            <a:schemeClr val="tx1"/>
+          </a:fontRef>
+        </p:style>
+      </p:cxnSp>
+      <p:cxnSp>
+        <p:nvCxnSpPr>
+          <p:cNvPr id="27" name="Straight Arrow Connector 26"/>
+          <p:cNvCxnSpPr/>
+          <p:nvPr/>
+        </p:nvCxnSpPr>
+        <p:spPr>
+          <a:xfrm>
+            <a:off x="3212628" y="2724344"/>
+            <a:ext cx="308542" cy="0"/>
+          </a:xfrm>
+          <a:prstGeom prst="straightConnector1">
+            <a:avLst/>
+          </a:prstGeom>
+          <a:ln w="63500">
+            <a:solidFill>
+              <a:schemeClr val="tx1"/>
+            </a:solidFill>
+            <a:tailEnd type="triangle"/>
+          </a:ln>
+        </p:spPr>
+        <p:style>
+          <a:lnRef idx="1">
+            <a:schemeClr val="accent1"/>
+          </a:lnRef>
+          <a:fillRef idx="0">
+            <a:schemeClr val="accent1"/>
+          </a:fillRef>
+          <a:effectRef idx="0">
+            <a:schemeClr val="accent1"/>
+          </a:effectRef>
+          <a:fontRef idx="minor">
+            <a:schemeClr val="tx1"/>
+          </a:fontRef>
+        </p:style>
+      </p:cxnSp>
+      <p:cxnSp>
+        <p:nvCxnSpPr>
+          <p:cNvPr id="28" name="Straight Connector 27"/>
+          <p:cNvCxnSpPr/>
+          <p:nvPr/>
+        </p:nvCxnSpPr>
+        <p:spPr>
+          <a:xfrm>
+            <a:off x="2803527" y="2994898"/>
+            <a:ext cx="1173229" cy="0"/>
+          </a:xfrm>
+          <a:prstGeom prst="line">
+            <a:avLst/>
+          </a:prstGeom>
+          <a:ln w="63500">
+            <a:solidFill>
+              <a:schemeClr val="tx1"/>
+            </a:solidFill>
+          </a:ln>
+        </p:spPr>
+        <p:style>
+          <a:lnRef idx="1">
+            <a:schemeClr val="accent1"/>
+          </a:lnRef>
+          <a:fillRef idx="0">
+            <a:schemeClr val="accent1"/>
+          </a:fillRef>
+          <a:effectRef idx="0">
+            <a:schemeClr val="accent1"/>
+          </a:effectRef>
+          <a:fontRef idx="minor">
+            <a:schemeClr val="tx1"/>
+          </a:fontRef>
+        </p:style>
+      </p:cxnSp>
+      <p:sp>
+        <p:nvSpPr>
+          <p:cNvPr id="29" name="Rectangle 28"/>
+          <p:cNvSpPr/>
+          <p:nvPr/>
+        </p:nvSpPr>
+        <p:spPr>
+          <a:xfrm>
+            <a:off x="1562881" y="2945074"/>
+            <a:ext cx="567997" cy="85877"/>
+          </a:xfrm>
+          <a:prstGeom prst="rect">
+            <a:avLst/>
+          </a:prstGeom>
+          <a:solidFill>
+            <a:schemeClr val="accent2">
+              <a:lumMod val="75000"/>
+            </a:schemeClr>
+          </a:solidFill>
+          <a:ln>
+            <a:noFill/>
+          </a:ln>
+        </p:spPr>
+        <p:style>
+          <a:lnRef idx="2">
+            <a:schemeClr val="accent1">
+              <a:shade val="50000"/>
+            </a:schemeClr>
+          </a:lnRef>
+          <a:fillRef idx="1">
+            <a:schemeClr val="accent1"/>
+          </a:fillRef>
+          <a:effectRef idx="0">
+            <a:schemeClr val="accent1"/>
+          </a:effectRef>
+          <a:fontRef idx="minor">
+            <a:schemeClr val="lt1"/>
+          </a:fontRef>
+        </p:style>
+        <p:txBody>
+          <a:bodyPr rot="0" spcFirstLastPara="0" vertOverflow="overflow" horzOverflow="overflow" vert="horz" wrap="square" lIns="91440" tIns="45720" rIns="91440" bIns="45720" numCol="1" spcCol="0" rtlCol="0" fromWordArt="0" anchor="ctr" anchorCtr="0" forceAA="0" compatLnSpc="1">
+            <a:prstTxWarp prst="textNoShape">
+              <a:avLst/>
+            </a:prstTxWarp>
+            <a:noAutofit/>
+          </a:bodyPr>
+          <a:lstStyle/>
+          <a:p>
+            <a:pPr algn="ctr"/>
+            <a:endParaRPr lang="en-US"/>
+          </a:p>
+        </p:txBody>
+      </p:sp>
+      <p:sp>
+        <p:nvSpPr>
+          <p:cNvPr id="30" name="Rectangle 29"/>
+          <p:cNvSpPr/>
+          <p:nvPr/>
+        </p:nvSpPr>
+        <p:spPr>
+          <a:xfrm flipV="1">
+            <a:off x="639351" y="2945074"/>
+            <a:ext cx="567997" cy="85877"/>
+          </a:xfrm>
+          <a:prstGeom prst="rect">
+            <a:avLst/>
+          </a:prstGeom>
+          <a:solidFill>
+            <a:schemeClr val="accent2">
+              <a:lumMod val="75000"/>
+            </a:schemeClr>
+          </a:solidFill>
+          <a:ln>
+            <a:noFill/>
+          </a:ln>
+        </p:spPr>
+        <p:style>
+          <a:lnRef idx="2">
+            <a:schemeClr val="accent1">
+              <a:shade val="50000"/>
+            </a:schemeClr>
+          </a:lnRef>
+          <a:fillRef idx="1">
+            <a:schemeClr val="accent1"/>
+          </a:fillRef>
+          <a:effectRef idx="0">
+            <a:schemeClr val="accent1"/>
+          </a:effectRef>
+          <a:fontRef idx="minor">
+            <a:schemeClr val="lt1"/>
+          </a:fontRef>
+        </p:style>
+        <p:txBody>
+          <a:bodyPr rot="0" spcFirstLastPara="0" vertOverflow="overflow" horzOverflow="overflow" vert="horz" wrap="square" lIns="91440" tIns="45720" rIns="91440" bIns="45720" numCol="1" spcCol="0" rtlCol="0" fromWordArt="0" anchor="ctr" anchorCtr="0" forceAA="0" compatLnSpc="1">
+            <a:prstTxWarp prst="textNoShape">
+              <a:avLst/>
+            </a:prstTxWarp>
+            <a:noAutofit/>
+          </a:bodyPr>
+          <a:lstStyle/>
+          <a:p>
+            <a:pPr algn="ctr"/>
+            <a:endParaRPr lang="en-US"/>
+          </a:p>
+        </p:txBody>
+      </p:sp>
+      <p:cxnSp>
+        <p:nvCxnSpPr>
+          <p:cNvPr id="39" name="Straight Connector 38"/>
+          <p:cNvCxnSpPr/>
+          <p:nvPr/>
+        </p:nvCxnSpPr>
+        <p:spPr>
+          <a:xfrm flipH="1">
+            <a:off x="2701203" y="2907242"/>
+            <a:ext cx="200310" cy="161540"/>
+          </a:xfrm>
+          <a:prstGeom prst="line">
+            <a:avLst/>
+          </a:prstGeom>
+          <a:ln w="63500">
+            <a:solidFill>
+              <a:schemeClr val="tx1"/>
+            </a:solidFill>
+          </a:ln>
+        </p:spPr>
+        <p:style>
+          <a:lnRef idx="1">
+            <a:schemeClr val="accent1"/>
+          </a:lnRef>
+          <a:fillRef idx="0">
+            <a:schemeClr val="accent1"/>
+          </a:fillRef>
+          <a:effectRef idx="0">
+            <a:schemeClr val="accent1"/>
+          </a:effectRef>
+          <a:fontRef idx="minor">
+            <a:schemeClr val="tx1"/>
+          </a:fontRef>
+        </p:style>
+      </p:cxnSp>
+      <p:cxnSp>
+        <p:nvCxnSpPr>
+          <p:cNvPr id="40" name="Straight Connector 39"/>
+          <p:cNvCxnSpPr/>
+          <p:nvPr/>
+        </p:nvCxnSpPr>
+        <p:spPr>
+          <a:xfrm flipH="1">
+            <a:off x="2462096" y="2907242"/>
+            <a:ext cx="200310" cy="161540"/>
+          </a:xfrm>
+          <a:prstGeom prst="line">
+            <a:avLst/>
+          </a:prstGeom>
+          <a:ln w="63500">
+            <a:solidFill>
+              <a:schemeClr val="tx1"/>
+            </a:solidFill>
+          </a:ln>
+        </p:spPr>
+        <p:style>
+          <a:lnRef idx="1">
+            <a:schemeClr val="accent1"/>
+          </a:lnRef>
+          <a:fillRef idx="0">
+            <a:schemeClr val="accent1"/>
+          </a:fillRef>
+          <a:effectRef idx="0">
+            <a:schemeClr val="accent1"/>
+          </a:effectRef>
+          <a:fontRef idx="minor">
+            <a:schemeClr val="tx1"/>
+          </a:fontRef>
+        </p:style>
+      </p:cxnSp>
+      <p:sp>
+        <p:nvSpPr>
+          <p:cNvPr id="43" name="Oval 42"/>
+          <p:cNvSpPr/>
+          <p:nvPr/>
+        </p:nvSpPr>
+        <p:spPr>
+          <a:xfrm>
+            <a:off x="1708848" y="2718834"/>
+            <a:ext cx="276063" cy="276063"/>
+          </a:xfrm>
+          <a:prstGeom prst="ellipse">
+            <a:avLst/>
+          </a:prstGeom>
+        </p:spPr>
+        <p:style>
+          <a:lnRef idx="2">
+            <a:schemeClr val="accent1">
+              <a:shade val="50000"/>
+            </a:schemeClr>
+          </a:lnRef>
+          <a:fillRef idx="1">
+            <a:schemeClr val="accent1"/>
+          </a:fillRef>
+          <a:effectRef idx="0">
+            <a:schemeClr val="accent1"/>
+          </a:effectRef>
+          <a:fontRef idx="minor">
+            <a:schemeClr val="lt1"/>
+          </a:fontRef>
+        </p:style>
+        <p:txBody>
+          <a:bodyPr rot="0" spcFirstLastPara="0" vertOverflow="overflow" horzOverflow="overflow" vert="horz" wrap="square" lIns="91440" tIns="45720" rIns="91440" bIns="45720" numCol="1" spcCol="0" rtlCol="0" fromWordArt="0" anchor="ctr" anchorCtr="0" forceAA="0" compatLnSpc="1">
+            <a:prstTxWarp prst="textNoShape">
+              <a:avLst/>
+            </a:prstTxWarp>
+            <a:noAutofit/>
+          </a:bodyPr>
+          <a:lstStyle/>
+          <a:p>
+            <a:pPr algn="ctr"/>
+            <a:r>
+              <a:rPr lang="en-US" dirty="0"/>
+              <a:t>A</a:t>
+            </a:r>
+          </a:p>
+        </p:txBody>
+      </p:sp>
+      <p:sp>
+        <p:nvSpPr>
+          <p:cNvPr id="58" name="Arc 57"/>
+          <p:cNvSpPr/>
+          <p:nvPr/>
+        </p:nvSpPr>
+        <p:spPr>
+          <a:xfrm>
+            <a:off x="1851840" y="2261984"/>
+            <a:ext cx="1355250" cy="602321"/>
+          </a:xfrm>
+          <a:prstGeom prst="arc">
+            <a:avLst>
+              <a:gd name="adj1" fmla="val 10794464"/>
+              <a:gd name="adj2" fmla="val 0"/>
+            </a:avLst>
+          </a:prstGeom>
+          <a:ln w="25400" cap="sq">
+            <a:solidFill>
+              <a:schemeClr val="bg1">
+                <a:lumMod val="50000"/>
+              </a:schemeClr>
+            </a:solidFill>
+            <a:tailEnd type="triangle"/>
+          </a:ln>
+        </p:spPr>
+        <p:style>
+          <a:lnRef idx="1">
+            <a:schemeClr val="accent1"/>
+          </a:lnRef>
+          <a:fillRef idx="0">
+            <a:schemeClr val="accent1"/>
+          </a:fillRef>
+          <a:effectRef idx="0">
+            <a:schemeClr val="accent1"/>
+          </a:effectRef>
+          <a:fontRef idx="minor">
+            <a:schemeClr val="tx1"/>
+          </a:fontRef>
+        </p:style>
+        <p:txBody>
+          <a:bodyPr rot="0" spcFirstLastPara="0" vertOverflow="overflow" horzOverflow="overflow" vert="horz" wrap="square" lIns="91440" tIns="45720" rIns="91440" bIns="45720" numCol="1" spcCol="0" rtlCol="0" fromWordArt="0" anchor="ctr" anchorCtr="0" forceAA="0" compatLnSpc="1">
+            <a:prstTxWarp prst="textNoShape">
+              <a:avLst/>
+            </a:prstTxWarp>
+            <a:noAutofit/>
+          </a:bodyPr>
+          <a:lstStyle/>
+          <a:p>
+            <a:pPr algn="ctr"/>
+            <a:endParaRPr lang="en-US"/>
+          </a:p>
+        </p:txBody>
+      </p:sp>
+      <p:sp>
+        <p:nvSpPr>
+          <p:cNvPr id="70" name="TextBox 69"/>
+          <p:cNvSpPr txBox="1"/>
+          <p:nvPr/>
+        </p:nvSpPr>
+        <p:spPr>
+          <a:xfrm>
+            <a:off x="3500792" y="2523727"/>
+            <a:ext cx="458780" cy="369332"/>
+          </a:xfrm>
+          <a:prstGeom prst="rect">
+            <a:avLst/>
+          </a:prstGeom>
+          <a:noFill/>
+        </p:spPr>
+        <p:txBody>
+          <a:bodyPr wrap="none" rtlCol="0">
+            <a:spAutoFit/>
+          </a:bodyPr>
+          <a:lstStyle/>
+          <a:p>
+            <a:r>
+              <a:rPr lang="en-US" dirty="0" smtClean="0"/>
+              <a:t>On</a:t>
+            </a:r>
+            <a:endParaRPr lang="en-US" dirty="0"/>
+          </a:p>
+        </p:txBody>
+      </p:sp>
+      <p:cxnSp>
+        <p:nvCxnSpPr>
+          <p:cNvPr id="82" name="Straight Connector 81"/>
+          <p:cNvCxnSpPr/>
+          <p:nvPr/>
+        </p:nvCxnSpPr>
+        <p:spPr>
+          <a:xfrm flipV="1">
+            <a:off x="279830" y="5447729"/>
+            <a:ext cx="1715445" cy="6884"/>
+          </a:xfrm>
+          <a:prstGeom prst="line">
+            <a:avLst/>
+          </a:prstGeom>
+          <a:ln w="63500">
+            <a:solidFill>
+              <a:schemeClr val="tx1"/>
+            </a:solidFill>
+          </a:ln>
+        </p:spPr>
+        <p:style>
+          <a:lnRef idx="1">
+            <a:schemeClr val="accent1"/>
+          </a:lnRef>
+          <a:fillRef idx="0">
+            <a:schemeClr val="accent1"/>
+          </a:fillRef>
+          <a:effectRef idx="0">
+            <a:schemeClr val="accent1"/>
+          </a:effectRef>
+          <a:fontRef idx="minor">
+            <a:schemeClr val="tx1"/>
+          </a:fontRef>
+        </p:style>
+      </p:cxnSp>
+      <p:cxnSp>
+        <p:nvCxnSpPr>
+          <p:cNvPr id="83" name="Straight Connector 82"/>
+          <p:cNvCxnSpPr/>
+          <p:nvPr/>
+        </p:nvCxnSpPr>
+        <p:spPr>
+          <a:xfrm>
+            <a:off x="2660264" y="5161128"/>
+            <a:ext cx="0" cy="308542"/>
+          </a:xfrm>
+          <a:prstGeom prst="line">
+            <a:avLst/>
+          </a:prstGeom>
+          <a:ln w="63500">
+            <a:solidFill>
+              <a:schemeClr val="tx1"/>
+            </a:solidFill>
+          </a:ln>
+        </p:spPr>
+        <p:style>
+          <a:lnRef idx="1">
+            <a:schemeClr val="accent1"/>
+          </a:lnRef>
+          <a:fillRef idx="0">
+            <a:schemeClr val="accent1"/>
+          </a:fillRef>
+          <a:effectRef idx="0">
+            <a:schemeClr val="accent1"/>
+          </a:effectRef>
+          <a:fontRef idx="minor">
+            <a:schemeClr val="tx1"/>
+          </a:fontRef>
+        </p:style>
+      </p:cxnSp>
+      <p:cxnSp>
+        <p:nvCxnSpPr>
+          <p:cNvPr id="84" name="Straight Arrow Connector 83"/>
+          <p:cNvCxnSpPr/>
+          <p:nvPr/>
+        </p:nvCxnSpPr>
+        <p:spPr>
+          <a:xfrm>
+            <a:off x="2645306" y="5184059"/>
+            <a:ext cx="308542" cy="0"/>
+          </a:xfrm>
+          <a:prstGeom prst="straightConnector1">
+            <a:avLst/>
+          </a:prstGeom>
+          <a:ln w="63500">
+            <a:solidFill>
+              <a:schemeClr val="tx1"/>
+            </a:solidFill>
+            <a:tailEnd type="triangle"/>
+          </a:ln>
+        </p:spPr>
+        <p:style>
+          <a:lnRef idx="1">
+            <a:schemeClr val="accent1"/>
+          </a:lnRef>
+          <a:fillRef idx="0">
+            <a:schemeClr val="accent1"/>
+          </a:fillRef>
+          <a:effectRef idx="0">
+            <a:schemeClr val="accent1"/>
+          </a:effectRef>
+          <a:fontRef idx="minor">
+            <a:schemeClr val="tx1"/>
+          </a:fontRef>
+        </p:style>
+      </p:cxnSp>
+      <p:cxnSp>
+        <p:nvCxnSpPr>
+          <p:cNvPr id="85" name="Straight Connector 84"/>
+          <p:cNvCxnSpPr/>
+          <p:nvPr/>
+        </p:nvCxnSpPr>
+        <p:spPr>
+          <a:xfrm>
+            <a:off x="2236205" y="5454613"/>
+            <a:ext cx="1173229" cy="0"/>
+          </a:xfrm>
+          <a:prstGeom prst="line">
+            <a:avLst/>
+          </a:prstGeom>
+          <a:ln w="63500">
+            <a:solidFill>
+              <a:schemeClr val="tx1"/>
+            </a:solidFill>
+          </a:ln>
+        </p:spPr>
+        <p:style>
+          <a:lnRef idx="1">
+            <a:schemeClr val="accent1"/>
+          </a:lnRef>
+          <a:fillRef idx="0">
+            <a:schemeClr val="accent1"/>
+          </a:fillRef>
+          <a:effectRef idx="0">
+            <a:schemeClr val="accent1"/>
+          </a:effectRef>
+          <a:fontRef idx="minor">
+            <a:schemeClr val="tx1"/>
+          </a:fontRef>
+        </p:style>
+      </p:cxnSp>
+      <p:sp>
+        <p:nvSpPr>
+          <p:cNvPr id="86" name="Rectangle 85"/>
+          <p:cNvSpPr/>
+          <p:nvPr/>
+        </p:nvSpPr>
+        <p:spPr>
+          <a:xfrm>
+            <a:off x="850835" y="5391163"/>
+            <a:ext cx="567997" cy="85877"/>
+          </a:xfrm>
+          <a:prstGeom prst="rect">
+            <a:avLst/>
+          </a:prstGeom>
+          <a:solidFill>
+            <a:schemeClr val="accent2">
+              <a:lumMod val="75000"/>
+            </a:schemeClr>
+          </a:solidFill>
+          <a:ln>
+            <a:noFill/>
+          </a:ln>
+        </p:spPr>
+        <p:style>
+          <a:lnRef idx="2">
+            <a:schemeClr val="accent1">
+              <a:shade val="50000"/>
+            </a:schemeClr>
+          </a:lnRef>
+          <a:fillRef idx="1">
+            <a:schemeClr val="accent1"/>
+          </a:fillRef>
+          <a:effectRef idx="0">
+            <a:schemeClr val="accent1"/>
+          </a:effectRef>
+          <a:fontRef idx="minor">
+            <a:schemeClr val="lt1"/>
+          </a:fontRef>
+        </p:style>
+        <p:txBody>
+          <a:bodyPr rot="0" spcFirstLastPara="0" vertOverflow="overflow" horzOverflow="overflow" vert="horz" wrap="square" lIns="91440" tIns="45720" rIns="91440" bIns="45720" numCol="1" spcCol="0" rtlCol="0" fromWordArt="0" anchor="ctr" anchorCtr="0" forceAA="0" compatLnSpc="1">
+            <a:prstTxWarp prst="textNoShape">
+              <a:avLst/>
+            </a:prstTxWarp>
+            <a:noAutofit/>
+          </a:bodyPr>
+          <a:lstStyle/>
+          <a:p>
+            <a:pPr algn="ctr"/>
+            <a:endParaRPr lang="en-US"/>
+          </a:p>
+        </p:txBody>
+      </p:sp>
+      <p:cxnSp>
+        <p:nvCxnSpPr>
+          <p:cNvPr id="88" name="Straight Connector 87"/>
+          <p:cNvCxnSpPr/>
+          <p:nvPr/>
+        </p:nvCxnSpPr>
+        <p:spPr>
+          <a:xfrm flipH="1">
+            <a:off x="2133881" y="5366957"/>
+            <a:ext cx="200310" cy="161540"/>
+          </a:xfrm>
+          <a:prstGeom prst="line">
+            <a:avLst/>
+          </a:prstGeom>
+          <a:ln w="63500">
+            <a:solidFill>
+              <a:schemeClr val="tx1"/>
+            </a:solidFill>
+          </a:ln>
+        </p:spPr>
+        <p:style>
+          <a:lnRef idx="1">
+            <a:schemeClr val="accent1"/>
+          </a:lnRef>
+          <a:fillRef idx="0">
+            <a:schemeClr val="accent1"/>
+          </a:fillRef>
+          <a:effectRef idx="0">
+            <a:schemeClr val="accent1"/>
+          </a:effectRef>
+          <a:fontRef idx="minor">
+            <a:schemeClr val="tx1"/>
+          </a:fontRef>
+        </p:style>
+      </p:cxnSp>
+      <p:cxnSp>
+        <p:nvCxnSpPr>
+          <p:cNvPr id="89" name="Straight Connector 88"/>
+          <p:cNvCxnSpPr/>
+          <p:nvPr/>
+        </p:nvCxnSpPr>
+        <p:spPr>
+          <a:xfrm flipH="1">
+            <a:off x="1894774" y="5366957"/>
+            <a:ext cx="200310" cy="161540"/>
+          </a:xfrm>
+          <a:prstGeom prst="line">
+            <a:avLst/>
+          </a:prstGeom>
+          <a:ln w="63500">
+            <a:solidFill>
+              <a:schemeClr val="tx1"/>
+            </a:solidFill>
+          </a:ln>
+        </p:spPr>
+        <p:style>
+          <a:lnRef idx="1">
+            <a:schemeClr val="accent1"/>
+          </a:lnRef>
+          <a:fillRef idx="0">
+            <a:schemeClr val="accent1"/>
+          </a:fillRef>
+          <a:effectRef idx="0">
+            <a:schemeClr val="accent1"/>
+          </a:effectRef>
+          <a:fontRef idx="minor">
+            <a:schemeClr val="tx1"/>
+          </a:fontRef>
+        </p:style>
+      </p:cxnSp>
+      <p:cxnSp>
+        <p:nvCxnSpPr>
+          <p:cNvPr id="41" name="Straight Connector 40"/>
+          <p:cNvCxnSpPr/>
+          <p:nvPr/>
+        </p:nvCxnSpPr>
+        <p:spPr>
+          <a:xfrm>
+            <a:off x="4746941" y="2990789"/>
+            <a:ext cx="2278780" cy="1"/>
+          </a:xfrm>
+          <a:prstGeom prst="line">
+            <a:avLst/>
+          </a:prstGeom>
+          <a:ln w="63500">
+            <a:solidFill>
+              <a:schemeClr val="tx1"/>
+            </a:solidFill>
+          </a:ln>
+        </p:spPr>
+        <p:style>
+          <a:lnRef idx="1">
+            <a:schemeClr val="accent1"/>
+          </a:lnRef>
+          <a:fillRef idx="0">
+            <a:schemeClr val="accent1"/>
+          </a:fillRef>
+          <a:effectRef idx="0">
+            <a:schemeClr val="accent1"/>
+          </a:effectRef>
+          <a:fontRef idx="minor">
+            <a:schemeClr val="tx1"/>
+          </a:fontRef>
+        </p:style>
+      </p:cxnSp>
+      <p:cxnSp>
+        <p:nvCxnSpPr>
+          <p:cNvPr id="42" name="Straight Connector 41"/>
+          <p:cNvCxnSpPr/>
+          <p:nvPr/>
+        </p:nvCxnSpPr>
+        <p:spPr>
+          <a:xfrm>
+            <a:off x="7690710" y="2704189"/>
+            <a:ext cx="0" cy="308542"/>
+          </a:xfrm>
+          <a:prstGeom prst="line">
+            <a:avLst/>
+          </a:prstGeom>
+          <a:ln w="63500">
+            <a:solidFill>
+              <a:schemeClr val="tx1"/>
+            </a:solidFill>
+          </a:ln>
+        </p:spPr>
+        <p:style>
+          <a:lnRef idx="1">
+            <a:schemeClr val="accent1"/>
+          </a:lnRef>
+          <a:fillRef idx="0">
+            <a:schemeClr val="accent1"/>
+          </a:fillRef>
+          <a:effectRef idx="0">
+            <a:schemeClr val="accent1"/>
+          </a:effectRef>
+          <a:fontRef idx="minor">
+            <a:schemeClr val="tx1"/>
+          </a:fontRef>
+        </p:style>
+      </p:cxnSp>
+      <p:cxnSp>
+        <p:nvCxnSpPr>
+          <p:cNvPr id="44" name="Straight Arrow Connector 43"/>
+          <p:cNvCxnSpPr/>
+          <p:nvPr/>
+        </p:nvCxnSpPr>
+        <p:spPr>
+          <a:xfrm>
+            <a:off x="7675752" y="2727120"/>
+            <a:ext cx="308542" cy="0"/>
+          </a:xfrm>
+          <a:prstGeom prst="straightConnector1">
+            <a:avLst/>
+          </a:prstGeom>
+          <a:ln w="63500">
+            <a:solidFill>
+              <a:schemeClr val="tx1"/>
+            </a:solidFill>
+            <a:tailEnd type="triangle"/>
+          </a:ln>
+        </p:spPr>
+        <p:style>
+          <a:lnRef idx="1">
+            <a:schemeClr val="accent1"/>
+          </a:lnRef>
+          <a:fillRef idx="0">
+            <a:schemeClr val="accent1"/>
+          </a:fillRef>
+          <a:effectRef idx="0">
+            <a:schemeClr val="accent1"/>
+          </a:effectRef>
+          <a:fontRef idx="minor">
+            <a:schemeClr val="tx1"/>
+          </a:fontRef>
+        </p:style>
+      </p:cxnSp>
+      <p:cxnSp>
+        <p:nvCxnSpPr>
+          <p:cNvPr id="45" name="Straight Connector 44"/>
+          <p:cNvCxnSpPr/>
+          <p:nvPr/>
+        </p:nvCxnSpPr>
+        <p:spPr>
+          <a:xfrm>
+            <a:off x="7266651" y="2997674"/>
+            <a:ext cx="1173229" cy="0"/>
+          </a:xfrm>
+          <a:prstGeom prst="line">
+            <a:avLst/>
+          </a:prstGeom>
+          <a:ln w="63500">
+            <a:solidFill>
+              <a:schemeClr val="tx1"/>
+            </a:solidFill>
+          </a:ln>
+        </p:spPr>
+        <p:style>
+          <a:lnRef idx="1">
+            <a:schemeClr val="accent1"/>
+          </a:lnRef>
+          <a:fillRef idx="0">
+            <a:schemeClr val="accent1"/>
+          </a:fillRef>
+          <a:effectRef idx="0">
+            <a:schemeClr val="accent1"/>
+          </a:effectRef>
+          <a:fontRef idx="minor">
+            <a:schemeClr val="tx1"/>
+          </a:fontRef>
+        </p:style>
+      </p:cxnSp>
+      <p:sp>
+        <p:nvSpPr>
+          <p:cNvPr id="46" name="Rectangle 45"/>
+          <p:cNvSpPr/>
+          <p:nvPr/>
+        </p:nvSpPr>
+        <p:spPr>
+          <a:xfrm>
+            <a:off x="6026005" y="2947850"/>
+            <a:ext cx="567997" cy="85877"/>
+          </a:xfrm>
+          <a:prstGeom prst="rect">
+            <a:avLst/>
+          </a:prstGeom>
+          <a:solidFill>
+            <a:schemeClr val="accent2">
+              <a:lumMod val="75000"/>
+            </a:schemeClr>
+          </a:solidFill>
+          <a:ln>
+            <a:noFill/>
+          </a:ln>
+        </p:spPr>
+        <p:style>
+          <a:lnRef idx="2">
+            <a:schemeClr val="accent1">
+              <a:shade val="50000"/>
+            </a:schemeClr>
+          </a:lnRef>
+          <a:fillRef idx="1">
+            <a:schemeClr val="accent1"/>
+          </a:fillRef>
+          <a:effectRef idx="0">
+            <a:schemeClr val="accent1"/>
+          </a:effectRef>
+          <a:fontRef idx="minor">
+            <a:schemeClr val="lt1"/>
+          </a:fontRef>
+        </p:style>
+        <p:txBody>
+          <a:bodyPr rot="0" spcFirstLastPara="0" vertOverflow="overflow" horzOverflow="overflow" vert="horz" wrap="square" lIns="91440" tIns="45720" rIns="91440" bIns="45720" numCol="1" spcCol="0" rtlCol="0" fromWordArt="0" anchor="ctr" anchorCtr="0" forceAA="0" compatLnSpc="1">
+            <a:prstTxWarp prst="textNoShape">
+              <a:avLst/>
+            </a:prstTxWarp>
+            <a:noAutofit/>
+          </a:bodyPr>
+          <a:lstStyle/>
+          <a:p>
+            <a:pPr algn="ctr"/>
+            <a:endParaRPr lang="en-US"/>
+          </a:p>
+        </p:txBody>
+      </p:sp>
+      <p:sp>
+        <p:nvSpPr>
+          <p:cNvPr id="47" name="Rectangle 46"/>
+          <p:cNvSpPr/>
+          <p:nvPr/>
+        </p:nvSpPr>
+        <p:spPr>
+          <a:xfrm flipV="1">
+            <a:off x="5102475" y="2947850"/>
+            <a:ext cx="567997" cy="85877"/>
+          </a:xfrm>
+          <a:prstGeom prst="rect">
+            <a:avLst/>
+          </a:prstGeom>
+          <a:solidFill>
+            <a:schemeClr val="accent2">
+              <a:lumMod val="75000"/>
+            </a:schemeClr>
+          </a:solidFill>
+          <a:ln>
+            <a:noFill/>
+          </a:ln>
+        </p:spPr>
+        <p:style>
+          <a:lnRef idx="2">
+            <a:schemeClr val="accent1">
+              <a:shade val="50000"/>
+            </a:schemeClr>
+          </a:lnRef>
+          <a:fillRef idx="1">
+            <a:schemeClr val="accent1"/>
+          </a:fillRef>
+          <a:effectRef idx="0">
+            <a:schemeClr val="accent1"/>
+          </a:effectRef>
+          <a:fontRef idx="minor">
+            <a:schemeClr val="lt1"/>
+          </a:fontRef>
+        </p:style>
+        <p:txBody>
+          <a:bodyPr rot="0" spcFirstLastPara="0" vertOverflow="overflow" horzOverflow="overflow" vert="horz" wrap="square" lIns="91440" tIns="45720" rIns="91440" bIns="45720" numCol="1" spcCol="0" rtlCol="0" fromWordArt="0" anchor="ctr" anchorCtr="0" forceAA="0" compatLnSpc="1">
+            <a:prstTxWarp prst="textNoShape">
+              <a:avLst/>
+            </a:prstTxWarp>
+            <a:noAutofit/>
+          </a:bodyPr>
+          <a:lstStyle/>
+          <a:p>
+            <a:pPr algn="ctr"/>
+            <a:endParaRPr lang="en-US"/>
+          </a:p>
+        </p:txBody>
+      </p:sp>
+      <p:cxnSp>
+        <p:nvCxnSpPr>
+          <p:cNvPr id="48" name="Straight Connector 47"/>
+          <p:cNvCxnSpPr/>
+          <p:nvPr/>
+        </p:nvCxnSpPr>
+        <p:spPr>
+          <a:xfrm flipH="1">
+            <a:off x="7164327" y="2910018"/>
+            <a:ext cx="200310" cy="161540"/>
+          </a:xfrm>
+          <a:prstGeom prst="line">
+            <a:avLst/>
+          </a:prstGeom>
+          <a:ln w="63500">
+            <a:solidFill>
+              <a:schemeClr val="tx1"/>
+            </a:solidFill>
+          </a:ln>
+        </p:spPr>
+        <p:style>
+          <a:lnRef idx="1">
+            <a:schemeClr val="accent1"/>
+          </a:lnRef>
+          <a:fillRef idx="0">
+            <a:schemeClr val="accent1"/>
+          </a:fillRef>
+          <a:effectRef idx="0">
+            <a:schemeClr val="accent1"/>
+          </a:effectRef>
+          <a:fontRef idx="minor">
+            <a:schemeClr val="tx1"/>
+          </a:fontRef>
+        </p:style>
+      </p:cxnSp>
+      <p:cxnSp>
+        <p:nvCxnSpPr>
+          <p:cNvPr id="49" name="Straight Connector 48"/>
+          <p:cNvCxnSpPr/>
+          <p:nvPr/>
+        </p:nvCxnSpPr>
+        <p:spPr>
+          <a:xfrm flipH="1">
+            <a:off x="6925220" y="2910018"/>
+            <a:ext cx="200310" cy="161540"/>
+          </a:xfrm>
+          <a:prstGeom prst="line">
+            <a:avLst/>
+          </a:prstGeom>
+          <a:ln w="63500">
+            <a:solidFill>
+              <a:schemeClr val="tx1"/>
+            </a:solidFill>
+          </a:ln>
+        </p:spPr>
+        <p:style>
+          <a:lnRef idx="1">
+            <a:schemeClr val="accent1"/>
+          </a:lnRef>
+          <a:fillRef idx="0">
+            <a:schemeClr val="accent1"/>
+          </a:fillRef>
+          <a:effectRef idx="0">
+            <a:schemeClr val="accent1"/>
+          </a:effectRef>
+          <a:fontRef idx="minor">
+            <a:schemeClr val="tx1"/>
+          </a:fontRef>
+        </p:style>
+      </p:cxnSp>
+      <p:sp>
+        <p:nvSpPr>
+          <p:cNvPr id="50" name="Oval 49"/>
+          <p:cNvSpPr/>
+          <p:nvPr/>
+        </p:nvSpPr>
+        <p:spPr>
+          <a:xfrm>
+            <a:off x="6171972" y="2721610"/>
+            <a:ext cx="276063" cy="276063"/>
+          </a:xfrm>
+          <a:prstGeom prst="ellipse">
+            <a:avLst/>
+          </a:prstGeom>
+        </p:spPr>
+        <p:style>
+          <a:lnRef idx="2">
+            <a:schemeClr val="accent1">
+              <a:shade val="50000"/>
+            </a:schemeClr>
+          </a:lnRef>
+          <a:fillRef idx="1">
+            <a:schemeClr val="accent1"/>
+          </a:fillRef>
+          <a:effectRef idx="0">
+            <a:schemeClr val="accent1"/>
+          </a:effectRef>
+          <a:fontRef idx="minor">
+            <a:schemeClr val="lt1"/>
+          </a:fontRef>
+        </p:style>
+        <p:txBody>
+          <a:bodyPr rot="0" spcFirstLastPara="0" vertOverflow="overflow" horzOverflow="overflow" vert="horz" wrap="square" lIns="91440" tIns="45720" rIns="91440" bIns="45720" numCol="1" spcCol="0" rtlCol="0" fromWordArt="0" anchor="ctr" anchorCtr="0" forceAA="0" compatLnSpc="1">
+            <a:prstTxWarp prst="textNoShape">
+              <a:avLst/>
+            </a:prstTxWarp>
+            <a:noAutofit/>
+          </a:bodyPr>
+          <a:lstStyle/>
+          <a:p>
+            <a:pPr algn="ctr"/>
+            <a:r>
+              <a:rPr lang="en-US" dirty="0"/>
+              <a:t>A</a:t>
+            </a:r>
+          </a:p>
+        </p:txBody>
+      </p:sp>
+      <p:sp>
+        <p:nvSpPr>
+          <p:cNvPr id="51" name="Arc 50"/>
+          <p:cNvSpPr/>
+          <p:nvPr/>
+        </p:nvSpPr>
+        <p:spPr>
+          <a:xfrm>
+            <a:off x="6314964" y="2264760"/>
+            <a:ext cx="1355250" cy="602321"/>
+          </a:xfrm>
+          <a:prstGeom prst="arc">
+            <a:avLst>
+              <a:gd name="adj1" fmla="val 10794464"/>
+              <a:gd name="adj2" fmla="val 0"/>
+            </a:avLst>
+          </a:prstGeom>
+          <a:ln w="25400" cap="sq">
+            <a:solidFill>
+              <a:schemeClr val="bg1">
+                <a:lumMod val="50000"/>
+              </a:schemeClr>
+            </a:solidFill>
+            <a:tailEnd type="triangle"/>
+          </a:ln>
+        </p:spPr>
+        <p:style>
+          <a:lnRef idx="1">
+            <a:schemeClr val="accent1"/>
+          </a:lnRef>
+          <a:fillRef idx="0">
+            <a:schemeClr val="accent1"/>
+          </a:fillRef>
+          <a:effectRef idx="0">
+            <a:schemeClr val="accent1"/>
+          </a:effectRef>
+          <a:fontRef idx="minor">
+            <a:schemeClr val="tx1"/>
+          </a:fontRef>
+        </p:style>
+        <p:txBody>
+          <a:bodyPr rot="0" spcFirstLastPara="0" vertOverflow="overflow" horzOverflow="overflow" vert="horz" wrap="square" lIns="91440" tIns="45720" rIns="91440" bIns="45720" numCol="1" spcCol="0" rtlCol="0" fromWordArt="0" anchor="ctr" anchorCtr="0" forceAA="0" compatLnSpc="1">
+            <a:prstTxWarp prst="textNoShape">
+              <a:avLst/>
+            </a:prstTxWarp>
+            <a:noAutofit/>
+          </a:bodyPr>
+          <a:lstStyle/>
+          <a:p>
+            <a:pPr algn="ctr"/>
+            <a:endParaRPr lang="en-US"/>
+          </a:p>
+        </p:txBody>
+      </p:sp>
+      <p:sp>
+        <p:nvSpPr>
+          <p:cNvPr id="52" name="Oval 51"/>
+          <p:cNvSpPr/>
+          <p:nvPr/>
+        </p:nvSpPr>
+        <p:spPr>
+          <a:xfrm>
+            <a:off x="5248441" y="2721610"/>
+            <a:ext cx="276063" cy="276063"/>
+          </a:xfrm>
+          <a:prstGeom prst="ellipse">
+            <a:avLst/>
+          </a:prstGeom>
+        </p:spPr>
+        <p:style>
+          <a:lnRef idx="2">
+            <a:schemeClr val="accent1">
+              <a:shade val="50000"/>
+            </a:schemeClr>
+          </a:lnRef>
+          <a:fillRef idx="1">
+            <a:schemeClr val="accent1"/>
+          </a:fillRef>
+          <a:effectRef idx="0">
+            <a:schemeClr val="accent1"/>
+          </a:effectRef>
+          <a:fontRef idx="minor">
+            <a:schemeClr val="lt1"/>
+          </a:fontRef>
+        </p:style>
+        <p:txBody>
+          <a:bodyPr rot="0" spcFirstLastPara="0" vertOverflow="overflow" horzOverflow="overflow" vert="horz" wrap="square" lIns="91440" tIns="45720" rIns="91440" bIns="45720" numCol="1" spcCol="0" rtlCol="0" fromWordArt="0" anchor="ctr" anchorCtr="0" forceAA="0" compatLnSpc="1">
+            <a:prstTxWarp prst="textNoShape">
+              <a:avLst/>
+            </a:prstTxWarp>
+            <a:noAutofit/>
+          </a:bodyPr>
+          <a:lstStyle/>
+          <a:p>
+            <a:pPr algn="ctr"/>
+            <a:r>
+              <a:rPr lang="en-US" dirty="0" smtClean="0"/>
+              <a:t>R</a:t>
+            </a:r>
+            <a:endParaRPr lang="en-US" dirty="0"/>
+          </a:p>
+        </p:txBody>
+      </p:sp>
+      <p:sp>
+        <p:nvSpPr>
+          <p:cNvPr id="53" name="Oval 52"/>
+          <p:cNvSpPr/>
+          <p:nvPr/>
+        </p:nvSpPr>
+        <p:spPr>
+          <a:xfrm>
+            <a:off x="4949793" y="2415148"/>
+            <a:ext cx="923531" cy="340822"/>
+          </a:xfrm>
+          <a:prstGeom prst="ellipse">
+            <a:avLst/>
+          </a:prstGeom>
+        </p:spPr>
+        <p:style>
+          <a:lnRef idx="2">
+            <a:schemeClr val="accent1">
+              <a:shade val="50000"/>
+            </a:schemeClr>
+          </a:lnRef>
+          <a:fillRef idx="1">
+            <a:schemeClr val="accent1"/>
+          </a:fillRef>
+          <a:effectRef idx="0">
+            <a:schemeClr val="accent1"/>
+          </a:effectRef>
+          <a:fontRef idx="minor">
+            <a:schemeClr val="lt1"/>
+          </a:fontRef>
+        </p:style>
+        <p:txBody>
+          <a:bodyPr rtlCol="0" anchor="ctr"/>
+          <a:lstStyle/>
+          <a:p>
+            <a:pPr algn="ctr"/>
+            <a:r>
+              <a:rPr lang="en-US" dirty="0" smtClean="0"/>
+              <a:t>Co-R</a:t>
+            </a:r>
+            <a:endParaRPr lang="en-US" dirty="0"/>
+          </a:p>
+        </p:txBody>
+      </p:sp>
+      <p:sp>
+        <p:nvSpPr>
+          <p:cNvPr id="54" name="TextBox 53"/>
+          <p:cNvSpPr txBox="1"/>
+          <p:nvPr/>
+        </p:nvSpPr>
+        <p:spPr>
+          <a:xfrm>
+            <a:off x="7963916" y="2526503"/>
+            <a:ext cx="458780" cy="369332"/>
+          </a:xfrm>
+          <a:prstGeom prst="rect">
+            <a:avLst/>
+          </a:prstGeom>
+          <a:noFill/>
+        </p:spPr>
+        <p:txBody>
+          <a:bodyPr wrap="none" rtlCol="0">
+            <a:spAutoFit/>
+          </a:bodyPr>
+          <a:lstStyle/>
+          <a:p>
+            <a:r>
+              <a:rPr lang="en-US" dirty="0" smtClean="0"/>
+              <a:t>On</a:t>
+            </a:r>
+            <a:endParaRPr lang="en-US" dirty="0"/>
+          </a:p>
+        </p:txBody>
+      </p:sp>
+      <p:sp>
+        <p:nvSpPr>
+          <p:cNvPr id="55" name="TextBox 54"/>
+          <p:cNvSpPr txBox="1"/>
+          <p:nvPr/>
+        </p:nvSpPr>
+        <p:spPr>
+          <a:xfrm>
+            <a:off x="7963916" y="2526503"/>
+            <a:ext cx="475964" cy="369332"/>
+          </a:xfrm>
+          <a:prstGeom prst="rect">
+            <a:avLst/>
+          </a:prstGeom>
+          <a:noFill/>
+        </p:spPr>
+        <p:txBody>
+          <a:bodyPr wrap="none" rtlCol="0">
+            <a:spAutoFit/>
+          </a:bodyPr>
+          <a:lstStyle/>
+          <a:p>
+            <a:r>
+              <a:rPr lang="en-US" smtClean="0"/>
+              <a:t>Off</a:t>
+            </a:r>
+            <a:endParaRPr lang="en-US" dirty="0"/>
+          </a:p>
+        </p:txBody>
+      </p:sp>
+      <p:grpSp>
+        <p:nvGrpSpPr>
+          <p:cNvPr id="56" name="Group 55"/>
+          <p:cNvGrpSpPr/>
+          <p:nvPr/>
+        </p:nvGrpSpPr>
+        <p:grpSpPr>
+          <a:xfrm>
+            <a:off x="5386471" y="1886713"/>
+            <a:ext cx="1772246" cy="648408"/>
+            <a:chOff x="3573230" y="3124668"/>
+            <a:chExt cx="1772246" cy="648408"/>
+          </a:xfrm>
+        </p:grpSpPr>
+        <p:sp>
+          <p:nvSpPr>
+            <p:cNvPr id="57" name="Arc 56"/>
+            <p:cNvSpPr/>
+            <p:nvPr/>
+          </p:nvSpPr>
+          <p:spPr>
+            <a:xfrm>
+              <a:off x="3573230" y="3124668"/>
+              <a:ext cx="1639249" cy="648408"/>
+            </a:xfrm>
+            <a:prstGeom prst="arc">
+              <a:avLst>
+                <a:gd name="adj1" fmla="val 10794464"/>
+                <a:gd name="adj2" fmla="val 21473582"/>
+              </a:avLst>
+            </a:prstGeom>
+            <a:ln w="25400" cap="sq">
+              <a:solidFill>
+                <a:schemeClr val="bg1">
+                  <a:lumMod val="50000"/>
+                </a:schemeClr>
+              </a:solidFill>
+              <a:tailEnd type="none"/>
+            </a:ln>
+          </p:spPr>
+          <p:style>
+            <a:lnRef idx="1">
+              <a:schemeClr val="accent1"/>
+            </a:lnRef>
+            <a:fillRef idx="0">
+              <a:schemeClr val="accent1"/>
+            </a:fillRef>
+            <a:effectRef idx="0">
+              <a:schemeClr val="accent1"/>
+            </a:effectRef>
+            <a:fontRef idx="minor">
+              <a:schemeClr val="tx1"/>
+            </a:fontRef>
+          </p:style>
+          <p:txBody>
+            <a:bodyPr rot="0" spcFirstLastPara="0" vertOverflow="overflow" horzOverflow="overflow" vert="horz" wrap="square" lIns="91440" tIns="45720" rIns="91440" bIns="45720" numCol="1" spcCol="0" rtlCol="0" fromWordArt="0" anchor="ctr" anchorCtr="0" forceAA="0" compatLnSpc="1">
+              <a:prstTxWarp prst="textNoShape">
+                <a:avLst/>
+              </a:prstTxWarp>
+              <a:noAutofit/>
+            </a:bodyPr>
+            <a:lstStyle/>
+            <a:p>
+              <a:pPr algn="ctr"/>
+              <a:endParaRPr lang="en-US"/>
+            </a:p>
+          </p:txBody>
+        </p:sp>
+        <p:cxnSp>
+          <p:nvCxnSpPr>
+            <p:cNvPr id="59" name="Straight Connector 58"/>
+            <p:cNvCxnSpPr/>
+            <p:nvPr/>
+          </p:nvCxnSpPr>
+          <p:spPr>
+            <a:xfrm>
+              <a:off x="5076205" y="3427597"/>
+              <a:ext cx="269271" cy="0"/>
+            </a:xfrm>
+            <a:prstGeom prst="line">
+              <a:avLst/>
+            </a:prstGeom>
+            <a:ln w="25400">
+              <a:solidFill>
+                <a:schemeClr val="bg1">
+                  <a:lumMod val="50000"/>
+                </a:schemeClr>
+              </a:solidFill>
+            </a:ln>
+          </p:spPr>
+          <p:style>
+            <a:lnRef idx="1">
+              <a:schemeClr val="accent1"/>
+            </a:lnRef>
+            <a:fillRef idx="0">
+              <a:schemeClr val="accent1"/>
+            </a:fillRef>
+            <a:effectRef idx="0">
+              <a:schemeClr val="accent1"/>
+            </a:effectRef>
+            <a:fontRef idx="minor">
+              <a:schemeClr val="tx1"/>
+            </a:fontRef>
+          </p:style>
+        </p:cxnSp>
+      </p:grpSp>
+      <p:sp>
+        <p:nvSpPr>
+          <p:cNvPr id="60" name="Oval 59"/>
+          <p:cNvSpPr/>
+          <p:nvPr/>
+        </p:nvSpPr>
+        <p:spPr>
+          <a:xfrm>
+            <a:off x="996801" y="5179982"/>
+            <a:ext cx="276063" cy="276063"/>
+          </a:xfrm>
+          <a:prstGeom prst="ellipse">
+            <a:avLst/>
+          </a:prstGeom>
+        </p:spPr>
+        <p:style>
+          <a:lnRef idx="2">
+            <a:schemeClr val="accent1">
+              <a:shade val="50000"/>
+            </a:schemeClr>
+          </a:lnRef>
+          <a:fillRef idx="1">
+            <a:schemeClr val="accent1"/>
+          </a:fillRef>
+          <a:effectRef idx="0">
+            <a:schemeClr val="accent1"/>
+          </a:effectRef>
+          <a:fontRef idx="minor">
+            <a:schemeClr val="lt1"/>
+          </a:fontRef>
+        </p:style>
+        <p:txBody>
+          <a:bodyPr rot="0" spcFirstLastPara="0" vertOverflow="overflow" horzOverflow="overflow" vert="horz" wrap="square" lIns="91440" tIns="45720" rIns="91440" bIns="45720" numCol="1" spcCol="0" rtlCol="0" fromWordArt="0" anchor="ctr" anchorCtr="0" forceAA="0" compatLnSpc="1">
+            <a:prstTxWarp prst="textNoShape">
+              <a:avLst/>
+            </a:prstTxWarp>
+            <a:noAutofit/>
+          </a:bodyPr>
+          <a:lstStyle/>
+          <a:p>
+            <a:pPr algn="ctr"/>
+            <a:r>
+              <a:rPr lang="en-US" dirty="0"/>
+              <a:t>F</a:t>
+            </a:r>
+          </a:p>
+        </p:txBody>
+      </p:sp>
+      <p:sp>
+        <p:nvSpPr>
+          <p:cNvPr id="6" name="Right Arrow 5"/>
+          <p:cNvSpPr/>
+          <p:nvPr/>
+        </p:nvSpPr>
+        <p:spPr>
+          <a:xfrm>
+            <a:off x="4186445" y="2377264"/>
+            <a:ext cx="414528" cy="371759"/>
+          </a:xfrm>
+          <a:prstGeom prst="rightArrow">
+            <a:avLst/>
+          </a:prstGeom>
+        </p:spPr>
+        <p:style>
+          <a:lnRef idx="2">
+            <a:schemeClr val="accent1">
+              <a:shade val="50000"/>
+            </a:schemeClr>
+          </a:lnRef>
+          <a:fillRef idx="1">
+            <a:schemeClr val="accent1"/>
+          </a:fillRef>
+          <a:effectRef idx="0">
+            <a:schemeClr val="accent1"/>
+          </a:effectRef>
+          <a:fontRef idx="minor">
+            <a:schemeClr val="lt1"/>
+          </a:fontRef>
+        </p:style>
+        <p:txBody>
+          <a:bodyPr rtlCol="0" anchor="ctr"/>
+          <a:lstStyle/>
+          <a:p>
+            <a:pPr algn="ctr"/>
+            <a:endParaRPr lang="en-US"/>
+          </a:p>
+        </p:txBody>
+      </p:sp>
+      <p:sp>
+        <p:nvSpPr>
+          <p:cNvPr id="61" name="Right Arrow 60"/>
+          <p:cNvSpPr/>
+          <p:nvPr/>
+        </p:nvSpPr>
+        <p:spPr>
+          <a:xfrm rot="19800000">
+            <a:off x="3943827" y="4550600"/>
+            <a:ext cx="414528" cy="371759"/>
+          </a:xfrm>
+          <a:prstGeom prst="rightArrow">
+            <a:avLst/>
+          </a:prstGeom>
+        </p:spPr>
+        <p:style>
+          <a:lnRef idx="2">
+            <a:schemeClr val="accent1">
+              <a:shade val="50000"/>
+            </a:schemeClr>
+          </a:lnRef>
+          <a:fillRef idx="1">
+            <a:schemeClr val="accent1"/>
+          </a:fillRef>
+          <a:effectRef idx="0">
+            <a:schemeClr val="accent1"/>
+          </a:effectRef>
+          <a:fontRef idx="minor">
+            <a:schemeClr val="lt1"/>
+          </a:fontRef>
+        </p:style>
+        <p:txBody>
+          <a:bodyPr rtlCol="0" anchor="ctr"/>
+          <a:lstStyle/>
+          <a:p>
+            <a:pPr algn="ctr"/>
+            <a:endParaRPr lang="en-US"/>
+          </a:p>
+        </p:txBody>
+      </p:sp>
+      <p:sp>
+        <p:nvSpPr>
+          <p:cNvPr id="62" name="Right Arrow 61"/>
+          <p:cNvSpPr/>
+          <p:nvPr/>
+        </p:nvSpPr>
+        <p:spPr>
+          <a:xfrm rot="1800000">
+            <a:off x="3910024" y="5761122"/>
+            <a:ext cx="414528" cy="371759"/>
+          </a:xfrm>
+          <a:prstGeom prst="rightArrow">
+            <a:avLst/>
+          </a:prstGeom>
+        </p:spPr>
+        <p:style>
+          <a:lnRef idx="2">
+            <a:schemeClr val="accent1">
+              <a:shade val="50000"/>
+            </a:schemeClr>
+          </a:lnRef>
+          <a:fillRef idx="1">
+            <a:schemeClr val="accent1"/>
+          </a:fillRef>
+          <a:effectRef idx="0">
+            <a:schemeClr val="accent1"/>
+          </a:effectRef>
+          <a:fontRef idx="minor">
+            <a:schemeClr val="lt1"/>
+          </a:fontRef>
+        </p:style>
+        <p:txBody>
+          <a:bodyPr rtlCol="0" anchor="ctr"/>
+          <a:lstStyle/>
+          <a:p>
+            <a:pPr algn="ctr"/>
+            <a:endParaRPr lang="en-US"/>
+          </a:p>
+        </p:txBody>
+      </p:sp>
+      <p:cxnSp>
+        <p:nvCxnSpPr>
+          <p:cNvPr id="63" name="Straight Connector 62"/>
+          <p:cNvCxnSpPr/>
+          <p:nvPr/>
+        </p:nvCxnSpPr>
+        <p:spPr>
+          <a:xfrm flipV="1">
+            <a:off x="4749626" y="4804494"/>
+            <a:ext cx="1715445" cy="6884"/>
+          </a:xfrm>
+          <a:prstGeom prst="line">
+            <a:avLst/>
+          </a:prstGeom>
+          <a:ln w="63500">
+            <a:solidFill>
+              <a:schemeClr val="tx1"/>
+            </a:solidFill>
+          </a:ln>
+        </p:spPr>
+        <p:style>
+          <a:lnRef idx="1">
+            <a:schemeClr val="accent1"/>
+          </a:lnRef>
+          <a:fillRef idx="0">
+            <a:schemeClr val="accent1"/>
+          </a:fillRef>
+          <a:effectRef idx="0">
+            <a:schemeClr val="accent1"/>
+          </a:effectRef>
+          <a:fontRef idx="minor">
+            <a:schemeClr val="tx1"/>
+          </a:fontRef>
+        </p:style>
+      </p:cxnSp>
+      <p:cxnSp>
+        <p:nvCxnSpPr>
+          <p:cNvPr id="64" name="Straight Connector 63"/>
+          <p:cNvCxnSpPr/>
+          <p:nvPr/>
+        </p:nvCxnSpPr>
+        <p:spPr>
+          <a:xfrm>
+            <a:off x="7130060" y="4517893"/>
+            <a:ext cx="0" cy="308542"/>
+          </a:xfrm>
+          <a:prstGeom prst="line">
+            <a:avLst/>
+          </a:prstGeom>
+          <a:ln w="63500">
+            <a:solidFill>
+              <a:schemeClr val="tx1"/>
+            </a:solidFill>
+          </a:ln>
+        </p:spPr>
+        <p:style>
+          <a:lnRef idx="1">
+            <a:schemeClr val="accent1"/>
+          </a:lnRef>
+          <a:fillRef idx="0">
+            <a:schemeClr val="accent1"/>
+          </a:fillRef>
+          <a:effectRef idx="0">
+            <a:schemeClr val="accent1"/>
+          </a:effectRef>
+          <a:fontRef idx="minor">
+            <a:schemeClr val="tx1"/>
+          </a:fontRef>
+        </p:style>
+      </p:cxnSp>
+      <p:cxnSp>
+        <p:nvCxnSpPr>
+          <p:cNvPr id="65" name="Straight Arrow Connector 64"/>
+          <p:cNvCxnSpPr/>
+          <p:nvPr/>
+        </p:nvCxnSpPr>
+        <p:spPr>
+          <a:xfrm>
+            <a:off x="7115102" y="4540824"/>
+            <a:ext cx="308542" cy="0"/>
+          </a:xfrm>
+          <a:prstGeom prst="straightConnector1">
+            <a:avLst/>
+          </a:prstGeom>
+          <a:ln w="63500">
+            <a:solidFill>
+              <a:schemeClr val="tx1"/>
+            </a:solidFill>
+            <a:tailEnd type="triangle"/>
+          </a:ln>
+        </p:spPr>
+        <p:style>
+          <a:lnRef idx="1">
+            <a:schemeClr val="accent1"/>
+          </a:lnRef>
+          <a:fillRef idx="0">
+            <a:schemeClr val="accent1"/>
+          </a:fillRef>
+          <a:effectRef idx="0">
+            <a:schemeClr val="accent1"/>
+          </a:effectRef>
+          <a:fontRef idx="minor">
+            <a:schemeClr val="tx1"/>
+          </a:fontRef>
+        </p:style>
+      </p:cxnSp>
+      <p:cxnSp>
+        <p:nvCxnSpPr>
+          <p:cNvPr id="67" name="Straight Connector 66"/>
+          <p:cNvCxnSpPr/>
+          <p:nvPr/>
+        </p:nvCxnSpPr>
+        <p:spPr>
+          <a:xfrm>
+            <a:off x="6706001" y="4811378"/>
+            <a:ext cx="1173229" cy="0"/>
+          </a:xfrm>
+          <a:prstGeom prst="line">
+            <a:avLst/>
+          </a:prstGeom>
+          <a:ln w="63500">
+            <a:solidFill>
+              <a:schemeClr val="tx1"/>
+            </a:solidFill>
+          </a:ln>
+        </p:spPr>
+        <p:style>
+          <a:lnRef idx="1">
+            <a:schemeClr val="accent1"/>
+          </a:lnRef>
+          <a:fillRef idx="0">
+            <a:schemeClr val="accent1"/>
+          </a:fillRef>
+          <a:effectRef idx="0">
+            <a:schemeClr val="accent1"/>
+          </a:effectRef>
+          <a:fontRef idx="minor">
+            <a:schemeClr val="tx1"/>
+          </a:fontRef>
+        </p:style>
+      </p:cxnSp>
+      <p:sp>
+        <p:nvSpPr>
+          <p:cNvPr id="68" name="Rectangle 67"/>
+          <p:cNvSpPr/>
+          <p:nvPr/>
+        </p:nvSpPr>
+        <p:spPr>
+          <a:xfrm>
+            <a:off x="5320631" y="4747928"/>
+            <a:ext cx="567997" cy="85877"/>
+          </a:xfrm>
+          <a:prstGeom prst="rect">
+            <a:avLst/>
+          </a:prstGeom>
+          <a:solidFill>
+            <a:schemeClr val="accent2">
+              <a:lumMod val="75000"/>
+            </a:schemeClr>
+          </a:solidFill>
+          <a:ln>
+            <a:noFill/>
+          </a:ln>
+        </p:spPr>
+        <p:style>
+          <a:lnRef idx="2">
+            <a:schemeClr val="accent1">
+              <a:shade val="50000"/>
+            </a:schemeClr>
+          </a:lnRef>
+          <a:fillRef idx="1">
+            <a:schemeClr val="accent1"/>
+          </a:fillRef>
+          <a:effectRef idx="0">
+            <a:schemeClr val="accent1"/>
+          </a:effectRef>
+          <a:fontRef idx="minor">
+            <a:schemeClr val="lt1"/>
+          </a:fontRef>
+        </p:style>
+        <p:txBody>
+          <a:bodyPr rot="0" spcFirstLastPara="0" vertOverflow="overflow" horzOverflow="overflow" vert="horz" wrap="square" lIns="91440" tIns="45720" rIns="91440" bIns="45720" numCol="1" spcCol="0" rtlCol="0" fromWordArt="0" anchor="ctr" anchorCtr="0" forceAA="0" compatLnSpc="1">
+            <a:prstTxWarp prst="textNoShape">
+              <a:avLst/>
+            </a:prstTxWarp>
+            <a:noAutofit/>
+          </a:bodyPr>
+          <a:lstStyle/>
+          <a:p>
+            <a:pPr algn="ctr"/>
+            <a:endParaRPr lang="en-US"/>
+          </a:p>
+        </p:txBody>
+      </p:sp>
+      <p:cxnSp>
+        <p:nvCxnSpPr>
+          <p:cNvPr id="72" name="Straight Connector 71"/>
+          <p:cNvCxnSpPr/>
+          <p:nvPr/>
+        </p:nvCxnSpPr>
+        <p:spPr>
+          <a:xfrm flipH="1">
+            <a:off x="6603677" y="4723722"/>
+            <a:ext cx="200310" cy="161540"/>
+          </a:xfrm>
+          <a:prstGeom prst="line">
+            <a:avLst/>
+          </a:prstGeom>
+          <a:ln w="63500">
+            <a:solidFill>
+              <a:schemeClr val="tx1"/>
+            </a:solidFill>
+          </a:ln>
+        </p:spPr>
+        <p:style>
+          <a:lnRef idx="1">
+            <a:schemeClr val="accent1"/>
+          </a:lnRef>
+          <a:fillRef idx="0">
+            <a:schemeClr val="accent1"/>
+          </a:fillRef>
+          <a:effectRef idx="0">
+            <a:schemeClr val="accent1"/>
+          </a:effectRef>
+          <a:fontRef idx="minor">
+            <a:schemeClr val="tx1"/>
+          </a:fontRef>
+        </p:style>
+      </p:cxnSp>
+      <p:cxnSp>
+        <p:nvCxnSpPr>
+          <p:cNvPr id="73" name="Straight Connector 72"/>
+          <p:cNvCxnSpPr/>
+          <p:nvPr/>
+        </p:nvCxnSpPr>
+        <p:spPr>
+          <a:xfrm flipH="1">
+            <a:off x="6364570" y="4723722"/>
+            <a:ext cx="200310" cy="161540"/>
+          </a:xfrm>
+          <a:prstGeom prst="line">
+            <a:avLst/>
+          </a:prstGeom>
+          <a:ln w="63500">
+            <a:solidFill>
+              <a:schemeClr val="tx1"/>
+            </a:solidFill>
+          </a:ln>
+        </p:spPr>
+        <p:style>
+          <a:lnRef idx="1">
+            <a:schemeClr val="accent1"/>
+          </a:lnRef>
+          <a:fillRef idx="0">
+            <a:schemeClr val="accent1"/>
+          </a:fillRef>
+          <a:effectRef idx="0">
+            <a:schemeClr val="accent1"/>
+          </a:effectRef>
+          <a:fontRef idx="minor">
+            <a:schemeClr val="tx1"/>
+          </a:fontRef>
+        </p:style>
+      </p:cxnSp>
+      <p:sp>
+        <p:nvSpPr>
+          <p:cNvPr id="74" name="TextBox 73"/>
+          <p:cNvSpPr txBox="1"/>
+          <p:nvPr/>
+        </p:nvSpPr>
+        <p:spPr>
+          <a:xfrm>
+            <a:off x="7403266" y="4340207"/>
+            <a:ext cx="458780" cy="369332"/>
+          </a:xfrm>
+          <a:prstGeom prst="rect">
+            <a:avLst/>
+          </a:prstGeom>
+          <a:noFill/>
+        </p:spPr>
+        <p:txBody>
+          <a:bodyPr wrap="none" rtlCol="0">
+            <a:spAutoFit/>
+          </a:bodyPr>
+          <a:lstStyle/>
+          <a:p>
+            <a:r>
+              <a:rPr lang="en-US" dirty="0" smtClean="0"/>
+              <a:t>On</a:t>
+            </a:r>
+            <a:endParaRPr lang="en-US" dirty="0"/>
+          </a:p>
+        </p:txBody>
+      </p:sp>
+      <p:sp>
+        <p:nvSpPr>
+          <p:cNvPr id="77" name="Oval 76"/>
+          <p:cNvSpPr/>
+          <p:nvPr/>
+        </p:nvSpPr>
+        <p:spPr>
+          <a:xfrm>
+            <a:off x="5466597" y="4536747"/>
+            <a:ext cx="276063" cy="276063"/>
+          </a:xfrm>
+          <a:prstGeom prst="ellipse">
+            <a:avLst/>
+          </a:prstGeom>
+        </p:spPr>
+        <p:style>
+          <a:lnRef idx="2">
+            <a:schemeClr val="accent1">
+              <a:shade val="50000"/>
+            </a:schemeClr>
+          </a:lnRef>
+          <a:fillRef idx="1">
+            <a:schemeClr val="accent1"/>
+          </a:fillRef>
+          <a:effectRef idx="0">
+            <a:schemeClr val="accent1"/>
+          </a:effectRef>
+          <a:fontRef idx="minor">
+            <a:schemeClr val="lt1"/>
+          </a:fontRef>
+        </p:style>
+        <p:txBody>
+          <a:bodyPr rot="0" spcFirstLastPara="0" vertOverflow="overflow" horzOverflow="overflow" vert="horz" wrap="square" lIns="91440" tIns="45720" rIns="91440" bIns="45720" numCol="1" spcCol="0" rtlCol="0" fromWordArt="0" anchor="ctr" anchorCtr="0" forceAA="0" compatLnSpc="1">
+            <a:prstTxWarp prst="textNoShape">
+              <a:avLst/>
+            </a:prstTxWarp>
+            <a:noAutofit/>
+          </a:bodyPr>
+          <a:lstStyle/>
+          <a:p>
+            <a:pPr algn="ctr"/>
+            <a:r>
+              <a:rPr lang="en-US" dirty="0"/>
+              <a:t>F</a:t>
+            </a:r>
+          </a:p>
+        </p:txBody>
+      </p:sp>
+      <p:sp>
+        <p:nvSpPr>
+          <p:cNvPr id="78" name="Oval 77"/>
+          <p:cNvSpPr/>
+          <p:nvPr/>
+        </p:nvSpPr>
+        <p:spPr>
+          <a:xfrm>
+            <a:off x="5142862" y="4202808"/>
+            <a:ext cx="923531" cy="340822"/>
+          </a:xfrm>
+          <a:prstGeom prst="ellipse">
+            <a:avLst/>
+          </a:prstGeom>
+        </p:spPr>
+        <p:style>
+          <a:lnRef idx="2">
+            <a:schemeClr val="accent1">
+              <a:shade val="50000"/>
+            </a:schemeClr>
+          </a:lnRef>
+          <a:fillRef idx="1">
+            <a:schemeClr val="accent1"/>
+          </a:fillRef>
+          <a:effectRef idx="0">
+            <a:schemeClr val="accent1"/>
+          </a:effectRef>
+          <a:fontRef idx="minor">
+            <a:schemeClr val="lt1"/>
+          </a:fontRef>
+        </p:style>
+        <p:txBody>
+          <a:bodyPr rtlCol="0" anchor="ctr"/>
+          <a:lstStyle/>
+          <a:p>
+            <a:pPr algn="ctr"/>
+            <a:r>
+              <a:rPr lang="en-US" dirty="0" smtClean="0"/>
+              <a:t>Co-A</a:t>
+            </a:r>
+            <a:endParaRPr lang="en-US" dirty="0"/>
+          </a:p>
+        </p:txBody>
+      </p:sp>
+      <p:sp>
+        <p:nvSpPr>
+          <p:cNvPr id="100" name="Arc 99"/>
+          <p:cNvSpPr/>
+          <p:nvPr/>
+        </p:nvSpPr>
+        <p:spPr>
+          <a:xfrm>
+            <a:off x="5604627" y="3795906"/>
+            <a:ext cx="1639249" cy="648408"/>
+          </a:xfrm>
+          <a:prstGeom prst="arc">
+            <a:avLst>
+              <a:gd name="adj1" fmla="val 10794464"/>
+              <a:gd name="adj2" fmla="val 181503"/>
+            </a:avLst>
+          </a:prstGeom>
+          <a:ln w="25400" cap="sq">
+            <a:solidFill>
+              <a:schemeClr val="bg1">
+                <a:lumMod val="50000"/>
+              </a:schemeClr>
+            </a:solidFill>
+            <a:tailEnd type="triangle"/>
+          </a:ln>
+        </p:spPr>
+        <p:style>
+          <a:lnRef idx="1">
+            <a:schemeClr val="accent1"/>
+          </a:lnRef>
+          <a:fillRef idx="0">
+            <a:schemeClr val="accent1"/>
+          </a:fillRef>
+          <a:effectRef idx="0">
+            <a:schemeClr val="accent1"/>
+          </a:effectRef>
+          <a:fontRef idx="minor">
+            <a:schemeClr val="tx1"/>
+          </a:fontRef>
+        </p:style>
+        <p:txBody>
+          <a:bodyPr rot="0" spcFirstLastPara="0" vertOverflow="overflow" horzOverflow="overflow" vert="horz" wrap="square" lIns="91440" tIns="45720" rIns="91440" bIns="45720" numCol="1" spcCol="0" rtlCol="0" fromWordArt="0" anchor="ctr" anchorCtr="0" forceAA="0" compatLnSpc="1">
+            <a:prstTxWarp prst="textNoShape">
+              <a:avLst/>
+            </a:prstTxWarp>
+            <a:noAutofit/>
+          </a:bodyPr>
+          <a:lstStyle/>
+          <a:p>
+            <a:pPr algn="ctr"/>
+            <a:endParaRPr lang="en-US"/>
+          </a:p>
+        </p:txBody>
+      </p:sp>
+      <p:cxnSp>
+        <p:nvCxnSpPr>
+          <p:cNvPr id="102" name="Straight Connector 101"/>
+          <p:cNvCxnSpPr/>
+          <p:nvPr/>
+        </p:nvCxnSpPr>
+        <p:spPr>
+          <a:xfrm flipV="1">
+            <a:off x="4746904" y="6342325"/>
+            <a:ext cx="1715445" cy="6884"/>
+          </a:xfrm>
+          <a:prstGeom prst="line">
+            <a:avLst/>
+          </a:prstGeom>
+          <a:ln w="63500">
+            <a:solidFill>
+              <a:schemeClr val="tx1"/>
+            </a:solidFill>
+          </a:ln>
+        </p:spPr>
+        <p:style>
+          <a:lnRef idx="1">
+            <a:schemeClr val="accent1"/>
+          </a:lnRef>
+          <a:fillRef idx="0">
+            <a:schemeClr val="accent1"/>
+          </a:fillRef>
+          <a:effectRef idx="0">
+            <a:schemeClr val="accent1"/>
+          </a:effectRef>
+          <a:fontRef idx="minor">
+            <a:schemeClr val="tx1"/>
+          </a:fontRef>
+        </p:style>
+      </p:cxnSp>
+      <p:cxnSp>
+        <p:nvCxnSpPr>
+          <p:cNvPr id="103" name="Straight Connector 102"/>
+          <p:cNvCxnSpPr/>
+          <p:nvPr/>
+        </p:nvCxnSpPr>
+        <p:spPr>
+          <a:xfrm>
+            <a:off x="7127338" y="6055724"/>
+            <a:ext cx="0" cy="308542"/>
+          </a:xfrm>
+          <a:prstGeom prst="line">
+            <a:avLst/>
+          </a:prstGeom>
+          <a:ln w="63500">
+            <a:solidFill>
+              <a:schemeClr val="tx1"/>
+            </a:solidFill>
+          </a:ln>
+        </p:spPr>
+        <p:style>
+          <a:lnRef idx="1">
+            <a:schemeClr val="accent1"/>
+          </a:lnRef>
+          <a:fillRef idx="0">
+            <a:schemeClr val="accent1"/>
+          </a:fillRef>
+          <a:effectRef idx="0">
+            <a:schemeClr val="accent1"/>
+          </a:effectRef>
+          <a:fontRef idx="minor">
+            <a:schemeClr val="tx1"/>
+          </a:fontRef>
+        </p:style>
+      </p:cxnSp>
+      <p:cxnSp>
+        <p:nvCxnSpPr>
+          <p:cNvPr id="104" name="Straight Arrow Connector 103"/>
+          <p:cNvCxnSpPr/>
+          <p:nvPr/>
+        </p:nvCxnSpPr>
+        <p:spPr>
+          <a:xfrm>
+            <a:off x="7112380" y="6078655"/>
+            <a:ext cx="308542" cy="0"/>
+          </a:xfrm>
+          <a:prstGeom prst="straightConnector1">
+            <a:avLst/>
+          </a:prstGeom>
+          <a:ln w="63500">
+            <a:solidFill>
+              <a:schemeClr val="tx1"/>
+            </a:solidFill>
+            <a:tailEnd type="triangle"/>
+          </a:ln>
+        </p:spPr>
+        <p:style>
+          <a:lnRef idx="1">
+            <a:schemeClr val="accent1"/>
+          </a:lnRef>
+          <a:fillRef idx="0">
+            <a:schemeClr val="accent1"/>
+          </a:fillRef>
+          <a:effectRef idx="0">
+            <a:schemeClr val="accent1"/>
+          </a:effectRef>
+          <a:fontRef idx="minor">
+            <a:schemeClr val="tx1"/>
+          </a:fontRef>
+        </p:style>
+      </p:cxnSp>
+      <p:cxnSp>
+        <p:nvCxnSpPr>
+          <p:cNvPr id="105" name="Straight Connector 104"/>
+          <p:cNvCxnSpPr/>
+          <p:nvPr/>
+        </p:nvCxnSpPr>
+        <p:spPr>
+          <a:xfrm>
+            <a:off x="6703279" y="6349209"/>
+            <a:ext cx="1173229" cy="0"/>
+          </a:xfrm>
+          <a:prstGeom prst="line">
+            <a:avLst/>
+          </a:prstGeom>
+          <a:ln w="63500">
+            <a:solidFill>
+              <a:schemeClr val="tx1"/>
+            </a:solidFill>
+          </a:ln>
+        </p:spPr>
+        <p:style>
+          <a:lnRef idx="1">
+            <a:schemeClr val="accent1"/>
+          </a:lnRef>
+          <a:fillRef idx="0">
+            <a:schemeClr val="accent1"/>
+          </a:fillRef>
+          <a:effectRef idx="0">
+            <a:schemeClr val="accent1"/>
+          </a:effectRef>
+          <a:fontRef idx="minor">
+            <a:schemeClr val="tx1"/>
+          </a:fontRef>
+        </p:style>
+      </p:cxnSp>
+      <p:sp>
+        <p:nvSpPr>
+          <p:cNvPr id="106" name="Rectangle 105"/>
+          <p:cNvSpPr/>
+          <p:nvPr/>
+        </p:nvSpPr>
+        <p:spPr>
+          <a:xfrm>
+            <a:off x="5317909" y="6285759"/>
+            <a:ext cx="567997" cy="85877"/>
+          </a:xfrm>
+          <a:prstGeom prst="rect">
+            <a:avLst/>
+          </a:prstGeom>
+          <a:solidFill>
+            <a:schemeClr val="accent2">
+              <a:lumMod val="75000"/>
+            </a:schemeClr>
+          </a:solidFill>
+          <a:ln>
+            <a:noFill/>
+          </a:ln>
+        </p:spPr>
+        <p:style>
+          <a:lnRef idx="2">
+            <a:schemeClr val="accent1">
+              <a:shade val="50000"/>
+            </a:schemeClr>
+          </a:lnRef>
+          <a:fillRef idx="1">
+            <a:schemeClr val="accent1"/>
+          </a:fillRef>
+          <a:effectRef idx="0">
+            <a:schemeClr val="accent1"/>
+          </a:effectRef>
+          <a:fontRef idx="minor">
+            <a:schemeClr val="lt1"/>
+          </a:fontRef>
+        </p:style>
+        <p:txBody>
+          <a:bodyPr rot="0" spcFirstLastPara="0" vertOverflow="overflow" horzOverflow="overflow" vert="horz" wrap="square" lIns="91440" tIns="45720" rIns="91440" bIns="45720" numCol="1" spcCol="0" rtlCol="0" fromWordArt="0" anchor="ctr" anchorCtr="0" forceAA="0" compatLnSpc="1">
+            <a:prstTxWarp prst="textNoShape">
+              <a:avLst/>
+            </a:prstTxWarp>
+            <a:noAutofit/>
+          </a:bodyPr>
+          <a:lstStyle/>
+          <a:p>
+            <a:pPr algn="ctr"/>
+            <a:endParaRPr lang="en-US"/>
+          </a:p>
+        </p:txBody>
+      </p:sp>
+      <p:cxnSp>
+        <p:nvCxnSpPr>
+          <p:cNvPr id="107" name="Straight Connector 106"/>
+          <p:cNvCxnSpPr/>
+          <p:nvPr/>
+        </p:nvCxnSpPr>
+        <p:spPr>
+          <a:xfrm flipH="1">
+            <a:off x="6600955" y="6261553"/>
+            <a:ext cx="200310" cy="161540"/>
+          </a:xfrm>
+          <a:prstGeom prst="line">
+            <a:avLst/>
+          </a:prstGeom>
+          <a:ln w="63500">
+            <a:solidFill>
+              <a:schemeClr val="tx1"/>
+            </a:solidFill>
+          </a:ln>
+        </p:spPr>
+        <p:style>
+          <a:lnRef idx="1">
+            <a:schemeClr val="accent1"/>
+          </a:lnRef>
+          <a:fillRef idx="0">
+            <a:schemeClr val="accent1"/>
+          </a:fillRef>
+          <a:effectRef idx="0">
+            <a:schemeClr val="accent1"/>
+          </a:effectRef>
+          <a:fontRef idx="minor">
+            <a:schemeClr val="tx1"/>
+          </a:fontRef>
+        </p:style>
+      </p:cxnSp>
+      <p:cxnSp>
+        <p:nvCxnSpPr>
+          <p:cNvPr id="108" name="Straight Connector 107"/>
+          <p:cNvCxnSpPr/>
+          <p:nvPr/>
+        </p:nvCxnSpPr>
+        <p:spPr>
+          <a:xfrm flipH="1">
+            <a:off x="6361848" y="6261553"/>
+            <a:ext cx="200310" cy="161540"/>
+          </a:xfrm>
+          <a:prstGeom prst="line">
+            <a:avLst/>
+          </a:prstGeom>
+          <a:ln w="63500">
+            <a:solidFill>
+              <a:schemeClr val="tx1"/>
+            </a:solidFill>
+          </a:ln>
+        </p:spPr>
+        <p:style>
+          <a:lnRef idx="1">
+            <a:schemeClr val="accent1"/>
+          </a:lnRef>
+          <a:fillRef idx="0">
+            <a:schemeClr val="accent1"/>
+          </a:fillRef>
+          <a:effectRef idx="0">
+            <a:schemeClr val="accent1"/>
+          </a:effectRef>
+          <a:fontRef idx="minor">
+            <a:schemeClr val="tx1"/>
+          </a:fontRef>
+        </p:style>
+      </p:cxnSp>
+      <p:sp>
+        <p:nvSpPr>
+          <p:cNvPr id="109" name="TextBox 108"/>
+          <p:cNvSpPr txBox="1"/>
+          <p:nvPr/>
+        </p:nvSpPr>
+        <p:spPr>
+          <a:xfrm>
+            <a:off x="7400544" y="5878038"/>
+            <a:ext cx="475964" cy="369332"/>
+          </a:xfrm>
+          <a:prstGeom prst="rect">
+            <a:avLst/>
+          </a:prstGeom>
+          <a:noFill/>
+        </p:spPr>
+        <p:txBody>
+          <a:bodyPr wrap="none" rtlCol="0">
+            <a:spAutoFit/>
+          </a:bodyPr>
+          <a:lstStyle/>
+          <a:p>
+            <a:r>
+              <a:rPr lang="en-US" dirty="0" smtClean="0"/>
+              <a:t>Off</a:t>
+            </a:r>
+            <a:endParaRPr lang="en-US" dirty="0"/>
+          </a:p>
+        </p:txBody>
+      </p:sp>
+      <p:sp>
+        <p:nvSpPr>
+          <p:cNvPr id="110" name="Oval 109"/>
+          <p:cNvSpPr/>
+          <p:nvPr/>
+        </p:nvSpPr>
+        <p:spPr>
+          <a:xfrm>
+            <a:off x="5463875" y="6074578"/>
+            <a:ext cx="276063" cy="276063"/>
+          </a:xfrm>
+          <a:prstGeom prst="ellipse">
+            <a:avLst/>
+          </a:prstGeom>
+        </p:spPr>
+        <p:style>
+          <a:lnRef idx="2">
+            <a:schemeClr val="accent1">
+              <a:shade val="50000"/>
+            </a:schemeClr>
+          </a:lnRef>
+          <a:fillRef idx="1">
+            <a:schemeClr val="accent1"/>
+          </a:fillRef>
+          <a:effectRef idx="0">
+            <a:schemeClr val="accent1"/>
+          </a:effectRef>
+          <a:fontRef idx="minor">
+            <a:schemeClr val="lt1"/>
+          </a:fontRef>
+        </p:style>
+        <p:txBody>
+          <a:bodyPr rot="0" spcFirstLastPara="0" vertOverflow="overflow" horzOverflow="overflow" vert="horz" wrap="square" lIns="91440" tIns="45720" rIns="91440" bIns="45720" numCol="1" spcCol="0" rtlCol="0" fromWordArt="0" anchor="ctr" anchorCtr="0" forceAA="0" compatLnSpc="1">
+            <a:prstTxWarp prst="textNoShape">
+              <a:avLst/>
+            </a:prstTxWarp>
+            <a:noAutofit/>
+          </a:bodyPr>
+          <a:lstStyle/>
+          <a:p>
+            <a:pPr algn="ctr"/>
+            <a:r>
+              <a:rPr lang="en-US" dirty="0"/>
+              <a:t>F</a:t>
+            </a:r>
+          </a:p>
+        </p:txBody>
+      </p:sp>
+      <p:sp>
+        <p:nvSpPr>
+          <p:cNvPr id="111" name="Oval 110"/>
+          <p:cNvSpPr/>
+          <p:nvPr/>
+        </p:nvSpPr>
+        <p:spPr>
+          <a:xfrm>
+            <a:off x="5140140" y="5740639"/>
+            <a:ext cx="923531" cy="340822"/>
+          </a:xfrm>
+          <a:prstGeom prst="ellipse">
+            <a:avLst/>
+          </a:prstGeom>
+        </p:spPr>
+        <p:style>
+          <a:lnRef idx="2">
+            <a:schemeClr val="accent1">
+              <a:shade val="50000"/>
+            </a:schemeClr>
+          </a:lnRef>
+          <a:fillRef idx="1">
+            <a:schemeClr val="accent1"/>
+          </a:fillRef>
+          <a:effectRef idx="0">
+            <a:schemeClr val="accent1"/>
+          </a:effectRef>
+          <a:fontRef idx="minor">
+            <a:schemeClr val="lt1"/>
+          </a:fontRef>
+        </p:style>
+        <p:txBody>
+          <a:bodyPr rtlCol="0" anchor="ctr"/>
+          <a:lstStyle/>
+          <a:p>
+            <a:pPr algn="ctr"/>
+            <a:r>
+              <a:rPr lang="en-US" dirty="0" smtClean="0"/>
+              <a:t>Co-R</a:t>
+            </a:r>
+            <a:endParaRPr lang="en-US" dirty="0"/>
+          </a:p>
+        </p:txBody>
+      </p:sp>
+      <p:grpSp>
+        <p:nvGrpSpPr>
+          <p:cNvPr id="113" name="Group 112"/>
+          <p:cNvGrpSpPr/>
+          <p:nvPr/>
+        </p:nvGrpSpPr>
+        <p:grpSpPr>
+          <a:xfrm>
+            <a:off x="5601905" y="5307008"/>
+            <a:ext cx="1772246" cy="648408"/>
+            <a:chOff x="3573230" y="3124668"/>
+            <a:chExt cx="1772246" cy="648408"/>
+          </a:xfrm>
+        </p:grpSpPr>
+        <p:sp>
+          <p:nvSpPr>
+            <p:cNvPr id="114" name="Arc 113"/>
+            <p:cNvSpPr/>
+            <p:nvPr/>
+          </p:nvSpPr>
+          <p:spPr>
+            <a:xfrm>
+              <a:off x="3573230" y="3124668"/>
+              <a:ext cx="1639249" cy="648408"/>
+            </a:xfrm>
+            <a:prstGeom prst="arc">
+              <a:avLst>
+                <a:gd name="adj1" fmla="val 10794464"/>
+                <a:gd name="adj2" fmla="val 21473582"/>
+              </a:avLst>
+            </a:prstGeom>
+            <a:ln w="25400" cap="sq">
+              <a:solidFill>
+                <a:schemeClr val="bg1">
+                  <a:lumMod val="50000"/>
+                </a:schemeClr>
+              </a:solidFill>
+              <a:tailEnd type="none"/>
+            </a:ln>
+          </p:spPr>
+          <p:style>
+            <a:lnRef idx="1">
+              <a:schemeClr val="accent1"/>
+            </a:lnRef>
+            <a:fillRef idx="0">
+              <a:schemeClr val="accent1"/>
+            </a:fillRef>
+            <a:effectRef idx="0">
+              <a:schemeClr val="accent1"/>
+            </a:effectRef>
+            <a:fontRef idx="minor">
+              <a:schemeClr val="tx1"/>
+            </a:fontRef>
+          </p:style>
+          <p:txBody>
+            <a:bodyPr rot="0" spcFirstLastPara="0" vertOverflow="overflow" horzOverflow="overflow" vert="horz" wrap="square" lIns="91440" tIns="45720" rIns="91440" bIns="45720" numCol="1" spcCol="0" rtlCol="0" fromWordArt="0" anchor="ctr" anchorCtr="0" forceAA="0" compatLnSpc="1">
+              <a:prstTxWarp prst="textNoShape">
+                <a:avLst/>
+              </a:prstTxWarp>
+              <a:noAutofit/>
+            </a:bodyPr>
+            <a:lstStyle/>
+            <a:p>
+              <a:pPr algn="ctr"/>
+              <a:endParaRPr lang="en-US"/>
+            </a:p>
+          </p:txBody>
+        </p:sp>
+        <p:cxnSp>
+          <p:nvCxnSpPr>
+            <p:cNvPr id="115" name="Straight Connector 114"/>
+            <p:cNvCxnSpPr/>
+            <p:nvPr/>
+          </p:nvCxnSpPr>
+          <p:spPr>
+            <a:xfrm>
+              <a:off x="5076205" y="3427597"/>
+              <a:ext cx="269271" cy="0"/>
+            </a:xfrm>
+            <a:prstGeom prst="line">
+              <a:avLst/>
+            </a:prstGeom>
+            <a:ln w="25400">
+              <a:solidFill>
+                <a:schemeClr val="bg1">
+                  <a:lumMod val="50000"/>
+                </a:schemeClr>
+              </a:solidFill>
+            </a:ln>
+          </p:spPr>
+          <p:style>
+            <a:lnRef idx="1">
+              <a:schemeClr val="accent1"/>
+            </a:lnRef>
+            <a:fillRef idx="0">
+              <a:schemeClr val="accent1"/>
+            </a:fillRef>
+            <a:effectRef idx="0">
+              <a:schemeClr val="accent1"/>
+            </a:effectRef>
+            <a:fontRef idx="minor">
+              <a:schemeClr val="tx1"/>
+            </a:fontRef>
+          </p:style>
+        </p:cxnSp>
+      </p:grpSp>
+    </p:spTree>
+    <p:extLst>
+      <p:ext uri="{BB962C8B-B14F-4D97-AF65-F5344CB8AC3E}">
+        <p14:creationId xmlns:p14="http://schemas.microsoft.com/office/powerpoint/2010/main" val="1957957882"/>
+      </p:ext>
+    </p:extLst>
+  </p:cSld>
+  <p:clrMapOvr>
+    <a:masterClrMapping/>
+  </p:clrMapOvr>
+  <p:timing>
+    <p:tnLst>
+      <p:par>
+        <p:cTn id="1" dur="indefinite" restart="never" nodeType="tmRoot"/>
+      </p:par>
+    </p:tnLst>
+  </p:timing>
+</p:sld>
+</file>
+
+<file path=ppt/slides/slide5.xml><?xml version="1.0" encoding="utf-8"?>
 <p:sld xmlns:a="http://schemas.openxmlformats.org/drawingml/2006/main" xmlns:r="http://schemas.openxmlformats.org/officeDocument/2006/relationships" xmlns:p="http://schemas.openxmlformats.org/presentationml/2006/main">
   <p:cSld>
     <p:spTree>
@@ -5948,7 +9283,7 @@
         </p:blipFill>
         <p:spPr>
           <a:xfrm>
-            <a:off x="2776436" y="1513138"/>
+            <a:off x="1252437" y="1513138"/>
             <a:ext cx="6023683" cy="4654664"/>
           </a:xfrm>
           <a:prstGeom prst="rect">
@@ -5966,10 +9301,17 @@
   <p:clrMapOvr>
     <a:masterClrMapping/>
   </p:clrMapOvr>
+  <p:timing>
+    <p:tnLst>
+      <p:par>
+        <p:cTn id="1" dur="indefinite" restart="never" nodeType="tmRoot"/>
+      </p:par>
+    </p:tnLst>
+  </p:timing>
 </p:sld>
 </file>
 
-<file path=ppt/slides/slide4.xml><?xml version="1.0" encoding="utf-8"?>
+<file path=ppt/slides/slide6.xml><?xml version="1.0" encoding="utf-8"?>
 <p:sld xmlns:a="http://schemas.openxmlformats.org/drawingml/2006/main" xmlns:r="http://schemas.openxmlformats.org/officeDocument/2006/relationships" xmlns:p="http://schemas.openxmlformats.org/presentationml/2006/main">
   <p:cSld>
     <p:spTree>
@@ -6001,26 +9343,7 @@
           <a:bodyPr/>
           <a:lstStyle/>
           <a:p>
-            <a:endParaRPr lang="en-US"/>
-          </a:p>
-        </p:txBody>
-      </p:sp>
-      <p:sp>
-        <p:nvSpPr>
-          <p:cNvPr id="3" name="Content Placeholder 2"/>
-          <p:cNvSpPr>
-            <a:spLocks noGrp="1"/>
-          </p:cNvSpPr>
-          <p:nvPr>
-            <p:ph idx="1"/>
-          </p:nvPr>
-        </p:nvSpPr>
-        <p:spPr/>
-        <p:txBody>
-          <a:bodyPr/>
-          <a:lstStyle/>
-          <a:p>
-            <a:endParaRPr lang="en-US"/>
+            <a:endParaRPr lang="en-US" dirty="0"/>
           </a:p>
         </p:txBody>
       </p:sp>
@@ -6034,7 +9357,7 @@
             </p:nvSpPr>
             <p:spPr>
               <a:xfrm>
-                <a:off x="1546473" y="86020"/>
+                <a:off x="1122338" y="4729459"/>
                 <a:ext cx="3449662" cy="740139"/>
               </a:xfrm>
               <a:prstGeom prst="rect">
@@ -6057,7 +9380,7 @@
                       <m:f>
                         <m:fPr>
                           <m:ctrlPr>
-                            <a:rPr lang="en-US" i="1" smtClean="0">
+                            <a:rPr lang="en-US" i="1">
                               <a:latin typeface="Cambria Math" charset="0"/>
                             </a:rPr>
                           </m:ctrlPr>
@@ -6225,7 +9548,7 @@
                         </m:num>
                         <m:den>
                           <m:r>
-                            <a:rPr lang="en-US" b="0" i="1" smtClean="0">
+                            <a:rPr lang="en-US" i="1">
                               <a:latin typeface="Cambria Math" charset="0"/>
                             </a:rPr>
                             <m:t>𝐿</m:t>
@@ -6251,7 +9574,7 @@
             </p:nvSpPr>
             <p:spPr>
               <a:xfrm>
-                <a:off x="1546473" y="86020"/>
+                <a:off x="1122338" y="4729459"/>
                 <a:ext cx="3449662" cy="740139"/>
               </a:xfrm>
               <a:prstGeom prst="rect">
@@ -6289,547 +9612,20 @@
   <p:clrMapOvr>
     <a:masterClrMapping/>
   </p:clrMapOvr>
-</p:sld>
-</file>
-
-<file path=ppt/slides/slide5.xml><?xml version="1.0" encoding="utf-8"?>
-<p:sld xmlns:a="http://schemas.openxmlformats.org/drawingml/2006/main" xmlns:r="http://schemas.openxmlformats.org/officeDocument/2006/relationships" xmlns:p="http://schemas.openxmlformats.org/presentationml/2006/main">
-  <p:cSld>
-    <p:spTree>
-      <p:nvGrpSpPr>
-        <p:cNvPr id="1" name=""/>
-        <p:cNvGrpSpPr/>
-        <p:nvPr/>
-      </p:nvGrpSpPr>
-      <p:grpSpPr>
-        <a:xfrm>
-          <a:off x="0" y="0"/>
-          <a:ext cx="0" cy="0"/>
-          <a:chOff x="0" y="0"/>
-          <a:chExt cx="0" cy="0"/>
-        </a:xfrm>
-      </p:grpSpPr>
-      <p:sp>
-        <p:nvSpPr>
-          <p:cNvPr id="4" name="Title 3"/>
-          <p:cNvSpPr>
-            <a:spLocks noGrp="1"/>
-          </p:cNvSpPr>
-          <p:nvPr>
-            <p:ph type="title"/>
-          </p:nvPr>
-        </p:nvSpPr>
-        <p:spPr/>
-        <p:txBody>
-          <a:bodyPr/>
-          <a:lstStyle/>
-          <a:p>
-            <a:endParaRPr lang="en-US" dirty="0"/>
-          </a:p>
-        </p:txBody>
-      </p:sp>
-      <p:grpSp>
-        <p:nvGrpSpPr>
-          <p:cNvPr id="13" name="Group 12"/>
-          <p:cNvGrpSpPr/>
-          <p:nvPr/>
-        </p:nvGrpSpPr>
-        <p:grpSpPr>
-          <a:xfrm>
-            <a:off x="4320988" y="2268911"/>
-            <a:ext cx="3177148" cy="3177148"/>
-            <a:chOff x="3732028" y="3657600"/>
-            <a:chExt cx="1828800" cy="1828800"/>
-          </a:xfrm>
-        </p:grpSpPr>
-        <p:sp>
-          <p:nvSpPr>
-            <p:cNvPr id="5" name="Oval 4"/>
-            <p:cNvSpPr/>
-            <p:nvPr/>
-          </p:nvSpPr>
-          <p:spPr>
-            <a:xfrm>
-              <a:off x="3732028" y="3657600"/>
-              <a:ext cx="1828800" cy="1828800"/>
-            </a:xfrm>
-            <a:prstGeom prst="ellipse">
-              <a:avLst/>
-            </a:prstGeom>
-            <a:gradFill flip="none" rotWithShape="1">
-              <a:gsLst>
-                <a:gs pos="15000">
-                  <a:schemeClr val="accent1">
-                    <a:lumMod val="0"/>
-                    <a:lumOff val="100000"/>
-                  </a:schemeClr>
-                </a:gs>
-                <a:gs pos="41000">
-                  <a:schemeClr val="accent1">
-                    <a:lumMod val="40000"/>
-                    <a:lumOff val="60000"/>
-                  </a:schemeClr>
-                </a:gs>
-                <a:gs pos="60000">
-                  <a:schemeClr val="accent1">
-                    <a:lumMod val="60000"/>
-                    <a:lumOff val="40000"/>
-                  </a:schemeClr>
-                </a:gs>
-                <a:gs pos="100000">
-                  <a:schemeClr val="accent1">
-                    <a:lumMod val="50000"/>
-                  </a:schemeClr>
-                </a:gs>
-              </a:gsLst>
-              <a:lin ang="5400000" scaled="1"/>
-              <a:tileRect/>
-            </a:gradFill>
-            <a:ln>
-              <a:solidFill>
-                <a:schemeClr val="accent1"/>
-              </a:solidFill>
-            </a:ln>
-          </p:spPr>
-          <p:style>
-            <a:lnRef idx="2">
-              <a:schemeClr val="accent1">
-                <a:shade val="50000"/>
-              </a:schemeClr>
-            </a:lnRef>
-            <a:fillRef idx="1">
-              <a:schemeClr val="accent1"/>
-            </a:fillRef>
-            <a:effectRef idx="0">
-              <a:schemeClr val="accent1"/>
-            </a:effectRef>
-            <a:fontRef idx="minor">
-              <a:schemeClr val="lt1"/>
-            </a:fontRef>
-          </p:style>
-          <p:txBody>
-            <a:bodyPr rtlCol="0" anchor="ctr"/>
-            <a:lstStyle/>
-            <a:p>
-              <a:pPr algn="ctr"/>
-              <a:endParaRPr lang="en-US"/>
-            </a:p>
-          </p:txBody>
-        </p:sp>
-        <p:sp>
-          <p:nvSpPr>
-            <p:cNvPr id="6" name="Oval 5"/>
-            <p:cNvSpPr/>
-            <p:nvPr/>
-          </p:nvSpPr>
-          <p:spPr>
-            <a:xfrm>
-              <a:off x="3914908" y="3840480"/>
-              <a:ext cx="1463040" cy="1463040"/>
-            </a:xfrm>
-            <a:prstGeom prst="ellipse">
-              <a:avLst/>
-            </a:prstGeom>
-            <a:solidFill>
-              <a:schemeClr val="bg1"/>
-            </a:solidFill>
-            <a:ln>
-              <a:solidFill>
-                <a:schemeClr val="accent1"/>
-              </a:solidFill>
-            </a:ln>
-          </p:spPr>
-          <p:style>
-            <a:lnRef idx="2">
-              <a:schemeClr val="accent1">
-                <a:shade val="50000"/>
-              </a:schemeClr>
-            </a:lnRef>
-            <a:fillRef idx="1">
-              <a:schemeClr val="accent1"/>
-            </a:fillRef>
-            <a:effectRef idx="0">
-              <a:schemeClr val="accent1"/>
-            </a:effectRef>
-            <a:fontRef idx="minor">
-              <a:schemeClr val="lt1"/>
-            </a:fontRef>
-          </p:style>
-          <p:txBody>
-            <a:bodyPr rtlCol="0" anchor="ctr"/>
-            <a:lstStyle/>
-            <a:p>
-              <a:pPr algn="ctr"/>
-              <a:endParaRPr lang="en-US"/>
-            </a:p>
-          </p:txBody>
-        </p:sp>
-      </p:grpSp>
-      <p:cxnSp>
-        <p:nvCxnSpPr>
-          <p:cNvPr id="15" name="Straight Arrow Connector 14"/>
-          <p:cNvCxnSpPr/>
-          <p:nvPr/>
-        </p:nvCxnSpPr>
-        <p:spPr>
-          <a:xfrm flipV="1">
-            <a:off x="4080762" y="2268911"/>
-            <a:ext cx="0" cy="2985247"/>
-          </a:xfrm>
-          <a:prstGeom prst="straightConnector1">
-            <a:avLst/>
-          </a:prstGeom>
-          <a:ln w="63500">
-            <a:solidFill>
-              <a:schemeClr val="tx1"/>
-            </a:solidFill>
-            <a:tailEnd type="triangle"/>
-          </a:ln>
-        </p:spPr>
-        <p:style>
-          <a:lnRef idx="1">
-            <a:schemeClr val="accent1"/>
-          </a:lnRef>
-          <a:fillRef idx="0">
-            <a:schemeClr val="accent1"/>
-          </a:fillRef>
-          <a:effectRef idx="0">
-            <a:schemeClr val="accent1"/>
-          </a:effectRef>
-          <a:fontRef idx="minor">
-            <a:schemeClr val="tx1"/>
-          </a:fontRef>
-        </p:style>
-      </p:cxnSp>
-      <p:sp>
-        <p:nvSpPr>
-          <p:cNvPr id="16" name="TextBox 15"/>
-          <p:cNvSpPr txBox="1"/>
-          <p:nvPr/>
-        </p:nvSpPr>
-        <p:spPr>
-          <a:xfrm>
-            <a:off x="1835557" y="5128344"/>
-            <a:ext cx="2040239" cy="369332"/>
-          </a:xfrm>
-          <a:prstGeom prst="rect">
-            <a:avLst/>
-          </a:prstGeom>
-          <a:noFill/>
-        </p:spPr>
-        <p:txBody>
-          <a:bodyPr wrap="none" rtlCol="0">
-            <a:spAutoFit/>
-          </a:bodyPr>
-          <a:lstStyle/>
-          <a:p>
-            <a:r>
-              <a:rPr lang="en-US" smtClean="0"/>
-              <a:t>High Nuclear Dorsal</a:t>
-            </a:r>
-            <a:endParaRPr lang="en-US"/>
-          </a:p>
-        </p:txBody>
-      </p:sp>
-      <p:sp>
-        <p:nvSpPr>
-          <p:cNvPr id="17" name="TextBox 16"/>
-          <p:cNvSpPr txBox="1"/>
-          <p:nvPr/>
-        </p:nvSpPr>
-        <p:spPr>
-          <a:xfrm>
-            <a:off x="1857550" y="2084245"/>
-            <a:ext cx="1996252" cy="369332"/>
-          </a:xfrm>
-          <a:prstGeom prst="rect">
-            <a:avLst/>
-          </a:prstGeom>
-          <a:noFill/>
-        </p:spPr>
-        <p:txBody>
-          <a:bodyPr wrap="none" rtlCol="0">
-            <a:spAutoFit/>
-          </a:bodyPr>
-          <a:lstStyle/>
-          <a:p>
-            <a:r>
-              <a:rPr lang="en-US" dirty="0" smtClean="0"/>
-              <a:t>Low Nuclear Dorsal</a:t>
-            </a:r>
-            <a:endParaRPr lang="en-US" dirty="0"/>
-          </a:p>
-        </p:txBody>
-      </p:sp>
-      <p:sp>
-        <p:nvSpPr>
-          <p:cNvPr id="21" name="Arc 20"/>
-          <p:cNvSpPr/>
-          <p:nvPr/>
-        </p:nvSpPr>
-        <p:spPr>
-          <a:xfrm>
-            <a:off x="4080762" y="2028684"/>
-            <a:ext cx="3657600" cy="3657600"/>
-          </a:xfrm>
-          <a:prstGeom prst="arc">
-            <a:avLst>
-              <a:gd name="adj1" fmla="val 16221812"/>
-              <a:gd name="adj2" fmla="val 19795885"/>
-            </a:avLst>
-          </a:prstGeom>
-          <a:ln w="50800">
-            <a:solidFill>
-              <a:schemeClr val="accent6"/>
-            </a:solidFill>
-          </a:ln>
-        </p:spPr>
-        <p:style>
-          <a:lnRef idx="1">
-            <a:schemeClr val="accent1"/>
-          </a:lnRef>
-          <a:fillRef idx="0">
-            <a:schemeClr val="accent1"/>
-          </a:fillRef>
-          <a:effectRef idx="0">
-            <a:schemeClr val="accent1"/>
-          </a:effectRef>
-          <a:fontRef idx="minor">
-            <a:schemeClr val="tx1"/>
-          </a:fontRef>
-        </p:style>
-        <p:txBody>
-          <a:bodyPr rtlCol="0" anchor="ctr"/>
-          <a:lstStyle/>
-          <a:p>
-            <a:pPr algn="ctr"/>
-            <a:endParaRPr lang="en-US"/>
-          </a:p>
-        </p:txBody>
-      </p:sp>
-      <p:sp>
-        <p:nvSpPr>
-          <p:cNvPr id="22" name="Arc 21"/>
-          <p:cNvSpPr/>
-          <p:nvPr/>
-        </p:nvSpPr>
-        <p:spPr>
-          <a:xfrm>
-            <a:off x="4080762" y="2028684"/>
-            <a:ext cx="3657600" cy="3657600"/>
-          </a:xfrm>
-          <a:prstGeom prst="arc">
-            <a:avLst>
-              <a:gd name="adj1" fmla="val 1834247"/>
-              <a:gd name="adj2" fmla="val 5380845"/>
-            </a:avLst>
-          </a:prstGeom>
-          <a:ln w="50800">
-            <a:solidFill>
-              <a:schemeClr val="accent2"/>
-            </a:solidFill>
-          </a:ln>
-        </p:spPr>
-        <p:style>
-          <a:lnRef idx="1">
-            <a:schemeClr val="accent1"/>
-          </a:lnRef>
-          <a:fillRef idx="0">
-            <a:schemeClr val="accent1"/>
-          </a:fillRef>
-          <a:effectRef idx="0">
-            <a:schemeClr val="accent1"/>
-          </a:effectRef>
-          <a:fontRef idx="minor">
-            <a:schemeClr val="tx1"/>
-          </a:fontRef>
-        </p:style>
-        <p:txBody>
-          <a:bodyPr rtlCol="0" anchor="ctr"/>
-          <a:lstStyle/>
-          <a:p>
-            <a:pPr algn="ctr"/>
-            <a:endParaRPr lang="en-US"/>
-          </a:p>
-        </p:txBody>
-      </p:sp>
-      <p:sp>
-        <p:nvSpPr>
-          <p:cNvPr id="23" name="Arc 22"/>
-          <p:cNvSpPr/>
-          <p:nvPr/>
-        </p:nvSpPr>
-        <p:spPr>
-          <a:xfrm>
-            <a:off x="4080762" y="2028684"/>
-            <a:ext cx="3657600" cy="3657600"/>
-          </a:xfrm>
-          <a:prstGeom prst="arc">
-            <a:avLst>
-              <a:gd name="adj1" fmla="val 19765346"/>
-              <a:gd name="adj2" fmla="val 1992023"/>
-            </a:avLst>
-          </a:prstGeom>
-          <a:ln w="50800">
-            <a:solidFill>
-              <a:schemeClr val="accent4"/>
-            </a:solidFill>
-          </a:ln>
-        </p:spPr>
-        <p:style>
-          <a:lnRef idx="1">
-            <a:schemeClr val="accent1"/>
-          </a:lnRef>
-          <a:fillRef idx="0">
-            <a:schemeClr val="accent1"/>
-          </a:fillRef>
-          <a:effectRef idx="0">
-            <a:schemeClr val="accent1"/>
-          </a:effectRef>
-          <a:fontRef idx="minor">
-            <a:schemeClr val="tx1"/>
-          </a:fontRef>
-        </p:style>
-        <p:txBody>
-          <a:bodyPr rtlCol="0" anchor="ctr"/>
-          <a:lstStyle/>
-          <a:p>
-            <a:pPr algn="ctr"/>
-            <a:endParaRPr lang="en-US"/>
-          </a:p>
-        </p:txBody>
-      </p:sp>
-      <p:sp>
-        <p:nvSpPr>
-          <p:cNvPr id="30" name="TextBox 29"/>
-          <p:cNvSpPr txBox="1"/>
-          <p:nvPr/>
-        </p:nvSpPr>
-        <p:spPr>
-          <a:xfrm>
-            <a:off x="7738361" y="5128344"/>
-            <a:ext cx="1210588" cy="369332"/>
-          </a:xfrm>
-          <a:prstGeom prst="rect">
-            <a:avLst/>
-          </a:prstGeom>
-          <a:noFill/>
-        </p:spPr>
-        <p:txBody>
-          <a:bodyPr wrap="none" rtlCol="0">
-            <a:spAutoFit/>
-          </a:bodyPr>
-          <a:lstStyle/>
-          <a:p>
-            <a:r>
-              <a:rPr lang="en-US" smtClean="0">
-                <a:solidFill>
-                  <a:schemeClr val="accent2"/>
-                </a:solidFill>
-              </a:rPr>
-              <a:t>Mesoderm</a:t>
-            </a:r>
-            <a:endParaRPr lang="en-US">
-              <a:solidFill>
-                <a:schemeClr val="accent2"/>
-              </a:solidFill>
-            </a:endParaRPr>
-          </a:p>
-        </p:txBody>
-      </p:sp>
-      <p:sp>
-        <p:nvSpPr>
-          <p:cNvPr id="31" name="TextBox 30"/>
-          <p:cNvSpPr txBox="1"/>
-          <p:nvPr/>
-        </p:nvSpPr>
-        <p:spPr>
-          <a:xfrm>
-            <a:off x="7738361" y="3672818"/>
-            <a:ext cx="1680909" cy="369332"/>
-          </a:xfrm>
-          <a:prstGeom prst="rect">
-            <a:avLst/>
-          </a:prstGeom>
-          <a:noFill/>
-        </p:spPr>
-        <p:txBody>
-          <a:bodyPr wrap="none" rtlCol="0">
-            <a:spAutoFit/>
-          </a:bodyPr>
-          <a:lstStyle/>
-          <a:p>
-            <a:r>
-              <a:rPr lang="en-US" dirty="0" err="1" smtClean="0">
-                <a:solidFill>
-                  <a:schemeClr val="accent4"/>
-                </a:solidFill>
-              </a:rPr>
-              <a:t>Neuroectoderm</a:t>
-            </a:r>
-            <a:endParaRPr lang="en-US" dirty="0">
-              <a:solidFill>
-                <a:schemeClr val="accent4"/>
-              </a:solidFill>
-            </a:endParaRPr>
-          </a:p>
-        </p:txBody>
-      </p:sp>
-      <p:sp>
-        <p:nvSpPr>
-          <p:cNvPr id="32" name="TextBox 31"/>
-          <p:cNvSpPr txBox="1"/>
-          <p:nvPr/>
-        </p:nvSpPr>
-        <p:spPr>
-          <a:xfrm>
-            <a:off x="7738361" y="2084245"/>
-            <a:ext cx="1743234" cy="369332"/>
-          </a:xfrm>
-          <a:prstGeom prst="rect">
-            <a:avLst/>
-          </a:prstGeom>
-          <a:noFill/>
-        </p:spPr>
-        <p:txBody>
-          <a:bodyPr wrap="none" rtlCol="0">
-            <a:spAutoFit/>
-          </a:bodyPr>
-          <a:lstStyle/>
-          <a:p>
-            <a:r>
-              <a:rPr lang="en-US" dirty="0" smtClean="0">
-                <a:solidFill>
-                  <a:schemeClr val="accent6"/>
-                </a:solidFill>
-              </a:rPr>
-              <a:t>Dorsal ectoderm</a:t>
-            </a:r>
-            <a:endParaRPr lang="en-US" dirty="0">
-              <a:solidFill>
-                <a:schemeClr val="accent6"/>
-              </a:solidFill>
-            </a:endParaRPr>
-          </a:p>
-        </p:txBody>
-      </p:sp>
-    </p:spTree>
-    <p:extLst>
-      <p:ext uri="{BB962C8B-B14F-4D97-AF65-F5344CB8AC3E}">
-        <p14:creationId xmlns:p14="http://schemas.microsoft.com/office/powerpoint/2010/main" val="1828356814"/>
-      </p:ext>
-    </p:extLst>
-  </p:cSld>
-  <p:clrMapOvr>
-    <a:masterClrMapping/>
-  </p:clrMapOvr>
+  <p:timing>
+    <p:tnLst>
+      <p:par>
+        <p:cTn id="1" dur="indefinite" restart="never" nodeType="tmRoot"/>
+      </p:par>
+    </p:tnLst>
+  </p:timing>
 </p:sld>
 </file>
 
 <file path=ppt/theme/theme1.xml><?xml version="1.0" encoding="utf-8"?>
 <a:theme xmlns:a="http://schemas.openxmlformats.org/drawingml/2006/main" name="Office Theme">
   <a:themeElements>
-    <a:clrScheme name="Office">
+    <a:clrScheme name="Office Theme">
       <a:dk1>
         <a:sysClr val="windowText" lastClr="000000"/>
       </a:dk1>
@@ -6867,14 +9663,14 @@
         <a:srgbClr val="954F72"/>
       </a:folHlink>
     </a:clrScheme>
-    <a:fontScheme name="Office">
+    <a:fontScheme name="Office Theme">
       <a:majorFont>
         <a:latin typeface="Calibri Light" panose="020F0302020204030204"/>
         <a:ea typeface=""/>
         <a:cs typeface=""/>
-        <a:font script="Jpan" typeface="Yu Gothic Light"/>
+        <a:font script="Jpan" typeface="ＭＳ Ｐゴシック"/>
         <a:font script="Hang" typeface="맑은 고딕"/>
-        <a:font script="Hans" typeface="DengXian Light"/>
+        <a:font script="Hans" typeface="宋体"/>
         <a:font script="Hant" typeface="新細明體"/>
         <a:font script="Arab" typeface="Times New Roman"/>
         <a:font script="Hebr" typeface="Times New Roman"/>
@@ -6907,9 +9703,9 @@
         <a:latin typeface="Calibri" panose="020F0502020204030204"/>
         <a:ea typeface=""/>
         <a:cs typeface=""/>
-        <a:font script="Jpan" typeface="Yu Gothic"/>
+        <a:font script="Jpan" typeface="ＭＳ Ｐゴシック"/>
         <a:font script="Hang" typeface="맑은 고딕"/>
-        <a:font script="Hans" typeface="DengXian"/>
+        <a:font script="Hans" typeface="宋体"/>
         <a:font script="Hant" typeface="新細明體"/>
         <a:font script="Arab" typeface="Arial"/>
         <a:font script="Hebr" typeface="Arial"/>
@@ -6939,7 +9735,7 @@
         <a:font script="Geor" typeface="Sylfaen"/>
       </a:minorFont>
     </a:fontScheme>
-    <a:fmtScheme name="Office">
+    <a:fmtScheme name="Office Theme">
       <a:fillStyleLst>
         <a:solidFill>
           <a:schemeClr val="phClr"/>

--- a/presentations/defense.pptx
+++ b/presentations/defense.pptx
@@ -5,15 +5,20 @@
     <p:sldMasterId id="2147483660" r:id="rId1"/>
   </p:sldMasterIdLst>
   <p:notesMasterIdLst>
-    <p:notesMasterId r:id="rId8"/>
+    <p:notesMasterId r:id="rId13"/>
   </p:notesMasterIdLst>
   <p:sldIdLst>
     <p:sldId id="256" r:id="rId2"/>
-    <p:sldId id="260" r:id="rId3"/>
-    <p:sldId id="257" r:id="rId4"/>
-    <p:sldId id="262" r:id="rId5"/>
-    <p:sldId id="258" r:id="rId6"/>
-    <p:sldId id="259" r:id="rId7"/>
+    <p:sldId id="263" r:id="rId3"/>
+    <p:sldId id="262" r:id="rId4"/>
+    <p:sldId id="260" r:id="rId5"/>
+    <p:sldId id="266" r:id="rId6"/>
+    <p:sldId id="267" r:id="rId7"/>
+    <p:sldId id="268" r:id="rId8"/>
+    <p:sldId id="265" r:id="rId9"/>
+    <p:sldId id="257" r:id="rId10"/>
+    <p:sldId id="258" r:id="rId11"/>
+    <p:sldId id="259" r:id="rId12"/>
   </p:sldIdLst>
   <p:sldSz cx="9144000" cy="6858000" type="screen4x3"/>
   <p:notesSz cx="6858000" cy="9144000"/>
@@ -616,7 +621,7 @@
           <a:p>
             <a:fld id="{D3026B94-C3B6-E643-B863-5E8F0FAD9FF9}" type="slidenum">
               <a:rPr lang="en-US" smtClean="0"/>
-              <a:t>3</a:t>
+              <a:t>9</a:t>
             </a:fld>
             <a:endParaRPr lang="en-US"/>
           </a:p>
@@ -3562,6 +3567,384 @@
 </p:sld>
 </file>
 
+<file path=ppt/slides/slide10.xml><?xml version="1.0" encoding="utf-8"?>
+<p:sld xmlns:a="http://schemas.openxmlformats.org/drawingml/2006/main" xmlns:r="http://schemas.openxmlformats.org/officeDocument/2006/relationships" xmlns:p="http://schemas.openxmlformats.org/presentationml/2006/main">
+  <p:cSld>
+    <p:spTree>
+      <p:nvGrpSpPr>
+        <p:cNvPr id="1" name=""/>
+        <p:cNvGrpSpPr/>
+        <p:nvPr/>
+      </p:nvGrpSpPr>
+      <p:grpSpPr>
+        <a:xfrm>
+          <a:off x="0" y="0"/>
+          <a:ext cx="0" cy="0"/>
+          <a:chOff x="0" y="0"/>
+          <a:chExt cx="0" cy="0"/>
+        </a:xfrm>
+      </p:grpSpPr>
+      <p:pic>
+        <p:nvPicPr>
+          <p:cNvPr id="5" name="Picture 4"/>
+          <p:cNvPicPr>
+            <a:picLocks noChangeAspect="1"/>
+          </p:cNvPicPr>
+          <p:nvPr/>
+        </p:nvPicPr>
+        <p:blipFill>
+          <a:blip r:embed="rId2">
+            <a:extLst>
+              <a:ext uri="{28A0092B-C50C-407E-A947-70E740481C1C}">
+                <a14:useLocalDpi xmlns:a14="http://schemas.microsoft.com/office/drawing/2010/main" val="0"/>
+              </a:ext>
+            </a:extLst>
+          </a:blip>
+          <a:stretch>
+            <a:fillRect/>
+          </a:stretch>
+        </p:blipFill>
+        <p:spPr>
+          <a:xfrm>
+            <a:off x="1252437" y="1513138"/>
+            <a:ext cx="6023683" cy="4654664"/>
+          </a:xfrm>
+          <a:prstGeom prst="rect">
+            <a:avLst/>
+          </a:prstGeom>
+        </p:spPr>
+      </p:pic>
+    </p:spTree>
+    <p:extLst>
+      <p:ext uri="{BB962C8B-B14F-4D97-AF65-F5344CB8AC3E}">
+        <p14:creationId xmlns:p14="http://schemas.microsoft.com/office/powerpoint/2010/main" val="303582536"/>
+      </p:ext>
+    </p:extLst>
+  </p:cSld>
+  <p:clrMapOvr>
+    <a:masterClrMapping/>
+  </p:clrMapOvr>
+  <p:timing>
+    <p:tnLst>
+      <p:par>
+        <p:cTn id="1" dur="indefinite" restart="never" nodeType="tmRoot"/>
+      </p:par>
+    </p:tnLst>
+  </p:timing>
+</p:sld>
+</file>
+
+<file path=ppt/slides/slide11.xml><?xml version="1.0" encoding="utf-8"?>
+<p:sld xmlns:a="http://schemas.openxmlformats.org/drawingml/2006/main" xmlns:r="http://schemas.openxmlformats.org/officeDocument/2006/relationships" xmlns:p="http://schemas.openxmlformats.org/presentationml/2006/main">
+  <p:cSld>
+    <p:spTree>
+      <p:nvGrpSpPr>
+        <p:cNvPr id="1" name=""/>
+        <p:cNvGrpSpPr/>
+        <p:nvPr/>
+      </p:nvGrpSpPr>
+      <p:grpSpPr>
+        <a:xfrm>
+          <a:off x="0" y="0"/>
+          <a:ext cx="0" cy="0"/>
+          <a:chOff x="0" y="0"/>
+          <a:chExt cx="0" cy="0"/>
+        </a:xfrm>
+      </p:grpSpPr>
+      <p:sp>
+        <p:nvSpPr>
+          <p:cNvPr id="2" name="Title 1"/>
+          <p:cNvSpPr>
+            <a:spLocks noGrp="1"/>
+          </p:cNvSpPr>
+          <p:nvPr>
+            <p:ph type="title"/>
+          </p:nvPr>
+        </p:nvSpPr>
+        <p:spPr/>
+        <p:txBody>
+          <a:bodyPr/>
+          <a:lstStyle/>
+          <a:p>
+            <a:endParaRPr lang="en-US" dirty="0"/>
+          </a:p>
+        </p:txBody>
+      </p:sp>
+      <mc:AlternateContent xmlns:mc="http://schemas.openxmlformats.org/markup-compatibility/2006">
+        <mc:Choice xmlns:a14="http://schemas.microsoft.com/office/drawing/2010/main" Requires="a14">
+          <p:sp>
+            <p:nvSpPr>
+              <p:cNvPr id="4" name="TextBox 3"/>
+              <p:cNvSpPr txBox="1"/>
+              <p:nvPr/>
+            </p:nvSpPr>
+            <p:spPr>
+              <a:xfrm>
+                <a:off x="1122338" y="4729459"/>
+                <a:ext cx="3449662" cy="740139"/>
+              </a:xfrm>
+              <a:prstGeom prst="rect">
+                <a:avLst/>
+              </a:prstGeom>
+              <a:noFill/>
+            </p:spPr>
+            <p:txBody>
+              <a:bodyPr wrap="none" lIns="0" tIns="0" rIns="0" bIns="0" rtlCol="0">
+                <a:spAutoFit/>
+              </a:bodyPr>
+              <a:lstStyle/>
+              <a:p>
+                <a14:m>
+                  <m:oMathPara xmlns:m="http://schemas.openxmlformats.org/officeDocument/2006/math">
+                    <m:oMathParaPr>
+                      <m:jc m:val="centerGroup"/>
+                    </m:oMathParaPr>
+                    <m:oMath xmlns:m="http://schemas.openxmlformats.org/officeDocument/2006/math">
+                      <m:f>
+                        <m:fPr>
+                          <m:ctrlPr>
+                            <a:rPr lang="en-US" i="1">
+                              <a:latin typeface="Cambria Math" charset="0"/>
+                            </a:rPr>
+                          </m:ctrlPr>
+                        </m:fPr>
+                        <m:num>
+                          <m:nary>
+                            <m:naryPr>
+                              <m:chr m:val="∑"/>
+                              <m:supHide m:val="on"/>
+                              <m:ctrlPr>
+                                <a:rPr lang="en-US" i="1">
+                                  <a:latin typeface="Cambria Math" charset="0"/>
+                                </a:rPr>
+                              </m:ctrlPr>
+                            </m:naryPr>
+                            <m:sub>
+                              <m:r>
+                                <m:rPr>
+                                  <m:brk m:alnAt="7"/>
+                                </m:rPr>
+                                <a:rPr lang="en-US" i="1">
+                                  <a:latin typeface="Cambria Math" charset="0"/>
+                                </a:rPr>
+                                <m:t>𝑑</m:t>
+                              </m:r>
+                              <m:r>
+                                <a:rPr lang="en-US" i="1">
+                                  <a:latin typeface="Cambria Math" charset="0"/>
+                                </a:rPr>
+                                <m:t>&lt;0</m:t>
+                              </m:r>
+                            </m:sub>
+                            <m:sup/>
+                            <m:e>
+                              <m:r>
+                                <a:rPr lang="en-US" i="1">
+                                  <a:latin typeface="Cambria Math" charset="0"/>
+                                </a:rPr>
+                                <m:t>1</m:t>
+                              </m:r>
+                              <m:r>
+                                <a:rPr lang="en-US" i="1">
+                                  <a:latin typeface="Cambria Math" charset="0"/>
+                                </a:rPr>
+                                <m:t> </m:t>
+                              </m:r>
+                            </m:e>
+                          </m:nary>
+                          <m:r>
+                            <a:rPr lang="en-US" i="1">
+                              <a:latin typeface="Cambria Math" charset="0"/>
+                            </a:rPr>
+                            <m:t>+</m:t>
+                          </m:r>
+                          <m:nary>
+                            <m:naryPr>
+                              <m:chr m:val="∑"/>
+                              <m:supHide m:val="on"/>
+                              <m:ctrlPr>
+                                <a:rPr lang="en-US" i="1">
+                                  <a:latin typeface="Cambria Math" charset="0"/>
+                                </a:rPr>
+                              </m:ctrlPr>
+                            </m:naryPr>
+                            <m:sub>
+                              <m:r>
+                                <m:rPr>
+                                  <m:brk m:alnAt="7"/>
+                                </m:rPr>
+                                <a:rPr lang="en-US" i="1">
+                                  <a:latin typeface="Cambria Math" charset="0"/>
+                                </a:rPr>
+                                <m:t>𝑑</m:t>
+                              </m:r>
+                              <m:r>
+                                <a:rPr lang="en-US" i="1">
+                                  <a:latin typeface="Cambria Math" charset="0"/>
+                                </a:rPr>
+                                <m:t>&gt;0</m:t>
+                              </m:r>
+                            </m:sub>
+                            <m:sup/>
+                            <m:e>
+                              <m:f>
+                                <m:fPr>
+                                  <m:ctrlPr>
+                                    <a:rPr lang="en-US" i="1">
+                                      <a:latin typeface="Cambria Math" charset="0"/>
+                                    </a:rPr>
+                                  </m:ctrlPr>
+                                </m:fPr>
+                                <m:num>
+                                  <m:r>
+                                    <a:rPr lang="en-US" i="1">
+                                      <a:latin typeface="Cambria Math" charset="0"/>
+                                    </a:rPr>
+                                    <m:t>1</m:t>
+                                  </m:r>
+                                </m:num>
+                                <m:den>
+                                  <m:r>
+                                    <a:rPr lang="en-US" i="1">
+                                      <a:latin typeface="Cambria Math" charset="0"/>
+                                    </a:rPr>
+                                    <m:t>1+ </m:t>
+                                  </m:r>
+                                  <m:sSup>
+                                    <m:sSupPr>
+                                      <m:ctrlPr>
+                                        <a:rPr lang="el-GR" i="1">
+                                          <a:latin typeface="Cambria Math" charset="0"/>
+                                        </a:rPr>
+                                      </m:ctrlPr>
+                                    </m:sSupPr>
+                                    <m:e>
+                                      <m:r>
+                                        <a:rPr lang="el-GR" i="1">
+                                          <a:latin typeface="Cambria Math" charset="0"/>
+                                        </a:rPr>
+                                        <m:t>𝑒</m:t>
+                                      </m:r>
+                                    </m:e>
+                                    <m:sup>
+                                      <m:r>
+                                        <a:rPr lang="en-US" i="1">
+                                          <a:latin typeface="Cambria Math" charset="0"/>
+                                        </a:rPr>
+                                        <m:t>0.0005 </m:t>
+                                      </m:r>
+                                      <m:d>
+                                        <m:dPr>
+                                          <m:ctrlPr>
+                                            <a:rPr lang="en-US" i="1">
+                                              <a:latin typeface="Cambria Math" charset="0"/>
+                                            </a:rPr>
+                                          </m:ctrlPr>
+                                        </m:dPr>
+                                        <m:e>
+                                          <m:r>
+                                            <a:rPr lang="en-US" i="1">
+                                              <a:latin typeface="Cambria Math" charset="0"/>
+                                            </a:rPr>
+                                            <m:t> </m:t>
+                                          </m:r>
+                                          <m:r>
+                                            <a:rPr lang="en-US" i="1">
+                                              <a:latin typeface="Cambria Math" charset="0"/>
+                                            </a:rPr>
+                                            <m:t>𝑑</m:t>
+                                          </m:r>
+                                          <m:r>
+                                            <a:rPr lang="en-US" i="1">
+                                              <a:latin typeface="Cambria Math" charset="0"/>
+                                            </a:rPr>
+                                            <m:t> − 15 </m:t>
+                                          </m:r>
+                                        </m:e>
+                                      </m:d>
+                                    </m:sup>
+                                  </m:sSup>
+                                </m:den>
+                              </m:f>
+                            </m:e>
+                          </m:nary>
+                        </m:num>
+                        <m:den>
+                          <m:r>
+                            <a:rPr lang="en-US" i="1">
+                              <a:latin typeface="Cambria Math" charset="0"/>
+                            </a:rPr>
+                            <m:t>𝐿</m:t>
+                          </m:r>
+                        </m:den>
+                      </m:f>
+                    </m:oMath>
+                  </m:oMathPara>
+                </a14:m>
+                <a:endParaRPr lang="en-US" dirty="0"/>
+              </a:p>
+            </p:txBody>
+          </p:sp>
+        </mc:Choice>
+        <mc:Fallback>
+          <p:sp>
+            <p:nvSpPr>
+              <p:cNvPr id="4" name="TextBox 3"/>
+              <p:cNvSpPr txBox="1">
+                <a:spLocks noRot="1" noChangeAspect="1" noMove="1" noResize="1" noEditPoints="1" noAdjustHandles="1" noChangeArrowheads="1" noChangeShapeType="1" noTextEdit="1"/>
+              </p:cNvSpPr>
+              <p:nvPr/>
+            </p:nvSpPr>
+            <p:spPr>
+              <a:xfrm>
+                <a:off x="1122338" y="4729459"/>
+                <a:ext cx="3449662" cy="740139"/>
+              </a:xfrm>
+              <a:prstGeom prst="rect">
+                <a:avLst/>
+              </a:prstGeom>
+              <a:blipFill rotWithShape="0">
+                <a:blip r:embed="rId2"/>
+                <a:stretch>
+                  <a:fillRect/>
+                </a:stretch>
+              </a:blipFill>
+            </p:spPr>
+            <p:txBody>
+              <a:bodyPr/>
+              <a:lstStyle/>
+              <a:p>
+                <a:r>
+                  <a:rPr lang="en-US">
+                    <a:noFill/>
+                  </a:rPr>
+                  <a:t> </a:t>
+                </a:r>
+              </a:p>
+            </p:txBody>
+          </p:sp>
+        </mc:Fallback>
+      </mc:AlternateContent>
+    </p:spTree>
+    <p:extLst>
+      <p:ext uri="{BB962C8B-B14F-4D97-AF65-F5344CB8AC3E}">
+        <p14:creationId xmlns:p14="http://schemas.microsoft.com/office/powerpoint/2010/main" val="399550698"/>
+      </p:ext>
+    </p:extLst>
+  </p:cSld>
+  <p:clrMapOvr>
+    <a:masterClrMapping/>
+  </p:clrMapOvr>
+  <p:timing>
+    <p:tnLst>
+      <p:par>
+        <p:cTn id="1" dur="indefinite" restart="never" nodeType="tmRoot"/>
+      </p:par>
+    </p:tnLst>
+  </p:timing>
+</p:sld>
+</file>
+
 <file path=ppt/slides/slide2.xml><?xml version="1.0" encoding="utf-8"?>
 <p:sld xmlns:a="http://schemas.openxmlformats.org/drawingml/2006/main" xmlns:r="http://schemas.openxmlformats.org/officeDocument/2006/relationships" xmlns:p="http://schemas.openxmlformats.org/presentationml/2006/main">
   <p:cSld>
@@ -3581,6 +3964,4903 @@
       </p:grpSpPr>
       <p:sp>
         <p:nvSpPr>
+          <p:cNvPr id="2" name="Title 1"/>
+          <p:cNvSpPr>
+            <a:spLocks noGrp="1"/>
+          </p:cNvSpPr>
+          <p:nvPr>
+            <p:ph type="title"/>
+          </p:nvPr>
+        </p:nvSpPr>
+        <p:spPr/>
+        <p:txBody>
+          <a:bodyPr>
+            <a:normAutofit fontScale="90000"/>
+          </a:bodyPr>
+          <a:lstStyle/>
+          <a:p>
+            <a:r>
+              <a:rPr lang="en-US" dirty="0" smtClean="0"/>
+              <a:t>Gene regulation through concerted action of activators and repressors</a:t>
+            </a:r>
+            <a:endParaRPr lang="en-US" dirty="0"/>
+          </a:p>
+        </p:txBody>
+      </p:sp>
+      <p:cxnSp>
+        <p:nvCxnSpPr>
+          <p:cNvPr id="32" name="Straight Connector 31"/>
+          <p:cNvCxnSpPr/>
+          <p:nvPr/>
+        </p:nvCxnSpPr>
+        <p:spPr>
+          <a:xfrm>
+            <a:off x="481207" y="3000205"/>
+            <a:ext cx="2278780" cy="1"/>
+          </a:xfrm>
+          <a:prstGeom prst="line">
+            <a:avLst/>
+          </a:prstGeom>
+          <a:ln w="63500">
+            <a:solidFill>
+              <a:schemeClr val="tx1"/>
+            </a:solidFill>
+          </a:ln>
+        </p:spPr>
+        <p:style>
+          <a:lnRef idx="1">
+            <a:schemeClr val="accent1"/>
+          </a:lnRef>
+          <a:fillRef idx="0">
+            <a:schemeClr val="accent1"/>
+          </a:fillRef>
+          <a:effectRef idx="0">
+            <a:schemeClr val="accent1"/>
+          </a:effectRef>
+          <a:fontRef idx="minor">
+            <a:schemeClr val="tx1"/>
+          </a:fontRef>
+        </p:style>
+      </p:cxnSp>
+      <p:cxnSp>
+        <p:nvCxnSpPr>
+          <p:cNvPr id="33" name="Straight Connector 32"/>
+          <p:cNvCxnSpPr/>
+          <p:nvPr/>
+        </p:nvCxnSpPr>
+        <p:spPr>
+          <a:xfrm>
+            <a:off x="3424976" y="2713605"/>
+            <a:ext cx="0" cy="308542"/>
+          </a:xfrm>
+          <a:prstGeom prst="line">
+            <a:avLst/>
+          </a:prstGeom>
+          <a:ln w="63500">
+            <a:solidFill>
+              <a:schemeClr val="tx1"/>
+            </a:solidFill>
+          </a:ln>
+        </p:spPr>
+        <p:style>
+          <a:lnRef idx="1">
+            <a:schemeClr val="accent1"/>
+          </a:lnRef>
+          <a:fillRef idx="0">
+            <a:schemeClr val="accent1"/>
+          </a:fillRef>
+          <a:effectRef idx="0">
+            <a:schemeClr val="accent1"/>
+          </a:effectRef>
+          <a:fontRef idx="minor">
+            <a:schemeClr val="tx1"/>
+          </a:fontRef>
+        </p:style>
+      </p:cxnSp>
+      <p:cxnSp>
+        <p:nvCxnSpPr>
+          <p:cNvPr id="34" name="Straight Arrow Connector 33"/>
+          <p:cNvCxnSpPr/>
+          <p:nvPr/>
+        </p:nvCxnSpPr>
+        <p:spPr>
+          <a:xfrm>
+            <a:off x="3410018" y="2736536"/>
+            <a:ext cx="308542" cy="0"/>
+          </a:xfrm>
+          <a:prstGeom prst="straightConnector1">
+            <a:avLst/>
+          </a:prstGeom>
+          <a:ln w="63500">
+            <a:solidFill>
+              <a:schemeClr val="tx1"/>
+            </a:solidFill>
+            <a:tailEnd type="triangle"/>
+          </a:ln>
+        </p:spPr>
+        <p:style>
+          <a:lnRef idx="1">
+            <a:schemeClr val="accent1"/>
+          </a:lnRef>
+          <a:fillRef idx="0">
+            <a:schemeClr val="accent1"/>
+          </a:fillRef>
+          <a:effectRef idx="0">
+            <a:schemeClr val="accent1"/>
+          </a:effectRef>
+          <a:fontRef idx="minor">
+            <a:schemeClr val="tx1"/>
+          </a:fontRef>
+        </p:style>
+      </p:cxnSp>
+      <p:cxnSp>
+        <p:nvCxnSpPr>
+          <p:cNvPr id="35" name="Straight Connector 34"/>
+          <p:cNvCxnSpPr/>
+          <p:nvPr/>
+        </p:nvCxnSpPr>
+        <p:spPr>
+          <a:xfrm>
+            <a:off x="3000917" y="3007090"/>
+            <a:ext cx="1173229" cy="0"/>
+          </a:xfrm>
+          <a:prstGeom prst="line">
+            <a:avLst/>
+          </a:prstGeom>
+          <a:ln w="63500">
+            <a:solidFill>
+              <a:schemeClr val="tx1"/>
+            </a:solidFill>
+          </a:ln>
+        </p:spPr>
+        <p:style>
+          <a:lnRef idx="1">
+            <a:schemeClr val="accent1"/>
+          </a:lnRef>
+          <a:fillRef idx="0">
+            <a:schemeClr val="accent1"/>
+          </a:fillRef>
+          <a:effectRef idx="0">
+            <a:schemeClr val="accent1"/>
+          </a:effectRef>
+          <a:fontRef idx="minor">
+            <a:schemeClr val="tx1"/>
+          </a:fontRef>
+        </p:style>
+      </p:cxnSp>
+      <p:sp>
+        <p:nvSpPr>
+          <p:cNvPr id="36" name="Rectangle 35"/>
+          <p:cNvSpPr/>
+          <p:nvPr/>
+        </p:nvSpPr>
+        <p:spPr>
+          <a:xfrm>
+            <a:off x="1760271" y="2957266"/>
+            <a:ext cx="567997" cy="85877"/>
+          </a:xfrm>
+          <a:prstGeom prst="rect">
+            <a:avLst/>
+          </a:prstGeom>
+          <a:solidFill>
+            <a:schemeClr val="accent2">
+              <a:lumMod val="75000"/>
+            </a:schemeClr>
+          </a:solidFill>
+          <a:ln>
+            <a:noFill/>
+          </a:ln>
+        </p:spPr>
+        <p:style>
+          <a:lnRef idx="2">
+            <a:schemeClr val="accent1">
+              <a:shade val="50000"/>
+            </a:schemeClr>
+          </a:lnRef>
+          <a:fillRef idx="1">
+            <a:schemeClr val="accent1"/>
+          </a:fillRef>
+          <a:effectRef idx="0">
+            <a:schemeClr val="accent1"/>
+          </a:effectRef>
+          <a:fontRef idx="minor">
+            <a:schemeClr val="lt1"/>
+          </a:fontRef>
+        </p:style>
+        <p:txBody>
+          <a:bodyPr rot="0" spcFirstLastPara="0" vertOverflow="overflow" horzOverflow="overflow" vert="horz" wrap="square" lIns="91440" tIns="45720" rIns="91440" bIns="45720" numCol="1" spcCol="0" rtlCol="0" fromWordArt="0" anchor="ctr" anchorCtr="0" forceAA="0" compatLnSpc="1">
+            <a:prstTxWarp prst="textNoShape">
+              <a:avLst/>
+            </a:prstTxWarp>
+            <a:noAutofit/>
+          </a:bodyPr>
+          <a:lstStyle/>
+          <a:p>
+            <a:pPr algn="ctr"/>
+            <a:endParaRPr lang="en-US"/>
+          </a:p>
+        </p:txBody>
+      </p:sp>
+      <p:sp>
+        <p:nvSpPr>
+          <p:cNvPr id="37" name="Rectangle 36"/>
+          <p:cNvSpPr/>
+          <p:nvPr/>
+        </p:nvSpPr>
+        <p:spPr>
+          <a:xfrm flipV="1">
+            <a:off x="836741" y="2957266"/>
+            <a:ext cx="567997" cy="85877"/>
+          </a:xfrm>
+          <a:prstGeom prst="rect">
+            <a:avLst/>
+          </a:prstGeom>
+          <a:solidFill>
+            <a:schemeClr val="accent2">
+              <a:lumMod val="75000"/>
+            </a:schemeClr>
+          </a:solidFill>
+          <a:ln>
+            <a:noFill/>
+          </a:ln>
+        </p:spPr>
+        <p:style>
+          <a:lnRef idx="2">
+            <a:schemeClr val="accent1">
+              <a:shade val="50000"/>
+            </a:schemeClr>
+          </a:lnRef>
+          <a:fillRef idx="1">
+            <a:schemeClr val="accent1"/>
+          </a:fillRef>
+          <a:effectRef idx="0">
+            <a:schemeClr val="accent1"/>
+          </a:effectRef>
+          <a:fontRef idx="minor">
+            <a:schemeClr val="lt1"/>
+          </a:fontRef>
+        </p:style>
+        <p:txBody>
+          <a:bodyPr rot="0" spcFirstLastPara="0" vertOverflow="overflow" horzOverflow="overflow" vert="horz" wrap="square" lIns="91440" tIns="45720" rIns="91440" bIns="45720" numCol="1" spcCol="0" rtlCol="0" fromWordArt="0" anchor="ctr" anchorCtr="0" forceAA="0" compatLnSpc="1">
+            <a:prstTxWarp prst="textNoShape">
+              <a:avLst/>
+            </a:prstTxWarp>
+            <a:noAutofit/>
+          </a:bodyPr>
+          <a:lstStyle/>
+          <a:p>
+            <a:pPr algn="ctr"/>
+            <a:endParaRPr lang="en-US"/>
+          </a:p>
+        </p:txBody>
+      </p:sp>
+      <p:cxnSp>
+        <p:nvCxnSpPr>
+          <p:cNvPr id="38" name="Straight Connector 37"/>
+          <p:cNvCxnSpPr/>
+          <p:nvPr/>
+        </p:nvCxnSpPr>
+        <p:spPr>
+          <a:xfrm flipH="1">
+            <a:off x="2898593" y="2919434"/>
+            <a:ext cx="200310" cy="161540"/>
+          </a:xfrm>
+          <a:prstGeom prst="line">
+            <a:avLst/>
+          </a:prstGeom>
+          <a:ln w="63500">
+            <a:solidFill>
+              <a:schemeClr val="tx1"/>
+            </a:solidFill>
+          </a:ln>
+        </p:spPr>
+        <p:style>
+          <a:lnRef idx="1">
+            <a:schemeClr val="accent1"/>
+          </a:lnRef>
+          <a:fillRef idx="0">
+            <a:schemeClr val="accent1"/>
+          </a:fillRef>
+          <a:effectRef idx="0">
+            <a:schemeClr val="accent1"/>
+          </a:effectRef>
+          <a:fontRef idx="minor">
+            <a:schemeClr val="tx1"/>
+          </a:fontRef>
+        </p:style>
+      </p:cxnSp>
+      <p:cxnSp>
+        <p:nvCxnSpPr>
+          <p:cNvPr id="39" name="Straight Connector 38"/>
+          <p:cNvCxnSpPr/>
+          <p:nvPr/>
+        </p:nvCxnSpPr>
+        <p:spPr>
+          <a:xfrm flipH="1">
+            <a:off x="2659486" y="2919434"/>
+            <a:ext cx="200310" cy="161540"/>
+          </a:xfrm>
+          <a:prstGeom prst="line">
+            <a:avLst/>
+          </a:prstGeom>
+          <a:ln w="63500">
+            <a:solidFill>
+              <a:schemeClr val="tx1"/>
+            </a:solidFill>
+          </a:ln>
+        </p:spPr>
+        <p:style>
+          <a:lnRef idx="1">
+            <a:schemeClr val="accent1"/>
+          </a:lnRef>
+          <a:fillRef idx="0">
+            <a:schemeClr val="accent1"/>
+          </a:fillRef>
+          <a:effectRef idx="0">
+            <a:schemeClr val="accent1"/>
+          </a:effectRef>
+          <a:fontRef idx="minor">
+            <a:schemeClr val="tx1"/>
+          </a:fontRef>
+        </p:style>
+      </p:cxnSp>
+      <p:sp>
+        <p:nvSpPr>
+          <p:cNvPr id="40" name="Oval 39"/>
+          <p:cNvSpPr/>
+          <p:nvPr/>
+        </p:nvSpPr>
+        <p:spPr>
+          <a:xfrm>
+            <a:off x="1906238" y="2731026"/>
+            <a:ext cx="276063" cy="276063"/>
+          </a:xfrm>
+          <a:prstGeom prst="ellipse">
+            <a:avLst/>
+          </a:prstGeom>
+        </p:spPr>
+        <p:style>
+          <a:lnRef idx="2">
+            <a:schemeClr val="accent1">
+              <a:shade val="50000"/>
+            </a:schemeClr>
+          </a:lnRef>
+          <a:fillRef idx="1">
+            <a:schemeClr val="accent1"/>
+          </a:fillRef>
+          <a:effectRef idx="0">
+            <a:schemeClr val="accent1"/>
+          </a:effectRef>
+          <a:fontRef idx="minor">
+            <a:schemeClr val="lt1"/>
+          </a:fontRef>
+        </p:style>
+        <p:txBody>
+          <a:bodyPr rot="0" spcFirstLastPara="0" vertOverflow="overflow" horzOverflow="overflow" vert="horz" wrap="square" lIns="91440" tIns="45720" rIns="91440" bIns="45720" numCol="1" spcCol="0" rtlCol="0" fromWordArt="0" anchor="ctr" anchorCtr="0" forceAA="0" compatLnSpc="1">
+            <a:prstTxWarp prst="textNoShape">
+              <a:avLst/>
+            </a:prstTxWarp>
+            <a:noAutofit/>
+          </a:bodyPr>
+          <a:lstStyle/>
+          <a:p>
+            <a:pPr algn="ctr"/>
+            <a:r>
+              <a:rPr lang="en-US" dirty="0"/>
+              <a:t>A</a:t>
+            </a:r>
+          </a:p>
+        </p:txBody>
+      </p:sp>
+      <p:sp>
+        <p:nvSpPr>
+          <p:cNvPr id="41" name="Arc 40"/>
+          <p:cNvSpPr/>
+          <p:nvPr/>
+        </p:nvSpPr>
+        <p:spPr>
+          <a:xfrm>
+            <a:off x="2049230" y="2274176"/>
+            <a:ext cx="1355250" cy="602321"/>
+          </a:xfrm>
+          <a:prstGeom prst="arc">
+            <a:avLst>
+              <a:gd name="adj1" fmla="val 10794464"/>
+              <a:gd name="adj2" fmla="val 0"/>
+            </a:avLst>
+          </a:prstGeom>
+          <a:ln w="25400" cap="sq">
+            <a:solidFill>
+              <a:schemeClr val="bg1">
+                <a:lumMod val="50000"/>
+              </a:schemeClr>
+            </a:solidFill>
+            <a:tailEnd type="triangle"/>
+          </a:ln>
+        </p:spPr>
+        <p:style>
+          <a:lnRef idx="1">
+            <a:schemeClr val="accent1"/>
+          </a:lnRef>
+          <a:fillRef idx="0">
+            <a:schemeClr val="accent1"/>
+          </a:fillRef>
+          <a:effectRef idx="0">
+            <a:schemeClr val="accent1"/>
+          </a:effectRef>
+          <a:fontRef idx="minor">
+            <a:schemeClr val="tx1"/>
+          </a:fontRef>
+        </p:style>
+        <p:txBody>
+          <a:bodyPr rot="0" spcFirstLastPara="0" vertOverflow="overflow" horzOverflow="overflow" vert="horz" wrap="square" lIns="91440" tIns="45720" rIns="91440" bIns="45720" numCol="1" spcCol="0" rtlCol="0" fromWordArt="0" anchor="ctr" anchorCtr="0" forceAA="0" compatLnSpc="1">
+            <a:prstTxWarp prst="textNoShape">
+              <a:avLst/>
+            </a:prstTxWarp>
+            <a:noAutofit/>
+          </a:bodyPr>
+          <a:lstStyle/>
+          <a:p>
+            <a:pPr algn="ctr"/>
+            <a:endParaRPr lang="en-US"/>
+          </a:p>
+        </p:txBody>
+      </p:sp>
+      <p:sp>
+        <p:nvSpPr>
+          <p:cNvPr id="42" name="TextBox 41"/>
+          <p:cNvSpPr txBox="1"/>
+          <p:nvPr/>
+        </p:nvSpPr>
+        <p:spPr>
+          <a:xfrm>
+            <a:off x="3698182" y="2535919"/>
+            <a:ext cx="458780" cy="369332"/>
+          </a:xfrm>
+          <a:prstGeom prst="rect">
+            <a:avLst/>
+          </a:prstGeom>
+          <a:noFill/>
+        </p:spPr>
+        <p:txBody>
+          <a:bodyPr wrap="none" rtlCol="0">
+            <a:spAutoFit/>
+          </a:bodyPr>
+          <a:lstStyle/>
+          <a:p>
+            <a:r>
+              <a:rPr lang="en-US" dirty="0" smtClean="0"/>
+              <a:t>On</a:t>
+            </a:r>
+            <a:endParaRPr lang="en-US" dirty="0"/>
+          </a:p>
+        </p:txBody>
+      </p:sp>
+      <p:cxnSp>
+        <p:nvCxnSpPr>
+          <p:cNvPr id="43" name="Straight Connector 42"/>
+          <p:cNvCxnSpPr/>
+          <p:nvPr/>
+        </p:nvCxnSpPr>
+        <p:spPr>
+          <a:xfrm>
+            <a:off x="4944331" y="3002981"/>
+            <a:ext cx="2278780" cy="1"/>
+          </a:xfrm>
+          <a:prstGeom prst="line">
+            <a:avLst/>
+          </a:prstGeom>
+          <a:ln w="63500">
+            <a:solidFill>
+              <a:schemeClr val="tx1"/>
+            </a:solidFill>
+          </a:ln>
+        </p:spPr>
+        <p:style>
+          <a:lnRef idx="1">
+            <a:schemeClr val="accent1"/>
+          </a:lnRef>
+          <a:fillRef idx="0">
+            <a:schemeClr val="accent1"/>
+          </a:fillRef>
+          <a:effectRef idx="0">
+            <a:schemeClr val="accent1"/>
+          </a:effectRef>
+          <a:fontRef idx="minor">
+            <a:schemeClr val="tx1"/>
+          </a:fontRef>
+        </p:style>
+      </p:cxnSp>
+      <p:cxnSp>
+        <p:nvCxnSpPr>
+          <p:cNvPr id="44" name="Straight Connector 43"/>
+          <p:cNvCxnSpPr/>
+          <p:nvPr/>
+        </p:nvCxnSpPr>
+        <p:spPr>
+          <a:xfrm>
+            <a:off x="7888100" y="2716381"/>
+            <a:ext cx="0" cy="308542"/>
+          </a:xfrm>
+          <a:prstGeom prst="line">
+            <a:avLst/>
+          </a:prstGeom>
+          <a:ln w="63500">
+            <a:solidFill>
+              <a:schemeClr val="tx1"/>
+            </a:solidFill>
+          </a:ln>
+        </p:spPr>
+        <p:style>
+          <a:lnRef idx="1">
+            <a:schemeClr val="accent1"/>
+          </a:lnRef>
+          <a:fillRef idx="0">
+            <a:schemeClr val="accent1"/>
+          </a:fillRef>
+          <a:effectRef idx="0">
+            <a:schemeClr val="accent1"/>
+          </a:effectRef>
+          <a:fontRef idx="minor">
+            <a:schemeClr val="tx1"/>
+          </a:fontRef>
+        </p:style>
+      </p:cxnSp>
+      <p:cxnSp>
+        <p:nvCxnSpPr>
+          <p:cNvPr id="45" name="Straight Arrow Connector 44"/>
+          <p:cNvCxnSpPr/>
+          <p:nvPr/>
+        </p:nvCxnSpPr>
+        <p:spPr>
+          <a:xfrm>
+            <a:off x="7873142" y="2739312"/>
+            <a:ext cx="308542" cy="0"/>
+          </a:xfrm>
+          <a:prstGeom prst="straightConnector1">
+            <a:avLst/>
+          </a:prstGeom>
+          <a:ln w="63500">
+            <a:solidFill>
+              <a:schemeClr val="tx1"/>
+            </a:solidFill>
+            <a:tailEnd type="triangle"/>
+          </a:ln>
+        </p:spPr>
+        <p:style>
+          <a:lnRef idx="1">
+            <a:schemeClr val="accent1"/>
+          </a:lnRef>
+          <a:fillRef idx="0">
+            <a:schemeClr val="accent1"/>
+          </a:fillRef>
+          <a:effectRef idx="0">
+            <a:schemeClr val="accent1"/>
+          </a:effectRef>
+          <a:fontRef idx="minor">
+            <a:schemeClr val="tx1"/>
+          </a:fontRef>
+        </p:style>
+      </p:cxnSp>
+      <p:cxnSp>
+        <p:nvCxnSpPr>
+          <p:cNvPr id="46" name="Straight Connector 45"/>
+          <p:cNvCxnSpPr/>
+          <p:nvPr/>
+        </p:nvCxnSpPr>
+        <p:spPr>
+          <a:xfrm>
+            <a:off x="7464041" y="3009866"/>
+            <a:ext cx="1173229" cy="0"/>
+          </a:xfrm>
+          <a:prstGeom prst="line">
+            <a:avLst/>
+          </a:prstGeom>
+          <a:ln w="63500">
+            <a:solidFill>
+              <a:schemeClr val="tx1"/>
+            </a:solidFill>
+          </a:ln>
+        </p:spPr>
+        <p:style>
+          <a:lnRef idx="1">
+            <a:schemeClr val="accent1"/>
+          </a:lnRef>
+          <a:fillRef idx="0">
+            <a:schemeClr val="accent1"/>
+          </a:fillRef>
+          <a:effectRef idx="0">
+            <a:schemeClr val="accent1"/>
+          </a:effectRef>
+          <a:fontRef idx="minor">
+            <a:schemeClr val="tx1"/>
+          </a:fontRef>
+        </p:style>
+      </p:cxnSp>
+      <p:sp>
+        <p:nvSpPr>
+          <p:cNvPr id="47" name="Rectangle 46"/>
+          <p:cNvSpPr/>
+          <p:nvPr/>
+        </p:nvSpPr>
+        <p:spPr>
+          <a:xfrm>
+            <a:off x="6223395" y="2960042"/>
+            <a:ext cx="567997" cy="85877"/>
+          </a:xfrm>
+          <a:prstGeom prst="rect">
+            <a:avLst/>
+          </a:prstGeom>
+          <a:solidFill>
+            <a:schemeClr val="accent2">
+              <a:lumMod val="75000"/>
+            </a:schemeClr>
+          </a:solidFill>
+          <a:ln>
+            <a:noFill/>
+          </a:ln>
+        </p:spPr>
+        <p:style>
+          <a:lnRef idx="2">
+            <a:schemeClr val="accent1">
+              <a:shade val="50000"/>
+            </a:schemeClr>
+          </a:lnRef>
+          <a:fillRef idx="1">
+            <a:schemeClr val="accent1"/>
+          </a:fillRef>
+          <a:effectRef idx="0">
+            <a:schemeClr val="accent1"/>
+          </a:effectRef>
+          <a:fontRef idx="minor">
+            <a:schemeClr val="lt1"/>
+          </a:fontRef>
+        </p:style>
+        <p:txBody>
+          <a:bodyPr rot="0" spcFirstLastPara="0" vertOverflow="overflow" horzOverflow="overflow" vert="horz" wrap="square" lIns="91440" tIns="45720" rIns="91440" bIns="45720" numCol="1" spcCol="0" rtlCol="0" fromWordArt="0" anchor="ctr" anchorCtr="0" forceAA="0" compatLnSpc="1">
+            <a:prstTxWarp prst="textNoShape">
+              <a:avLst/>
+            </a:prstTxWarp>
+            <a:noAutofit/>
+          </a:bodyPr>
+          <a:lstStyle/>
+          <a:p>
+            <a:pPr algn="ctr"/>
+            <a:endParaRPr lang="en-US"/>
+          </a:p>
+        </p:txBody>
+      </p:sp>
+      <p:sp>
+        <p:nvSpPr>
+          <p:cNvPr id="48" name="Rectangle 47"/>
+          <p:cNvSpPr/>
+          <p:nvPr/>
+        </p:nvSpPr>
+        <p:spPr>
+          <a:xfrm flipV="1">
+            <a:off x="5299865" y="2960042"/>
+            <a:ext cx="567997" cy="85877"/>
+          </a:xfrm>
+          <a:prstGeom prst="rect">
+            <a:avLst/>
+          </a:prstGeom>
+          <a:solidFill>
+            <a:schemeClr val="accent2">
+              <a:lumMod val="75000"/>
+            </a:schemeClr>
+          </a:solidFill>
+          <a:ln>
+            <a:noFill/>
+          </a:ln>
+        </p:spPr>
+        <p:style>
+          <a:lnRef idx="2">
+            <a:schemeClr val="accent1">
+              <a:shade val="50000"/>
+            </a:schemeClr>
+          </a:lnRef>
+          <a:fillRef idx="1">
+            <a:schemeClr val="accent1"/>
+          </a:fillRef>
+          <a:effectRef idx="0">
+            <a:schemeClr val="accent1"/>
+          </a:effectRef>
+          <a:fontRef idx="minor">
+            <a:schemeClr val="lt1"/>
+          </a:fontRef>
+        </p:style>
+        <p:txBody>
+          <a:bodyPr rot="0" spcFirstLastPara="0" vertOverflow="overflow" horzOverflow="overflow" vert="horz" wrap="square" lIns="91440" tIns="45720" rIns="91440" bIns="45720" numCol="1" spcCol="0" rtlCol="0" fromWordArt="0" anchor="ctr" anchorCtr="0" forceAA="0" compatLnSpc="1">
+            <a:prstTxWarp prst="textNoShape">
+              <a:avLst/>
+            </a:prstTxWarp>
+            <a:noAutofit/>
+          </a:bodyPr>
+          <a:lstStyle/>
+          <a:p>
+            <a:pPr algn="ctr"/>
+            <a:endParaRPr lang="en-US"/>
+          </a:p>
+        </p:txBody>
+      </p:sp>
+      <p:cxnSp>
+        <p:nvCxnSpPr>
+          <p:cNvPr id="49" name="Straight Connector 48"/>
+          <p:cNvCxnSpPr/>
+          <p:nvPr/>
+        </p:nvCxnSpPr>
+        <p:spPr>
+          <a:xfrm flipH="1">
+            <a:off x="7361717" y="2922210"/>
+            <a:ext cx="200310" cy="161540"/>
+          </a:xfrm>
+          <a:prstGeom prst="line">
+            <a:avLst/>
+          </a:prstGeom>
+          <a:ln w="63500">
+            <a:solidFill>
+              <a:schemeClr val="tx1"/>
+            </a:solidFill>
+          </a:ln>
+        </p:spPr>
+        <p:style>
+          <a:lnRef idx="1">
+            <a:schemeClr val="accent1"/>
+          </a:lnRef>
+          <a:fillRef idx="0">
+            <a:schemeClr val="accent1"/>
+          </a:fillRef>
+          <a:effectRef idx="0">
+            <a:schemeClr val="accent1"/>
+          </a:effectRef>
+          <a:fontRef idx="minor">
+            <a:schemeClr val="tx1"/>
+          </a:fontRef>
+        </p:style>
+      </p:cxnSp>
+      <p:cxnSp>
+        <p:nvCxnSpPr>
+          <p:cNvPr id="50" name="Straight Connector 49"/>
+          <p:cNvCxnSpPr/>
+          <p:nvPr/>
+        </p:nvCxnSpPr>
+        <p:spPr>
+          <a:xfrm flipH="1">
+            <a:off x="7122610" y="2922210"/>
+            <a:ext cx="200310" cy="161540"/>
+          </a:xfrm>
+          <a:prstGeom prst="line">
+            <a:avLst/>
+          </a:prstGeom>
+          <a:ln w="63500">
+            <a:solidFill>
+              <a:schemeClr val="tx1"/>
+            </a:solidFill>
+          </a:ln>
+        </p:spPr>
+        <p:style>
+          <a:lnRef idx="1">
+            <a:schemeClr val="accent1"/>
+          </a:lnRef>
+          <a:fillRef idx="0">
+            <a:schemeClr val="accent1"/>
+          </a:fillRef>
+          <a:effectRef idx="0">
+            <a:schemeClr val="accent1"/>
+          </a:effectRef>
+          <a:fontRef idx="minor">
+            <a:schemeClr val="tx1"/>
+          </a:fontRef>
+        </p:style>
+      </p:cxnSp>
+      <p:sp>
+        <p:nvSpPr>
+          <p:cNvPr id="51" name="Oval 50"/>
+          <p:cNvSpPr/>
+          <p:nvPr/>
+        </p:nvSpPr>
+        <p:spPr>
+          <a:xfrm>
+            <a:off x="6369362" y="2733802"/>
+            <a:ext cx="276063" cy="276063"/>
+          </a:xfrm>
+          <a:prstGeom prst="ellipse">
+            <a:avLst/>
+          </a:prstGeom>
+        </p:spPr>
+        <p:style>
+          <a:lnRef idx="2">
+            <a:schemeClr val="accent1">
+              <a:shade val="50000"/>
+            </a:schemeClr>
+          </a:lnRef>
+          <a:fillRef idx="1">
+            <a:schemeClr val="accent1"/>
+          </a:fillRef>
+          <a:effectRef idx="0">
+            <a:schemeClr val="accent1"/>
+          </a:effectRef>
+          <a:fontRef idx="minor">
+            <a:schemeClr val="lt1"/>
+          </a:fontRef>
+        </p:style>
+        <p:txBody>
+          <a:bodyPr rot="0" spcFirstLastPara="0" vertOverflow="overflow" horzOverflow="overflow" vert="horz" wrap="square" lIns="91440" tIns="45720" rIns="91440" bIns="45720" numCol="1" spcCol="0" rtlCol="0" fromWordArt="0" anchor="ctr" anchorCtr="0" forceAA="0" compatLnSpc="1">
+            <a:prstTxWarp prst="textNoShape">
+              <a:avLst/>
+            </a:prstTxWarp>
+            <a:noAutofit/>
+          </a:bodyPr>
+          <a:lstStyle/>
+          <a:p>
+            <a:pPr algn="ctr"/>
+            <a:r>
+              <a:rPr lang="en-US" dirty="0"/>
+              <a:t>A</a:t>
+            </a:r>
+          </a:p>
+        </p:txBody>
+      </p:sp>
+      <p:sp>
+        <p:nvSpPr>
+          <p:cNvPr id="52" name="Arc 51"/>
+          <p:cNvSpPr/>
+          <p:nvPr/>
+        </p:nvSpPr>
+        <p:spPr>
+          <a:xfrm>
+            <a:off x="6512354" y="2276952"/>
+            <a:ext cx="1355250" cy="602321"/>
+          </a:xfrm>
+          <a:prstGeom prst="arc">
+            <a:avLst>
+              <a:gd name="adj1" fmla="val 10794464"/>
+              <a:gd name="adj2" fmla="val 0"/>
+            </a:avLst>
+          </a:prstGeom>
+          <a:ln w="25400" cap="sq">
+            <a:solidFill>
+              <a:schemeClr val="bg1">
+                <a:lumMod val="50000"/>
+              </a:schemeClr>
+            </a:solidFill>
+            <a:tailEnd type="triangle"/>
+          </a:ln>
+        </p:spPr>
+        <p:style>
+          <a:lnRef idx="1">
+            <a:schemeClr val="accent1"/>
+          </a:lnRef>
+          <a:fillRef idx="0">
+            <a:schemeClr val="accent1"/>
+          </a:fillRef>
+          <a:effectRef idx="0">
+            <a:schemeClr val="accent1"/>
+          </a:effectRef>
+          <a:fontRef idx="minor">
+            <a:schemeClr val="tx1"/>
+          </a:fontRef>
+        </p:style>
+        <p:txBody>
+          <a:bodyPr rot="0" spcFirstLastPara="0" vertOverflow="overflow" horzOverflow="overflow" vert="horz" wrap="square" lIns="91440" tIns="45720" rIns="91440" bIns="45720" numCol="1" spcCol="0" rtlCol="0" fromWordArt="0" anchor="ctr" anchorCtr="0" forceAA="0" compatLnSpc="1">
+            <a:prstTxWarp prst="textNoShape">
+              <a:avLst/>
+            </a:prstTxWarp>
+            <a:noAutofit/>
+          </a:bodyPr>
+          <a:lstStyle/>
+          <a:p>
+            <a:pPr algn="ctr"/>
+            <a:endParaRPr lang="en-US"/>
+          </a:p>
+        </p:txBody>
+      </p:sp>
+      <p:sp>
+        <p:nvSpPr>
+          <p:cNvPr id="53" name="Oval 52"/>
+          <p:cNvSpPr/>
+          <p:nvPr/>
+        </p:nvSpPr>
+        <p:spPr>
+          <a:xfrm>
+            <a:off x="5445831" y="2733802"/>
+            <a:ext cx="276063" cy="276063"/>
+          </a:xfrm>
+          <a:prstGeom prst="ellipse">
+            <a:avLst/>
+          </a:prstGeom>
+        </p:spPr>
+        <p:style>
+          <a:lnRef idx="2">
+            <a:schemeClr val="accent1">
+              <a:shade val="50000"/>
+            </a:schemeClr>
+          </a:lnRef>
+          <a:fillRef idx="1">
+            <a:schemeClr val="accent1"/>
+          </a:fillRef>
+          <a:effectRef idx="0">
+            <a:schemeClr val="accent1"/>
+          </a:effectRef>
+          <a:fontRef idx="minor">
+            <a:schemeClr val="lt1"/>
+          </a:fontRef>
+        </p:style>
+        <p:txBody>
+          <a:bodyPr rot="0" spcFirstLastPara="0" vertOverflow="overflow" horzOverflow="overflow" vert="horz" wrap="square" lIns="91440" tIns="45720" rIns="91440" bIns="45720" numCol="1" spcCol="0" rtlCol="0" fromWordArt="0" anchor="ctr" anchorCtr="0" forceAA="0" compatLnSpc="1">
+            <a:prstTxWarp prst="textNoShape">
+              <a:avLst/>
+            </a:prstTxWarp>
+            <a:noAutofit/>
+          </a:bodyPr>
+          <a:lstStyle/>
+          <a:p>
+            <a:pPr algn="ctr"/>
+            <a:r>
+              <a:rPr lang="en-US" dirty="0" smtClean="0"/>
+              <a:t>R</a:t>
+            </a:r>
+            <a:endParaRPr lang="en-US" dirty="0"/>
+          </a:p>
+        </p:txBody>
+      </p:sp>
+      <p:sp>
+        <p:nvSpPr>
+          <p:cNvPr id="54" name="Oval 53"/>
+          <p:cNvSpPr/>
+          <p:nvPr/>
+        </p:nvSpPr>
+        <p:spPr>
+          <a:xfrm>
+            <a:off x="5136317" y="2427340"/>
+            <a:ext cx="923531" cy="340822"/>
+          </a:xfrm>
+          <a:prstGeom prst="ellipse">
+            <a:avLst/>
+          </a:prstGeom>
+        </p:spPr>
+        <p:style>
+          <a:lnRef idx="2">
+            <a:schemeClr val="accent1">
+              <a:shade val="50000"/>
+            </a:schemeClr>
+          </a:lnRef>
+          <a:fillRef idx="1">
+            <a:schemeClr val="accent1"/>
+          </a:fillRef>
+          <a:effectRef idx="0">
+            <a:schemeClr val="accent1"/>
+          </a:effectRef>
+          <a:fontRef idx="minor">
+            <a:schemeClr val="lt1"/>
+          </a:fontRef>
+        </p:style>
+        <p:txBody>
+          <a:bodyPr rtlCol="0" anchor="ctr"/>
+          <a:lstStyle/>
+          <a:p>
+            <a:pPr algn="ctr"/>
+            <a:r>
+              <a:rPr lang="en-US" dirty="0" smtClean="0"/>
+              <a:t>Co-R</a:t>
+            </a:r>
+            <a:endParaRPr lang="en-US" dirty="0"/>
+          </a:p>
+        </p:txBody>
+      </p:sp>
+      <p:sp>
+        <p:nvSpPr>
+          <p:cNvPr id="55" name="TextBox 54"/>
+          <p:cNvSpPr txBox="1"/>
+          <p:nvPr/>
+        </p:nvSpPr>
+        <p:spPr>
+          <a:xfrm>
+            <a:off x="8161306" y="2538695"/>
+            <a:ext cx="458780" cy="369332"/>
+          </a:xfrm>
+          <a:prstGeom prst="rect">
+            <a:avLst/>
+          </a:prstGeom>
+          <a:noFill/>
+        </p:spPr>
+        <p:txBody>
+          <a:bodyPr wrap="none" rtlCol="0">
+            <a:spAutoFit/>
+          </a:bodyPr>
+          <a:lstStyle/>
+          <a:p>
+            <a:r>
+              <a:rPr lang="en-US" dirty="0" smtClean="0"/>
+              <a:t>On</a:t>
+            </a:r>
+            <a:endParaRPr lang="en-US" dirty="0"/>
+          </a:p>
+        </p:txBody>
+      </p:sp>
+      <p:sp>
+        <p:nvSpPr>
+          <p:cNvPr id="56" name="TextBox 55"/>
+          <p:cNvSpPr txBox="1"/>
+          <p:nvPr/>
+        </p:nvSpPr>
+        <p:spPr>
+          <a:xfrm>
+            <a:off x="8161306" y="2538695"/>
+            <a:ext cx="475964" cy="369332"/>
+          </a:xfrm>
+          <a:prstGeom prst="rect">
+            <a:avLst/>
+          </a:prstGeom>
+          <a:noFill/>
+        </p:spPr>
+        <p:txBody>
+          <a:bodyPr wrap="none" rtlCol="0">
+            <a:spAutoFit/>
+          </a:bodyPr>
+          <a:lstStyle/>
+          <a:p>
+            <a:r>
+              <a:rPr lang="en-US" smtClean="0"/>
+              <a:t>Off</a:t>
+            </a:r>
+            <a:endParaRPr lang="en-US" dirty="0"/>
+          </a:p>
+        </p:txBody>
+      </p:sp>
+      <p:grpSp>
+        <p:nvGrpSpPr>
+          <p:cNvPr id="57" name="Group 56"/>
+          <p:cNvGrpSpPr/>
+          <p:nvPr/>
+        </p:nvGrpSpPr>
+        <p:grpSpPr>
+          <a:xfrm>
+            <a:off x="5583861" y="1898905"/>
+            <a:ext cx="1772246" cy="648408"/>
+            <a:chOff x="3573230" y="3124668"/>
+            <a:chExt cx="1772246" cy="648408"/>
+          </a:xfrm>
+        </p:grpSpPr>
+        <p:sp>
+          <p:nvSpPr>
+            <p:cNvPr id="58" name="Arc 57"/>
+            <p:cNvSpPr/>
+            <p:nvPr/>
+          </p:nvSpPr>
+          <p:spPr>
+            <a:xfrm>
+              <a:off x="3573230" y="3124668"/>
+              <a:ext cx="1639249" cy="648408"/>
+            </a:xfrm>
+            <a:prstGeom prst="arc">
+              <a:avLst>
+                <a:gd name="adj1" fmla="val 10794464"/>
+                <a:gd name="adj2" fmla="val 21473582"/>
+              </a:avLst>
+            </a:prstGeom>
+            <a:ln w="25400" cap="sq">
+              <a:solidFill>
+                <a:schemeClr val="bg1">
+                  <a:lumMod val="50000"/>
+                </a:schemeClr>
+              </a:solidFill>
+              <a:tailEnd type="none"/>
+            </a:ln>
+          </p:spPr>
+          <p:style>
+            <a:lnRef idx="1">
+              <a:schemeClr val="accent1"/>
+            </a:lnRef>
+            <a:fillRef idx="0">
+              <a:schemeClr val="accent1"/>
+            </a:fillRef>
+            <a:effectRef idx="0">
+              <a:schemeClr val="accent1"/>
+            </a:effectRef>
+            <a:fontRef idx="minor">
+              <a:schemeClr val="tx1"/>
+            </a:fontRef>
+          </p:style>
+          <p:txBody>
+            <a:bodyPr rot="0" spcFirstLastPara="0" vertOverflow="overflow" horzOverflow="overflow" vert="horz" wrap="square" lIns="91440" tIns="45720" rIns="91440" bIns="45720" numCol="1" spcCol="0" rtlCol="0" fromWordArt="0" anchor="ctr" anchorCtr="0" forceAA="0" compatLnSpc="1">
+              <a:prstTxWarp prst="textNoShape">
+                <a:avLst/>
+              </a:prstTxWarp>
+              <a:noAutofit/>
+            </a:bodyPr>
+            <a:lstStyle/>
+            <a:p>
+              <a:pPr algn="ctr"/>
+              <a:endParaRPr lang="en-US"/>
+            </a:p>
+          </p:txBody>
+        </p:sp>
+        <p:cxnSp>
+          <p:nvCxnSpPr>
+            <p:cNvPr id="59" name="Straight Connector 58"/>
+            <p:cNvCxnSpPr/>
+            <p:nvPr/>
+          </p:nvCxnSpPr>
+          <p:spPr>
+            <a:xfrm>
+              <a:off x="5076205" y="3427597"/>
+              <a:ext cx="269271" cy="0"/>
+            </a:xfrm>
+            <a:prstGeom prst="line">
+              <a:avLst/>
+            </a:prstGeom>
+            <a:ln w="25400">
+              <a:solidFill>
+                <a:schemeClr val="bg1">
+                  <a:lumMod val="50000"/>
+                </a:schemeClr>
+              </a:solidFill>
+            </a:ln>
+          </p:spPr>
+          <p:style>
+            <a:lnRef idx="1">
+              <a:schemeClr val="accent1"/>
+            </a:lnRef>
+            <a:fillRef idx="0">
+              <a:schemeClr val="accent1"/>
+            </a:fillRef>
+            <a:effectRef idx="0">
+              <a:schemeClr val="accent1"/>
+            </a:effectRef>
+            <a:fontRef idx="minor">
+              <a:schemeClr val="tx1"/>
+            </a:fontRef>
+          </p:style>
+        </p:cxnSp>
+      </p:grpSp>
+      <p:sp>
+        <p:nvSpPr>
+          <p:cNvPr id="60" name="Right Arrow 59"/>
+          <p:cNvSpPr/>
+          <p:nvPr/>
+        </p:nvSpPr>
+        <p:spPr>
+          <a:xfrm>
+            <a:off x="4383835" y="2389456"/>
+            <a:ext cx="414528" cy="371759"/>
+          </a:xfrm>
+          <a:prstGeom prst="rightArrow">
+            <a:avLst/>
+          </a:prstGeom>
+          <a:solidFill>
+            <a:schemeClr val="tx1">
+              <a:lumMod val="65000"/>
+              <a:lumOff val="35000"/>
+            </a:schemeClr>
+          </a:solidFill>
+          <a:ln>
+            <a:noFill/>
+          </a:ln>
+        </p:spPr>
+        <p:style>
+          <a:lnRef idx="2">
+            <a:schemeClr val="accent1">
+              <a:shade val="50000"/>
+            </a:schemeClr>
+          </a:lnRef>
+          <a:fillRef idx="1">
+            <a:schemeClr val="accent1"/>
+          </a:fillRef>
+          <a:effectRef idx="0">
+            <a:schemeClr val="accent1"/>
+          </a:effectRef>
+          <a:fontRef idx="minor">
+            <a:schemeClr val="lt1"/>
+          </a:fontRef>
+        </p:style>
+        <p:txBody>
+          <a:bodyPr rtlCol="0" anchor="ctr"/>
+          <a:lstStyle/>
+          <a:p>
+            <a:pPr algn="ctr"/>
+            <a:endParaRPr lang="en-US"/>
+          </a:p>
+        </p:txBody>
+      </p:sp>
+      <p:cxnSp>
+        <p:nvCxnSpPr>
+          <p:cNvPr id="61" name="Straight Connector 60"/>
+          <p:cNvCxnSpPr/>
+          <p:nvPr/>
+        </p:nvCxnSpPr>
+        <p:spPr>
+          <a:xfrm flipV="1">
+            <a:off x="371893" y="5551236"/>
+            <a:ext cx="1715445" cy="6884"/>
+          </a:xfrm>
+          <a:prstGeom prst="line">
+            <a:avLst/>
+          </a:prstGeom>
+          <a:ln w="63500">
+            <a:solidFill>
+              <a:schemeClr val="tx1"/>
+            </a:solidFill>
+          </a:ln>
+        </p:spPr>
+        <p:style>
+          <a:lnRef idx="1">
+            <a:schemeClr val="accent1"/>
+          </a:lnRef>
+          <a:fillRef idx="0">
+            <a:schemeClr val="accent1"/>
+          </a:fillRef>
+          <a:effectRef idx="0">
+            <a:schemeClr val="accent1"/>
+          </a:effectRef>
+          <a:fontRef idx="minor">
+            <a:schemeClr val="tx1"/>
+          </a:fontRef>
+        </p:style>
+      </p:cxnSp>
+      <p:cxnSp>
+        <p:nvCxnSpPr>
+          <p:cNvPr id="62" name="Straight Connector 61"/>
+          <p:cNvCxnSpPr/>
+          <p:nvPr/>
+        </p:nvCxnSpPr>
+        <p:spPr>
+          <a:xfrm>
+            <a:off x="2752327" y="5264635"/>
+            <a:ext cx="0" cy="308542"/>
+          </a:xfrm>
+          <a:prstGeom prst="line">
+            <a:avLst/>
+          </a:prstGeom>
+          <a:ln w="63500">
+            <a:solidFill>
+              <a:schemeClr val="tx1"/>
+            </a:solidFill>
+          </a:ln>
+        </p:spPr>
+        <p:style>
+          <a:lnRef idx="1">
+            <a:schemeClr val="accent1"/>
+          </a:lnRef>
+          <a:fillRef idx="0">
+            <a:schemeClr val="accent1"/>
+          </a:fillRef>
+          <a:effectRef idx="0">
+            <a:schemeClr val="accent1"/>
+          </a:effectRef>
+          <a:fontRef idx="minor">
+            <a:schemeClr val="tx1"/>
+          </a:fontRef>
+        </p:style>
+      </p:cxnSp>
+      <p:cxnSp>
+        <p:nvCxnSpPr>
+          <p:cNvPr id="63" name="Straight Arrow Connector 62"/>
+          <p:cNvCxnSpPr/>
+          <p:nvPr/>
+        </p:nvCxnSpPr>
+        <p:spPr>
+          <a:xfrm>
+            <a:off x="2737369" y="5287566"/>
+            <a:ext cx="308542" cy="0"/>
+          </a:xfrm>
+          <a:prstGeom prst="straightConnector1">
+            <a:avLst/>
+          </a:prstGeom>
+          <a:ln w="63500">
+            <a:solidFill>
+              <a:schemeClr val="tx1"/>
+            </a:solidFill>
+            <a:tailEnd type="triangle"/>
+          </a:ln>
+        </p:spPr>
+        <p:style>
+          <a:lnRef idx="1">
+            <a:schemeClr val="accent1"/>
+          </a:lnRef>
+          <a:fillRef idx="0">
+            <a:schemeClr val="accent1"/>
+          </a:fillRef>
+          <a:effectRef idx="0">
+            <a:schemeClr val="accent1"/>
+          </a:effectRef>
+          <a:fontRef idx="minor">
+            <a:schemeClr val="tx1"/>
+          </a:fontRef>
+        </p:style>
+      </p:cxnSp>
+      <p:cxnSp>
+        <p:nvCxnSpPr>
+          <p:cNvPr id="64" name="Straight Connector 63"/>
+          <p:cNvCxnSpPr/>
+          <p:nvPr/>
+        </p:nvCxnSpPr>
+        <p:spPr>
+          <a:xfrm>
+            <a:off x="2328268" y="5558120"/>
+            <a:ext cx="1173229" cy="0"/>
+          </a:xfrm>
+          <a:prstGeom prst="line">
+            <a:avLst/>
+          </a:prstGeom>
+          <a:ln w="63500">
+            <a:solidFill>
+              <a:schemeClr val="tx1"/>
+            </a:solidFill>
+          </a:ln>
+        </p:spPr>
+        <p:style>
+          <a:lnRef idx="1">
+            <a:schemeClr val="accent1"/>
+          </a:lnRef>
+          <a:fillRef idx="0">
+            <a:schemeClr val="accent1"/>
+          </a:fillRef>
+          <a:effectRef idx="0">
+            <a:schemeClr val="accent1"/>
+          </a:effectRef>
+          <a:fontRef idx="minor">
+            <a:schemeClr val="tx1"/>
+          </a:fontRef>
+        </p:style>
+      </p:cxnSp>
+      <p:sp>
+        <p:nvSpPr>
+          <p:cNvPr id="65" name="Rectangle 64"/>
+          <p:cNvSpPr/>
+          <p:nvPr/>
+        </p:nvSpPr>
+        <p:spPr>
+          <a:xfrm>
+            <a:off x="942898" y="5494670"/>
+            <a:ext cx="567997" cy="85877"/>
+          </a:xfrm>
+          <a:prstGeom prst="rect">
+            <a:avLst/>
+          </a:prstGeom>
+          <a:solidFill>
+            <a:schemeClr val="accent2">
+              <a:lumMod val="75000"/>
+            </a:schemeClr>
+          </a:solidFill>
+          <a:ln>
+            <a:noFill/>
+          </a:ln>
+        </p:spPr>
+        <p:style>
+          <a:lnRef idx="2">
+            <a:schemeClr val="accent1">
+              <a:shade val="50000"/>
+            </a:schemeClr>
+          </a:lnRef>
+          <a:fillRef idx="1">
+            <a:schemeClr val="accent1"/>
+          </a:fillRef>
+          <a:effectRef idx="0">
+            <a:schemeClr val="accent1"/>
+          </a:effectRef>
+          <a:fontRef idx="minor">
+            <a:schemeClr val="lt1"/>
+          </a:fontRef>
+        </p:style>
+        <p:txBody>
+          <a:bodyPr rot="0" spcFirstLastPara="0" vertOverflow="overflow" horzOverflow="overflow" vert="horz" wrap="square" lIns="91440" tIns="45720" rIns="91440" bIns="45720" numCol="1" spcCol="0" rtlCol="0" fromWordArt="0" anchor="ctr" anchorCtr="0" forceAA="0" compatLnSpc="1">
+            <a:prstTxWarp prst="textNoShape">
+              <a:avLst/>
+            </a:prstTxWarp>
+            <a:noAutofit/>
+          </a:bodyPr>
+          <a:lstStyle/>
+          <a:p>
+            <a:pPr algn="ctr"/>
+            <a:endParaRPr lang="en-US"/>
+          </a:p>
+        </p:txBody>
+      </p:sp>
+      <p:cxnSp>
+        <p:nvCxnSpPr>
+          <p:cNvPr id="66" name="Straight Connector 65"/>
+          <p:cNvCxnSpPr/>
+          <p:nvPr/>
+        </p:nvCxnSpPr>
+        <p:spPr>
+          <a:xfrm flipH="1">
+            <a:off x="2225944" y="5470464"/>
+            <a:ext cx="200310" cy="161540"/>
+          </a:xfrm>
+          <a:prstGeom prst="line">
+            <a:avLst/>
+          </a:prstGeom>
+          <a:ln w="63500">
+            <a:solidFill>
+              <a:schemeClr val="tx1"/>
+            </a:solidFill>
+          </a:ln>
+        </p:spPr>
+        <p:style>
+          <a:lnRef idx="1">
+            <a:schemeClr val="accent1"/>
+          </a:lnRef>
+          <a:fillRef idx="0">
+            <a:schemeClr val="accent1"/>
+          </a:fillRef>
+          <a:effectRef idx="0">
+            <a:schemeClr val="accent1"/>
+          </a:effectRef>
+          <a:fontRef idx="minor">
+            <a:schemeClr val="tx1"/>
+          </a:fontRef>
+        </p:style>
+      </p:cxnSp>
+      <p:cxnSp>
+        <p:nvCxnSpPr>
+          <p:cNvPr id="67" name="Straight Connector 66"/>
+          <p:cNvCxnSpPr/>
+          <p:nvPr/>
+        </p:nvCxnSpPr>
+        <p:spPr>
+          <a:xfrm flipH="1">
+            <a:off x="1986837" y="5470464"/>
+            <a:ext cx="200310" cy="161540"/>
+          </a:xfrm>
+          <a:prstGeom prst="line">
+            <a:avLst/>
+          </a:prstGeom>
+          <a:ln w="63500">
+            <a:solidFill>
+              <a:schemeClr val="tx1"/>
+            </a:solidFill>
+          </a:ln>
+        </p:spPr>
+        <p:style>
+          <a:lnRef idx="1">
+            <a:schemeClr val="accent1"/>
+          </a:lnRef>
+          <a:fillRef idx="0">
+            <a:schemeClr val="accent1"/>
+          </a:fillRef>
+          <a:effectRef idx="0">
+            <a:schemeClr val="accent1"/>
+          </a:effectRef>
+          <a:fontRef idx="minor">
+            <a:schemeClr val="tx1"/>
+          </a:fontRef>
+        </p:style>
+      </p:cxnSp>
+      <p:sp>
+        <p:nvSpPr>
+          <p:cNvPr id="68" name="Oval 67"/>
+          <p:cNvSpPr/>
+          <p:nvPr/>
+        </p:nvSpPr>
+        <p:spPr>
+          <a:xfrm>
+            <a:off x="1088864" y="5283489"/>
+            <a:ext cx="276063" cy="276063"/>
+          </a:xfrm>
+          <a:prstGeom prst="ellipse">
+            <a:avLst/>
+          </a:prstGeom>
+        </p:spPr>
+        <p:style>
+          <a:lnRef idx="2">
+            <a:schemeClr val="accent1">
+              <a:shade val="50000"/>
+            </a:schemeClr>
+          </a:lnRef>
+          <a:fillRef idx="1">
+            <a:schemeClr val="accent1"/>
+          </a:fillRef>
+          <a:effectRef idx="0">
+            <a:schemeClr val="accent1"/>
+          </a:effectRef>
+          <a:fontRef idx="minor">
+            <a:schemeClr val="lt1"/>
+          </a:fontRef>
+        </p:style>
+        <p:txBody>
+          <a:bodyPr rot="0" spcFirstLastPara="0" vertOverflow="overflow" horzOverflow="overflow" vert="horz" wrap="square" lIns="91440" tIns="45720" rIns="91440" bIns="45720" numCol="1" spcCol="0" rtlCol="0" fromWordArt="0" anchor="ctr" anchorCtr="0" forceAA="0" compatLnSpc="1">
+            <a:prstTxWarp prst="textNoShape">
+              <a:avLst/>
+            </a:prstTxWarp>
+            <a:noAutofit/>
+          </a:bodyPr>
+          <a:lstStyle/>
+          <a:p>
+            <a:pPr algn="ctr"/>
+            <a:r>
+              <a:rPr lang="en-US" dirty="0"/>
+              <a:t>F</a:t>
+            </a:r>
+          </a:p>
+        </p:txBody>
+      </p:sp>
+      <p:sp>
+        <p:nvSpPr>
+          <p:cNvPr id="69" name="Right Arrow 68"/>
+          <p:cNvSpPr/>
+          <p:nvPr/>
+        </p:nvSpPr>
+        <p:spPr>
+          <a:xfrm rot="19800000">
+            <a:off x="4035890" y="4654107"/>
+            <a:ext cx="414528" cy="371759"/>
+          </a:xfrm>
+          <a:prstGeom prst="rightArrow">
+            <a:avLst/>
+          </a:prstGeom>
+        </p:spPr>
+        <p:style>
+          <a:lnRef idx="2">
+            <a:schemeClr val="accent1">
+              <a:shade val="50000"/>
+            </a:schemeClr>
+          </a:lnRef>
+          <a:fillRef idx="1">
+            <a:schemeClr val="accent1"/>
+          </a:fillRef>
+          <a:effectRef idx="0">
+            <a:schemeClr val="accent1"/>
+          </a:effectRef>
+          <a:fontRef idx="minor">
+            <a:schemeClr val="lt1"/>
+          </a:fontRef>
+        </p:style>
+        <p:txBody>
+          <a:bodyPr rtlCol="0" anchor="ctr"/>
+          <a:lstStyle/>
+          <a:p>
+            <a:pPr algn="ctr"/>
+            <a:endParaRPr lang="en-US"/>
+          </a:p>
+        </p:txBody>
+      </p:sp>
+      <p:sp>
+        <p:nvSpPr>
+          <p:cNvPr id="70" name="Right Arrow 69"/>
+          <p:cNvSpPr/>
+          <p:nvPr/>
+        </p:nvSpPr>
+        <p:spPr>
+          <a:xfrm rot="1800000">
+            <a:off x="4002087" y="5864629"/>
+            <a:ext cx="414528" cy="371759"/>
+          </a:xfrm>
+          <a:prstGeom prst="rightArrow">
+            <a:avLst/>
+          </a:prstGeom>
+        </p:spPr>
+        <p:style>
+          <a:lnRef idx="2">
+            <a:schemeClr val="accent1">
+              <a:shade val="50000"/>
+            </a:schemeClr>
+          </a:lnRef>
+          <a:fillRef idx="1">
+            <a:schemeClr val="accent1"/>
+          </a:fillRef>
+          <a:effectRef idx="0">
+            <a:schemeClr val="accent1"/>
+          </a:effectRef>
+          <a:fontRef idx="minor">
+            <a:schemeClr val="lt1"/>
+          </a:fontRef>
+        </p:style>
+        <p:txBody>
+          <a:bodyPr rtlCol="0" anchor="ctr"/>
+          <a:lstStyle/>
+          <a:p>
+            <a:pPr algn="ctr"/>
+            <a:endParaRPr lang="en-US"/>
+          </a:p>
+        </p:txBody>
+      </p:sp>
+      <p:cxnSp>
+        <p:nvCxnSpPr>
+          <p:cNvPr id="71" name="Straight Connector 70"/>
+          <p:cNvCxnSpPr/>
+          <p:nvPr/>
+        </p:nvCxnSpPr>
+        <p:spPr>
+          <a:xfrm flipV="1">
+            <a:off x="4841689" y="4908001"/>
+            <a:ext cx="1715445" cy="6884"/>
+          </a:xfrm>
+          <a:prstGeom prst="line">
+            <a:avLst/>
+          </a:prstGeom>
+          <a:ln w="63500">
+            <a:solidFill>
+              <a:schemeClr val="tx1"/>
+            </a:solidFill>
+          </a:ln>
+        </p:spPr>
+        <p:style>
+          <a:lnRef idx="1">
+            <a:schemeClr val="accent1"/>
+          </a:lnRef>
+          <a:fillRef idx="0">
+            <a:schemeClr val="accent1"/>
+          </a:fillRef>
+          <a:effectRef idx="0">
+            <a:schemeClr val="accent1"/>
+          </a:effectRef>
+          <a:fontRef idx="minor">
+            <a:schemeClr val="tx1"/>
+          </a:fontRef>
+        </p:style>
+      </p:cxnSp>
+      <p:cxnSp>
+        <p:nvCxnSpPr>
+          <p:cNvPr id="72" name="Straight Connector 71"/>
+          <p:cNvCxnSpPr/>
+          <p:nvPr/>
+        </p:nvCxnSpPr>
+        <p:spPr>
+          <a:xfrm>
+            <a:off x="7222123" y="4621400"/>
+            <a:ext cx="0" cy="308542"/>
+          </a:xfrm>
+          <a:prstGeom prst="line">
+            <a:avLst/>
+          </a:prstGeom>
+          <a:ln w="63500">
+            <a:solidFill>
+              <a:schemeClr val="tx1"/>
+            </a:solidFill>
+          </a:ln>
+        </p:spPr>
+        <p:style>
+          <a:lnRef idx="1">
+            <a:schemeClr val="accent1"/>
+          </a:lnRef>
+          <a:fillRef idx="0">
+            <a:schemeClr val="accent1"/>
+          </a:fillRef>
+          <a:effectRef idx="0">
+            <a:schemeClr val="accent1"/>
+          </a:effectRef>
+          <a:fontRef idx="minor">
+            <a:schemeClr val="tx1"/>
+          </a:fontRef>
+        </p:style>
+      </p:cxnSp>
+      <p:cxnSp>
+        <p:nvCxnSpPr>
+          <p:cNvPr id="73" name="Straight Arrow Connector 72"/>
+          <p:cNvCxnSpPr/>
+          <p:nvPr/>
+        </p:nvCxnSpPr>
+        <p:spPr>
+          <a:xfrm>
+            <a:off x="7207165" y="4644331"/>
+            <a:ext cx="308542" cy="0"/>
+          </a:xfrm>
+          <a:prstGeom prst="straightConnector1">
+            <a:avLst/>
+          </a:prstGeom>
+          <a:ln w="63500">
+            <a:solidFill>
+              <a:schemeClr val="tx1"/>
+            </a:solidFill>
+            <a:tailEnd type="triangle"/>
+          </a:ln>
+        </p:spPr>
+        <p:style>
+          <a:lnRef idx="1">
+            <a:schemeClr val="accent1"/>
+          </a:lnRef>
+          <a:fillRef idx="0">
+            <a:schemeClr val="accent1"/>
+          </a:fillRef>
+          <a:effectRef idx="0">
+            <a:schemeClr val="accent1"/>
+          </a:effectRef>
+          <a:fontRef idx="minor">
+            <a:schemeClr val="tx1"/>
+          </a:fontRef>
+        </p:style>
+      </p:cxnSp>
+      <p:cxnSp>
+        <p:nvCxnSpPr>
+          <p:cNvPr id="74" name="Straight Connector 73"/>
+          <p:cNvCxnSpPr/>
+          <p:nvPr/>
+        </p:nvCxnSpPr>
+        <p:spPr>
+          <a:xfrm>
+            <a:off x="6798064" y="4914885"/>
+            <a:ext cx="1173229" cy="0"/>
+          </a:xfrm>
+          <a:prstGeom prst="line">
+            <a:avLst/>
+          </a:prstGeom>
+          <a:ln w="63500">
+            <a:solidFill>
+              <a:schemeClr val="tx1"/>
+            </a:solidFill>
+          </a:ln>
+        </p:spPr>
+        <p:style>
+          <a:lnRef idx="1">
+            <a:schemeClr val="accent1"/>
+          </a:lnRef>
+          <a:fillRef idx="0">
+            <a:schemeClr val="accent1"/>
+          </a:fillRef>
+          <a:effectRef idx="0">
+            <a:schemeClr val="accent1"/>
+          </a:effectRef>
+          <a:fontRef idx="minor">
+            <a:schemeClr val="tx1"/>
+          </a:fontRef>
+        </p:style>
+      </p:cxnSp>
+      <p:sp>
+        <p:nvSpPr>
+          <p:cNvPr id="75" name="Rectangle 74"/>
+          <p:cNvSpPr/>
+          <p:nvPr/>
+        </p:nvSpPr>
+        <p:spPr>
+          <a:xfrm>
+            <a:off x="5412694" y="4851435"/>
+            <a:ext cx="567997" cy="85877"/>
+          </a:xfrm>
+          <a:prstGeom prst="rect">
+            <a:avLst/>
+          </a:prstGeom>
+          <a:solidFill>
+            <a:schemeClr val="accent2">
+              <a:lumMod val="75000"/>
+            </a:schemeClr>
+          </a:solidFill>
+          <a:ln>
+            <a:noFill/>
+          </a:ln>
+        </p:spPr>
+        <p:style>
+          <a:lnRef idx="2">
+            <a:schemeClr val="accent1">
+              <a:shade val="50000"/>
+            </a:schemeClr>
+          </a:lnRef>
+          <a:fillRef idx="1">
+            <a:schemeClr val="accent1"/>
+          </a:fillRef>
+          <a:effectRef idx="0">
+            <a:schemeClr val="accent1"/>
+          </a:effectRef>
+          <a:fontRef idx="minor">
+            <a:schemeClr val="lt1"/>
+          </a:fontRef>
+        </p:style>
+        <p:txBody>
+          <a:bodyPr rot="0" spcFirstLastPara="0" vertOverflow="overflow" horzOverflow="overflow" vert="horz" wrap="square" lIns="91440" tIns="45720" rIns="91440" bIns="45720" numCol="1" spcCol="0" rtlCol="0" fromWordArt="0" anchor="ctr" anchorCtr="0" forceAA="0" compatLnSpc="1">
+            <a:prstTxWarp prst="textNoShape">
+              <a:avLst/>
+            </a:prstTxWarp>
+            <a:noAutofit/>
+          </a:bodyPr>
+          <a:lstStyle/>
+          <a:p>
+            <a:pPr algn="ctr"/>
+            <a:endParaRPr lang="en-US"/>
+          </a:p>
+        </p:txBody>
+      </p:sp>
+      <p:cxnSp>
+        <p:nvCxnSpPr>
+          <p:cNvPr id="76" name="Straight Connector 75"/>
+          <p:cNvCxnSpPr/>
+          <p:nvPr/>
+        </p:nvCxnSpPr>
+        <p:spPr>
+          <a:xfrm flipH="1">
+            <a:off x="6695740" y="4827229"/>
+            <a:ext cx="200310" cy="161540"/>
+          </a:xfrm>
+          <a:prstGeom prst="line">
+            <a:avLst/>
+          </a:prstGeom>
+          <a:ln w="63500">
+            <a:solidFill>
+              <a:schemeClr val="tx1"/>
+            </a:solidFill>
+          </a:ln>
+        </p:spPr>
+        <p:style>
+          <a:lnRef idx="1">
+            <a:schemeClr val="accent1"/>
+          </a:lnRef>
+          <a:fillRef idx="0">
+            <a:schemeClr val="accent1"/>
+          </a:fillRef>
+          <a:effectRef idx="0">
+            <a:schemeClr val="accent1"/>
+          </a:effectRef>
+          <a:fontRef idx="minor">
+            <a:schemeClr val="tx1"/>
+          </a:fontRef>
+        </p:style>
+      </p:cxnSp>
+      <p:cxnSp>
+        <p:nvCxnSpPr>
+          <p:cNvPr id="77" name="Straight Connector 76"/>
+          <p:cNvCxnSpPr/>
+          <p:nvPr/>
+        </p:nvCxnSpPr>
+        <p:spPr>
+          <a:xfrm flipH="1">
+            <a:off x="6456633" y="4827229"/>
+            <a:ext cx="200310" cy="161540"/>
+          </a:xfrm>
+          <a:prstGeom prst="line">
+            <a:avLst/>
+          </a:prstGeom>
+          <a:ln w="63500">
+            <a:solidFill>
+              <a:schemeClr val="tx1"/>
+            </a:solidFill>
+          </a:ln>
+        </p:spPr>
+        <p:style>
+          <a:lnRef idx="1">
+            <a:schemeClr val="accent1"/>
+          </a:lnRef>
+          <a:fillRef idx="0">
+            <a:schemeClr val="accent1"/>
+          </a:fillRef>
+          <a:effectRef idx="0">
+            <a:schemeClr val="accent1"/>
+          </a:effectRef>
+          <a:fontRef idx="minor">
+            <a:schemeClr val="tx1"/>
+          </a:fontRef>
+        </p:style>
+      </p:cxnSp>
+      <p:sp>
+        <p:nvSpPr>
+          <p:cNvPr id="78" name="TextBox 77"/>
+          <p:cNvSpPr txBox="1"/>
+          <p:nvPr/>
+        </p:nvSpPr>
+        <p:spPr>
+          <a:xfrm>
+            <a:off x="7495329" y="4443714"/>
+            <a:ext cx="458780" cy="369332"/>
+          </a:xfrm>
+          <a:prstGeom prst="rect">
+            <a:avLst/>
+          </a:prstGeom>
+          <a:noFill/>
+        </p:spPr>
+        <p:txBody>
+          <a:bodyPr wrap="none" rtlCol="0">
+            <a:spAutoFit/>
+          </a:bodyPr>
+          <a:lstStyle/>
+          <a:p>
+            <a:r>
+              <a:rPr lang="en-US" dirty="0" smtClean="0"/>
+              <a:t>On</a:t>
+            </a:r>
+            <a:endParaRPr lang="en-US" dirty="0"/>
+          </a:p>
+        </p:txBody>
+      </p:sp>
+      <p:sp>
+        <p:nvSpPr>
+          <p:cNvPr id="79" name="Oval 78"/>
+          <p:cNvSpPr/>
+          <p:nvPr/>
+        </p:nvSpPr>
+        <p:spPr>
+          <a:xfrm>
+            <a:off x="5558660" y="4640254"/>
+            <a:ext cx="276063" cy="276063"/>
+          </a:xfrm>
+          <a:prstGeom prst="ellipse">
+            <a:avLst/>
+          </a:prstGeom>
+        </p:spPr>
+        <p:style>
+          <a:lnRef idx="2">
+            <a:schemeClr val="accent1">
+              <a:shade val="50000"/>
+            </a:schemeClr>
+          </a:lnRef>
+          <a:fillRef idx="1">
+            <a:schemeClr val="accent1"/>
+          </a:fillRef>
+          <a:effectRef idx="0">
+            <a:schemeClr val="accent1"/>
+          </a:effectRef>
+          <a:fontRef idx="minor">
+            <a:schemeClr val="lt1"/>
+          </a:fontRef>
+        </p:style>
+        <p:txBody>
+          <a:bodyPr rot="0" spcFirstLastPara="0" vertOverflow="overflow" horzOverflow="overflow" vert="horz" wrap="square" lIns="91440" tIns="45720" rIns="91440" bIns="45720" numCol="1" spcCol="0" rtlCol="0" fromWordArt="0" anchor="ctr" anchorCtr="0" forceAA="0" compatLnSpc="1">
+            <a:prstTxWarp prst="textNoShape">
+              <a:avLst/>
+            </a:prstTxWarp>
+            <a:noAutofit/>
+          </a:bodyPr>
+          <a:lstStyle/>
+          <a:p>
+            <a:pPr algn="ctr"/>
+            <a:r>
+              <a:rPr lang="en-US" dirty="0"/>
+              <a:t>F</a:t>
+            </a:r>
+          </a:p>
+        </p:txBody>
+      </p:sp>
+      <p:sp>
+        <p:nvSpPr>
+          <p:cNvPr id="80" name="Oval 79"/>
+          <p:cNvSpPr/>
+          <p:nvPr/>
+        </p:nvSpPr>
+        <p:spPr>
+          <a:xfrm>
+            <a:off x="5234925" y="4306315"/>
+            <a:ext cx="923531" cy="340822"/>
+          </a:xfrm>
+          <a:prstGeom prst="ellipse">
+            <a:avLst/>
+          </a:prstGeom>
+        </p:spPr>
+        <p:style>
+          <a:lnRef idx="2">
+            <a:schemeClr val="accent1">
+              <a:shade val="50000"/>
+            </a:schemeClr>
+          </a:lnRef>
+          <a:fillRef idx="1">
+            <a:schemeClr val="accent1"/>
+          </a:fillRef>
+          <a:effectRef idx="0">
+            <a:schemeClr val="accent1"/>
+          </a:effectRef>
+          <a:fontRef idx="minor">
+            <a:schemeClr val="lt1"/>
+          </a:fontRef>
+        </p:style>
+        <p:txBody>
+          <a:bodyPr rtlCol="0" anchor="ctr"/>
+          <a:lstStyle/>
+          <a:p>
+            <a:pPr algn="ctr"/>
+            <a:r>
+              <a:rPr lang="en-US" dirty="0" smtClean="0"/>
+              <a:t>Co-A</a:t>
+            </a:r>
+            <a:endParaRPr lang="en-US" dirty="0"/>
+          </a:p>
+        </p:txBody>
+      </p:sp>
+      <p:sp>
+        <p:nvSpPr>
+          <p:cNvPr id="81" name="Arc 80"/>
+          <p:cNvSpPr/>
+          <p:nvPr/>
+        </p:nvSpPr>
+        <p:spPr>
+          <a:xfrm>
+            <a:off x="5696690" y="3899413"/>
+            <a:ext cx="1639249" cy="648408"/>
+          </a:xfrm>
+          <a:prstGeom prst="arc">
+            <a:avLst>
+              <a:gd name="adj1" fmla="val 10794464"/>
+              <a:gd name="adj2" fmla="val 181503"/>
+            </a:avLst>
+          </a:prstGeom>
+          <a:ln w="25400" cap="sq">
+            <a:solidFill>
+              <a:schemeClr val="bg1">
+                <a:lumMod val="50000"/>
+              </a:schemeClr>
+            </a:solidFill>
+            <a:tailEnd type="triangle"/>
+          </a:ln>
+        </p:spPr>
+        <p:style>
+          <a:lnRef idx="1">
+            <a:schemeClr val="accent1"/>
+          </a:lnRef>
+          <a:fillRef idx="0">
+            <a:schemeClr val="accent1"/>
+          </a:fillRef>
+          <a:effectRef idx="0">
+            <a:schemeClr val="accent1"/>
+          </a:effectRef>
+          <a:fontRef idx="minor">
+            <a:schemeClr val="tx1"/>
+          </a:fontRef>
+        </p:style>
+        <p:txBody>
+          <a:bodyPr rot="0" spcFirstLastPara="0" vertOverflow="overflow" horzOverflow="overflow" vert="horz" wrap="square" lIns="91440" tIns="45720" rIns="91440" bIns="45720" numCol="1" spcCol="0" rtlCol="0" fromWordArt="0" anchor="ctr" anchorCtr="0" forceAA="0" compatLnSpc="1">
+            <a:prstTxWarp prst="textNoShape">
+              <a:avLst/>
+            </a:prstTxWarp>
+            <a:noAutofit/>
+          </a:bodyPr>
+          <a:lstStyle/>
+          <a:p>
+            <a:pPr algn="ctr"/>
+            <a:endParaRPr lang="en-US"/>
+          </a:p>
+        </p:txBody>
+      </p:sp>
+      <p:cxnSp>
+        <p:nvCxnSpPr>
+          <p:cNvPr id="82" name="Straight Connector 81"/>
+          <p:cNvCxnSpPr/>
+          <p:nvPr/>
+        </p:nvCxnSpPr>
+        <p:spPr>
+          <a:xfrm flipV="1">
+            <a:off x="4838967" y="6445832"/>
+            <a:ext cx="1715445" cy="6884"/>
+          </a:xfrm>
+          <a:prstGeom prst="line">
+            <a:avLst/>
+          </a:prstGeom>
+          <a:ln w="63500">
+            <a:solidFill>
+              <a:schemeClr val="tx1"/>
+            </a:solidFill>
+          </a:ln>
+        </p:spPr>
+        <p:style>
+          <a:lnRef idx="1">
+            <a:schemeClr val="accent1"/>
+          </a:lnRef>
+          <a:fillRef idx="0">
+            <a:schemeClr val="accent1"/>
+          </a:fillRef>
+          <a:effectRef idx="0">
+            <a:schemeClr val="accent1"/>
+          </a:effectRef>
+          <a:fontRef idx="minor">
+            <a:schemeClr val="tx1"/>
+          </a:fontRef>
+        </p:style>
+      </p:cxnSp>
+      <p:cxnSp>
+        <p:nvCxnSpPr>
+          <p:cNvPr id="83" name="Straight Connector 82"/>
+          <p:cNvCxnSpPr/>
+          <p:nvPr/>
+        </p:nvCxnSpPr>
+        <p:spPr>
+          <a:xfrm>
+            <a:off x="7219401" y="6159231"/>
+            <a:ext cx="0" cy="308542"/>
+          </a:xfrm>
+          <a:prstGeom prst="line">
+            <a:avLst/>
+          </a:prstGeom>
+          <a:ln w="63500">
+            <a:solidFill>
+              <a:schemeClr val="tx1"/>
+            </a:solidFill>
+          </a:ln>
+        </p:spPr>
+        <p:style>
+          <a:lnRef idx="1">
+            <a:schemeClr val="accent1"/>
+          </a:lnRef>
+          <a:fillRef idx="0">
+            <a:schemeClr val="accent1"/>
+          </a:fillRef>
+          <a:effectRef idx="0">
+            <a:schemeClr val="accent1"/>
+          </a:effectRef>
+          <a:fontRef idx="minor">
+            <a:schemeClr val="tx1"/>
+          </a:fontRef>
+        </p:style>
+      </p:cxnSp>
+      <p:cxnSp>
+        <p:nvCxnSpPr>
+          <p:cNvPr id="84" name="Straight Arrow Connector 83"/>
+          <p:cNvCxnSpPr/>
+          <p:nvPr/>
+        </p:nvCxnSpPr>
+        <p:spPr>
+          <a:xfrm>
+            <a:off x="7204443" y="6182162"/>
+            <a:ext cx="308542" cy="0"/>
+          </a:xfrm>
+          <a:prstGeom prst="straightConnector1">
+            <a:avLst/>
+          </a:prstGeom>
+          <a:ln w="63500">
+            <a:solidFill>
+              <a:schemeClr val="tx1"/>
+            </a:solidFill>
+            <a:tailEnd type="triangle"/>
+          </a:ln>
+        </p:spPr>
+        <p:style>
+          <a:lnRef idx="1">
+            <a:schemeClr val="accent1"/>
+          </a:lnRef>
+          <a:fillRef idx="0">
+            <a:schemeClr val="accent1"/>
+          </a:fillRef>
+          <a:effectRef idx="0">
+            <a:schemeClr val="accent1"/>
+          </a:effectRef>
+          <a:fontRef idx="minor">
+            <a:schemeClr val="tx1"/>
+          </a:fontRef>
+        </p:style>
+      </p:cxnSp>
+      <p:cxnSp>
+        <p:nvCxnSpPr>
+          <p:cNvPr id="85" name="Straight Connector 84"/>
+          <p:cNvCxnSpPr/>
+          <p:nvPr/>
+        </p:nvCxnSpPr>
+        <p:spPr>
+          <a:xfrm>
+            <a:off x="6795342" y="6452716"/>
+            <a:ext cx="1173229" cy="0"/>
+          </a:xfrm>
+          <a:prstGeom prst="line">
+            <a:avLst/>
+          </a:prstGeom>
+          <a:ln w="63500">
+            <a:solidFill>
+              <a:schemeClr val="tx1"/>
+            </a:solidFill>
+          </a:ln>
+        </p:spPr>
+        <p:style>
+          <a:lnRef idx="1">
+            <a:schemeClr val="accent1"/>
+          </a:lnRef>
+          <a:fillRef idx="0">
+            <a:schemeClr val="accent1"/>
+          </a:fillRef>
+          <a:effectRef idx="0">
+            <a:schemeClr val="accent1"/>
+          </a:effectRef>
+          <a:fontRef idx="minor">
+            <a:schemeClr val="tx1"/>
+          </a:fontRef>
+        </p:style>
+      </p:cxnSp>
+      <p:sp>
+        <p:nvSpPr>
+          <p:cNvPr id="86" name="Rectangle 85"/>
+          <p:cNvSpPr/>
+          <p:nvPr/>
+        </p:nvSpPr>
+        <p:spPr>
+          <a:xfrm>
+            <a:off x="5409972" y="6389266"/>
+            <a:ext cx="567997" cy="85877"/>
+          </a:xfrm>
+          <a:prstGeom prst="rect">
+            <a:avLst/>
+          </a:prstGeom>
+          <a:solidFill>
+            <a:schemeClr val="accent2">
+              <a:lumMod val="75000"/>
+            </a:schemeClr>
+          </a:solidFill>
+          <a:ln>
+            <a:noFill/>
+          </a:ln>
+        </p:spPr>
+        <p:style>
+          <a:lnRef idx="2">
+            <a:schemeClr val="accent1">
+              <a:shade val="50000"/>
+            </a:schemeClr>
+          </a:lnRef>
+          <a:fillRef idx="1">
+            <a:schemeClr val="accent1"/>
+          </a:fillRef>
+          <a:effectRef idx="0">
+            <a:schemeClr val="accent1"/>
+          </a:effectRef>
+          <a:fontRef idx="minor">
+            <a:schemeClr val="lt1"/>
+          </a:fontRef>
+        </p:style>
+        <p:txBody>
+          <a:bodyPr rot="0" spcFirstLastPara="0" vertOverflow="overflow" horzOverflow="overflow" vert="horz" wrap="square" lIns="91440" tIns="45720" rIns="91440" bIns="45720" numCol="1" spcCol="0" rtlCol="0" fromWordArt="0" anchor="ctr" anchorCtr="0" forceAA="0" compatLnSpc="1">
+            <a:prstTxWarp prst="textNoShape">
+              <a:avLst/>
+            </a:prstTxWarp>
+            <a:noAutofit/>
+          </a:bodyPr>
+          <a:lstStyle/>
+          <a:p>
+            <a:pPr algn="ctr"/>
+            <a:endParaRPr lang="en-US"/>
+          </a:p>
+        </p:txBody>
+      </p:sp>
+      <p:cxnSp>
+        <p:nvCxnSpPr>
+          <p:cNvPr id="87" name="Straight Connector 86"/>
+          <p:cNvCxnSpPr/>
+          <p:nvPr/>
+        </p:nvCxnSpPr>
+        <p:spPr>
+          <a:xfrm flipH="1">
+            <a:off x="6693018" y="6365060"/>
+            <a:ext cx="200310" cy="161540"/>
+          </a:xfrm>
+          <a:prstGeom prst="line">
+            <a:avLst/>
+          </a:prstGeom>
+          <a:ln w="63500">
+            <a:solidFill>
+              <a:schemeClr val="tx1"/>
+            </a:solidFill>
+          </a:ln>
+        </p:spPr>
+        <p:style>
+          <a:lnRef idx="1">
+            <a:schemeClr val="accent1"/>
+          </a:lnRef>
+          <a:fillRef idx="0">
+            <a:schemeClr val="accent1"/>
+          </a:fillRef>
+          <a:effectRef idx="0">
+            <a:schemeClr val="accent1"/>
+          </a:effectRef>
+          <a:fontRef idx="minor">
+            <a:schemeClr val="tx1"/>
+          </a:fontRef>
+        </p:style>
+      </p:cxnSp>
+      <p:cxnSp>
+        <p:nvCxnSpPr>
+          <p:cNvPr id="88" name="Straight Connector 87"/>
+          <p:cNvCxnSpPr/>
+          <p:nvPr/>
+        </p:nvCxnSpPr>
+        <p:spPr>
+          <a:xfrm flipH="1">
+            <a:off x="6453911" y="6365060"/>
+            <a:ext cx="200310" cy="161540"/>
+          </a:xfrm>
+          <a:prstGeom prst="line">
+            <a:avLst/>
+          </a:prstGeom>
+          <a:ln w="63500">
+            <a:solidFill>
+              <a:schemeClr val="tx1"/>
+            </a:solidFill>
+          </a:ln>
+        </p:spPr>
+        <p:style>
+          <a:lnRef idx="1">
+            <a:schemeClr val="accent1"/>
+          </a:lnRef>
+          <a:fillRef idx="0">
+            <a:schemeClr val="accent1"/>
+          </a:fillRef>
+          <a:effectRef idx="0">
+            <a:schemeClr val="accent1"/>
+          </a:effectRef>
+          <a:fontRef idx="minor">
+            <a:schemeClr val="tx1"/>
+          </a:fontRef>
+        </p:style>
+      </p:cxnSp>
+      <p:sp>
+        <p:nvSpPr>
+          <p:cNvPr id="89" name="TextBox 88"/>
+          <p:cNvSpPr txBox="1"/>
+          <p:nvPr/>
+        </p:nvSpPr>
+        <p:spPr>
+          <a:xfrm>
+            <a:off x="7492607" y="5981545"/>
+            <a:ext cx="475964" cy="369332"/>
+          </a:xfrm>
+          <a:prstGeom prst="rect">
+            <a:avLst/>
+          </a:prstGeom>
+          <a:noFill/>
+        </p:spPr>
+        <p:txBody>
+          <a:bodyPr wrap="none" rtlCol="0">
+            <a:spAutoFit/>
+          </a:bodyPr>
+          <a:lstStyle/>
+          <a:p>
+            <a:r>
+              <a:rPr lang="en-US" dirty="0" smtClean="0"/>
+              <a:t>Off</a:t>
+            </a:r>
+            <a:endParaRPr lang="en-US" dirty="0"/>
+          </a:p>
+        </p:txBody>
+      </p:sp>
+      <p:sp>
+        <p:nvSpPr>
+          <p:cNvPr id="90" name="Oval 89"/>
+          <p:cNvSpPr/>
+          <p:nvPr/>
+        </p:nvSpPr>
+        <p:spPr>
+          <a:xfrm>
+            <a:off x="5555938" y="6178085"/>
+            <a:ext cx="276063" cy="276063"/>
+          </a:xfrm>
+          <a:prstGeom prst="ellipse">
+            <a:avLst/>
+          </a:prstGeom>
+        </p:spPr>
+        <p:style>
+          <a:lnRef idx="2">
+            <a:schemeClr val="accent1">
+              <a:shade val="50000"/>
+            </a:schemeClr>
+          </a:lnRef>
+          <a:fillRef idx="1">
+            <a:schemeClr val="accent1"/>
+          </a:fillRef>
+          <a:effectRef idx="0">
+            <a:schemeClr val="accent1"/>
+          </a:effectRef>
+          <a:fontRef idx="minor">
+            <a:schemeClr val="lt1"/>
+          </a:fontRef>
+        </p:style>
+        <p:txBody>
+          <a:bodyPr rot="0" spcFirstLastPara="0" vertOverflow="overflow" horzOverflow="overflow" vert="horz" wrap="square" lIns="91440" tIns="45720" rIns="91440" bIns="45720" numCol="1" spcCol="0" rtlCol="0" fromWordArt="0" anchor="ctr" anchorCtr="0" forceAA="0" compatLnSpc="1">
+            <a:prstTxWarp prst="textNoShape">
+              <a:avLst/>
+            </a:prstTxWarp>
+            <a:noAutofit/>
+          </a:bodyPr>
+          <a:lstStyle/>
+          <a:p>
+            <a:pPr algn="ctr"/>
+            <a:r>
+              <a:rPr lang="en-US" dirty="0"/>
+              <a:t>F</a:t>
+            </a:r>
+          </a:p>
+        </p:txBody>
+      </p:sp>
+      <p:sp>
+        <p:nvSpPr>
+          <p:cNvPr id="91" name="Oval 90"/>
+          <p:cNvSpPr/>
+          <p:nvPr/>
+        </p:nvSpPr>
+        <p:spPr>
+          <a:xfrm>
+            <a:off x="5232203" y="5844146"/>
+            <a:ext cx="923531" cy="340822"/>
+          </a:xfrm>
+          <a:prstGeom prst="ellipse">
+            <a:avLst/>
+          </a:prstGeom>
+        </p:spPr>
+        <p:style>
+          <a:lnRef idx="2">
+            <a:schemeClr val="accent1">
+              <a:shade val="50000"/>
+            </a:schemeClr>
+          </a:lnRef>
+          <a:fillRef idx="1">
+            <a:schemeClr val="accent1"/>
+          </a:fillRef>
+          <a:effectRef idx="0">
+            <a:schemeClr val="accent1"/>
+          </a:effectRef>
+          <a:fontRef idx="minor">
+            <a:schemeClr val="lt1"/>
+          </a:fontRef>
+        </p:style>
+        <p:txBody>
+          <a:bodyPr rtlCol="0" anchor="ctr"/>
+          <a:lstStyle/>
+          <a:p>
+            <a:pPr algn="ctr"/>
+            <a:r>
+              <a:rPr lang="en-US" dirty="0" smtClean="0"/>
+              <a:t>Co-R</a:t>
+            </a:r>
+            <a:endParaRPr lang="en-US" dirty="0"/>
+          </a:p>
+        </p:txBody>
+      </p:sp>
+      <p:grpSp>
+        <p:nvGrpSpPr>
+          <p:cNvPr id="92" name="Group 91"/>
+          <p:cNvGrpSpPr/>
+          <p:nvPr/>
+        </p:nvGrpSpPr>
+        <p:grpSpPr>
+          <a:xfrm>
+            <a:off x="5693968" y="5410515"/>
+            <a:ext cx="1772246" cy="648408"/>
+            <a:chOff x="3573230" y="3124668"/>
+            <a:chExt cx="1772246" cy="648408"/>
+          </a:xfrm>
+        </p:grpSpPr>
+        <p:sp>
+          <p:nvSpPr>
+            <p:cNvPr id="93" name="Arc 92"/>
+            <p:cNvSpPr/>
+            <p:nvPr/>
+          </p:nvSpPr>
+          <p:spPr>
+            <a:xfrm>
+              <a:off x="3573230" y="3124668"/>
+              <a:ext cx="1639249" cy="648408"/>
+            </a:xfrm>
+            <a:prstGeom prst="arc">
+              <a:avLst>
+                <a:gd name="adj1" fmla="val 10794464"/>
+                <a:gd name="adj2" fmla="val 21473582"/>
+              </a:avLst>
+            </a:prstGeom>
+            <a:ln w="25400" cap="sq">
+              <a:solidFill>
+                <a:schemeClr val="bg1">
+                  <a:lumMod val="50000"/>
+                </a:schemeClr>
+              </a:solidFill>
+              <a:tailEnd type="none"/>
+            </a:ln>
+          </p:spPr>
+          <p:style>
+            <a:lnRef idx="1">
+              <a:schemeClr val="accent1"/>
+            </a:lnRef>
+            <a:fillRef idx="0">
+              <a:schemeClr val="accent1"/>
+            </a:fillRef>
+            <a:effectRef idx="0">
+              <a:schemeClr val="accent1"/>
+            </a:effectRef>
+            <a:fontRef idx="minor">
+              <a:schemeClr val="tx1"/>
+            </a:fontRef>
+          </p:style>
+          <p:txBody>
+            <a:bodyPr rot="0" spcFirstLastPara="0" vertOverflow="overflow" horzOverflow="overflow" vert="horz" wrap="square" lIns="91440" tIns="45720" rIns="91440" bIns="45720" numCol="1" spcCol="0" rtlCol="0" fromWordArt="0" anchor="ctr" anchorCtr="0" forceAA="0" compatLnSpc="1">
+              <a:prstTxWarp prst="textNoShape">
+                <a:avLst/>
+              </a:prstTxWarp>
+              <a:noAutofit/>
+            </a:bodyPr>
+            <a:lstStyle/>
+            <a:p>
+              <a:pPr algn="ctr"/>
+              <a:endParaRPr lang="en-US"/>
+            </a:p>
+          </p:txBody>
+        </p:sp>
+        <p:cxnSp>
+          <p:nvCxnSpPr>
+            <p:cNvPr id="94" name="Straight Connector 93"/>
+            <p:cNvCxnSpPr/>
+            <p:nvPr/>
+          </p:nvCxnSpPr>
+          <p:spPr>
+            <a:xfrm>
+              <a:off x="5076205" y="3427597"/>
+              <a:ext cx="269271" cy="0"/>
+            </a:xfrm>
+            <a:prstGeom prst="line">
+              <a:avLst/>
+            </a:prstGeom>
+            <a:ln w="25400">
+              <a:solidFill>
+                <a:schemeClr val="bg1">
+                  <a:lumMod val="50000"/>
+                </a:schemeClr>
+              </a:solidFill>
+            </a:ln>
+          </p:spPr>
+          <p:style>
+            <a:lnRef idx="1">
+              <a:schemeClr val="accent1"/>
+            </a:lnRef>
+            <a:fillRef idx="0">
+              <a:schemeClr val="accent1"/>
+            </a:fillRef>
+            <a:effectRef idx="0">
+              <a:schemeClr val="accent1"/>
+            </a:effectRef>
+            <a:fontRef idx="minor">
+              <a:schemeClr val="tx1"/>
+            </a:fontRef>
+          </p:style>
+        </p:cxnSp>
+      </p:grpSp>
+    </p:spTree>
+    <p:extLst>
+      <p:ext uri="{BB962C8B-B14F-4D97-AF65-F5344CB8AC3E}">
+        <p14:creationId xmlns:p14="http://schemas.microsoft.com/office/powerpoint/2010/main" val="1788647840"/>
+      </p:ext>
+    </p:extLst>
+  </p:cSld>
+  <p:clrMapOvr>
+    <a:masterClrMapping/>
+  </p:clrMapOvr>
+  <p:timing>
+    <p:tnLst>
+      <p:par>
+        <p:cTn id="1" dur="indefinite" restart="never" nodeType="tmRoot">
+          <p:childTnLst>
+            <p:seq concurrent="1" nextAc="seek">
+              <p:cTn id="2" dur="indefinite" nodeType="mainSeq">
+                <p:childTnLst>
+                  <p:par>
+                    <p:cTn id="3" fill="hold">
+                      <p:stCondLst>
+                        <p:cond delay="indefinite"/>
+                      </p:stCondLst>
+                      <p:childTnLst>
+                        <p:par>
+                          <p:cTn id="4" fill="hold">
+                            <p:stCondLst>
+                              <p:cond delay="0"/>
+                            </p:stCondLst>
+                            <p:childTnLst>
+                              <p:par>
+                                <p:cTn id="5" presetID="1" presetClass="entr" presetSubtype="0" fill="hold" nodeType="clickEffect">
+                                  <p:stCondLst>
+                                    <p:cond delay="0"/>
+                                  </p:stCondLst>
+                                  <p:childTnLst>
+                                    <p:set>
+                                      <p:cBhvr>
+                                        <p:cTn id="6" dur="1" fill="hold">
+                                          <p:stCondLst>
+                                            <p:cond delay="0"/>
+                                          </p:stCondLst>
+                                        </p:cTn>
+                                        <p:tgtEl>
+                                          <p:spTgt spid="61"/>
+                                        </p:tgtEl>
+                                        <p:attrNameLst>
+                                          <p:attrName>style.visibility</p:attrName>
+                                        </p:attrNameLst>
+                                      </p:cBhvr>
+                                      <p:to>
+                                        <p:strVal val="visible"/>
+                                      </p:to>
+                                    </p:set>
+                                  </p:childTnLst>
+                                </p:cTn>
+                              </p:par>
+                              <p:par>
+                                <p:cTn id="7" presetID="1" presetClass="entr" presetSubtype="0" fill="hold" nodeType="withEffect">
+                                  <p:stCondLst>
+                                    <p:cond delay="0"/>
+                                  </p:stCondLst>
+                                  <p:childTnLst>
+                                    <p:set>
+                                      <p:cBhvr>
+                                        <p:cTn id="8" dur="1" fill="hold">
+                                          <p:stCondLst>
+                                            <p:cond delay="0"/>
+                                          </p:stCondLst>
+                                        </p:cTn>
+                                        <p:tgtEl>
+                                          <p:spTgt spid="62"/>
+                                        </p:tgtEl>
+                                        <p:attrNameLst>
+                                          <p:attrName>style.visibility</p:attrName>
+                                        </p:attrNameLst>
+                                      </p:cBhvr>
+                                      <p:to>
+                                        <p:strVal val="visible"/>
+                                      </p:to>
+                                    </p:set>
+                                  </p:childTnLst>
+                                </p:cTn>
+                              </p:par>
+                              <p:par>
+                                <p:cTn id="9" presetID="1" presetClass="entr" presetSubtype="0" fill="hold" nodeType="withEffect">
+                                  <p:stCondLst>
+                                    <p:cond delay="0"/>
+                                  </p:stCondLst>
+                                  <p:childTnLst>
+                                    <p:set>
+                                      <p:cBhvr>
+                                        <p:cTn id="10" dur="1" fill="hold">
+                                          <p:stCondLst>
+                                            <p:cond delay="0"/>
+                                          </p:stCondLst>
+                                        </p:cTn>
+                                        <p:tgtEl>
+                                          <p:spTgt spid="63"/>
+                                        </p:tgtEl>
+                                        <p:attrNameLst>
+                                          <p:attrName>style.visibility</p:attrName>
+                                        </p:attrNameLst>
+                                      </p:cBhvr>
+                                      <p:to>
+                                        <p:strVal val="visible"/>
+                                      </p:to>
+                                    </p:set>
+                                  </p:childTnLst>
+                                </p:cTn>
+                              </p:par>
+                              <p:par>
+                                <p:cTn id="11" presetID="1" presetClass="entr" presetSubtype="0" fill="hold" nodeType="withEffect">
+                                  <p:stCondLst>
+                                    <p:cond delay="0"/>
+                                  </p:stCondLst>
+                                  <p:childTnLst>
+                                    <p:set>
+                                      <p:cBhvr>
+                                        <p:cTn id="12" dur="1" fill="hold">
+                                          <p:stCondLst>
+                                            <p:cond delay="0"/>
+                                          </p:stCondLst>
+                                        </p:cTn>
+                                        <p:tgtEl>
+                                          <p:spTgt spid="64"/>
+                                        </p:tgtEl>
+                                        <p:attrNameLst>
+                                          <p:attrName>style.visibility</p:attrName>
+                                        </p:attrNameLst>
+                                      </p:cBhvr>
+                                      <p:to>
+                                        <p:strVal val="visible"/>
+                                      </p:to>
+                                    </p:set>
+                                  </p:childTnLst>
+                                </p:cTn>
+                              </p:par>
+                              <p:par>
+                                <p:cTn id="13" presetID="1" presetClass="entr" presetSubtype="0" fill="hold" grpId="0" nodeType="withEffect">
+                                  <p:stCondLst>
+                                    <p:cond delay="0"/>
+                                  </p:stCondLst>
+                                  <p:childTnLst>
+                                    <p:set>
+                                      <p:cBhvr>
+                                        <p:cTn id="14" dur="1" fill="hold">
+                                          <p:stCondLst>
+                                            <p:cond delay="0"/>
+                                          </p:stCondLst>
+                                        </p:cTn>
+                                        <p:tgtEl>
+                                          <p:spTgt spid="65"/>
+                                        </p:tgtEl>
+                                        <p:attrNameLst>
+                                          <p:attrName>style.visibility</p:attrName>
+                                        </p:attrNameLst>
+                                      </p:cBhvr>
+                                      <p:to>
+                                        <p:strVal val="visible"/>
+                                      </p:to>
+                                    </p:set>
+                                  </p:childTnLst>
+                                </p:cTn>
+                              </p:par>
+                              <p:par>
+                                <p:cTn id="15" presetID="1" presetClass="entr" presetSubtype="0" fill="hold" nodeType="withEffect">
+                                  <p:stCondLst>
+                                    <p:cond delay="0"/>
+                                  </p:stCondLst>
+                                  <p:childTnLst>
+                                    <p:set>
+                                      <p:cBhvr>
+                                        <p:cTn id="16" dur="1" fill="hold">
+                                          <p:stCondLst>
+                                            <p:cond delay="0"/>
+                                          </p:stCondLst>
+                                        </p:cTn>
+                                        <p:tgtEl>
+                                          <p:spTgt spid="66"/>
+                                        </p:tgtEl>
+                                        <p:attrNameLst>
+                                          <p:attrName>style.visibility</p:attrName>
+                                        </p:attrNameLst>
+                                      </p:cBhvr>
+                                      <p:to>
+                                        <p:strVal val="visible"/>
+                                      </p:to>
+                                    </p:set>
+                                  </p:childTnLst>
+                                </p:cTn>
+                              </p:par>
+                              <p:par>
+                                <p:cTn id="17" presetID="1" presetClass="entr" presetSubtype="0" fill="hold" nodeType="withEffect">
+                                  <p:stCondLst>
+                                    <p:cond delay="0"/>
+                                  </p:stCondLst>
+                                  <p:childTnLst>
+                                    <p:set>
+                                      <p:cBhvr>
+                                        <p:cTn id="18" dur="1" fill="hold">
+                                          <p:stCondLst>
+                                            <p:cond delay="0"/>
+                                          </p:stCondLst>
+                                        </p:cTn>
+                                        <p:tgtEl>
+                                          <p:spTgt spid="67"/>
+                                        </p:tgtEl>
+                                        <p:attrNameLst>
+                                          <p:attrName>style.visibility</p:attrName>
+                                        </p:attrNameLst>
+                                      </p:cBhvr>
+                                      <p:to>
+                                        <p:strVal val="visible"/>
+                                      </p:to>
+                                    </p:set>
+                                  </p:childTnLst>
+                                </p:cTn>
+                              </p:par>
+                              <p:par>
+                                <p:cTn id="19" presetID="1" presetClass="entr" presetSubtype="0" fill="hold" grpId="0" nodeType="withEffect">
+                                  <p:stCondLst>
+                                    <p:cond delay="0"/>
+                                  </p:stCondLst>
+                                  <p:childTnLst>
+                                    <p:set>
+                                      <p:cBhvr>
+                                        <p:cTn id="20" dur="1" fill="hold">
+                                          <p:stCondLst>
+                                            <p:cond delay="0"/>
+                                          </p:stCondLst>
+                                        </p:cTn>
+                                        <p:tgtEl>
+                                          <p:spTgt spid="68"/>
+                                        </p:tgtEl>
+                                        <p:attrNameLst>
+                                          <p:attrName>style.visibility</p:attrName>
+                                        </p:attrNameLst>
+                                      </p:cBhvr>
+                                      <p:to>
+                                        <p:strVal val="visible"/>
+                                      </p:to>
+                                    </p:set>
+                                  </p:childTnLst>
+                                </p:cTn>
+                              </p:par>
+                              <p:par>
+                                <p:cTn id="21" presetID="1" presetClass="entr" presetSubtype="0" fill="hold" grpId="0" nodeType="withEffect">
+                                  <p:stCondLst>
+                                    <p:cond delay="0"/>
+                                  </p:stCondLst>
+                                  <p:childTnLst>
+                                    <p:set>
+                                      <p:cBhvr>
+                                        <p:cTn id="22" dur="1" fill="hold">
+                                          <p:stCondLst>
+                                            <p:cond delay="0"/>
+                                          </p:stCondLst>
+                                        </p:cTn>
+                                        <p:tgtEl>
+                                          <p:spTgt spid="69"/>
+                                        </p:tgtEl>
+                                        <p:attrNameLst>
+                                          <p:attrName>style.visibility</p:attrName>
+                                        </p:attrNameLst>
+                                      </p:cBhvr>
+                                      <p:to>
+                                        <p:strVal val="visible"/>
+                                      </p:to>
+                                    </p:set>
+                                  </p:childTnLst>
+                                </p:cTn>
+                              </p:par>
+                              <p:par>
+                                <p:cTn id="23" presetID="1" presetClass="entr" presetSubtype="0" fill="hold" grpId="0" nodeType="withEffect">
+                                  <p:stCondLst>
+                                    <p:cond delay="0"/>
+                                  </p:stCondLst>
+                                  <p:childTnLst>
+                                    <p:set>
+                                      <p:cBhvr>
+                                        <p:cTn id="24" dur="1" fill="hold">
+                                          <p:stCondLst>
+                                            <p:cond delay="0"/>
+                                          </p:stCondLst>
+                                        </p:cTn>
+                                        <p:tgtEl>
+                                          <p:spTgt spid="70"/>
+                                        </p:tgtEl>
+                                        <p:attrNameLst>
+                                          <p:attrName>style.visibility</p:attrName>
+                                        </p:attrNameLst>
+                                      </p:cBhvr>
+                                      <p:to>
+                                        <p:strVal val="visible"/>
+                                      </p:to>
+                                    </p:set>
+                                  </p:childTnLst>
+                                </p:cTn>
+                              </p:par>
+                              <p:par>
+                                <p:cTn id="25" presetID="1" presetClass="entr" presetSubtype="0" fill="hold" nodeType="withEffect">
+                                  <p:stCondLst>
+                                    <p:cond delay="0"/>
+                                  </p:stCondLst>
+                                  <p:childTnLst>
+                                    <p:set>
+                                      <p:cBhvr>
+                                        <p:cTn id="26" dur="1" fill="hold">
+                                          <p:stCondLst>
+                                            <p:cond delay="0"/>
+                                          </p:stCondLst>
+                                        </p:cTn>
+                                        <p:tgtEl>
+                                          <p:spTgt spid="71"/>
+                                        </p:tgtEl>
+                                        <p:attrNameLst>
+                                          <p:attrName>style.visibility</p:attrName>
+                                        </p:attrNameLst>
+                                      </p:cBhvr>
+                                      <p:to>
+                                        <p:strVal val="visible"/>
+                                      </p:to>
+                                    </p:set>
+                                  </p:childTnLst>
+                                </p:cTn>
+                              </p:par>
+                              <p:par>
+                                <p:cTn id="27" presetID="1" presetClass="entr" presetSubtype="0" fill="hold" nodeType="withEffect">
+                                  <p:stCondLst>
+                                    <p:cond delay="0"/>
+                                  </p:stCondLst>
+                                  <p:childTnLst>
+                                    <p:set>
+                                      <p:cBhvr>
+                                        <p:cTn id="28" dur="1" fill="hold">
+                                          <p:stCondLst>
+                                            <p:cond delay="0"/>
+                                          </p:stCondLst>
+                                        </p:cTn>
+                                        <p:tgtEl>
+                                          <p:spTgt spid="72"/>
+                                        </p:tgtEl>
+                                        <p:attrNameLst>
+                                          <p:attrName>style.visibility</p:attrName>
+                                        </p:attrNameLst>
+                                      </p:cBhvr>
+                                      <p:to>
+                                        <p:strVal val="visible"/>
+                                      </p:to>
+                                    </p:set>
+                                  </p:childTnLst>
+                                </p:cTn>
+                              </p:par>
+                              <p:par>
+                                <p:cTn id="29" presetID="1" presetClass="entr" presetSubtype="0" fill="hold" nodeType="withEffect">
+                                  <p:stCondLst>
+                                    <p:cond delay="0"/>
+                                  </p:stCondLst>
+                                  <p:childTnLst>
+                                    <p:set>
+                                      <p:cBhvr>
+                                        <p:cTn id="30" dur="1" fill="hold">
+                                          <p:stCondLst>
+                                            <p:cond delay="0"/>
+                                          </p:stCondLst>
+                                        </p:cTn>
+                                        <p:tgtEl>
+                                          <p:spTgt spid="73"/>
+                                        </p:tgtEl>
+                                        <p:attrNameLst>
+                                          <p:attrName>style.visibility</p:attrName>
+                                        </p:attrNameLst>
+                                      </p:cBhvr>
+                                      <p:to>
+                                        <p:strVal val="visible"/>
+                                      </p:to>
+                                    </p:set>
+                                  </p:childTnLst>
+                                </p:cTn>
+                              </p:par>
+                              <p:par>
+                                <p:cTn id="31" presetID="1" presetClass="entr" presetSubtype="0" fill="hold" nodeType="withEffect">
+                                  <p:stCondLst>
+                                    <p:cond delay="0"/>
+                                  </p:stCondLst>
+                                  <p:childTnLst>
+                                    <p:set>
+                                      <p:cBhvr>
+                                        <p:cTn id="32" dur="1" fill="hold">
+                                          <p:stCondLst>
+                                            <p:cond delay="0"/>
+                                          </p:stCondLst>
+                                        </p:cTn>
+                                        <p:tgtEl>
+                                          <p:spTgt spid="74"/>
+                                        </p:tgtEl>
+                                        <p:attrNameLst>
+                                          <p:attrName>style.visibility</p:attrName>
+                                        </p:attrNameLst>
+                                      </p:cBhvr>
+                                      <p:to>
+                                        <p:strVal val="visible"/>
+                                      </p:to>
+                                    </p:set>
+                                  </p:childTnLst>
+                                </p:cTn>
+                              </p:par>
+                              <p:par>
+                                <p:cTn id="33" presetID="1" presetClass="entr" presetSubtype="0" fill="hold" grpId="0" nodeType="withEffect">
+                                  <p:stCondLst>
+                                    <p:cond delay="0"/>
+                                  </p:stCondLst>
+                                  <p:childTnLst>
+                                    <p:set>
+                                      <p:cBhvr>
+                                        <p:cTn id="34" dur="1" fill="hold">
+                                          <p:stCondLst>
+                                            <p:cond delay="0"/>
+                                          </p:stCondLst>
+                                        </p:cTn>
+                                        <p:tgtEl>
+                                          <p:spTgt spid="75"/>
+                                        </p:tgtEl>
+                                        <p:attrNameLst>
+                                          <p:attrName>style.visibility</p:attrName>
+                                        </p:attrNameLst>
+                                      </p:cBhvr>
+                                      <p:to>
+                                        <p:strVal val="visible"/>
+                                      </p:to>
+                                    </p:set>
+                                  </p:childTnLst>
+                                </p:cTn>
+                              </p:par>
+                              <p:par>
+                                <p:cTn id="35" presetID="1" presetClass="entr" presetSubtype="0" fill="hold" nodeType="withEffect">
+                                  <p:stCondLst>
+                                    <p:cond delay="0"/>
+                                  </p:stCondLst>
+                                  <p:childTnLst>
+                                    <p:set>
+                                      <p:cBhvr>
+                                        <p:cTn id="36" dur="1" fill="hold">
+                                          <p:stCondLst>
+                                            <p:cond delay="0"/>
+                                          </p:stCondLst>
+                                        </p:cTn>
+                                        <p:tgtEl>
+                                          <p:spTgt spid="76"/>
+                                        </p:tgtEl>
+                                        <p:attrNameLst>
+                                          <p:attrName>style.visibility</p:attrName>
+                                        </p:attrNameLst>
+                                      </p:cBhvr>
+                                      <p:to>
+                                        <p:strVal val="visible"/>
+                                      </p:to>
+                                    </p:set>
+                                  </p:childTnLst>
+                                </p:cTn>
+                              </p:par>
+                              <p:par>
+                                <p:cTn id="37" presetID="1" presetClass="entr" presetSubtype="0" fill="hold" nodeType="withEffect">
+                                  <p:stCondLst>
+                                    <p:cond delay="0"/>
+                                  </p:stCondLst>
+                                  <p:childTnLst>
+                                    <p:set>
+                                      <p:cBhvr>
+                                        <p:cTn id="38" dur="1" fill="hold">
+                                          <p:stCondLst>
+                                            <p:cond delay="0"/>
+                                          </p:stCondLst>
+                                        </p:cTn>
+                                        <p:tgtEl>
+                                          <p:spTgt spid="77"/>
+                                        </p:tgtEl>
+                                        <p:attrNameLst>
+                                          <p:attrName>style.visibility</p:attrName>
+                                        </p:attrNameLst>
+                                      </p:cBhvr>
+                                      <p:to>
+                                        <p:strVal val="visible"/>
+                                      </p:to>
+                                    </p:set>
+                                  </p:childTnLst>
+                                </p:cTn>
+                              </p:par>
+                              <p:par>
+                                <p:cTn id="39" presetID="1" presetClass="entr" presetSubtype="0" fill="hold" grpId="0" nodeType="withEffect">
+                                  <p:stCondLst>
+                                    <p:cond delay="0"/>
+                                  </p:stCondLst>
+                                  <p:childTnLst>
+                                    <p:set>
+                                      <p:cBhvr>
+                                        <p:cTn id="40" dur="1" fill="hold">
+                                          <p:stCondLst>
+                                            <p:cond delay="0"/>
+                                          </p:stCondLst>
+                                        </p:cTn>
+                                        <p:tgtEl>
+                                          <p:spTgt spid="78"/>
+                                        </p:tgtEl>
+                                        <p:attrNameLst>
+                                          <p:attrName>style.visibility</p:attrName>
+                                        </p:attrNameLst>
+                                      </p:cBhvr>
+                                      <p:to>
+                                        <p:strVal val="visible"/>
+                                      </p:to>
+                                    </p:set>
+                                  </p:childTnLst>
+                                </p:cTn>
+                              </p:par>
+                              <p:par>
+                                <p:cTn id="41" presetID="1" presetClass="entr" presetSubtype="0" fill="hold" grpId="0" nodeType="withEffect">
+                                  <p:stCondLst>
+                                    <p:cond delay="0"/>
+                                  </p:stCondLst>
+                                  <p:childTnLst>
+                                    <p:set>
+                                      <p:cBhvr>
+                                        <p:cTn id="42" dur="1" fill="hold">
+                                          <p:stCondLst>
+                                            <p:cond delay="0"/>
+                                          </p:stCondLst>
+                                        </p:cTn>
+                                        <p:tgtEl>
+                                          <p:spTgt spid="79"/>
+                                        </p:tgtEl>
+                                        <p:attrNameLst>
+                                          <p:attrName>style.visibility</p:attrName>
+                                        </p:attrNameLst>
+                                      </p:cBhvr>
+                                      <p:to>
+                                        <p:strVal val="visible"/>
+                                      </p:to>
+                                    </p:set>
+                                  </p:childTnLst>
+                                </p:cTn>
+                              </p:par>
+                              <p:par>
+                                <p:cTn id="43" presetID="1" presetClass="entr" presetSubtype="0" fill="hold" grpId="0" nodeType="withEffect">
+                                  <p:stCondLst>
+                                    <p:cond delay="0"/>
+                                  </p:stCondLst>
+                                  <p:childTnLst>
+                                    <p:set>
+                                      <p:cBhvr>
+                                        <p:cTn id="44" dur="1" fill="hold">
+                                          <p:stCondLst>
+                                            <p:cond delay="0"/>
+                                          </p:stCondLst>
+                                        </p:cTn>
+                                        <p:tgtEl>
+                                          <p:spTgt spid="80"/>
+                                        </p:tgtEl>
+                                        <p:attrNameLst>
+                                          <p:attrName>style.visibility</p:attrName>
+                                        </p:attrNameLst>
+                                      </p:cBhvr>
+                                      <p:to>
+                                        <p:strVal val="visible"/>
+                                      </p:to>
+                                    </p:set>
+                                  </p:childTnLst>
+                                </p:cTn>
+                              </p:par>
+                              <p:par>
+                                <p:cTn id="45" presetID="1" presetClass="entr" presetSubtype="0" fill="hold" grpId="0" nodeType="withEffect">
+                                  <p:stCondLst>
+                                    <p:cond delay="0"/>
+                                  </p:stCondLst>
+                                  <p:childTnLst>
+                                    <p:set>
+                                      <p:cBhvr>
+                                        <p:cTn id="46" dur="1" fill="hold">
+                                          <p:stCondLst>
+                                            <p:cond delay="0"/>
+                                          </p:stCondLst>
+                                        </p:cTn>
+                                        <p:tgtEl>
+                                          <p:spTgt spid="81"/>
+                                        </p:tgtEl>
+                                        <p:attrNameLst>
+                                          <p:attrName>style.visibility</p:attrName>
+                                        </p:attrNameLst>
+                                      </p:cBhvr>
+                                      <p:to>
+                                        <p:strVal val="visible"/>
+                                      </p:to>
+                                    </p:set>
+                                  </p:childTnLst>
+                                </p:cTn>
+                              </p:par>
+                              <p:par>
+                                <p:cTn id="47" presetID="1" presetClass="entr" presetSubtype="0" fill="hold" nodeType="withEffect">
+                                  <p:stCondLst>
+                                    <p:cond delay="0"/>
+                                  </p:stCondLst>
+                                  <p:childTnLst>
+                                    <p:set>
+                                      <p:cBhvr>
+                                        <p:cTn id="48" dur="1" fill="hold">
+                                          <p:stCondLst>
+                                            <p:cond delay="0"/>
+                                          </p:stCondLst>
+                                        </p:cTn>
+                                        <p:tgtEl>
+                                          <p:spTgt spid="82"/>
+                                        </p:tgtEl>
+                                        <p:attrNameLst>
+                                          <p:attrName>style.visibility</p:attrName>
+                                        </p:attrNameLst>
+                                      </p:cBhvr>
+                                      <p:to>
+                                        <p:strVal val="visible"/>
+                                      </p:to>
+                                    </p:set>
+                                  </p:childTnLst>
+                                </p:cTn>
+                              </p:par>
+                              <p:par>
+                                <p:cTn id="49" presetID="1" presetClass="entr" presetSubtype="0" fill="hold" nodeType="withEffect">
+                                  <p:stCondLst>
+                                    <p:cond delay="0"/>
+                                  </p:stCondLst>
+                                  <p:childTnLst>
+                                    <p:set>
+                                      <p:cBhvr>
+                                        <p:cTn id="50" dur="1" fill="hold">
+                                          <p:stCondLst>
+                                            <p:cond delay="0"/>
+                                          </p:stCondLst>
+                                        </p:cTn>
+                                        <p:tgtEl>
+                                          <p:spTgt spid="83"/>
+                                        </p:tgtEl>
+                                        <p:attrNameLst>
+                                          <p:attrName>style.visibility</p:attrName>
+                                        </p:attrNameLst>
+                                      </p:cBhvr>
+                                      <p:to>
+                                        <p:strVal val="visible"/>
+                                      </p:to>
+                                    </p:set>
+                                  </p:childTnLst>
+                                </p:cTn>
+                              </p:par>
+                              <p:par>
+                                <p:cTn id="51" presetID="1" presetClass="entr" presetSubtype="0" fill="hold" nodeType="withEffect">
+                                  <p:stCondLst>
+                                    <p:cond delay="0"/>
+                                  </p:stCondLst>
+                                  <p:childTnLst>
+                                    <p:set>
+                                      <p:cBhvr>
+                                        <p:cTn id="52" dur="1" fill="hold">
+                                          <p:stCondLst>
+                                            <p:cond delay="0"/>
+                                          </p:stCondLst>
+                                        </p:cTn>
+                                        <p:tgtEl>
+                                          <p:spTgt spid="84"/>
+                                        </p:tgtEl>
+                                        <p:attrNameLst>
+                                          <p:attrName>style.visibility</p:attrName>
+                                        </p:attrNameLst>
+                                      </p:cBhvr>
+                                      <p:to>
+                                        <p:strVal val="visible"/>
+                                      </p:to>
+                                    </p:set>
+                                  </p:childTnLst>
+                                </p:cTn>
+                              </p:par>
+                              <p:par>
+                                <p:cTn id="53" presetID="1" presetClass="entr" presetSubtype="0" fill="hold" nodeType="withEffect">
+                                  <p:stCondLst>
+                                    <p:cond delay="0"/>
+                                  </p:stCondLst>
+                                  <p:childTnLst>
+                                    <p:set>
+                                      <p:cBhvr>
+                                        <p:cTn id="54" dur="1" fill="hold">
+                                          <p:stCondLst>
+                                            <p:cond delay="0"/>
+                                          </p:stCondLst>
+                                        </p:cTn>
+                                        <p:tgtEl>
+                                          <p:spTgt spid="85"/>
+                                        </p:tgtEl>
+                                        <p:attrNameLst>
+                                          <p:attrName>style.visibility</p:attrName>
+                                        </p:attrNameLst>
+                                      </p:cBhvr>
+                                      <p:to>
+                                        <p:strVal val="visible"/>
+                                      </p:to>
+                                    </p:set>
+                                  </p:childTnLst>
+                                </p:cTn>
+                              </p:par>
+                              <p:par>
+                                <p:cTn id="55" presetID="1" presetClass="entr" presetSubtype="0" fill="hold" grpId="0" nodeType="withEffect">
+                                  <p:stCondLst>
+                                    <p:cond delay="0"/>
+                                  </p:stCondLst>
+                                  <p:childTnLst>
+                                    <p:set>
+                                      <p:cBhvr>
+                                        <p:cTn id="56" dur="1" fill="hold">
+                                          <p:stCondLst>
+                                            <p:cond delay="0"/>
+                                          </p:stCondLst>
+                                        </p:cTn>
+                                        <p:tgtEl>
+                                          <p:spTgt spid="86"/>
+                                        </p:tgtEl>
+                                        <p:attrNameLst>
+                                          <p:attrName>style.visibility</p:attrName>
+                                        </p:attrNameLst>
+                                      </p:cBhvr>
+                                      <p:to>
+                                        <p:strVal val="visible"/>
+                                      </p:to>
+                                    </p:set>
+                                  </p:childTnLst>
+                                </p:cTn>
+                              </p:par>
+                              <p:par>
+                                <p:cTn id="57" presetID="1" presetClass="entr" presetSubtype="0" fill="hold" nodeType="withEffect">
+                                  <p:stCondLst>
+                                    <p:cond delay="0"/>
+                                  </p:stCondLst>
+                                  <p:childTnLst>
+                                    <p:set>
+                                      <p:cBhvr>
+                                        <p:cTn id="58" dur="1" fill="hold">
+                                          <p:stCondLst>
+                                            <p:cond delay="0"/>
+                                          </p:stCondLst>
+                                        </p:cTn>
+                                        <p:tgtEl>
+                                          <p:spTgt spid="87"/>
+                                        </p:tgtEl>
+                                        <p:attrNameLst>
+                                          <p:attrName>style.visibility</p:attrName>
+                                        </p:attrNameLst>
+                                      </p:cBhvr>
+                                      <p:to>
+                                        <p:strVal val="visible"/>
+                                      </p:to>
+                                    </p:set>
+                                  </p:childTnLst>
+                                </p:cTn>
+                              </p:par>
+                              <p:par>
+                                <p:cTn id="59" presetID="1" presetClass="entr" presetSubtype="0" fill="hold" nodeType="withEffect">
+                                  <p:stCondLst>
+                                    <p:cond delay="0"/>
+                                  </p:stCondLst>
+                                  <p:childTnLst>
+                                    <p:set>
+                                      <p:cBhvr>
+                                        <p:cTn id="60" dur="1" fill="hold">
+                                          <p:stCondLst>
+                                            <p:cond delay="0"/>
+                                          </p:stCondLst>
+                                        </p:cTn>
+                                        <p:tgtEl>
+                                          <p:spTgt spid="88"/>
+                                        </p:tgtEl>
+                                        <p:attrNameLst>
+                                          <p:attrName>style.visibility</p:attrName>
+                                        </p:attrNameLst>
+                                      </p:cBhvr>
+                                      <p:to>
+                                        <p:strVal val="visible"/>
+                                      </p:to>
+                                    </p:set>
+                                  </p:childTnLst>
+                                </p:cTn>
+                              </p:par>
+                              <p:par>
+                                <p:cTn id="61" presetID="1" presetClass="entr" presetSubtype="0" fill="hold" grpId="0" nodeType="withEffect">
+                                  <p:stCondLst>
+                                    <p:cond delay="0"/>
+                                  </p:stCondLst>
+                                  <p:childTnLst>
+                                    <p:set>
+                                      <p:cBhvr>
+                                        <p:cTn id="62" dur="1" fill="hold">
+                                          <p:stCondLst>
+                                            <p:cond delay="0"/>
+                                          </p:stCondLst>
+                                        </p:cTn>
+                                        <p:tgtEl>
+                                          <p:spTgt spid="89"/>
+                                        </p:tgtEl>
+                                        <p:attrNameLst>
+                                          <p:attrName>style.visibility</p:attrName>
+                                        </p:attrNameLst>
+                                      </p:cBhvr>
+                                      <p:to>
+                                        <p:strVal val="visible"/>
+                                      </p:to>
+                                    </p:set>
+                                  </p:childTnLst>
+                                </p:cTn>
+                              </p:par>
+                              <p:par>
+                                <p:cTn id="63" presetID="1" presetClass="entr" presetSubtype="0" fill="hold" grpId="0" nodeType="withEffect">
+                                  <p:stCondLst>
+                                    <p:cond delay="0"/>
+                                  </p:stCondLst>
+                                  <p:childTnLst>
+                                    <p:set>
+                                      <p:cBhvr>
+                                        <p:cTn id="64" dur="1" fill="hold">
+                                          <p:stCondLst>
+                                            <p:cond delay="0"/>
+                                          </p:stCondLst>
+                                        </p:cTn>
+                                        <p:tgtEl>
+                                          <p:spTgt spid="90"/>
+                                        </p:tgtEl>
+                                        <p:attrNameLst>
+                                          <p:attrName>style.visibility</p:attrName>
+                                        </p:attrNameLst>
+                                      </p:cBhvr>
+                                      <p:to>
+                                        <p:strVal val="visible"/>
+                                      </p:to>
+                                    </p:set>
+                                  </p:childTnLst>
+                                </p:cTn>
+                              </p:par>
+                              <p:par>
+                                <p:cTn id="65" presetID="1" presetClass="entr" presetSubtype="0" fill="hold" grpId="0" nodeType="withEffect">
+                                  <p:stCondLst>
+                                    <p:cond delay="0"/>
+                                  </p:stCondLst>
+                                  <p:childTnLst>
+                                    <p:set>
+                                      <p:cBhvr>
+                                        <p:cTn id="66" dur="1" fill="hold">
+                                          <p:stCondLst>
+                                            <p:cond delay="0"/>
+                                          </p:stCondLst>
+                                        </p:cTn>
+                                        <p:tgtEl>
+                                          <p:spTgt spid="91"/>
+                                        </p:tgtEl>
+                                        <p:attrNameLst>
+                                          <p:attrName>style.visibility</p:attrName>
+                                        </p:attrNameLst>
+                                      </p:cBhvr>
+                                      <p:to>
+                                        <p:strVal val="visible"/>
+                                      </p:to>
+                                    </p:set>
+                                  </p:childTnLst>
+                                </p:cTn>
+                              </p:par>
+                              <p:par>
+                                <p:cTn id="67" presetID="1" presetClass="entr" presetSubtype="0" fill="hold" nodeType="withEffect">
+                                  <p:stCondLst>
+                                    <p:cond delay="0"/>
+                                  </p:stCondLst>
+                                  <p:childTnLst>
+                                    <p:set>
+                                      <p:cBhvr>
+                                        <p:cTn id="68" dur="1" fill="hold">
+                                          <p:stCondLst>
+                                            <p:cond delay="0"/>
+                                          </p:stCondLst>
+                                        </p:cTn>
+                                        <p:tgtEl>
+                                          <p:spTgt spid="92"/>
+                                        </p:tgtEl>
+                                        <p:attrNameLst>
+                                          <p:attrName>style.visibility</p:attrName>
+                                        </p:attrNameLst>
+                                      </p:cBhvr>
+                                      <p:to>
+                                        <p:strVal val="visible"/>
+                                      </p:to>
+                                    </p:set>
+                                  </p:childTnLst>
+                                </p:cTn>
+                              </p:par>
+                            </p:childTnLst>
+                          </p:cTn>
+                        </p:par>
+                      </p:childTnLst>
+                    </p:cTn>
+                  </p:par>
+                </p:childTnLst>
+              </p:cTn>
+              <p:prevCondLst>
+                <p:cond evt="onPrev" delay="0">
+                  <p:tgtEl>
+                    <p:sldTgt/>
+                  </p:tgtEl>
+                </p:cond>
+              </p:prevCondLst>
+              <p:nextCondLst>
+                <p:cond evt="onNext" delay="0">
+                  <p:tgtEl>
+                    <p:sldTgt/>
+                  </p:tgtEl>
+                </p:cond>
+              </p:nextCondLst>
+            </p:seq>
+          </p:childTnLst>
+        </p:cTn>
+      </p:par>
+    </p:tnLst>
+    <p:bldLst>
+      <p:bldP spid="65" grpId="0" animBg="1"/>
+      <p:bldP spid="68" grpId="0" animBg="1"/>
+      <p:bldP spid="69" grpId="0" animBg="1"/>
+      <p:bldP spid="70" grpId="0" animBg="1"/>
+      <p:bldP spid="75" grpId="0" animBg="1"/>
+      <p:bldP spid="78" grpId="0"/>
+      <p:bldP spid="79" grpId="0" animBg="1"/>
+      <p:bldP spid="80" grpId="0" animBg="1"/>
+      <p:bldP spid="81" grpId="0" animBg="1"/>
+      <p:bldP spid="86" grpId="0" animBg="1"/>
+      <p:bldP spid="89" grpId="0"/>
+      <p:bldP spid="90" grpId="0" animBg="1"/>
+      <p:bldP spid="91" grpId="0" animBg="1"/>
+    </p:bldLst>
+  </p:timing>
+</p:sld>
+</file>
+
+<file path=ppt/slides/slide3.xml><?xml version="1.0" encoding="utf-8"?>
+<p:sld xmlns:a="http://schemas.openxmlformats.org/drawingml/2006/main" xmlns:r="http://schemas.openxmlformats.org/officeDocument/2006/relationships" xmlns:p="http://schemas.openxmlformats.org/presentationml/2006/main">
+  <p:cSld>
+    <p:spTree>
+      <p:nvGrpSpPr>
+        <p:cNvPr id="1" name=""/>
+        <p:cNvGrpSpPr/>
+        <p:nvPr/>
+      </p:nvGrpSpPr>
+      <p:grpSpPr>
+        <a:xfrm>
+          <a:off x="0" y="0"/>
+          <a:ext cx="0" cy="0"/>
+          <a:chOff x="0" y="0"/>
+          <a:chExt cx="0" cy="0"/>
+        </a:xfrm>
+      </p:grpSpPr>
+      <p:sp>
+        <p:nvSpPr>
+          <p:cNvPr id="2" name="Title 1"/>
+          <p:cNvSpPr>
+            <a:spLocks noGrp="1"/>
+          </p:cNvSpPr>
+          <p:nvPr>
+            <p:ph type="title"/>
+          </p:nvPr>
+        </p:nvSpPr>
+        <p:spPr/>
+        <p:txBody>
+          <a:bodyPr/>
+          <a:lstStyle/>
+          <a:p>
+            <a:r>
+              <a:rPr lang="en-US" dirty="0" smtClean="0"/>
+              <a:t>Spatial and temporal regulation of gene expression in development</a:t>
+            </a:r>
+            <a:endParaRPr lang="en-US" dirty="0"/>
+          </a:p>
+        </p:txBody>
+      </p:sp>
+      <p:grpSp>
+        <p:nvGrpSpPr>
+          <p:cNvPr id="23" name="Group 22"/>
+          <p:cNvGrpSpPr/>
+          <p:nvPr/>
+        </p:nvGrpSpPr>
+        <p:grpSpPr>
+          <a:xfrm>
+            <a:off x="628650" y="2013277"/>
+            <a:ext cx="2633024" cy="1067672"/>
+            <a:chOff x="628650" y="2013277"/>
+            <a:chExt cx="3773424" cy="1530096"/>
+          </a:xfrm>
+        </p:grpSpPr>
+        <p:pic>
+          <p:nvPicPr>
+            <p:cNvPr id="19" name="Picture 18"/>
+            <p:cNvPicPr>
+              <a:picLocks noChangeAspect="1"/>
+            </p:cNvPicPr>
+            <p:nvPr/>
+          </p:nvPicPr>
+          <p:blipFill>
+            <a:blip r:embed="rId2">
+              <a:extLst>
+                <a:ext uri="{28A0092B-C50C-407E-A947-70E740481C1C}">
+                  <a14:useLocalDpi xmlns:a14="http://schemas.microsoft.com/office/drawing/2010/main" val="0"/>
+                </a:ext>
+              </a:extLst>
+            </a:blip>
+            <a:stretch>
+              <a:fillRect/>
+            </a:stretch>
+          </p:blipFill>
+          <p:spPr>
+            <a:xfrm>
+              <a:off x="628650" y="2013277"/>
+              <a:ext cx="3773424" cy="1530096"/>
+            </a:xfrm>
+            <a:prstGeom prst="rect">
+              <a:avLst/>
+            </a:prstGeom>
+          </p:spPr>
+        </p:pic>
+        <p:pic>
+          <p:nvPicPr>
+            <p:cNvPr id="20" name="Picture 19"/>
+            <p:cNvPicPr>
+              <a:picLocks noChangeAspect="1"/>
+            </p:cNvPicPr>
+            <p:nvPr/>
+          </p:nvPicPr>
+          <p:blipFill rotWithShape="1">
+            <a:blip r:embed="rId3">
+              <a:extLst>
+                <a:ext uri="{28A0092B-C50C-407E-A947-70E740481C1C}">
+                  <a14:useLocalDpi xmlns:a14="http://schemas.microsoft.com/office/drawing/2010/main" val="0"/>
+                </a:ext>
+              </a:extLst>
+            </a:blip>
+            <a:srcRect t="59410"/>
+            <a:stretch/>
+          </p:blipFill>
+          <p:spPr>
+            <a:xfrm>
+              <a:off x="628650" y="2922309"/>
+              <a:ext cx="3773424" cy="621064"/>
+            </a:xfrm>
+            <a:prstGeom prst="rect">
+              <a:avLst/>
+            </a:prstGeom>
+          </p:spPr>
+        </p:pic>
+      </p:grpSp>
+      <p:grpSp>
+        <p:nvGrpSpPr>
+          <p:cNvPr id="22" name="Group 21"/>
+          <p:cNvGrpSpPr/>
+          <p:nvPr/>
+        </p:nvGrpSpPr>
+        <p:grpSpPr>
+          <a:xfrm>
+            <a:off x="624665" y="4407685"/>
+            <a:ext cx="2637009" cy="1069288"/>
+            <a:chOff x="628650" y="4558514"/>
+            <a:chExt cx="3773424" cy="1530096"/>
+          </a:xfrm>
+        </p:grpSpPr>
+        <p:pic>
+          <p:nvPicPr>
+            <p:cNvPr id="122" name="Picture 121"/>
+            <p:cNvPicPr>
+              <a:picLocks noChangeAspect="1"/>
+            </p:cNvPicPr>
+            <p:nvPr/>
+          </p:nvPicPr>
+          <p:blipFill>
+            <a:blip r:embed="rId2">
+              <a:extLst>
+                <a:ext uri="{28A0092B-C50C-407E-A947-70E740481C1C}">
+                  <a14:useLocalDpi xmlns:a14="http://schemas.microsoft.com/office/drawing/2010/main" val="0"/>
+                </a:ext>
+              </a:extLst>
+            </a:blip>
+            <a:stretch>
+              <a:fillRect/>
+            </a:stretch>
+          </p:blipFill>
+          <p:spPr>
+            <a:xfrm>
+              <a:off x="628650" y="4558514"/>
+              <a:ext cx="3773424" cy="1530096"/>
+            </a:xfrm>
+            <a:prstGeom prst="rect">
+              <a:avLst/>
+            </a:prstGeom>
+          </p:spPr>
+        </p:pic>
+        <p:pic>
+          <p:nvPicPr>
+            <p:cNvPr id="21" name="Picture 20"/>
+            <p:cNvPicPr>
+              <a:picLocks noChangeAspect="1"/>
+            </p:cNvPicPr>
+            <p:nvPr/>
+          </p:nvPicPr>
+          <p:blipFill rotWithShape="1">
+            <a:blip r:embed="rId4">
+              <a:extLst>
+                <a:ext uri="{28A0092B-C50C-407E-A947-70E740481C1C}">
+                  <a14:useLocalDpi xmlns:a14="http://schemas.microsoft.com/office/drawing/2010/main" val="0"/>
+                </a:ext>
+              </a:extLst>
+            </a:blip>
+            <a:srcRect l="44152" r="34863"/>
+            <a:stretch/>
+          </p:blipFill>
+          <p:spPr>
+            <a:xfrm>
+              <a:off x="2300140" y="4558514"/>
+              <a:ext cx="791852" cy="1530096"/>
+            </a:xfrm>
+            <a:prstGeom prst="rect">
+              <a:avLst/>
+            </a:prstGeom>
+          </p:spPr>
+        </p:pic>
+      </p:grpSp>
+      <p:cxnSp>
+        <p:nvCxnSpPr>
+          <p:cNvPr id="123" name="Straight Connector 122"/>
+          <p:cNvCxnSpPr/>
+          <p:nvPr/>
+        </p:nvCxnSpPr>
+        <p:spPr>
+          <a:xfrm>
+            <a:off x="339805" y="3861923"/>
+            <a:ext cx="2278780" cy="1"/>
+          </a:xfrm>
+          <a:prstGeom prst="line">
+            <a:avLst/>
+          </a:prstGeom>
+          <a:ln w="63500">
+            <a:solidFill>
+              <a:schemeClr val="tx1"/>
+            </a:solidFill>
+          </a:ln>
+        </p:spPr>
+        <p:style>
+          <a:lnRef idx="1">
+            <a:schemeClr val="accent1"/>
+          </a:lnRef>
+          <a:fillRef idx="0">
+            <a:schemeClr val="accent1"/>
+          </a:fillRef>
+          <a:effectRef idx="0">
+            <a:schemeClr val="accent1"/>
+          </a:effectRef>
+          <a:fontRef idx="minor">
+            <a:schemeClr val="tx1"/>
+          </a:fontRef>
+        </p:style>
+      </p:cxnSp>
+      <p:cxnSp>
+        <p:nvCxnSpPr>
+          <p:cNvPr id="124" name="Straight Connector 123"/>
+          <p:cNvCxnSpPr/>
+          <p:nvPr/>
+        </p:nvCxnSpPr>
+        <p:spPr>
+          <a:xfrm>
+            <a:off x="3283574" y="3575323"/>
+            <a:ext cx="0" cy="308542"/>
+          </a:xfrm>
+          <a:prstGeom prst="line">
+            <a:avLst/>
+          </a:prstGeom>
+          <a:ln w="63500">
+            <a:solidFill>
+              <a:schemeClr val="tx1"/>
+            </a:solidFill>
+          </a:ln>
+        </p:spPr>
+        <p:style>
+          <a:lnRef idx="1">
+            <a:schemeClr val="accent1"/>
+          </a:lnRef>
+          <a:fillRef idx="0">
+            <a:schemeClr val="accent1"/>
+          </a:fillRef>
+          <a:effectRef idx="0">
+            <a:schemeClr val="accent1"/>
+          </a:effectRef>
+          <a:fontRef idx="minor">
+            <a:schemeClr val="tx1"/>
+          </a:fontRef>
+        </p:style>
+      </p:cxnSp>
+      <p:cxnSp>
+        <p:nvCxnSpPr>
+          <p:cNvPr id="125" name="Straight Arrow Connector 124"/>
+          <p:cNvCxnSpPr/>
+          <p:nvPr/>
+        </p:nvCxnSpPr>
+        <p:spPr>
+          <a:xfrm>
+            <a:off x="3268616" y="3598254"/>
+            <a:ext cx="308542" cy="0"/>
+          </a:xfrm>
+          <a:prstGeom prst="straightConnector1">
+            <a:avLst/>
+          </a:prstGeom>
+          <a:ln w="63500">
+            <a:solidFill>
+              <a:schemeClr val="tx1"/>
+            </a:solidFill>
+            <a:tailEnd type="triangle"/>
+          </a:ln>
+        </p:spPr>
+        <p:style>
+          <a:lnRef idx="1">
+            <a:schemeClr val="accent1"/>
+          </a:lnRef>
+          <a:fillRef idx="0">
+            <a:schemeClr val="accent1"/>
+          </a:fillRef>
+          <a:effectRef idx="0">
+            <a:schemeClr val="accent1"/>
+          </a:effectRef>
+          <a:fontRef idx="minor">
+            <a:schemeClr val="tx1"/>
+          </a:fontRef>
+        </p:style>
+      </p:cxnSp>
+      <p:cxnSp>
+        <p:nvCxnSpPr>
+          <p:cNvPr id="126" name="Straight Connector 125"/>
+          <p:cNvCxnSpPr/>
+          <p:nvPr/>
+        </p:nvCxnSpPr>
+        <p:spPr>
+          <a:xfrm>
+            <a:off x="2859515" y="3868808"/>
+            <a:ext cx="1173229" cy="0"/>
+          </a:xfrm>
+          <a:prstGeom prst="line">
+            <a:avLst/>
+          </a:prstGeom>
+          <a:ln w="63500">
+            <a:solidFill>
+              <a:schemeClr val="tx1"/>
+            </a:solidFill>
+          </a:ln>
+        </p:spPr>
+        <p:style>
+          <a:lnRef idx="1">
+            <a:schemeClr val="accent1"/>
+          </a:lnRef>
+          <a:fillRef idx="0">
+            <a:schemeClr val="accent1"/>
+          </a:fillRef>
+          <a:effectRef idx="0">
+            <a:schemeClr val="accent1"/>
+          </a:effectRef>
+          <a:fontRef idx="minor">
+            <a:schemeClr val="tx1"/>
+          </a:fontRef>
+        </p:style>
+      </p:cxnSp>
+      <p:sp>
+        <p:nvSpPr>
+          <p:cNvPr id="127" name="Rectangle 126"/>
+          <p:cNvSpPr/>
+          <p:nvPr/>
+        </p:nvSpPr>
+        <p:spPr>
+          <a:xfrm>
+            <a:off x="1618869" y="3818984"/>
+            <a:ext cx="567997" cy="85877"/>
+          </a:xfrm>
+          <a:prstGeom prst="rect">
+            <a:avLst/>
+          </a:prstGeom>
+          <a:solidFill>
+            <a:schemeClr val="accent2">
+              <a:lumMod val="75000"/>
+            </a:schemeClr>
+          </a:solidFill>
+          <a:ln>
+            <a:noFill/>
+          </a:ln>
+        </p:spPr>
+        <p:style>
+          <a:lnRef idx="2">
+            <a:schemeClr val="accent1">
+              <a:shade val="50000"/>
+            </a:schemeClr>
+          </a:lnRef>
+          <a:fillRef idx="1">
+            <a:schemeClr val="accent1"/>
+          </a:fillRef>
+          <a:effectRef idx="0">
+            <a:schemeClr val="accent1"/>
+          </a:effectRef>
+          <a:fontRef idx="minor">
+            <a:schemeClr val="lt1"/>
+          </a:fontRef>
+        </p:style>
+        <p:txBody>
+          <a:bodyPr rot="0" spcFirstLastPara="0" vertOverflow="overflow" horzOverflow="overflow" vert="horz" wrap="square" lIns="91440" tIns="45720" rIns="91440" bIns="45720" numCol="1" spcCol="0" rtlCol="0" fromWordArt="0" anchor="ctr" anchorCtr="0" forceAA="0" compatLnSpc="1">
+            <a:prstTxWarp prst="textNoShape">
+              <a:avLst/>
+            </a:prstTxWarp>
+            <a:noAutofit/>
+          </a:bodyPr>
+          <a:lstStyle/>
+          <a:p>
+            <a:pPr algn="ctr"/>
+            <a:endParaRPr lang="en-US"/>
+          </a:p>
+        </p:txBody>
+      </p:sp>
+      <p:sp>
+        <p:nvSpPr>
+          <p:cNvPr id="128" name="Rectangle 127"/>
+          <p:cNvSpPr/>
+          <p:nvPr/>
+        </p:nvSpPr>
+        <p:spPr>
+          <a:xfrm flipV="1">
+            <a:off x="695339" y="3818984"/>
+            <a:ext cx="567997" cy="85877"/>
+          </a:xfrm>
+          <a:prstGeom prst="rect">
+            <a:avLst/>
+          </a:prstGeom>
+          <a:solidFill>
+            <a:schemeClr val="accent2">
+              <a:lumMod val="75000"/>
+            </a:schemeClr>
+          </a:solidFill>
+          <a:ln>
+            <a:noFill/>
+          </a:ln>
+        </p:spPr>
+        <p:style>
+          <a:lnRef idx="2">
+            <a:schemeClr val="accent1">
+              <a:shade val="50000"/>
+            </a:schemeClr>
+          </a:lnRef>
+          <a:fillRef idx="1">
+            <a:schemeClr val="accent1"/>
+          </a:fillRef>
+          <a:effectRef idx="0">
+            <a:schemeClr val="accent1"/>
+          </a:effectRef>
+          <a:fontRef idx="minor">
+            <a:schemeClr val="lt1"/>
+          </a:fontRef>
+        </p:style>
+        <p:txBody>
+          <a:bodyPr rot="0" spcFirstLastPara="0" vertOverflow="overflow" horzOverflow="overflow" vert="horz" wrap="square" lIns="91440" tIns="45720" rIns="91440" bIns="45720" numCol="1" spcCol="0" rtlCol="0" fromWordArt="0" anchor="ctr" anchorCtr="0" forceAA="0" compatLnSpc="1">
+            <a:prstTxWarp prst="textNoShape">
+              <a:avLst/>
+            </a:prstTxWarp>
+            <a:noAutofit/>
+          </a:bodyPr>
+          <a:lstStyle/>
+          <a:p>
+            <a:pPr algn="ctr"/>
+            <a:endParaRPr lang="en-US"/>
+          </a:p>
+        </p:txBody>
+      </p:sp>
+      <p:cxnSp>
+        <p:nvCxnSpPr>
+          <p:cNvPr id="129" name="Straight Connector 128"/>
+          <p:cNvCxnSpPr/>
+          <p:nvPr/>
+        </p:nvCxnSpPr>
+        <p:spPr>
+          <a:xfrm flipH="1">
+            <a:off x="2757191" y="3781152"/>
+            <a:ext cx="200310" cy="161540"/>
+          </a:xfrm>
+          <a:prstGeom prst="line">
+            <a:avLst/>
+          </a:prstGeom>
+          <a:ln w="63500">
+            <a:solidFill>
+              <a:schemeClr val="tx1"/>
+            </a:solidFill>
+          </a:ln>
+        </p:spPr>
+        <p:style>
+          <a:lnRef idx="1">
+            <a:schemeClr val="accent1"/>
+          </a:lnRef>
+          <a:fillRef idx="0">
+            <a:schemeClr val="accent1"/>
+          </a:fillRef>
+          <a:effectRef idx="0">
+            <a:schemeClr val="accent1"/>
+          </a:effectRef>
+          <a:fontRef idx="minor">
+            <a:schemeClr val="tx1"/>
+          </a:fontRef>
+        </p:style>
+      </p:cxnSp>
+      <p:cxnSp>
+        <p:nvCxnSpPr>
+          <p:cNvPr id="130" name="Straight Connector 129"/>
+          <p:cNvCxnSpPr/>
+          <p:nvPr/>
+        </p:nvCxnSpPr>
+        <p:spPr>
+          <a:xfrm flipH="1">
+            <a:off x="2518084" y="3781152"/>
+            <a:ext cx="200310" cy="161540"/>
+          </a:xfrm>
+          <a:prstGeom prst="line">
+            <a:avLst/>
+          </a:prstGeom>
+          <a:ln w="63500">
+            <a:solidFill>
+              <a:schemeClr val="tx1"/>
+            </a:solidFill>
+          </a:ln>
+        </p:spPr>
+        <p:style>
+          <a:lnRef idx="1">
+            <a:schemeClr val="accent1"/>
+          </a:lnRef>
+          <a:fillRef idx="0">
+            <a:schemeClr val="accent1"/>
+          </a:fillRef>
+          <a:effectRef idx="0">
+            <a:schemeClr val="accent1"/>
+          </a:effectRef>
+          <a:fontRef idx="minor">
+            <a:schemeClr val="tx1"/>
+          </a:fontRef>
+        </p:style>
+      </p:cxnSp>
+      <p:sp>
+        <p:nvSpPr>
+          <p:cNvPr id="131" name="Oval 130"/>
+          <p:cNvSpPr/>
+          <p:nvPr/>
+        </p:nvSpPr>
+        <p:spPr>
+          <a:xfrm>
+            <a:off x="1764836" y="3592744"/>
+            <a:ext cx="276063" cy="276063"/>
+          </a:xfrm>
+          <a:prstGeom prst="ellipse">
+            <a:avLst/>
+          </a:prstGeom>
+          <a:solidFill>
+            <a:schemeClr val="accent2"/>
+          </a:solidFill>
+        </p:spPr>
+        <p:style>
+          <a:lnRef idx="2">
+            <a:schemeClr val="accent1">
+              <a:shade val="50000"/>
+            </a:schemeClr>
+          </a:lnRef>
+          <a:fillRef idx="1">
+            <a:schemeClr val="accent1"/>
+          </a:fillRef>
+          <a:effectRef idx="0">
+            <a:schemeClr val="accent1"/>
+          </a:effectRef>
+          <a:fontRef idx="minor">
+            <a:schemeClr val="lt1"/>
+          </a:fontRef>
+        </p:style>
+        <p:txBody>
+          <a:bodyPr rot="0" spcFirstLastPara="0" vertOverflow="overflow" horzOverflow="overflow" vert="horz" wrap="square" lIns="91440" tIns="45720" rIns="91440" bIns="45720" numCol="1" spcCol="0" rtlCol="0" fromWordArt="0" anchor="ctr" anchorCtr="0" forceAA="0" compatLnSpc="1">
+            <a:prstTxWarp prst="textNoShape">
+              <a:avLst/>
+            </a:prstTxWarp>
+            <a:noAutofit/>
+          </a:bodyPr>
+          <a:lstStyle/>
+          <a:p>
+            <a:pPr algn="ctr"/>
+            <a:r>
+              <a:rPr lang="en-US" dirty="0"/>
+              <a:t>A</a:t>
+            </a:r>
+          </a:p>
+        </p:txBody>
+      </p:sp>
+      <p:sp>
+        <p:nvSpPr>
+          <p:cNvPr id="132" name="Arc 131"/>
+          <p:cNvSpPr/>
+          <p:nvPr/>
+        </p:nvSpPr>
+        <p:spPr>
+          <a:xfrm>
+            <a:off x="1907828" y="3135894"/>
+            <a:ext cx="1355250" cy="602321"/>
+          </a:xfrm>
+          <a:prstGeom prst="arc">
+            <a:avLst>
+              <a:gd name="adj1" fmla="val 10794464"/>
+              <a:gd name="adj2" fmla="val 0"/>
+            </a:avLst>
+          </a:prstGeom>
+          <a:ln w="25400" cap="sq">
+            <a:solidFill>
+              <a:schemeClr val="bg1">
+                <a:lumMod val="50000"/>
+              </a:schemeClr>
+            </a:solidFill>
+            <a:tailEnd type="triangle"/>
+          </a:ln>
+        </p:spPr>
+        <p:style>
+          <a:lnRef idx="1">
+            <a:schemeClr val="accent1"/>
+          </a:lnRef>
+          <a:fillRef idx="0">
+            <a:schemeClr val="accent1"/>
+          </a:fillRef>
+          <a:effectRef idx="0">
+            <a:schemeClr val="accent1"/>
+          </a:effectRef>
+          <a:fontRef idx="minor">
+            <a:schemeClr val="tx1"/>
+          </a:fontRef>
+        </p:style>
+        <p:txBody>
+          <a:bodyPr rot="0" spcFirstLastPara="0" vertOverflow="overflow" horzOverflow="overflow" vert="horz" wrap="square" lIns="91440" tIns="45720" rIns="91440" bIns="45720" numCol="1" spcCol="0" rtlCol="0" fromWordArt="0" anchor="ctr" anchorCtr="0" forceAA="0" compatLnSpc="1">
+            <a:prstTxWarp prst="textNoShape">
+              <a:avLst/>
+            </a:prstTxWarp>
+            <a:noAutofit/>
+          </a:bodyPr>
+          <a:lstStyle/>
+          <a:p>
+            <a:pPr algn="ctr"/>
+            <a:endParaRPr lang="en-US"/>
+          </a:p>
+        </p:txBody>
+      </p:sp>
+      <p:sp>
+        <p:nvSpPr>
+          <p:cNvPr id="133" name="TextBox 132"/>
+          <p:cNvSpPr txBox="1"/>
+          <p:nvPr/>
+        </p:nvSpPr>
+        <p:spPr>
+          <a:xfrm>
+            <a:off x="3556780" y="3397637"/>
+            <a:ext cx="458780" cy="369332"/>
+          </a:xfrm>
+          <a:prstGeom prst="rect">
+            <a:avLst/>
+          </a:prstGeom>
+          <a:noFill/>
+        </p:spPr>
+        <p:txBody>
+          <a:bodyPr wrap="none" rtlCol="0">
+            <a:spAutoFit/>
+          </a:bodyPr>
+          <a:lstStyle/>
+          <a:p>
+            <a:r>
+              <a:rPr lang="en-US" dirty="0" smtClean="0"/>
+              <a:t>On</a:t>
+            </a:r>
+            <a:endParaRPr lang="en-US" dirty="0"/>
+          </a:p>
+        </p:txBody>
+      </p:sp>
+      <p:cxnSp>
+        <p:nvCxnSpPr>
+          <p:cNvPr id="134" name="Straight Connector 133"/>
+          <p:cNvCxnSpPr/>
+          <p:nvPr/>
+        </p:nvCxnSpPr>
+        <p:spPr>
+          <a:xfrm>
+            <a:off x="237481" y="6231849"/>
+            <a:ext cx="2278780" cy="1"/>
+          </a:xfrm>
+          <a:prstGeom prst="line">
+            <a:avLst/>
+          </a:prstGeom>
+          <a:ln w="63500">
+            <a:solidFill>
+              <a:schemeClr val="tx1"/>
+            </a:solidFill>
+          </a:ln>
+        </p:spPr>
+        <p:style>
+          <a:lnRef idx="1">
+            <a:schemeClr val="accent1"/>
+          </a:lnRef>
+          <a:fillRef idx="0">
+            <a:schemeClr val="accent1"/>
+          </a:fillRef>
+          <a:effectRef idx="0">
+            <a:schemeClr val="accent1"/>
+          </a:effectRef>
+          <a:fontRef idx="minor">
+            <a:schemeClr val="tx1"/>
+          </a:fontRef>
+        </p:style>
+      </p:cxnSp>
+      <p:cxnSp>
+        <p:nvCxnSpPr>
+          <p:cNvPr id="135" name="Straight Connector 134"/>
+          <p:cNvCxnSpPr/>
+          <p:nvPr/>
+        </p:nvCxnSpPr>
+        <p:spPr>
+          <a:xfrm>
+            <a:off x="3181250" y="5945249"/>
+            <a:ext cx="0" cy="308542"/>
+          </a:xfrm>
+          <a:prstGeom prst="line">
+            <a:avLst/>
+          </a:prstGeom>
+          <a:ln w="63500">
+            <a:solidFill>
+              <a:schemeClr val="tx1"/>
+            </a:solidFill>
+          </a:ln>
+        </p:spPr>
+        <p:style>
+          <a:lnRef idx="1">
+            <a:schemeClr val="accent1"/>
+          </a:lnRef>
+          <a:fillRef idx="0">
+            <a:schemeClr val="accent1"/>
+          </a:fillRef>
+          <a:effectRef idx="0">
+            <a:schemeClr val="accent1"/>
+          </a:effectRef>
+          <a:fontRef idx="minor">
+            <a:schemeClr val="tx1"/>
+          </a:fontRef>
+        </p:style>
+      </p:cxnSp>
+      <p:cxnSp>
+        <p:nvCxnSpPr>
+          <p:cNvPr id="136" name="Straight Arrow Connector 135"/>
+          <p:cNvCxnSpPr/>
+          <p:nvPr/>
+        </p:nvCxnSpPr>
+        <p:spPr>
+          <a:xfrm>
+            <a:off x="3166292" y="5968180"/>
+            <a:ext cx="308542" cy="0"/>
+          </a:xfrm>
+          <a:prstGeom prst="straightConnector1">
+            <a:avLst/>
+          </a:prstGeom>
+          <a:ln w="63500">
+            <a:solidFill>
+              <a:schemeClr val="tx1"/>
+            </a:solidFill>
+            <a:tailEnd type="triangle"/>
+          </a:ln>
+        </p:spPr>
+        <p:style>
+          <a:lnRef idx="1">
+            <a:schemeClr val="accent1"/>
+          </a:lnRef>
+          <a:fillRef idx="0">
+            <a:schemeClr val="accent1"/>
+          </a:fillRef>
+          <a:effectRef idx="0">
+            <a:schemeClr val="accent1"/>
+          </a:effectRef>
+          <a:fontRef idx="minor">
+            <a:schemeClr val="tx1"/>
+          </a:fontRef>
+        </p:style>
+      </p:cxnSp>
+      <p:cxnSp>
+        <p:nvCxnSpPr>
+          <p:cNvPr id="137" name="Straight Connector 136"/>
+          <p:cNvCxnSpPr/>
+          <p:nvPr/>
+        </p:nvCxnSpPr>
+        <p:spPr>
+          <a:xfrm>
+            <a:off x="2757191" y="6238734"/>
+            <a:ext cx="1173229" cy="0"/>
+          </a:xfrm>
+          <a:prstGeom prst="line">
+            <a:avLst/>
+          </a:prstGeom>
+          <a:ln w="63500">
+            <a:solidFill>
+              <a:schemeClr val="tx1"/>
+            </a:solidFill>
+          </a:ln>
+        </p:spPr>
+        <p:style>
+          <a:lnRef idx="1">
+            <a:schemeClr val="accent1"/>
+          </a:lnRef>
+          <a:fillRef idx="0">
+            <a:schemeClr val="accent1"/>
+          </a:fillRef>
+          <a:effectRef idx="0">
+            <a:schemeClr val="accent1"/>
+          </a:effectRef>
+          <a:fontRef idx="minor">
+            <a:schemeClr val="tx1"/>
+          </a:fontRef>
+        </p:style>
+      </p:cxnSp>
+      <p:sp>
+        <p:nvSpPr>
+          <p:cNvPr id="138" name="Rectangle 137"/>
+          <p:cNvSpPr/>
+          <p:nvPr/>
+        </p:nvSpPr>
+        <p:spPr>
+          <a:xfrm>
+            <a:off x="1516545" y="6188910"/>
+            <a:ext cx="567997" cy="85877"/>
+          </a:xfrm>
+          <a:prstGeom prst="rect">
+            <a:avLst/>
+          </a:prstGeom>
+          <a:solidFill>
+            <a:schemeClr val="accent2">
+              <a:lumMod val="75000"/>
+            </a:schemeClr>
+          </a:solidFill>
+          <a:ln>
+            <a:noFill/>
+          </a:ln>
+        </p:spPr>
+        <p:style>
+          <a:lnRef idx="2">
+            <a:schemeClr val="accent1">
+              <a:shade val="50000"/>
+            </a:schemeClr>
+          </a:lnRef>
+          <a:fillRef idx="1">
+            <a:schemeClr val="accent1"/>
+          </a:fillRef>
+          <a:effectRef idx="0">
+            <a:schemeClr val="accent1"/>
+          </a:effectRef>
+          <a:fontRef idx="minor">
+            <a:schemeClr val="lt1"/>
+          </a:fontRef>
+        </p:style>
+        <p:txBody>
+          <a:bodyPr rot="0" spcFirstLastPara="0" vertOverflow="overflow" horzOverflow="overflow" vert="horz" wrap="square" lIns="91440" tIns="45720" rIns="91440" bIns="45720" numCol="1" spcCol="0" rtlCol="0" fromWordArt="0" anchor="ctr" anchorCtr="0" forceAA="0" compatLnSpc="1">
+            <a:prstTxWarp prst="textNoShape">
+              <a:avLst/>
+            </a:prstTxWarp>
+            <a:noAutofit/>
+          </a:bodyPr>
+          <a:lstStyle/>
+          <a:p>
+            <a:pPr algn="ctr"/>
+            <a:endParaRPr lang="en-US"/>
+          </a:p>
+        </p:txBody>
+      </p:sp>
+      <p:sp>
+        <p:nvSpPr>
+          <p:cNvPr id="139" name="Rectangle 138"/>
+          <p:cNvSpPr/>
+          <p:nvPr/>
+        </p:nvSpPr>
+        <p:spPr>
+          <a:xfrm flipV="1">
+            <a:off x="593015" y="6188910"/>
+            <a:ext cx="567997" cy="85877"/>
+          </a:xfrm>
+          <a:prstGeom prst="rect">
+            <a:avLst/>
+          </a:prstGeom>
+          <a:solidFill>
+            <a:schemeClr val="accent2">
+              <a:lumMod val="75000"/>
+            </a:schemeClr>
+          </a:solidFill>
+          <a:ln>
+            <a:noFill/>
+          </a:ln>
+        </p:spPr>
+        <p:style>
+          <a:lnRef idx="2">
+            <a:schemeClr val="accent1">
+              <a:shade val="50000"/>
+            </a:schemeClr>
+          </a:lnRef>
+          <a:fillRef idx="1">
+            <a:schemeClr val="accent1"/>
+          </a:fillRef>
+          <a:effectRef idx="0">
+            <a:schemeClr val="accent1"/>
+          </a:effectRef>
+          <a:fontRef idx="minor">
+            <a:schemeClr val="lt1"/>
+          </a:fontRef>
+        </p:style>
+        <p:txBody>
+          <a:bodyPr rot="0" spcFirstLastPara="0" vertOverflow="overflow" horzOverflow="overflow" vert="horz" wrap="square" lIns="91440" tIns="45720" rIns="91440" bIns="45720" numCol="1" spcCol="0" rtlCol="0" fromWordArt="0" anchor="ctr" anchorCtr="0" forceAA="0" compatLnSpc="1">
+            <a:prstTxWarp prst="textNoShape">
+              <a:avLst/>
+            </a:prstTxWarp>
+            <a:noAutofit/>
+          </a:bodyPr>
+          <a:lstStyle/>
+          <a:p>
+            <a:pPr algn="ctr"/>
+            <a:endParaRPr lang="en-US"/>
+          </a:p>
+        </p:txBody>
+      </p:sp>
+      <p:cxnSp>
+        <p:nvCxnSpPr>
+          <p:cNvPr id="140" name="Straight Connector 139"/>
+          <p:cNvCxnSpPr/>
+          <p:nvPr/>
+        </p:nvCxnSpPr>
+        <p:spPr>
+          <a:xfrm flipH="1">
+            <a:off x="2654867" y="6151078"/>
+            <a:ext cx="200310" cy="161540"/>
+          </a:xfrm>
+          <a:prstGeom prst="line">
+            <a:avLst/>
+          </a:prstGeom>
+          <a:ln w="63500">
+            <a:solidFill>
+              <a:schemeClr val="tx1"/>
+            </a:solidFill>
+          </a:ln>
+        </p:spPr>
+        <p:style>
+          <a:lnRef idx="1">
+            <a:schemeClr val="accent1"/>
+          </a:lnRef>
+          <a:fillRef idx="0">
+            <a:schemeClr val="accent1"/>
+          </a:fillRef>
+          <a:effectRef idx="0">
+            <a:schemeClr val="accent1"/>
+          </a:effectRef>
+          <a:fontRef idx="minor">
+            <a:schemeClr val="tx1"/>
+          </a:fontRef>
+        </p:style>
+      </p:cxnSp>
+      <p:cxnSp>
+        <p:nvCxnSpPr>
+          <p:cNvPr id="141" name="Straight Connector 140"/>
+          <p:cNvCxnSpPr/>
+          <p:nvPr/>
+        </p:nvCxnSpPr>
+        <p:spPr>
+          <a:xfrm flipH="1">
+            <a:off x="2415760" y="6151078"/>
+            <a:ext cx="200310" cy="161540"/>
+          </a:xfrm>
+          <a:prstGeom prst="line">
+            <a:avLst/>
+          </a:prstGeom>
+          <a:ln w="63500">
+            <a:solidFill>
+              <a:schemeClr val="tx1"/>
+            </a:solidFill>
+          </a:ln>
+        </p:spPr>
+        <p:style>
+          <a:lnRef idx="1">
+            <a:schemeClr val="accent1"/>
+          </a:lnRef>
+          <a:fillRef idx="0">
+            <a:schemeClr val="accent1"/>
+          </a:fillRef>
+          <a:effectRef idx="0">
+            <a:schemeClr val="accent1"/>
+          </a:effectRef>
+          <a:fontRef idx="minor">
+            <a:schemeClr val="tx1"/>
+          </a:fontRef>
+        </p:style>
+      </p:cxnSp>
+      <p:sp>
+        <p:nvSpPr>
+          <p:cNvPr id="142" name="Oval 141"/>
+          <p:cNvSpPr/>
+          <p:nvPr/>
+        </p:nvSpPr>
+        <p:spPr>
+          <a:xfrm>
+            <a:off x="738981" y="5955784"/>
+            <a:ext cx="276063" cy="276063"/>
+          </a:xfrm>
+          <a:prstGeom prst="ellipse">
+            <a:avLst/>
+          </a:prstGeom>
+        </p:spPr>
+        <p:style>
+          <a:lnRef idx="2">
+            <a:schemeClr val="accent1">
+              <a:shade val="50000"/>
+            </a:schemeClr>
+          </a:lnRef>
+          <a:fillRef idx="1">
+            <a:schemeClr val="accent1"/>
+          </a:fillRef>
+          <a:effectRef idx="0">
+            <a:schemeClr val="accent1"/>
+          </a:effectRef>
+          <a:fontRef idx="minor">
+            <a:schemeClr val="lt1"/>
+          </a:fontRef>
+        </p:style>
+        <p:txBody>
+          <a:bodyPr rot="0" spcFirstLastPara="0" vertOverflow="overflow" horzOverflow="overflow" vert="horz" wrap="square" lIns="91440" tIns="45720" rIns="91440" bIns="45720" numCol="1" spcCol="0" rtlCol="0" fromWordArt="0" anchor="ctr" anchorCtr="0" forceAA="0" compatLnSpc="1">
+            <a:prstTxWarp prst="textNoShape">
+              <a:avLst/>
+            </a:prstTxWarp>
+            <a:noAutofit/>
+          </a:bodyPr>
+          <a:lstStyle/>
+          <a:p>
+            <a:pPr algn="ctr"/>
+            <a:r>
+              <a:rPr lang="en-US" dirty="0"/>
+              <a:t>R</a:t>
+            </a:r>
+          </a:p>
+        </p:txBody>
+      </p:sp>
+      <p:sp>
+        <p:nvSpPr>
+          <p:cNvPr id="144" name="TextBox 143"/>
+          <p:cNvSpPr txBox="1"/>
+          <p:nvPr/>
+        </p:nvSpPr>
+        <p:spPr>
+          <a:xfrm>
+            <a:off x="3454456" y="5767563"/>
+            <a:ext cx="475964" cy="369332"/>
+          </a:xfrm>
+          <a:prstGeom prst="rect">
+            <a:avLst/>
+          </a:prstGeom>
+          <a:noFill/>
+        </p:spPr>
+        <p:txBody>
+          <a:bodyPr wrap="none" rtlCol="0">
+            <a:spAutoFit/>
+          </a:bodyPr>
+          <a:lstStyle/>
+          <a:p>
+            <a:r>
+              <a:rPr lang="en-US" dirty="0" smtClean="0"/>
+              <a:t>Off</a:t>
+            </a:r>
+            <a:endParaRPr lang="en-US" dirty="0"/>
+          </a:p>
+        </p:txBody>
+      </p:sp>
+      <p:grpSp>
+        <p:nvGrpSpPr>
+          <p:cNvPr id="145" name="Group 144"/>
+          <p:cNvGrpSpPr/>
+          <p:nvPr/>
+        </p:nvGrpSpPr>
+        <p:grpSpPr>
+          <a:xfrm>
+            <a:off x="870312" y="5551677"/>
+            <a:ext cx="2499694" cy="525518"/>
+            <a:chOff x="3573230" y="3124668"/>
+            <a:chExt cx="1772246" cy="648408"/>
+          </a:xfrm>
+        </p:grpSpPr>
+        <p:sp>
+          <p:nvSpPr>
+            <p:cNvPr id="146" name="Arc 145"/>
+            <p:cNvSpPr/>
+            <p:nvPr/>
+          </p:nvSpPr>
+          <p:spPr>
+            <a:xfrm>
+              <a:off x="3573230" y="3124668"/>
+              <a:ext cx="1639249" cy="648408"/>
+            </a:xfrm>
+            <a:prstGeom prst="arc">
+              <a:avLst>
+                <a:gd name="adj1" fmla="val 10794464"/>
+                <a:gd name="adj2" fmla="val 21473582"/>
+              </a:avLst>
+            </a:prstGeom>
+            <a:ln w="25400" cap="sq">
+              <a:solidFill>
+                <a:schemeClr val="bg1">
+                  <a:lumMod val="50000"/>
+                </a:schemeClr>
+              </a:solidFill>
+              <a:tailEnd type="none"/>
+            </a:ln>
+          </p:spPr>
+          <p:style>
+            <a:lnRef idx="1">
+              <a:schemeClr val="accent1"/>
+            </a:lnRef>
+            <a:fillRef idx="0">
+              <a:schemeClr val="accent1"/>
+            </a:fillRef>
+            <a:effectRef idx="0">
+              <a:schemeClr val="accent1"/>
+            </a:effectRef>
+            <a:fontRef idx="minor">
+              <a:schemeClr val="tx1"/>
+            </a:fontRef>
+          </p:style>
+          <p:txBody>
+            <a:bodyPr rot="0" spcFirstLastPara="0" vertOverflow="overflow" horzOverflow="overflow" vert="horz" wrap="square" lIns="91440" tIns="45720" rIns="91440" bIns="45720" numCol="1" spcCol="0" rtlCol="0" fromWordArt="0" anchor="ctr" anchorCtr="0" forceAA="0" compatLnSpc="1">
+              <a:prstTxWarp prst="textNoShape">
+                <a:avLst/>
+              </a:prstTxWarp>
+              <a:noAutofit/>
+            </a:bodyPr>
+            <a:lstStyle/>
+            <a:p>
+              <a:pPr algn="ctr"/>
+              <a:endParaRPr lang="en-US"/>
+            </a:p>
+          </p:txBody>
+        </p:sp>
+        <p:cxnSp>
+          <p:nvCxnSpPr>
+            <p:cNvPr id="147" name="Straight Connector 146"/>
+            <p:cNvCxnSpPr/>
+            <p:nvPr/>
+          </p:nvCxnSpPr>
+          <p:spPr>
+            <a:xfrm>
+              <a:off x="5076205" y="3427597"/>
+              <a:ext cx="269271" cy="0"/>
+            </a:xfrm>
+            <a:prstGeom prst="line">
+              <a:avLst/>
+            </a:prstGeom>
+            <a:ln w="25400">
+              <a:solidFill>
+                <a:schemeClr val="bg1">
+                  <a:lumMod val="50000"/>
+                </a:schemeClr>
+              </a:solidFill>
+            </a:ln>
+          </p:spPr>
+          <p:style>
+            <a:lnRef idx="1">
+              <a:schemeClr val="accent1"/>
+            </a:lnRef>
+            <a:fillRef idx="0">
+              <a:schemeClr val="accent1"/>
+            </a:fillRef>
+            <a:effectRef idx="0">
+              <a:schemeClr val="accent1"/>
+            </a:effectRef>
+            <a:fontRef idx="minor">
+              <a:schemeClr val="tx1"/>
+            </a:fontRef>
+          </p:style>
+        </p:cxnSp>
+      </p:grpSp>
+      <p:sp>
+        <p:nvSpPr>
+          <p:cNvPr id="25" name="Right Bracket 24"/>
+          <p:cNvSpPr/>
+          <p:nvPr/>
+        </p:nvSpPr>
+        <p:spPr>
+          <a:xfrm>
+            <a:off x="4413504" y="2523744"/>
+            <a:ext cx="48768" cy="3243819"/>
+          </a:xfrm>
+          <a:prstGeom prst="rightBracket">
+            <a:avLst/>
+          </a:prstGeom>
+          <a:ln w="25400">
+            <a:solidFill>
+              <a:schemeClr val="tx1"/>
+            </a:solidFill>
+          </a:ln>
+        </p:spPr>
+        <p:style>
+          <a:lnRef idx="1">
+            <a:schemeClr val="accent1"/>
+          </a:lnRef>
+          <a:fillRef idx="0">
+            <a:schemeClr val="accent1"/>
+          </a:fillRef>
+          <a:effectRef idx="0">
+            <a:schemeClr val="accent1"/>
+          </a:effectRef>
+          <a:fontRef idx="minor">
+            <a:schemeClr val="tx1"/>
+          </a:fontRef>
+        </p:style>
+        <p:txBody>
+          <a:bodyPr rtlCol="0" anchor="ctr"/>
+          <a:lstStyle/>
+          <a:p>
+            <a:pPr algn="ctr"/>
+            <a:endParaRPr lang="en-US"/>
+          </a:p>
+        </p:txBody>
+      </p:sp>
+      <p:cxnSp>
+        <p:nvCxnSpPr>
+          <p:cNvPr id="31" name="Straight Connector 30"/>
+          <p:cNvCxnSpPr>
+            <a:stCxn id="25" idx="2"/>
+          </p:cNvCxnSpPr>
+          <p:nvPr/>
+        </p:nvCxnSpPr>
+        <p:spPr>
+          <a:xfrm flipV="1">
+            <a:off x="4462272" y="4145280"/>
+            <a:ext cx="512064" cy="374"/>
+          </a:xfrm>
+          <a:prstGeom prst="line">
+            <a:avLst/>
+          </a:prstGeom>
+          <a:ln w="25400">
+            <a:solidFill>
+              <a:schemeClr val="tx1"/>
+            </a:solidFill>
+          </a:ln>
+        </p:spPr>
+        <p:style>
+          <a:lnRef idx="1">
+            <a:schemeClr val="accent1"/>
+          </a:lnRef>
+          <a:fillRef idx="0">
+            <a:schemeClr val="accent1"/>
+          </a:fillRef>
+          <a:effectRef idx="0">
+            <a:schemeClr val="accent1"/>
+          </a:effectRef>
+          <a:fontRef idx="minor">
+            <a:schemeClr val="tx1"/>
+          </a:fontRef>
+        </p:style>
+      </p:cxnSp>
+      <p:grpSp>
+        <p:nvGrpSpPr>
+          <p:cNvPr id="33" name="Group 32"/>
+          <p:cNvGrpSpPr/>
+          <p:nvPr/>
+        </p:nvGrpSpPr>
+        <p:grpSpPr>
+          <a:xfrm>
+            <a:off x="5350939" y="3611309"/>
+            <a:ext cx="2639263" cy="1069288"/>
+            <a:chOff x="5350939" y="3800439"/>
+            <a:chExt cx="2639263" cy="1069288"/>
+          </a:xfrm>
+        </p:grpSpPr>
+        <p:pic>
+          <p:nvPicPr>
+            <p:cNvPr id="148" name="Picture 147"/>
+            <p:cNvPicPr>
+              <a:picLocks noChangeAspect="1"/>
+            </p:cNvPicPr>
+            <p:nvPr/>
+          </p:nvPicPr>
+          <p:blipFill>
+            <a:blip r:embed="rId2">
+              <a:extLst>
+                <a:ext uri="{28A0092B-C50C-407E-A947-70E740481C1C}">
+                  <a14:useLocalDpi xmlns:a14="http://schemas.microsoft.com/office/drawing/2010/main" val="0"/>
+                </a:ext>
+              </a:extLst>
+            </a:blip>
+            <a:stretch>
+              <a:fillRect/>
+            </a:stretch>
+          </p:blipFill>
+          <p:spPr>
+            <a:xfrm>
+              <a:off x="5353193" y="3800439"/>
+              <a:ext cx="2637009" cy="1069288"/>
+            </a:xfrm>
+            <a:prstGeom prst="rect">
+              <a:avLst/>
+            </a:prstGeom>
+          </p:spPr>
+        </p:pic>
+        <p:pic>
+          <p:nvPicPr>
+            <p:cNvPr id="149" name="Picture 148"/>
+            <p:cNvPicPr>
+              <a:picLocks noChangeAspect="1"/>
+            </p:cNvPicPr>
+            <p:nvPr/>
+          </p:nvPicPr>
+          <p:blipFill rotWithShape="1">
+            <a:blip r:embed="rId5">
+              <a:extLst>
+                <a:ext uri="{28A0092B-C50C-407E-A947-70E740481C1C}">
+                  <a14:useLocalDpi xmlns:a14="http://schemas.microsoft.com/office/drawing/2010/main" val="0"/>
+                </a:ext>
+              </a:extLst>
+            </a:blip>
+            <a:srcRect l="65644" t="59767" r="143"/>
+            <a:stretch/>
+          </p:blipFill>
+          <p:spPr>
+            <a:xfrm>
+              <a:off x="7087994" y="4439524"/>
+              <a:ext cx="902208" cy="430203"/>
+            </a:xfrm>
+            <a:prstGeom prst="rect">
+              <a:avLst/>
+            </a:prstGeom>
+          </p:spPr>
+        </p:pic>
+        <p:pic>
+          <p:nvPicPr>
+            <p:cNvPr id="32" name="Picture 31"/>
+            <p:cNvPicPr>
+              <a:picLocks noChangeAspect="1"/>
+            </p:cNvPicPr>
+            <p:nvPr/>
+          </p:nvPicPr>
+          <p:blipFill rotWithShape="1">
+            <a:blip r:embed="rId5">
+              <a:extLst>
+                <a:ext uri="{28A0092B-C50C-407E-A947-70E740481C1C}">
+                  <a14:useLocalDpi xmlns:a14="http://schemas.microsoft.com/office/drawing/2010/main" val="0"/>
+                </a:ext>
+              </a:extLst>
+            </a:blip>
+            <a:srcRect t="60307" r="56964"/>
+            <a:stretch/>
+          </p:blipFill>
+          <p:spPr>
+            <a:xfrm>
+              <a:off x="5350939" y="4439524"/>
+              <a:ext cx="1134869" cy="424431"/>
+            </a:xfrm>
+            <a:prstGeom prst="rect">
+              <a:avLst/>
+            </a:prstGeom>
+          </p:spPr>
+        </p:pic>
+      </p:grpSp>
+    </p:spTree>
+    <p:extLst>
+      <p:ext uri="{BB962C8B-B14F-4D97-AF65-F5344CB8AC3E}">
+        <p14:creationId xmlns:p14="http://schemas.microsoft.com/office/powerpoint/2010/main" val="1957957882"/>
+      </p:ext>
+    </p:extLst>
+  </p:cSld>
+  <p:clrMapOvr>
+    <a:masterClrMapping/>
+  </p:clrMapOvr>
+  <p:timing>
+    <p:tnLst>
+      <p:par>
+        <p:cTn id="1" dur="indefinite" restart="never" nodeType="tmRoot">
+          <p:childTnLst>
+            <p:seq concurrent="1" nextAc="seek">
+              <p:cTn id="2" dur="indefinite" nodeType="mainSeq">
+                <p:childTnLst>
+                  <p:par>
+                    <p:cTn id="3" fill="hold">
+                      <p:stCondLst>
+                        <p:cond delay="indefinite"/>
+                        <p:cond evt="onBegin" delay="0">
+                          <p:tn val="2"/>
+                        </p:cond>
+                      </p:stCondLst>
+                      <p:childTnLst>
+                        <p:par>
+                          <p:cTn id="4" fill="hold">
+                            <p:stCondLst>
+                              <p:cond delay="0"/>
+                            </p:stCondLst>
+                            <p:childTnLst>
+                              <p:par>
+                                <p:cTn id="5" presetID="1" presetClass="entr" presetSubtype="0" fill="hold" nodeType="withEffect">
+                                  <p:stCondLst>
+                                    <p:cond delay="0"/>
+                                  </p:stCondLst>
+                                  <p:childTnLst>
+                                    <p:set>
+                                      <p:cBhvr>
+                                        <p:cTn id="6" dur="1" fill="hold">
+                                          <p:stCondLst>
+                                            <p:cond delay="0"/>
+                                          </p:stCondLst>
+                                        </p:cTn>
+                                        <p:tgtEl>
+                                          <p:spTgt spid="145"/>
+                                        </p:tgtEl>
+                                        <p:attrNameLst>
+                                          <p:attrName>style.visibility</p:attrName>
+                                        </p:attrNameLst>
+                                      </p:cBhvr>
+                                      <p:to>
+                                        <p:strVal val="visible"/>
+                                      </p:to>
+                                    </p:set>
+                                  </p:childTnLst>
+                                </p:cTn>
+                              </p:par>
+                            </p:childTnLst>
+                          </p:cTn>
+                        </p:par>
+                      </p:childTnLst>
+                    </p:cTn>
+                  </p:par>
+                </p:childTnLst>
+              </p:cTn>
+              <p:prevCondLst>
+                <p:cond evt="onPrev" delay="0">
+                  <p:tgtEl>
+                    <p:sldTgt/>
+                  </p:tgtEl>
+                </p:cond>
+              </p:prevCondLst>
+              <p:nextCondLst>
+                <p:cond evt="onNext" delay="0">
+                  <p:tgtEl>
+                    <p:sldTgt/>
+                  </p:tgtEl>
+                </p:cond>
+              </p:nextCondLst>
+            </p:seq>
+          </p:childTnLst>
+        </p:cTn>
+      </p:par>
+    </p:tnLst>
+  </p:timing>
+</p:sld>
+</file>
+
+<file path=ppt/slides/slide4.xml><?xml version="1.0" encoding="utf-8"?>
+<p:sld xmlns:a="http://schemas.openxmlformats.org/drawingml/2006/main" xmlns:r="http://schemas.openxmlformats.org/officeDocument/2006/relationships" xmlns:p="http://schemas.openxmlformats.org/presentationml/2006/main">
+  <p:cSld>
+    <p:spTree>
+      <p:nvGrpSpPr>
+        <p:cNvPr id="1" name=""/>
+        <p:cNvGrpSpPr/>
+        <p:nvPr/>
+      </p:nvGrpSpPr>
+      <p:grpSpPr>
+        <a:xfrm>
+          <a:off x="0" y="0"/>
+          <a:ext cx="0" cy="0"/>
+          <a:chOff x="0" y="0"/>
+          <a:chExt cx="0" cy="0"/>
+        </a:xfrm>
+      </p:grpSpPr>
+      <p:sp>
+        <p:nvSpPr>
           <p:cNvPr id="4" name="Title 3"/>
           <p:cNvSpPr>
             <a:spLocks noGrp="1"/>
@@ -3594,6 +8874,14 @@
           <a:bodyPr/>
           <a:lstStyle/>
           <a:p>
+            <a:r>
+              <a:rPr lang="en-US" dirty="0" err="1" smtClean="0"/>
+              <a:t>Morphogen</a:t>
+            </a:r>
+            <a:r>
+              <a:rPr lang="en-US" dirty="0" smtClean="0"/>
+              <a:t> gradients designate cell fate in embryogenesis</a:t>
+            </a:r>
             <a:endParaRPr lang="en-US" dirty="0"/>
           </a:p>
         </p:txBody>
@@ -3740,7 +9028,11 @@
             <a:lstStyle/>
             <a:p>
               <a:pPr algn="ctr"/>
-              <a:endParaRPr lang="en-US"/>
+              <a:r>
+                <a:rPr lang="en-US" dirty="0" smtClean="0"/>
+                <a:t>Embryo</a:t>
+              </a:r>
+              <a:endParaRPr lang="en-US" dirty="0"/>
             </a:p>
           </p:txBody>
         </p:sp>
@@ -3945,39 +9237,6 @@
           </a:p>
         </p:txBody>
       </p:sp>
-      <p:cxnSp>
-        <p:nvCxnSpPr>
-          <p:cNvPr id="34" name="Straight Connector 33"/>
-          <p:cNvCxnSpPr/>
-          <p:nvPr/>
-        </p:nvCxnSpPr>
-        <p:spPr>
-          <a:xfrm>
-            <a:off x="4622061" y="2957372"/>
-            <a:ext cx="0" cy="2494318"/>
-          </a:xfrm>
-          <a:prstGeom prst="line">
-            <a:avLst/>
-          </a:prstGeom>
-          <a:ln>
-            <a:prstDash val="dash"/>
-          </a:ln>
-        </p:spPr>
-        <p:style>
-          <a:lnRef idx="1">
-            <a:schemeClr val="accent1"/>
-          </a:lnRef>
-          <a:fillRef idx="0">
-            <a:schemeClr val="accent1"/>
-          </a:fillRef>
-          <a:effectRef idx="0">
-            <a:schemeClr val="accent1"/>
-          </a:effectRef>
-          <a:fontRef idx="minor">
-            <a:schemeClr val="tx1"/>
-          </a:fontRef>
-        </p:style>
-      </p:cxnSp>
       <p:grpSp>
         <p:nvGrpSpPr>
           <p:cNvPr id="43" name="Group 42"/>
@@ -4330,6 +9589,44 @@
           </a:p>
         </p:txBody>
       </p:sp>
+      <p:sp>
+        <p:nvSpPr>
+          <p:cNvPr id="52" name="TextBox 51"/>
+          <p:cNvSpPr txBox="1"/>
+          <p:nvPr/>
+        </p:nvSpPr>
+        <p:spPr>
+          <a:xfrm>
+            <a:off x="3897598" y="3812387"/>
+            <a:ext cx="1448923" cy="646331"/>
+          </a:xfrm>
+          <a:prstGeom prst="rect">
+            <a:avLst/>
+          </a:prstGeom>
+          <a:noFill/>
+        </p:spPr>
+        <p:txBody>
+          <a:bodyPr wrap="none" rtlCol="0">
+            <a:spAutoFit/>
+          </a:bodyPr>
+          <a:lstStyle/>
+          <a:p>
+            <a:pPr algn="ctr"/>
+            <a:r>
+              <a:rPr lang="en-US" dirty="0" smtClean="0"/>
+              <a:t>Embryo</a:t>
+            </a:r>
+          </a:p>
+          <a:p>
+            <a:pPr algn="ctr"/>
+            <a:r>
+              <a:rPr lang="en-US" dirty="0" smtClean="0"/>
+              <a:t>Cross-Section</a:t>
+            </a:r>
+            <a:endParaRPr lang="en-US" dirty="0"/>
+          </a:p>
+        </p:txBody>
+      </p:sp>
     </p:spTree>
     <p:extLst>
       <p:ext uri="{BB962C8B-B14F-4D97-AF65-F5344CB8AC3E}">
@@ -4340,10 +9637,17 @@
   <p:clrMapOvr>
     <a:masterClrMapping/>
   </p:clrMapOvr>
+  <p:timing>
+    <p:tnLst>
+      <p:par>
+        <p:cTn id="1" dur="indefinite" restart="never" nodeType="tmRoot"/>
+      </p:par>
+    </p:tnLst>
+  </p:timing>
 </p:sld>
 </file>
 
-<file path=ppt/slides/slide3.xml><?xml version="1.0" encoding="utf-8"?>
+<file path=ppt/slides/slide5.xml><?xml version="1.0" encoding="utf-8"?>
 <p:sld xmlns:a="http://schemas.openxmlformats.org/drawingml/2006/main" xmlns:r="http://schemas.openxmlformats.org/officeDocument/2006/relationships" xmlns:p="http://schemas.openxmlformats.org/presentationml/2006/main">
   <p:cSld>
     <p:spTree>
@@ -4372,6 +9676,1549 @@
         </p:nvSpPr>
         <p:spPr/>
         <p:txBody>
+          <a:bodyPr/>
+          <a:lstStyle/>
+          <a:p>
+            <a:r>
+              <a:rPr lang="en-US" dirty="0" smtClean="0"/>
+              <a:t>Groucho is a co-repressor integral to </a:t>
+            </a:r>
+            <a:r>
+              <a:rPr lang="en-US" i="1" dirty="0" smtClean="0"/>
+              <a:t>Drosophila </a:t>
+            </a:r>
+            <a:r>
+              <a:rPr lang="en-US" dirty="0" smtClean="0"/>
+              <a:t>development</a:t>
+            </a:r>
+            <a:endParaRPr lang="en-US" dirty="0"/>
+          </a:p>
+        </p:txBody>
+      </p:sp>
+      <p:pic>
+        <p:nvPicPr>
+          <p:cNvPr id="3" name="Picture 2"/>
+          <p:cNvPicPr>
+            <a:picLocks noChangeAspect="1"/>
+          </p:cNvPicPr>
+          <p:nvPr/>
+        </p:nvPicPr>
+        <p:blipFill rotWithShape="1">
+          <a:blip r:embed="rId2">
+            <a:extLst>
+              <a:ext uri="{28A0092B-C50C-407E-A947-70E740481C1C}">
+                <a14:useLocalDpi xmlns:a14="http://schemas.microsoft.com/office/drawing/2010/main" val="0"/>
+              </a:ext>
+            </a:extLst>
+          </a:blip>
+          <a:srcRect b="31022"/>
+          <a:stretch/>
+        </p:blipFill>
+        <p:spPr>
+          <a:xfrm>
+            <a:off x="1922318" y="1690689"/>
+            <a:ext cx="5299364" cy="4730496"/>
+          </a:xfrm>
+          <a:prstGeom prst="rect">
+            <a:avLst/>
+          </a:prstGeom>
+        </p:spPr>
+      </p:pic>
+    </p:spTree>
+    <p:extLst>
+      <p:ext uri="{BB962C8B-B14F-4D97-AF65-F5344CB8AC3E}">
+        <p14:creationId xmlns:p14="http://schemas.microsoft.com/office/powerpoint/2010/main" val="2027702035"/>
+      </p:ext>
+    </p:extLst>
+  </p:cSld>
+  <p:clrMapOvr>
+    <a:masterClrMapping/>
+  </p:clrMapOvr>
+  <p:timing>
+    <p:tnLst>
+      <p:par>
+        <p:cTn id="1" dur="indefinite" restart="never" nodeType="tmRoot"/>
+      </p:par>
+    </p:tnLst>
+  </p:timing>
+</p:sld>
+</file>
+
+<file path=ppt/slides/slide6.xml><?xml version="1.0" encoding="utf-8"?>
+<p:sld xmlns:a="http://schemas.openxmlformats.org/drawingml/2006/main" xmlns:r="http://schemas.openxmlformats.org/officeDocument/2006/relationships" xmlns:p="http://schemas.openxmlformats.org/presentationml/2006/main">
+  <p:cSld>
+    <p:spTree>
+      <p:nvGrpSpPr>
+        <p:cNvPr id="1" name=""/>
+        <p:cNvGrpSpPr/>
+        <p:nvPr/>
+      </p:nvGrpSpPr>
+      <p:grpSpPr>
+        <a:xfrm>
+          <a:off x="0" y="0"/>
+          <a:ext cx="0" cy="0"/>
+          <a:chOff x="0" y="0"/>
+          <a:chExt cx="0" cy="0"/>
+        </a:xfrm>
+      </p:grpSpPr>
+      <p:sp>
+        <p:nvSpPr>
+          <p:cNvPr id="2" name="Title 1"/>
+          <p:cNvSpPr>
+            <a:spLocks noGrp="1"/>
+          </p:cNvSpPr>
+          <p:nvPr>
+            <p:ph type="title"/>
+          </p:nvPr>
+        </p:nvSpPr>
+        <p:spPr/>
+        <p:txBody>
+          <a:bodyPr>
+            <a:normAutofit/>
+          </a:bodyPr>
+          <a:lstStyle/>
+          <a:p>
+            <a:r>
+              <a:rPr lang="en-US" dirty="0" smtClean="0"/>
+              <a:t>Groucho is recruited by multiple sequence-specific factors</a:t>
+            </a:r>
+            <a:endParaRPr lang="en-US" dirty="0"/>
+          </a:p>
+        </p:txBody>
+      </p:sp>
+      <p:sp>
+        <p:nvSpPr>
+          <p:cNvPr id="4" name="Rectangle 3"/>
+          <p:cNvSpPr/>
+          <p:nvPr/>
+        </p:nvSpPr>
+        <p:spPr>
+          <a:xfrm>
+            <a:off x="1121664" y="2117409"/>
+            <a:ext cx="3352800" cy="1292352"/>
+          </a:xfrm>
+          <a:prstGeom prst="rect">
+            <a:avLst/>
+          </a:prstGeom>
+          <a:solidFill>
+            <a:schemeClr val="accent1"/>
+          </a:solidFill>
+          <a:ln>
+            <a:solidFill>
+              <a:schemeClr val="tx1"/>
+            </a:solidFill>
+          </a:ln>
+        </p:spPr>
+        <p:style>
+          <a:lnRef idx="2">
+            <a:schemeClr val="accent1">
+              <a:shade val="50000"/>
+            </a:schemeClr>
+          </a:lnRef>
+          <a:fillRef idx="1">
+            <a:schemeClr val="accent1"/>
+          </a:fillRef>
+          <a:effectRef idx="0">
+            <a:schemeClr val="accent1"/>
+          </a:effectRef>
+          <a:fontRef idx="minor">
+            <a:schemeClr val="lt1"/>
+          </a:fontRef>
+        </p:style>
+        <p:txBody>
+          <a:bodyPr rtlCol="0" anchor="ctr"/>
+          <a:lstStyle/>
+          <a:p>
+            <a:pPr algn="ctr"/>
+            <a:r>
+              <a:rPr lang="en-US" dirty="0" smtClean="0">
+                <a:solidFill>
+                  <a:schemeClr val="bg1"/>
+                </a:solidFill>
+              </a:rPr>
+              <a:t>Dorsal-ventral patterning</a:t>
+            </a:r>
+            <a:endParaRPr lang="en-US" dirty="0">
+              <a:solidFill>
+                <a:schemeClr val="bg1"/>
+              </a:solidFill>
+            </a:endParaRPr>
+          </a:p>
+        </p:txBody>
+      </p:sp>
+      <p:sp>
+        <p:nvSpPr>
+          <p:cNvPr id="5" name="Rectangle 4"/>
+          <p:cNvSpPr/>
+          <p:nvPr/>
+        </p:nvSpPr>
+        <p:spPr>
+          <a:xfrm>
+            <a:off x="1121664" y="3410492"/>
+            <a:ext cx="1365504" cy="2234404"/>
+          </a:xfrm>
+          <a:prstGeom prst="rect">
+            <a:avLst/>
+          </a:prstGeom>
+          <a:solidFill>
+            <a:schemeClr val="accent1"/>
+          </a:solidFill>
+          <a:ln>
+            <a:solidFill>
+              <a:schemeClr val="tx1"/>
+            </a:solidFill>
+          </a:ln>
+        </p:spPr>
+        <p:style>
+          <a:lnRef idx="2">
+            <a:schemeClr val="accent1">
+              <a:shade val="50000"/>
+            </a:schemeClr>
+          </a:lnRef>
+          <a:fillRef idx="1">
+            <a:schemeClr val="accent1"/>
+          </a:fillRef>
+          <a:effectRef idx="0">
+            <a:schemeClr val="accent1"/>
+          </a:effectRef>
+          <a:fontRef idx="minor">
+            <a:schemeClr val="lt1"/>
+          </a:fontRef>
+        </p:style>
+        <p:txBody>
+          <a:bodyPr rtlCol="0" anchor="ctr"/>
+          <a:lstStyle/>
+          <a:p>
+            <a:pPr algn="ctr"/>
+            <a:r>
+              <a:rPr lang="en-US" dirty="0" smtClean="0">
+                <a:solidFill>
+                  <a:schemeClr val="bg1"/>
+                </a:solidFill>
+              </a:rPr>
+              <a:t>Anterior-posterior patterning</a:t>
+            </a:r>
+            <a:endParaRPr lang="en-US" dirty="0">
+              <a:solidFill>
+                <a:schemeClr val="bg1"/>
+              </a:solidFill>
+            </a:endParaRPr>
+          </a:p>
+        </p:txBody>
+      </p:sp>
+      <p:sp>
+        <p:nvSpPr>
+          <p:cNvPr id="6" name="Rectangle 5"/>
+          <p:cNvSpPr/>
+          <p:nvPr/>
+        </p:nvSpPr>
+        <p:spPr>
+          <a:xfrm>
+            <a:off x="1121664" y="5644896"/>
+            <a:ext cx="3352800" cy="487680"/>
+          </a:xfrm>
+          <a:prstGeom prst="rect">
+            <a:avLst/>
+          </a:prstGeom>
+          <a:solidFill>
+            <a:schemeClr val="accent1"/>
+          </a:solidFill>
+          <a:ln>
+            <a:solidFill>
+              <a:schemeClr val="tx1"/>
+            </a:solidFill>
+          </a:ln>
+        </p:spPr>
+        <p:style>
+          <a:lnRef idx="2">
+            <a:schemeClr val="accent1">
+              <a:shade val="50000"/>
+            </a:schemeClr>
+          </a:lnRef>
+          <a:fillRef idx="1">
+            <a:schemeClr val="accent1"/>
+          </a:fillRef>
+          <a:effectRef idx="0">
+            <a:schemeClr val="accent1"/>
+          </a:effectRef>
+          <a:fontRef idx="minor">
+            <a:schemeClr val="lt1"/>
+          </a:fontRef>
+        </p:style>
+        <p:txBody>
+          <a:bodyPr rtlCol="0" anchor="ctr"/>
+          <a:lstStyle/>
+          <a:p>
+            <a:pPr algn="ctr"/>
+            <a:r>
+              <a:rPr lang="en-US" dirty="0" smtClean="0">
+                <a:solidFill>
+                  <a:schemeClr val="bg1"/>
+                </a:solidFill>
+              </a:rPr>
+              <a:t>Notch signaling</a:t>
+            </a:r>
+            <a:endParaRPr lang="en-US" dirty="0">
+              <a:solidFill>
+                <a:schemeClr val="bg1"/>
+              </a:solidFill>
+            </a:endParaRPr>
+          </a:p>
+        </p:txBody>
+      </p:sp>
+      <p:sp>
+        <p:nvSpPr>
+          <p:cNvPr id="7" name="Rectangle 6"/>
+          <p:cNvSpPr/>
+          <p:nvPr/>
+        </p:nvSpPr>
+        <p:spPr>
+          <a:xfrm>
+            <a:off x="2487168" y="3410492"/>
+            <a:ext cx="1987296" cy="1429732"/>
+          </a:xfrm>
+          <a:prstGeom prst="rect">
+            <a:avLst/>
+          </a:prstGeom>
+          <a:solidFill>
+            <a:schemeClr val="accent1"/>
+          </a:solidFill>
+          <a:ln>
+            <a:solidFill>
+              <a:schemeClr val="tx1"/>
+            </a:solidFill>
+          </a:ln>
+        </p:spPr>
+        <p:style>
+          <a:lnRef idx="2">
+            <a:schemeClr val="accent1">
+              <a:shade val="50000"/>
+            </a:schemeClr>
+          </a:lnRef>
+          <a:fillRef idx="1">
+            <a:schemeClr val="accent1"/>
+          </a:fillRef>
+          <a:effectRef idx="0">
+            <a:schemeClr val="accent1"/>
+          </a:effectRef>
+          <a:fontRef idx="minor">
+            <a:schemeClr val="lt1"/>
+          </a:fontRef>
+        </p:style>
+        <p:txBody>
+          <a:bodyPr rtlCol="0" anchor="ctr"/>
+          <a:lstStyle/>
+          <a:p>
+            <a:pPr algn="ctr"/>
+            <a:r>
+              <a:rPr lang="en-US" dirty="0" smtClean="0">
+                <a:solidFill>
+                  <a:schemeClr val="bg1"/>
+                </a:solidFill>
+              </a:rPr>
+              <a:t>Segmentation</a:t>
+            </a:r>
+            <a:endParaRPr lang="en-US" dirty="0">
+              <a:solidFill>
+                <a:schemeClr val="bg1"/>
+              </a:solidFill>
+            </a:endParaRPr>
+          </a:p>
+        </p:txBody>
+      </p:sp>
+      <p:sp>
+        <p:nvSpPr>
+          <p:cNvPr id="8" name="Rectangle 7"/>
+          <p:cNvSpPr/>
+          <p:nvPr/>
+        </p:nvSpPr>
+        <p:spPr>
+          <a:xfrm>
+            <a:off x="2487168" y="4840224"/>
+            <a:ext cx="1987296" cy="804672"/>
+          </a:xfrm>
+          <a:prstGeom prst="rect">
+            <a:avLst/>
+          </a:prstGeom>
+          <a:solidFill>
+            <a:schemeClr val="accent1"/>
+          </a:solidFill>
+          <a:ln>
+            <a:solidFill>
+              <a:schemeClr val="tx1"/>
+            </a:solidFill>
+          </a:ln>
+        </p:spPr>
+        <p:style>
+          <a:lnRef idx="2">
+            <a:schemeClr val="accent1">
+              <a:shade val="50000"/>
+            </a:schemeClr>
+          </a:lnRef>
+          <a:fillRef idx="1">
+            <a:schemeClr val="accent1"/>
+          </a:fillRef>
+          <a:effectRef idx="0">
+            <a:schemeClr val="accent1"/>
+          </a:effectRef>
+          <a:fontRef idx="minor">
+            <a:schemeClr val="lt1"/>
+          </a:fontRef>
+        </p:style>
+        <p:txBody>
+          <a:bodyPr rtlCol="0" anchor="ctr"/>
+          <a:lstStyle/>
+          <a:p>
+            <a:pPr algn="ctr"/>
+            <a:r>
+              <a:rPr lang="en-US" dirty="0" smtClean="0">
+                <a:solidFill>
+                  <a:schemeClr val="bg1"/>
+                </a:solidFill>
+              </a:rPr>
+              <a:t>Terminal patterning</a:t>
+            </a:r>
+            <a:endParaRPr lang="en-US" dirty="0">
+              <a:solidFill>
+                <a:schemeClr val="bg1"/>
+              </a:solidFill>
+            </a:endParaRPr>
+          </a:p>
+        </p:txBody>
+      </p:sp>
+      <p:sp>
+        <p:nvSpPr>
+          <p:cNvPr id="10" name="Rectangle 9"/>
+          <p:cNvSpPr/>
+          <p:nvPr/>
+        </p:nvSpPr>
+        <p:spPr>
+          <a:xfrm>
+            <a:off x="4474464" y="2117409"/>
+            <a:ext cx="3352800" cy="1292352"/>
+          </a:xfrm>
+          <a:prstGeom prst="rect">
+            <a:avLst/>
+          </a:prstGeom>
+          <a:noFill/>
+          <a:ln>
+            <a:solidFill>
+              <a:schemeClr val="tx1"/>
+            </a:solidFill>
+          </a:ln>
+        </p:spPr>
+        <p:style>
+          <a:lnRef idx="2">
+            <a:schemeClr val="accent1">
+              <a:shade val="50000"/>
+            </a:schemeClr>
+          </a:lnRef>
+          <a:fillRef idx="1">
+            <a:schemeClr val="accent1"/>
+          </a:fillRef>
+          <a:effectRef idx="0">
+            <a:schemeClr val="accent1"/>
+          </a:effectRef>
+          <a:fontRef idx="minor">
+            <a:schemeClr val="lt1"/>
+          </a:fontRef>
+        </p:style>
+        <p:txBody>
+          <a:bodyPr rtlCol="0" anchor="ctr"/>
+          <a:lstStyle/>
+          <a:p>
+            <a:pPr algn="ctr"/>
+            <a:r>
+              <a:rPr lang="en-US" dirty="0" smtClean="0">
+                <a:solidFill>
+                  <a:schemeClr val="tx1"/>
+                </a:solidFill>
+              </a:rPr>
+              <a:t>Dorsal</a:t>
+            </a:r>
+          </a:p>
+          <a:p>
+            <a:pPr algn="ctr"/>
+            <a:r>
+              <a:rPr lang="en-US" dirty="0" smtClean="0">
+                <a:solidFill>
+                  <a:schemeClr val="tx1"/>
+                </a:solidFill>
+              </a:rPr>
+              <a:t>Brinker</a:t>
+            </a:r>
+          </a:p>
+          <a:p>
+            <a:pPr algn="ctr"/>
+            <a:r>
+              <a:rPr lang="en-US" dirty="0" err="1" smtClean="0">
+                <a:solidFill>
+                  <a:schemeClr val="tx1"/>
+                </a:solidFill>
+              </a:rPr>
+              <a:t>Ind</a:t>
+            </a:r>
+            <a:endParaRPr lang="en-US" dirty="0" smtClean="0">
+              <a:solidFill>
+                <a:schemeClr val="tx1"/>
+              </a:solidFill>
+            </a:endParaRPr>
+          </a:p>
+          <a:p>
+            <a:pPr algn="ctr"/>
+            <a:r>
+              <a:rPr lang="en-US" dirty="0" err="1" smtClean="0">
+                <a:solidFill>
+                  <a:schemeClr val="tx1"/>
+                </a:solidFill>
+              </a:rPr>
+              <a:t>Vnd</a:t>
+            </a:r>
+            <a:endParaRPr lang="en-US" dirty="0">
+              <a:solidFill>
+                <a:schemeClr val="tx1"/>
+              </a:solidFill>
+            </a:endParaRPr>
+          </a:p>
+        </p:txBody>
+      </p:sp>
+      <p:sp>
+        <p:nvSpPr>
+          <p:cNvPr id="12" name="Rectangle 11"/>
+          <p:cNvSpPr/>
+          <p:nvPr/>
+        </p:nvSpPr>
+        <p:spPr>
+          <a:xfrm>
+            <a:off x="4620768" y="3407555"/>
+            <a:ext cx="1694688" cy="1430463"/>
+          </a:xfrm>
+          <a:prstGeom prst="rect">
+            <a:avLst/>
+          </a:prstGeom>
+          <a:noFill/>
+          <a:ln>
+            <a:noFill/>
+          </a:ln>
+        </p:spPr>
+        <p:style>
+          <a:lnRef idx="2">
+            <a:schemeClr val="accent1">
+              <a:shade val="50000"/>
+            </a:schemeClr>
+          </a:lnRef>
+          <a:fillRef idx="1">
+            <a:schemeClr val="accent1"/>
+          </a:fillRef>
+          <a:effectRef idx="0">
+            <a:schemeClr val="accent1"/>
+          </a:effectRef>
+          <a:fontRef idx="minor">
+            <a:schemeClr val="lt1"/>
+          </a:fontRef>
+        </p:style>
+        <p:txBody>
+          <a:bodyPr rtlCol="0" anchor="ctr"/>
+          <a:lstStyle/>
+          <a:p>
+            <a:pPr algn="ctr"/>
+            <a:r>
+              <a:rPr lang="en-US" dirty="0" smtClean="0">
+                <a:solidFill>
+                  <a:schemeClr val="tx1"/>
+                </a:solidFill>
+              </a:rPr>
+              <a:t>Hairy</a:t>
+            </a:r>
+          </a:p>
+          <a:p>
+            <a:pPr algn="ctr"/>
+            <a:r>
+              <a:rPr lang="en-US" dirty="0" smtClean="0">
+                <a:solidFill>
+                  <a:schemeClr val="tx1"/>
+                </a:solidFill>
+              </a:rPr>
+              <a:t>Runt</a:t>
+            </a:r>
+          </a:p>
+          <a:p>
+            <a:pPr algn="ctr"/>
+            <a:r>
+              <a:rPr lang="en-US" dirty="0" smtClean="0">
+                <a:solidFill>
+                  <a:schemeClr val="tx1"/>
+                </a:solidFill>
+              </a:rPr>
+              <a:t>Even-skipped</a:t>
+            </a:r>
+          </a:p>
+          <a:p>
+            <a:pPr algn="ctr"/>
+            <a:r>
+              <a:rPr lang="en-US" dirty="0" smtClean="0">
+                <a:solidFill>
+                  <a:schemeClr val="tx1"/>
+                </a:solidFill>
+              </a:rPr>
+              <a:t>Odd-skipped</a:t>
+            </a:r>
+          </a:p>
+        </p:txBody>
+      </p:sp>
+      <p:sp>
+        <p:nvSpPr>
+          <p:cNvPr id="13" name="Rectangle 12"/>
+          <p:cNvSpPr/>
+          <p:nvPr/>
+        </p:nvSpPr>
+        <p:spPr>
+          <a:xfrm>
+            <a:off x="6150864" y="3388743"/>
+            <a:ext cx="1658112" cy="1426050"/>
+          </a:xfrm>
+          <a:prstGeom prst="rect">
+            <a:avLst/>
+          </a:prstGeom>
+          <a:noFill/>
+          <a:ln>
+            <a:noFill/>
+          </a:ln>
+        </p:spPr>
+        <p:style>
+          <a:lnRef idx="2">
+            <a:schemeClr val="accent1">
+              <a:shade val="50000"/>
+            </a:schemeClr>
+          </a:lnRef>
+          <a:fillRef idx="1">
+            <a:schemeClr val="accent1"/>
+          </a:fillRef>
+          <a:effectRef idx="0">
+            <a:schemeClr val="accent1"/>
+          </a:effectRef>
+          <a:fontRef idx="minor">
+            <a:schemeClr val="lt1"/>
+          </a:fontRef>
+        </p:style>
+        <p:txBody>
+          <a:bodyPr rtlCol="0" anchor="ctr"/>
+          <a:lstStyle/>
+          <a:p>
+            <a:pPr algn="ctr"/>
+            <a:r>
+              <a:rPr lang="en-US" dirty="0" smtClean="0">
+                <a:solidFill>
+                  <a:schemeClr val="tx1"/>
+                </a:solidFill>
+              </a:rPr>
+              <a:t>Sloppy-paired 1</a:t>
+            </a:r>
+          </a:p>
+          <a:p>
+            <a:pPr algn="ctr"/>
+            <a:r>
+              <a:rPr lang="en-US" dirty="0" smtClean="0">
+                <a:solidFill>
+                  <a:schemeClr val="tx1"/>
+                </a:solidFill>
+              </a:rPr>
+              <a:t>Engrailed</a:t>
+            </a:r>
+          </a:p>
+          <a:p>
+            <a:pPr algn="ctr"/>
+            <a:r>
+              <a:rPr lang="en-US" dirty="0" err="1" smtClean="0">
+                <a:solidFill>
+                  <a:schemeClr val="tx1"/>
+                </a:solidFill>
+              </a:rPr>
+              <a:t>Knirps</a:t>
+            </a:r>
+            <a:endParaRPr lang="en-US" dirty="0" smtClean="0">
+              <a:solidFill>
+                <a:schemeClr val="tx1"/>
+              </a:solidFill>
+            </a:endParaRPr>
+          </a:p>
+          <a:p>
+            <a:pPr algn="ctr"/>
+            <a:r>
+              <a:rPr lang="en-US" dirty="0" err="1" smtClean="0">
+                <a:solidFill>
+                  <a:schemeClr val="tx1"/>
+                </a:solidFill>
+              </a:rPr>
+              <a:t>Goosecoid</a:t>
+            </a:r>
+            <a:endParaRPr lang="en-US" dirty="0" smtClean="0">
+              <a:solidFill>
+                <a:schemeClr val="tx1"/>
+              </a:solidFill>
+            </a:endParaRPr>
+          </a:p>
+        </p:txBody>
+      </p:sp>
+      <p:sp>
+        <p:nvSpPr>
+          <p:cNvPr id="14" name="Rectangle 13"/>
+          <p:cNvSpPr/>
+          <p:nvPr/>
+        </p:nvSpPr>
+        <p:spPr>
+          <a:xfrm>
+            <a:off x="4474464" y="4840224"/>
+            <a:ext cx="3352800" cy="804672"/>
+          </a:xfrm>
+          <a:prstGeom prst="rect">
+            <a:avLst/>
+          </a:prstGeom>
+          <a:solidFill>
+            <a:schemeClr val="bg1"/>
+          </a:solidFill>
+          <a:ln>
+            <a:solidFill>
+              <a:schemeClr val="tx1"/>
+            </a:solidFill>
+          </a:ln>
+        </p:spPr>
+        <p:style>
+          <a:lnRef idx="2">
+            <a:schemeClr val="accent1">
+              <a:shade val="50000"/>
+            </a:schemeClr>
+          </a:lnRef>
+          <a:fillRef idx="1">
+            <a:schemeClr val="accent1"/>
+          </a:fillRef>
+          <a:effectRef idx="0">
+            <a:schemeClr val="accent1"/>
+          </a:effectRef>
+          <a:fontRef idx="minor">
+            <a:schemeClr val="lt1"/>
+          </a:fontRef>
+        </p:style>
+        <p:txBody>
+          <a:bodyPr rtlCol="0" anchor="ctr"/>
+          <a:lstStyle/>
+          <a:p>
+            <a:pPr algn="ctr"/>
+            <a:r>
+              <a:rPr lang="en-US" dirty="0" err="1" smtClean="0">
+                <a:solidFill>
+                  <a:schemeClr val="tx1"/>
+                </a:solidFill>
+              </a:rPr>
+              <a:t>Capicua</a:t>
+            </a:r>
+            <a:endParaRPr lang="en-US" dirty="0" smtClean="0">
+              <a:solidFill>
+                <a:schemeClr val="tx1"/>
+              </a:solidFill>
+            </a:endParaRPr>
+          </a:p>
+          <a:p>
+            <a:pPr algn="ctr"/>
+            <a:r>
+              <a:rPr lang="en-US" dirty="0" err="1" smtClean="0">
+                <a:solidFill>
+                  <a:schemeClr val="tx1"/>
+                </a:solidFill>
+              </a:rPr>
+              <a:t>Huckebein</a:t>
+            </a:r>
+            <a:endParaRPr lang="en-US" dirty="0">
+              <a:solidFill>
+                <a:schemeClr val="tx1"/>
+              </a:solidFill>
+            </a:endParaRPr>
+          </a:p>
+        </p:txBody>
+      </p:sp>
+      <p:sp>
+        <p:nvSpPr>
+          <p:cNvPr id="15" name="Rectangle 14"/>
+          <p:cNvSpPr/>
+          <p:nvPr/>
+        </p:nvSpPr>
+        <p:spPr>
+          <a:xfrm>
+            <a:off x="4474464" y="5644896"/>
+            <a:ext cx="3352800" cy="487680"/>
+          </a:xfrm>
+          <a:prstGeom prst="rect">
+            <a:avLst/>
+          </a:prstGeom>
+          <a:solidFill>
+            <a:schemeClr val="bg1"/>
+          </a:solidFill>
+          <a:ln>
+            <a:solidFill>
+              <a:schemeClr val="tx1"/>
+            </a:solidFill>
+          </a:ln>
+        </p:spPr>
+        <p:style>
+          <a:lnRef idx="2">
+            <a:schemeClr val="accent1">
+              <a:shade val="50000"/>
+            </a:schemeClr>
+          </a:lnRef>
+          <a:fillRef idx="1">
+            <a:schemeClr val="accent1"/>
+          </a:fillRef>
+          <a:effectRef idx="0">
+            <a:schemeClr val="accent1"/>
+          </a:effectRef>
+          <a:fontRef idx="minor">
+            <a:schemeClr val="lt1"/>
+          </a:fontRef>
+        </p:style>
+        <p:txBody>
+          <a:bodyPr rtlCol="0" anchor="ctr"/>
+          <a:lstStyle/>
+          <a:p>
+            <a:pPr algn="ctr"/>
+            <a:r>
+              <a:rPr lang="en-US" dirty="0" smtClean="0">
+                <a:solidFill>
+                  <a:schemeClr val="tx1"/>
+                </a:solidFill>
+              </a:rPr>
+              <a:t>Su(H)                       E(</a:t>
+            </a:r>
+            <a:r>
+              <a:rPr lang="en-US" dirty="0" err="1" smtClean="0">
+                <a:solidFill>
+                  <a:schemeClr val="tx1"/>
+                </a:solidFill>
+              </a:rPr>
+              <a:t>spl</a:t>
+            </a:r>
+            <a:r>
+              <a:rPr lang="en-US" dirty="0" smtClean="0">
+                <a:solidFill>
+                  <a:schemeClr val="tx1"/>
+                </a:solidFill>
+              </a:rPr>
+              <a:t>)</a:t>
+            </a:r>
+            <a:endParaRPr lang="en-US" dirty="0">
+              <a:solidFill>
+                <a:schemeClr val="tx1"/>
+              </a:solidFill>
+            </a:endParaRPr>
+          </a:p>
+        </p:txBody>
+      </p:sp>
+      <p:sp>
+        <p:nvSpPr>
+          <p:cNvPr id="16" name="Rectangle 15"/>
+          <p:cNvSpPr/>
+          <p:nvPr/>
+        </p:nvSpPr>
+        <p:spPr>
+          <a:xfrm>
+            <a:off x="4474464" y="3409761"/>
+            <a:ext cx="3352800" cy="1426050"/>
+          </a:xfrm>
+          <a:prstGeom prst="rect">
+            <a:avLst/>
+          </a:prstGeom>
+          <a:noFill/>
+          <a:ln>
+            <a:solidFill>
+              <a:schemeClr val="tx1"/>
+            </a:solidFill>
+          </a:ln>
+        </p:spPr>
+        <p:style>
+          <a:lnRef idx="2">
+            <a:schemeClr val="accent1">
+              <a:shade val="50000"/>
+            </a:schemeClr>
+          </a:lnRef>
+          <a:fillRef idx="1">
+            <a:schemeClr val="accent1"/>
+          </a:fillRef>
+          <a:effectRef idx="0">
+            <a:schemeClr val="accent1"/>
+          </a:effectRef>
+          <a:fontRef idx="minor">
+            <a:schemeClr val="lt1"/>
+          </a:fontRef>
+        </p:style>
+        <p:txBody>
+          <a:bodyPr rtlCol="0" anchor="ctr"/>
+          <a:lstStyle/>
+          <a:p>
+            <a:pPr algn="ctr"/>
+            <a:endParaRPr lang="en-US" dirty="0">
+              <a:solidFill>
+                <a:schemeClr val="tx1"/>
+              </a:solidFill>
+            </a:endParaRPr>
+          </a:p>
+        </p:txBody>
+      </p:sp>
+    </p:spTree>
+    <p:extLst>
+      <p:ext uri="{BB962C8B-B14F-4D97-AF65-F5344CB8AC3E}">
+        <p14:creationId xmlns:p14="http://schemas.microsoft.com/office/powerpoint/2010/main" val="383021290"/>
+      </p:ext>
+    </p:extLst>
+  </p:cSld>
+  <p:clrMapOvr>
+    <a:masterClrMapping/>
+  </p:clrMapOvr>
+  <p:timing>
+    <p:tnLst>
+      <p:par>
+        <p:cTn id="1" dur="indefinite" restart="never" nodeType="tmRoot"/>
+      </p:par>
+    </p:tnLst>
+  </p:timing>
+</p:sld>
+</file>
+
+<file path=ppt/slides/slide7.xml><?xml version="1.0" encoding="utf-8"?>
+<p:sld xmlns:a="http://schemas.openxmlformats.org/drawingml/2006/main" xmlns:r="http://schemas.openxmlformats.org/officeDocument/2006/relationships" xmlns:p="http://schemas.openxmlformats.org/presentationml/2006/main">
+  <p:cSld>
+    <p:spTree>
+      <p:nvGrpSpPr>
+        <p:cNvPr id="1" name=""/>
+        <p:cNvGrpSpPr/>
+        <p:nvPr/>
+      </p:nvGrpSpPr>
+      <p:grpSpPr>
+        <a:xfrm>
+          <a:off x="0" y="0"/>
+          <a:ext cx="0" cy="0"/>
+          <a:chOff x="0" y="0"/>
+          <a:chExt cx="0" cy="0"/>
+        </a:xfrm>
+      </p:grpSpPr>
+      <p:sp>
+        <p:nvSpPr>
+          <p:cNvPr id="2" name="Title 1"/>
+          <p:cNvSpPr>
+            <a:spLocks noGrp="1"/>
+          </p:cNvSpPr>
+          <p:nvPr>
+            <p:ph type="title"/>
+          </p:nvPr>
+        </p:nvSpPr>
+        <p:spPr/>
+        <p:txBody>
+          <a:bodyPr/>
+          <a:lstStyle/>
+          <a:p>
+            <a:r>
+              <a:rPr lang="en-US" dirty="0" smtClean="0"/>
+              <a:t>Multiple potential mechanisms of Gro-mediated repression</a:t>
+            </a:r>
+            <a:endParaRPr lang="en-US" dirty="0"/>
+          </a:p>
+        </p:txBody>
+      </p:sp>
+      <p:pic>
+        <p:nvPicPr>
+          <p:cNvPr id="3" name="Picture 2" descr="mechanism.tiff"/>
+          <p:cNvPicPr>
+            <a:picLocks noChangeAspect="1"/>
+          </p:cNvPicPr>
+          <p:nvPr/>
+        </p:nvPicPr>
+        <p:blipFill rotWithShape="1">
+          <a:blip r:embed="rId2">
+            <a:extLst>
+              <a:ext uri="{28A0092B-C50C-407E-A947-70E740481C1C}">
+                <a14:useLocalDpi xmlns:a14="http://schemas.microsoft.com/office/drawing/2010/main" val="0"/>
+              </a:ext>
+            </a:extLst>
+          </a:blip>
+          <a:srcRect l="4027" t="5660" r="5000"/>
+          <a:stretch/>
+        </p:blipFill>
+        <p:spPr>
+          <a:xfrm>
+            <a:off x="1310918" y="1690689"/>
+            <a:ext cx="5547794" cy="3989330"/>
+          </a:xfrm>
+          <a:prstGeom prst="rect">
+            <a:avLst/>
+          </a:prstGeom>
+        </p:spPr>
+      </p:pic>
+      <p:sp>
+        <p:nvSpPr>
+          <p:cNvPr id="4" name="TextBox 3"/>
+          <p:cNvSpPr txBox="1"/>
+          <p:nvPr/>
+        </p:nvSpPr>
+        <p:spPr>
+          <a:xfrm>
+            <a:off x="1474119" y="6118819"/>
+            <a:ext cx="2079178" cy="307777"/>
+          </a:xfrm>
+          <a:prstGeom prst="rect">
+            <a:avLst/>
+          </a:prstGeom>
+          <a:noFill/>
+        </p:spPr>
+        <p:txBody>
+          <a:bodyPr wrap="none" rtlCol="0">
+            <a:spAutoFit/>
+          </a:bodyPr>
+          <a:lstStyle/>
+          <a:p>
+            <a:r>
+              <a:rPr lang="en-US" sz="1400" i="1" dirty="0" err="1" smtClean="0">
+                <a:latin typeface="Helvetica"/>
+                <a:cs typeface="Helvetica"/>
+              </a:rPr>
+              <a:t>Seikya</a:t>
+            </a:r>
+            <a:r>
+              <a:rPr lang="en-US" sz="1400" i="1" dirty="0" smtClean="0">
+                <a:latin typeface="Helvetica"/>
+                <a:cs typeface="Helvetica"/>
+              </a:rPr>
+              <a:t> and </a:t>
+            </a:r>
+            <a:r>
+              <a:rPr lang="en-US" sz="1400" i="1" dirty="0" err="1" smtClean="0">
+                <a:latin typeface="Helvetica"/>
+                <a:cs typeface="Helvetica"/>
+              </a:rPr>
+              <a:t>Zaret</a:t>
+            </a:r>
+            <a:r>
+              <a:rPr lang="en-US" sz="1400" i="1" dirty="0" smtClean="0">
+                <a:latin typeface="Helvetica"/>
+                <a:cs typeface="Helvetica"/>
+              </a:rPr>
+              <a:t>, 2007</a:t>
+            </a:r>
+          </a:p>
+        </p:txBody>
+      </p:sp>
+      <p:sp>
+        <p:nvSpPr>
+          <p:cNvPr id="5" name="Rectangle 4"/>
+          <p:cNvSpPr/>
+          <p:nvPr/>
+        </p:nvSpPr>
+        <p:spPr>
+          <a:xfrm>
+            <a:off x="4234420" y="1552913"/>
+            <a:ext cx="3774030" cy="2013857"/>
+          </a:xfrm>
+          <a:prstGeom prst="rect">
+            <a:avLst/>
+          </a:prstGeom>
+          <a:solidFill>
+            <a:schemeClr val="bg1"/>
+          </a:solidFill>
+          <a:ln>
+            <a:noFill/>
+          </a:ln>
+          <a:effectLst/>
+        </p:spPr>
+        <p:style>
+          <a:lnRef idx="1">
+            <a:schemeClr val="accent1"/>
+          </a:lnRef>
+          <a:fillRef idx="3">
+            <a:schemeClr val="accent1"/>
+          </a:fillRef>
+          <a:effectRef idx="2">
+            <a:schemeClr val="accent1"/>
+          </a:effectRef>
+          <a:fontRef idx="minor">
+            <a:schemeClr val="lt1"/>
+          </a:fontRef>
+        </p:style>
+        <p:txBody>
+          <a:bodyPr rtlCol="0" anchor="ctr"/>
+          <a:lstStyle/>
+          <a:p>
+            <a:pPr algn="ctr"/>
+            <a:endParaRPr lang="en-US"/>
+          </a:p>
+        </p:txBody>
+      </p:sp>
+      <p:sp>
+        <p:nvSpPr>
+          <p:cNvPr id="6" name="Rectangle 5"/>
+          <p:cNvSpPr/>
+          <p:nvPr/>
+        </p:nvSpPr>
+        <p:spPr>
+          <a:xfrm>
+            <a:off x="4378003" y="3451102"/>
+            <a:ext cx="3774030" cy="2426834"/>
+          </a:xfrm>
+          <a:prstGeom prst="rect">
+            <a:avLst/>
+          </a:prstGeom>
+          <a:solidFill>
+            <a:schemeClr val="bg1"/>
+          </a:solidFill>
+          <a:ln>
+            <a:noFill/>
+          </a:ln>
+          <a:effectLst/>
+        </p:spPr>
+        <p:style>
+          <a:lnRef idx="1">
+            <a:schemeClr val="accent1"/>
+          </a:lnRef>
+          <a:fillRef idx="3">
+            <a:schemeClr val="accent1"/>
+          </a:fillRef>
+          <a:effectRef idx="2">
+            <a:schemeClr val="accent1"/>
+          </a:effectRef>
+          <a:fontRef idx="minor">
+            <a:schemeClr val="lt1"/>
+          </a:fontRef>
+        </p:style>
+        <p:txBody>
+          <a:bodyPr rtlCol="0" anchor="ctr"/>
+          <a:lstStyle/>
+          <a:p>
+            <a:pPr algn="ctr"/>
+            <a:endParaRPr lang="en-US"/>
+          </a:p>
+        </p:txBody>
+      </p:sp>
+      <p:sp>
+        <p:nvSpPr>
+          <p:cNvPr id="7" name="TextBox 6"/>
+          <p:cNvSpPr txBox="1"/>
+          <p:nvPr/>
+        </p:nvSpPr>
+        <p:spPr>
+          <a:xfrm>
+            <a:off x="3553297" y="6117330"/>
+            <a:ext cx="2338664" cy="307777"/>
+          </a:xfrm>
+          <a:prstGeom prst="rect">
+            <a:avLst/>
+          </a:prstGeom>
+          <a:noFill/>
+        </p:spPr>
+        <p:txBody>
+          <a:bodyPr wrap="none" rtlCol="0">
+            <a:spAutoFit/>
+          </a:bodyPr>
+          <a:lstStyle/>
+          <a:p>
+            <a:r>
+              <a:rPr lang="en-US" sz="1400" i="1" dirty="0" smtClean="0">
+                <a:latin typeface="Helvetica"/>
+                <a:cs typeface="Helvetica"/>
+              </a:rPr>
+              <a:t>Zhang and Emmons, 2002</a:t>
+            </a:r>
+          </a:p>
+        </p:txBody>
+      </p:sp>
+      <p:sp>
+        <p:nvSpPr>
+          <p:cNvPr id="8" name="TextBox 7"/>
+          <p:cNvSpPr txBox="1"/>
+          <p:nvPr/>
+        </p:nvSpPr>
+        <p:spPr>
+          <a:xfrm>
+            <a:off x="5891961" y="6118819"/>
+            <a:ext cx="1380581" cy="307777"/>
+          </a:xfrm>
+          <a:prstGeom prst="rect">
+            <a:avLst/>
+          </a:prstGeom>
+          <a:noFill/>
+        </p:spPr>
+        <p:txBody>
+          <a:bodyPr wrap="none" rtlCol="0">
+            <a:spAutoFit/>
+          </a:bodyPr>
+          <a:lstStyle/>
+          <a:p>
+            <a:r>
+              <a:rPr lang="en-US" sz="1400" i="1" dirty="0" err="1" smtClean="0">
+                <a:latin typeface="Helvetica"/>
+                <a:cs typeface="Helvetica"/>
+              </a:rPr>
+              <a:t>Cai</a:t>
+            </a:r>
+            <a:r>
+              <a:rPr lang="en-US" sz="1400" i="1" dirty="0" smtClean="0">
+                <a:latin typeface="Helvetica"/>
+                <a:cs typeface="Helvetica"/>
+              </a:rPr>
+              <a:t> et al, 2003</a:t>
+            </a:r>
+          </a:p>
+        </p:txBody>
+      </p:sp>
+      <p:sp>
+        <p:nvSpPr>
+          <p:cNvPr id="10" name="TextBox 9"/>
+          <p:cNvSpPr txBox="1"/>
+          <p:nvPr/>
+        </p:nvSpPr>
+        <p:spPr>
+          <a:xfrm>
+            <a:off x="1474119" y="6425107"/>
+            <a:ext cx="3271729" cy="338554"/>
+          </a:xfrm>
+          <a:prstGeom prst="rect">
+            <a:avLst/>
+          </a:prstGeom>
+          <a:noFill/>
+        </p:spPr>
+        <p:txBody>
+          <a:bodyPr wrap="none" rtlCol="0">
+            <a:spAutoFit/>
+          </a:bodyPr>
+          <a:lstStyle/>
+          <a:p>
+            <a:r>
+              <a:rPr lang="en-US" sz="1600" i="1" dirty="0" smtClean="0"/>
+              <a:t>Figures </a:t>
+            </a:r>
+            <a:r>
+              <a:rPr lang="en-US" sz="1600" i="1" dirty="0" err="1" smtClean="0"/>
+              <a:t>Turki-Judeh</a:t>
+            </a:r>
+            <a:r>
+              <a:rPr lang="en-US" sz="1600" i="1" dirty="0" smtClean="0"/>
+              <a:t> and </a:t>
+            </a:r>
+            <a:r>
+              <a:rPr lang="en-US" sz="1600" i="1" dirty="0" err="1" smtClean="0"/>
+              <a:t>Courey</a:t>
+            </a:r>
+            <a:r>
+              <a:rPr lang="en-US" sz="1600" i="1" dirty="0" smtClean="0"/>
+              <a:t>, 2012</a:t>
+            </a:r>
+            <a:endParaRPr lang="en-US" sz="1600" i="1" dirty="0"/>
+          </a:p>
+        </p:txBody>
+      </p:sp>
+    </p:spTree>
+    <p:extLst>
+      <p:ext uri="{BB962C8B-B14F-4D97-AF65-F5344CB8AC3E}">
+        <p14:creationId xmlns:p14="http://schemas.microsoft.com/office/powerpoint/2010/main" val="1642653497"/>
+      </p:ext>
+    </p:extLst>
+  </p:cSld>
+  <p:clrMapOvr>
+    <a:masterClrMapping/>
+  </p:clrMapOvr>
+  <p:timing>
+    <p:tnLst>
+      <p:par>
+        <p:cTn id="1" dur="indefinite" restart="never" nodeType="tmRoot">
+          <p:childTnLst>
+            <p:seq concurrent="1" nextAc="seek">
+              <p:cTn id="2" dur="indefinite" nodeType="mainSeq">
+                <p:childTnLst>
+                  <p:par>
+                    <p:cTn id="3" fill="hold">
+                      <p:stCondLst>
+                        <p:cond delay="indefinite"/>
+                      </p:stCondLst>
+                      <p:childTnLst>
+                        <p:par>
+                          <p:cTn id="4" fill="hold">
+                            <p:stCondLst>
+                              <p:cond delay="0"/>
+                            </p:stCondLst>
+                            <p:childTnLst>
+                              <p:par>
+                                <p:cTn id="5" presetID="1" presetClass="exit" presetSubtype="0" fill="hold" grpId="0" nodeType="clickEffect">
+                                  <p:stCondLst>
+                                    <p:cond delay="0"/>
+                                  </p:stCondLst>
+                                  <p:childTnLst>
+                                    <p:set>
+                                      <p:cBhvr>
+                                        <p:cTn id="6" dur="1" fill="hold">
+                                          <p:stCondLst>
+                                            <p:cond delay="0"/>
+                                          </p:stCondLst>
+                                        </p:cTn>
+                                        <p:tgtEl>
+                                          <p:spTgt spid="5"/>
+                                        </p:tgtEl>
+                                        <p:attrNameLst>
+                                          <p:attrName>style.visibility</p:attrName>
+                                        </p:attrNameLst>
+                                      </p:cBhvr>
+                                      <p:to>
+                                        <p:strVal val="hidden"/>
+                                      </p:to>
+                                    </p:set>
+                                  </p:childTnLst>
+                                </p:cTn>
+                              </p:par>
+                              <p:par>
+                                <p:cTn id="7" presetID="1" presetClass="entr" presetSubtype="0" fill="hold" grpId="0" nodeType="withEffect">
+                                  <p:stCondLst>
+                                    <p:cond delay="0"/>
+                                  </p:stCondLst>
+                                  <p:childTnLst>
+                                    <p:set>
+                                      <p:cBhvr>
+                                        <p:cTn id="8" dur="1" fill="hold">
+                                          <p:stCondLst>
+                                            <p:cond delay="0"/>
+                                          </p:stCondLst>
+                                        </p:cTn>
+                                        <p:tgtEl>
+                                          <p:spTgt spid="7"/>
+                                        </p:tgtEl>
+                                        <p:attrNameLst>
+                                          <p:attrName>style.visibility</p:attrName>
+                                        </p:attrNameLst>
+                                      </p:cBhvr>
+                                      <p:to>
+                                        <p:strVal val="visible"/>
+                                      </p:to>
+                                    </p:set>
+                                  </p:childTnLst>
+                                </p:cTn>
+                              </p:par>
+                            </p:childTnLst>
+                          </p:cTn>
+                        </p:par>
+                      </p:childTnLst>
+                    </p:cTn>
+                  </p:par>
+                  <p:par>
+                    <p:cTn id="9" fill="hold">
+                      <p:stCondLst>
+                        <p:cond delay="indefinite"/>
+                      </p:stCondLst>
+                      <p:childTnLst>
+                        <p:par>
+                          <p:cTn id="10" fill="hold">
+                            <p:stCondLst>
+                              <p:cond delay="0"/>
+                            </p:stCondLst>
+                            <p:childTnLst>
+                              <p:par>
+                                <p:cTn id="11" presetID="1" presetClass="exit" presetSubtype="0" fill="hold" grpId="0" nodeType="clickEffect">
+                                  <p:stCondLst>
+                                    <p:cond delay="0"/>
+                                  </p:stCondLst>
+                                  <p:childTnLst>
+                                    <p:set>
+                                      <p:cBhvr>
+                                        <p:cTn id="12" dur="1" fill="hold">
+                                          <p:stCondLst>
+                                            <p:cond delay="0"/>
+                                          </p:stCondLst>
+                                        </p:cTn>
+                                        <p:tgtEl>
+                                          <p:spTgt spid="6"/>
+                                        </p:tgtEl>
+                                        <p:attrNameLst>
+                                          <p:attrName>style.visibility</p:attrName>
+                                        </p:attrNameLst>
+                                      </p:cBhvr>
+                                      <p:to>
+                                        <p:strVal val="hidden"/>
+                                      </p:to>
+                                    </p:set>
+                                  </p:childTnLst>
+                                </p:cTn>
+                              </p:par>
+                              <p:par>
+                                <p:cTn id="13" presetID="1" presetClass="entr" presetSubtype="0" fill="hold" grpId="0" nodeType="withEffect">
+                                  <p:stCondLst>
+                                    <p:cond delay="0"/>
+                                  </p:stCondLst>
+                                  <p:childTnLst>
+                                    <p:set>
+                                      <p:cBhvr>
+                                        <p:cTn id="14" dur="1" fill="hold">
+                                          <p:stCondLst>
+                                            <p:cond delay="0"/>
+                                          </p:stCondLst>
+                                        </p:cTn>
+                                        <p:tgtEl>
+                                          <p:spTgt spid="8"/>
+                                        </p:tgtEl>
+                                        <p:attrNameLst>
+                                          <p:attrName>style.visibility</p:attrName>
+                                        </p:attrNameLst>
+                                      </p:cBhvr>
+                                      <p:to>
+                                        <p:strVal val="visible"/>
+                                      </p:to>
+                                    </p:set>
+                                  </p:childTnLst>
+                                </p:cTn>
+                              </p:par>
+                            </p:childTnLst>
+                          </p:cTn>
+                        </p:par>
+                      </p:childTnLst>
+                    </p:cTn>
+                  </p:par>
+                </p:childTnLst>
+              </p:cTn>
+              <p:prevCondLst>
+                <p:cond evt="onPrev" delay="0">
+                  <p:tgtEl>
+                    <p:sldTgt/>
+                  </p:tgtEl>
+                </p:cond>
+              </p:prevCondLst>
+              <p:nextCondLst>
+                <p:cond evt="onNext" delay="0">
+                  <p:tgtEl>
+                    <p:sldTgt/>
+                  </p:tgtEl>
+                </p:cond>
+              </p:nextCondLst>
+            </p:seq>
+          </p:childTnLst>
+        </p:cTn>
+      </p:par>
+    </p:tnLst>
+    <p:bldLst>
+      <p:bldP spid="5" grpId="0" animBg="1"/>
+      <p:bldP spid="6" grpId="0" animBg="1"/>
+      <p:bldP spid="7" grpId="0"/>
+      <p:bldP spid="8" grpId="0"/>
+    </p:bldLst>
+  </p:timing>
+</p:sld>
+</file>
+
+<file path=ppt/slides/slide8.xml><?xml version="1.0" encoding="utf-8"?>
+<p:sld xmlns:a="http://schemas.openxmlformats.org/drawingml/2006/main" xmlns:r="http://schemas.openxmlformats.org/officeDocument/2006/relationships" xmlns:p="http://schemas.openxmlformats.org/presentationml/2006/main">
+  <p:cSld>
+    <p:spTree>
+      <p:nvGrpSpPr>
+        <p:cNvPr id="1" name=""/>
+        <p:cNvGrpSpPr/>
+        <p:nvPr/>
+      </p:nvGrpSpPr>
+      <p:grpSpPr>
+        <a:xfrm>
+          <a:off x="0" y="0"/>
+          <a:ext cx="0" cy="0"/>
+          <a:chOff x="0" y="0"/>
+          <a:chExt cx="0" cy="0"/>
+        </a:xfrm>
+      </p:grpSpPr>
+      <p:sp>
+        <p:nvSpPr>
+          <p:cNvPr id="2" name="Title 1"/>
+          <p:cNvSpPr>
+            <a:spLocks noGrp="1"/>
+          </p:cNvSpPr>
+          <p:nvPr>
+            <p:ph type="title"/>
+          </p:nvPr>
+        </p:nvSpPr>
+        <p:spPr/>
+        <p:txBody>
+          <a:bodyPr/>
+          <a:lstStyle/>
+          <a:p>
+            <a:r>
+              <a:rPr lang="en-US" dirty="0" smtClean="0"/>
+              <a:t>Outline</a:t>
+            </a:r>
+            <a:endParaRPr lang="en-US" dirty="0"/>
+          </a:p>
+        </p:txBody>
+      </p:sp>
+      <p:sp>
+        <p:nvSpPr>
+          <p:cNvPr id="3" name="Content Placeholder 2"/>
+          <p:cNvSpPr>
+            <a:spLocks noGrp="1"/>
+          </p:cNvSpPr>
+          <p:nvPr>
+            <p:ph idx="1"/>
+          </p:nvPr>
+        </p:nvSpPr>
+        <p:spPr/>
+        <p:txBody>
+          <a:bodyPr/>
+          <a:lstStyle/>
+          <a:p>
+            <a:pPr marL="0" indent="0">
+              <a:buNone/>
+            </a:pPr>
+            <a:r>
+              <a:rPr lang="en-US" dirty="0" smtClean="0"/>
+              <a:t>1. </a:t>
+            </a:r>
+            <a:endParaRPr lang="en-US" dirty="0"/>
+          </a:p>
+        </p:txBody>
+      </p:sp>
+    </p:spTree>
+    <p:extLst>
+      <p:ext uri="{BB962C8B-B14F-4D97-AF65-F5344CB8AC3E}">
+        <p14:creationId xmlns:p14="http://schemas.microsoft.com/office/powerpoint/2010/main" val="1931595806"/>
+      </p:ext>
+    </p:extLst>
+  </p:cSld>
+  <p:clrMapOvr>
+    <a:masterClrMapping/>
+  </p:clrMapOvr>
+  <p:timing>
+    <p:tnLst>
+      <p:par>
+        <p:cTn id="1" dur="indefinite" restart="never" nodeType="tmRoot"/>
+      </p:par>
+    </p:tnLst>
+  </p:timing>
+</p:sld>
+</file>
+
+<file path=ppt/slides/slide9.xml><?xml version="1.0" encoding="utf-8"?>
+<p:sld xmlns:a="http://schemas.openxmlformats.org/drawingml/2006/main" xmlns:r="http://schemas.openxmlformats.org/officeDocument/2006/relationships" xmlns:p="http://schemas.openxmlformats.org/presentationml/2006/main">
+  <p:cSld>
+    <p:spTree>
+      <p:nvGrpSpPr>
+        <p:cNvPr id="1" name=""/>
+        <p:cNvGrpSpPr/>
+        <p:nvPr/>
+      </p:nvGrpSpPr>
+      <p:grpSpPr>
+        <a:xfrm>
+          <a:off x="0" y="0"/>
+          <a:ext cx="0" cy="0"/>
+          <a:chOff x="0" y="0"/>
+          <a:chExt cx="0" cy="0"/>
+        </a:xfrm>
+      </p:grpSpPr>
+      <p:sp>
+        <p:nvSpPr>
+          <p:cNvPr id="2" name="Title 1"/>
+          <p:cNvSpPr>
+            <a:spLocks noGrp="1"/>
+          </p:cNvSpPr>
+          <p:nvPr>
+            <p:ph type="title"/>
+          </p:nvPr>
+        </p:nvSpPr>
+        <p:spPr/>
+        <p:txBody>
           <a:bodyPr>
             <a:normAutofit fontScale="90000"/>
           </a:bodyPr>
@@ -4402,7 +11249,7 @@
           <a:p>
             <a:fld id="{818D74A5-6B21-7D43-AA42-06463E0BF38B}" type="slidenum">
               <a:rPr lang="en-US" smtClean="0"/>
-              <a:t>3</a:t>
+              <a:t>9</a:t>
             </a:fld>
             <a:endParaRPr lang="en-US"/>
           </a:p>
@@ -6697,2931 +13544,6 @@
 </p:sld>
 </file>
 
-<file path=ppt/slides/slide4.xml><?xml version="1.0" encoding="utf-8"?>
-<p:sld xmlns:a="http://schemas.openxmlformats.org/drawingml/2006/main" xmlns:r="http://schemas.openxmlformats.org/officeDocument/2006/relationships" xmlns:p="http://schemas.openxmlformats.org/presentationml/2006/main">
-  <p:cSld>
-    <p:spTree>
-      <p:nvGrpSpPr>
-        <p:cNvPr id="1" name=""/>
-        <p:cNvGrpSpPr/>
-        <p:nvPr/>
-      </p:nvGrpSpPr>
-      <p:grpSpPr>
-        <a:xfrm>
-          <a:off x="0" y="0"/>
-          <a:ext cx="0" cy="0"/>
-          <a:chOff x="0" y="0"/>
-          <a:chExt cx="0" cy="0"/>
-        </a:xfrm>
-      </p:grpSpPr>
-      <p:sp>
-        <p:nvSpPr>
-          <p:cNvPr id="2" name="Title 1"/>
-          <p:cNvSpPr>
-            <a:spLocks noGrp="1"/>
-          </p:cNvSpPr>
-          <p:nvPr>
-            <p:ph type="title"/>
-          </p:nvPr>
-        </p:nvSpPr>
-        <p:spPr/>
-        <p:txBody>
-          <a:bodyPr/>
-          <a:lstStyle/>
-          <a:p>
-            <a:endParaRPr lang="en-US" dirty="0"/>
-          </a:p>
-        </p:txBody>
-      </p:sp>
-      <p:cxnSp>
-        <p:nvCxnSpPr>
-          <p:cNvPr id="17" name="Straight Connector 16"/>
-          <p:cNvCxnSpPr/>
-          <p:nvPr/>
-        </p:nvCxnSpPr>
-        <p:spPr>
-          <a:xfrm>
-            <a:off x="283817" y="2988013"/>
-            <a:ext cx="2278780" cy="1"/>
-          </a:xfrm>
-          <a:prstGeom prst="line">
-            <a:avLst/>
-          </a:prstGeom>
-          <a:ln w="63500">
-            <a:solidFill>
-              <a:schemeClr val="tx1"/>
-            </a:solidFill>
-          </a:ln>
-        </p:spPr>
-        <p:style>
-          <a:lnRef idx="1">
-            <a:schemeClr val="accent1"/>
-          </a:lnRef>
-          <a:fillRef idx="0">
-            <a:schemeClr val="accent1"/>
-          </a:fillRef>
-          <a:effectRef idx="0">
-            <a:schemeClr val="accent1"/>
-          </a:effectRef>
-          <a:fontRef idx="minor">
-            <a:schemeClr val="tx1"/>
-          </a:fontRef>
-        </p:style>
-      </p:cxnSp>
-      <p:cxnSp>
-        <p:nvCxnSpPr>
-          <p:cNvPr id="18" name="Straight Connector 17"/>
-          <p:cNvCxnSpPr/>
-          <p:nvPr/>
-        </p:nvCxnSpPr>
-        <p:spPr>
-          <a:xfrm>
-            <a:off x="3227586" y="2701413"/>
-            <a:ext cx="0" cy="308542"/>
-          </a:xfrm>
-          <a:prstGeom prst="line">
-            <a:avLst/>
-          </a:prstGeom>
-          <a:ln w="63500">
-            <a:solidFill>
-              <a:schemeClr val="tx1"/>
-            </a:solidFill>
-          </a:ln>
-        </p:spPr>
-        <p:style>
-          <a:lnRef idx="1">
-            <a:schemeClr val="accent1"/>
-          </a:lnRef>
-          <a:fillRef idx="0">
-            <a:schemeClr val="accent1"/>
-          </a:fillRef>
-          <a:effectRef idx="0">
-            <a:schemeClr val="accent1"/>
-          </a:effectRef>
-          <a:fontRef idx="minor">
-            <a:schemeClr val="tx1"/>
-          </a:fontRef>
-        </p:style>
-      </p:cxnSp>
-      <p:cxnSp>
-        <p:nvCxnSpPr>
-          <p:cNvPr id="27" name="Straight Arrow Connector 26"/>
-          <p:cNvCxnSpPr/>
-          <p:nvPr/>
-        </p:nvCxnSpPr>
-        <p:spPr>
-          <a:xfrm>
-            <a:off x="3212628" y="2724344"/>
-            <a:ext cx="308542" cy="0"/>
-          </a:xfrm>
-          <a:prstGeom prst="straightConnector1">
-            <a:avLst/>
-          </a:prstGeom>
-          <a:ln w="63500">
-            <a:solidFill>
-              <a:schemeClr val="tx1"/>
-            </a:solidFill>
-            <a:tailEnd type="triangle"/>
-          </a:ln>
-        </p:spPr>
-        <p:style>
-          <a:lnRef idx="1">
-            <a:schemeClr val="accent1"/>
-          </a:lnRef>
-          <a:fillRef idx="0">
-            <a:schemeClr val="accent1"/>
-          </a:fillRef>
-          <a:effectRef idx="0">
-            <a:schemeClr val="accent1"/>
-          </a:effectRef>
-          <a:fontRef idx="minor">
-            <a:schemeClr val="tx1"/>
-          </a:fontRef>
-        </p:style>
-      </p:cxnSp>
-      <p:cxnSp>
-        <p:nvCxnSpPr>
-          <p:cNvPr id="28" name="Straight Connector 27"/>
-          <p:cNvCxnSpPr/>
-          <p:nvPr/>
-        </p:nvCxnSpPr>
-        <p:spPr>
-          <a:xfrm>
-            <a:off x="2803527" y="2994898"/>
-            <a:ext cx="1173229" cy="0"/>
-          </a:xfrm>
-          <a:prstGeom prst="line">
-            <a:avLst/>
-          </a:prstGeom>
-          <a:ln w="63500">
-            <a:solidFill>
-              <a:schemeClr val="tx1"/>
-            </a:solidFill>
-          </a:ln>
-        </p:spPr>
-        <p:style>
-          <a:lnRef idx="1">
-            <a:schemeClr val="accent1"/>
-          </a:lnRef>
-          <a:fillRef idx="0">
-            <a:schemeClr val="accent1"/>
-          </a:fillRef>
-          <a:effectRef idx="0">
-            <a:schemeClr val="accent1"/>
-          </a:effectRef>
-          <a:fontRef idx="minor">
-            <a:schemeClr val="tx1"/>
-          </a:fontRef>
-        </p:style>
-      </p:cxnSp>
-      <p:sp>
-        <p:nvSpPr>
-          <p:cNvPr id="29" name="Rectangle 28"/>
-          <p:cNvSpPr/>
-          <p:nvPr/>
-        </p:nvSpPr>
-        <p:spPr>
-          <a:xfrm>
-            <a:off x="1562881" y="2945074"/>
-            <a:ext cx="567997" cy="85877"/>
-          </a:xfrm>
-          <a:prstGeom prst="rect">
-            <a:avLst/>
-          </a:prstGeom>
-          <a:solidFill>
-            <a:schemeClr val="accent2">
-              <a:lumMod val="75000"/>
-            </a:schemeClr>
-          </a:solidFill>
-          <a:ln>
-            <a:noFill/>
-          </a:ln>
-        </p:spPr>
-        <p:style>
-          <a:lnRef idx="2">
-            <a:schemeClr val="accent1">
-              <a:shade val="50000"/>
-            </a:schemeClr>
-          </a:lnRef>
-          <a:fillRef idx="1">
-            <a:schemeClr val="accent1"/>
-          </a:fillRef>
-          <a:effectRef idx="0">
-            <a:schemeClr val="accent1"/>
-          </a:effectRef>
-          <a:fontRef idx="minor">
-            <a:schemeClr val="lt1"/>
-          </a:fontRef>
-        </p:style>
-        <p:txBody>
-          <a:bodyPr rot="0" spcFirstLastPara="0" vertOverflow="overflow" horzOverflow="overflow" vert="horz" wrap="square" lIns="91440" tIns="45720" rIns="91440" bIns="45720" numCol="1" spcCol="0" rtlCol="0" fromWordArt="0" anchor="ctr" anchorCtr="0" forceAA="0" compatLnSpc="1">
-            <a:prstTxWarp prst="textNoShape">
-              <a:avLst/>
-            </a:prstTxWarp>
-            <a:noAutofit/>
-          </a:bodyPr>
-          <a:lstStyle/>
-          <a:p>
-            <a:pPr algn="ctr"/>
-            <a:endParaRPr lang="en-US"/>
-          </a:p>
-        </p:txBody>
-      </p:sp>
-      <p:sp>
-        <p:nvSpPr>
-          <p:cNvPr id="30" name="Rectangle 29"/>
-          <p:cNvSpPr/>
-          <p:nvPr/>
-        </p:nvSpPr>
-        <p:spPr>
-          <a:xfrm flipV="1">
-            <a:off x="639351" y="2945074"/>
-            <a:ext cx="567997" cy="85877"/>
-          </a:xfrm>
-          <a:prstGeom prst="rect">
-            <a:avLst/>
-          </a:prstGeom>
-          <a:solidFill>
-            <a:schemeClr val="accent2">
-              <a:lumMod val="75000"/>
-            </a:schemeClr>
-          </a:solidFill>
-          <a:ln>
-            <a:noFill/>
-          </a:ln>
-        </p:spPr>
-        <p:style>
-          <a:lnRef idx="2">
-            <a:schemeClr val="accent1">
-              <a:shade val="50000"/>
-            </a:schemeClr>
-          </a:lnRef>
-          <a:fillRef idx="1">
-            <a:schemeClr val="accent1"/>
-          </a:fillRef>
-          <a:effectRef idx="0">
-            <a:schemeClr val="accent1"/>
-          </a:effectRef>
-          <a:fontRef idx="minor">
-            <a:schemeClr val="lt1"/>
-          </a:fontRef>
-        </p:style>
-        <p:txBody>
-          <a:bodyPr rot="0" spcFirstLastPara="0" vertOverflow="overflow" horzOverflow="overflow" vert="horz" wrap="square" lIns="91440" tIns="45720" rIns="91440" bIns="45720" numCol="1" spcCol="0" rtlCol="0" fromWordArt="0" anchor="ctr" anchorCtr="0" forceAA="0" compatLnSpc="1">
-            <a:prstTxWarp prst="textNoShape">
-              <a:avLst/>
-            </a:prstTxWarp>
-            <a:noAutofit/>
-          </a:bodyPr>
-          <a:lstStyle/>
-          <a:p>
-            <a:pPr algn="ctr"/>
-            <a:endParaRPr lang="en-US"/>
-          </a:p>
-        </p:txBody>
-      </p:sp>
-      <p:cxnSp>
-        <p:nvCxnSpPr>
-          <p:cNvPr id="39" name="Straight Connector 38"/>
-          <p:cNvCxnSpPr/>
-          <p:nvPr/>
-        </p:nvCxnSpPr>
-        <p:spPr>
-          <a:xfrm flipH="1">
-            <a:off x="2701203" y="2907242"/>
-            <a:ext cx="200310" cy="161540"/>
-          </a:xfrm>
-          <a:prstGeom prst="line">
-            <a:avLst/>
-          </a:prstGeom>
-          <a:ln w="63500">
-            <a:solidFill>
-              <a:schemeClr val="tx1"/>
-            </a:solidFill>
-          </a:ln>
-        </p:spPr>
-        <p:style>
-          <a:lnRef idx="1">
-            <a:schemeClr val="accent1"/>
-          </a:lnRef>
-          <a:fillRef idx="0">
-            <a:schemeClr val="accent1"/>
-          </a:fillRef>
-          <a:effectRef idx="0">
-            <a:schemeClr val="accent1"/>
-          </a:effectRef>
-          <a:fontRef idx="minor">
-            <a:schemeClr val="tx1"/>
-          </a:fontRef>
-        </p:style>
-      </p:cxnSp>
-      <p:cxnSp>
-        <p:nvCxnSpPr>
-          <p:cNvPr id="40" name="Straight Connector 39"/>
-          <p:cNvCxnSpPr/>
-          <p:nvPr/>
-        </p:nvCxnSpPr>
-        <p:spPr>
-          <a:xfrm flipH="1">
-            <a:off x="2462096" y="2907242"/>
-            <a:ext cx="200310" cy="161540"/>
-          </a:xfrm>
-          <a:prstGeom prst="line">
-            <a:avLst/>
-          </a:prstGeom>
-          <a:ln w="63500">
-            <a:solidFill>
-              <a:schemeClr val="tx1"/>
-            </a:solidFill>
-          </a:ln>
-        </p:spPr>
-        <p:style>
-          <a:lnRef idx="1">
-            <a:schemeClr val="accent1"/>
-          </a:lnRef>
-          <a:fillRef idx="0">
-            <a:schemeClr val="accent1"/>
-          </a:fillRef>
-          <a:effectRef idx="0">
-            <a:schemeClr val="accent1"/>
-          </a:effectRef>
-          <a:fontRef idx="minor">
-            <a:schemeClr val="tx1"/>
-          </a:fontRef>
-        </p:style>
-      </p:cxnSp>
-      <p:sp>
-        <p:nvSpPr>
-          <p:cNvPr id="43" name="Oval 42"/>
-          <p:cNvSpPr/>
-          <p:nvPr/>
-        </p:nvSpPr>
-        <p:spPr>
-          <a:xfrm>
-            <a:off x="1708848" y="2718834"/>
-            <a:ext cx="276063" cy="276063"/>
-          </a:xfrm>
-          <a:prstGeom prst="ellipse">
-            <a:avLst/>
-          </a:prstGeom>
-        </p:spPr>
-        <p:style>
-          <a:lnRef idx="2">
-            <a:schemeClr val="accent1">
-              <a:shade val="50000"/>
-            </a:schemeClr>
-          </a:lnRef>
-          <a:fillRef idx="1">
-            <a:schemeClr val="accent1"/>
-          </a:fillRef>
-          <a:effectRef idx="0">
-            <a:schemeClr val="accent1"/>
-          </a:effectRef>
-          <a:fontRef idx="minor">
-            <a:schemeClr val="lt1"/>
-          </a:fontRef>
-        </p:style>
-        <p:txBody>
-          <a:bodyPr rot="0" spcFirstLastPara="0" vertOverflow="overflow" horzOverflow="overflow" vert="horz" wrap="square" lIns="91440" tIns="45720" rIns="91440" bIns="45720" numCol="1" spcCol="0" rtlCol="0" fromWordArt="0" anchor="ctr" anchorCtr="0" forceAA="0" compatLnSpc="1">
-            <a:prstTxWarp prst="textNoShape">
-              <a:avLst/>
-            </a:prstTxWarp>
-            <a:noAutofit/>
-          </a:bodyPr>
-          <a:lstStyle/>
-          <a:p>
-            <a:pPr algn="ctr"/>
-            <a:r>
-              <a:rPr lang="en-US" dirty="0"/>
-              <a:t>A</a:t>
-            </a:r>
-          </a:p>
-        </p:txBody>
-      </p:sp>
-      <p:sp>
-        <p:nvSpPr>
-          <p:cNvPr id="58" name="Arc 57"/>
-          <p:cNvSpPr/>
-          <p:nvPr/>
-        </p:nvSpPr>
-        <p:spPr>
-          <a:xfrm>
-            <a:off x="1851840" y="2261984"/>
-            <a:ext cx="1355250" cy="602321"/>
-          </a:xfrm>
-          <a:prstGeom prst="arc">
-            <a:avLst>
-              <a:gd name="adj1" fmla="val 10794464"/>
-              <a:gd name="adj2" fmla="val 0"/>
-            </a:avLst>
-          </a:prstGeom>
-          <a:ln w="25400" cap="sq">
-            <a:solidFill>
-              <a:schemeClr val="bg1">
-                <a:lumMod val="50000"/>
-              </a:schemeClr>
-            </a:solidFill>
-            <a:tailEnd type="triangle"/>
-          </a:ln>
-        </p:spPr>
-        <p:style>
-          <a:lnRef idx="1">
-            <a:schemeClr val="accent1"/>
-          </a:lnRef>
-          <a:fillRef idx="0">
-            <a:schemeClr val="accent1"/>
-          </a:fillRef>
-          <a:effectRef idx="0">
-            <a:schemeClr val="accent1"/>
-          </a:effectRef>
-          <a:fontRef idx="minor">
-            <a:schemeClr val="tx1"/>
-          </a:fontRef>
-        </p:style>
-        <p:txBody>
-          <a:bodyPr rot="0" spcFirstLastPara="0" vertOverflow="overflow" horzOverflow="overflow" vert="horz" wrap="square" lIns="91440" tIns="45720" rIns="91440" bIns="45720" numCol="1" spcCol="0" rtlCol="0" fromWordArt="0" anchor="ctr" anchorCtr="0" forceAA="0" compatLnSpc="1">
-            <a:prstTxWarp prst="textNoShape">
-              <a:avLst/>
-            </a:prstTxWarp>
-            <a:noAutofit/>
-          </a:bodyPr>
-          <a:lstStyle/>
-          <a:p>
-            <a:pPr algn="ctr"/>
-            <a:endParaRPr lang="en-US"/>
-          </a:p>
-        </p:txBody>
-      </p:sp>
-      <p:sp>
-        <p:nvSpPr>
-          <p:cNvPr id="70" name="TextBox 69"/>
-          <p:cNvSpPr txBox="1"/>
-          <p:nvPr/>
-        </p:nvSpPr>
-        <p:spPr>
-          <a:xfrm>
-            <a:off x="3500792" y="2523727"/>
-            <a:ext cx="458780" cy="369332"/>
-          </a:xfrm>
-          <a:prstGeom prst="rect">
-            <a:avLst/>
-          </a:prstGeom>
-          <a:noFill/>
-        </p:spPr>
-        <p:txBody>
-          <a:bodyPr wrap="none" rtlCol="0">
-            <a:spAutoFit/>
-          </a:bodyPr>
-          <a:lstStyle/>
-          <a:p>
-            <a:r>
-              <a:rPr lang="en-US" dirty="0" smtClean="0"/>
-              <a:t>On</a:t>
-            </a:r>
-            <a:endParaRPr lang="en-US" dirty="0"/>
-          </a:p>
-        </p:txBody>
-      </p:sp>
-      <p:cxnSp>
-        <p:nvCxnSpPr>
-          <p:cNvPr id="82" name="Straight Connector 81"/>
-          <p:cNvCxnSpPr/>
-          <p:nvPr/>
-        </p:nvCxnSpPr>
-        <p:spPr>
-          <a:xfrm flipV="1">
-            <a:off x="279830" y="5447729"/>
-            <a:ext cx="1715445" cy="6884"/>
-          </a:xfrm>
-          <a:prstGeom prst="line">
-            <a:avLst/>
-          </a:prstGeom>
-          <a:ln w="63500">
-            <a:solidFill>
-              <a:schemeClr val="tx1"/>
-            </a:solidFill>
-          </a:ln>
-        </p:spPr>
-        <p:style>
-          <a:lnRef idx="1">
-            <a:schemeClr val="accent1"/>
-          </a:lnRef>
-          <a:fillRef idx="0">
-            <a:schemeClr val="accent1"/>
-          </a:fillRef>
-          <a:effectRef idx="0">
-            <a:schemeClr val="accent1"/>
-          </a:effectRef>
-          <a:fontRef idx="minor">
-            <a:schemeClr val="tx1"/>
-          </a:fontRef>
-        </p:style>
-      </p:cxnSp>
-      <p:cxnSp>
-        <p:nvCxnSpPr>
-          <p:cNvPr id="83" name="Straight Connector 82"/>
-          <p:cNvCxnSpPr/>
-          <p:nvPr/>
-        </p:nvCxnSpPr>
-        <p:spPr>
-          <a:xfrm>
-            <a:off x="2660264" y="5161128"/>
-            <a:ext cx="0" cy="308542"/>
-          </a:xfrm>
-          <a:prstGeom prst="line">
-            <a:avLst/>
-          </a:prstGeom>
-          <a:ln w="63500">
-            <a:solidFill>
-              <a:schemeClr val="tx1"/>
-            </a:solidFill>
-          </a:ln>
-        </p:spPr>
-        <p:style>
-          <a:lnRef idx="1">
-            <a:schemeClr val="accent1"/>
-          </a:lnRef>
-          <a:fillRef idx="0">
-            <a:schemeClr val="accent1"/>
-          </a:fillRef>
-          <a:effectRef idx="0">
-            <a:schemeClr val="accent1"/>
-          </a:effectRef>
-          <a:fontRef idx="minor">
-            <a:schemeClr val="tx1"/>
-          </a:fontRef>
-        </p:style>
-      </p:cxnSp>
-      <p:cxnSp>
-        <p:nvCxnSpPr>
-          <p:cNvPr id="84" name="Straight Arrow Connector 83"/>
-          <p:cNvCxnSpPr/>
-          <p:nvPr/>
-        </p:nvCxnSpPr>
-        <p:spPr>
-          <a:xfrm>
-            <a:off x="2645306" y="5184059"/>
-            <a:ext cx="308542" cy="0"/>
-          </a:xfrm>
-          <a:prstGeom prst="straightConnector1">
-            <a:avLst/>
-          </a:prstGeom>
-          <a:ln w="63500">
-            <a:solidFill>
-              <a:schemeClr val="tx1"/>
-            </a:solidFill>
-            <a:tailEnd type="triangle"/>
-          </a:ln>
-        </p:spPr>
-        <p:style>
-          <a:lnRef idx="1">
-            <a:schemeClr val="accent1"/>
-          </a:lnRef>
-          <a:fillRef idx="0">
-            <a:schemeClr val="accent1"/>
-          </a:fillRef>
-          <a:effectRef idx="0">
-            <a:schemeClr val="accent1"/>
-          </a:effectRef>
-          <a:fontRef idx="minor">
-            <a:schemeClr val="tx1"/>
-          </a:fontRef>
-        </p:style>
-      </p:cxnSp>
-      <p:cxnSp>
-        <p:nvCxnSpPr>
-          <p:cNvPr id="85" name="Straight Connector 84"/>
-          <p:cNvCxnSpPr/>
-          <p:nvPr/>
-        </p:nvCxnSpPr>
-        <p:spPr>
-          <a:xfrm>
-            <a:off x="2236205" y="5454613"/>
-            <a:ext cx="1173229" cy="0"/>
-          </a:xfrm>
-          <a:prstGeom prst="line">
-            <a:avLst/>
-          </a:prstGeom>
-          <a:ln w="63500">
-            <a:solidFill>
-              <a:schemeClr val="tx1"/>
-            </a:solidFill>
-          </a:ln>
-        </p:spPr>
-        <p:style>
-          <a:lnRef idx="1">
-            <a:schemeClr val="accent1"/>
-          </a:lnRef>
-          <a:fillRef idx="0">
-            <a:schemeClr val="accent1"/>
-          </a:fillRef>
-          <a:effectRef idx="0">
-            <a:schemeClr val="accent1"/>
-          </a:effectRef>
-          <a:fontRef idx="minor">
-            <a:schemeClr val="tx1"/>
-          </a:fontRef>
-        </p:style>
-      </p:cxnSp>
-      <p:sp>
-        <p:nvSpPr>
-          <p:cNvPr id="86" name="Rectangle 85"/>
-          <p:cNvSpPr/>
-          <p:nvPr/>
-        </p:nvSpPr>
-        <p:spPr>
-          <a:xfrm>
-            <a:off x="850835" y="5391163"/>
-            <a:ext cx="567997" cy="85877"/>
-          </a:xfrm>
-          <a:prstGeom prst="rect">
-            <a:avLst/>
-          </a:prstGeom>
-          <a:solidFill>
-            <a:schemeClr val="accent2">
-              <a:lumMod val="75000"/>
-            </a:schemeClr>
-          </a:solidFill>
-          <a:ln>
-            <a:noFill/>
-          </a:ln>
-        </p:spPr>
-        <p:style>
-          <a:lnRef idx="2">
-            <a:schemeClr val="accent1">
-              <a:shade val="50000"/>
-            </a:schemeClr>
-          </a:lnRef>
-          <a:fillRef idx="1">
-            <a:schemeClr val="accent1"/>
-          </a:fillRef>
-          <a:effectRef idx="0">
-            <a:schemeClr val="accent1"/>
-          </a:effectRef>
-          <a:fontRef idx="minor">
-            <a:schemeClr val="lt1"/>
-          </a:fontRef>
-        </p:style>
-        <p:txBody>
-          <a:bodyPr rot="0" spcFirstLastPara="0" vertOverflow="overflow" horzOverflow="overflow" vert="horz" wrap="square" lIns="91440" tIns="45720" rIns="91440" bIns="45720" numCol="1" spcCol="0" rtlCol="0" fromWordArt="0" anchor="ctr" anchorCtr="0" forceAA="0" compatLnSpc="1">
-            <a:prstTxWarp prst="textNoShape">
-              <a:avLst/>
-            </a:prstTxWarp>
-            <a:noAutofit/>
-          </a:bodyPr>
-          <a:lstStyle/>
-          <a:p>
-            <a:pPr algn="ctr"/>
-            <a:endParaRPr lang="en-US"/>
-          </a:p>
-        </p:txBody>
-      </p:sp>
-      <p:cxnSp>
-        <p:nvCxnSpPr>
-          <p:cNvPr id="88" name="Straight Connector 87"/>
-          <p:cNvCxnSpPr/>
-          <p:nvPr/>
-        </p:nvCxnSpPr>
-        <p:spPr>
-          <a:xfrm flipH="1">
-            <a:off x="2133881" y="5366957"/>
-            <a:ext cx="200310" cy="161540"/>
-          </a:xfrm>
-          <a:prstGeom prst="line">
-            <a:avLst/>
-          </a:prstGeom>
-          <a:ln w="63500">
-            <a:solidFill>
-              <a:schemeClr val="tx1"/>
-            </a:solidFill>
-          </a:ln>
-        </p:spPr>
-        <p:style>
-          <a:lnRef idx="1">
-            <a:schemeClr val="accent1"/>
-          </a:lnRef>
-          <a:fillRef idx="0">
-            <a:schemeClr val="accent1"/>
-          </a:fillRef>
-          <a:effectRef idx="0">
-            <a:schemeClr val="accent1"/>
-          </a:effectRef>
-          <a:fontRef idx="minor">
-            <a:schemeClr val="tx1"/>
-          </a:fontRef>
-        </p:style>
-      </p:cxnSp>
-      <p:cxnSp>
-        <p:nvCxnSpPr>
-          <p:cNvPr id="89" name="Straight Connector 88"/>
-          <p:cNvCxnSpPr/>
-          <p:nvPr/>
-        </p:nvCxnSpPr>
-        <p:spPr>
-          <a:xfrm flipH="1">
-            <a:off x="1894774" y="5366957"/>
-            <a:ext cx="200310" cy="161540"/>
-          </a:xfrm>
-          <a:prstGeom prst="line">
-            <a:avLst/>
-          </a:prstGeom>
-          <a:ln w="63500">
-            <a:solidFill>
-              <a:schemeClr val="tx1"/>
-            </a:solidFill>
-          </a:ln>
-        </p:spPr>
-        <p:style>
-          <a:lnRef idx="1">
-            <a:schemeClr val="accent1"/>
-          </a:lnRef>
-          <a:fillRef idx="0">
-            <a:schemeClr val="accent1"/>
-          </a:fillRef>
-          <a:effectRef idx="0">
-            <a:schemeClr val="accent1"/>
-          </a:effectRef>
-          <a:fontRef idx="minor">
-            <a:schemeClr val="tx1"/>
-          </a:fontRef>
-        </p:style>
-      </p:cxnSp>
-      <p:cxnSp>
-        <p:nvCxnSpPr>
-          <p:cNvPr id="41" name="Straight Connector 40"/>
-          <p:cNvCxnSpPr/>
-          <p:nvPr/>
-        </p:nvCxnSpPr>
-        <p:spPr>
-          <a:xfrm>
-            <a:off x="4746941" y="2990789"/>
-            <a:ext cx="2278780" cy="1"/>
-          </a:xfrm>
-          <a:prstGeom prst="line">
-            <a:avLst/>
-          </a:prstGeom>
-          <a:ln w="63500">
-            <a:solidFill>
-              <a:schemeClr val="tx1"/>
-            </a:solidFill>
-          </a:ln>
-        </p:spPr>
-        <p:style>
-          <a:lnRef idx="1">
-            <a:schemeClr val="accent1"/>
-          </a:lnRef>
-          <a:fillRef idx="0">
-            <a:schemeClr val="accent1"/>
-          </a:fillRef>
-          <a:effectRef idx="0">
-            <a:schemeClr val="accent1"/>
-          </a:effectRef>
-          <a:fontRef idx="minor">
-            <a:schemeClr val="tx1"/>
-          </a:fontRef>
-        </p:style>
-      </p:cxnSp>
-      <p:cxnSp>
-        <p:nvCxnSpPr>
-          <p:cNvPr id="42" name="Straight Connector 41"/>
-          <p:cNvCxnSpPr/>
-          <p:nvPr/>
-        </p:nvCxnSpPr>
-        <p:spPr>
-          <a:xfrm>
-            <a:off x="7690710" y="2704189"/>
-            <a:ext cx="0" cy="308542"/>
-          </a:xfrm>
-          <a:prstGeom prst="line">
-            <a:avLst/>
-          </a:prstGeom>
-          <a:ln w="63500">
-            <a:solidFill>
-              <a:schemeClr val="tx1"/>
-            </a:solidFill>
-          </a:ln>
-        </p:spPr>
-        <p:style>
-          <a:lnRef idx="1">
-            <a:schemeClr val="accent1"/>
-          </a:lnRef>
-          <a:fillRef idx="0">
-            <a:schemeClr val="accent1"/>
-          </a:fillRef>
-          <a:effectRef idx="0">
-            <a:schemeClr val="accent1"/>
-          </a:effectRef>
-          <a:fontRef idx="minor">
-            <a:schemeClr val="tx1"/>
-          </a:fontRef>
-        </p:style>
-      </p:cxnSp>
-      <p:cxnSp>
-        <p:nvCxnSpPr>
-          <p:cNvPr id="44" name="Straight Arrow Connector 43"/>
-          <p:cNvCxnSpPr/>
-          <p:nvPr/>
-        </p:nvCxnSpPr>
-        <p:spPr>
-          <a:xfrm>
-            <a:off x="7675752" y="2727120"/>
-            <a:ext cx="308542" cy="0"/>
-          </a:xfrm>
-          <a:prstGeom prst="straightConnector1">
-            <a:avLst/>
-          </a:prstGeom>
-          <a:ln w="63500">
-            <a:solidFill>
-              <a:schemeClr val="tx1"/>
-            </a:solidFill>
-            <a:tailEnd type="triangle"/>
-          </a:ln>
-        </p:spPr>
-        <p:style>
-          <a:lnRef idx="1">
-            <a:schemeClr val="accent1"/>
-          </a:lnRef>
-          <a:fillRef idx="0">
-            <a:schemeClr val="accent1"/>
-          </a:fillRef>
-          <a:effectRef idx="0">
-            <a:schemeClr val="accent1"/>
-          </a:effectRef>
-          <a:fontRef idx="minor">
-            <a:schemeClr val="tx1"/>
-          </a:fontRef>
-        </p:style>
-      </p:cxnSp>
-      <p:cxnSp>
-        <p:nvCxnSpPr>
-          <p:cNvPr id="45" name="Straight Connector 44"/>
-          <p:cNvCxnSpPr/>
-          <p:nvPr/>
-        </p:nvCxnSpPr>
-        <p:spPr>
-          <a:xfrm>
-            <a:off x="7266651" y="2997674"/>
-            <a:ext cx="1173229" cy="0"/>
-          </a:xfrm>
-          <a:prstGeom prst="line">
-            <a:avLst/>
-          </a:prstGeom>
-          <a:ln w="63500">
-            <a:solidFill>
-              <a:schemeClr val="tx1"/>
-            </a:solidFill>
-          </a:ln>
-        </p:spPr>
-        <p:style>
-          <a:lnRef idx="1">
-            <a:schemeClr val="accent1"/>
-          </a:lnRef>
-          <a:fillRef idx="0">
-            <a:schemeClr val="accent1"/>
-          </a:fillRef>
-          <a:effectRef idx="0">
-            <a:schemeClr val="accent1"/>
-          </a:effectRef>
-          <a:fontRef idx="minor">
-            <a:schemeClr val="tx1"/>
-          </a:fontRef>
-        </p:style>
-      </p:cxnSp>
-      <p:sp>
-        <p:nvSpPr>
-          <p:cNvPr id="46" name="Rectangle 45"/>
-          <p:cNvSpPr/>
-          <p:nvPr/>
-        </p:nvSpPr>
-        <p:spPr>
-          <a:xfrm>
-            <a:off x="6026005" y="2947850"/>
-            <a:ext cx="567997" cy="85877"/>
-          </a:xfrm>
-          <a:prstGeom prst="rect">
-            <a:avLst/>
-          </a:prstGeom>
-          <a:solidFill>
-            <a:schemeClr val="accent2">
-              <a:lumMod val="75000"/>
-            </a:schemeClr>
-          </a:solidFill>
-          <a:ln>
-            <a:noFill/>
-          </a:ln>
-        </p:spPr>
-        <p:style>
-          <a:lnRef idx="2">
-            <a:schemeClr val="accent1">
-              <a:shade val="50000"/>
-            </a:schemeClr>
-          </a:lnRef>
-          <a:fillRef idx="1">
-            <a:schemeClr val="accent1"/>
-          </a:fillRef>
-          <a:effectRef idx="0">
-            <a:schemeClr val="accent1"/>
-          </a:effectRef>
-          <a:fontRef idx="minor">
-            <a:schemeClr val="lt1"/>
-          </a:fontRef>
-        </p:style>
-        <p:txBody>
-          <a:bodyPr rot="0" spcFirstLastPara="0" vertOverflow="overflow" horzOverflow="overflow" vert="horz" wrap="square" lIns="91440" tIns="45720" rIns="91440" bIns="45720" numCol="1" spcCol="0" rtlCol="0" fromWordArt="0" anchor="ctr" anchorCtr="0" forceAA="0" compatLnSpc="1">
-            <a:prstTxWarp prst="textNoShape">
-              <a:avLst/>
-            </a:prstTxWarp>
-            <a:noAutofit/>
-          </a:bodyPr>
-          <a:lstStyle/>
-          <a:p>
-            <a:pPr algn="ctr"/>
-            <a:endParaRPr lang="en-US"/>
-          </a:p>
-        </p:txBody>
-      </p:sp>
-      <p:sp>
-        <p:nvSpPr>
-          <p:cNvPr id="47" name="Rectangle 46"/>
-          <p:cNvSpPr/>
-          <p:nvPr/>
-        </p:nvSpPr>
-        <p:spPr>
-          <a:xfrm flipV="1">
-            <a:off x="5102475" y="2947850"/>
-            <a:ext cx="567997" cy="85877"/>
-          </a:xfrm>
-          <a:prstGeom prst="rect">
-            <a:avLst/>
-          </a:prstGeom>
-          <a:solidFill>
-            <a:schemeClr val="accent2">
-              <a:lumMod val="75000"/>
-            </a:schemeClr>
-          </a:solidFill>
-          <a:ln>
-            <a:noFill/>
-          </a:ln>
-        </p:spPr>
-        <p:style>
-          <a:lnRef idx="2">
-            <a:schemeClr val="accent1">
-              <a:shade val="50000"/>
-            </a:schemeClr>
-          </a:lnRef>
-          <a:fillRef idx="1">
-            <a:schemeClr val="accent1"/>
-          </a:fillRef>
-          <a:effectRef idx="0">
-            <a:schemeClr val="accent1"/>
-          </a:effectRef>
-          <a:fontRef idx="minor">
-            <a:schemeClr val="lt1"/>
-          </a:fontRef>
-        </p:style>
-        <p:txBody>
-          <a:bodyPr rot="0" spcFirstLastPara="0" vertOverflow="overflow" horzOverflow="overflow" vert="horz" wrap="square" lIns="91440" tIns="45720" rIns="91440" bIns="45720" numCol="1" spcCol="0" rtlCol="0" fromWordArt="0" anchor="ctr" anchorCtr="0" forceAA="0" compatLnSpc="1">
-            <a:prstTxWarp prst="textNoShape">
-              <a:avLst/>
-            </a:prstTxWarp>
-            <a:noAutofit/>
-          </a:bodyPr>
-          <a:lstStyle/>
-          <a:p>
-            <a:pPr algn="ctr"/>
-            <a:endParaRPr lang="en-US"/>
-          </a:p>
-        </p:txBody>
-      </p:sp>
-      <p:cxnSp>
-        <p:nvCxnSpPr>
-          <p:cNvPr id="48" name="Straight Connector 47"/>
-          <p:cNvCxnSpPr/>
-          <p:nvPr/>
-        </p:nvCxnSpPr>
-        <p:spPr>
-          <a:xfrm flipH="1">
-            <a:off x="7164327" y="2910018"/>
-            <a:ext cx="200310" cy="161540"/>
-          </a:xfrm>
-          <a:prstGeom prst="line">
-            <a:avLst/>
-          </a:prstGeom>
-          <a:ln w="63500">
-            <a:solidFill>
-              <a:schemeClr val="tx1"/>
-            </a:solidFill>
-          </a:ln>
-        </p:spPr>
-        <p:style>
-          <a:lnRef idx="1">
-            <a:schemeClr val="accent1"/>
-          </a:lnRef>
-          <a:fillRef idx="0">
-            <a:schemeClr val="accent1"/>
-          </a:fillRef>
-          <a:effectRef idx="0">
-            <a:schemeClr val="accent1"/>
-          </a:effectRef>
-          <a:fontRef idx="minor">
-            <a:schemeClr val="tx1"/>
-          </a:fontRef>
-        </p:style>
-      </p:cxnSp>
-      <p:cxnSp>
-        <p:nvCxnSpPr>
-          <p:cNvPr id="49" name="Straight Connector 48"/>
-          <p:cNvCxnSpPr/>
-          <p:nvPr/>
-        </p:nvCxnSpPr>
-        <p:spPr>
-          <a:xfrm flipH="1">
-            <a:off x="6925220" y="2910018"/>
-            <a:ext cx="200310" cy="161540"/>
-          </a:xfrm>
-          <a:prstGeom prst="line">
-            <a:avLst/>
-          </a:prstGeom>
-          <a:ln w="63500">
-            <a:solidFill>
-              <a:schemeClr val="tx1"/>
-            </a:solidFill>
-          </a:ln>
-        </p:spPr>
-        <p:style>
-          <a:lnRef idx="1">
-            <a:schemeClr val="accent1"/>
-          </a:lnRef>
-          <a:fillRef idx="0">
-            <a:schemeClr val="accent1"/>
-          </a:fillRef>
-          <a:effectRef idx="0">
-            <a:schemeClr val="accent1"/>
-          </a:effectRef>
-          <a:fontRef idx="minor">
-            <a:schemeClr val="tx1"/>
-          </a:fontRef>
-        </p:style>
-      </p:cxnSp>
-      <p:sp>
-        <p:nvSpPr>
-          <p:cNvPr id="50" name="Oval 49"/>
-          <p:cNvSpPr/>
-          <p:nvPr/>
-        </p:nvSpPr>
-        <p:spPr>
-          <a:xfrm>
-            <a:off x="6171972" y="2721610"/>
-            <a:ext cx="276063" cy="276063"/>
-          </a:xfrm>
-          <a:prstGeom prst="ellipse">
-            <a:avLst/>
-          </a:prstGeom>
-        </p:spPr>
-        <p:style>
-          <a:lnRef idx="2">
-            <a:schemeClr val="accent1">
-              <a:shade val="50000"/>
-            </a:schemeClr>
-          </a:lnRef>
-          <a:fillRef idx="1">
-            <a:schemeClr val="accent1"/>
-          </a:fillRef>
-          <a:effectRef idx="0">
-            <a:schemeClr val="accent1"/>
-          </a:effectRef>
-          <a:fontRef idx="minor">
-            <a:schemeClr val="lt1"/>
-          </a:fontRef>
-        </p:style>
-        <p:txBody>
-          <a:bodyPr rot="0" spcFirstLastPara="0" vertOverflow="overflow" horzOverflow="overflow" vert="horz" wrap="square" lIns="91440" tIns="45720" rIns="91440" bIns="45720" numCol="1" spcCol="0" rtlCol="0" fromWordArt="0" anchor="ctr" anchorCtr="0" forceAA="0" compatLnSpc="1">
-            <a:prstTxWarp prst="textNoShape">
-              <a:avLst/>
-            </a:prstTxWarp>
-            <a:noAutofit/>
-          </a:bodyPr>
-          <a:lstStyle/>
-          <a:p>
-            <a:pPr algn="ctr"/>
-            <a:r>
-              <a:rPr lang="en-US" dirty="0"/>
-              <a:t>A</a:t>
-            </a:r>
-          </a:p>
-        </p:txBody>
-      </p:sp>
-      <p:sp>
-        <p:nvSpPr>
-          <p:cNvPr id="51" name="Arc 50"/>
-          <p:cNvSpPr/>
-          <p:nvPr/>
-        </p:nvSpPr>
-        <p:spPr>
-          <a:xfrm>
-            <a:off x="6314964" y="2264760"/>
-            <a:ext cx="1355250" cy="602321"/>
-          </a:xfrm>
-          <a:prstGeom prst="arc">
-            <a:avLst>
-              <a:gd name="adj1" fmla="val 10794464"/>
-              <a:gd name="adj2" fmla="val 0"/>
-            </a:avLst>
-          </a:prstGeom>
-          <a:ln w="25400" cap="sq">
-            <a:solidFill>
-              <a:schemeClr val="bg1">
-                <a:lumMod val="50000"/>
-              </a:schemeClr>
-            </a:solidFill>
-            <a:tailEnd type="triangle"/>
-          </a:ln>
-        </p:spPr>
-        <p:style>
-          <a:lnRef idx="1">
-            <a:schemeClr val="accent1"/>
-          </a:lnRef>
-          <a:fillRef idx="0">
-            <a:schemeClr val="accent1"/>
-          </a:fillRef>
-          <a:effectRef idx="0">
-            <a:schemeClr val="accent1"/>
-          </a:effectRef>
-          <a:fontRef idx="minor">
-            <a:schemeClr val="tx1"/>
-          </a:fontRef>
-        </p:style>
-        <p:txBody>
-          <a:bodyPr rot="0" spcFirstLastPara="0" vertOverflow="overflow" horzOverflow="overflow" vert="horz" wrap="square" lIns="91440" tIns="45720" rIns="91440" bIns="45720" numCol="1" spcCol="0" rtlCol="0" fromWordArt="0" anchor="ctr" anchorCtr="0" forceAA="0" compatLnSpc="1">
-            <a:prstTxWarp prst="textNoShape">
-              <a:avLst/>
-            </a:prstTxWarp>
-            <a:noAutofit/>
-          </a:bodyPr>
-          <a:lstStyle/>
-          <a:p>
-            <a:pPr algn="ctr"/>
-            <a:endParaRPr lang="en-US"/>
-          </a:p>
-        </p:txBody>
-      </p:sp>
-      <p:sp>
-        <p:nvSpPr>
-          <p:cNvPr id="52" name="Oval 51"/>
-          <p:cNvSpPr/>
-          <p:nvPr/>
-        </p:nvSpPr>
-        <p:spPr>
-          <a:xfrm>
-            <a:off x="5248441" y="2721610"/>
-            <a:ext cx="276063" cy="276063"/>
-          </a:xfrm>
-          <a:prstGeom prst="ellipse">
-            <a:avLst/>
-          </a:prstGeom>
-        </p:spPr>
-        <p:style>
-          <a:lnRef idx="2">
-            <a:schemeClr val="accent1">
-              <a:shade val="50000"/>
-            </a:schemeClr>
-          </a:lnRef>
-          <a:fillRef idx="1">
-            <a:schemeClr val="accent1"/>
-          </a:fillRef>
-          <a:effectRef idx="0">
-            <a:schemeClr val="accent1"/>
-          </a:effectRef>
-          <a:fontRef idx="minor">
-            <a:schemeClr val="lt1"/>
-          </a:fontRef>
-        </p:style>
-        <p:txBody>
-          <a:bodyPr rot="0" spcFirstLastPara="0" vertOverflow="overflow" horzOverflow="overflow" vert="horz" wrap="square" lIns="91440" tIns="45720" rIns="91440" bIns="45720" numCol="1" spcCol="0" rtlCol="0" fromWordArt="0" anchor="ctr" anchorCtr="0" forceAA="0" compatLnSpc="1">
-            <a:prstTxWarp prst="textNoShape">
-              <a:avLst/>
-            </a:prstTxWarp>
-            <a:noAutofit/>
-          </a:bodyPr>
-          <a:lstStyle/>
-          <a:p>
-            <a:pPr algn="ctr"/>
-            <a:r>
-              <a:rPr lang="en-US" dirty="0" smtClean="0"/>
-              <a:t>R</a:t>
-            </a:r>
-            <a:endParaRPr lang="en-US" dirty="0"/>
-          </a:p>
-        </p:txBody>
-      </p:sp>
-      <p:sp>
-        <p:nvSpPr>
-          <p:cNvPr id="53" name="Oval 52"/>
-          <p:cNvSpPr/>
-          <p:nvPr/>
-        </p:nvSpPr>
-        <p:spPr>
-          <a:xfrm>
-            <a:off x="4949793" y="2415148"/>
-            <a:ext cx="923531" cy="340822"/>
-          </a:xfrm>
-          <a:prstGeom prst="ellipse">
-            <a:avLst/>
-          </a:prstGeom>
-        </p:spPr>
-        <p:style>
-          <a:lnRef idx="2">
-            <a:schemeClr val="accent1">
-              <a:shade val="50000"/>
-            </a:schemeClr>
-          </a:lnRef>
-          <a:fillRef idx="1">
-            <a:schemeClr val="accent1"/>
-          </a:fillRef>
-          <a:effectRef idx="0">
-            <a:schemeClr val="accent1"/>
-          </a:effectRef>
-          <a:fontRef idx="minor">
-            <a:schemeClr val="lt1"/>
-          </a:fontRef>
-        </p:style>
-        <p:txBody>
-          <a:bodyPr rtlCol="0" anchor="ctr"/>
-          <a:lstStyle/>
-          <a:p>
-            <a:pPr algn="ctr"/>
-            <a:r>
-              <a:rPr lang="en-US" dirty="0" smtClean="0"/>
-              <a:t>Co-R</a:t>
-            </a:r>
-            <a:endParaRPr lang="en-US" dirty="0"/>
-          </a:p>
-        </p:txBody>
-      </p:sp>
-      <p:sp>
-        <p:nvSpPr>
-          <p:cNvPr id="54" name="TextBox 53"/>
-          <p:cNvSpPr txBox="1"/>
-          <p:nvPr/>
-        </p:nvSpPr>
-        <p:spPr>
-          <a:xfrm>
-            <a:off x="7963916" y="2526503"/>
-            <a:ext cx="458780" cy="369332"/>
-          </a:xfrm>
-          <a:prstGeom prst="rect">
-            <a:avLst/>
-          </a:prstGeom>
-          <a:noFill/>
-        </p:spPr>
-        <p:txBody>
-          <a:bodyPr wrap="none" rtlCol="0">
-            <a:spAutoFit/>
-          </a:bodyPr>
-          <a:lstStyle/>
-          <a:p>
-            <a:r>
-              <a:rPr lang="en-US" dirty="0" smtClean="0"/>
-              <a:t>On</a:t>
-            </a:r>
-            <a:endParaRPr lang="en-US" dirty="0"/>
-          </a:p>
-        </p:txBody>
-      </p:sp>
-      <p:sp>
-        <p:nvSpPr>
-          <p:cNvPr id="55" name="TextBox 54"/>
-          <p:cNvSpPr txBox="1"/>
-          <p:nvPr/>
-        </p:nvSpPr>
-        <p:spPr>
-          <a:xfrm>
-            <a:off x="7963916" y="2526503"/>
-            <a:ext cx="475964" cy="369332"/>
-          </a:xfrm>
-          <a:prstGeom prst="rect">
-            <a:avLst/>
-          </a:prstGeom>
-          <a:noFill/>
-        </p:spPr>
-        <p:txBody>
-          <a:bodyPr wrap="none" rtlCol="0">
-            <a:spAutoFit/>
-          </a:bodyPr>
-          <a:lstStyle/>
-          <a:p>
-            <a:r>
-              <a:rPr lang="en-US" smtClean="0"/>
-              <a:t>Off</a:t>
-            </a:r>
-            <a:endParaRPr lang="en-US" dirty="0"/>
-          </a:p>
-        </p:txBody>
-      </p:sp>
-      <p:grpSp>
-        <p:nvGrpSpPr>
-          <p:cNvPr id="56" name="Group 55"/>
-          <p:cNvGrpSpPr/>
-          <p:nvPr/>
-        </p:nvGrpSpPr>
-        <p:grpSpPr>
-          <a:xfrm>
-            <a:off x="5386471" y="1886713"/>
-            <a:ext cx="1772246" cy="648408"/>
-            <a:chOff x="3573230" y="3124668"/>
-            <a:chExt cx="1772246" cy="648408"/>
-          </a:xfrm>
-        </p:grpSpPr>
-        <p:sp>
-          <p:nvSpPr>
-            <p:cNvPr id="57" name="Arc 56"/>
-            <p:cNvSpPr/>
-            <p:nvPr/>
-          </p:nvSpPr>
-          <p:spPr>
-            <a:xfrm>
-              <a:off x="3573230" y="3124668"/>
-              <a:ext cx="1639249" cy="648408"/>
-            </a:xfrm>
-            <a:prstGeom prst="arc">
-              <a:avLst>
-                <a:gd name="adj1" fmla="val 10794464"/>
-                <a:gd name="adj2" fmla="val 21473582"/>
-              </a:avLst>
-            </a:prstGeom>
-            <a:ln w="25400" cap="sq">
-              <a:solidFill>
-                <a:schemeClr val="bg1">
-                  <a:lumMod val="50000"/>
-                </a:schemeClr>
-              </a:solidFill>
-              <a:tailEnd type="none"/>
-            </a:ln>
-          </p:spPr>
-          <p:style>
-            <a:lnRef idx="1">
-              <a:schemeClr val="accent1"/>
-            </a:lnRef>
-            <a:fillRef idx="0">
-              <a:schemeClr val="accent1"/>
-            </a:fillRef>
-            <a:effectRef idx="0">
-              <a:schemeClr val="accent1"/>
-            </a:effectRef>
-            <a:fontRef idx="minor">
-              <a:schemeClr val="tx1"/>
-            </a:fontRef>
-          </p:style>
-          <p:txBody>
-            <a:bodyPr rot="0" spcFirstLastPara="0" vertOverflow="overflow" horzOverflow="overflow" vert="horz" wrap="square" lIns="91440" tIns="45720" rIns="91440" bIns="45720" numCol="1" spcCol="0" rtlCol="0" fromWordArt="0" anchor="ctr" anchorCtr="0" forceAA="0" compatLnSpc="1">
-              <a:prstTxWarp prst="textNoShape">
-                <a:avLst/>
-              </a:prstTxWarp>
-              <a:noAutofit/>
-            </a:bodyPr>
-            <a:lstStyle/>
-            <a:p>
-              <a:pPr algn="ctr"/>
-              <a:endParaRPr lang="en-US"/>
-            </a:p>
-          </p:txBody>
-        </p:sp>
-        <p:cxnSp>
-          <p:nvCxnSpPr>
-            <p:cNvPr id="59" name="Straight Connector 58"/>
-            <p:cNvCxnSpPr/>
-            <p:nvPr/>
-          </p:nvCxnSpPr>
-          <p:spPr>
-            <a:xfrm>
-              <a:off x="5076205" y="3427597"/>
-              <a:ext cx="269271" cy="0"/>
-            </a:xfrm>
-            <a:prstGeom prst="line">
-              <a:avLst/>
-            </a:prstGeom>
-            <a:ln w="25400">
-              <a:solidFill>
-                <a:schemeClr val="bg1">
-                  <a:lumMod val="50000"/>
-                </a:schemeClr>
-              </a:solidFill>
-            </a:ln>
-          </p:spPr>
-          <p:style>
-            <a:lnRef idx="1">
-              <a:schemeClr val="accent1"/>
-            </a:lnRef>
-            <a:fillRef idx="0">
-              <a:schemeClr val="accent1"/>
-            </a:fillRef>
-            <a:effectRef idx="0">
-              <a:schemeClr val="accent1"/>
-            </a:effectRef>
-            <a:fontRef idx="minor">
-              <a:schemeClr val="tx1"/>
-            </a:fontRef>
-          </p:style>
-        </p:cxnSp>
-      </p:grpSp>
-      <p:sp>
-        <p:nvSpPr>
-          <p:cNvPr id="60" name="Oval 59"/>
-          <p:cNvSpPr/>
-          <p:nvPr/>
-        </p:nvSpPr>
-        <p:spPr>
-          <a:xfrm>
-            <a:off x="996801" y="5179982"/>
-            <a:ext cx="276063" cy="276063"/>
-          </a:xfrm>
-          <a:prstGeom prst="ellipse">
-            <a:avLst/>
-          </a:prstGeom>
-        </p:spPr>
-        <p:style>
-          <a:lnRef idx="2">
-            <a:schemeClr val="accent1">
-              <a:shade val="50000"/>
-            </a:schemeClr>
-          </a:lnRef>
-          <a:fillRef idx="1">
-            <a:schemeClr val="accent1"/>
-          </a:fillRef>
-          <a:effectRef idx="0">
-            <a:schemeClr val="accent1"/>
-          </a:effectRef>
-          <a:fontRef idx="minor">
-            <a:schemeClr val="lt1"/>
-          </a:fontRef>
-        </p:style>
-        <p:txBody>
-          <a:bodyPr rot="0" spcFirstLastPara="0" vertOverflow="overflow" horzOverflow="overflow" vert="horz" wrap="square" lIns="91440" tIns="45720" rIns="91440" bIns="45720" numCol="1" spcCol="0" rtlCol="0" fromWordArt="0" anchor="ctr" anchorCtr="0" forceAA="0" compatLnSpc="1">
-            <a:prstTxWarp prst="textNoShape">
-              <a:avLst/>
-            </a:prstTxWarp>
-            <a:noAutofit/>
-          </a:bodyPr>
-          <a:lstStyle/>
-          <a:p>
-            <a:pPr algn="ctr"/>
-            <a:r>
-              <a:rPr lang="en-US" dirty="0"/>
-              <a:t>F</a:t>
-            </a:r>
-          </a:p>
-        </p:txBody>
-      </p:sp>
-      <p:sp>
-        <p:nvSpPr>
-          <p:cNvPr id="6" name="Right Arrow 5"/>
-          <p:cNvSpPr/>
-          <p:nvPr/>
-        </p:nvSpPr>
-        <p:spPr>
-          <a:xfrm>
-            <a:off x="4186445" y="2377264"/>
-            <a:ext cx="414528" cy="371759"/>
-          </a:xfrm>
-          <a:prstGeom prst="rightArrow">
-            <a:avLst/>
-          </a:prstGeom>
-        </p:spPr>
-        <p:style>
-          <a:lnRef idx="2">
-            <a:schemeClr val="accent1">
-              <a:shade val="50000"/>
-            </a:schemeClr>
-          </a:lnRef>
-          <a:fillRef idx="1">
-            <a:schemeClr val="accent1"/>
-          </a:fillRef>
-          <a:effectRef idx="0">
-            <a:schemeClr val="accent1"/>
-          </a:effectRef>
-          <a:fontRef idx="minor">
-            <a:schemeClr val="lt1"/>
-          </a:fontRef>
-        </p:style>
-        <p:txBody>
-          <a:bodyPr rtlCol="0" anchor="ctr"/>
-          <a:lstStyle/>
-          <a:p>
-            <a:pPr algn="ctr"/>
-            <a:endParaRPr lang="en-US"/>
-          </a:p>
-        </p:txBody>
-      </p:sp>
-      <p:sp>
-        <p:nvSpPr>
-          <p:cNvPr id="61" name="Right Arrow 60"/>
-          <p:cNvSpPr/>
-          <p:nvPr/>
-        </p:nvSpPr>
-        <p:spPr>
-          <a:xfrm rot="19800000">
-            <a:off x="3943827" y="4550600"/>
-            <a:ext cx="414528" cy="371759"/>
-          </a:xfrm>
-          <a:prstGeom prst="rightArrow">
-            <a:avLst/>
-          </a:prstGeom>
-        </p:spPr>
-        <p:style>
-          <a:lnRef idx="2">
-            <a:schemeClr val="accent1">
-              <a:shade val="50000"/>
-            </a:schemeClr>
-          </a:lnRef>
-          <a:fillRef idx="1">
-            <a:schemeClr val="accent1"/>
-          </a:fillRef>
-          <a:effectRef idx="0">
-            <a:schemeClr val="accent1"/>
-          </a:effectRef>
-          <a:fontRef idx="minor">
-            <a:schemeClr val="lt1"/>
-          </a:fontRef>
-        </p:style>
-        <p:txBody>
-          <a:bodyPr rtlCol="0" anchor="ctr"/>
-          <a:lstStyle/>
-          <a:p>
-            <a:pPr algn="ctr"/>
-            <a:endParaRPr lang="en-US"/>
-          </a:p>
-        </p:txBody>
-      </p:sp>
-      <p:sp>
-        <p:nvSpPr>
-          <p:cNvPr id="62" name="Right Arrow 61"/>
-          <p:cNvSpPr/>
-          <p:nvPr/>
-        </p:nvSpPr>
-        <p:spPr>
-          <a:xfrm rot="1800000">
-            <a:off x="3910024" y="5761122"/>
-            <a:ext cx="414528" cy="371759"/>
-          </a:xfrm>
-          <a:prstGeom prst="rightArrow">
-            <a:avLst/>
-          </a:prstGeom>
-        </p:spPr>
-        <p:style>
-          <a:lnRef idx="2">
-            <a:schemeClr val="accent1">
-              <a:shade val="50000"/>
-            </a:schemeClr>
-          </a:lnRef>
-          <a:fillRef idx="1">
-            <a:schemeClr val="accent1"/>
-          </a:fillRef>
-          <a:effectRef idx="0">
-            <a:schemeClr val="accent1"/>
-          </a:effectRef>
-          <a:fontRef idx="minor">
-            <a:schemeClr val="lt1"/>
-          </a:fontRef>
-        </p:style>
-        <p:txBody>
-          <a:bodyPr rtlCol="0" anchor="ctr"/>
-          <a:lstStyle/>
-          <a:p>
-            <a:pPr algn="ctr"/>
-            <a:endParaRPr lang="en-US"/>
-          </a:p>
-        </p:txBody>
-      </p:sp>
-      <p:cxnSp>
-        <p:nvCxnSpPr>
-          <p:cNvPr id="63" name="Straight Connector 62"/>
-          <p:cNvCxnSpPr/>
-          <p:nvPr/>
-        </p:nvCxnSpPr>
-        <p:spPr>
-          <a:xfrm flipV="1">
-            <a:off x="4749626" y="4804494"/>
-            <a:ext cx="1715445" cy="6884"/>
-          </a:xfrm>
-          <a:prstGeom prst="line">
-            <a:avLst/>
-          </a:prstGeom>
-          <a:ln w="63500">
-            <a:solidFill>
-              <a:schemeClr val="tx1"/>
-            </a:solidFill>
-          </a:ln>
-        </p:spPr>
-        <p:style>
-          <a:lnRef idx="1">
-            <a:schemeClr val="accent1"/>
-          </a:lnRef>
-          <a:fillRef idx="0">
-            <a:schemeClr val="accent1"/>
-          </a:fillRef>
-          <a:effectRef idx="0">
-            <a:schemeClr val="accent1"/>
-          </a:effectRef>
-          <a:fontRef idx="minor">
-            <a:schemeClr val="tx1"/>
-          </a:fontRef>
-        </p:style>
-      </p:cxnSp>
-      <p:cxnSp>
-        <p:nvCxnSpPr>
-          <p:cNvPr id="64" name="Straight Connector 63"/>
-          <p:cNvCxnSpPr/>
-          <p:nvPr/>
-        </p:nvCxnSpPr>
-        <p:spPr>
-          <a:xfrm>
-            <a:off x="7130060" y="4517893"/>
-            <a:ext cx="0" cy="308542"/>
-          </a:xfrm>
-          <a:prstGeom prst="line">
-            <a:avLst/>
-          </a:prstGeom>
-          <a:ln w="63500">
-            <a:solidFill>
-              <a:schemeClr val="tx1"/>
-            </a:solidFill>
-          </a:ln>
-        </p:spPr>
-        <p:style>
-          <a:lnRef idx="1">
-            <a:schemeClr val="accent1"/>
-          </a:lnRef>
-          <a:fillRef idx="0">
-            <a:schemeClr val="accent1"/>
-          </a:fillRef>
-          <a:effectRef idx="0">
-            <a:schemeClr val="accent1"/>
-          </a:effectRef>
-          <a:fontRef idx="minor">
-            <a:schemeClr val="tx1"/>
-          </a:fontRef>
-        </p:style>
-      </p:cxnSp>
-      <p:cxnSp>
-        <p:nvCxnSpPr>
-          <p:cNvPr id="65" name="Straight Arrow Connector 64"/>
-          <p:cNvCxnSpPr/>
-          <p:nvPr/>
-        </p:nvCxnSpPr>
-        <p:spPr>
-          <a:xfrm>
-            <a:off x="7115102" y="4540824"/>
-            <a:ext cx="308542" cy="0"/>
-          </a:xfrm>
-          <a:prstGeom prst="straightConnector1">
-            <a:avLst/>
-          </a:prstGeom>
-          <a:ln w="63500">
-            <a:solidFill>
-              <a:schemeClr val="tx1"/>
-            </a:solidFill>
-            <a:tailEnd type="triangle"/>
-          </a:ln>
-        </p:spPr>
-        <p:style>
-          <a:lnRef idx="1">
-            <a:schemeClr val="accent1"/>
-          </a:lnRef>
-          <a:fillRef idx="0">
-            <a:schemeClr val="accent1"/>
-          </a:fillRef>
-          <a:effectRef idx="0">
-            <a:schemeClr val="accent1"/>
-          </a:effectRef>
-          <a:fontRef idx="minor">
-            <a:schemeClr val="tx1"/>
-          </a:fontRef>
-        </p:style>
-      </p:cxnSp>
-      <p:cxnSp>
-        <p:nvCxnSpPr>
-          <p:cNvPr id="67" name="Straight Connector 66"/>
-          <p:cNvCxnSpPr/>
-          <p:nvPr/>
-        </p:nvCxnSpPr>
-        <p:spPr>
-          <a:xfrm>
-            <a:off x="6706001" y="4811378"/>
-            <a:ext cx="1173229" cy="0"/>
-          </a:xfrm>
-          <a:prstGeom prst="line">
-            <a:avLst/>
-          </a:prstGeom>
-          <a:ln w="63500">
-            <a:solidFill>
-              <a:schemeClr val="tx1"/>
-            </a:solidFill>
-          </a:ln>
-        </p:spPr>
-        <p:style>
-          <a:lnRef idx="1">
-            <a:schemeClr val="accent1"/>
-          </a:lnRef>
-          <a:fillRef idx="0">
-            <a:schemeClr val="accent1"/>
-          </a:fillRef>
-          <a:effectRef idx="0">
-            <a:schemeClr val="accent1"/>
-          </a:effectRef>
-          <a:fontRef idx="minor">
-            <a:schemeClr val="tx1"/>
-          </a:fontRef>
-        </p:style>
-      </p:cxnSp>
-      <p:sp>
-        <p:nvSpPr>
-          <p:cNvPr id="68" name="Rectangle 67"/>
-          <p:cNvSpPr/>
-          <p:nvPr/>
-        </p:nvSpPr>
-        <p:spPr>
-          <a:xfrm>
-            <a:off x="5320631" y="4747928"/>
-            <a:ext cx="567997" cy="85877"/>
-          </a:xfrm>
-          <a:prstGeom prst="rect">
-            <a:avLst/>
-          </a:prstGeom>
-          <a:solidFill>
-            <a:schemeClr val="accent2">
-              <a:lumMod val="75000"/>
-            </a:schemeClr>
-          </a:solidFill>
-          <a:ln>
-            <a:noFill/>
-          </a:ln>
-        </p:spPr>
-        <p:style>
-          <a:lnRef idx="2">
-            <a:schemeClr val="accent1">
-              <a:shade val="50000"/>
-            </a:schemeClr>
-          </a:lnRef>
-          <a:fillRef idx="1">
-            <a:schemeClr val="accent1"/>
-          </a:fillRef>
-          <a:effectRef idx="0">
-            <a:schemeClr val="accent1"/>
-          </a:effectRef>
-          <a:fontRef idx="minor">
-            <a:schemeClr val="lt1"/>
-          </a:fontRef>
-        </p:style>
-        <p:txBody>
-          <a:bodyPr rot="0" spcFirstLastPara="0" vertOverflow="overflow" horzOverflow="overflow" vert="horz" wrap="square" lIns="91440" tIns="45720" rIns="91440" bIns="45720" numCol="1" spcCol="0" rtlCol="0" fromWordArt="0" anchor="ctr" anchorCtr="0" forceAA="0" compatLnSpc="1">
-            <a:prstTxWarp prst="textNoShape">
-              <a:avLst/>
-            </a:prstTxWarp>
-            <a:noAutofit/>
-          </a:bodyPr>
-          <a:lstStyle/>
-          <a:p>
-            <a:pPr algn="ctr"/>
-            <a:endParaRPr lang="en-US"/>
-          </a:p>
-        </p:txBody>
-      </p:sp>
-      <p:cxnSp>
-        <p:nvCxnSpPr>
-          <p:cNvPr id="72" name="Straight Connector 71"/>
-          <p:cNvCxnSpPr/>
-          <p:nvPr/>
-        </p:nvCxnSpPr>
-        <p:spPr>
-          <a:xfrm flipH="1">
-            <a:off x="6603677" y="4723722"/>
-            <a:ext cx="200310" cy="161540"/>
-          </a:xfrm>
-          <a:prstGeom prst="line">
-            <a:avLst/>
-          </a:prstGeom>
-          <a:ln w="63500">
-            <a:solidFill>
-              <a:schemeClr val="tx1"/>
-            </a:solidFill>
-          </a:ln>
-        </p:spPr>
-        <p:style>
-          <a:lnRef idx="1">
-            <a:schemeClr val="accent1"/>
-          </a:lnRef>
-          <a:fillRef idx="0">
-            <a:schemeClr val="accent1"/>
-          </a:fillRef>
-          <a:effectRef idx="0">
-            <a:schemeClr val="accent1"/>
-          </a:effectRef>
-          <a:fontRef idx="minor">
-            <a:schemeClr val="tx1"/>
-          </a:fontRef>
-        </p:style>
-      </p:cxnSp>
-      <p:cxnSp>
-        <p:nvCxnSpPr>
-          <p:cNvPr id="73" name="Straight Connector 72"/>
-          <p:cNvCxnSpPr/>
-          <p:nvPr/>
-        </p:nvCxnSpPr>
-        <p:spPr>
-          <a:xfrm flipH="1">
-            <a:off x="6364570" y="4723722"/>
-            <a:ext cx="200310" cy="161540"/>
-          </a:xfrm>
-          <a:prstGeom prst="line">
-            <a:avLst/>
-          </a:prstGeom>
-          <a:ln w="63500">
-            <a:solidFill>
-              <a:schemeClr val="tx1"/>
-            </a:solidFill>
-          </a:ln>
-        </p:spPr>
-        <p:style>
-          <a:lnRef idx="1">
-            <a:schemeClr val="accent1"/>
-          </a:lnRef>
-          <a:fillRef idx="0">
-            <a:schemeClr val="accent1"/>
-          </a:fillRef>
-          <a:effectRef idx="0">
-            <a:schemeClr val="accent1"/>
-          </a:effectRef>
-          <a:fontRef idx="minor">
-            <a:schemeClr val="tx1"/>
-          </a:fontRef>
-        </p:style>
-      </p:cxnSp>
-      <p:sp>
-        <p:nvSpPr>
-          <p:cNvPr id="74" name="TextBox 73"/>
-          <p:cNvSpPr txBox="1"/>
-          <p:nvPr/>
-        </p:nvSpPr>
-        <p:spPr>
-          <a:xfrm>
-            <a:off x="7403266" y="4340207"/>
-            <a:ext cx="458780" cy="369332"/>
-          </a:xfrm>
-          <a:prstGeom prst="rect">
-            <a:avLst/>
-          </a:prstGeom>
-          <a:noFill/>
-        </p:spPr>
-        <p:txBody>
-          <a:bodyPr wrap="none" rtlCol="0">
-            <a:spAutoFit/>
-          </a:bodyPr>
-          <a:lstStyle/>
-          <a:p>
-            <a:r>
-              <a:rPr lang="en-US" dirty="0" smtClean="0"/>
-              <a:t>On</a:t>
-            </a:r>
-            <a:endParaRPr lang="en-US" dirty="0"/>
-          </a:p>
-        </p:txBody>
-      </p:sp>
-      <p:sp>
-        <p:nvSpPr>
-          <p:cNvPr id="77" name="Oval 76"/>
-          <p:cNvSpPr/>
-          <p:nvPr/>
-        </p:nvSpPr>
-        <p:spPr>
-          <a:xfrm>
-            <a:off x="5466597" y="4536747"/>
-            <a:ext cx="276063" cy="276063"/>
-          </a:xfrm>
-          <a:prstGeom prst="ellipse">
-            <a:avLst/>
-          </a:prstGeom>
-        </p:spPr>
-        <p:style>
-          <a:lnRef idx="2">
-            <a:schemeClr val="accent1">
-              <a:shade val="50000"/>
-            </a:schemeClr>
-          </a:lnRef>
-          <a:fillRef idx="1">
-            <a:schemeClr val="accent1"/>
-          </a:fillRef>
-          <a:effectRef idx="0">
-            <a:schemeClr val="accent1"/>
-          </a:effectRef>
-          <a:fontRef idx="minor">
-            <a:schemeClr val="lt1"/>
-          </a:fontRef>
-        </p:style>
-        <p:txBody>
-          <a:bodyPr rot="0" spcFirstLastPara="0" vertOverflow="overflow" horzOverflow="overflow" vert="horz" wrap="square" lIns="91440" tIns="45720" rIns="91440" bIns="45720" numCol="1" spcCol="0" rtlCol="0" fromWordArt="0" anchor="ctr" anchorCtr="0" forceAA="0" compatLnSpc="1">
-            <a:prstTxWarp prst="textNoShape">
-              <a:avLst/>
-            </a:prstTxWarp>
-            <a:noAutofit/>
-          </a:bodyPr>
-          <a:lstStyle/>
-          <a:p>
-            <a:pPr algn="ctr"/>
-            <a:r>
-              <a:rPr lang="en-US" dirty="0"/>
-              <a:t>F</a:t>
-            </a:r>
-          </a:p>
-        </p:txBody>
-      </p:sp>
-      <p:sp>
-        <p:nvSpPr>
-          <p:cNvPr id="78" name="Oval 77"/>
-          <p:cNvSpPr/>
-          <p:nvPr/>
-        </p:nvSpPr>
-        <p:spPr>
-          <a:xfrm>
-            <a:off x="5142862" y="4202808"/>
-            <a:ext cx="923531" cy="340822"/>
-          </a:xfrm>
-          <a:prstGeom prst="ellipse">
-            <a:avLst/>
-          </a:prstGeom>
-        </p:spPr>
-        <p:style>
-          <a:lnRef idx="2">
-            <a:schemeClr val="accent1">
-              <a:shade val="50000"/>
-            </a:schemeClr>
-          </a:lnRef>
-          <a:fillRef idx="1">
-            <a:schemeClr val="accent1"/>
-          </a:fillRef>
-          <a:effectRef idx="0">
-            <a:schemeClr val="accent1"/>
-          </a:effectRef>
-          <a:fontRef idx="minor">
-            <a:schemeClr val="lt1"/>
-          </a:fontRef>
-        </p:style>
-        <p:txBody>
-          <a:bodyPr rtlCol="0" anchor="ctr"/>
-          <a:lstStyle/>
-          <a:p>
-            <a:pPr algn="ctr"/>
-            <a:r>
-              <a:rPr lang="en-US" dirty="0" smtClean="0"/>
-              <a:t>Co-A</a:t>
-            </a:r>
-            <a:endParaRPr lang="en-US" dirty="0"/>
-          </a:p>
-        </p:txBody>
-      </p:sp>
-      <p:sp>
-        <p:nvSpPr>
-          <p:cNvPr id="100" name="Arc 99"/>
-          <p:cNvSpPr/>
-          <p:nvPr/>
-        </p:nvSpPr>
-        <p:spPr>
-          <a:xfrm>
-            <a:off x="5604627" y="3795906"/>
-            <a:ext cx="1639249" cy="648408"/>
-          </a:xfrm>
-          <a:prstGeom prst="arc">
-            <a:avLst>
-              <a:gd name="adj1" fmla="val 10794464"/>
-              <a:gd name="adj2" fmla="val 181503"/>
-            </a:avLst>
-          </a:prstGeom>
-          <a:ln w="25400" cap="sq">
-            <a:solidFill>
-              <a:schemeClr val="bg1">
-                <a:lumMod val="50000"/>
-              </a:schemeClr>
-            </a:solidFill>
-            <a:tailEnd type="triangle"/>
-          </a:ln>
-        </p:spPr>
-        <p:style>
-          <a:lnRef idx="1">
-            <a:schemeClr val="accent1"/>
-          </a:lnRef>
-          <a:fillRef idx="0">
-            <a:schemeClr val="accent1"/>
-          </a:fillRef>
-          <a:effectRef idx="0">
-            <a:schemeClr val="accent1"/>
-          </a:effectRef>
-          <a:fontRef idx="minor">
-            <a:schemeClr val="tx1"/>
-          </a:fontRef>
-        </p:style>
-        <p:txBody>
-          <a:bodyPr rot="0" spcFirstLastPara="0" vertOverflow="overflow" horzOverflow="overflow" vert="horz" wrap="square" lIns="91440" tIns="45720" rIns="91440" bIns="45720" numCol="1" spcCol="0" rtlCol="0" fromWordArt="0" anchor="ctr" anchorCtr="0" forceAA="0" compatLnSpc="1">
-            <a:prstTxWarp prst="textNoShape">
-              <a:avLst/>
-            </a:prstTxWarp>
-            <a:noAutofit/>
-          </a:bodyPr>
-          <a:lstStyle/>
-          <a:p>
-            <a:pPr algn="ctr"/>
-            <a:endParaRPr lang="en-US"/>
-          </a:p>
-        </p:txBody>
-      </p:sp>
-      <p:cxnSp>
-        <p:nvCxnSpPr>
-          <p:cNvPr id="102" name="Straight Connector 101"/>
-          <p:cNvCxnSpPr/>
-          <p:nvPr/>
-        </p:nvCxnSpPr>
-        <p:spPr>
-          <a:xfrm flipV="1">
-            <a:off x="4746904" y="6342325"/>
-            <a:ext cx="1715445" cy="6884"/>
-          </a:xfrm>
-          <a:prstGeom prst="line">
-            <a:avLst/>
-          </a:prstGeom>
-          <a:ln w="63500">
-            <a:solidFill>
-              <a:schemeClr val="tx1"/>
-            </a:solidFill>
-          </a:ln>
-        </p:spPr>
-        <p:style>
-          <a:lnRef idx="1">
-            <a:schemeClr val="accent1"/>
-          </a:lnRef>
-          <a:fillRef idx="0">
-            <a:schemeClr val="accent1"/>
-          </a:fillRef>
-          <a:effectRef idx="0">
-            <a:schemeClr val="accent1"/>
-          </a:effectRef>
-          <a:fontRef idx="minor">
-            <a:schemeClr val="tx1"/>
-          </a:fontRef>
-        </p:style>
-      </p:cxnSp>
-      <p:cxnSp>
-        <p:nvCxnSpPr>
-          <p:cNvPr id="103" name="Straight Connector 102"/>
-          <p:cNvCxnSpPr/>
-          <p:nvPr/>
-        </p:nvCxnSpPr>
-        <p:spPr>
-          <a:xfrm>
-            <a:off x="7127338" y="6055724"/>
-            <a:ext cx="0" cy="308542"/>
-          </a:xfrm>
-          <a:prstGeom prst="line">
-            <a:avLst/>
-          </a:prstGeom>
-          <a:ln w="63500">
-            <a:solidFill>
-              <a:schemeClr val="tx1"/>
-            </a:solidFill>
-          </a:ln>
-        </p:spPr>
-        <p:style>
-          <a:lnRef idx="1">
-            <a:schemeClr val="accent1"/>
-          </a:lnRef>
-          <a:fillRef idx="0">
-            <a:schemeClr val="accent1"/>
-          </a:fillRef>
-          <a:effectRef idx="0">
-            <a:schemeClr val="accent1"/>
-          </a:effectRef>
-          <a:fontRef idx="minor">
-            <a:schemeClr val="tx1"/>
-          </a:fontRef>
-        </p:style>
-      </p:cxnSp>
-      <p:cxnSp>
-        <p:nvCxnSpPr>
-          <p:cNvPr id="104" name="Straight Arrow Connector 103"/>
-          <p:cNvCxnSpPr/>
-          <p:nvPr/>
-        </p:nvCxnSpPr>
-        <p:spPr>
-          <a:xfrm>
-            <a:off x="7112380" y="6078655"/>
-            <a:ext cx="308542" cy="0"/>
-          </a:xfrm>
-          <a:prstGeom prst="straightConnector1">
-            <a:avLst/>
-          </a:prstGeom>
-          <a:ln w="63500">
-            <a:solidFill>
-              <a:schemeClr val="tx1"/>
-            </a:solidFill>
-            <a:tailEnd type="triangle"/>
-          </a:ln>
-        </p:spPr>
-        <p:style>
-          <a:lnRef idx="1">
-            <a:schemeClr val="accent1"/>
-          </a:lnRef>
-          <a:fillRef idx="0">
-            <a:schemeClr val="accent1"/>
-          </a:fillRef>
-          <a:effectRef idx="0">
-            <a:schemeClr val="accent1"/>
-          </a:effectRef>
-          <a:fontRef idx="minor">
-            <a:schemeClr val="tx1"/>
-          </a:fontRef>
-        </p:style>
-      </p:cxnSp>
-      <p:cxnSp>
-        <p:nvCxnSpPr>
-          <p:cNvPr id="105" name="Straight Connector 104"/>
-          <p:cNvCxnSpPr/>
-          <p:nvPr/>
-        </p:nvCxnSpPr>
-        <p:spPr>
-          <a:xfrm>
-            <a:off x="6703279" y="6349209"/>
-            <a:ext cx="1173229" cy="0"/>
-          </a:xfrm>
-          <a:prstGeom prst="line">
-            <a:avLst/>
-          </a:prstGeom>
-          <a:ln w="63500">
-            <a:solidFill>
-              <a:schemeClr val="tx1"/>
-            </a:solidFill>
-          </a:ln>
-        </p:spPr>
-        <p:style>
-          <a:lnRef idx="1">
-            <a:schemeClr val="accent1"/>
-          </a:lnRef>
-          <a:fillRef idx="0">
-            <a:schemeClr val="accent1"/>
-          </a:fillRef>
-          <a:effectRef idx="0">
-            <a:schemeClr val="accent1"/>
-          </a:effectRef>
-          <a:fontRef idx="minor">
-            <a:schemeClr val="tx1"/>
-          </a:fontRef>
-        </p:style>
-      </p:cxnSp>
-      <p:sp>
-        <p:nvSpPr>
-          <p:cNvPr id="106" name="Rectangle 105"/>
-          <p:cNvSpPr/>
-          <p:nvPr/>
-        </p:nvSpPr>
-        <p:spPr>
-          <a:xfrm>
-            <a:off x="5317909" y="6285759"/>
-            <a:ext cx="567997" cy="85877"/>
-          </a:xfrm>
-          <a:prstGeom prst="rect">
-            <a:avLst/>
-          </a:prstGeom>
-          <a:solidFill>
-            <a:schemeClr val="accent2">
-              <a:lumMod val="75000"/>
-            </a:schemeClr>
-          </a:solidFill>
-          <a:ln>
-            <a:noFill/>
-          </a:ln>
-        </p:spPr>
-        <p:style>
-          <a:lnRef idx="2">
-            <a:schemeClr val="accent1">
-              <a:shade val="50000"/>
-            </a:schemeClr>
-          </a:lnRef>
-          <a:fillRef idx="1">
-            <a:schemeClr val="accent1"/>
-          </a:fillRef>
-          <a:effectRef idx="0">
-            <a:schemeClr val="accent1"/>
-          </a:effectRef>
-          <a:fontRef idx="minor">
-            <a:schemeClr val="lt1"/>
-          </a:fontRef>
-        </p:style>
-        <p:txBody>
-          <a:bodyPr rot="0" spcFirstLastPara="0" vertOverflow="overflow" horzOverflow="overflow" vert="horz" wrap="square" lIns="91440" tIns="45720" rIns="91440" bIns="45720" numCol="1" spcCol="0" rtlCol="0" fromWordArt="0" anchor="ctr" anchorCtr="0" forceAA="0" compatLnSpc="1">
-            <a:prstTxWarp prst="textNoShape">
-              <a:avLst/>
-            </a:prstTxWarp>
-            <a:noAutofit/>
-          </a:bodyPr>
-          <a:lstStyle/>
-          <a:p>
-            <a:pPr algn="ctr"/>
-            <a:endParaRPr lang="en-US"/>
-          </a:p>
-        </p:txBody>
-      </p:sp>
-      <p:cxnSp>
-        <p:nvCxnSpPr>
-          <p:cNvPr id="107" name="Straight Connector 106"/>
-          <p:cNvCxnSpPr/>
-          <p:nvPr/>
-        </p:nvCxnSpPr>
-        <p:spPr>
-          <a:xfrm flipH="1">
-            <a:off x="6600955" y="6261553"/>
-            <a:ext cx="200310" cy="161540"/>
-          </a:xfrm>
-          <a:prstGeom prst="line">
-            <a:avLst/>
-          </a:prstGeom>
-          <a:ln w="63500">
-            <a:solidFill>
-              <a:schemeClr val="tx1"/>
-            </a:solidFill>
-          </a:ln>
-        </p:spPr>
-        <p:style>
-          <a:lnRef idx="1">
-            <a:schemeClr val="accent1"/>
-          </a:lnRef>
-          <a:fillRef idx="0">
-            <a:schemeClr val="accent1"/>
-          </a:fillRef>
-          <a:effectRef idx="0">
-            <a:schemeClr val="accent1"/>
-          </a:effectRef>
-          <a:fontRef idx="minor">
-            <a:schemeClr val="tx1"/>
-          </a:fontRef>
-        </p:style>
-      </p:cxnSp>
-      <p:cxnSp>
-        <p:nvCxnSpPr>
-          <p:cNvPr id="108" name="Straight Connector 107"/>
-          <p:cNvCxnSpPr/>
-          <p:nvPr/>
-        </p:nvCxnSpPr>
-        <p:spPr>
-          <a:xfrm flipH="1">
-            <a:off x="6361848" y="6261553"/>
-            <a:ext cx="200310" cy="161540"/>
-          </a:xfrm>
-          <a:prstGeom prst="line">
-            <a:avLst/>
-          </a:prstGeom>
-          <a:ln w="63500">
-            <a:solidFill>
-              <a:schemeClr val="tx1"/>
-            </a:solidFill>
-          </a:ln>
-        </p:spPr>
-        <p:style>
-          <a:lnRef idx="1">
-            <a:schemeClr val="accent1"/>
-          </a:lnRef>
-          <a:fillRef idx="0">
-            <a:schemeClr val="accent1"/>
-          </a:fillRef>
-          <a:effectRef idx="0">
-            <a:schemeClr val="accent1"/>
-          </a:effectRef>
-          <a:fontRef idx="minor">
-            <a:schemeClr val="tx1"/>
-          </a:fontRef>
-        </p:style>
-      </p:cxnSp>
-      <p:sp>
-        <p:nvSpPr>
-          <p:cNvPr id="109" name="TextBox 108"/>
-          <p:cNvSpPr txBox="1"/>
-          <p:nvPr/>
-        </p:nvSpPr>
-        <p:spPr>
-          <a:xfrm>
-            <a:off x="7400544" y="5878038"/>
-            <a:ext cx="475964" cy="369332"/>
-          </a:xfrm>
-          <a:prstGeom prst="rect">
-            <a:avLst/>
-          </a:prstGeom>
-          <a:noFill/>
-        </p:spPr>
-        <p:txBody>
-          <a:bodyPr wrap="none" rtlCol="0">
-            <a:spAutoFit/>
-          </a:bodyPr>
-          <a:lstStyle/>
-          <a:p>
-            <a:r>
-              <a:rPr lang="en-US" dirty="0" smtClean="0"/>
-              <a:t>Off</a:t>
-            </a:r>
-            <a:endParaRPr lang="en-US" dirty="0"/>
-          </a:p>
-        </p:txBody>
-      </p:sp>
-      <p:sp>
-        <p:nvSpPr>
-          <p:cNvPr id="110" name="Oval 109"/>
-          <p:cNvSpPr/>
-          <p:nvPr/>
-        </p:nvSpPr>
-        <p:spPr>
-          <a:xfrm>
-            <a:off x="5463875" y="6074578"/>
-            <a:ext cx="276063" cy="276063"/>
-          </a:xfrm>
-          <a:prstGeom prst="ellipse">
-            <a:avLst/>
-          </a:prstGeom>
-        </p:spPr>
-        <p:style>
-          <a:lnRef idx="2">
-            <a:schemeClr val="accent1">
-              <a:shade val="50000"/>
-            </a:schemeClr>
-          </a:lnRef>
-          <a:fillRef idx="1">
-            <a:schemeClr val="accent1"/>
-          </a:fillRef>
-          <a:effectRef idx="0">
-            <a:schemeClr val="accent1"/>
-          </a:effectRef>
-          <a:fontRef idx="minor">
-            <a:schemeClr val="lt1"/>
-          </a:fontRef>
-        </p:style>
-        <p:txBody>
-          <a:bodyPr rot="0" spcFirstLastPara="0" vertOverflow="overflow" horzOverflow="overflow" vert="horz" wrap="square" lIns="91440" tIns="45720" rIns="91440" bIns="45720" numCol="1" spcCol="0" rtlCol="0" fromWordArt="0" anchor="ctr" anchorCtr="0" forceAA="0" compatLnSpc="1">
-            <a:prstTxWarp prst="textNoShape">
-              <a:avLst/>
-            </a:prstTxWarp>
-            <a:noAutofit/>
-          </a:bodyPr>
-          <a:lstStyle/>
-          <a:p>
-            <a:pPr algn="ctr"/>
-            <a:r>
-              <a:rPr lang="en-US" dirty="0"/>
-              <a:t>F</a:t>
-            </a:r>
-          </a:p>
-        </p:txBody>
-      </p:sp>
-      <p:sp>
-        <p:nvSpPr>
-          <p:cNvPr id="111" name="Oval 110"/>
-          <p:cNvSpPr/>
-          <p:nvPr/>
-        </p:nvSpPr>
-        <p:spPr>
-          <a:xfrm>
-            <a:off x="5140140" y="5740639"/>
-            <a:ext cx="923531" cy="340822"/>
-          </a:xfrm>
-          <a:prstGeom prst="ellipse">
-            <a:avLst/>
-          </a:prstGeom>
-        </p:spPr>
-        <p:style>
-          <a:lnRef idx="2">
-            <a:schemeClr val="accent1">
-              <a:shade val="50000"/>
-            </a:schemeClr>
-          </a:lnRef>
-          <a:fillRef idx="1">
-            <a:schemeClr val="accent1"/>
-          </a:fillRef>
-          <a:effectRef idx="0">
-            <a:schemeClr val="accent1"/>
-          </a:effectRef>
-          <a:fontRef idx="minor">
-            <a:schemeClr val="lt1"/>
-          </a:fontRef>
-        </p:style>
-        <p:txBody>
-          <a:bodyPr rtlCol="0" anchor="ctr"/>
-          <a:lstStyle/>
-          <a:p>
-            <a:pPr algn="ctr"/>
-            <a:r>
-              <a:rPr lang="en-US" dirty="0" smtClean="0"/>
-              <a:t>Co-R</a:t>
-            </a:r>
-            <a:endParaRPr lang="en-US" dirty="0"/>
-          </a:p>
-        </p:txBody>
-      </p:sp>
-      <p:grpSp>
-        <p:nvGrpSpPr>
-          <p:cNvPr id="113" name="Group 112"/>
-          <p:cNvGrpSpPr/>
-          <p:nvPr/>
-        </p:nvGrpSpPr>
-        <p:grpSpPr>
-          <a:xfrm>
-            <a:off x="5601905" y="5307008"/>
-            <a:ext cx="1772246" cy="648408"/>
-            <a:chOff x="3573230" y="3124668"/>
-            <a:chExt cx="1772246" cy="648408"/>
-          </a:xfrm>
-        </p:grpSpPr>
-        <p:sp>
-          <p:nvSpPr>
-            <p:cNvPr id="114" name="Arc 113"/>
-            <p:cNvSpPr/>
-            <p:nvPr/>
-          </p:nvSpPr>
-          <p:spPr>
-            <a:xfrm>
-              <a:off x="3573230" y="3124668"/>
-              <a:ext cx="1639249" cy="648408"/>
-            </a:xfrm>
-            <a:prstGeom prst="arc">
-              <a:avLst>
-                <a:gd name="adj1" fmla="val 10794464"/>
-                <a:gd name="adj2" fmla="val 21473582"/>
-              </a:avLst>
-            </a:prstGeom>
-            <a:ln w="25400" cap="sq">
-              <a:solidFill>
-                <a:schemeClr val="bg1">
-                  <a:lumMod val="50000"/>
-                </a:schemeClr>
-              </a:solidFill>
-              <a:tailEnd type="none"/>
-            </a:ln>
-          </p:spPr>
-          <p:style>
-            <a:lnRef idx="1">
-              <a:schemeClr val="accent1"/>
-            </a:lnRef>
-            <a:fillRef idx="0">
-              <a:schemeClr val="accent1"/>
-            </a:fillRef>
-            <a:effectRef idx="0">
-              <a:schemeClr val="accent1"/>
-            </a:effectRef>
-            <a:fontRef idx="minor">
-              <a:schemeClr val="tx1"/>
-            </a:fontRef>
-          </p:style>
-          <p:txBody>
-            <a:bodyPr rot="0" spcFirstLastPara="0" vertOverflow="overflow" horzOverflow="overflow" vert="horz" wrap="square" lIns="91440" tIns="45720" rIns="91440" bIns="45720" numCol="1" spcCol="0" rtlCol="0" fromWordArt="0" anchor="ctr" anchorCtr="0" forceAA="0" compatLnSpc="1">
-              <a:prstTxWarp prst="textNoShape">
-                <a:avLst/>
-              </a:prstTxWarp>
-              <a:noAutofit/>
-            </a:bodyPr>
-            <a:lstStyle/>
-            <a:p>
-              <a:pPr algn="ctr"/>
-              <a:endParaRPr lang="en-US"/>
-            </a:p>
-          </p:txBody>
-        </p:sp>
-        <p:cxnSp>
-          <p:nvCxnSpPr>
-            <p:cNvPr id="115" name="Straight Connector 114"/>
-            <p:cNvCxnSpPr/>
-            <p:nvPr/>
-          </p:nvCxnSpPr>
-          <p:spPr>
-            <a:xfrm>
-              <a:off x="5076205" y="3427597"/>
-              <a:ext cx="269271" cy="0"/>
-            </a:xfrm>
-            <a:prstGeom prst="line">
-              <a:avLst/>
-            </a:prstGeom>
-            <a:ln w="25400">
-              <a:solidFill>
-                <a:schemeClr val="bg1">
-                  <a:lumMod val="50000"/>
-                </a:schemeClr>
-              </a:solidFill>
-            </a:ln>
-          </p:spPr>
-          <p:style>
-            <a:lnRef idx="1">
-              <a:schemeClr val="accent1"/>
-            </a:lnRef>
-            <a:fillRef idx="0">
-              <a:schemeClr val="accent1"/>
-            </a:fillRef>
-            <a:effectRef idx="0">
-              <a:schemeClr val="accent1"/>
-            </a:effectRef>
-            <a:fontRef idx="minor">
-              <a:schemeClr val="tx1"/>
-            </a:fontRef>
-          </p:style>
-        </p:cxnSp>
-      </p:grpSp>
-    </p:spTree>
-    <p:extLst>
-      <p:ext uri="{BB962C8B-B14F-4D97-AF65-F5344CB8AC3E}">
-        <p14:creationId xmlns:p14="http://schemas.microsoft.com/office/powerpoint/2010/main" val="1957957882"/>
-      </p:ext>
-    </p:extLst>
-  </p:cSld>
-  <p:clrMapOvr>
-    <a:masterClrMapping/>
-  </p:clrMapOvr>
-  <p:timing>
-    <p:tnLst>
-      <p:par>
-        <p:cTn id="1" dur="indefinite" restart="never" nodeType="tmRoot"/>
-      </p:par>
-    </p:tnLst>
-  </p:timing>
-</p:sld>
-</file>
-
-<file path=ppt/slides/slide5.xml><?xml version="1.0" encoding="utf-8"?>
-<p:sld xmlns:a="http://schemas.openxmlformats.org/drawingml/2006/main" xmlns:r="http://schemas.openxmlformats.org/officeDocument/2006/relationships" xmlns:p="http://schemas.openxmlformats.org/presentationml/2006/main">
-  <p:cSld>
-    <p:spTree>
-      <p:nvGrpSpPr>
-        <p:cNvPr id="1" name=""/>
-        <p:cNvGrpSpPr/>
-        <p:nvPr/>
-      </p:nvGrpSpPr>
-      <p:grpSpPr>
-        <a:xfrm>
-          <a:off x="0" y="0"/>
-          <a:ext cx="0" cy="0"/>
-          <a:chOff x="0" y="0"/>
-          <a:chExt cx="0" cy="0"/>
-        </a:xfrm>
-      </p:grpSpPr>
-      <p:pic>
-        <p:nvPicPr>
-          <p:cNvPr id="5" name="Picture 4"/>
-          <p:cNvPicPr>
-            <a:picLocks noChangeAspect="1"/>
-          </p:cNvPicPr>
-          <p:nvPr/>
-        </p:nvPicPr>
-        <p:blipFill>
-          <a:blip r:embed="rId2">
-            <a:extLst>
-              <a:ext uri="{28A0092B-C50C-407E-A947-70E740481C1C}">
-                <a14:useLocalDpi xmlns:a14="http://schemas.microsoft.com/office/drawing/2010/main" val="0"/>
-              </a:ext>
-            </a:extLst>
-          </a:blip>
-          <a:stretch>
-            <a:fillRect/>
-          </a:stretch>
-        </p:blipFill>
-        <p:spPr>
-          <a:xfrm>
-            <a:off x="1252437" y="1513138"/>
-            <a:ext cx="6023683" cy="4654664"/>
-          </a:xfrm>
-          <a:prstGeom prst="rect">
-            <a:avLst/>
-          </a:prstGeom>
-        </p:spPr>
-      </p:pic>
-    </p:spTree>
-    <p:extLst>
-      <p:ext uri="{BB962C8B-B14F-4D97-AF65-F5344CB8AC3E}">
-        <p14:creationId xmlns:p14="http://schemas.microsoft.com/office/powerpoint/2010/main" val="303582536"/>
-      </p:ext>
-    </p:extLst>
-  </p:cSld>
-  <p:clrMapOvr>
-    <a:masterClrMapping/>
-  </p:clrMapOvr>
-  <p:timing>
-    <p:tnLst>
-      <p:par>
-        <p:cTn id="1" dur="indefinite" restart="never" nodeType="tmRoot"/>
-      </p:par>
-    </p:tnLst>
-  </p:timing>
-</p:sld>
-</file>
-
-<file path=ppt/slides/slide6.xml><?xml version="1.0" encoding="utf-8"?>
-<p:sld xmlns:a="http://schemas.openxmlformats.org/drawingml/2006/main" xmlns:r="http://schemas.openxmlformats.org/officeDocument/2006/relationships" xmlns:p="http://schemas.openxmlformats.org/presentationml/2006/main">
-  <p:cSld>
-    <p:spTree>
-      <p:nvGrpSpPr>
-        <p:cNvPr id="1" name=""/>
-        <p:cNvGrpSpPr/>
-        <p:nvPr/>
-      </p:nvGrpSpPr>
-      <p:grpSpPr>
-        <a:xfrm>
-          <a:off x="0" y="0"/>
-          <a:ext cx="0" cy="0"/>
-          <a:chOff x="0" y="0"/>
-          <a:chExt cx="0" cy="0"/>
-        </a:xfrm>
-      </p:grpSpPr>
-      <p:sp>
-        <p:nvSpPr>
-          <p:cNvPr id="2" name="Title 1"/>
-          <p:cNvSpPr>
-            <a:spLocks noGrp="1"/>
-          </p:cNvSpPr>
-          <p:nvPr>
-            <p:ph type="title"/>
-          </p:nvPr>
-        </p:nvSpPr>
-        <p:spPr/>
-        <p:txBody>
-          <a:bodyPr/>
-          <a:lstStyle/>
-          <a:p>
-            <a:endParaRPr lang="en-US" dirty="0"/>
-          </a:p>
-        </p:txBody>
-      </p:sp>
-      <mc:AlternateContent xmlns:mc="http://schemas.openxmlformats.org/markup-compatibility/2006">
-        <mc:Choice xmlns:a14="http://schemas.microsoft.com/office/drawing/2010/main" Requires="a14">
-          <p:sp>
-            <p:nvSpPr>
-              <p:cNvPr id="4" name="TextBox 3"/>
-              <p:cNvSpPr txBox="1"/>
-              <p:nvPr/>
-            </p:nvSpPr>
-            <p:spPr>
-              <a:xfrm>
-                <a:off x="1122338" y="4729459"/>
-                <a:ext cx="3449662" cy="740139"/>
-              </a:xfrm>
-              <a:prstGeom prst="rect">
-                <a:avLst/>
-              </a:prstGeom>
-              <a:noFill/>
-            </p:spPr>
-            <p:txBody>
-              <a:bodyPr wrap="none" lIns="0" tIns="0" rIns="0" bIns="0" rtlCol="0">
-                <a:spAutoFit/>
-              </a:bodyPr>
-              <a:lstStyle/>
-              <a:p>
-                <a14:m>
-                  <m:oMathPara xmlns:m="http://schemas.openxmlformats.org/officeDocument/2006/math">
-                    <m:oMathParaPr>
-                      <m:jc m:val="centerGroup"/>
-                    </m:oMathParaPr>
-                    <m:oMath xmlns:m="http://schemas.openxmlformats.org/officeDocument/2006/math">
-                      <m:f>
-                        <m:fPr>
-                          <m:ctrlPr>
-                            <a:rPr lang="en-US" i="1">
-                              <a:latin typeface="Cambria Math" charset="0"/>
-                            </a:rPr>
-                          </m:ctrlPr>
-                        </m:fPr>
-                        <m:num>
-                          <m:nary>
-                            <m:naryPr>
-                              <m:chr m:val="∑"/>
-                              <m:supHide m:val="on"/>
-                              <m:ctrlPr>
-                                <a:rPr lang="en-US" i="1">
-                                  <a:latin typeface="Cambria Math" charset="0"/>
-                                </a:rPr>
-                              </m:ctrlPr>
-                            </m:naryPr>
-                            <m:sub>
-                              <m:r>
-                                <m:rPr>
-                                  <m:brk m:alnAt="7"/>
-                                </m:rPr>
-                                <a:rPr lang="en-US" i="1">
-                                  <a:latin typeface="Cambria Math" charset="0"/>
-                                </a:rPr>
-                                <m:t>𝑑</m:t>
-                              </m:r>
-                              <m:r>
-                                <a:rPr lang="en-US" i="1">
-                                  <a:latin typeface="Cambria Math" charset="0"/>
-                                </a:rPr>
-                                <m:t>&lt;0</m:t>
-                              </m:r>
-                            </m:sub>
-                            <m:sup/>
-                            <m:e>
-                              <m:r>
-                                <a:rPr lang="en-US" i="1">
-                                  <a:latin typeface="Cambria Math" charset="0"/>
-                                </a:rPr>
-                                <m:t>1</m:t>
-                              </m:r>
-                              <m:r>
-                                <a:rPr lang="en-US" i="1">
-                                  <a:latin typeface="Cambria Math" charset="0"/>
-                                </a:rPr>
-                                <m:t> </m:t>
-                              </m:r>
-                            </m:e>
-                          </m:nary>
-                          <m:r>
-                            <a:rPr lang="en-US" i="1">
-                              <a:latin typeface="Cambria Math" charset="0"/>
-                            </a:rPr>
-                            <m:t>+</m:t>
-                          </m:r>
-                          <m:nary>
-                            <m:naryPr>
-                              <m:chr m:val="∑"/>
-                              <m:supHide m:val="on"/>
-                              <m:ctrlPr>
-                                <a:rPr lang="en-US" i="1">
-                                  <a:latin typeface="Cambria Math" charset="0"/>
-                                </a:rPr>
-                              </m:ctrlPr>
-                            </m:naryPr>
-                            <m:sub>
-                              <m:r>
-                                <m:rPr>
-                                  <m:brk m:alnAt="7"/>
-                                </m:rPr>
-                                <a:rPr lang="en-US" i="1">
-                                  <a:latin typeface="Cambria Math" charset="0"/>
-                                </a:rPr>
-                                <m:t>𝑑</m:t>
-                              </m:r>
-                              <m:r>
-                                <a:rPr lang="en-US" i="1">
-                                  <a:latin typeface="Cambria Math" charset="0"/>
-                                </a:rPr>
-                                <m:t>&gt;0</m:t>
-                              </m:r>
-                            </m:sub>
-                            <m:sup/>
-                            <m:e>
-                              <m:f>
-                                <m:fPr>
-                                  <m:ctrlPr>
-                                    <a:rPr lang="en-US" i="1">
-                                      <a:latin typeface="Cambria Math" charset="0"/>
-                                    </a:rPr>
-                                  </m:ctrlPr>
-                                </m:fPr>
-                                <m:num>
-                                  <m:r>
-                                    <a:rPr lang="en-US" i="1">
-                                      <a:latin typeface="Cambria Math" charset="0"/>
-                                    </a:rPr>
-                                    <m:t>1</m:t>
-                                  </m:r>
-                                </m:num>
-                                <m:den>
-                                  <m:r>
-                                    <a:rPr lang="en-US" i="1">
-                                      <a:latin typeface="Cambria Math" charset="0"/>
-                                    </a:rPr>
-                                    <m:t>1+ </m:t>
-                                  </m:r>
-                                  <m:sSup>
-                                    <m:sSupPr>
-                                      <m:ctrlPr>
-                                        <a:rPr lang="el-GR" i="1">
-                                          <a:latin typeface="Cambria Math" charset="0"/>
-                                        </a:rPr>
-                                      </m:ctrlPr>
-                                    </m:sSupPr>
-                                    <m:e>
-                                      <m:r>
-                                        <a:rPr lang="el-GR" i="1">
-                                          <a:latin typeface="Cambria Math" charset="0"/>
-                                        </a:rPr>
-                                        <m:t>𝑒</m:t>
-                                      </m:r>
-                                    </m:e>
-                                    <m:sup>
-                                      <m:r>
-                                        <a:rPr lang="en-US" i="1">
-                                          <a:latin typeface="Cambria Math" charset="0"/>
-                                        </a:rPr>
-                                        <m:t>0.0005 </m:t>
-                                      </m:r>
-                                      <m:d>
-                                        <m:dPr>
-                                          <m:ctrlPr>
-                                            <a:rPr lang="en-US" i="1">
-                                              <a:latin typeface="Cambria Math" charset="0"/>
-                                            </a:rPr>
-                                          </m:ctrlPr>
-                                        </m:dPr>
-                                        <m:e>
-                                          <m:r>
-                                            <a:rPr lang="en-US" i="1">
-                                              <a:latin typeface="Cambria Math" charset="0"/>
-                                            </a:rPr>
-                                            <m:t> </m:t>
-                                          </m:r>
-                                          <m:r>
-                                            <a:rPr lang="en-US" i="1">
-                                              <a:latin typeface="Cambria Math" charset="0"/>
-                                            </a:rPr>
-                                            <m:t>𝑑</m:t>
-                                          </m:r>
-                                          <m:r>
-                                            <a:rPr lang="en-US" i="1">
-                                              <a:latin typeface="Cambria Math" charset="0"/>
-                                            </a:rPr>
-                                            <m:t> − 15 </m:t>
-                                          </m:r>
-                                        </m:e>
-                                      </m:d>
-                                    </m:sup>
-                                  </m:sSup>
-                                </m:den>
-                              </m:f>
-                            </m:e>
-                          </m:nary>
-                        </m:num>
-                        <m:den>
-                          <m:r>
-                            <a:rPr lang="en-US" i="1">
-                              <a:latin typeface="Cambria Math" charset="0"/>
-                            </a:rPr>
-                            <m:t>𝐿</m:t>
-                          </m:r>
-                        </m:den>
-                      </m:f>
-                    </m:oMath>
-                  </m:oMathPara>
-                </a14:m>
-                <a:endParaRPr lang="en-US" dirty="0"/>
-              </a:p>
-            </p:txBody>
-          </p:sp>
-        </mc:Choice>
-        <mc:Fallback>
-          <p:sp>
-            <p:nvSpPr>
-              <p:cNvPr id="4" name="TextBox 3"/>
-              <p:cNvSpPr txBox="1">
-                <a:spLocks noRot="1" noChangeAspect="1" noMove="1" noResize="1" noEditPoints="1" noAdjustHandles="1" noChangeArrowheads="1" noChangeShapeType="1" noTextEdit="1"/>
-              </p:cNvSpPr>
-              <p:nvPr/>
-            </p:nvSpPr>
-            <p:spPr>
-              <a:xfrm>
-                <a:off x="1122338" y="4729459"/>
-                <a:ext cx="3449662" cy="740139"/>
-              </a:xfrm>
-              <a:prstGeom prst="rect">
-                <a:avLst/>
-              </a:prstGeom>
-              <a:blipFill rotWithShape="0">
-                <a:blip r:embed="rId2"/>
-                <a:stretch>
-                  <a:fillRect/>
-                </a:stretch>
-              </a:blipFill>
-            </p:spPr>
-            <p:txBody>
-              <a:bodyPr/>
-              <a:lstStyle/>
-              <a:p>
-                <a:r>
-                  <a:rPr lang="en-US">
-                    <a:noFill/>
-                  </a:rPr>
-                  <a:t> </a:t>
-                </a:r>
-              </a:p>
-            </p:txBody>
-          </p:sp>
-        </mc:Fallback>
-      </mc:AlternateContent>
-    </p:spTree>
-    <p:extLst>
-      <p:ext uri="{BB962C8B-B14F-4D97-AF65-F5344CB8AC3E}">
-        <p14:creationId xmlns:p14="http://schemas.microsoft.com/office/powerpoint/2010/main" val="399550698"/>
-      </p:ext>
-    </p:extLst>
-  </p:cSld>
-  <p:clrMapOvr>
-    <a:masterClrMapping/>
-  </p:clrMapOvr>
-  <p:timing>
-    <p:tnLst>
-      <p:par>
-        <p:cTn id="1" dur="indefinite" restart="never" nodeType="tmRoot"/>
-      </p:par>
-    </p:tnLst>
-  </p:timing>
-</p:sld>
-</file>
-
 <file path=ppt/theme/theme1.xml><?xml version="1.0" encoding="utf-8"?>
 <a:theme xmlns:a="http://schemas.openxmlformats.org/drawingml/2006/main" name="Office Theme">
   <a:themeElements>

--- a/presentations/defense.pptx
+++ b/presentations/defense.pptx
@@ -5,7 +5,7 @@
     <p:sldMasterId id="2147483660" r:id="rId1"/>
   </p:sldMasterIdLst>
   <p:notesMasterIdLst>
-    <p:notesMasterId r:id="rId13"/>
+    <p:notesMasterId r:id="rId24"/>
   </p:notesMasterIdLst>
   <p:sldIdLst>
     <p:sldId id="256" r:id="rId2"/>
@@ -17,8 +17,19 @@
     <p:sldId id="268" r:id="rId8"/>
     <p:sldId id="265" r:id="rId9"/>
     <p:sldId id="257" r:id="rId10"/>
-    <p:sldId id="258" r:id="rId11"/>
-    <p:sldId id="259" r:id="rId12"/>
+    <p:sldId id="270" r:id="rId11"/>
+    <p:sldId id="272" r:id="rId12"/>
+    <p:sldId id="273" r:id="rId13"/>
+    <p:sldId id="274" r:id="rId14"/>
+    <p:sldId id="275" r:id="rId15"/>
+    <p:sldId id="276" r:id="rId16"/>
+    <p:sldId id="277" r:id="rId17"/>
+    <p:sldId id="278" r:id="rId18"/>
+    <p:sldId id="279" r:id="rId19"/>
+    <p:sldId id="259" r:id="rId20"/>
+    <p:sldId id="280" r:id="rId21"/>
+    <p:sldId id="271" r:id="rId22"/>
+    <p:sldId id="269" r:id="rId23"/>
   </p:sldIdLst>
   <p:sldSz cx="9144000" cy="6858000" type="screen4x3"/>
   <p:notesSz cx="6858000" cy="9144000"/>
@@ -631,6 +642,90 @@
     <p:extLst>
       <p:ext uri="{BB962C8B-B14F-4D97-AF65-F5344CB8AC3E}">
         <p14:creationId xmlns:p14="http://schemas.microsoft.com/office/powerpoint/2010/main" val="1031894804"/>
+      </p:ext>
+    </p:extLst>
+  </p:cSld>
+  <p:clrMapOvr>
+    <a:masterClrMapping/>
+  </p:clrMapOvr>
+</p:notes>
+</file>
+
+<file path=ppt/notesSlides/notesSlide2.xml><?xml version="1.0" encoding="utf-8"?>
+<p:notes xmlns:a="http://schemas.openxmlformats.org/drawingml/2006/main" xmlns:r="http://schemas.openxmlformats.org/officeDocument/2006/relationships" xmlns:p="http://schemas.openxmlformats.org/presentationml/2006/main">
+  <p:cSld>
+    <p:spTree>
+      <p:nvGrpSpPr>
+        <p:cNvPr id="1" name=""/>
+        <p:cNvGrpSpPr/>
+        <p:nvPr/>
+      </p:nvGrpSpPr>
+      <p:grpSpPr>
+        <a:xfrm>
+          <a:off x="0" y="0"/>
+          <a:ext cx="0" cy="0"/>
+          <a:chOff x="0" y="0"/>
+          <a:chExt cx="0" cy="0"/>
+        </a:xfrm>
+      </p:grpSpPr>
+      <p:sp>
+        <p:nvSpPr>
+          <p:cNvPr id="2" name="Slide Image Placeholder 1"/>
+          <p:cNvSpPr>
+            <a:spLocks noGrp="1" noRot="1" noChangeAspect="1"/>
+          </p:cNvSpPr>
+          <p:nvPr>
+            <p:ph type="sldImg"/>
+          </p:nvPr>
+        </p:nvSpPr>
+        <p:spPr/>
+      </p:sp>
+      <p:sp>
+        <p:nvSpPr>
+          <p:cNvPr id="3" name="Notes Placeholder 2"/>
+          <p:cNvSpPr>
+            <a:spLocks noGrp="1"/>
+          </p:cNvSpPr>
+          <p:nvPr>
+            <p:ph type="body" idx="1"/>
+          </p:nvPr>
+        </p:nvSpPr>
+        <p:spPr/>
+        <p:txBody>
+          <a:bodyPr/>
+          <a:lstStyle/>
+          <a:p>
+            <a:endParaRPr lang="en-US" dirty="0"/>
+          </a:p>
+        </p:txBody>
+      </p:sp>
+      <p:sp>
+        <p:nvSpPr>
+          <p:cNvPr id="4" name="Slide Number Placeholder 3"/>
+          <p:cNvSpPr>
+            <a:spLocks noGrp="1"/>
+          </p:cNvSpPr>
+          <p:nvPr>
+            <p:ph type="sldNum" sz="quarter" idx="10"/>
+          </p:nvPr>
+        </p:nvSpPr>
+        <p:spPr/>
+        <p:txBody>
+          <a:bodyPr/>
+          <a:lstStyle/>
+          <a:p>
+            <a:fld id="{72D62022-544B-4C4F-96A3-6045A2BA2447}" type="slidenum">
+              <a:rPr lang="en-US" smtClean="0"/>
+              <a:t>14</a:t>
+            </a:fld>
+            <a:endParaRPr lang="en-US"/>
+          </a:p>
+        </p:txBody>
+      </p:sp>
+    </p:spTree>
+    <p:extLst>
+      <p:ext uri="{BB962C8B-B14F-4D97-AF65-F5344CB8AC3E}">
+        <p14:creationId xmlns:p14="http://schemas.microsoft.com/office/powerpoint/2010/main" val="1992609141"/>
       </p:ext>
     </p:extLst>
   </p:cSld>
@@ -3584,40 +3679,326 @@
           <a:chExt cx="0" cy="0"/>
         </a:xfrm>
       </p:grpSpPr>
-      <p:pic>
-        <p:nvPicPr>
-          <p:cNvPr id="5" name="Picture 4"/>
-          <p:cNvPicPr>
-            <a:picLocks noChangeAspect="1"/>
-          </p:cNvPicPr>
+      <p:sp>
+        <p:nvSpPr>
+          <p:cNvPr id="2" name="Title 1"/>
+          <p:cNvSpPr>
+            <a:spLocks noGrp="1"/>
+          </p:cNvSpPr>
+          <p:nvPr>
+            <p:ph type="title"/>
+          </p:nvPr>
+        </p:nvSpPr>
+        <p:spPr/>
+        <p:txBody>
+          <a:bodyPr/>
+          <a:lstStyle/>
+          <a:p>
+            <a:r>
+              <a:rPr lang="en-US" dirty="0" smtClean="0"/>
+              <a:t>Groucho is recruited to thousands of sites throughout the genome</a:t>
+            </a:r>
+            <a:endParaRPr lang="en-US" dirty="0"/>
+          </a:p>
+        </p:txBody>
+      </p:sp>
+      <p:grpSp>
+        <p:nvGrpSpPr>
+          <p:cNvPr id="17" name="Group 16"/>
+          <p:cNvGrpSpPr/>
           <p:nvPr/>
-        </p:nvPicPr>
-        <p:blipFill>
-          <a:blip r:embed="rId2">
-            <a:extLst>
-              <a:ext uri="{28A0092B-C50C-407E-A947-70E740481C1C}">
-                <a14:useLocalDpi xmlns:a14="http://schemas.microsoft.com/office/drawing/2010/main" val="0"/>
-              </a:ext>
-            </a:extLst>
-          </a:blip>
-          <a:stretch>
-            <a:fillRect/>
-          </a:stretch>
-        </p:blipFill>
-        <p:spPr>
+        </p:nvGrpSpPr>
+        <p:grpSpPr>
           <a:xfrm>
-            <a:off x="1252437" y="1513138"/>
-            <a:ext cx="6023683" cy="4654664"/>
-          </a:xfrm>
-          <a:prstGeom prst="rect">
-            <a:avLst/>
-          </a:prstGeom>
-        </p:spPr>
-      </p:pic>
+            <a:off x="1749744" y="1980358"/>
+            <a:ext cx="5644512" cy="4703736"/>
+            <a:chOff x="1766153" y="2022888"/>
+            <a:chExt cx="5644512" cy="4703736"/>
+          </a:xfrm>
+        </p:grpSpPr>
+        <p:pic>
+          <p:nvPicPr>
+            <p:cNvPr id="10" name="Picture 9"/>
+            <p:cNvPicPr>
+              <a:picLocks noChangeAspect="1"/>
+            </p:cNvPicPr>
+            <p:nvPr/>
+          </p:nvPicPr>
+          <p:blipFill>
+            <a:blip r:embed="rId2">
+              <a:extLst>
+                <a:ext uri="{28A0092B-C50C-407E-A947-70E740481C1C}">
+                  <a14:useLocalDpi xmlns:a14="http://schemas.microsoft.com/office/drawing/2010/main" val="0"/>
+                </a:ext>
+              </a:extLst>
+            </a:blip>
+            <a:stretch>
+              <a:fillRect/>
+            </a:stretch>
+          </p:blipFill>
+          <p:spPr>
+            <a:xfrm>
+              <a:off x="2184078" y="2022888"/>
+              <a:ext cx="4703736" cy="4703736"/>
+            </a:xfrm>
+            <a:prstGeom prst="rect">
+              <a:avLst/>
+            </a:prstGeom>
+          </p:spPr>
+        </p:pic>
+        <p:sp>
+          <p:nvSpPr>
+            <p:cNvPr id="11" name="Rectangle 10"/>
+            <p:cNvSpPr/>
+            <p:nvPr/>
+          </p:nvSpPr>
+          <p:spPr>
+            <a:xfrm>
+              <a:off x="6013071" y="2387099"/>
+              <a:ext cx="656140" cy="356461"/>
+            </a:xfrm>
+            <a:prstGeom prst="rect">
+              <a:avLst/>
+            </a:prstGeom>
+            <a:solidFill>
+              <a:schemeClr val="bg1"/>
+            </a:solidFill>
+            <a:ln>
+              <a:solidFill>
+                <a:schemeClr val="bg1"/>
+              </a:solidFill>
+            </a:ln>
+          </p:spPr>
+          <p:style>
+            <a:lnRef idx="2">
+              <a:schemeClr val="accent1">
+                <a:shade val="50000"/>
+              </a:schemeClr>
+            </a:lnRef>
+            <a:fillRef idx="1">
+              <a:schemeClr val="accent1"/>
+            </a:fillRef>
+            <a:effectRef idx="0">
+              <a:schemeClr val="accent1"/>
+            </a:effectRef>
+            <a:fontRef idx="minor">
+              <a:schemeClr val="lt1"/>
+            </a:fontRef>
+          </p:style>
+          <p:txBody>
+            <a:bodyPr rtlCol="0" anchor="ctr"/>
+            <a:lstStyle/>
+            <a:p>
+              <a:pPr algn="ctr"/>
+              <a:endParaRPr lang="en-US"/>
+            </a:p>
+          </p:txBody>
+        </p:sp>
+        <p:sp>
+          <p:nvSpPr>
+            <p:cNvPr id="12" name="TextBox 11"/>
+            <p:cNvSpPr txBox="1"/>
+            <p:nvPr/>
+          </p:nvSpPr>
+          <p:spPr>
+            <a:xfrm>
+              <a:off x="6341141" y="3051337"/>
+              <a:ext cx="1069524" cy="369332"/>
+            </a:xfrm>
+            <a:prstGeom prst="rect">
+              <a:avLst/>
+            </a:prstGeom>
+            <a:solidFill>
+              <a:schemeClr val="bg1"/>
+            </a:solidFill>
+          </p:spPr>
+          <p:txBody>
+            <a:bodyPr wrap="none" rtlCol="0">
+              <a:spAutoFit/>
+            </a:bodyPr>
+            <a:lstStyle/>
+            <a:p>
+              <a:r>
+                <a:rPr lang="en-US" dirty="0" smtClean="0"/>
+                <a:t>1.5 – 4 </a:t>
+              </a:r>
+              <a:r>
+                <a:rPr lang="en-US" dirty="0" err="1" smtClean="0"/>
+                <a:t>hr</a:t>
+              </a:r>
+              <a:endParaRPr lang="en-US" dirty="0"/>
+            </a:p>
+          </p:txBody>
+        </p:sp>
+        <p:sp>
+          <p:nvSpPr>
+            <p:cNvPr id="13" name="TextBox 12"/>
+            <p:cNvSpPr txBox="1"/>
+            <p:nvPr/>
+          </p:nvSpPr>
+          <p:spPr>
+            <a:xfrm>
+              <a:off x="4001184" y="2202433"/>
+              <a:ext cx="1069524" cy="369332"/>
+            </a:xfrm>
+            <a:prstGeom prst="rect">
+              <a:avLst/>
+            </a:prstGeom>
+            <a:solidFill>
+              <a:schemeClr val="bg1"/>
+            </a:solidFill>
+          </p:spPr>
+          <p:txBody>
+            <a:bodyPr wrap="none" rtlCol="0">
+              <a:spAutoFit/>
+            </a:bodyPr>
+            <a:lstStyle/>
+            <a:p>
+              <a:r>
+                <a:rPr lang="en-US" dirty="0" smtClean="0"/>
+                <a:t>4 – 6.5 </a:t>
+              </a:r>
+              <a:r>
+                <a:rPr lang="en-US" dirty="0" err="1" smtClean="0"/>
+                <a:t>hr</a:t>
+              </a:r>
+              <a:endParaRPr lang="en-US" dirty="0"/>
+            </a:p>
+          </p:txBody>
+        </p:sp>
+        <p:sp>
+          <p:nvSpPr>
+            <p:cNvPr id="14" name="TextBox 13"/>
+            <p:cNvSpPr txBox="1"/>
+            <p:nvPr/>
+          </p:nvSpPr>
+          <p:spPr>
+            <a:xfrm>
+              <a:off x="1766153" y="2955787"/>
+              <a:ext cx="1069524" cy="369332"/>
+            </a:xfrm>
+            <a:prstGeom prst="rect">
+              <a:avLst/>
+            </a:prstGeom>
+            <a:solidFill>
+              <a:schemeClr val="bg1"/>
+            </a:solidFill>
+          </p:spPr>
+          <p:txBody>
+            <a:bodyPr wrap="none" rtlCol="0">
+              <a:spAutoFit/>
+            </a:bodyPr>
+            <a:lstStyle/>
+            <a:p>
+              <a:r>
+                <a:rPr lang="en-US" dirty="0" smtClean="0"/>
+                <a:t>6.5 – 9 </a:t>
+              </a:r>
+              <a:r>
+                <a:rPr lang="en-US" dirty="0" err="1" smtClean="0"/>
+                <a:t>hr</a:t>
+              </a:r>
+              <a:endParaRPr lang="en-US" dirty="0"/>
+            </a:p>
+          </p:txBody>
+        </p:sp>
+        <p:sp>
+          <p:nvSpPr>
+            <p:cNvPr id="15" name="Rectangle 14"/>
+            <p:cNvSpPr/>
+            <p:nvPr/>
+          </p:nvSpPr>
+          <p:spPr>
+            <a:xfrm>
+              <a:off x="6111297" y="6176297"/>
+              <a:ext cx="633663" cy="192506"/>
+            </a:xfrm>
+            <a:prstGeom prst="rect">
+              <a:avLst/>
+            </a:prstGeom>
+            <a:solidFill>
+              <a:schemeClr val="bg1"/>
+            </a:solidFill>
+            <a:ln>
+              <a:noFill/>
+            </a:ln>
+          </p:spPr>
+          <p:style>
+            <a:lnRef idx="2">
+              <a:schemeClr val="accent1">
+                <a:shade val="50000"/>
+              </a:schemeClr>
+            </a:lnRef>
+            <a:fillRef idx="1">
+              <a:schemeClr val="accent1"/>
+            </a:fillRef>
+            <a:effectRef idx="0">
+              <a:schemeClr val="accent1"/>
+            </a:effectRef>
+            <a:fontRef idx="minor">
+              <a:schemeClr val="lt1"/>
+            </a:fontRef>
+          </p:style>
+          <p:txBody>
+            <a:bodyPr rtlCol="0" anchor="ctr"/>
+            <a:lstStyle/>
+            <a:p>
+              <a:pPr algn="ctr"/>
+              <a:endParaRPr lang="en-US"/>
+            </a:p>
+          </p:txBody>
+        </p:sp>
+        <p:sp>
+          <p:nvSpPr>
+            <p:cNvPr id="16" name="Rectangle 15"/>
+            <p:cNvSpPr/>
+            <p:nvPr/>
+          </p:nvSpPr>
+          <p:spPr>
+            <a:xfrm flipV="1">
+              <a:off x="4219114" y="5844306"/>
+              <a:ext cx="633663" cy="331991"/>
+            </a:xfrm>
+            <a:prstGeom prst="rect">
+              <a:avLst/>
+            </a:prstGeom>
+            <a:solidFill>
+              <a:schemeClr val="bg1"/>
+            </a:solidFill>
+            <a:ln>
+              <a:noFill/>
+            </a:ln>
+          </p:spPr>
+          <p:style>
+            <a:lnRef idx="2">
+              <a:schemeClr val="accent1">
+                <a:shade val="50000"/>
+              </a:schemeClr>
+            </a:lnRef>
+            <a:fillRef idx="1">
+              <a:schemeClr val="accent1"/>
+            </a:fillRef>
+            <a:effectRef idx="0">
+              <a:schemeClr val="accent1"/>
+            </a:effectRef>
+            <a:fontRef idx="minor">
+              <a:schemeClr val="lt1"/>
+            </a:fontRef>
+          </p:style>
+          <p:txBody>
+            <a:bodyPr rtlCol="0" anchor="ctr"/>
+            <a:lstStyle/>
+            <a:p>
+              <a:pPr algn="ctr"/>
+              <a:endParaRPr lang="en-US"/>
+            </a:p>
+          </p:txBody>
+        </p:sp>
+      </p:grpSp>
     </p:spTree>
     <p:extLst>
       <p:ext uri="{BB962C8B-B14F-4D97-AF65-F5344CB8AC3E}">
-        <p14:creationId xmlns:p14="http://schemas.microsoft.com/office/powerpoint/2010/main" val="303582536"/>
+        <p14:creationId xmlns:p14="http://schemas.microsoft.com/office/powerpoint/2010/main" val="1522849447"/>
       </p:ext>
     </p:extLst>
   </p:cSld>
@@ -3666,6 +4047,2358 @@
           <a:bodyPr/>
           <a:lstStyle/>
           <a:p>
+            <a:endParaRPr lang="en-US"/>
+          </a:p>
+        </p:txBody>
+      </p:sp>
+      <p:grpSp>
+        <p:nvGrpSpPr>
+          <p:cNvPr id="22" name="Group 21"/>
+          <p:cNvGrpSpPr/>
+          <p:nvPr/>
+        </p:nvGrpSpPr>
+        <p:grpSpPr>
+          <a:xfrm>
+            <a:off x="628650" y="1417779"/>
+            <a:ext cx="5020013" cy="3556285"/>
+            <a:chOff x="313749" y="1363959"/>
+            <a:chExt cx="5020013" cy="3556285"/>
+          </a:xfrm>
+        </p:grpSpPr>
+        <p:pic>
+          <p:nvPicPr>
+            <p:cNvPr id="4" name="Picture 3"/>
+            <p:cNvPicPr>
+              <a:picLocks noChangeAspect="1"/>
+            </p:cNvPicPr>
+            <p:nvPr/>
+          </p:nvPicPr>
+          <p:blipFill>
+            <a:blip r:embed="rId2">
+              <a:extLst>
+                <a:ext uri="{28A0092B-C50C-407E-A947-70E740481C1C}">
+                  <a14:useLocalDpi xmlns:a14="http://schemas.microsoft.com/office/drawing/2010/main" val="0"/>
+                </a:ext>
+              </a:extLst>
+            </a:blip>
+            <a:stretch>
+              <a:fillRect/>
+            </a:stretch>
+          </p:blipFill>
+          <p:spPr>
+            <a:xfrm>
+              <a:off x="1119006" y="1363959"/>
+              <a:ext cx="3556285" cy="3556285"/>
+            </a:xfrm>
+            <a:prstGeom prst="rect">
+              <a:avLst/>
+            </a:prstGeom>
+          </p:spPr>
+        </p:pic>
+        <p:sp>
+          <p:nvSpPr>
+            <p:cNvPr id="6" name="Rectangle 5"/>
+            <p:cNvSpPr/>
+            <p:nvPr/>
+          </p:nvSpPr>
+          <p:spPr>
+            <a:xfrm>
+              <a:off x="4131147" y="2123257"/>
+              <a:ext cx="1075764" cy="504727"/>
+            </a:xfrm>
+            <a:prstGeom prst="rect">
+              <a:avLst/>
+            </a:prstGeom>
+            <a:solidFill>
+              <a:schemeClr val="bg1"/>
+            </a:solidFill>
+            <a:ln>
+              <a:noFill/>
+            </a:ln>
+          </p:spPr>
+          <p:style>
+            <a:lnRef idx="2">
+              <a:schemeClr val="accent1">
+                <a:shade val="50000"/>
+              </a:schemeClr>
+            </a:lnRef>
+            <a:fillRef idx="1">
+              <a:schemeClr val="accent1"/>
+            </a:fillRef>
+            <a:effectRef idx="0">
+              <a:schemeClr val="accent1"/>
+            </a:effectRef>
+            <a:fontRef idx="minor">
+              <a:schemeClr val="lt1"/>
+            </a:fontRef>
+          </p:style>
+          <p:txBody>
+            <a:bodyPr rtlCol="0" anchor="ctr"/>
+            <a:lstStyle/>
+            <a:p>
+              <a:pPr algn="ctr"/>
+              <a:endParaRPr lang="en-US"/>
+            </a:p>
+          </p:txBody>
+        </p:sp>
+        <p:sp>
+          <p:nvSpPr>
+            <p:cNvPr id="7" name="Rectangle 6"/>
+            <p:cNvSpPr/>
+            <p:nvPr/>
+          </p:nvSpPr>
+          <p:spPr>
+            <a:xfrm>
+              <a:off x="581124" y="1518951"/>
+              <a:ext cx="1075764" cy="504727"/>
+            </a:xfrm>
+            <a:prstGeom prst="rect">
+              <a:avLst/>
+            </a:prstGeom>
+            <a:solidFill>
+              <a:schemeClr val="bg1"/>
+            </a:solidFill>
+            <a:ln>
+              <a:noFill/>
+            </a:ln>
+          </p:spPr>
+          <p:style>
+            <a:lnRef idx="2">
+              <a:schemeClr val="accent1">
+                <a:shade val="50000"/>
+              </a:schemeClr>
+            </a:lnRef>
+            <a:fillRef idx="1">
+              <a:schemeClr val="accent1"/>
+            </a:fillRef>
+            <a:effectRef idx="0">
+              <a:schemeClr val="accent1"/>
+            </a:effectRef>
+            <a:fontRef idx="minor">
+              <a:schemeClr val="lt1"/>
+            </a:fontRef>
+          </p:style>
+          <p:txBody>
+            <a:bodyPr rtlCol="0" anchor="ctr"/>
+            <a:lstStyle/>
+            <a:p>
+              <a:pPr algn="ctr"/>
+              <a:endParaRPr lang="en-US"/>
+            </a:p>
+          </p:txBody>
+        </p:sp>
+        <p:sp>
+          <p:nvSpPr>
+            <p:cNvPr id="8" name="Rectangle 7"/>
+            <p:cNvSpPr/>
+            <p:nvPr/>
+          </p:nvSpPr>
+          <p:spPr>
+            <a:xfrm>
+              <a:off x="3865337" y="4227260"/>
+              <a:ext cx="1075764" cy="504727"/>
+            </a:xfrm>
+            <a:prstGeom prst="rect">
+              <a:avLst/>
+            </a:prstGeom>
+            <a:solidFill>
+              <a:schemeClr val="bg1"/>
+            </a:solidFill>
+            <a:ln>
+              <a:noFill/>
+            </a:ln>
+          </p:spPr>
+          <p:style>
+            <a:lnRef idx="2">
+              <a:schemeClr val="accent1">
+                <a:shade val="50000"/>
+              </a:schemeClr>
+            </a:lnRef>
+            <a:fillRef idx="1">
+              <a:schemeClr val="accent1"/>
+            </a:fillRef>
+            <a:effectRef idx="0">
+              <a:schemeClr val="accent1"/>
+            </a:effectRef>
+            <a:fontRef idx="minor">
+              <a:schemeClr val="lt1"/>
+            </a:fontRef>
+          </p:style>
+          <p:txBody>
+            <a:bodyPr rtlCol="0" anchor="ctr"/>
+            <a:lstStyle/>
+            <a:p>
+              <a:pPr algn="ctr"/>
+              <a:endParaRPr lang="en-US"/>
+            </a:p>
+          </p:txBody>
+        </p:sp>
+        <p:sp>
+          <p:nvSpPr>
+            <p:cNvPr id="12" name="TextBox 11"/>
+            <p:cNvSpPr txBox="1"/>
+            <p:nvPr/>
+          </p:nvSpPr>
+          <p:spPr>
+            <a:xfrm>
+              <a:off x="313749" y="2815372"/>
+              <a:ext cx="990464" cy="646331"/>
+            </a:xfrm>
+            <a:prstGeom prst="rect">
+              <a:avLst/>
+            </a:prstGeom>
+            <a:noFill/>
+          </p:spPr>
+          <p:txBody>
+            <a:bodyPr wrap="none" rtlCol="0">
+              <a:spAutoFit/>
+            </a:bodyPr>
+            <a:lstStyle/>
+            <a:p>
+              <a:r>
+                <a:rPr lang="en-US" sz="1200" dirty="0" smtClean="0"/>
+                <a:t>Embryo</a:t>
+              </a:r>
+            </a:p>
+            <a:p>
+              <a:r>
+                <a:rPr lang="en-US" sz="1200" dirty="0" err="1" smtClean="0"/>
+                <a:t>Gro</a:t>
+              </a:r>
+              <a:r>
+                <a:rPr lang="en-US" sz="1200" dirty="0" smtClean="0"/>
+                <a:t> ChIP-seq</a:t>
+              </a:r>
+            </a:p>
+            <a:p>
+              <a:r>
+                <a:rPr lang="en-US" sz="1200" dirty="0" smtClean="0"/>
+                <a:t>All Peaks</a:t>
+              </a:r>
+              <a:endParaRPr lang="en-US" sz="1200" dirty="0"/>
+            </a:p>
+          </p:txBody>
+        </p:sp>
+        <p:sp>
+          <p:nvSpPr>
+            <p:cNvPr id="13" name="TextBox 12"/>
+            <p:cNvSpPr txBox="1"/>
+            <p:nvPr/>
+          </p:nvSpPr>
+          <p:spPr>
+            <a:xfrm>
+              <a:off x="4300017" y="2815372"/>
+              <a:ext cx="1033745" cy="646331"/>
+            </a:xfrm>
+            <a:prstGeom prst="rect">
+              <a:avLst/>
+            </a:prstGeom>
+            <a:noFill/>
+          </p:spPr>
+          <p:txBody>
+            <a:bodyPr wrap="none" rtlCol="0">
+              <a:spAutoFit/>
+            </a:bodyPr>
+            <a:lstStyle/>
+            <a:p>
+              <a:r>
+                <a:rPr lang="en-US" sz="1200" dirty="0" err="1" smtClean="0"/>
+                <a:t>modENCODE</a:t>
+              </a:r>
+              <a:endParaRPr lang="en-US" sz="1200" dirty="0" smtClean="0"/>
+            </a:p>
+            <a:p>
+              <a:r>
+                <a:rPr lang="en-US" sz="1200" dirty="0" smtClean="0"/>
+                <a:t>Embryo</a:t>
+              </a:r>
+            </a:p>
+            <a:p>
+              <a:r>
+                <a:rPr lang="en-US" sz="1200" dirty="0" err="1" smtClean="0"/>
+                <a:t>Gro</a:t>
+              </a:r>
+              <a:r>
+                <a:rPr lang="en-US" sz="1200" dirty="0" smtClean="0"/>
+                <a:t> </a:t>
+              </a:r>
+              <a:r>
+                <a:rPr lang="en-US" sz="1200" dirty="0" err="1" smtClean="0"/>
+                <a:t>ChIP</a:t>
+              </a:r>
+              <a:r>
+                <a:rPr lang="en-US" sz="1200" dirty="0" smtClean="0"/>
+                <a:t>-chip</a:t>
+              </a:r>
+              <a:endParaRPr lang="en-US" sz="1200" dirty="0"/>
+            </a:p>
+          </p:txBody>
+        </p:sp>
+      </p:grpSp>
+      <p:grpSp>
+        <p:nvGrpSpPr>
+          <p:cNvPr id="21" name="Group 20"/>
+          <p:cNvGrpSpPr/>
+          <p:nvPr/>
+        </p:nvGrpSpPr>
+        <p:grpSpPr>
+          <a:xfrm>
+            <a:off x="3643544" y="3729428"/>
+            <a:ext cx="5258506" cy="3550023"/>
+            <a:chOff x="3879686" y="2043953"/>
+            <a:chExt cx="5258506" cy="3550023"/>
+          </a:xfrm>
+        </p:grpSpPr>
+        <p:pic>
+          <p:nvPicPr>
+            <p:cNvPr id="5" name="Picture 4"/>
+            <p:cNvPicPr>
+              <a:picLocks noChangeAspect="1"/>
+            </p:cNvPicPr>
+            <p:nvPr/>
+          </p:nvPicPr>
+          <p:blipFill>
+            <a:blip r:embed="rId3">
+              <a:extLst>
+                <a:ext uri="{28A0092B-C50C-407E-A947-70E740481C1C}">
+                  <a14:useLocalDpi xmlns:a14="http://schemas.microsoft.com/office/drawing/2010/main" val="0"/>
+                </a:ext>
+              </a:extLst>
+            </a:blip>
+            <a:stretch>
+              <a:fillRect/>
+            </a:stretch>
+          </p:blipFill>
+          <p:spPr>
+            <a:xfrm flipH="1">
+              <a:off x="4558553" y="2043953"/>
+              <a:ext cx="3550023" cy="3550023"/>
+            </a:xfrm>
+            <a:prstGeom prst="rect">
+              <a:avLst/>
+            </a:prstGeom>
+          </p:spPr>
+        </p:pic>
+        <p:sp>
+          <p:nvSpPr>
+            <p:cNvPr id="9" name="Rectangle 8"/>
+            <p:cNvSpPr/>
+            <p:nvPr/>
+          </p:nvSpPr>
+          <p:spPr>
+            <a:xfrm>
+              <a:off x="7637929" y="4552293"/>
+              <a:ext cx="1075764" cy="504727"/>
+            </a:xfrm>
+            <a:prstGeom prst="rect">
+              <a:avLst/>
+            </a:prstGeom>
+            <a:solidFill>
+              <a:schemeClr val="bg1"/>
+            </a:solidFill>
+            <a:ln>
+              <a:noFill/>
+            </a:ln>
+          </p:spPr>
+          <p:style>
+            <a:lnRef idx="2">
+              <a:schemeClr val="accent1">
+                <a:shade val="50000"/>
+              </a:schemeClr>
+            </a:lnRef>
+            <a:fillRef idx="1">
+              <a:schemeClr val="accent1"/>
+            </a:fillRef>
+            <a:effectRef idx="0">
+              <a:schemeClr val="accent1"/>
+            </a:effectRef>
+            <a:fontRef idx="minor">
+              <a:schemeClr val="lt1"/>
+            </a:fontRef>
+          </p:style>
+          <p:txBody>
+            <a:bodyPr rtlCol="0" anchor="ctr"/>
+            <a:lstStyle/>
+            <a:p>
+              <a:pPr algn="ctr"/>
+              <a:endParaRPr lang="en-US"/>
+            </a:p>
+          </p:txBody>
+        </p:sp>
+        <p:sp>
+          <p:nvSpPr>
+            <p:cNvPr id="10" name="Rectangle 9"/>
+            <p:cNvSpPr/>
+            <p:nvPr/>
+          </p:nvSpPr>
+          <p:spPr>
+            <a:xfrm>
+              <a:off x="7301753" y="4992914"/>
+              <a:ext cx="1075764" cy="504727"/>
+            </a:xfrm>
+            <a:prstGeom prst="rect">
+              <a:avLst/>
+            </a:prstGeom>
+            <a:solidFill>
+              <a:schemeClr val="bg1"/>
+            </a:solidFill>
+            <a:ln>
+              <a:noFill/>
+            </a:ln>
+          </p:spPr>
+          <p:style>
+            <a:lnRef idx="2">
+              <a:schemeClr val="accent1">
+                <a:shade val="50000"/>
+              </a:schemeClr>
+            </a:lnRef>
+            <a:fillRef idx="1">
+              <a:schemeClr val="accent1"/>
+            </a:fillRef>
+            <a:effectRef idx="0">
+              <a:schemeClr val="accent1"/>
+            </a:effectRef>
+            <a:fontRef idx="minor">
+              <a:schemeClr val="lt1"/>
+            </a:fontRef>
+          </p:style>
+          <p:txBody>
+            <a:bodyPr rtlCol="0" anchor="ctr"/>
+            <a:lstStyle/>
+            <a:p>
+              <a:pPr algn="ctr"/>
+              <a:endParaRPr lang="en-US"/>
+            </a:p>
+          </p:txBody>
+        </p:sp>
+        <p:sp>
+          <p:nvSpPr>
+            <p:cNvPr id="11" name="Rectangle 10"/>
+            <p:cNvSpPr/>
+            <p:nvPr/>
+          </p:nvSpPr>
+          <p:spPr>
+            <a:xfrm>
+              <a:off x="4148419" y="4552293"/>
+              <a:ext cx="1075764" cy="809443"/>
+            </a:xfrm>
+            <a:prstGeom prst="rect">
+              <a:avLst/>
+            </a:prstGeom>
+            <a:solidFill>
+              <a:schemeClr val="bg1"/>
+            </a:solidFill>
+            <a:ln>
+              <a:noFill/>
+            </a:ln>
+          </p:spPr>
+          <p:style>
+            <a:lnRef idx="2">
+              <a:schemeClr val="accent1">
+                <a:shade val="50000"/>
+              </a:schemeClr>
+            </a:lnRef>
+            <a:fillRef idx="1">
+              <a:schemeClr val="accent1"/>
+            </a:fillRef>
+            <a:effectRef idx="0">
+              <a:schemeClr val="accent1"/>
+            </a:effectRef>
+            <a:fontRef idx="minor">
+              <a:schemeClr val="lt1"/>
+            </a:fontRef>
+          </p:style>
+          <p:txBody>
+            <a:bodyPr rtlCol="0" anchor="ctr"/>
+            <a:lstStyle/>
+            <a:p>
+              <a:pPr algn="ctr"/>
+              <a:endParaRPr lang="en-US"/>
+            </a:p>
+          </p:txBody>
+        </p:sp>
+        <p:sp>
+          <p:nvSpPr>
+            <p:cNvPr id="14" name="TextBox 13"/>
+            <p:cNvSpPr txBox="1"/>
+            <p:nvPr/>
+          </p:nvSpPr>
+          <p:spPr>
+            <a:xfrm>
+              <a:off x="3879686" y="3495366"/>
+              <a:ext cx="738023" cy="646331"/>
+            </a:xfrm>
+            <a:prstGeom prst="rect">
+              <a:avLst/>
+            </a:prstGeom>
+            <a:noFill/>
+          </p:spPr>
+          <p:txBody>
+            <a:bodyPr wrap="none" rtlCol="0">
+              <a:spAutoFit/>
+            </a:bodyPr>
+            <a:lstStyle/>
+            <a:p>
+              <a:r>
+                <a:rPr lang="en-US" sz="1200" dirty="0" smtClean="0"/>
+                <a:t>Embryo</a:t>
+              </a:r>
+            </a:p>
+            <a:p>
+              <a:r>
+                <a:rPr lang="en-US" sz="1200" dirty="0" err="1" smtClean="0"/>
+                <a:t>Gro</a:t>
+              </a:r>
+              <a:r>
+                <a:rPr lang="en-US" sz="1200" dirty="0" smtClean="0"/>
+                <a:t> </a:t>
+              </a:r>
+              <a:r>
+                <a:rPr lang="en-US" sz="1200" dirty="0" err="1" smtClean="0"/>
+                <a:t>ChIP</a:t>
+              </a:r>
+              <a:endParaRPr lang="en-US" sz="1200" dirty="0" smtClean="0"/>
+            </a:p>
+            <a:p>
+              <a:r>
+                <a:rPr lang="en-US" sz="1200" dirty="0" smtClean="0"/>
+                <a:t>All Peaks</a:t>
+              </a:r>
+              <a:endParaRPr lang="en-US" sz="1200" dirty="0"/>
+            </a:p>
+          </p:txBody>
+        </p:sp>
+        <p:sp>
+          <p:nvSpPr>
+            <p:cNvPr id="15" name="Rectangle 14"/>
+            <p:cNvSpPr/>
+            <p:nvPr/>
+          </p:nvSpPr>
+          <p:spPr>
+            <a:xfrm>
+              <a:off x="4982955" y="3577458"/>
+              <a:ext cx="640581" cy="564239"/>
+            </a:xfrm>
+            <a:prstGeom prst="rect">
+              <a:avLst/>
+            </a:prstGeom>
+            <a:solidFill>
+              <a:srgbClr val="9398FF"/>
+            </a:solidFill>
+            <a:ln>
+              <a:noFill/>
+            </a:ln>
+          </p:spPr>
+          <p:style>
+            <a:lnRef idx="2">
+              <a:schemeClr val="accent1">
+                <a:shade val="50000"/>
+              </a:schemeClr>
+            </a:lnRef>
+            <a:fillRef idx="1">
+              <a:schemeClr val="accent1"/>
+            </a:fillRef>
+            <a:effectRef idx="0">
+              <a:schemeClr val="accent1"/>
+            </a:effectRef>
+            <a:fontRef idx="minor">
+              <a:schemeClr val="lt1"/>
+            </a:fontRef>
+          </p:style>
+          <p:txBody>
+            <a:bodyPr rtlCol="0" anchor="ctr"/>
+            <a:lstStyle/>
+            <a:p>
+              <a:pPr algn="ctr"/>
+              <a:r>
+                <a:rPr lang="en-US" sz="1200" dirty="0" smtClean="0">
+                  <a:solidFill>
+                    <a:sysClr val="windowText" lastClr="000000"/>
+                  </a:solidFill>
+                </a:rPr>
+                <a:t>3823</a:t>
+              </a:r>
+              <a:endParaRPr lang="en-US" sz="1200" dirty="0">
+                <a:solidFill>
+                  <a:sysClr val="windowText" lastClr="000000"/>
+                </a:solidFill>
+              </a:endParaRPr>
+            </a:p>
+          </p:txBody>
+        </p:sp>
+        <p:sp>
+          <p:nvSpPr>
+            <p:cNvPr id="16" name="Rectangle 15"/>
+            <p:cNvSpPr/>
+            <p:nvPr/>
+          </p:nvSpPr>
+          <p:spPr>
+            <a:xfrm>
+              <a:off x="5778649" y="3727094"/>
+              <a:ext cx="554916" cy="264965"/>
+            </a:xfrm>
+            <a:prstGeom prst="rect">
+              <a:avLst/>
+            </a:prstGeom>
+            <a:solidFill>
+              <a:srgbClr val="5894CC"/>
+            </a:solidFill>
+            <a:ln>
+              <a:noFill/>
+            </a:ln>
+          </p:spPr>
+          <p:style>
+            <a:lnRef idx="2">
+              <a:schemeClr val="accent1">
+                <a:shade val="50000"/>
+              </a:schemeClr>
+            </a:lnRef>
+            <a:fillRef idx="1">
+              <a:schemeClr val="accent1"/>
+            </a:fillRef>
+            <a:effectRef idx="0">
+              <a:schemeClr val="accent1"/>
+            </a:effectRef>
+            <a:fontRef idx="minor">
+              <a:schemeClr val="lt1"/>
+            </a:fontRef>
+          </p:style>
+          <p:txBody>
+            <a:bodyPr rtlCol="0" anchor="ctr"/>
+            <a:lstStyle/>
+            <a:p>
+              <a:pPr algn="ctr"/>
+              <a:r>
+                <a:rPr lang="en-US" sz="1200" dirty="0" smtClean="0">
+                  <a:solidFill>
+                    <a:sysClr val="windowText" lastClr="000000"/>
+                  </a:solidFill>
+                </a:rPr>
+                <a:t>1885</a:t>
+              </a:r>
+              <a:endParaRPr lang="en-US" sz="1200" dirty="0">
+                <a:solidFill>
+                  <a:sysClr val="windowText" lastClr="000000"/>
+                </a:solidFill>
+              </a:endParaRPr>
+            </a:p>
+          </p:txBody>
+        </p:sp>
+        <p:sp>
+          <p:nvSpPr>
+            <p:cNvPr id="17" name="Rectangle 16"/>
+            <p:cNvSpPr/>
+            <p:nvPr/>
+          </p:nvSpPr>
+          <p:spPr>
+            <a:xfrm>
+              <a:off x="6843631" y="3727094"/>
+              <a:ext cx="554916" cy="264965"/>
+            </a:xfrm>
+            <a:prstGeom prst="rect">
+              <a:avLst/>
+            </a:prstGeom>
+            <a:solidFill>
+              <a:srgbClr val="9FFC95"/>
+            </a:solidFill>
+            <a:ln>
+              <a:noFill/>
+            </a:ln>
+          </p:spPr>
+          <p:style>
+            <a:lnRef idx="2">
+              <a:schemeClr val="accent1">
+                <a:shade val="50000"/>
+              </a:schemeClr>
+            </a:lnRef>
+            <a:fillRef idx="1">
+              <a:schemeClr val="accent1"/>
+            </a:fillRef>
+            <a:effectRef idx="0">
+              <a:schemeClr val="accent1"/>
+            </a:effectRef>
+            <a:fontRef idx="minor">
+              <a:schemeClr val="lt1"/>
+            </a:fontRef>
+          </p:style>
+          <p:txBody>
+            <a:bodyPr rtlCol="0" anchor="ctr"/>
+            <a:lstStyle/>
+            <a:p>
+              <a:pPr algn="ctr"/>
+              <a:r>
+                <a:rPr lang="en-US" sz="1200" smtClean="0">
+                  <a:solidFill>
+                    <a:sysClr val="windowText" lastClr="000000"/>
+                  </a:solidFill>
+                </a:rPr>
+                <a:t>9137</a:t>
+              </a:r>
+              <a:endParaRPr lang="en-US" sz="1200" dirty="0">
+                <a:solidFill>
+                  <a:sysClr val="windowText" lastClr="000000"/>
+                </a:solidFill>
+              </a:endParaRPr>
+            </a:p>
+          </p:txBody>
+        </p:sp>
+        <p:sp>
+          <p:nvSpPr>
+            <p:cNvPr id="18" name="TextBox 17"/>
+            <p:cNvSpPr txBox="1"/>
+            <p:nvPr/>
+          </p:nvSpPr>
+          <p:spPr>
+            <a:xfrm>
+              <a:off x="7894262" y="3420452"/>
+              <a:ext cx="1243930" cy="646331"/>
+            </a:xfrm>
+            <a:prstGeom prst="rect">
+              <a:avLst/>
+            </a:prstGeom>
+            <a:noFill/>
+          </p:spPr>
+          <p:txBody>
+            <a:bodyPr wrap="none" rtlCol="0">
+              <a:spAutoFit/>
+            </a:bodyPr>
+            <a:lstStyle/>
+            <a:p>
+              <a:r>
+                <a:rPr lang="en-US" sz="1200" dirty="0" err="1" smtClean="0"/>
+                <a:t>modENCODE</a:t>
+              </a:r>
+              <a:endParaRPr lang="en-US" sz="1200" dirty="0" smtClean="0"/>
+            </a:p>
+            <a:p>
+              <a:r>
+                <a:rPr lang="en-US" sz="1200" dirty="0" smtClean="0"/>
+                <a:t>White Pre-Pupae</a:t>
+              </a:r>
+            </a:p>
+            <a:p>
+              <a:r>
+                <a:rPr lang="en-US" sz="1200" dirty="0" err="1" smtClean="0"/>
+                <a:t>Gro</a:t>
+              </a:r>
+              <a:r>
+                <a:rPr lang="en-US" sz="1200" dirty="0" smtClean="0"/>
+                <a:t> </a:t>
+              </a:r>
+              <a:r>
+                <a:rPr lang="en-US" sz="1200" dirty="0" err="1" smtClean="0"/>
+                <a:t>ChIP</a:t>
+              </a:r>
+              <a:r>
+                <a:rPr lang="en-US" sz="1200" dirty="0" smtClean="0"/>
+                <a:t>-chip</a:t>
+              </a:r>
+              <a:endParaRPr lang="en-US" sz="1200" dirty="0"/>
+            </a:p>
+          </p:txBody>
+        </p:sp>
+      </p:grpSp>
+    </p:spTree>
+    <p:extLst>
+      <p:ext uri="{BB962C8B-B14F-4D97-AF65-F5344CB8AC3E}">
+        <p14:creationId xmlns:p14="http://schemas.microsoft.com/office/powerpoint/2010/main" val="2013756755"/>
+      </p:ext>
+    </p:extLst>
+  </p:cSld>
+  <p:clrMapOvr>
+    <a:masterClrMapping/>
+  </p:clrMapOvr>
+  <p:timing>
+    <p:tnLst>
+      <p:par>
+        <p:cTn id="1" dur="indefinite" restart="never" nodeType="tmRoot"/>
+      </p:par>
+    </p:tnLst>
+  </p:timing>
+</p:sld>
+</file>
+
+<file path=ppt/slides/slide12.xml><?xml version="1.0" encoding="utf-8"?>
+<p:sld xmlns:a="http://schemas.openxmlformats.org/drawingml/2006/main" xmlns:r="http://schemas.openxmlformats.org/officeDocument/2006/relationships" xmlns:p="http://schemas.openxmlformats.org/presentationml/2006/main">
+  <p:cSld>
+    <p:spTree>
+      <p:nvGrpSpPr>
+        <p:cNvPr id="1" name=""/>
+        <p:cNvGrpSpPr/>
+        <p:nvPr/>
+      </p:nvGrpSpPr>
+      <p:grpSpPr>
+        <a:xfrm>
+          <a:off x="0" y="0"/>
+          <a:ext cx="0" cy="0"/>
+          <a:chOff x="0" y="0"/>
+          <a:chExt cx="0" cy="0"/>
+        </a:xfrm>
+      </p:grpSpPr>
+      <p:sp>
+        <p:nvSpPr>
+          <p:cNvPr id="2" name="Title 1"/>
+          <p:cNvSpPr>
+            <a:spLocks noGrp="1"/>
+          </p:cNvSpPr>
+          <p:nvPr>
+            <p:ph type="title"/>
+          </p:nvPr>
+        </p:nvSpPr>
+        <p:spPr/>
+        <p:txBody>
+          <a:bodyPr/>
+          <a:lstStyle/>
+          <a:p>
+            <a:endParaRPr lang="en-US"/>
+          </a:p>
+        </p:txBody>
+      </p:sp>
+      <p:pic>
+        <p:nvPicPr>
+          <p:cNvPr id="4" name="Picture 3"/>
+          <p:cNvPicPr>
+            <a:picLocks noChangeAspect="1"/>
+          </p:cNvPicPr>
+          <p:nvPr/>
+        </p:nvPicPr>
+        <p:blipFill rotWithShape="1">
+          <a:blip r:embed="rId2">
+            <a:extLst>
+              <a:ext uri="{28A0092B-C50C-407E-A947-70E740481C1C}">
+                <a14:useLocalDpi xmlns:a14="http://schemas.microsoft.com/office/drawing/2010/main" val="0"/>
+              </a:ext>
+            </a:extLst>
+          </a:blip>
+          <a:srcRect r="14035"/>
+          <a:stretch/>
+        </p:blipFill>
+        <p:spPr>
+          <a:xfrm>
+            <a:off x="159487" y="2392325"/>
+            <a:ext cx="4866761" cy="3274828"/>
+          </a:xfrm>
+          <a:prstGeom prst="rect">
+            <a:avLst/>
+          </a:prstGeom>
+        </p:spPr>
+      </p:pic>
+      <p:pic>
+        <p:nvPicPr>
+          <p:cNvPr id="37" name="Picture 36"/>
+          <p:cNvPicPr>
+            <a:picLocks noChangeAspect="1"/>
+          </p:cNvPicPr>
+          <p:nvPr/>
+        </p:nvPicPr>
+        <p:blipFill>
+          <a:blip r:embed="rId3">
+            <a:extLst>
+              <a:ext uri="{28A0092B-C50C-407E-A947-70E740481C1C}">
+                <a14:useLocalDpi xmlns:a14="http://schemas.microsoft.com/office/drawing/2010/main" val="0"/>
+              </a:ext>
+            </a:extLst>
+          </a:blip>
+          <a:stretch>
+            <a:fillRect/>
+          </a:stretch>
+        </p:blipFill>
+        <p:spPr>
+          <a:xfrm>
+            <a:off x="5192051" y="1446027"/>
+            <a:ext cx="3323299" cy="4221126"/>
+          </a:xfrm>
+          <a:prstGeom prst="rect">
+            <a:avLst/>
+          </a:prstGeom>
+        </p:spPr>
+      </p:pic>
+    </p:spTree>
+    <p:extLst>
+      <p:ext uri="{BB962C8B-B14F-4D97-AF65-F5344CB8AC3E}">
+        <p14:creationId xmlns:p14="http://schemas.microsoft.com/office/powerpoint/2010/main" val="765951463"/>
+      </p:ext>
+    </p:extLst>
+  </p:cSld>
+  <p:clrMapOvr>
+    <a:masterClrMapping/>
+  </p:clrMapOvr>
+  <p:timing>
+    <p:tnLst>
+      <p:par>
+        <p:cTn id="1" dur="indefinite" restart="never" nodeType="tmRoot"/>
+      </p:par>
+    </p:tnLst>
+  </p:timing>
+</p:sld>
+</file>
+
+<file path=ppt/slides/slide13.xml><?xml version="1.0" encoding="utf-8"?>
+<p:sld xmlns:a="http://schemas.openxmlformats.org/drawingml/2006/main" xmlns:r="http://schemas.openxmlformats.org/officeDocument/2006/relationships" xmlns:p="http://schemas.openxmlformats.org/presentationml/2006/main">
+  <p:cSld>
+    <p:spTree>
+      <p:nvGrpSpPr>
+        <p:cNvPr id="1" name=""/>
+        <p:cNvGrpSpPr/>
+        <p:nvPr/>
+      </p:nvGrpSpPr>
+      <p:grpSpPr>
+        <a:xfrm>
+          <a:off x="0" y="0"/>
+          <a:ext cx="0" cy="0"/>
+          <a:chOff x="0" y="0"/>
+          <a:chExt cx="0" cy="0"/>
+        </a:xfrm>
+      </p:grpSpPr>
+      <p:sp>
+        <p:nvSpPr>
+          <p:cNvPr id="2" name="Title 1"/>
+          <p:cNvSpPr>
+            <a:spLocks noGrp="1"/>
+          </p:cNvSpPr>
+          <p:nvPr>
+            <p:ph type="title"/>
+          </p:nvPr>
+        </p:nvSpPr>
+        <p:spPr/>
+        <p:txBody>
+          <a:bodyPr/>
+          <a:lstStyle/>
+          <a:p>
+            <a:endParaRPr lang="en-US"/>
+          </a:p>
+        </p:txBody>
+      </p:sp>
+      <p:pic>
+        <p:nvPicPr>
+          <p:cNvPr id="4" name="Picture 3"/>
+          <p:cNvPicPr>
+            <a:picLocks noChangeAspect="1"/>
+          </p:cNvPicPr>
+          <p:nvPr/>
+        </p:nvPicPr>
+        <p:blipFill>
+          <a:blip r:embed="rId2">
+            <a:extLst>
+              <a:ext uri="{28A0092B-C50C-407E-A947-70E740481C1C}">
+                <a14:useLocalDpi xmlns:a14="http://schemas.microsoft.com/office/drawing/2010/main" val="0"/>
+              </a:ext>
+            </a:extLst>
+          </a:blip>
+          <a:stretch>
+            <a:fillRect/>
+          </a:stretch>
+        </p:blipFill>
+        <p:spPr>
+          <a:xfrm>
+            <a:off x="1037121" y="2359393"/>
+            <a:ext cx="6361602" cy="3679901"/>
+          </a:xfrm>
+          <a:prstGeom prst="rect">
+            <a:avLst/>
+          </a:prstGeom>
+        </p:spPr>
+      </p:pic>
+      <p:sp>
+        <p:nvSpPr>
+          <p:cNvPr id="5" name="TextBox 4"/>
+          <p:cNvSpPr txBox="1"/>
+          <p:nvPr/>
+        </p:nvSpPr>
+        <p:spPr>
+          <a:xfrm>
+            <a:off x="1651355" y="5488518"/>
+            <a:ext cx="303552" cy="246221"/>
+          </a:xfrm>
+          <a:prstGeom prst="rect">
+            <a:avLst/>
+          </a:prstGeom>
+          <a:noFill/>
+        </p:spPr>
+        <p:txBody>
+          <a:bodyPr wrap="square" rtlCol="0">
+            <a:spAutoFit/>
+          </a:bodyPr>
+          <a:lstStyle/>
+          <a:p>
+            <a:r>
+              <a:rPr lang="en-US" sz="1000" dirty="0" smtClean="0"/>
+              <a:t>1</a:t>
+            </a:r>
+            <a:endParaRPr lang="en-US" sz="1000" dirty="0"/>
+          </a:p>
+        </p:txBody>
+      </p:sp>
+      <p:sp>
+        <p:nvSpPr>
+          <p:cNvPr id="6" name="TextBox 5"/>
+          <p:cNvSpPr txBox="1"/>
+          <p:nvPr/>
+        </p:nvSpPr>
+        <p:spPr>
+          <a:xfrm>
+            <a:off x="1785358" y="5488518"/>
+            <a:ext cx="303552" cy="246221"/>
+          </a:xfrm>
+          <a:prstGeom prst="rect">
+            <a:avLst/>
+          </a:prstGeom>
+          <a:noFill/>
+        </p:spPr>
+        <p:txBody>
+          <a:bodyPr wrap="square" rtlCol="0">
+            <a:spAutoFit/>
+          </a:bodyPr>
+          <a:lstStyle/>
+          <a:p>
+            <a:r>
+              <a:rPr lang="en-US" sz="1000" smtClean="0"/>
+              <a:t>2</a:t>
+            </a:r>
+            <a:endParaRPr lang="en-US" sz="1000" dirty="0"/>
+          </a:p>
+        </p:txBody>
+      </p:sp>
+      <p:sp>
+        <p:nvSpPr>
+          <p:cNvPr id="7" name="TextBox 6"/>
+          <p:cNvSpPr txBox="1"/>
+          <p:nvPr/>
+        </p:nvSpPr>
+        <p:spPr>
+          <a:xfrm>
+            <a:off x="1919361" y="5488518"/>
+            <a:ext cx="303552" cy="246221"/>
+          </a:xfrm>
+          <a:prstGeom prst="rect">
+            <a:avLst/>
+          </a:prstGeom>
+          <a:noFill/>
+        </p:spPr>
+        <p:txBody>
+          <a:bodyPr wrap="square" rtlCol="0">
+            <a:spAutoFit/>
+          </a:bodyPr>
+          <a:lstStyle/>
+          <a:p>
+            <a:r>
+              <a:rPr lang="en-US" sz="1000" dirty="0"/>
+              <a:t>3</a:t>
+            </a:r>
+          </a:p>
+        </p:txBody>
+      </p:sp>
+      <p:sp>
+        <p:nvSpPr>
+          <p:cNvPr id="8" name="TextBox 7"/>
+          <p:cNvSpPr txBox="1"/>
+          <p:nvPr/>
+        </p:nvSpPr>
+        <p:spPr>
+          <a:xfrm>
+            <a:off x="2053364" y="5488518"/>
+            <a:ext cx="303552" cy="246221"/>
+          </a:xfrm>
+          <a:prstGeom prst="rect">
+            <a:avLst/>
+          </a:prstGeom>
+          <a:noFill/>
+        </p:spPr>
+        <p:txBody>
+          <a:bodyPr wrap="square" rtlCol="0">
+            <a:spAutoFit/>
+          </a:bodyPr>
+          <a:lstStyle/>
+          <a:p>
+            <a:r>
+              <a:rPr lang="en-US" sz="1000" dirty="0" smtClean="0"/>
+              <a:t>4</a:t>
+            </a:r>
+            <a:endParaRPr lang="en-US" sz="1000" dirty="0"/>
+          </a:p>
+        </p:txBody>
+      </p:sp>
+      <p:sp>
+        <p:nvSpPr>
+          <p:cNvPr id="9" name="TextBox 8"/>
+          <p:cNvSpPr txBox="1"/>
+          <p:nvPr/>
+        </p:nvSpPr>
+        <p:spPr>
+          <a:xfrm>
+            <a:off x="2187367" y="5488518"/>
+            <a:ext cx="303552" cy="246221"/>
+          </a:xfrm>
+          <a:prstGeom prst="rect">
+            <a:avLst/>
+          </a:prstGeom>
+          <a:noFill/>
+        </p:spPr>
+        <p:txBody>
+          <a:bodyPr wrap="square" rtlCol="0">
+            <a:spAutoFit/>
+          </a:bodyPr>
+          <a:lstStyle/>
+          <a:p>
+            <a:r>
+              <a:rPr lang="en-US" sz="1000" dirty="0" smtClean="0"/>
+              <a:t>5</a:t>
+            </a:r>
+            <a:endParaRPr lang="en-US" sz="1000" dirty="0"/>
+          </a:p>
+        </p:txBody>
+      </p:sp>
+    </p:spTree>
+    <p:extLst>
+      <p:ext uri="{BB962C8B-B14F-4D97-AF65-F5344CB8AC3E}">
+        <p14:creationId xmlns:p14="http://schemas.microsoft.com/office/powerpoint/2010/main" val="1677184986"/>
+      </p:ext>
+    </p:extLst>
+  </p:cSld>
+  <p:clrMapOvr>
+    <a:masterClrMapping/>
+  </p:clrMapOvr>
+  <p:timing>
+    <p:tnLst>
+      <p:par>
+        <p:cTn id="1" dur="indefinite" restart="never" nodeType="tmRoot"/>
+      </p:par>
+    </p:tnLst>
+  </p:timing>
+</p:sld>
+</file>
+
+<file path=ppt/slides/slide14.xml><?xml version="1.0" encoding="utf-8"?>
+<p:sld xmlns:a="http://schemas.openxmlformats.org/drawingml/2006/main" xmlns:r="http://schemas.openxmlformats.org/officeDocument/2006/relationships" xmlns:p="http://schemas.openxmlformats.org/presentationml/2006/main">
+  <p:cSld>
+    <p:spTree>
+      <p:nvGrpSpPr>
+        <p:cNvPr id="1" name=""/>
+        <p:cNvGrpSpPr/>
+        <p:nvPr/>
+      </p:nvGrpSpPr>
+      <p:grpSpPr>
+        <a:xfrm>
+          <a:off x="0" y="0"/>
+          <a:ext cx="0" cy="0"/>
+          <a:chOff x="0" y="0"/>
+          <a:chExt cx="0" cy="0"/>
+        </a:xfrm>
+      </p:grpSpPr>
+      <p:sp>
+        <p:nvSpPr>
+          <p:cNvPr id="2" name="Title 1"/>
+          <p:cNvSpPr>
+            <a:spLocks noGrp="1"/>
+          </p:cNvSpPr>
+          <p:nvPr>
+            <p:ph type="title"/>
+          </p:nvPr>
+        </p:nvSpPr>
+        <p:spPr/>
+        <p:txBody>
+          <a:bodyPr/>
+          <a:lstStyle/>
+          <a:p>
+            <a:endParaRPr lang="en-US"/>
+          </a:p>
+        </p:txBody>
+      </p:sp>
+      <p:grpSp>
+        <p:nvGrpSpPr>
+          <p:cNvPr id="18" name="Group 17"/>
+          <p:cNvGrpSpPr/>
+          <p:nvPr/>
+        </p:nvGrpSpPr>
+        <p:grpSpPr>
+          <a:xfrm>
+            <a:off x="2274592" y="1888069"/>
+            <a:ext cx="3051298" cy="4440311"/>
+            <a:chOff x="1790498" y="1888069"/>
+            <a:chExt cx="3051298" cy="4440311"/>
+          </a:xfrm>
+        </p:grpSpPr>
+        <p:grpSp>
+          <p:nvGrpSpPr>
+            <p:cNvPr id="11" name="Group 10"/>
+            <p:cNvGrpSpPr/>
+            <p:nvPr/>
+          </p:nvGrpSpPr>
+          <p:grpSpPr>
+            <a:xfrm>
+              <a:off x="1928405" y="1888069"/>
+              <a:ext cx="2913391" cy="4440311"/>
+              <a:chOff x="2023583" y="2299130"/>
+              <a:chExt cx="2913391" cy="4440311"/>
+            </a:xfrm>
+          </p:grpSpPr>
+          <p:pic>
+            <p:nvPicPr>
+              <p:cNvPr id="4" name="Picture 3"/>
+              <p:cNvPicPr>
+                <a:picLocks noChangeAspect="1"/>
+              </p:cNvPicPr>
+              <p:nvPr/>
+            </p:nvPicPr>
+            <p:blipFill rotWithShape="1">
+              <a:blip r:embed="rId3">
+                <a:extLst>
+                  <a:ext uri="{28A0092B-C50C-407E-A947-70E740481C1C}">
+                    <a14:useLocalDpi xmlns:a14="http://schemas.microsoft.com/office/drawing/2010/main" val="0"/>
+                  </a:ext>
+                </a:extLst>
+              </a:blip>
+              <a:srcRect l="31780" t="4180" b="3823"/>
+              <a:stretch/>
+            </p:blipFill>
+            <p:spPr>
+              <a:xfrm>
+                <a:off x="2583662" y="2299130"/>
+                <a:ext cx="2353312" cy="3920194"/>
+              </a:xfrm>
+              <a:prstGeom prst="rect">
+                <a:avLst/>
+              </a:prstGeom>
+            </p:spPr>
+          </p:pic>
+          <p:pic>
+            <p:nvPicPr>
+              <p:cNvPr id="5" name="Picture 4"/>
+              <p:cNvPicPr>
+                <a:picLocks noChangeAspect="1"/>
+              </p:cNvPicPr>
+              <p:nvPr/>
+            </p:nvPicPr>
+            <p:blipFill rotWithShape="1">
+              <a:blip r:embed="rId3">
+                <a:extLst>
+                  <a:ext uri="{28A0092B-C50C-407E-A947-70E740481C1C}">
+                    <a14:useLocalDpi xmlns:a14="http://schemas.microsoft.com/office/drawing/2010/main" val="0"/>
+                  </a:ext>
+                </a:extLst>
+              </a:blip>
+              <a:srcRect l="-1150" t="4180" r="88185" b="3823"/>
+              <a:stretch/>
+            </p:blipFill>
+            <p:spPr>
+              <a:xfrm>
+                <a:off x="2136401" y="2299130"/>
+                <a:ext cx="447261" cy="3920194"/>
+              </a:xfrm>
+              <a:prstGeom prst="rect">
+                <a:avLst/>
+              </a:prstGeom>
+            </p:spPr>
+          </p:pic>
+          <p:sp>
+            <p:nvSpPr>
+              <p:cNvPr id="6" name="Rectangle 5"/>
+              <p:cNvSpPr/>
+              <p:nvPr/>
+            </p:nvSpPr>
+            <p:spPr>
+              <a:xfrm>
+                <a:off x="2023583" y="2404882"/>
+                <a:ext cx="436146" cy="3683523"/>
+              </a:xfrm>
+              <a:prstGeom prst="rect">
+                <a:avLst/>
+              </a:prstGeom>
+              <a:solidFill>
+                <a:schemeClr val="bg1"/>
+              </a:solidFill>
+              <a:ln>
+                <a:noFill/>
+              </a:ln>
+            </p:spPr>
+            <p:style>
+              <a:lnRef idx="2">
+                <a:schemeClr val="accent1">
+                  <a:shade val="50000"/>
+                </a:schemeClr>
+              </a:lnRef>
+              <a:fillRef idx="1">
+                <a:schemeClr val="accent1"/>
+              </a:fillRef>
+              <a:effectRef idx="0">
+                <a:schemeClr val="accent1"/>
+              </a:effectRef>
+              <a:fontRef idx="minor">
+                <a:schemeClr val="lt1"/>
+              </a:fontRef>
+            </p:style>
+            <p:txBody>
+              <a:bodyPr rtlCol="0" anchor="ctr"/>
+              <a:lstStyle/>
+              <a:p>
+                <a:pPr algn="ctr"/>
+                <a:endParaRPr lang="en-US"/>
+              </a:p>
+            </p:txBody>
+          </p:sp>
+          <p:sp>
+            <p:nvSpPr>
+              <p:cNvPr id="7" name="Rectangle 6"/>
+              <p:cNvSpPr/>
+              <p:nvPr/>
+            </p:nvSpPr>
+            <p:spPr>
+              <a:xfrm>
+                <a:off x="2709430" y="6194157"/>
+                <a:ext cx="1912904" cy="545284"/>
+              </a:xfrm>
+              <a:prstGeom prst="rect">
+                <a:avLst/>
+              </a:prstGeom>
+              <a:solidFill>
+                <a:schemeClr val="bg1"/>
+              </a:solidFill>
+              <a:ln>
+                <a:noFill/>
+              </a:ln>
+            </p:spPr>
+            <p:style>
+              <a:lnRef idx="2">
+                <a:schemeClr val="accent1">
+                  <a:shade val="50000"/>
+                </a:schemeClr>
+              </a:lnRef>
+              <a:fillRef idx="1">
+                <a:schemeClr val="accent1"/>
+              </a:fillRef>
+              <a:effectRef idx="0">
+                <a:schemeClr val="accent1"/>
+              </a:effectRef>
+              <a:fontRef idx="minor">
+                <a:schemeClr val="lt1"/>
+              </a:fontRef>
+            </p:style>
+            <p:txBody>
+              <a:bodyPr rtlCol="0" anchor="ctr"/>
+              <a:lstStyle/>
+              <a:p>
+                <a:pPr algn="ctr"/>
+                <a:endParaRPr lang="en-US"/>
+              </a:p>
+            </p:txBody>
+          </p:sp>
+        </p:grpSp>
+        <p:sp>
+          <p:nvSpPr>
+            <p:cNvPr id="8" name="TextBox 7"/>
+            <p:cNvSpPr txBox="1"/>
+            <p:nvPr/>
+          </p:nvSpPr>
+          <p:spPr>
+            <a:xfrm rot="18900000">
+              <a:off x="2139759" y="5927810"/>
+              <a:ext cx="939681" cy="307777"/>
+            </a:xfrm>
+            <a:prstGeom prst="rect">
+              <a:avLst/>
+            </a:prstGeom>
+            <a:noFill/>
+          </p:spPr>
+          <p:txBody>
+            <a:bodyPr wrap="none" rtlCol="0">
+              <a:spAutoFit/>
+            </a:bodyPr>
+            <a:lstStyle/>
+            <a:p>
+              <a:r>
+                <a:rPr lang="en-US" sz="1400" dirty="0" smtClean="0">
+                  <a:latin typeface="Helvetica" charset="0"/>
+                  <a:ea typeface="Helvetica" charset="0"/>
+                  <a:cs typeface="Helvetica" charset="0"/>
+                </a:rPr>
+                <a:t>1.5 – 4 </a:t>
+              </a:r>
+              <a:r>
+                <a:rPr lang="en-US" sz="1400" dirty="0" err="1" smtClean="0">
+                  <a:latin typeface="Helvetica" charset="0"/>
+                  <a:ea typeface="Helvetica" charset="0"/>
+                  <a:cs typeface="Helvetica" charset="0"/>
+                </a:rPr>
+                <a:t>hr</a:t>
+              </a:r>
+              <a:endParaRPr lang="en-US" sz="1400" dirty="0">
+                <a:latin typeface="Helvetica" charset="0"/>
+                <a:ea typeface="Helvetica" charset="0"/>
+                <a:cs typeface="Helvetica" charset="0"/>
+              </a:endParaRPr>
+            </a:p>
+          </p:txBody>
+        </p:sp>
+        <p:sp>
+          <p:nvSpPr>
+            <p:cNvPr id="9" name="TextBox 8"/>
+            <p:cNvSpPr txBox="1"/>
+            <p:nvPr/>
+          </p:nvSpPr>
+          <p:spPr>
+            <a:xfrm rot="18900000">
+              <a:off x="2878830" y="5927810"/>
+              <a:ext cx="939681" cy="307777"/>
+            </a:xfrm>
+            <a:prstGeom prst="rect">
+              <a:avLst/>
+            </a:prstGeom>
+            <a:noFill/>
+          </p:spPr>
+          <p:txBody>
+            <a:bodyPr wrap="none" rtlCol="0">
+              <a:spAutoFit/>
+            </a:bodyPr>
+            <a:lstStyle/>
+            <a:p>
+              <a:r>
+                <a:rPr lang="en-US" sz="1400" dirty="0" smtClean="0">
+                  <a:latin typeface="Helvetica" charset="0"/>
+                  <a:ea typeface="Helvetica" charset="0"/>
+                  <a:cs typeface="Helvetica" charset="0"/>
+                </a:rPr>
+                <a:t>4 – 6.5 </a:t>
+              </a:r>
+              <a:r>
+                <a:rPr lang="en-US" sz="1400" dirty="0" err="1" smtClean="0">
+                  <a:latin typeface="Helvetica" charset="0"/>
+                  <a:ea typeface="Helvetica" charset="0"/>
+                  <a:cs typeface="Helvetica" charset="0"/>
+                </a:rPr>
+                <a:t>hr</a:t>
+              </a:r>
+              <a:endParaRPr lang="en-US" sz="1400" dirty="0">
+                <a:latin typeface="Helvetica" charset="0"/>
+                <a:ea typeface="Helvetica" charset="0"/>
+                <a:cs typeface="Helvetica" charset="0"/>
+              </a:endParaRPr>
+            </a:p>
+          </p:txBody>
+        </p:sp>
+        <p:sp>
+          <p:nvSpPr>
+            <p:cNvPr id="10" name="TextBox 9"/>
+            <p:cNvSpPr txBox="1"/>
+            <p:nvPr/>
+          </p:nvSpPr>
+          <p:spPr>
+            <a:xfrm rot="18900000">
+              <a:off x="3639419" y="5913641"/>
+              <a:ext cx="899605" cy="307777"/>
+            </a:xfrm>
+            <a:prstGeom prst="rect">
+              <a:avLst/>
+            </a:prstGeom>
+            <a:noFill/>
+          </p:spPr>
+          <p:txBody>
+            <a:bodyPr wrap="none" rtlCol="0">
+              <a:spAutoFit/>
+            </a:bodyPr>
+            <a:lstStyle/>
+            <a:p>
+              <a:r>
+                <a:rPr lang="en-US" sz="1400" dirty="0" smtClean="0">
+                  <a:latin typeface="Helvetica" charset="0"/>
+                  <a:ea typeface="Helvetica" charset="0"/>
+                  <a:cs typeface="Helvetica" charset="0"/>
+                </a:rPr>
+                <a:t>6.5 - 9 </a:t>
+              </a:r>
+              <a:r>
+                <a:rPr lang="en-US" sz="1400" dirty="0" err="1" smtClean="0">
+                  <a:latin typeface="Helvetica" charset="0"/>
+                  <a:ea typeface="Helvetica" charset="0"/>
+                  <a:cs typeface="Helvetica" charset="0"/>
+                </a:rPr>
+                <a:t>hr</a:t>
+              </a:r>
+              <a:endParaRPr lang="en-US" sz="1400" dirty="0">
+                <a:latin typeface="Helvetica" charset="0"/>
+                <a:ea typeface="Helvetica" charset="0"/>
+                <a:cs typeface="Helvetica" charset="0"/>
+              </a:endParaRPr>
+            </a:p>
+          </p:txBody>
+        </p:sp>
+        <p:sp>
+          <p:nvSpPr>
+            <p:cNvPr id="12" name="TextBox 11"/>
+            <p:cNvSpPr txBox="1"/>
+            <p:nvPr/>
+          </p:nvSpPr>
+          <p:spPr>
+            <a:xfrm>
+              <a:off x="2064612" y="5410623"/>
+              <a:ext cx="393056" cy="307777"/>
+            </a:xfrm>
+            <a:prstGeom prst="rect">
+              <a:avLst/>
+            </a:prstGeom>
+            <a:noFill/>
+          </p:spPr>
+          <p:txBody>
+            <a:bodyPr wrap="none" rtlCol="0">
+              <a:spAutoFit/>
+            </a:bodyPr>
+            <a:lstStyle/>
+            <a:p>
+              <a:r>
+                <a:rPr lang="en-US" sz="1400" dirty="0" smtClean="0">
+                  <a:latin typeface="Helvetica" charset="0"/>
+                  <a:ea typeface="Helvetica" charset="0"/>
+                  <a:cs typeface="Helvetica" charset="0"/>
+                </a:rPr>
+                <a:t>0 -</a:t>
+              </a:r>
+              <a:endParaRPr lang="en-US" sz="1400" dirty="0">
+                <a:latin typeface="Helvetica" charset="0"/>
+                <a:ea typeface="Helvetica" charset="0"/>
+                <a:cs typeface="Helvetica" charset="0"/>
+              </a:endParaRPr>
+            </a:p>
+          </p:txBody>
+        </p:sp>
+        <p:sp>
+          <p:nvSpPr>
+            <p:cNvPr id="13" name="TextBox 12"/>
+            <p:cNvSpPr txBox="1"/>
+            <p:nvPr/>
+          </p:nvSpPr>
+          <p:spPr>
+            <a:xfrm>
+              <a:off x="1881869" y="4710424"/>
+              <a:ext cx="591829" cy="307777"/>
+            </a:xfrm>
+            <a:prstGeom prst="rect">
+              <a:avLst/>
+            </a:prstGeom>
+            <a:noFill/>
+          </p:spPr>
+          <p:txBody>
+            <a:bodyPr wrap="none" rtlCol="0">
+              <a:spAutoFit/>
+            </a:bodyPr>
+            <a:lstStyle/>
+            <a:p>
+              <a:r>
+                <a:rPr lang="en-US" sz="1400" dirty="0" smtClean="0">
+                  <a:latin typeface="Helvetica" charset="0"/>
+                  <a:ea typeface="Helvetica" charset="0"/>
+                  <a:cs typeface="Helvetica" charset="0"/>
+                </a:rPr>
+                <a:t>500 -</a:t>
+              </a:r>
+              <a:endParaRPr lang="en-US" sz="1400" dirty="0">
+                <a:latin typeface="Helvetica" charset="0"/>
+                <a:ea typeface="Helvetica" charset="0"/>
+                <a:cs typeface="Helvetica" charset="0"/>
+              </a:endParaRPr>
+            </a:p>
+          </p:txBody>
+        </p:sp>
+        <p:sp>
+          <p:nvSpPr>
+            <p:cNvPr id="14" name="TextBox 13"/>
+            <p:cNvSpPr txBox="1"/>
+            <p:nvPr/>
+          </p:nvSpPr>
+          <p:spPr>
+            <a:xfrm>
+              <a:off x="1790498" y="4006256"/>
+              <a:ext cx="691215" cy="307777"/>
+            </a:xfrm>
+            <a:prstGeom prst="rect">
+              <a:avLst/>
+            </a:prstGeom>
+            <a:noFill/>
+          </p:spPr>
+          <p:txBody>
+            <a:bodyPr wrap="none" rtlCol="0">
+              <a:spAutoFit/>
+            </a:bodyPr>
+            <a:lstStyle/>
+            <a:p>
+              <a:r>
+                <a:rPr lang="en-US" sz="1400" smtClean="0">
+                  <a:latin typeface="Helvetica" charset="0"/>
+                  <a:ea typeface="Helvetica" charset="0"/>
+                  <a:cs typeface="Helvetica" charset="0"/>
+                </a:rPr>
+                <a:t>1000 </a:t>
+              </a:r>
+              <a:r>
+                <a:rPr lang="en-US" sz="1400" dirty="0" smtClean="0">
+                  <a:latin typeface="Helvetica" charset="0"/>
+                  <a:ea typeface="Helvetica" charset="0"/>
+                  <a:cs typeface="Helvetica" charset="0"/>
+                </a:rPr>
+                <a:t>-</a:t>
+              </a:r>
+              <a:endParaRPr lang="en-US" sz="1400" dirty="0">
+                <a:latin typeface="Helvetica" charset="0"/>
+                <a:ea typeface="Helvetica" charset="0"/>
+                <a:cs typeface="Helvetica" charset="0"/>
+              </a:endParaRPr>
+            </a:p>
+          </p:txBody>
+        </p:sp>
+        <p:sp>
+          <p:nvSpPr>
+            <p:cNvPr id="15" name="TextBox 14"/>
+            <p:cNvSpPr txBox="1"/>
+            <p:nvPr/>
+          </p:nvSpPr>
+          <p:spPr>
+            <a:xfrm>
+              <a:off x="1790498" y="3304073"/>
+              <a:ext cx="691215" cy="307777"/>
+            </a:xfrm>
+            <a:prstGeom prst="rect">
+              <a:avLst/>
+            </a:prstGeom>
+            <a:noFill/>
+          </p:spPr>
+          <p:txBody>
+            <a:bodyPr wrap="none" rtlCol="0">
+              <a:spAutoFit/>
+            </a:bodyPr>
+            <a:lstStyle/>
+            <a:p>
+              <a:r>
+                <a:rPr lang="en-US" sz="1400" dirty="0" smtClean="0">
+                  <a:latin typeface="Helvetica" charset="0"/>
+                  <a:ea typeface="Helvetica" charset="0"/>
+                  <a:cs typeface="Helvetica" charset="0"/>
+                </a:rPr>
+                <a:t>1500 -</a:t>
+              </a:r>
+              <a:endParaRPr lang="en-US" sz="1400" dirty="0">
+                <a:latin typeface="Helvetica" charset="0"/>
+                <a:ea typeface="Helvetica" charset="0"/>
+                <a:cs typeface="Helvetica" charset="0"/>
+              </a:endParaRPr>
+            </a:p>
+          </p:txBody>
+        </p:sp>
+        <p:sp>
+          <p:nvSpPr>
+            <p:cNvPr id="16" name="TextBox 15"/>
+            <p:cNvSpPr txBox="1"/>
+            <p:nvPr/>
+          </p:nvSpPr>
+          <p:spPr>
+            <a:xfrm>
+              <a:off x="1790498" y="2599905"/>
+              <a:ext cx="691215" cy="307777"/>
+            </a:xfrm>
+            <a:prstGeom prst="rect">
+              <a:avLst/>
+            </a:prstGeom>
+            <a:noFill/>
+          </p:spPr>
+          <p:txBody>
+            <a:bodyPr wrap="none" rtlCol="0">
+              <a:spAutoFit/>
+            </a:bodyPr>
+            <a:lstStyle/>
+            <a:p>
+              <a:r>
+                <a:rPr lang="en-US" sz="1400" dirty="0" smtClean="0">
+                  <a:latin typeface="Helvetica" charset="0"/>
+                  <a:ea typeface="Helvetica" charset="0"/>
+                  <a:cs typeface="Helvetica" charset="0"/>
+                </a:rPr>
+                <a:t>2000 -</a:t>
+              </a:r>
+              <a:endParaRPr lang="en-US" sz="1400" dirty="0">
+                <a:latin typeface="Helvetica" charset="0"/>
+                <a:ea typeface="Helvetica" charset="0"/>
+                <a:cs typeface="Helvetica" charset="0"/>
+              </a:endParaRPr>
+            </a:p>
+          </p:txBody>
+        </p:sp>
+        <p:sp>
+          <p:nvSpPr>
+            <p:cNvPr id="17" name="TextBox 16"/>
+            <p:cNvSpPr txBox="1"/>
+            <p:nvPr/>
+          </p:nvSpPr>
+          <p:spPr>
+            <a:xfrm>
+              <a:off x="1790498" y="1896730"/>
+              <a:ext cx="691215" cy="307777"/>
+            </a:xfrm>
+            <a:prstGeom prst="rect">
+              <a:avLst/>
+            </a:prstGeom>
+            <a:noFill/>
+          </p:spPr>
+          <p:txBody>
+            <a:bodyPr wrap="none" rtlCol="0">
+              <a:spAutoFit/>
+            </a:bodyPr>
+            <a:lstStyle/>
+            <a:p>
+              <a:r>
+                <a:rPr lang="en-US" sz="1400" dirty="0" smtClean="0">
+                  <a:latin typeface="Helvetica" charset="0"/>
+                  <a:ea typeface="Helvetica" charset="0"/>
+                  <a:cs typeface="Helvetica" charset="0"/>
+                </a:rPr>
+                <a:t>2500 -</a:t>
+              </a:r>
+              <a:endParaRPr lang="en-US" sz="1400" dirty="0">
+                <a:latin typeface="Helvetica" charset="0"/>
+                <a:ea typeface="Helvetica" charset="0"/>
+                <a:cs typeface="Helvetica" charset="0"/>
+              </a:endParaRPr>
+            </a:p>
+          </p:txBody>
+        </p:sp>
+      </p:grpSp>
+    </p:spTree>
+    <p:extLst>
+      <p:ext uri="{BB962C8B-B14F-4D97-AF65-F5344CB8AC3E}">
+        <p14:creationId xmlns:p14="http://schemas.microsoft.com/office/powerpoint/2010/main" val="724771932"/>
+      </p:ext>
+    </p:extLst>
+  </p:cSld>
+  <p:clrMapOvr>
+    <a:masterClrMapping/>
+  </p:clrMapOvr>
+  <p:timing>
+    <p:tnLst>
+      <p:par>
+        <p:cTn id="1" dur="indefinite" restart="never" nodeType="tmRoot"/>
+      </p:par>
+    </p:tnLst>
+  </p:timing>
+</p:sld>
+</file>
+
+<file path=ppt/slides/slide15.xml><?xml version="1.0" encoding="utf-8"?>
+<p:sld xmlns:a="http://schemas.openxmlformats.org/drawingml/2006/main" xmlns:r="http://schemas.openxmlformats.org/officeDocument/2006/relationships" xmlns:p="http://schemas.openxmlformats.org/presentationml/2006/main">
+  <p:cSld>
+    <p:spTree>
+      <p:nvGrpSpPr>
+        <p:cNvPr id="1" name=""/>
+        <p:cNvGrpSpPr/>
+        <p:nvPr/>
+      </p:nvGrpSpPr>
+      <p:grpSpPr>
+        <a:xfrm>
+          <a:off x="0" y="0"/>
+          <a:ext cx="0" cy="0"/>
+          <a:chOff x="0" y="0"/>
+          <a:chExt cx="0" cy="0"/>
+        </a:xfrm>
+      </p:grpSpPr>
+      <p:sp>
+        <p:nvSpPr>
+          <p:cNvPr id="2" name="Title 1"/>
+          <p:cNvSpPr>
+            <a:spLocks noGrp="1"/>
+          </p:cNvSpPr>
+          <p:nvPr>
+            <p:ph type="title"/>
+          </p:nvPr>
+        </p:nvSpPr>
+        <p:spPr/>
+        <p:txBody>
+          <a:bodyPr/>
+          <a:lstStyle/>
+          <a:p>
+            <a:endParaRPr lang="en-US"/>
+          </a:p>
+        </p:txBody>
+      </p:sp>
+      <p:grpSp>
+        <p:nvGrpSpPr>
+          <p:cNvPr id="7" name="Group 6"/>
+          <p:cNvGrpSpPr/>
+          <p:nvPr/>
+        </p:nvGrpSpPr>
+        <p:grpSpPr>
+          <a:xfrm>
+            <a:off x="894530" y="2151529"/>
+            <a:ext cx="3502658" cy="1748118"/>
+            <a:chOff x="402561" y="5446058"/>
+            <a:chExt cx="3502658" cy="1748118"/>
+          </a:xfrm>
+        </p:grpSpPr>
+        <p:pic>
+          <p:nvPicPr>
+            <p:cNvPr id="5" name="Picture 4"/>
+            <p:cNvPicPr>
+              <a:picLocks noChangeAspect="1"/>
+            </p:cNvPicPr>
+            <p:nvPr/>
+          </p:nvPicPr>
+          <p:blipFill rotWithShape="1">
+            <a:blip r:embed="rId2">
+              <a:extLst>
+                <a:ext uri="{28A0092B-C50C-407E-A947-70E740481C1C}">
+                  <a14:useLocalDpi xmlns:a14="http://schemas.microsoft.com/office/drawing/2010/main" val="0"/>
+                </a:ext>
+              </a:extLst>
+            </a:blip>
+            <a:srcRect t="31956" r="42075" b="30488"/>
+            <a:stretch/>
+          </p:blipFill>
+          <p:spPr>
+            <a:xfrm>
+              <a:off x="416008" y="5446058"/>
+              <a:ext cx="3489211" cy="1748118"/>
+            </a:xfrm>
+            <a:prstGeom prst="rect">
+              <a:avLst/>
+            </a:prstGeom>
+          </p:spPr>
+        </p:pic>
+        <p:sp>
+          <p:nvSpPr>
+            <p:cNvPr id="6" name="Rectangle 5"/>
+            <p:cNvSpPr/>
+            <p:nvPr/>
+          </p:nvSpPr>
+          <p:spPr>
+            <a:xfrm>
+              <a:off x="402561" y="5739098"/>
+              <a:ext cx="277710" cy="645703"/>
+            </a:xfrm>
+            <a:prstGeom prst="rect">
+              <a:avLst/>
+            </a:prstGeom>
+            <a:solidFill>
+              <a:schemeClr val="bg1"/>
+            </a:solidFill>
+            <a:ln>
+              <a:noFill/>
+            </a:ln>
+          </p:spPr>
+          <p:style>
+            <a:lnRef idx="2">
+              <a:schemeClr val="accent1">
+                <a:shade val="50000"/>
+              </a:schemeClr>
+            </a:lnRef>
+            <a:fillRef idx="1">
+              <a:schemeClr val="accent1"/>
+            </a:fillRef>
+            <a:effectRef idx="0">
+              <a:schemeClr val="accent1"/>
+            </a:effectRef>
+            <a:fontRef idx="minor">
+              <a:schemeClr val="lt1"/>
+            </a:fontRef>
+          </p:style>
+          <p:txBody>
+            <a:bodyPr rtlCol="0" anchor="ctr"/>
+            <a:lstStyle/>
+            <a:p>
+              <a:pPr algn="ctr"/>
+              <a:endParaRPr lang="en-US"/>
+            </a:p>
+          </p:txBody>
+        </p:sp>
+      </p:grpSp>
+      <p:pic>
+        <p:nvPicPr>
+          <p:cNvPr id="8" name="Picture 7"/>
+          <p:cNvPicPr>
+            <a:picLocks noChangeAspect="1"/>
+          </p:cNvPicPr>
+          <p:nvPr/>
+        </p:nvPicPr>
+        <p:blipFill>
+          <a:blip r:embed="rId3">
+            <a:extLst>
+              <a:ext uri="{28A0092B-C50C-407E-A947-70E740481C1C}">
+                <a14:useLocalDpi xmlns:a14="http://schemas.microsoft.com/office/drawing/2010/main" val="0"/>
+              </a:ext>
+            </a:extLst>
+          </a:blip>
+          <a:stretch>
+            <a:fillRect/>
+          </a:stretch>
+        </p:blipFill>
+        <p:spPr>
+          <a:xfrm>
+            <a:off x="5411218" y="2021231"/>
+            <a:ext cx="3356264" cy="4343400"/>
+          </a:xfrm>
+          <a:prstGeom prst="rect">
+            <a:avLst/>
+          </a:prstGeom>
+        </p:spPr>
+      </p:pic>
+      <p:pic>
+        <p:nvPicPr>
+          <p:cNvPr id="10" name="Picture 9"/>
+          <p:cNvPicPr>
+            <a:picLocks noChangeAspect="1"/>
+          </p:cNvPicPr>
+          <p:nvPr/>
+        </p:nvPicPr>
+        <p:blipFill rotWithShape="1">
+          <a:blip r:embed="rId2">
+            <a:extLst>
+              <a:ext uri="{28A0092B-C50C-407E-A947-70E740481C1C}">
+                <a14:useLocalDpi xmlns:a14="http://schemas.microsoft.com/office/drawing/2010/main" val="0"/>
+              </a:ext>
+            </a:extLst>
+          </a:blip>
+          <a:srcRect l="57813" t="31956" b="30488"/>
+          <a:stretch/>
+        </p:blipFill>
+        <p:spPr>
+          <a:xfrm>
+            <a:off x="2030805" y="3899647"/>
+            <a:ext cx="2541195" cy="1748118"/>
+          </a:xfrm>
+          <a:prstGeom prst="rect">
+            <a:avLst/>
+          </a:prstGeom>
+        </p:spPr>
+      </p:pic>
+    </p:spTree>
+    <p:extLst>
+      <p:ext uri="{BB962C8B-B14F-4D97-AF65-F5344CB8AC3E}">
+        <p14:creationId xmlns:p14="http://schemas.microsoft.com/office/powerpoint/2010/main" val="1479257248"/>
+      </p:ext>
+    </p:extLst>
+  </p:cSld>
+  <p:clrMapOvr>
+    <a:masterClrMapping/>
+  </p:clrMapOvr>
+  <p:timing>
+    <p:tnLst>
+      <p:par>
+        <p:cTn id="1" dur="indefinite" restart="never" nodeType="tmRoot"/>
+      </p:par>
+    </p:tnLst>
+  </p:timing>
+</p:sld>
+</file>
+
+<file path=ppt/slides/slide16.xml><?xml version="1.0" encoding="utf-8"?>
+<p:sld xmlns:a="http://schemas.openxmlformats.org/drawingml/2006/main" xmlns:r="http://schemas.openxmlformats.org/officeDocument/2006/relationships" xmlns:p="http://schemas.openxmlformats.org/presentationml/2006/main">
+  <p:cSld>
+    <p:spTree>
+      <p:nvGrpSpPr>
+        <p:cNvPr id="1" name=""/>
+        <p:cNvGrpSpPr/>
+        <p:nvPr/>
+      </p:nvGrpSpPr>
+      <p:grpSpPr>
+        <a:xfrm>
+          <a:off x="0" y="0"/>
+          <a:ext cx="0" cy="0"/>
+          <a:chOff x="0" y="0"/>
+          <a:chExt cx="0" cy="0"/>
+        </a:xfrm>
+      </p:grpSpPr>
+      <p:sp>
+        <p:nvSpPr>
+          <p:cNvPr id="2" name="Title 1"/>
+          <p:cNvSpPr>
+            <a:spLocks noGrp="1"/>
+          </p:cNvSpPr>
+          <p:nvPr>
+            <p:ph type="title"/>
+          </p:nvPr>
+        </p:nvSpPr>
+        <p:spPr/>
+        <p:txBody>
+          <a:bodyPr/>
+          <a:lstStyle/>
+          <a:p>
+            <a:endParaRPr lang="en-US"/>
+          </a:p>
+        </p:txBody>
+      </p:sp>
+      <p:pic>
+        <p:nvPicPr>
+          <p:cNvPr id="4" name="Picture 3"/>
+          <p:cNvPicPr>
+            <a:picLocks noChangeAspect="1"/>
+          </p:cNvPicPr>
+          <p:nvPr/>
+        </p:nvPicPr>
+        <p:blipFill rotWithShape="1">
+          <a:blip r:embed="rId2">
+            <a:extLst>
+              <a:ext uri="{28A0092B-C50C-407E-A947-70E740481C1C}">
+                <a14:useLocalDpi xmlns:a14="http://schemas.microsoft.com/office/drawing/2010/main" val="0"/>
+              </a:ext>
+            </a:extLst>
+          </a:blip>
+          <a:srcRect r="20000"/>
+          <a:stretch/>
+        </p:blipFill>
+        <p:spPr>
+          <a:xfrm>
+            <a:off x="363070" y="365126"/>
+            <a:ext cx="6858000" cy="6050750"/>
+          </a:xfrm>
+          <a:prstGeom prst="rect">
+            <a:avLst/>
+          </a:prstGeom>
+        </p:spPr>
+      </p:pic>
+      <p:pic>
+        <p:nvPicPr>
+          <p:cNvPr id="5" name="Picture 4"/>
+          <p:cNvPicPr>
+            <a:picLocks noChangeAspect="1"/>
+          </p:cNvPicPr>
+          <p:nvPr/>
+        </p:nvPicPr>
+        <p:blipFill rotWithShape="1">
+          <a:blip r:embed="rId2">
+            <a:extLst>
+              <a:ext uri="{28A0092B-C50C-407E-A947-70E740481C1C}">
+                <a14:useLocalDpi xmlns:a14="http://schemas.microsoft.com/office/drawing/2010/main" val="0"/>
+              </a:ext>
+            </a:extLst>
+          </a:blip>
+          <a:srcRect l="79883" t="41192" b="43729"/>
+          <a:stretch/>
+        </p:blipFill>
+        <p:spPr>
+          <a:xfrm>
+            <a:off x="7307999" y="2904814"/>
+            <a:ext cx="1836001" cy="971373"/>
+          </a:xfrm>
+          <a:prstGeom prst="rect">
+            <a:avLst/>
+          </a:prstGeom>
+        </p:spPr>
+      </p:pic>
+    </p:spTree>
+    <p:extLst>
+      <p:ext uri="{BB962C8B-B14F-4D97-AF65-F5344CB8AC3E}">
+        <p14:creationId xmlns:p14="http://schemas.microsoft.com/office/powerpoint/2010/main" val="1740469617"/>
+      </p:ext>
+    </p:extLst>
+  </p:cSld>
+  <p:clrMapOvr>
+    <a:masterClrMapping/>
+  </p:clrMapOvr>
+  <p:timing>
+    <p:tnLst>
+      <p:par>
+        <p:cTn id="1" dur="indefinite" restart="never" nodeType="tmRoot"/>
+      </p:par>
+    </p:tnLst>
+  </p:timing>
+</p:sld>
+</file>
+
+<file path=ppt/slides/slide17.xml><?xml version="1.0" encoding="utf-8"?>
+<p:sld xmlns:a="http://schemas.openxmlformats.org/drawingml/2006/main" xmlns:r="http://schemas.openxmlformats.org/officeDocument/2006/relationships" xmlns:p="http://schemas.openxmlformats.org/presentationml/2006/main">
+  <p:cSld>
+    <p:spTree>
+      <p:nvGrpSpPr>
+        <p:cNvPr id="1" name=""/>
+        <p:cNvGrpSpPr/>
+        <p:nvPr/>
+      </p:nvGrpSpPr>
+      <p:grpSpPr>
+        <a:xfrm>
+          <a:off x="0" y="0"/>
+          <a:ext cx="0" cy="0"/>
+          <a:chOff x="0" y="0"/>
+          <a:chExt cx="0" cy="0"/>
+        </a:xfrm>
+      </p:grpSpPr>
+      <p:sp>
+        <p:nvSpPr>
+          <p:cNvPr id="2" name="Title 1"/>
+          <p:cNvSpPr>
+            <a:spLocks noGrp="1"/>
+          </p:cNvSpPr>
+          <p:nvPr>
+            <p:ph type="title"/>
+          </p:nvPr>
+        </p:nvSpPr>
+        <p:spPr/>
+        <p:txBody>
+          <a:bodyPr/>
+          <a:lstStyle/>
+          <a:p>
+            <a:endParaRPr lang="en-US"/>
+          </a:p>
+        </p:txBody>
+      </p:sp>
+      <p:pic>
+        <p:nvPicPr>
+          <p:cNvPr id="4" name="Picture 3"/>
+          <p:cNvPicPr>
+            <a:picLocks noChangeAspect="1"/>
+          </p:cNvPicPr>
+          <p:nvPr/>
+        </p:nvPicPr>
+        <p:blipFill>
+          <a:blip r:embed="rId2">
+            <a:extLst>
+              <a:ext uri="{28A0092B-C50C-407E-A947-70E740481C1C}">
+                <a14:useLocalDpi xmlns:a14="http://schemas.microsoft.com/office/drawing/2010/main" val="0"/>
+              </a:ext>
+            </a:extLst>
+          </a:blip>
+          <a:stretch>
+            <a:fillRect/>
+          </a:stretch>
+        </p:blipFill>
+        <p:spPr>
+          <a:xfrm>
+            <a:off x="2206612" y="2395066"/>
+            <a:ext cx="6680007" cy="3864083"/>
+          </a:xfrm>
+          <a:prstGeom prst="rect">
+            <a:avLst/>
+          </a:prstGeom>
+        </p:spPr>
+      </p:pic>
+    </p:spTree>
+    <p:extLst>
+      <p:ext uri="{BB962C8B-B14F-4D97-AF65-F5344CB8AC3E}">
+        <p14:creationId xmlns:p14="http://schemas.microsoft.com/office/powerpoint/2010/main" val="635494006"/>
+      </p:ext>
+    </p:extLst>
+  </p:cSld>
+  <p:clrMapOvr>
+    <a:masterClrMapping/>
+  </p:clrMapOvr>
+  <p:timing>
+    <p:tnLst>
+      <p:par>
+        <p:cTn id="1" dur="indefinite" restart="never" nodeType="tmRoot"/>
+      </p:par>
+    </p:tnLst>
+  </p:timing>
+</p:sld>
+</file>
+
+<file path=ppt/slides/slide18.xml><?xml version="1.0" encoding="utf-8"?>
+<p:sld xmlns:a="http://schemas.openxmlformats.org/drawingml/2006/main" xmlns:r="http://schemas.openxmlformats.org/officeDocument/2006/relationships" xmlns:p="http://schemas.openxmlformats.org/presentationml/2006/main">
+  <p:cSld>
+    <p:spTree>
+      <p:nvGrpSpPr>
+        <p:cNvPr id="1" name=""/>
+        <p:cNvGrpSpPr/>
+        <p:nvPr/>
+      </p:nvGrpSpPr>
+      <p:grpSpPr>
+        <a:xfrm>
+          <a:off x="0" y="0"/>
+          <a:ext cx="0" cy="0"/>
+          <a:chOff x="0" y="0"/>
+          <a:chExt cx="0" cy="0"/>
+        </a:xfrm>
+      </p:grpSpPr>
+      <p:sp>
+        <p:nvSpPr>
+          <p:cNvPr id="2" name="Title 1"/>
+          <p:cNvSpPr>
+            <a:spLocks noGrp="1"/>
+          </p:cNvSpPr>
+          <p:nvPr>
+            <p:ph type="title"/>
+          </p:nvPr>
+        </p:nvSpPr>
+        <p:spPr/>
+        <p:txBody>
+          <a:bodyPr/>
+          <a:lstStyle/>
+          <a:p>
+            <a:endParaRPr lang="en-US"/>
+          </a:p>
+        </p:txBody>
+      </p:sp>
+      <p:pic>
+        <p:nvPicPr>
+          <p:cNvPr id="4" name="Picture 3" descr="Screen Shot 2015-02-24 at 8.55.51 PM.png"/>
+          <p:cNvPicPr>
+            <a:picLocks noChangeAspect="1"/>
+          </p:cNvPicPr>
+          <p:nvPr/>
+        </p:nvPicPr>
+        <p:blipFill>
+          <a:blip r:embed="rId2">
+            <a:extLst>
+              <a:ext uri="{28A0092B-C50C-407E-A947-70E740481C1C}">
+                <a14:useLocalDpi xmlns:a14="http://schemas.microsoft.com/office/drawing/2010/main" val="0"/>
+              </a:ext>
+            </a:extLst>
+          </a:blip>
+          <a:stretch>
+            <a:fillRect/>
+          </a:stretch>
+        </p:blipFill>
+        <p:spPr>
+          <a:xfrm>
+            <a:off x="429995" y="3248526"/>
+            <a:ext cx="4411256" cy="1649508"/>
+          </a:xfrm>
+          <a:prstGeom prst="rect">
+            <a:avLst/>
+          </a:prstGeom>
+        </p:spPr>
+      </p:pic>
+      <p:pic>
+        <p:nvPicPr>
+          <p:cNvPr id="5" name="Picture 4"/>
+          <p:cNvPicPr>
+            <a:picLocks noChangeAspect="1"/>
+          </p:cNvPicPr>
+          <p:nvPr/>
+        </p:nvPicPr>
+        <p:blipFill>
+          <a:blip r:embed="rId3">
+            <a:extLst>
+              <a:ext uri="{28A0092B-C50C-407E-A947-70E740481C1C}">
+                <a14:useLocalDpi xmlns:a14="http://schemas.microsoft.com/office/drawing/2010/main" val="0"/>
+              </a:ext>
+            </a:extLst>
+          </a:blip>
+          <a:stretch>
+            <a:fillRect/>
+          </a:stretch>
+        </p:blipFill>
+        <p:spPr>
+          <a:xfrm>
+            <a:off x="6024369" y="723915"/>
+            <a:ext cx="2044695" cy="6134085"/>
+          </a:xfrm>
+          <a:prstGeom prst="rect">
+            <a:avLst/>
+          </a:prstGeom>
+        </p:spPr>
+      </p:pic>
+    </p:spTree>
+    <p:extLst>
+      <p:ext uri="{BB962C8B-B14F-4D97-AF65-F5344CB8AC3E}">
+        <p14:creationId xmlns:p14="http://schemas.microsoft.com/office/powerpoint/2010/main" val="976468942"/>
+      </p:ext>
+    </p:extLst>
+  </p:cSld>
+  <p:clrMapOvr>
+    <a:masterClrMapping/>
+  </p:clrMapOvr>
+  <p:timing>
+    <p:tnLst>
+      <p:par>
+        <p:cTn id="1" dur="indefinite" restart="never" nodeType="tmRoot">
+          <p:childTnLst>
+            <p:seq concurrent="1" nextAc="seek">
+              <p:cTn id="2" dur="indefinite" nodeType="mainSeq">
+                <p:childTnLst>
+                  <p:par>
+                    <p:cTn id="3" fill="hold">
+                      <p:stCondLst>
+                        <p:cond delay="indefinite"/>
+                      </p:stCondLst>
+                      <p:childTnLst>
+                        <p:par>
+                          <p:cTn id="4" fill="hold">
+                            <p:stCondLst>
+                              <p:cond delay="0"/>
+                            </p:stCondLst>
+                            <p:childTnLst>
+                              <p:par>
+                                <p:cTn id="5" presetID="1" presetClass="entr" presetSubtype="0" fill="hold" nodeType="clickEffect">
+                                  <p:stCondLst>
+                                    <p:cond delay="0"/>
+                                  </p:stCondLst>
+                                  <p:childTnLst>
+                                    <p:set>
+                                      <p:cBhvr>
+                                        <p:cTn id="6" dur="1" fill="hold">
+                                          <p:stCondLst>
+                                            <p:cond delay="0"/>
+                                          </p:stCondLst>
+                                        </p:cTn>
+                                        <p:tgtEl>
+                                          <p:spTgt spid="5"/>
+                                        </p:tgtEl>
+                                        <p:attrNameLst>
+                                          <p:attrName>style.visibility</p:attrName>
+                                        </p:attrNameLst>
+                                      </p:cBhvr>
+                                      <p:to>
+                                        <p:strVal val="visible"/>
+                                      </p:to>
+                                    </p:set>
+                                  </p:childTnLst>
+                                </p:cTn>
+                              </p:par>
+                            </p:childTnLst>
+                          </p:cTn>
+                        </p:par>
+                      </p:childTnLst>
+                    </p:cTn>
+                  </p:par>
+                </p:childTnLst>
+              </p:cTn>
+              <p:prevCondLst>
+                <p:cond evt="onPrev" delay="0">
+                  <p:tgtEl>
+                    <p:sldTgt/>
+                  </p:tgtEl>
+                </p:cond>
+              </p:prevCondLst>
+              <p:nextCondLst>
+                <p:cond evt="onNext" delay="0">
+                  <p:tgtEl>
+                    <p:sldTgt/>
+                  </p:tgtEl>
+                </p:cond>
+              </p:nextCondLst>
+            </p:seq>
+          </p:childTnLst>
+        </p:cTn>
+      </p:par>
+    </p:tnLst>
+  </p:timing>
+</p:sld>
+</file>
+
+<file path=ppt/slides/slide19.xml><?xml version="1.0" encoding="utf-8"?>
+<p:sld xmlns:a="http://schemas.openxmlformats.org/drawingml/2006/main" xmlns:r="http://schemas.openxmlformats.org/officeDocument/2006/relationships" xmlns:p="http://schemas.openxmlformats.org/presentationml/2006/main">
+  <p:cSld>
+    <p:spTree>
+      <p:nvGrpSpPr>
+        <p:cNvPr id="1" name=""/>
+        <p:cNvGrpSpPr/>
+        <p:nvPr/>
+      </p:nvGrpSpPr>
+      <p:grpSpPr>
+        <a:xfrm>
+          <a:off x="0" y="0"/>
+          <a:ext cx="0" cy="0"/>
+          <a:chOff x="0" y="0"/>
+          <a:chExt cx="0" cy="0"/>
+        </a:xfrm>
+      </p:grpSpPr>
+      <p:sp>
+        <p:nvSpPr>
+          <p:cNvPr id="2" name="Title 1"/>
+          <p:cNvSpPr>
+            <a:spLocks noGrp="1"/>
+          </p:cNvSpPr>
+          <p:nvPr>
+            <p:ph type="title"/>
+          </p:nvPr>
+        </p:nvSpPr>
+        <p:spPr/>
+        <p:txBody>
+          <a:bodyPr/>
+          <a:lstStyle/>
+          <a:p>
             <a:endParaRPr lang="en-US" dirty="0"/>
           </a:p>
         </p:txBody>
@@ -3681,7 +6414,7 @@
             <p:spPr>
               <a:xfrm>
                 <a:off x="1122338" y="4729459"/>
-                <a:ext cx="3449662" cy="740139"/>
+                <a:ext cx="3509422" cy="740139"/>
               </a:xfrm>
               <a:prstGeom prst="rect">
                 <a:avLst/>
@@ -3703,7 +6436,7 @@
                       <m:f>
                         <m:fPr>
                           <m:ctrlPr>
-                            <a:rPr lang="en-US" i="1">
+                            <a:rPr lang="en-US" i="1" smtClean="0">
                               <a:latin typeface="Cambria Math" charset="0"/>
                             </a:rPr>
                           </m:ctrlPr>
@@ -3898,7 +6631,7 @@
             <p:spPr>
               <a:xfrm>
                 <a:off x="1122338" y="4729459"/>
-                <a:ext cx="3449662" cy="740139"/>
+                <a:ext cx="3509422" cy="740139"/>
               </a:xfrm>
               <a:prstGeom prst="rect">
                 <a:avLst/>
@@ -7427,6 +10160,618 @@
 </p:sld>
 </file>
 
+<file path=ppt/slides/slide20.xml><?xml version="1.0" encoding="utf-8"?>
+<p:sld xmlns:a="http://schemas.openxmlformats.org/drawingml/2006/main" xmlns:r="http://schemas.openxmlformats.org/officeDocument/2006/relationships" xmlns:p="http://schemas.openxmlformats.org/presentationml/2006/main">
+  <p:cSld>
+    <p:spTree>
+      <p:nvGrpSpPr>
+        <p:cNvPr id="1" name=""/>
+        <p:cNvGrpSpPr/>
+        <p:nvPr/>
+      </p:nvGrpSpPr>
+      <p:grpSpPr>
+        <a:xfrm>
+          <a:off x="0" y="0"/>
+          <a:ext cx="0" cy="0"/>
+          <a:chOff x="0" y="0"/>
+          <a:chExt cx="0" cy="0"/>
+        </a:xfrm>
+      </p:grpSpPr>
+      <p:sp>
+        <p:nvSpPr>
+          <p:cNvPr id="2" name="Title 1"/>
+          <p:cNvSpPr>
+            <a:spLocks noGrp="1"/>
+          </p:cNvSpPr>
+          <p:nvPr>
+            <p:ph type="title"/>
+          </p:nvPr>
+        </p:nvSpPr>
+        <p:spPr/>
+        <p:txBody>
+          <a:bodyPr/>
+          <a:lstStyle/>
+          <a:p>
+            <a:endParaRPr lang="en-US"/>
+          </a:p>
+        </p:txBody>
+      </p:sp>
+    </p:spTree>
+    <p:extLst>
+      <p:ext uri="{BB962C8B-B14F-4D97-AF65-F5344CB8AC3E}">
+        <p14:creationId xmlns:p14="http://schemas.microsoft.com/office/powerpoint/2010/main" val="1335209366"/>
+      </p:ext>
+    </p:extLst>
+  </p:cSld>
+  <p:clrMapOvr>
+    <a:masterClrMapping/>
+  </p:clrMapOvr>
+  <p:timing>
+    <p:tnLst>
+      <p:par>
+        <p:cTn id="1" dur="indefinite" restart="never" nodeType="tmRoot"/>
+      </p:par>
+    </p:tnLst>
+  </p:timing>
+</p:sld>
+</file>
+
+<file path=ppt/slides/slide21.xml><?xml version="1.0" encoding="utf-8"?>
+<p:sld xmlns:a="http://schemas.openxmlformats.org/drawingml/2006/main" xmlns:r="http://schemas.openxmlformats.org/officeDocument/2006/relationships" xmlns:p="http://schemas.openxmlformats.org/presentationml/2006/main">
+  <p:cSld>
+    <p:spTree>
+      <p:nvGrpSpPr>
+        <p:cNvPr id="1" name=""/>
+        <p:cNvGrpSpPr/>
+        <p:nvPr/>
+      </p:nvGrpSpPr>
+      <p:grpSpPr>
+        <a:xfrm>
+          <a:off x="0" y="0"/>
+          <a:ext cx="0" cy="0"/>
+          <a:chOff x="0" y="0"/>
+          <a:chExt cx="0" cy="0"/>
+        </a:xfrm>
+      </p:grpSpPr>
+      <p:sp>
+        <p:nvSpPr>
+          <p:cNvPr id="2" name="Title 1"/>
+          <p:cNvSpPr>
+            <a:spLocks noGrp="1"/>
+          </p:cNvSpPr>
+          <p:nvPr>
+            <p:ph type="title"/>
+          </p:nvPr>
+        </p:nvSpPr>
+        <p:spPr/>
+        <p:txBody>
+          <a:bodyPr/>
+          <a:lstStyle/>
+          <a:p>
+            <a:r>
+              <a:rPr lang="en-US" dirty="0" smtClean="0"/>
+              <a:t>Conclusion</a:t>
+            </a:r>
+            <a:endParaRPr lang="en-US" dirty="0"/>
+          </a:p>
+        </p:txBody>
+      </p:sp>
+      <p:sp>
+        <p:nvSpPr>
+          <p:cNvPr id="3" name="Content Placeholder 2"/>
+          <p:cNvSpPr>
+            <a:spLocks noGrp="1"/>
+          </p:cNvSpPr>
+          <p:nvPr>
+            <p:ph idx="1"/>
+          </p:nvPr>
+        </p:nvSpPr>
+        <p:spPr/>
+        <p:txBody>
+          <a:bodyPr/>
+          <a:lstStyle/>
+          <a:p>
+            <a:endParaRPr lang="en-US" dirty="0"/>
+          </a:p>
+        </p:txBody>
+      </p:sp>
+    </p:spTree>
+    <p:extLst>
+      <p:ext uri="{BB962C8B-B14F-4D97-AF65-F5344CB8AC3E}">
+        <p14:creationId xmlns:p14="http://schemas.microsoft.com/office/powerpoint/2010/main" val="855487781"/>
+      </p:ext>
+    </p:extLst>
+  </p:cSld>
+  <p:clrMapOvr>
+    <a:masterClrMapping/>
+  </p:clrMapOvr>
+  <p:timing>
+    <p:tnLst>
+      <p:par>
+        <p:cTn id="1" dur="indefinite" restart="never" nodeType="tmRoot"/>
+      </p:par>
+    </p:tnLst>
+  </p:timing>
+</p:sld>
+</file>
+
+<file path=ppt/slides/slide22.xml><?xml version="1.0" encoding="utf-8"?>
+<p:sld xmlns:a="http://schemas.openxmlformats.org/drawingml/2006/main" xmlns:r="http://schemas.openxmlformats.org/officeDocument/2006/relationships" xmlns:p="http://schemas.openxmlformats.org/presentationml/2006/main">
+  <p:cSld>
+    <p:spTree>
+      <p:nvGrpSpPr>
+        <p:cNvPr id="1" name=""/>
+        <p:cNvGrpSpPr/>
+        <p:nvPr/>
+      </p:nvGrpSpPr>
+      <p:grpSpPr>
+        <a:xfrm>
+          <a:off x="0" y="0"/>
+          <a:ext cx="0" cy="0"/>
+          <a:chOff x="0" y="0"/>
+          <a:chExt cx="0" cy="0"/>
+        </a:xfrm>
+      </p:grpSpPr>
+      <p:sp>
+        <p:nvSpPr>
+          <p:cNvPr id="2" name="Title 1"/>
+          <p:cNvSpPr>
+            <a:spLocks noGrp="1"/>
+          </p:cNvSpPr>
+          <p:nvPr>
+            <p:ph type="title"/>
+          </p:nvPr>
+        </p:nvSpPr>
+        <p:spPr/>
+        <p:txBody>
+          <a:bodyPr/>
+          <a:lstStyle/>
+          <a:p>
+            <a:r>
+              <a:rPr lang="en-US" dirty="0" smtClean="0"/>
+              <a:t>Acknowledgements</a:t>
+            </a:r>
+            <a:endParaRPr lang="en-US" dirty="0"/>
+          </a:p>
+        </p:txBody>
+      </p:sp>
+      <p:sp>
+        <p:nvSpPr>
+          <p:cNvPr id="3" name="Content Placeholder 2"/>
+          <p:cNvSpPr>
+            <a:spLocks noGrp="1"/>
+          </p:cNvSpPr>
+          <p:nvPr>
+            <p:ph idx="1"/>
+          </p:nvPr>
+        </p:nvSpPr>
+        <p:spPr>
+          <a:xfrm>
+            <a:off x="628650" y="1825625"/>
+            <a:ext cx="3541014" cy="2917063"/>
+          </a:xfrm>
+        </p:spPr>
+        <p:txBody>
+          <a:bodyPr>
+            <a:normAutofit/>
+          </a:bodyPr>
+          <a:lstStyle/>
+          <a:p>
+            <a:r>
+              <a:rPr lang="en-US" sz="2400" dirty="0" err="1" smtClean="0"/>
+              <a:t>Courey</a:t>
+            </a:r>
+            <a:r>
+              <a:rPr lang="en-US" sz="2400" dirty="0" smtClean="0"/>
+              <a:t> Lab</a:t>
+            </a:r>
+          </a:p>
+          <a:p>
+            <a:pPr lvl="1"/>
+            <a:r>
+              <a:rPr lang="en-US" sz="2000" dirty="0" smtClean="0"/>
+              <a:t>Albert </a:t>
+            </a:r>
+            <a:r>
+              <a:rPr lang="en-US" sz="2000" dirty="0" err="1" smtClean="0"/>
+              <a:t>Courey</a:t>
+            </a:r>
+            <a:endParaRPr lang="en-US" sz="2000" dirty="0" smtClean="0"/>
+          </a:p>
+          <a:p>
+            <a:pPr lvl="1"/>
+            <a:r>
+              <a:rPr lang="en-US" sz="2000" dirty="0" smtClean="0"/>
+              <a:t>Joseph Cao</a:t>
+            </a:r>
+          </a:p>
+          <a:p>
+            <a:pPr lvl="1"/>
+            <a:r>
+              <a:rPr lang="en-US" sz="2000" dirty="0" smtClean="0"/>
+              <a:t>Kenny Chen</a:t>
+            </a:r>
+          </a:p>
+          <a:p>
+            <a:pPr lvl="1"/>
+            <a:r>
+              <a:rPr lang="en-US" sz="2000" dirty="0"/>
+              <a:t>Mitchell </a:t>
+            </a:r>
+            <a:r>
+              <a:rPr lang="en-US" sz="2000" dirty="0" smtClean="0"/>
+              <a:t>Kim </a:t>
+            </a:r>
+          </a:p>
+          <a:p>
+            <a:pPr lvl="1"/>
+            <a:r>
+              <a:rPr lang="en-US" sz="2000" dirty="0" smtClean="0"/>
+              <a:t>Pak </a:t>
+            </a:r>
+            <a:r>
+              <a:rPr lang="en-US" sz="2000" dirty="0" err="1" smtClean="0"/>
+              <a:t>Kwong</a:t>
+            </a:r>
+            <a:endParaRPr lang="en-US" sz="2000" dirty="0" smtClean="0"/>
+          </a:p>
+          <a:p>
+            <a:pPr lvl="1"/>
+            <a:r>
+              <a:rPr lang="en-US" sz="2000" dirty="0" err="1"/>
+              <a:t>Wiam</a:t>
+            </a:r>
+            <a:r>
+              <a:rPr lang="en-US" sz="2000" dirty="0"/>
+              <a:t> </a:t>
+            </a:r>
+            <a:r>
+              <a:rPr lang="en-US" sz="2000" dirty="0" err="1" smtClean="0"/>
+              <a:t>Turki-Judeh</a:t>
+            </a:r>
+            <a:endParaRPr lang="en-US" sz="2000" dirty="0" smtClean="0"/>
+          </a:p>
+          <a:p>
+            <a:pPr lvl="1"/>
+            <a:r>
+              <a:rPr lang="en-US" sz="2000" dirty="0" smtClean="0"/>
+              <a:t>Tom </a:t>
+            </a:r>
+            <a:r>
+              <a:rPr lang="en-US" sz="2000" dirty="0" err="1" smtClean="0"/>
+              <a:t>Yau</a:t>
+            </a:r>
+            <a:endParaRPr lang="en-US" sz="2000" dirty="0"/>
+          </a:p>
+          <a:p>
+            <a:pPr lvl="1"/>
+            <a:endParaRPr lang="en-US" sz="2000" dirty="0"/>
+          </a:p>
+        </p:txBody>
+      </p:sp>
+      <p:sp>
+        <p:nvSpPr>
+          <p:cNvPr id="4" name="Content Placeholder 2"/>
+          <p:cNvSpPr txBox="1">
+            <a:spLocks/>
+          </p:cNvSpPr>
+          <p:nvPr/>
+        </p:nvSpPr>
+        <p:spPr>
+          <a:xfrm>
+            <a:off x="4169664" y="1825625"/>
+            <a:ext cx="3541014" cy="2917063"/>
+          </a:xfrm>
+          <a:prstGeom prst="rect">
+            <a:avLst/>
+          </a:prstGeom>
+        </p:spPr>
+        <p:txBody>
+          <a:bodyPr vert="horz" lIns="91440" tIns="45720" rIns="91440" bIns="45720" rtlCol="0">
+            <a:normAutofit/>
+          </a:bodyPr>
+          <a:lstStyle>
+            <a:lvl1pPr marL="228600" indent="-228600" algn="l" defTabSz="914400" rtl="0" eaLnBrk="1" latinLnBrk="0" hangingPunct="1">
+              <a:lnSpc>
+                <a:spcPct val="90000"/>
+              </a:lnSpc>
+              <a:spcBef>
+                <a:spcPts val="1000"/>
+              </a:spcBef>
+              <a:buFont typeface="Arial" panose="020B0604020202020204" pitchFamily="34" charset="0"/>
+              <a:buChar char="•"/>
+              <a:defRPr sz="2800" kern="1200">
+                <a:solidFill>
+                  <a:schemeClr val="tx1"/>
+                </a:solidFill>
+                <a:latin typeface="+mn-lt"/>
+                <a:ea typeface="+mn-ea"/>
+                <a:cs typeface="+mn-cs"/>
+              </a:defRPr>
+            </a:lvl1pPr>
+            <a:lvl2pPr marL="685800" indent="-228600" algn="l" defTabSz="914400" rtl="0" eaLnBrk="1" latinLnBrk="0" hangingPunct="1">
+              <a:lnSpc>
+                <a:spcPct val="90000"/>
+              </a:lnSpc>
+              <a:spcBef>
+                <a:spcPts val="500"/>
+              </a:spcBef>
+              <a:buFont typeface="Arial" panose="020B0604020202020204" pitchFamily="34" charset="0"/>
+              <a:buChar char="•"/>
+              <a:defRPr sz="2400" kern="1200">
+                <a:solidFill>
+                  <a:schemeClr val="tx1"/>
+                </a:solidFill>
+                <a:latin typeface="+mn-lt"/>
+                <a:ea typeface="+mn-ea"/>
+                <a:cs typeface="+mn-cs"/>
+              </a:defRPr>
+            </a:lvl2pPr>
+            <a:lvl3pPr marL="1143000" indent="-228600" algn="l" defTabSz="914400" rtl="0" eaLnBrk="1" latinLnBrk="0" hangingPunct="1">
+              <a:lnSpc>
+                <a:spcPct val="90000"/>
+              </a:lnSpc>
+              <a:spcBef>
+                <a:spcPts val="500"/>
+              </a:spcBef>
+              <a:buFont typeface="Arial" panose="020B0604020202020204" pitchFamily="34" charset="0"/>
+              <a:buChar char="•"/>
+              <a:defRPr sz="2000" kern="1200">
+                <a:solidFill>
+                  <a:schemeClr val="tx1"/>
+                </a:solidFill>
+                <a:latin typeface="+mn-lt"/>
+                <a:ea typeface="+mn-ea"/>
+                <a:cs typeface="+mn-cs"/>
+              </a:defRPr>
+            </a:lvl3pPr>
+            <a:lvl4pPr marL="1600200" indent="-228600" algn="l" defTabSz="914400" rtl="0" eaLnBrk="1" latinLnBrk="0" hangingPunct="1">
+              <a:lnSpc>
+                <a:spcPct val="90000"/>
+              </a:lnSpc>
+              <a:spcBef>
+                <a:spcPts val="500"/>
+              </a:spcBef>
+              <a:buFont typeface="Arial" panose="020B0604020202020204" pitchFamily="34" charset="0"/>
+              <a:buChar char="•"/>
+              <a:defRPr sz="1800" kern="1200">
+                <a:solidFill>
+                  <a:schemeClr val="tx1"/>
+                </a:solidFill>
+                <a:latin typeface="+mn-lt"/>
+                <a:ea typeface="+mn-ea"/>
+                <a:cs typeface="+mn-cs"/>
+              </a:defRPr>
+            </a:lvl4pPr>
+            <a:lvl5pPr marL="2057400" indent="-228600" algn="l" defTabSz="914400" rtl="0" eaLnBrk="1" latinLnBrk="0" hangingPunct="1">
+              <a:lnSpc>
+                <a:spcPct val="90000"/>
+              </a:lnSpc>
+              <a:spcBef>
+                <a:spcPts val="500"/>
+              </a:spcBef>
+              <a:buFont typeface="Arial" panose="020B0604020202020204" pitchFamily="34" charset="0"/>
+              <a:buChar char="•"/>
+              <a:defRPr sz="1800" kern="1200">
+                <a:solidFill>
+                  <a:schemeClr val="tx1"/>
+                </a:solidFill>
+                <a:latin typeface="+mn-lt"/>
+                <a:ea typeface="+mn-ea"/>
+                <a:cs typeface="+mn-cs"/>
+              </a:defRPr>
+            </a:lvl5pPr>
+            <a:lvl6pPr marL="2514600" indent="-228600" algn="l" defTabSz="914400" rtl="0" eaLnBrk="1" latinLnBrk="0" hangingPunct="1">
+              <a:lnSpc>
+                <a:spcPct val="90000"/>
+              </a:lnSpc>
+              <a:spcBef>
+                <a:spcPts val="500"/>
+              </a:spcBef>
+              <a:buFont typeface="Arial" panose="020B0604020202020204" pitchFamily="34" charset="0"/>
+              <a:buChar char="•"/>
+              <a:defRPr sz="1800" kern="1200">
+                <a:solidFill>
+                  <a:schemeClr val="tx1"/>
+                </a:solidFill>
+                <a:latin typeface="+mn-lt"/>
+                <a:ea typeface="+mn-ea"/>
+                <a:cs typeface="+mn-cs"/>
+              </a:defRPr>
+            </a:lvl6pPr>
+            <a:lvl7pPr marL="2971800" indent="-228600" algn="l" defTabSz="914400" rtl="0" eaLnBrk="1" latinLnBrk="0" hangingPunct="1">
+              <a:lnSpc>
+                <a:spcPct val="90000"/>
+              </a:lnSpc>
+              <a:spcBef>
+                <a:spcPts val="500"/>
+              </a:spcBef>
+              <a:buFont typeface="Arial" panose="020B0604020202020204" pitchFamily="34" charset="0"/>
+              <a:buChar char="•"/>
+              <a:defRPr sz="1800" kern="1200">
+                <a:solidFill>
+                  <a:schemeClr val="tx1"/>
+                </a:solidFill>
+                <a:latin typeface="+mn-lt"/>
+                <a:ea typeface="+mn-ea"/>
+                <a:cs typeface="+mn-cs"/>
+              </a:defRPr>
+            </a:lvl7pPr>
+            <a:lvl8pPr marL="3429000" indent="-228600" algn="l" defTabSz="914400" rtl="0" eaLnBrk="1" latinLnBrk="0" hangingPunct="1">
+              <a:lnSpc>
+                <a:spcPct val="90000"/>
+              </a:lnSpc>
+              <a:spcBef>
+                <a:spcPts val="500"/>
+              </a:spcBef>
+              <a:buFont typeface="Arial" panose="020B0604020202020204" pitchFamily="34" charset="0"/>
+              <a:buChar char="•"/>
+              <a:defRPr sz="1800" kern="1200">
+                <a:solidFill>
+                  <a:schemeClr val="tx1"/>
+                </a:solidFill>
+                <a:latin typeface="+mn-lt"/>
+                <a:ea typeface="+mn-ea"/>
+                <a:cs typeface="+mn-cs"/>
+              </a:defRPr>
+            </a:lvl8pPr>
+            <a:lvl9pPr marL="3886200" indent="-228600" algn="l" defTabSz="914400" rtl="0" eaLnBrk="1" latinLnBrk="0" hangingPunct="1">
+              <a:lnSpc>
+                <a:spcPct val="90000"/>
+              </a:lnSpc>
+              <a:spcBef>
+                <a:spcPts val="500"/>
+              </a:spcBef>
+              <a:buFont typeface="Arial" panose="020B0604020202020204" pitchFamily="34" charset="0"/>
+              <a:buChar char="•"/>
+              <a:defRPr sz="1800" kern="1200">
+                <a:solidFill>
+                  <a:schemeClr val="tx1"/>
+                </a:solidFill>
+                <a:latin typeface="+mn-lt"/>
+                <a:ea typeface="+mn-ea"/>
+                <a:cs typeface="+mn-cs"/>
+              </a:defRPr>
+            </a:lvl9pPr>
+          </a:lstStyle>
+          <a:p>
+            <a:r>
+              <a:rPr lang="en-US" sz="2400" dirty="0"/>
+              <a:t>Committee</a:t>
+            </a:r>
+          </a:p>
+          <a:p>
+            <a:pPr lvl="1"/>
+            <a:r>
+              <a:rPr lang="en-US" sz="2000" dirty="0"/>
+              <a:t>Dr. James Bowie</a:t>
+            </a:r>
+          </a:p>
+          <a:p>
+            <a:pPr lvl="1"/>
+            <a:r>
+              <a:rPr lang="en-US" sz="2000" dirty="0"/>
+              <a:t>Dr. </a:t>
+            </a:r>
+            <a:r>
+              <a:rPr lang="en-US" sz="2000" dirty="0" smtClean="0"/>
+              <a:t>Michael </a:t>
+            </a:r>
+            <a:r>
+              <a:rPr lang="en-US" sz="2000" dirty="0"/>
+              <a:t>Carey</a:t>
+            </a:r>
+          </a:p>
+          <a:p>
+            <a:pPr lvl="1"/>
+            <a:r>
+              <a:rPr lang="en-US" sz="2000" dirty="0"/>
+              <a:t>Dr. </a:t>
+            </a:r>
+            <a:r>
+              <a:rPr lang="en-US" sz="2000" dirty="0" smtClean="0"/>
+              <a:t>Catherine </a:t>
+            </a:r>
+            <a:r>
+              <a:rPr lang="en-US" sz="2000" dirty="0"/>
+              <a:t>Clarke</a:t>
+            </a:r>
+          </a:p>
+          <a:p>
+            <a:pPr lvl="1"/>
+            <a:r>
+              <a:rPr lang="en-US" sz="2000" dirty="0"/>
+              <a:t>Dr. Volker </a:t>
+            </a:r>
+            <a:r>
+              <a:rPr lang="en-US" sz="2000" dirty="0" smtClean="0"/>
+              <a:t>Hartenstein</a:t>
+            </a:r>
+            <a:endParaRPr lang="en-US" sz="2000" dirty="0"/>
+          </a:p>
+        </p:txBody>
+      </p:sp>
+      <p:sp>
+        <p:nvSpPr>
+          <p:cNvPr id="5" name="Rectangle 4"/>
+          <p:cNvSpPr/>
+          <p:nvPr/>
+        </p:nvSpPr>
+        <p:spPr>
+          <a:xfrm>
+            <a:off x="628650" y="4742688"/>
+            <a:ext cx="4572000" cy="1077218"/>
+          </a:xfrm>
+          <a:prstGeom prst="rect">
+            <a:avLst/>
+          </a:prstGeom>
+        </p:spPr>
+        <p:txBody>
+          <a:bodyPr>
+            <a:spAutoFit/>
+          </a:bodyPr>
+          <a:lstStyle/>
+          <a:p>
+            <a:pPr marL="342900" indent="-342900">
+              <a:buFont typeface="Arial" charset="0"/>
+              <a:buChar char="•"/>
+            </a:pPr>
+            <a:r>
+              <a:rPr lang="en-US" sz="2400" dirty="0" smtClean="0"/>
+              <a:t>Collaborators</a:t>
+            </a:r>
+          </a:p>
+          <a:p>
+            <a:pPr marL="800100" lvl="1" indent="-342900">
+              <a:buFont typeface="Arial" charset="0"/>
+              <a:buChar char="•"/>
+            </a:pPr>
+            <a:r>
+              <a:rPr lang="en-US" sz="2000" dirty="0" smtClean="0"/>
+              <a:t>Sean Gallaher (Merchant Lab)</a:t>
+            </a:r>
+          </a:p>
+          <a:p>
+            <a:pPr marL="800100" lvl="1" indent="-342900">
+              <a:buFont typeface="Arial" charset="0"/>
+              <a:buChar char="•"/>
+            </a:pPr>
+            <a:r>
+              <a:rPr lang="en-US" sz="2000" dirty="0" smtClean="0"/>
+              <a:t>Kelvin Zhang (</a:t>
+            </a:r>
+            <a:r>
+              <a:rPr lang="en-US" sz="2000" dirty="0" err="1" smtClean="0"/>
+              <a:t>Zipursky</a:t>
+            </a:r>
+            <a:r>
+              <a:rPr lang="en-US" sz="2000" dirty="0" smtClean="0"/>
+              <a:t> Lab)</a:t>
+            </a:r>
+            <a:endParaRPr lang="en-US" sz="2000" dirty="0" smtClean="0"/>
+          </a:p>
+        </p:txBody>
+      </p:sp>
+    </p:spTree>
+    <p:extLst>
+      <p:ext uri="{BB962C8B-B14F-4D97-AF65-F5344CB8AC3E}">
+        <p14:creationId xmlns:p14="http://schemas.microsoft.com/office/powerpoint/2010/main" val="956308971"/>
+      </p:ext>
+    </p:extLst>
+  </p:cSld>
+  <p:clrMapOvr>
+    <a:masterClrMapping/>
+  </p:clrMapOvr>
+  <p:timing>
+    <p:tnLst>
+      <p:par>
+        <p:cTn id="1" dur="indefinite" restart="never" nodeType="tmRoot"/>
+      </p:par>
+    </p:tnLst>
+  </p:timing>
+</p:sld>
+</file>
+
 <file path=ppt/slides/slide3.xml><?xml version="1.0" encoding="utf-8"?>
 <p:sld xmlns:a="http://schemas.openxmlformats.org/drawingml/2006/main" xmlns:r="http://schemas.openxmlformats.org/officeDocument/2006/relationships" xmlns:p="http://schemas.openxmlformats.org/presentationml/2006/main">
   <p:cSld>
@@ -11159,12 +14504,42 @@
           <a:bodyPr/>
           <a:lstStyle/>
           <a:p>
-            <a:pPr marL="0" indent="0">
-              <a:buNone/>
+            <a:pPr marL="514350" indent="-514350">
+              <a:buAutoNum type="arabicPeriod"/>
             </a:pPr>
             <a:r>
               <a:rPr lang="en-US" dirty="0" smtClean="0"/>
-              <a:t>1. </a:t>
+              <a:t>A genome-wide survey of Groucho in the early embryo</a:t>
+            </a:r>
+          </a:p>
+          <a:p>
+            <a:pPr marL="514350" indent="-514350">
+              <a:buAutoNum type="arabicPeriod"/>
+            </a:pPr>
+            <a:endParaRPr lang="en-US" dirty="0" smtClean="0"/>
+          </a:p>
+          <a:p>
+            <a:pPr marL="514350" indent="-514350">
+              <a:buAutoNum type="arabicPeriod"/>
+            </a:pPr>
+            <a:r>
+              <a:rPr lang="en-US" dirty="0" smtClean="0"/>
+              <a:t>Identifying components of the Groucho gene regulatory network</a:t>
+            </a:r>
+          </a:p>
+          <a:p>
+            <a:pPr marL="514350" indent="-514350">
+              <a:buAutoNum type="arabicPeriod"/>
+            </a:pPr>
+            <a:endParaRPr lang="en-US" dirty="0" smtClean="0"/>
+          </a:p>
+          <a:p>
+            <a:pPr marL="514350" indent="-514350">
+              <a:buAutoNum type="arabicPeriod"/>
+            </a:pPr>
+            <a:r>
+              <a:rPr lang="en-US" dirty="0" smtClean="0"/>
+              <a:t>Groucho regulation and RNA PolII stalling</a:t>
             </a:r>
             <a:endParaRPr lang="en-US" dirty="0"/>
           </a:p>
@@ -11671,8 +15046,8 @@
           <a:p>
             <a:pPr algn="ctr"/>
             <a:r>
-              <a:rPr lang="en-US" sz="1200" dirty="0"/>
-              <a:t>mRNA transcription rate</a:t>
+              <a:rPr lang="en-US" sz="1200" dirty="0" smtClean="0"/>
+              <a:t>pre-mRNA profiling</a:t>
             </a:r>
             <a:endParaRPr lang="en-US" sz="1200" dirty="0"/>
           </a:p>
